--- a/Redaction/pres.pptx
+++ b/Redaction/pres.pptx
@@ -5,10 +5,10 @@
     <p:sldMasterId id="2147483648" r:id="rId1"/>
   </p:sldMasterIdLst>
   <p:notesMasterIdLst>
-    <p:notesMasterId r:id="rId18"/>
+    <p:notesMasterId r:id="rId20"/>
   </p:notesMasterIdLst>
   <p:handoutMasterIdLst>
-    <p:handoutMasterId r:id="rId19"/>
+    <p:handoutMasterId r:id="rId21"/>
   </p:handoutMasterIdLst>
   <p:sldIdLst>
     <p:sldId id="256" r:id="rId2"/>
@@ -27,6 +27,8 @@
     <p:sldId id="273" r:id="rId15"/>
     <p:sldId id="274" r:id="rId16"/>
     <p:sldId id="275" r:id="rId17"/>
+    <p:sldId id="276" r:id="rId18"/>
+    <p:sldId id="277" r:id="rId19"/>
   </p:sldIdLst>
   <p:sldSz cx="9144000" cy="6858000" type="screen4x3"/>
   <p:notesSz cx="6858000" cy="9144000"/>
@@ -158,6 +160,8 @@
             <p14:sldId id="273"/>
             <p14:sldId id="274"/>
             <p14:sldId id="275"/>
+            <p14:sldId id="276"/>
+            <p14:sldId id="277"/>
           </p14:sldIdLst>
         </p14:section>
       </p14:sectionLst>
@@ -1097,13 +1101,8 @@
         <a:p>
           <a:r>
             <a:rPr lang="fr-FR"/>
-            <a:t>Co</a:t>
+            <a:t>Coûts de transmission physique</a:t>
           </a:r>
-          <a:r>
-            <a:rPr lang="fr-FR"/>
-            <a:t>ûts de transmission physique</a:t>
-          </a:r>
-          <a:endParaRPr lang="fr-FR"/>
         </a:p>
       </dgm:t>
     </dgm:pt>
@@ -1139,6 +1138,13 @@
         </dgm:presLayoutVars>
       </dgm:prSet>
       <dgm:spPr/>
+      <dgm:t>
+        <a:bodyPr/>
+        <a:lstStyle/>
+        <a:p>
+          <a:endParaRPr lang="fr-FR"/>
+        </a:p>
+      </dgm:t>
     </dgm:pt>
     <dgm:pt modelId="{5DD8E76F-190F-AE4D-8F4D-4BB2AADB5179}" type="pres">
       <dgm:prSet presAssocID="{B7BB0103-7E47-DD47-A685-FB155C9A07EE}" presName="centerShape" presStyleLbl="node0" presStyleIdx="0" presStyleCnt="1"/>
@@ -1154,10 +1160,24 @@
     <dgm:pt modelId="{28E9526E-7B0C-9143-A850-585B8E0E2207}" type="pres">
       <dgm:prSet presAssocID="{5304632D-3534-014E-A773-191A91505663}" presName="parTrans" presStyleLbl="sibTrans2D1" presStyleIdx="0" presStyleCnt="3"/>
       <dgm:spPr/>
+      <dgm:t>
+        <a:bodyPr/>
+        <a:lstStyle/>
+        <a:p>
+          <a:endParaRPr lang="fr-FR"/>
+        </a:p>
+      </dgm:t>
     </dgm:pt>
     <dgm:pt modelId="{F6EB97ED-B6B4-4241-B774-3B7059FCFB8A}" type="pres">
       <dgm:prSet presAssocID="{5304632D-3534-014E-A773-191A91505663}" presName="connectorText" presStyleLbl="sibTrans2D1" presStyleIdx="0" presStyleCnt="3"/>
       <dgm:spPr/>
+      <dgm:t>
+        <a:bodyPr/>
+        <a:lstStyle/>
+        <a:p>
+          <a:endParaRPr lang="fr-FR"/>
+        </a:p>
+      </dgm:t>
     </dgm:pt>
     <dgm:pt modelId="{EFF2F8AC-1F1B-6D4D-8C29-AE41441F26F7}" type="pres">
       <dgm:prSet presAssocID="{1A6F2230-7FF1-784D-8943-FAFBB5BD867E}" presName="node" presStyleLbl="node1" presStyleIdx="0" presStyleCnt="3">
@@ -1177,10 +1197,24 @@
     <dgm:pt modelId="{54DC7B13-44EC-FF49-A46D-55A02B76FE87}" type="pres">
       <dgm:prSet presAssocID="{EE98EBD2-B01C-AC47-87D6-306A993857F7}" presName="parTrans" presStyleLbl="sibTrans2D1" presStyleIdx="1" presStyleCnt="3"/>
       <dgm:spPr/>
+      <dgm:t>
+        <a:bodyPr/>
+        <a:lstStyle/>
+        <a:p>
+          <a:endParaRPr lang="fr-FR"/>
+        </a:p>
+      </dgm:t>
     </dgm:pt>
     <dgm:pt modelId="{F9C9631B-0A4E-8840-BB52-87B441B80EB5}" type="pres">
       <dgm:prSet presAssocID="{EE98EBD2-B01C-AC47-87D6-306A993857F7}" presName="connectorText" presStyleLbl="sibTrans2D1" presStyleIdx="1" presStyleCnt="3"/>
       <dgm:spPr/>
+      <dgm:t>
+        <a:bodyPr/>
+        <a:lstStyle/>
+        <a:p>
+          <a:endParaRPr lang="fr-FR"/>
+        </a:p>
+      </dgm:t>
     </dgm:pt>
     <dgm:pt modelId="{9AF44D55-8614-3B46-93BF-F278C02874B0}" type="pres">
       <dgm:prSet presAssocID="{7DA216F7-B61A-644F-9E41-4844BDF2E1EB}" presName="node" presStyleLbl="node1" presStyleIdx="1" presStyleCnt="3">
@@ -1200,10 +1234,24 @@
     <dgm:pt modelId="{443AD5A5-74EA-D84C-A21D-7D9663E3D147}" type="pres">
       <dgm:prSet presAssocID="{EBD4001C-B961-5540-8C87-277869C67930}" presName="parTrans" presStyleLbl="sibTrans2D1" presStyleIdx="2" presStyleCnt="3"/>
       <dgm:spPr/>
+      <dgm:t>
+        <a:bodyPr/>
+        <a:lstStyle/>
+        <a:p>
+          <a:endParaRPr lang="fr-FR"/>
+        </a:p>
+      </dgm:t>
     </dgm:pt>
     <dgm:pt modelId="{D2B7ABDE-DC5D-CC43-A304-27801E8F3934}" type="pres">
       <dgm:prSet presAssocID="{EBD4001C-B961-5540-8C87-277869C67930}" presName="connectorText" presStyleLbl="sibTrans2D1" presStyleIdx="2" presStyleCnt="3"/>
       <dgm:spPr/>
+      <dgm:t>
+        <a:bodyPr/>
+        <a:lstStyle/>
+        <a:p>
+          <a:endParaRPr lang="fr-FR"/>
+        </a:p>
+      </dgm:t>
     </dgm:pt>
     <dgm:pt modelId="{E6336081-3369-9448-A37D-3542AC02AA41}" type="pres">
       <dgm:prSet presAssocID="{80CDC2A9-E114-4E4E-97DA-E5A6E9106C0D}" presName="node" presStyleLbl="node1" presStyleIdx="2" presStyleCnt="3">
@@ -1222,21 +1270,21 @@
     </dgm:pt>
   </dgm:ptLst>
   <dgm:cxnLst>
+    <dgm:cxn modelId="{BD289E23-9AEB-1545-8121-FFED29DF8A76}" type="presOf" srcId="{EBD4001C-B961-5540-8C87-277869C67930}" destId="{D2B7ABDE-DC5D-CC43-A304-27801E8F3934}" srcOrd="1" destOrd="0" presId="urn:microsoft.com/office/officeart/2005/8/layout/radial5"/>
+    <dgm:cxn modelId="{5EF9709A-DAC0-EE4B-8557-4C53B4B56380}" type="presOf" srcId="{7DA216F7-B61A-644F-9E41-4844BDF2E1EB}" destId="{9AF44D55-8614-3B46-93BF-F278C02874B0}" srcOrd="0" destOrd="0" presId="urn:microsoft.com/office/officeart/2005/8/layout/radial5"/>
+    <dgm:cxn modelId="{20D7BF27-E99E-774C-A330-14F0528895CF}" type="presOf" srcId="{EC3D84DF-2E4A-914D-8008-A16D5583089F}" destId="{2D39C667-17DD-D243-BBEF-E694A5E11B6F}" srcOrd="0" destOrd="0" presId="urn:microsoft.com/office/officeart/2005/8/layout/radial5"/>
+    <dgm:cxn modelId="{3CF9BB7A-5A06-2847-8A99-D91FA18D9AFA}" type="presOf" srcId="{5304632D-3534-014E-A773-191A91505663}" destId="{28E9526E-7B0C-9143-A850-585B8E0E2207}" srcOrd="0" destOrd="0" presId="urn:microsoft.com/office/officeart/2005/8/layout/radial5"/>
+    <dgm:cxn modelId="{981409B1-430A-F64D-A631-F9C5F731F273}" type="presOf" srcId="{EBD4001C-B961-5540-8C87-277869C67930}" destId="{443AD5A5-74EA-D84C-A21D-7D9663E3D147}" srcOrd="0" destOrd="0" presId="urn:microsoft.com/office/officeart/2005/8/layout/radial5"/>
+    <dgm:cxn modelId="{88714B9B-4491-1648-BFA5-9908FC612FF9}" type="presOf" srcId="{1A6F2230-7FF1-784D-8943-FAFBB5BD867E}" destId="{EFF2F8AC-1F1B-6D4D-8C29-AE41441F26F7}" srcOrd="0" destOrd="0" presId="urn:microsoft.com/office/officeart/2005/8/layout/radial5"/>
+    <dgm:cxn modelId="{1F426276-401F-6548-A04B-6E549D314F44}" srcId="{EC3D84DF-2E4A-914D-8008-A16D5583089F}" destId="{B7BB0103-7E47-DD47-A685-FB155C9A07EE}" srcOrd="0" destOrd="0" parTransId="{187E3820-FDBD-A14B-8D53-13DEEA190D85}" sibTransId="{07DE391C-36DC-2347-ACDE-6F70ECD1194A}"/>
+    <dgm:cxn modelId="{DA6D3E26-D7CA-AD40-9EAA-FB53CCDC295A}" srcId="{B7BB0103-7E47-DD47-A685-FB155C9A07EE}" destId="{7DA216F7-B61A-644F-9E41-4844BDF2E1EB}" srcOrd="1" destOrd="0" parTransId="{EE98EBD2-B01C-AC47-87D6-306A993857F7}" sibTransId="{40828377-F63C-7147-AD5C-8E259A94515F}"/>
+    <dgm:cxn modelId="{D1A37C89-99F7-8646-9954-2A9040E91DE6}" type="presOf" srcId="{B7BB0103-7E47-DD47-A685-FB155C9A07EE}" destId="{5DD8E76F-190F-AE4D-8F4D-4BB2AADB5179}" srcOrd="0" destOrd="0" presId="urn:microsoft.com/office/officeart/2005/8/layout/radial5"/>
+    <dgm:cxn modelId="{182F8A36-DF71-514D-A4DB-02C0E52C9E27}" srcId="{B7BB0103-7E47-DD47-A685-FB155C9A07EE}" destId="{80CDC2A9-E114-4E4E-97DA-E5A6E9106C0D}" srcOrd="2" destOrd="0" parTransId="{EBD4001C-B961-5540-8C87-277869C67930}" sibTransId="{23331D01-66FE-2F4E-9D58-79CD274B6161}"/>
+    <dgm:cxn modelId="{06BD377A-1813-9A43-8E47-E01E784BE70D}" type="presOf" srcId="{80CDC2A9-E114-4E4E-97DA-E5A6E9106C0D}" destId="{E6336081-3369-9448-A37D-3542AC02AA41}" srcOrd="0" destOrd="0" presId="urn:microsoft.com/office/officeart/2005/8/layout/radial5"/>
+    <dgm:cxn modelId="{41055DA1-11F4-F44D-8A2D-65078C273C86}" srcId="{B7BB0103-7E47-DD47-A685-FB155C9A07EE}" destId="{1A6F2230-7FF1-784D-8943-FAFBB5BD867E}" srcOrd="0" destOrd="0" parTransId="{5304632D-3534-014E-A773-191A91505663}" sibTransId="{18929EFA-1674-8D49-BFC2-4A2E5D4308B5}"/>
+    <dgm:cxn modelId="{21A54FB8-9CA2-2343-945D-5B2902E5F5E8}" type="presOf" srcId="{5304632D-3534-014E-A773-191A91505663}" destId="{F6EB97ED-B6B4-4241-B774-3B7059FCFB8A}" srcOrd="1" destOrd="0" presId="urn:microsoft.com/office/officeart/2005/8/layout/radial5"/>
     <dgm:cxn modelId="{B42444B2-648E-4449-96AD-FC3B788CF0E4}" type="presOf" srcId="{EE98EBD2-B01C-AC47-87D6-306A993857F7}" destId="{54DC7B13-44EC-FF49-A46D-55A02B76FE87}" srcOrd="0" destOrd="0" presId="urn:microsoft.com/office/officeart/2005/8/layout/radial5"/>
-    <dgm:cxn modelId="{5EF9709A-DAC0-EE4B-8557-4C53B4B56380}" type="presOf" srcId="{7DA216F7-B61A-644F-9E41-4844BDF2E1EB}" destId="{9AF44D55-8614-3B46-93BF-F278C02874B0}" srcOrd="0" destOrd="0" presId="urn:microsoft.com/office/officeart/2005/8/layout/radial5"/>
-    <dgm:cxn modelId="{1F426276-401F-6548-A04B-6E549D314F44}" srcId="{EC3D84DF-2E4A-914D-8008-A16D5583089F}" destId="{B7BB0103-7E47-DD47-A685-FB155C9A07EE}" srcOrd="0" destOrd="0" parTransId="{187E3820-FDBD-A14B-8D53-13DEEA190D85}" sibTransId="{07DE391C-36DC-2347-ACDE-6F70ECD1194A}"/>
-    <dgm:cxn modelId="{981409B1-430A-F64D-A631-F9C5F731F273}" type="presOf" srcId="{EBD4001C-B961-5540-8C87-277869C67930}" destId="{443AD5A5-74EA-D84C-A21D-7D9663E3D147}" srcOrd="0" destOrd="0" presId="urn:microsoft.com/office/officeart/2005/8/layout/radial5"/>
-    <dgm:cxn modelId="{D1A37C89-99F7-8646-9954-2A9040E91DE6}" type="presOf" srcId="{B7BB0103-7E47-DD47-A685-FB155C9A07EE}" destId="{5DD8E76F-190F-AE4D-8F4D-4BB2AADB5179}" srcOrd="0" destOrd="0" presId="urn:microsoft.com/office/officeart/2005/8/layout/radial5"/>
-    <dgm:cxn modelId="{20D7BF27-E99E-774C-A330-14F0528895CF}" type="presOf" srcId="{EC3D84DF-2E4A-914D-8008-A16D5583089F}" destId="{2D39C667-17DD-D243-BBEF-E694A5E11B6F}" srcOrd="0" destOrd="0" presId="urn:microsoft.com/office/officeart/2005/8/layout/radial5"/>
-    <dgm:cxn modelId="{DA6D3E26-D7CA-AD40-9EAA-FB53CCDC295A}" srcId="{B7BB0103-7E47-DD47-A685-FB155C9A07EE}" destId="{7DA216F7-B61A-644F-9E41-4844BDF2E1EB}" srcOrd="1" destOrd="0" parTransId="{EE98EBD2-B01C-AC47-87D6-306A993857F7}" sibTransId="{40828377-F63C-7147-AD5C-8E259A94515F}"/>
-    <dgm:cxn modelId="{88714B9B-4491-1648-BFA5-9908FC612FF9}" type="presOf" srcId="{1A6F2230-7FF1-784D-8943-FAFBB5BD867E}" destId="{EFF2F8AC-1F1B-6D4D-8C29-AE41441F26F7}" srcOrd="0" destOrd="0" presId="urn:microsoft.com/office/officeart/2005/8/layout/radial5"/>
-    <dgm:cxn modelId="{41055DA1-11F4-F44D-8A2D-65078C273C86}" srcId="{B7BB0103-7E47-DD47-A685-FB155C9A07EE}" destId="{1A6F2230-7FF1-784D-8943-FAFBB5BD867E}" srcOrd="0" destOrd="0" parTransId="{5304632D-3534-014E-A773-191A91505663}" sibTransId="{18929EFA-1674-8D49-BFC2-4A2E5D4308B5}"/>
-    <dgm:cxn modelId="{06BD377A-1813-9A43-8E47-E01E784BE70D}" type="presOf" srcId="{80CDC2A9-E114-4E4E-97DA-E5A6E9106C0D}" destId="{E6336081-3369-9448-A37D-3542AC02AA41}" srcOrd="0" destOrd="0" presId="urn:microsoft.com/office/officeart/2005/8/layout/radial5"/>
-    <dgm:cxn modelId="{3CF9BB7A-5A06-2847-8A99-D91FA18D9AFA}" type="presOf" srcId="{5304632D-3534-014E-A773-191A91505663}" destId="{28E9526E-7B0C-9143-A850-585B8E0E2207}" srcOrd="0" destOrd="0" presId="urn:microsoft.com/office/officeart/2005/8/layout/radial5"/>
-    <dgm:cxn modelId="{21A54FB8-9CA2-2343-945D-5B2902E5F5E8}" type="presOf" srcId="{5304632D-3534-014E-A773-191A91505663}" destId="{F6EB97ED-B6B4-4241-B774-3B7059FCFB8A}" srcOrd="1" destOrd="0" presId="urn:microsoft.com/office/officeart/2005/8/layout/radial5"/>
-    <dgm:cxn modelId="{BD289E23-9AEB-1545-8121-FFED29DF8A76}" type="presOf" srcId="{EBD4001C-B961-5540-8C87-277869C67930}" destId="{D2B7ABDE-DC5D-CC43-A304-27801E8F3934}" srcOrd="1" destOrd="0" presId="urn:microsoft.com/office/officeart/2005/8/layout/radial5"/>
     <dgm:cxn modelId="{7ED21C30-811C-3644-A272-51AA029DED4E}" type="presOf" srcId="{EE98EBD2-B01C-AC47-87D6-306A993857F7}" destId="{F9C9631B-0A4E-8840-BB52-87B441B80EB5}" srcOrd="1" destOrd="0" presId="urn:microsoft.com/office/officeart/2005/8/layout/radial5"/>
-    <dgm:cxn modelId="{182F8A36-DF71-514D-A4DB-02C0E52C9E27}" srcId="{B7BB0103-7E47-DD47-A685-FB155C9A07EE}" destId="{80CDC2A9-E114-4E4E-97DA-E5A6E9106C0D}" srcOrd="2" destOrd="0" parTransId="{EBD4001C-B961-5540-8C87-277869C67930}" sibTransId="{23331D01-66FE-2F4E-9D58-79CD274B6161}"/>
     <dgm:cxn modelId="{D454D5EA-D415-0940-841D-9AF66E1C32C1}" type="presParOf" srcId="{2D39C667-17DD-D243-BBEF-E694A5E11B6F}" destId="{5DD8E76F-190F-AE4D-8F4D-4BB2AADB5179}" srcOrd="0" destOrd="0" presId="urn:microsoft.com/office/officeart/2005/8/layout/radial5"/>
     <dgm:cxn modelId="{758DD4F6-D5C5-1B47-AEAA-8A9B5ED271C1}" type="presParOf" srcId="{2D39C667-17DD-D243-BBEF-E694A5E11B6F}" destId="{28E9526E-7B0C-9143-A850-585B8E0E2207}" srcOrd="1" destOrd="0" presId="urn:microsoft.com/office/officeart/2005/8/layout/radial5"/>
     <dgm:cxn modelId="{0E9F40F2-2A10-F442-B672-458B50589287}" type="presParOf" srcId="{28E9526E-7B0C-9143-A850-585B8E0E2207}" destId="{F6EB97ED-B6B4-4241-B774-3B7059FCFB8A}" srcOrd="0" destOrd="0" presId="urn:microsoft.com/office/officeart/2005/8/layout/radial5"/>
@@ -1291,6 +1339,10 @@
           <a:noFill/>
         </a:ln>
         <a:effectLst/>
+        <a:scene3d>
+          <a:camera prst="orthographicFront"/>
+          <a:lightRig rig="chilly" dir="t"/>
+        </a:scene3d>
         <a:sp3d prstMaterial="translucentPowder">
           <a:bevelT w="127000" h="25400" prst="softRound"/>
         </a:sp3d>
@@ -1527,6 +1579,10 @@
           <a:noFill/>
         </a:ln>
         <a:effectLst/>
+        <a:scene3d>
+          <a:camera prst="orthographicFront"/>
+          <a:lightRig rig="chilly" dir="t"/>
+        </a:scene3d>
         <a:sp3d z="-70000" extrusionH="1700" prstMaterial="translucentPowder">
           <a:bevelT w="25400" h="6350" prst="softRound"/>
           <a:bevelB w="0" h="0" prst="convex"/>
@@ -1596,6 +1652,10 @@
           <a:noFill/>
         </a:ln>
         <a:effectLst/>
+        <a:scene3d>
+          <a:camera prst="orthographicFront"/>
+          <a:lightRig rig="chilly" dir="t"/>
+        </a:scene3d>
         <a:sp3d prstMaterial="translucentPowder">
           <a:bevelT w="127000" h="25400" prst="softRound"/>
         </a:sp3d>
@@ -1670,6 +1730,10 @@
           <a:noFill/>
         </a:ln>
         <a:effectLst/>
+        <a:scene3d>
+          <a:camera prst="orthographicFront"/>
+          <a:lightRig rig="chilly" dir="t"/>
+        </a:scene3d>
         <a:sp3d z="-70000" extrusionH="1700" prstMaterial="translucentPowder">
           <a:bevelT w="25400" h="6350" prst="softRound"/>
           <a:bevelB w="0" h="0" prst="convex"/>
@@ -1739,6 +1803,10 @@
           <a:noFill/>
         </a:ln>
         <a:effectLst/>
+        <a:scene3d>
+          <a:camera prst="orthographicFront"/>
+          <a:lightRig rig="chilly" dir="t"/>
+        </a:scene3d>
         <a:sp3d prstMaterial="translucentPowder">
           <a:bevelT w="127000" h="25400" prst="softRound"/>
         </a:sp3d>
@@ -1776,13 +1844,8 @@
           </a:pPr>
           <a:r>
             <a:rPr lang="fr-FR" sz="1600" kern="1200"/>
-            <a:t>Co</a:t>
+            <a:t>Coûts de transmission physique</a:t>
           </a:r>
-          <a:r>
-            <a:rPr lang="fr-FR" sz="1600" kern="1200"/>
-            <a:t>ûts de transmission physique</a:t>
-          </a:r>
-          <a:endParaRPr lang="fr-FR" sz="1600" kern="1200"/>
         </a:p>
       </dsp:txBody>
       <dsp:txXfrm>
@@ -3830,11 +3893,11 @@
   <p:clrMapOvr>
     <a:masterClrMapping/>
   </p:clrMapOvr>
-  <mc:AlternateContent xmlns:mc="http://schemas.openxmlformats.org/markup-compatibility/2006">
-    <mc:Choice xmlns:p14="http://schemas.microsoft.com/office/powerpoint/2010/main" Requires="p14">
+  <mc:AlternateContent xmlns:mc="http://schemas.openxmlformats.org/markup-compatibility/2006" xmlns:p14="http://schemas.microsoft.com/office/powerpoint/2010/main">
+    <mc:Choice Requires="p14">
       <p:transition p14:dur="0"/>
     </mc:Choice>
-    <mc:Fallback>
+    <mc:Fallback xmlns="">
       <p:transition xmlns:p14="http://schemas.microsoft.com/office/powerpoint/2010/main"/>
     </mc:Fallback>
   </mc:AlternateContent>
@@ -5325,13 +5388,13 @@
   <p:clrMapOvr>
     <a:masterClrMapping/>
   </p:clrMapOvr>
-  <mc:AlternateContent xmlns:mc="http://schemas.openxmlformats.org/markup-compatibility/2006">
-    <mc:Choice xmlns:p14="http://schemas.microsoft.com/office/powerpoint/2010/main" Requires="p14">
+  <mc:AlternateContent xmlns:mc="http://schemas.openxmlformats.org/markup-compatibility/2006" xmlns:p14="http://schemas.microsoft.com/office/powerpoint/2010/main">
+    <mc:Choice Requires="p14">
       <p:transition spd="slow" p14:dur="1500">
         <p:split orient="vert"/>
       </p:transition>
     </mc:Choice>
-    <mc:Fallback>
+    <mc:Fallback xmlns="">
       <p:transition xmlns:p14="http://schemas.microsoft.com/office/powerpoint/2010/main" spd="slow">
         <p:split orient="vert"/>
       </p:transition>
@@ -7597,11 +7660,11 @@
   <p:clrMapOvr>
     <a:masterClrMapping/>
   </p:clrMapOvr>
-  <mc:AlternateContent xmlns:mc="http://schemas.openxmlformats.org/markup-compatibility/2006">
-    <mc:Choice xmlns:p14="http://schemas.microsoft.com/office/powerpoint/2010/main" Requires="p14">
+  <mc:AlternateContent xmlns:mc="http://schemas.openxmlformats.org/markup-compatibility/2006" xmlns:p14="http://schemas.microsoft.com/office/powerpoint/2010/main">
+    <mc:Choice Requires="p14">
       <p:transition p14:dur="0"/>
     </mc:Choice>
-    <mc:Fallback>
+    <mc:Fallback xmlns="">
       <p:transition xmlns:p14="http://schemas.microsoft.com/office/powerpoint/2010/main"/>
     </mc:Fallback>
   </mc:AlternateContent>
@@ -7874,7 +7937,6 @@
               <a:rPr lang="fr-FR"/>
               <a:t>état de l’art</a:t>
             </a:r>
-            <a:endParaRPr lang="fr-FR"/>
           </a:p>
         </p:txBody>
       </p:sp>
@@ -8022,7 +8084,6 @@
               <a:rPr lang="fr-FR"/>
               <a:t> le rayon d’émission maximum</a:t>
             </a:r>
-            <a:endParaRPr lang="fr-FR"/>
           </a:p>
           <a:p>
             <a:pPr>
@@ -8109,7 +8170,6 @@
               <a:rPr lang="fr-FR"/>
               <a:t>état de l’art</a:t>
             </a:r>
-            <a:endParaRPr lang="fr-FR"/>
           </a:p>
         </p:txBody>
       </p:sp>
@@ -8959,7 +9019,7 @@
         </p:nvSpPr>
         <p:spPr>
           <a:xfrm>
-            <a:off x="1623964" y="2699756"/>
+            <a:off x="1658469" y="2772576"/>
             <a:ext cx="2880321" cy="2880321"/>
           </a:xfrm>
           <a:prstGeom prst="ellipse">
@@ -9089,7 +9149,7 @@
         </p:nvSpPr>
         <p:spPr>
           <a:xfrm>
-            <a:off x="2966193" y="3144460"/>
+            <a:off x="2843807" y="3084775"/>
             <a:ext cx="2880321" cy="2880321"/>
           </a:xfrm>
           <a:prstGeom prst="ellipse">
@@ -9371,7 +9431,7 @@
         </p:nvSpPr>
         <p:spPr>
           <a:xfrm>
-            <a:off x="2849978" y="3869254"/>
+            <a:off x="2915816" y="4005064"/>
             <a:ext cx="428293" cy="407558"/>
           </a:xfrm>
           <a:prstGeom prst="ellipse">
@@ -9414,7 +9474,7 @@
         </p:nvSpPr>
         <p:spPr>
           <a:xfrm>
-            <a:off x="4219469" y="4352080"/>
+            <a:off x="4005322" y="4299744"/>
             <a:ext cx="428293" cy="407558"/>
           </a:xfrm>
           <a:prstGeom prst="ellipse">
@@ -9532,7 +9592,7 @@
         <p:spPr>
           <a:xfrm>
             <a:off x="2966193" y="3587328"/>
-            <a:ext cx="97932" cy="281926"/>
+            <a:ext cx="163770" cy="417736"/>
           </a:xfrm>
           <a:prstGeom prst="line">
             <a:avLst/>
@@ -9597,8 +9657,8 @@
         </p:nvCxnSpPr>
         <p:spPr>
           <a:xfrm flipV="1">
-            <a:off x="2540828" y="4217127"/>
-            <a:ext cx="371872" cy="418811"/>
+            <a:off x="2540828" y="4352937"/>
+            <a:ext cx="437710" cy="283001"/>
           </a:xfrm>
           <a:prstGeom prst="line">
             <a:avLst/>
@@ -9630,8 +9690,8 @@
         </p:nvCxnSpPr>
         <p:spPr>
           <a:xfrm>
-            <a:off x="3278271" y="4073033"/>
-            <a:ext cx="941198" cy="482826"/>
+            <a:off x="3344109" y="4208843"/>
+            <a:ext cx="661213" cy="294680"/>
           </a:xfrm>
           <a:prstGeom prst="line">
             <a:avLst/>
@@ -9685,6 +9745,65 @@
           </a:fontRef>
         </p:style>
       </p:cxnSp>
+      <p:sp>
+        <p:nvSpPr>
+          <p:cNvPr id="24" name="Espace réservé du contenu 6"/>
+          <p:cNvSpPr>
+            <a:spLocks noGrp="1"/>
+          </p:cNvSpPr>
+          <p:nvPr>
+            <p:ph idx="1"/>
+          </p:nvPr>
+        </p:nvSpPr>
+        <p:spPr>
+          <a:xfrm>
+            <a:off x="457200" y="1600201"/>
+            <a:ext cx="8229600" cy="4525963"/>
+          </a:xfrm>
+        </p:spPr>
+        <p:txBody>
+          <a:bodyPr>
+            <a:normAutofit/>
+          </a:bodyPr>
+          <a:lstStyle/>
+          <a:p>
+            <a:pPr algn="r"/>
+            <a:r>
+              <a:rPr lang="fr-FR"/>
+              <a:t>4 transmissions </a:t>
+            </a:r>
+          </a:p>
+          <a:p>
+            <a:pPr marL="0" indent="0" algn="r">
+              <a:buNone/>
+            </a:pPr>
+            <a:r>
+              <a:rPr lang="fr-FR"/>
+              <a:t>superflues</a:t>
+            </a:r>
+          </a:p>
+          <a:p>
+            <a:pPr algn="r"/>
+            <a:endParaRPr lang="fr-FR"/>
+          </a:p>
+          <a:p>
+            <a:pPr algn="r"/>
+            <a:r>
+              <a:rPr lang="fr-FR"/>
+              <a:t>Tous les nœuds</a:t>
+            </a:r>
+          </a:p>
+          <a:p>
+            <a:pPr marL="0" indent="0" algn="r">
+              <a:buNone/>
+            </a:pPr>
+            <a:r>
+              <a:rPr lang="fr-FR"/>
+              <a:t>couverts</a:t>
+            </a:r>
+          </a:p>
+        </p:txBody>
+      </p:sp>
     </p:spTree>
     <p:extLst>
       <p:ext uri="{BB962C8B-B14F-4D97-AF65-F5344CB8AC3E}">
@@ -9919,6 +10038,2256 @@
 </p:sld>
 </file>
 
+<file path=ppt/slides/slide17.xml><?xml version="1.0" encoding="utf-8"?>
+<p:sld xmlns:a="http://schemas.openxmlformats.org/drawingml/2006/main" xmlns:r="http://schemas.openxmlformats.org/officeDocument/2006/relationships" xmlns:p="http://schemas.openxmlformats.org/presentationml/2006/main">
+  <p:cSld>
+    <p:spTree>
+      <p:nvGrpSpPr>
+        <p:cNvPr id="1" name=""/>
+        <p:cNvGrpSpPr/>
+        <p:nvPr/>
+      </p:nvGrpSpPr>
+      <p:grpSpPr>
+        <a:xfrm>
+          <a:off x="0" y="0"/>
+          <a:ext cx="0" cy="0"/>
+          <a:chOff x="0" y="0"/>
+          <a:chExt cx="0" cy="0"/>
+        </a:xfrm>
+      </p:grpSpPr>
+      <p:sp>
+        <p:nvSpPr>
+          <p:cNvPr id="2" name="Titre 1"/>
+          <p:cNvSpPr>
+            <a:spLocks noGrp="1"/>
+          </p:cNvSpPr>
+          <p:nvPr>
+            <p:ph type="title"/>
+          </p:nvPr>
+        </p:nvSpPr>
+        <p:spPr/>
+        <p:txBody>
+          <a:bodyPr/>
+          <a:lstStyle/>
+          <a:p>
+            <a:r>
+              <a:rPr lang="fr-FR"/>
+              <a:t>Probabilistic flooding</a:t>
+            </a:r>
+          </a:p>
+        </p:txBody>
+      </p:sp>
+      <p:sp>
+        <p:nvSpPr>
+          <p:cNvPr id="45" name="Ellipse 44"/>
+          <p:cNvSpPr/>
+          <p:nvPr/>
+        </p:nvSpPr>
+        <p:spPr>
+          <a:xfrm>
+            <a:off x="1403647" y="1988839"/>
+            <a:ext cx="2880321" cy="2880321"/>
+          </a:xfrm>
+          <a:prstGeom prst="ellipse">
+            <a:avLst/>
+          </a:prstGeom>
+          <a:gradFill flip="none" rotWithShape="1">
+            <a:gsLst>
+              <a:gs pos="0">
+                <a:schemeClr val="accent5">
+                  <a:tint val="50000"/>
+                  <a:satMod val="300000"/>
+                  <a:alpha val="66000"/>
+                </a:schemeClr>
+              </a:gs>
+              <a:gs pos="35000">
+                <a:schemeClr val="accent5">
+                  <a:tint val="37000"/>
+                  <a:satMod val="300000"/>
+                  <a:alpha val="66000"/>
+                </a:schemeClr>
+              </a:gs>
+              <a:gs pos="100000">
+                <a:schemeClr val="accent5">
+                  <a:tint val="15000"/>
+                  <a:satMod val="350000"/>
+                  <a:alpha val="66000"/>
+                </a:schemeClr>
+              </a:gs>
+            </a:gsLst>
+            <a:lin ang="16200000" scaled="1"/>
+            <a:tileRect/>
+          </a:gradFill>
+        </p:spPr>
+        <p:style>
+          <a:lnRef idx="1">
+            <a:schemeClr val="accent5"/>
+          </a:lnRef>
+          <a:fillRef idx="2">
+            <a:schemeClr val="accent5"/>
+          </a:fillRef>
+          <a:effectRef idx="1">
+            <a:schemeClr val="accent5"/>
+          </a:effectRef>
+          <a:fontRef idx="minor">
+            <a:schemeClr val="dk1"/>
+          </a:fontRef>
+        </p:style>
+        <p:txBody>
+          <a:bodyPr rtlCol="0" anchor="ctr"/>
+          <a:lstStyle/>
+          <a:p>
+            <a:pPr algn="ctr"/>
+            <a:endParaRPr lang="fr-FR"/>
+          </a:p>
+        </p:txBody>
+      </p:sp>
+      <p:sp>
+        <p:nvSpPr>
+          <p:cNvPr id="87" name="Ellipse 86"/>
+          <p:cNvSpPr/>
+          <p:nvPr/>
+        </p:nvSpPr>
+        <p:spPr>
+          <a:xfrm>
+            <a:off x="1853237" y="1471759"/>
+            <a:ext cx="2880321" cy="2880321"/>
+          </a:xfrm>
+          <a:prstGeom prst="ellipse">
+            <a:avLst/>
+          </a:prstGeom>
+          <a:gradFill flip="none" rotWithShape="1">
+            <a:gsLst>
+              <a:gs pos="0">
+                <a:schemeClr val="accent5">
+                  <a:tint val="50000"/>
+                  <a:satMod val="300000"/>
+                  <a:alpha val="51000"/>
+                </a:schemeClr>
+              </a:gs>
+              <a:gs pos="35000">
+                <a:schemeClr val="accent5">
+                  <a:tint val="37000"/>
+                  <a:satMod val="300000"/>
+                  <a:alpha val="51000"/>
+                </a:schemeClr>
+              </a:gs>
+              <a:gs pos="100000">
+                <a:schemeClr val="accent5">
+                  <a:tint val="15000"/>
+                  <a:satMod val="350000"/>
+                  <a:alpha val="51000"/>
+                </a:schemeClr>
+              </a:gs>
+            </a:gsLst>
+            <a:lin ang="16200000" scaled="1"/>
+            <a:tileRect/>
+          </a:gradFill>
+        </p:spPr>
+        <p:style>
+          <a:lnRef idx="1">
+            <a:schemeClr val="accent5"/>
+          </a:lnRef>
+          <a:fillRef idx="2">
+            <a:schemeClr val="accent5"/>
+          </a:fillRef>
+          <a:effectRef idx="1">
+            <a:schemeClr val="accent5"/>
+          </a:effectRef>
+          <a:fontRef idx="minor">
+            <a:schemeClr val="dk1"/>
+          </a:fontRef>
+        </p:style>
+        <p:txBody>
+          <a:bodyPr rtlCol="0" anchor="ctr"/>
+          <a:lstStyle/>
+          <a:p>
+            <a:pPr algn="ctr"/>
+            <a:endParaRPr lang="fr-FR"/>
+          </a:p>
+        </p:txBody>
+      </p:sp>
+      <p:sp>
+        <p:nvSpPr>
+          <p:cNvPr id="86" name="Ellipse 85"/>
+          <p:cNvSpPr/>
+          <p:nvPr/>
+        </p:nvSpPr>
+        <p:spPr>
+          <a:xfrm>
+            <a:off x="949243" y="3319477"/>
+            <a:ext cx="2880321" cy="2880321"/>
+          </a:xfrm>
+          <a:prstGeom prst="ellipse">
+            <a:avLst/>
+          </a:prstGeom>
+          <a:gradFill flip="none" rotWithShape="1">
+            <a:gsLst>
+              <a:gs pos="0">
+                <a:schemeClr val="accent5">
+                  <a:tint val="50000"/>
+                  <a:satMod val="300000"/>
+                  <a:alpha val="48000"/>
+                </a:schemeClr>
+              </a:gs>
+              <a:gs pos="35000">
+                <a:schemeClr val="accent5">
+                  <a:tint val="37000"/>
+                  <a:satMod val="300000"/>
+                  <a:alpha val="48000"/>
+                </a:schemeClr>
+              </a:gs>
+              <a:gs pos="100000">
+                <a:schemeClr val="accent5">
+                  <a:tint val="15000"/>
+                  <a:satMod val="350000"/>
+                  <a:alpha val="48000"/>
+                </a:schemeClr>
+              </a:gs>
+            </a:gsLst>
+            <a:lin ang="16200000" scaled="1"/>
+            <a:tileRect/>
+          </a:gradFill>
+        </p:spPr>
+        <p:style>
+          <a:lnRef idx="1">
+            <a:schemeClr val="accent5"/>
+          </a:lnRef>
+          <a:fillRef idx="2">
+            <a:schemeClr val="accent5"/>
+          </a:fillRef>
+          <a:effectRef idx="1">
+            <a:schemeClr val="accent5"/>
+          </a:effectRef>
+          <a:fontRef idx="minor">
+            <a:schemeClr val="dk1"/>
+          </a:fontRef>
+        </p:style>
+        <p:txBody>
+          <a:bodyPr rtlCol="0" anchor="ctr"/>
+          <a:lstStyle/>
+          <a:p>
+            <a:pPr algn="ctr"/>
+            <a:endParaRPr lang="fr-FR"/>
+          </a:p>
+        </p:txBody>
+      </p:sp>
+      <p:sp>
+        <p:nvSpPr>
+          <p:cNvPr id="4" name="Espace réservé du numéro de diapositive 3"/>
+          <p:cNvSpPr>
+            <a:spLocks noGrp="1"/>
+          </p:cNvSpPr>
+          <p:nvPr>
+            <p:ph type="sldNum" sz="quarter" idx="12"/>
+          </p:nvPr>
+        </p:nvSpPr>
+        <p:spPr/>
+        <p:txBody>
+          <a:bodyPr/>
+          <a:lstStyle/>
+          <a:p>
+            <a:fld id="{632DADDA-56E0-0F4D-8444-EEC8234C8BEB}" type="slidenum">
+              <a:rPr lang="fr-FR"/>
+              <a:t>17</a:t>
+            </a:fld>
+            <a:endParaRPr lang="fr-FR"/>
+          </a:p>
+        </p:txBody>
+      </p:sp>
+      <p:sp>
+        <p:nvSpPr>
+          <p:cNvPr id="5" name="Espace réservé du texte 4"/>
+          <p:cNvSpPr>
+            <a:spLocks noGrp="1"/>
+          </p:cNvSpPr>
+          <p:nvPr>
+            <p:ph type="body" sz="quarter" idx="13"/>
+          </p:nvPr>
+        </p:nvSpPr>
+        <p:spPr/>
+        <p:txBody>
+          <a:bodyPr/>
+          <a:lstStyle/>
+          <a:p>
+            <a:r>
+              <a:rPr lang="fr-FR"/>
+              <a:t>état de l’art</a:t>
+            </a:r>
+          </a:p>
+        </p:txBody>
+      </p:sp>
+      <p:sp>
+        <p:nvSpPr>
+          <p:cNvPr id="7" name="Ellipse 6"/>
+          <p:cNvSpPr/>
+          <p:nvPr/>
+        </p:nvSpPr>
+        <p:spPr>
+          <a:xfrm>
+            <a:off x="2600622" y="3239455"/>
+            <a:ext cx="428293" cy="407558"/>
+          </a:xfrm>
+          <a:prstGeom prst="ellipse">
+            <a:avLst/>
+          </a:prstGeom>
+        </p:spPr>
+        <p:style>
+          <a:lnRef idx="1">
+            <a:schemeClr val="dk1"/>
+          </a:lnRef>
+          <a:fillRef idx="3">
+            <a:schemeClr val="dk1"/>
+          </a:fillRef>
+          <a:effectRef idx="2">
+            <a:schemeClr val="dk1"/>
+          </a:effectRef>
+          <a:fontRef idx="minor">
+            <a:schemeClr val="lt1"/>
+          </a:fontRef>
+        </p:style>
+        <p:txBody>
+          <a:bodyPr rtlCol="0" anchor="ctr">
+            <a:normAutofit fontScale="85000" lnSpcReduction="20000"/>
+          </a:bodyPr>
+          <a:lstStyle/>
+          <a:p>
+            <a:pPr algn="ctr"/>
+            <a:r>
+              <a:rPr lang="fr-FR"/>
+              <a:t>A</a:t>
+            </a:r>
+          </a:p>
+        </p:txBody>
+      </p:sp>
+      <p:sp>
+        <p:nvSpPr>
+          <p:cNvPr id="8" name="Ellipse 7"/>
+          <p:cNvSpPr/>
+          <p:nvPr/>
+        </p:nvSpPr>
+        <p:spPr>
+          <a:xfrm>
+            <a:off x="3064125" y="2736902"/>
+            <a:ext cx="428293" cy="407558"/>
+          </a:xfrm>
+          <a:prstGeom prst="ellipse">
+            <a:avLst/>
+          </a:prstGeom>
+        </p:spPr>
+        <p:style>
+          <a:lnRef idx="1">
+            <a:schemeClr val="dk1"/>
+          </a:lnRef>
+          <a:fillRef idx="3">
+            <a:schemeClr val="dk1"/>
+          </a:fillRef>
+          <a:effectRef idx="2">
+            <a:schemeClr val="dk1"/>
+          </a:effectRef>
+          <a:fontRef idx="minor">
+            <a:schemeClr val="lt1"/>
+          </a:fontRef>
+        </p:style>
+        <p:txBody>
+          <a:bodyPr rtlCol="0" anchor="ctr">
+            <a:normAutofit fontScale="85000" lnSpcReduction="20000"/>
+          </a:bodyPr>
+          <a:lstStyle/>
+          <a:p>
+            <a:pPr algn="ctr"/>
+            <a:r>
+              <a:rPr lang="fr-FR"/>
+              <a:t>B</a:t>
+            </a:r>
+          </a:p>
+        </p:txBody>
+      </p:sp>
+      <p:sp>
+        <p:nvSpPr>
+          <p:cNvPr id="10" name="Ellipse 9"/>
+          <p:cNvSpPr/>
+          <p:nvPr/>
+        </p:nvSpPr>
+        <p:spPr>
+          <a:xfrm>
+            <a:off x="1853237" y="2495977"/>
+            <a:ext cx="428293" cy="407558"/>
+          </a:xfrm>
+          <a:prstGeom prst="ellipse">
+            <a:avLst/>
+          </a:prstGeom>
+        </p:spPr>
+        <p:style>
+          <a:lnRef idx="1">
+            <a:schemeClr val="dk1"/>
+          </a:lnRef>
+          <a:fillRef idx="3">
+            <a:schemeClr val="dk1"/>
+          </a:fillRef>
+          <a:effectRef idx="2">
+            <a:schemeClr val="dk1"/>
+          </a:effectRef>
+          <a:fontRef idx="minor">
+            <a:schemeClr val="lt1"/>
+          </a:fontRef>
+        </p:style>
+        <p:txBody>
+          <a:bodyPr rtlCol="0" anchor="ctr">
+            <a:normAutofit fontScale="85000" lnSpcReduction="20000"/>
+          </a:bodyPr>
+          <a:lstStyle/>
+          <a:p>
+            <a:pPr algn="ctr"/>
+            <a:r>
+              <a:rPr lang="fr-FR"/>
+              <a:t>C</a:t>
+            </a:r>
+          </a:p>
+        </p:txBody>
+      </p:sp>
+      <p:sp>
+        <p:nvSpPr>
+          <p:cNvPr id="11" name="Ellipse 10"/>
+          <p:cNvSpPr/>
+          <p:nvPr/>
+        </p:nvSpPr>
+        <p:spPr>
+          <a:xfrm>
+            <a:off x="2175257" y="4576253"/>
+            <a:ext cx="428293" cy="407558"/>
+          </a:xfrm>
+          <a:prstGeom prst="ellipse">
+            <a:avLst/>
+          </a:prstGeom>
+        </p:spPr>
+        <p:style>
+          <a:lnRef idx="1">
+            <a:schemeClr val="dk1"/>
+          </a:lnRef>
+          <a:fillRef idx="3">
+            <a:schemeClr val="dk1"/>
+          </a:fillRef>
+          <a:effectRef idx="2">
+            <a:schemeClr val="dk1"/>
+          </a:effectRef>
+          <a:fontRef idx="minor">
+            <a:schemeClr val="lt1"/>
+          </a:fontRef>
+        </p:style>
+        <p:txBody>
+          <a:bodyPr rtlCol="0" anchor="ctr">
+            <a:normAutofit fontScale="85000" lnSpcReduction="20000"/>
+          </a:bodyPr>
+          <a:lstStyle/>
+          <a:p>
+            <a:pPr algn="ctr"/>
+            <a:r>
+              <a:rPr lang="fr-FR"/>
+              <a:t>D</a:t>
+            </a:r>
+          </a:p>
+        </p:txBody>
+      </p:sp>
+      <p:sp>
+        <p:nvSpPr>
+          <p:cNvPr id="12" name="Ellipse 11"/>
+          <p:cNvSpPr/>
+          <p:nvPr/>
+        </p:nvSpPr>
+        <p:spPr>
+          <a:xfrm>
+            <a:off x="2915816" y="4005064"/>
+            <a:ext cx="428293" cy="407558"/>
+          </a:xfrm>
+          <a:prstGeom prst="ellipse">
+            <a:avLst/>
+          </a:prstGeom>
+        </p:spPr>
+        <p:style>
+          <a:lnRef idx="1">
+            <a:schemeClr val="dk1"/>
+          </a:lnRef>
+          <a:fillRef idx="3">
+            <a:schemeClr val="dk1"/>
+          </a:fillRef>
+          <a:effectRef idx="2">
+            <a:schemeClr val="dk1"/>
+          </a:effectRef>
+          <a:fontRef idx="minor">
+            <a:schemeClr val="lt1"/>
+          </a:fontRef>
+        </p:style>
+        <p:txBody>
+          <a:bodyPr rtlCol="0" anchor="ctr">
+            <a:normAutofit fontScale="85000" lnSpcReduction="20000"/>
+          </a:bodyPr>
+          <a:lstStyle/>
+          <a:p>
+            <a:pPr algn="ctr"/>
+            <a:r>
+              <a:rPr lang="fr-FR"/>
+              <a:t>E</a:t>
+            </a:r>
+          </a:p>
+        </p:txBody>
+      </p:sp>
+      <p:sp>
+        <p:nvSpPr>
+          <p:cNvPr id="13" name="Ellipse 12"/>
+          <p:cNvSpPr/>
+          <p:nvPr/>
+        </p:nvSpPr>
+        <p:spPr>
+          <a:xfrm>
+            <a:off x="3995936" y="4312290"/>
+            <a:ext cx="428293" cy="407558"/>
+          </a:xfrm>
+          <a:prstGeom prst="ellipse">
+            <a:avLst/>
+          </a:prstGeom>
+        </p:spPr>
+        <p:style>
+          <a:lnRef idx="1">
+            <a:schemeClr val="dk1"/>
+          </a:lnRef>
+          <a:fillRef idx="3">
+            <a:schemeClr val="dk1"/>
+          </a:fillRef>
+          <a:effectRef idx="2">
+            <a:schemeClr val="dk1"/>
+          </a:effectRef>
+          <a:fontRef idx="minor">
+            <a:schemeClr val="lt1"/>
+          </a:fontRef>
+        </p:style>
+        <p:txBody>
+          <a:bodyPr rtlCol="0" anchor="ctr">
+            <a:normAutofit fontScale="85000" lnSpcReduction="20000"/>
+          </a:bodyPr>
+          <a:lstStyle/>
+          <a:p>
+            <a:pPr algn="ctr"/>
+            <a:r>
+              <a:rPr lang="fr-FR"/>
+              <a:t>F</a:t>
+            </a:r>
+          </a:p>
+        </p:txBody>
+      </p:sp>
+      <p:cxnSp>
+        <p:nvCxnSpPr>
+          <p:cNvPr id="15" name="Connecteur droit 14"/>
+          <p:cNvCxnSpPr>
+            <a:stCxn id="10" idx="5"/>
+            <a:endCxn id="7" idx="1"/>
+          </p:cNvCxnSpPr>
+          <p:nvPr/>
+        </p:nvCxnSpPr>
+        <p:spPr>
+          <a:xfrm>
+            <a:off x="2218808" y="2843850"/>
+            <a:ext cx="444536" cy="455290"/>
+          </a:xfrm>
+          <a:prstGeom prst="line">
+            <a:avLst/>
+          </a:prstGeom>
+          <a:ln>
+            <a:solidFill>
+              <a:srgbClr val="800A07"/>
+            </a:solidFill>
+          </a:ln>
+        </p:spPr>
+        <p:style>
+          <a:lnRef idx="2">
+            <a:schemeClr val="accent1"/>
+          </a:lnRef>
+          <a:fillRef idx="0">
+            <a:schemeClr val="accent1"/>
+          </a:fillRef>
+          <a:effectRef idx="1">
+            <a:schemeClr val="accent1"/>
+          </a:effectRef>
+          <a:fontRef idx="minor">
+            <a:schemeClr val="tx1"/>
+          </a:fontRef>
+        </p:style>
+      </p:cxnSp>
+      <p:cxnSp>
+        <p:nvCxnSpPr>
+          <p:cNvPr id="19" name="Connecteur droit 18"/>
+          <p:cNvCxnSpPr>
+            <a:stCxn id="7" idx="7"/>
+            <a:endCxn id="8" idx="3"/>
+          </p:cNvCxnSpPr>
+          <p:nvPr/>
+        </p:nvCxnSpPr>
+        <p:spPr>
+          <a:xfrm flipV="1">
+            <a:off x="2966193" y="3084775"/>
+            <a:ext cx="160654" cy="214365"/>
+          </a:xfrm>
+          <a:prstGeom prst="line">
+            <a:avLst/>
+          </a:prstGeom>
+        </p:spPr>
+        <p:style>
+          <a:lnRef idx="2">
+            <a:schemeClr val="accent1"/>
+          </a:lnRef>
+          <a:fillRef idx="0">
+            <a:schemeClr val="accent1"/>
+          </a:fillRef>
+          <a:effectRef idx="1">
+            <a:schemeClr val="accent1"/>
+          </a:effectRef>
+          <a:fontRef idx="minor">
+            <a:schemeClr val="tx1"/>
+          </a:fontRef>
+        </p:style>
+      </p:cxnSp>
+      <p:cxnSp>
+        <p:nvCxnSpPr>
+          <p:cNvPr id="21" name="Connecteur droit 20"/>
+          <p:cNvCxnSpPr>
+            <a:stCxn id="7" idx="5"/>
+            <a:endCxn id="12" idx="0"/>
+          </p:cNvCxnSpPr>
+          <p:nvPr/>
+        </p:nvCxnSpPr>
+        <p:spPr>
+          <a:xfrm>
+            <a:off x="2966193" y="3587328"/>
+            <a:ext cx="163770" cy="417736"/>
+          </a:xfrm>
+          <a:prstGeom prst="line">
+            <a:avLst/>
+          </a:prstGeom>
+        </p:spPr>
+        <p:style>
+          <a:lnRef idx="2">
+            <a:schemeClr val="accent1"/>
+          </a:lnRef>
+          <a:fillRef idx="0">
+            <a:schemeClr val="accent1"/>
+          </a:fillRef>
+          <a:effectRef idx="1">
+            <a:schemeClr val="accent1"/>
+          </a:effectRef>
+          <a:fontRef idx="minor">
+            <a:schemeClr val="tx1"/>
+          </a:fontRef>
+        </p:style>
+      </p:cxnSp>
+      <p:cxnSp>
+        <p:nvCxnSpPr>
+          <p:cNvPr id="30" name="Connecteur droit 29"/>
+          <p:cNvCxnSpPr>
+            <a:stCxn id="7" idx="3"/>
+            <a:endCxn id="11" idx="0"/>
+          </p:cNvCxnSpPr>
+          <p:nvPr/>
+        </p:nvCxnSpPr>
+        <p:spPr>
+          <a:xfrm flipH="1">
+            <a:off x="2389404" y="3587328"/>
+            <a:ext cx="273940" cy="988925"/>
+          </a:xfrm>
+          <a:prstGeom prst="line">
+            <a:avLst/>
+          </a:prstGeom>
+        </p:spPr>
+        <p:style>
+          <a:lnRef idx="2">
+            <a:schemeClr val="accent1"/>
+          </a:lnRef>
+          <a:fillRef idx="0">
+            <a:schemeClr val="accent1"/>
+          </a:fillRef>
+          <a:effectRef idx="1">
+            <a:schemeClr val="accent1"/>
+          </a:effectRef>
+          <a:fontRef idx="minor">
+            <a:schemeClr val="tx1"/>
+          </a:fontRef>
+        </p:style>
+      </p:cxnSp>
+      <p:cxnSp>
+        <p:nvCxnSpPr>
+          <p:cNvPr id="32" name="Connecteur droit 31"/>
+          <p:cNvCxnSpPr>
+            <a:stCxn id="11" idx="7"/>
+            <a:endCxn id="12" idx="3"/>
+          </p:cNvCxnSpPr>
+          <p:nvPr/>
+        </p:nvCxnSpPr>
+        <p:spPr>
+          <a:xfrm flipV="1">
+            <a:off x="2540828" y="4352937"/>
+            <a:ext cx="437710" cy="283001"/>
+          </a:xfrm>
+          <a:prstGeom prst="line">
+            <a:avLst/>
+          </a:prstGeom>
+        </p:spPr>
+        <p:style>
+          <a:lnRef idx="2">
+            <a:schemeClr val="accent1"/>
+          </a:lnRef>
+          <a:fillRef idx="0">
+            <a:schemeClr val="accent1"/>
+          </a:fillRef>
+          <a:effectRef idx="1">
+            <a:schemeClr val="accent1"/>
+          </a:effectRef>
+          <a:fontRef idx="minor">
+            <a:schemeClr val="tx1"/>
+          </a:fontRef>
+        </p:style>
+      </p:cxnSp>
+      <p:cxnSp>
+        <p:nvCxnSpPr>
+          <p:cNvPr id="34" name="Connecteur droit 33"/>
+          <p:cNvCxnSpPr>
+            <a:stCxn id="12" idx="6"/>
+            <a:endCxn id="13" idx="2"/>
+          </p:cNvCxnSpPr>
+          <p:nvPr/>
+        </p:nvCxnSpPr>
+        <p:spPr>
+          <a:xfrm>
+            <a:off x="3344109" y="4208843"/>
+            <a:ext cx="651827" cy="307226"/>
+          </a:xfrm>
+          <a:prstGeom prst="line">
+            <a:avLst/>
+          </a:prstGeom>
+        </p:spPr>
+        <p:style>
+          <a:lnRef idx="2">
+            <a:schemeClr val="accent1"/>
+          </a:lnRef>
+          <a:fillRef idx="0">
+            <a:schemeClr val="accent1"/>
+          </a:fillRef>
+          <a:effectRef idx="1">
+            <a:schemeClr val="accent1"/>
+          </a:effectRef>
+          <a:fontRef idx="minor">
+            <a:schemeClr val="tx1"/>
+          </a:fontRef>
+        </p:style>
+      </p:cxnSp>
+      <p:cxnSp>
+        <p:nvCxnSpPr>
+          <p:cNvPr id="38" name="Connecteur droit 37"/>
+          <p:cNvCxnSpPr>
+            <a:stCxn id="8" idx="2"/>
+            <a:endCxn id="10" idx="6"/>
+          </p:cNvCxnSpPr>
+          <p:nvPr/>
+        </p:nvCxnSpPr>
+        <p:spPr>
+          <a:xfrm flipH="1" flipV="1">
+            <a:off x="2281530" y="2699756"/>
+            <a:ext cx="782595" cy="240925"/>
+          </a:xfrm>
+          <a:prstGeom prst="line">
+            <a:avLst/>
+          </a:prstGeom>
+        </p:spPr>
+        <p:style>
+          <a:lnRef idx="2">
+            <a:schemeClr val="accent1"/>
+          </a:lnRef>
+          <a:fillRef idx="0">
+            <a:schemeClr val="accent1"/>
+          </a:fillRef>
+          <a:effectRef idx="1">
+            <a:schemeClr val="accent1"/>
+          </a:effectRef>
+          <a:fontRef idx="minor">
+            <a:schemeClr val="tx1"/>
+          </a:fontRef>
+        </p:style>
+      </p:cxnSp>
+      <p:sp>
+        <p:nvSpPr>
+          <p:cNvPr id="24" name="Espace réservé du contenu 6"/>
+          <p:cNvSpPr>
+            <a:spLocks noGrp="1"/>
+          </p:cNvSpPr>
+          <p:nvPr>
+            <p:ph idx="1"/>
+          </p:nvPr>
+        </p:nvSpPr>
+        <p:spPr>
+          <a:xfrm>
+            <a:off x="457200" y="1600201"/>
+            <a:ext cx="8229600" cy="4525963"/>
+          </a:xfrm>
+        </p:spPr>
+        <p:txBody>
+          <a:bodyPr>
+            <a:normAutofit/>
+          </a:bodyPr>
+          <a:lstStyle/>
+          <a:p>
+            <a:pPr algn="r"/>
+            <a:r>
+              <a:rPr lang="fr-FR"/>
+              <a:t>exemple : P = 0.5</a:t>
+            </a:r>
+          </a:p>
+          <a:p>
+            <a:pPr algn="r"/>
+            <a:endParaRPr lang="fr-FR"/>
+          </a:p>
+          <a:p>
+            <a:pPr algn="r"/>
+            <a:r>
+              <a:rPr lang="fr-FR"/>
+              <a:t>2 transmissions </a:t>
+            </a:r>
+          </a:p>
+          <a:p>
+            <a:pPr marL="0" indent="0" algn="r">
+              <a:buNone/>
+            </a:pPr>
+            <a:r>
+              <a:rPr lang="fr-FR"/>
+              <a:t>superflues</a:t>
+            </a:r>
+          </a:p>
+          <a:p>
+            <a:pPr algn="r"/>
+            <a:endParaRPr lang="fr-FR"/>
+          </a:p>
+          <a:p>
+            <a:pPr algn="r"/>
+            <a:r>
+              <a:rPr lang="fr-FR"/>
+              <a:t>1 nœud non </a:t>
+            </a:r>
+          </a:p>
+          <a:p>
+            <a:pPr marL="0" indent="0" algn="r">
+              <a:buNone/>
+            </a:pPr>
+            <a:r>
+              <a:rPr lang="fr-FR"/>
+              <a:t>couvert</a:t>
+            </a:r>
+          </a:p>
+        </p:txBody>
+      </p:sp>
+    </p:spTree>
+    <p:extLst>
+      <p:ext uri="{BB962C8B-B14F-4D97-AF65-F5344CB8AC3E}">
+        <p14:creationId xmlns:p14="http://schemas.microsoft.com/office/powerpoint/2010/main" val="471546121"/>
+      </p:ext>
+    </p:extLst>
+  </p:cSld>
+  <p:clrMapOvr>
+    <a:masterClrMapping/>
+  </p:clrMapOvr>
+  <p:timing>
+    <p:tnLst>
+      <p:par>
+        <p:cTn xmlns:p14="http://schemas.microsoft.com/office/powerpoint/2010/main" id="1" dur="indefinite" restart="never" nodeType="tmRoot">
+          <p:childTnLst>
+            <p:seq concurrent="1" nextAc="seek">
+              <p:cTn id="2" dur="indefinite" nodeType="mainSeq">
+                <p:childTnLst>
+                  <p:par>
+                    <p:cTn id="3" fill="hold">
+                      <p:stCondLst>
+                        <p:cond delay="indefinite"/>
+                        <p:cond evt="onBegin" delay="0">
+                          <p:tn val="2"/>
+                        </p:cond>
+                      </p:stCondLst>
+                      <p:childTnLst>
+                        <p:par>
+                          <p:cTn id="4" fill="hold">
+                            <p:stCondLst>
+                              <p:cond delay="0"/>
+                            </p:stCondLst>
+                            <p:childTnLst>
+                              <p:par>
+                                <p:cTn id="5" presetID="1" presetClass="entr" presetSubtype="0" fill="hold" grpId="0" nodeType="withEffect">
+                                  <p:stCondLst>
+                                    <p:cond delay="500"/>
+                                  </p:stCondLst>
+                                  <p:childTnLst>
+                                    <p:set>
+                                      <p:cBhvr>
+                                        <p:cTn id="6" dur="1" fill="hold">
+                                          <p:stCondLst>
+                                            <p:cond delay="0"/>
+                                          </p:stCondLst>
+                                        </p:cTn>
+                                        <p:tgtEl>
+                                          <p:spTgt spid="45"/>
+                                        </p:tgtEl>
+                                        <p:attrNameLst>
+                                          <p:attrName>style.visibility</p:attrName>
+                                        </p:attrNameLst>
+                                      </p:cBhvr>
+                                      <p:to>
+                                        <p:strVal val="visible"/>
+                                      </p:to>
+                                    </p:set>
+                                  </p:childTnLst>
+                                </p:cTn>
+                              </p:par>
+                              <p:par>
+                                <p:cTn id="7" presetID="1" presetClass="entr" presetSubtype="0" fill="hold" grpId="0" nodeType="withEffect">
+                                  <p:stCondLst>
+                                    <p:cond delay="1000"/>
+                                  </p:stCondLst>
+                                  <p:childTnLst>
+                                    <p:set>
+                                      <p:cBhvr>
+                                        <p:cTn id="8" dur="1" fill="hold">
+                                          <p:stCondLst>
+                                            <p:cond delay="0"/>
+                                          </p:stCondLst>
+                                        </p:cTn>
+                                        <p:tgtEl>
+                                          <p:spTgt spid="87"/>
+                                        </p:tgtEl>
+                                        <p:attrNameLst>
+                                          <p:attrName>style.visibility</p:attrName>
+                                        </p:attrNameLst>
+                                      </p:cBhvr>
+                                      <p:to>
+                                        <p:strVal val="visible"/>
+                                      </p:to>
+                                    </p:set>
+                                  </p:childTnLst>
+                                </p:cTn>
+                              </p:par>
+                              <p:par>
+                                <p:cTn id="9" presetID="1" presetClass="entr" presetSubtype="0" fill="hold" grpId="0" nodeType="withEffect">
+                                  <p:stCondLst>
+                                    <p:cond delay="1500"/>
+                                  </p:stCondLst>
+                                  <p:childTnLst>
+                                    <p:set>
+                                      <p:cBhvr>
+                                        <p:cTn id="10" dur="1" fill="hold">
+                                          <p:stCondLst>
+                                            <p:cond delay="0"/>
+                                          </p:stCondLst>
+                                        </p:cTn>
+                                        <p:tgtEl>
+                                          <p:spTgt spid="86"/>
+                                        </p:tgtEl>
+                                        <p:attrNameLst>
+                                          <p:attrName>style.visibility</p:attrName>
+                                        </p:attrNameLst>
+                                      </p:cBhvr>
+                                      <p:to>
+                                        <p:strVal val="visible"/>
+                                      </p:to>
+                                    </p:set>
+                                  </p:childTnLst>
+                                </p:cTn>
+                              </p:par>
+                            </p:childTnLst>
+                          </p:cTn>
+                        </p:par>
+                      </p:childTnLst>
+                    </p:cTn>
+                  </p:par>
+                </p:childTnLst>
+              </p:cTn>
+              <p:prevCondLst>
+                <p:cond evt="onPrev" delay="0">
+                  <p:tgtEl>
+                    <p:sldTgt/>
+                  </p:tgtEl>
+                </p:cond>
+              </p:prevCondLst>
+              <p:nextCondLst>
+                <p:cond evt="onNext" delay="0">
+                  <p:tgtEl>
+                    <p:sldTgt/>
+                  </p:tgtEl>
+                </p:cond>
+              </p:nextCondLst>
+            </p:seq>
+          </p:childTnLst>
+        </p:cTn>
+      </p:par>
+    </p:tnLst>
+    <p:bldLst>
+      <p:bldP spid="45" grpId="0" animBg="1"/>
+      <p:bldP spid="87" grpId="0" animBg="1"/>
+      <p:bldP spid="86" grpId="0" animBg="1"/>
+    </p:bldLst>
+  </p:timing>
+</p:sld>
+</file>
+
+<file path=ppt/slides/slide18.xml><?xml version="1.0" encoding="utf-8"?>
+<p:sld xmlns:a="http://schemas.openxmlformats.org/drawingml/2006/main" xmlns:r="http://schemas.openxmlformats.org/officeDocument/2006/relationships" xmlns:p="http://schemas.openxmlformats.org/presentationml/2006/main">
+  <p:cSld>
+    <p:spTree>
+      <p:nvGrpSpPr>
+        <p:cNvPr id="1" name=""/>
+        <p:cNvGrpSpPr/>
+        <p:nvPr/>
+      </p:nvGrpSpPr>
+      <p:grpSpPr>
+        <a:xfrm>
+          <a:off x="0" y="0"/>
+          <a:ext cx="0" cy="0"/>
+          <a:chOff x="0" y="0"/>
+          <a:chExt cx="0" cy="0"/>
+        </a:xfrm>
+      </p:grpSpPr>
+      <p:sp>
+        <p:nvSpPr>
+          <p:cNvPr id="2" name="Titre 1"/>
+          <p:cNvSpPr>
+            <a:spLocks noGrp="1"/>
+          </p:cNvSpPr>
+          <p:nvPr>
+            <p:ph type="title"/>
+          </p:nvPr>
+        </p:nvSpPr>
+        <p:spPr/>
+        <p:txBody>
+          <a:bodyPr/>
+          <a:lstStyle/>
+          <a:p>
+            <a:r>
+              <a:rPr lang="fr-FR"/>
+              <a:t>Broadcast Incremental-power Protocol</a:t>
+            </a:r>
+          </a:p>
+        </p:txBody>
+      </p:sp>
+      <p:sp>
+        <p:nvSpPr>
+          <p:cNvPr id="45" name="Ellipse 44"/>
+          <p:cNvSpPr/>
+          <p:nvPr/>
+        </p:nvSpPr>
+        <p:spPr>
+          <a:xfrm>
+            <a:off x="1743919" y="2407650"/>
+            <a:ext cx="2108001" cy="2101470"/>
+          </a:xfrm>
+          <a:prstGeom prst="ellipse">
+            <a:avLst/>
+          </a:prstGeom>
+          <a:gradFill flip="none" rotWithShape="1">
+            <a:gsLst>
+              <a:gs pos="0">
+                <a:schemeClr val="accent5">
+                  <a:tint val="50000"/>
+                  <a:satMod val="300000"/>
+                  <a:alpha val="66000"/>
+                </a:schemeClr>
+              </a:gs>
+              <a:gs pos="35000">
+                <a:schemeClr val="accent5">
+                  <a:tint val="37000"/>
+                  <a:satMod val="300000"/>
+                  <a:alpha val="66000"/>
+                </a:schemeClr>
+              </a:gs>
+              <a:gs pos="100000">
+                <a:schemeClr val="accent5">
+                  <a:tint val="15000"/>
+                  <a:satMod val="350000"/>
+                  <a:alpha val="66000"/>
+                </a:schemeClr>
+              </a:gs>
+            </a:gsLst>
+            <a:lin ang="16200000" scaled="1"/>
+            <a:tileRect/>
+          </a:gradFill>
+        </p:spPr>
+        <p:style>
+          <a:lnRef idx="1">
+            <a:schemeClr val="accent5"/>
+          </a:lnRef>
+          <a:fillRef idx="2">
+            <a:schemeClr val="accent5"/>
+          </a:fillRef>
+          <a:effectRef idx="1">
+            <a:schemeClr val="accent5"/>
+          </a:effectRef>
+          <a:fontRef idx="minor">
+            <a:schemeClr val="dk1"/>
+          </a:fontRef>
+        </p:style>
+        <p:txBody>
+          <a:bodyPr rtlCol="0" anchor="ctr"/>
+          <a:lstStyle/>
+          <a:p>
+            <a:pPr algn="ctr"/>
+            <a:endParaRPr lang="fr-FR"/>
+          </a:p>
+        </p:txBody>
+      </p:sp>
+      <p:sp>
+        <p:nvSpPr>
+          <p:cNvPr id="87" name="Ellipse 86"/>
+          <p:cNvSpPr/>
+          <p:nvPr/>
+        </p:nvSpPr>
+        <p:spPr>
+          <a:xfrm>
+            <a:off x="2040530" y="3137998"/>
+            <a:ext cx="2202764" cy="2210944"/>
+          </a:xfrm>
+          <a:prstGeom prst="ellipse">
+            <a:avLst/>
+          </a:prstGeom>
+          <a:gradFill flip="none" rotWithShape="1">
+            <a:gsLst>
+              <a:gs pos="0">
+                <a:schemeClr val="accent5">
+                  <a:tint val="50000"/>
+                  <a:satMod val="300000"/>
+                  <a:alpha val="51000"/>
+                </a:schemeClr>
+              </a:gs>
+              <a:gs pos="35000">
+                <a:schemeClr val="accent5">
+                  <a:tint val="37000"/>
+                  <a:satMod val="300000"/>
+                  <a:alpha val="51000"/>
+                </a:schemeClr>
+              </a:gs>
+              <a:gs pos="100000">
+                <a:schemeClr val="accent5">
+                  <a:tint val="15000"/>
+                  <a:satMod val="350000"/>
+                  <a:alpha val="51000"/>
+                </a:schemeClr>
+              </a:gs>
+            </a:gsLst>
+            <a:lin ang="16200000" scaled="1"/>
+            <a:tileRect/>
+          </a:gradFill>
+        </p:spPr>
+        <p:style>
+          <a:lnRef idx="1">
+            <a:schemeClr val="accent5"/>
+          </a:lnRef>
+          <a:fillRef idx="2">
+            <a:schemeClr val="accent5"/>
+          </a:fillRef>
+          <a:effectRef idx="1">
+            <a:schemeClr val="accent5"/>
+          </a:effectRef>
+          <a:fontRef idx="minor">
+            <a:schemeClr val="dk1"/>
+          </a:fontRef>
+        </p:style>
+        <p:txBody>
+          <a:bodyPr rtlCol="0" anchor="ctr"/>
+          <a:lstStyle/>
+          <a:p>
+            <a:pPr algn="ctr"/>
+            <a:endParaRPr lang="fr-FR"/>
+          </a:p>
+        </p:txBody>
+      </p:sp>
+      <p:sp>
+        <p:nvSpPr>
+          <p:cNvPr id="4" name="Espace réservé du numéro de diapositive 3"/>
+          <p:cNvSpPr>
+            <a:spLocks noGrp="1"/>
+          </p:cNvSpPr>
+          <p:nvPr>
+            <p:ph type="sldNum" sz="quarter" idx="12"/>
+          </p:nvPr>
+        </p:nvSpPr>
+        <p:spPr/>
+        <p:txBody>
+          <a:bodyPr/>
+          <a:lstStyle/>
+          <a:p>
+            <a:fld id="{632DADDA-56E0-0F4D-8444-EEC8234C8BEB}" type="slidenum">
+              <a:rPr lang="fr-FR"/>
+              <a:t>18</a:t>
+            </a:fld>
+            <a:endParaRPr lang="fr-FR"/>
+          </a:p>
+        </p:txBody>
+      </p:sp>
+      <p:sp>
+        <p:nvSpPr>
+          <p:cNvPr id="5" name="Espace réservé du texte 4"/>
+          <p:cNvSpPr>
+            <a:spLocks noGrp="1"/>
+          </p:cNvSpPr>
+          <p:nvPr>
+            <p:ph type="body" sz="quarter" idx="13"/>
+          </p:nvPr>
+        </p:nvSpPr>
+        <p:spPr/>
+        <p:txBody>
+          <a:bodyPr/>
+          <a:lstStyle/>
+          <a:p>
+            <a:r>
+              <a:rPr lang="fr-FR"/>
+              <a:t>état de l’art</a:t>
+            </a:r>
+          </a:p>
+        </p:txBody>
+      </p:sp>
+      <p:sp>
+        <p:nvSpPr>
+          <p:cNvPr id="7" name="Ellipse 6"/>
+          <p:cNvSpPr/>
+          <p:nvPr/>
+        </p:nvSpPr>
+        <p:spPr>
+          <a:xfrm>
+            <a:off x="2600622" y="3239455"/>
+            <a:ext cx="428293" cy="407558"/>
+          </a:xfrm>
+          <a:prstGeom prst="ellipse">
+            <a:avLst/>
+          </a:prstGeom>
+        </p:spPr>
+        <p:style>
+          <a:lnRef idx="1">
+            <a:schemeClr val="dk1"/>
+          </a:lnRef>
+          <a:fillRef idx="3">
+            <a:schemeClr val="dk1"/>
+          </a:fillRef>
+          <a:effectRef idx="2">
+            <a:schemeClr val="dk1"/>
+          </a:effectRef>
+          <a:fontRef idx="minor">
+            <a:schemeClr val="lt1"/>
+          </a:fontRef>
+        </p:style>
+        <p:txBody>
+          <a:bodyPr rtlCol="0" anchor="ctr">
+            <a:normAutofit fontScale="85000" lnSpcReduction="20000"/>
+          </a:bodyPr>
+          <a:lstStyle/>
+          <a:p>
+            <a:pPr algn="ctr"/>
+            <a:r>
+              <a:rPr lang="fr-FR"/>
+              <a:t>A</a:t>
+            </a:r>
+          </a:p>
+        </p:txBody>
+      </p:sp>
+      <p:sp>
+        <p:nvSpPr>
+          <p:cNvPr id="8" name="Ellipse 7"/>
+          <p:cNvSpPr/>
+          <p:nvPr/>
+        </p:nvSpPr>
+        <p:spPr>
+          <a:xfrm>
+            <a:off x="3064125" y="2736902"/>
+            <a:ext cx="428293" cy="407558"/>
+          </a:xfrm>
+          <a:prstGeom prst="ellipse">
+            <a:avLst/>
+          </a:prstGeom>
+        </p:spPr>
+        <p:style>
+          <a:lnRef idx="1">
+            <a:schemeClr val="dk1"/>
+          </a:lnRef>
+          <a:fillRef idx="3">
+            <a:schemeClr val="dk1"/>
+          </a:fillRef>
+          <a:effectRef idx="2">
+            <a:schemeClr val="dk1"/>
+          </a:effectRef>
+          <a:fontRef idx="minor">
+            <a:schemeClr val="lt1"/>
+          </a:fontRef>
+        </p:style>
+        <p:txBody>
+          <a:bodyPr rtlCol="0" anchor="ctr">
+            <a:normAutofit fontScale="85000" lnSpcReduction="20000"/>
+          </a:bodyPr>
+          <a:lstStyle/>
+          <a:p>
+            <a:pPr algn="ctr"/>
+            <a:r>
+              <a:rPr lang="fr-FR"/>
+              <a:t>B</a:t>
+            </a:r>
+          </a:p>
+        </p:txBody>
+      </p:sp>
+      <p:sp>
+        <p:nvSpPr>
+          <p:cNvPr id="10" name="Ellipse 9"/>
+          <p:cNvSpPr/>
+          <p:nvPr/>
+        </p:nvSpPr>
+        <p:spPr>
+          <a:xfrm>
+            <a:off x="1853237" y="2495977"/>
+            <a:ext cx="428293" cy="407558"/>
+          </a:xfrm>
+          <a:prstGeom prst="ellipse">
+            <a:avLst/>
+          </a:prstGeom>
+        </p:spPr>
+        <p:style>
+          <a:lnRef idx="1">
+            <a:schemeClr val="dk1"/>
+          </a:lnRef>
+          <a:fillRef idx="3">
+            <a:schemeClr val="dk1"/>
+          </a:fillRef>
+          <a:effectRef idx="2">
+            <a:schemeClr val="dk1"/>
+          </a:effectRef>
+          <a:fontRef idx="minor">
+            <a:schemeClr val="lt1"/>
+          </a:fontRef>
+        </p:style>
+        <p:txBody>
+          <a:bodyPr rtlCol="0" anchor="ctr">
+            <a:normAutofit fontScale="85000" lnSpcReduction="20000"/>
+          </a:bodyPr>
+          <a:lstStyle/>
+          <a:p>
+            <a:pPr algn="ctr"/>
+            <a:r>
+              <a:rPr lang="fr-FR"/>
+              <a:t>C</a:t>
+            </a:r>
+          </a:p>
+        </p:txBody>
+      </p:sp>
+      <p:sp>
+        <p:nvSpPr>
+          <p:cNvPr id="11" name="Ellipse 10"/>
+          <p:cNvSpPr/>
+          <p:nvPr/>
+        </p:nvSpPr>
+        <p:spPr>
+          <a:xfrm>
+            <a:off x="2175257" y="4576253"/>
+            <a:ext cx="428293" cy="407558"/>
+          </a:xfrm>
+          <a:prstGeom prst="ellipse">
+            <a:avLst/>
+          </a:prstGeom>
+        </p:spPr>
+        <p:style>
+          <a:lnRef idx="1">
+            <a:schemeClr val="dk1"/>
+          </a:lnRef>
+          <a:fillRef idx="3">
+            <a:schemeClr val="dk1"/>
+          </a:fillRef>
+          <a:effectRef idx="2">
+            <a:schemeClr val="dk1"/>
+          </a:effectRef>
+          <a:fontRef idx="minor">
+            <a:schemeClr val="lt1"/>
+          </a:fontRef>
+        </p:style>
+        <p:txBody>
+          <a:bodyPr rtlCol="0" anchor="ctr">
+            <a:normAutofit fontScale="85000" lnSpcReduction="20000"/>
+          </a:bodyPr>
+          <a:lstStyle/>
+          <a:p>
+            <a:pPr algn="ctr"/>
+            <a:r>
+              <a:rPr lang="fr-FR"/>
+              <a:t>D</a:t>
+            </a:r>
+          </a:p>
+        </p:txBody>
+      </p:sp>
+      <p:sp>
+        <p:nvSpPr>
+          <p:cNvPr id="12" name="Ellipse 11"/>
+          <p:cNvSpPr/>
+          <p:nvPr/>
+        </p:nvSpPr>
+        <p:spPr>
+          <a:xfrm>
+            <a:off x="2912700" y="3998941"/>
+            <a:ext cx="428293" cy="407558"/>
+          </a:xfrm>
+          <a:prstGeom prst="ellipse">
+            <a:avLst/>
+          </a:prstGeom>
+        </p:spPr>
+        <p:style>
+          <a:lnRef idx="1">
+            <a:schemeClr val="dk1"/>
+          </a:lnRef>
+          <a:fillRef idx="3">
+            <a:schemeClr val="dk1"/>
+          </a:fillRef>
+          <a:effectRef idx="2">
+            <a:schemeClr val="dk1"/>
+          </a:effectRef>
+          <a:fontRef idx="minor">
+            <a:schemeClr val="lt1"/>
+          </a:fontRef>
+        </p:style>
+        <p:txBody>
+          <a:bodyPr rtlCol="0" anchor="ctr">
+            <a:normAutofit fontScale="85000" lnSpcReduction="20000"/>
+          </a:bodyPr>
+          <a:lstStyle/>
+          <a:p>
+            <a:pPr algn="ctr"/>
+            <a:r>
+              <a:rPr lang="fr-FR"/>
+              <a:t>E</a:t>
+            </a:r>
+          </a:p>
+        </p:txBody>
+      </p:sp>
+      <p:sp>
+        <p:nvSpPr>
+          <p:cNvPr id="13" name="Ellipse 12"/>
+          <p:cNvSpPr/>
+          <p:nvPr/>
+        </p:nvSpPr>
+        <p:spPr>
+          <a:xfrm>
+            <a:off x="4005322" y="4305341"/>
+            <a:ext cx="428293" cy="407558"/>
+          </a:xfrm>
+          <a:prstGeom prst="ellipse">
+            <a:avLst/>
+          </a:prstGeom>
+        </p:spPr>
+        <p:style>
+          <a:lnRef idx="1">
+            <a:schemeClr val="dk1"/>
+          </a:lnRef>
+          <a:fillRef idx="3">
+            <a:schemeClr val="dk1"/>
+          </a:fillRef>
+          <a:effectRef idx="2">
+            <a:schemeClr val="dk1"/>
+          </a:effectRef>
+          <a:fontRef idx="minor">
+            <a:schemeClr val="lt1"/>
+          </a:fontRef>
+        </p:style>
+        <p:txBody>
+          <a:bodyPr rtlCol="0" anchor="ctr">
+            <a:normAutofit fontScale="85000" lnSpcReduction="20000"/>
+          </a:bodyPr>
+          <a:lstStyle/>
+          <a:p>
+            <a:pPr algn="ctr"/>
+            <a:r>
+              <a:rPr lang="fr-FR"/>
+              <a:t>F</a:t>
+            </a:r>
+          </a:p>
+        </p:txBody>
+      </p:sp>
+      <p:cxnSp>
+        <p:nvCxnSpPr>
+          <p:cNvPr id="15" name="Connecteur droit 14"/>
+          <p:cNvCxnSpPr>
+            <a:stCxn id="10" idx="5"/>
+            <a:endCxn id="7" idx="1"/>
+          </p:cNvCxnSpPr>
+          <p:nvPr/>
+        </p:nvCxnSpPr>
+        <p:spPr>
+          <a:xfrm>
+            <a:off x="2218808" y="2843850"/>
+            <a:ext cx="444536" cy="455290"/>
+          </a:xfrm>
+          <a:prstGeom prst="line">
+            <a:avLst/>
+          </a:prstGeom>
+          <a:ln>
+            <a:solidFill>
+              <a:srgbClr val="800A07"/>
+            </a:solidFill>
+          </a:ln>
+        </p:spPr>
+        <p:style>
+          <a:lnRef idx="2">
+            <a:schemeClr val="accent1"/>
+          </a:lnRef>
+          <a:fillRef idx="0">
+            <a:schemeClr val="accent1"/>
+          </a:fillRef>
+          <a:effectRef idx="1">
+            <a:schemeClr val="accent1"/>
+          </a:effectRef>
+          <a:fontRef idx="minor">
+            <a:schemeClr val="tx1"/>
+          </a:fontRef>
+        </p:style>
+      </p:cxnSp>
+      <p:cxnSp>
+        <p:nvCxnSpPr>
+          <p:cNvPr id="19" name="Connecteur droit 18"/>
+          <p:cNvCxnSpPr>
+            <a:stCxn id="7" idx="7"/>
+            <a:endCxn id="8" idx="3"/>
+          </p:cNvCxnSpPr>
+          <p:nvPr/>
+        </p:nvCxnSpPr>
+        <p:spPr>
+          <a:xfrm flipV="1">
+            <a:off x="2966193" y="3084775"/>
+            <a:ext cx="160654" cy="214365"/>
+          </a:xfrm>
+          <a:prstGeom prst="line">
+            <a:avLst/>
+          </a:prstGeom>
+        </p:spPr>
+        <p:style>
+          <a:lnRef idx="2">
+            <a:schemeClr val="accent1"/>
+          </a:lnRef>
+          <a:fillRef idx="0">
+            <a:schemeClr val="accent1"/>
+          </a:fillRef>
+          <a:effectRef idx="1">
+            <a:schemeClr val="accent1"/>
+          </a:effectRef>
+          <a:fontRef idx="minor">
+            <a:schemeClr val="tx1"/>
+          </a:fontRef>
+        </p:style>
+      </p:cxnSp>
+      <p:cxnSp>
+        <p:nvCxnSpPr>
+          <p:cNvPr id="21" name="Connecteur droit 20"/>
+          <p:cNvCxnSpPr>
+            <a:stCxn id="7" idx="5"/>
+            <a:endCxn id="12" idx="0"/>
+          </p:cNvCxnSpPr>
+          <p:nvPr/>
+        </p:nvCxnSpPr>
+        <p:spPr>
+          <a:xfrm>
+            <a:off x="2966193" y="3587328"/>
+            <a:ext cx="160654" cy="411613"/>
+          </a:xfrm>
+          <a:prstGeom prst="line">
+            <a:avLst/>
+          </a:prstGeom>
+        </p:spPr>
+        <p:style>
+          <a:lnRef idx="2">
+            <a:schemeClr val="accent1"/>
+          </a:lnRef>
+          <a:fillRef idx="0">
+            <a:schemeClr val="accent1"/>
+          </a:fillRef>
+          <a:effectRef idx="1">
+            <a:schemeClr val="accent1"/>
+          </a:effectRef>
+          <a:fontRef idx="minor">
+            <a:schemeClr val="tx1"/>
+          </a:fontRef>
+        </p:style>
+      </p:cxnSp>
+      <p:cxnSp>
+        <p:nvCxnSpPr>
+          <p:cNvPr id="30" name="Connecteur droit 29"/>
+          <p:cNvCxnSpPr>
+            <a:stCxn id="7" idx="3"/>
+            <a:endCxn id="11" idx="0"/>
+          </p:cNvCxnSpPr>
+          <p:nvPr/>
+        </p:nvCxnSpPr>
+        <p:spPr>
+          <a:xfrm flipH="1">
+            <a:off x="2389404" y="3587328"/>
+            <a:ext cx="273940" cy="988925"/>
+          </a:xfrm>
+          <a:prstGeom prst="line">
+            <a:avLst/>
+          </a:prstGeom>
+        </p:spPr>
+        <p:style>
+          <a:lnRef idx="2">
+            <a:schemeClr val="accent1"/>
+          </a:lnRef>
+          <a:fillRef idx="0">
+            <a:schemeClr val="accent1"/>
+          </a:fillRef>
+          <a:effectRef idx="1">
+            <a:schemeClr val="accent1"/>
+          </a:effectRef>
+          <a:fontRef idx="minor">
+            <a:schemeClr val="tx1"/>
+          </a:fontRef>
+        </p:style>
+      </p:cxnSp>
+      <p:cxnSp>
+        <p:nvCxnSpPr>
+          <p:cNvPr id="32" name="Connecteur droit 31"/>
+          <p:cNvCxnSpPr>
+            <a:stCxn id="11" idx="7"/>
+            <a:endCxn id="12" idx="3"/>
+          </p:cNvCxnSpPr>
+          <p:nvPr/>
+        </p:nvCxnSpPr>
+        <p:spPr>
+          <a:xfrm flipV="1">
+            <a:off x="2540828" y="4346814"/>
+            <a:ext cx="434594" cy="289124"/>
+          </a:xfrm>
+          <a:prstGeom prst="line">
+            <a:avLst/>
+          </a:prstGeom>
+        </p:spPr>
+        <p:style>
+          <a:lnRef idx="2">
+            <a:schemeClr val="accent1"/>
+          </a:lnRef>
+          <a:fillRef idx="0">
+            <a:schemeClr val="accent1"/>
+          </a:fillRef>
+          <a:effectRef idx="1">
+            <a:schemeClr val="accent1"/>
+          </a:effectRef>
+          <a:fontRef idx="minor">
+            <a:schemeClr val="tx1"/>
+          </a:fontRef>
+        </p:style>
+      </p:cxnSp>
+      <p:cxnSp>
+        <p:nvCxnSpPr>
+          <p:cNvPr id="34" name="Connecteur droit 33"/>
+          <p:cNvCxnSpPr>
+            <a:stCxn id="12" idx="6"/>
+            <a:endCxn id="13" idx="2"/>
+          </p:cNvCxnSpPr>
+          <p:nvPr/>
+        </p:nvCxnSpPr>
+        <p:spPr>
+          <a:xfrm>
+            <a:off x="3340993" y="4202720"/>
+            <a:ext cx="664329" cy="306400"/>
+          </a:xfrm>
+          <a:prstGeom prst="line">
+            <a:avLst/>
+          </a:prstGeom>
+        </p:spPr>
+        <p:style>
+          <a:lnRef idx="2">
+            <a:schemeClr val="accent1"/>
+          </a:lnRef>
+          <a:fillRef idx="0">
+            <a:schemeClr val="accent1"/>
+          </a:fillRef>
+          <a:effectRef idx="1">
+            <a:schemeClr val="accent1"/>
+          </a:effectRef>
+          <a:fontRef idx="minor">
+            <a:schemeClr val="tx1"/>
+          </a:fontRef>
+        </p:style>
+      </p:cxnSp>
+      <p:cxnSp>
+        <p:nvCxnSpPr>
+          <p:cNvPr id="38" name="Connecteur droit 37"/>
+          <p:cNvCxnSpPr>
+            <a:stCxn id="8" idx="2"/>
+            <a:endCxn id="10" idx="6"/>
+          </p:cNvCxnSpPr>
+          <p:nvPr/>
+        </p:nvCxnSpPr>
+        <p:spPr>
+          <a:xfrm flipH="1" flipV="1">
+            <a:off x="2281530" y="2699756"/>
+            <a:ext cx="782595" cy="240925"/>
+          </a:xfrm>
+          <a:prstGeom prst="line">
+            <a:avLst/>
+          </a:prstGeom>
+        </p:spPr>
+        <p:style>
+          <a:lnRef idx="2">
+            <a:schemeClr val="accent1"/>
+          </a:lnRef>
+          <a:fillRef idx="0">
+            <a:schemeClr val="accent1"/>
+          </a:fillRef>
+          <a:effectRef idx="1">
+            <a:schemeClr val="accent1"/>
+          </a:effectRef>
+          <a:fontRef idx="minor">
+            <a:schemeClr val="tx1"/>
+          </a:fontRef>
+        </p:style>
+      </p:cxnSp>
+      <p:sp>
+        <p:nvSpPr>
+          <p:cNvPr id="24" name="Espace réservé du contenu 6"/>
+          <p:cNvSpPr>
+            <a:spLocks noGrp="1"/>
+          </p:cNvSpPr>
+          <p:nvPr>
+            <p:ph idx="1"/>
+          </p:nvPr>
+        </p:nvSpPr>
+        <p:spPr>
+          <a:xfrm>
+            <a:off x="457200" y="1600201"/>
+            <a:ext cx="8229600" cy="4525963"/>
+          </a:xfrm>
+        </p:spPr>
+        <p:txBody>
+          <a:bodyPr>
+            <a:normAutofit/>
+          </a:bodyPr>
+          <a:lstStyle/>
+          <a:p>
+            <a:pPr algn="r"/>
+            <a:r>
+              <a:rPr lang="fr-FR"/>
+              <a:t>Pas de</a:t>
+            </a:r>
+            <a:r>
+              <a:rPr lang="fr-FR"/>
+              <a:t> transmission </a:t>
+            </a:r>
+          </a:p>
+          <a:p>
+            <a:pPr marL="0" indent="0" algn="r">
+              <a:buNone/>
+            </a:pPr>
+            <a:r>
+              <a:rPr lang="fr-FR"/>
+              <a:t>superflue</a:t>
+            </a:r>
+          </a:p>
+          <a:p>
+            <a:pPr algn="r"/>
+            <a:endParaRPr lang="fr-FR"/>
+          </a:p>
+          <a:p>
+            <a:pPr algn="r"/>
+            <a:r>
+              <a:rPr lang="fr-FR"/>
+              <a:t>Tous les nœuds </a:t>
+            </a:r>
+          </a:p>
+          <a:p>
+            <a:pPr marL="0" indent="0" algn="r">
+              <a:buNone/>
+            </a:pPr>
+            <a:r>
+              <a:rPr lang="fr-FR"/>
+              <a:t>couverts</a:t>
+            </a:r>
+          </a:p>
+        </p:txBody>
+      </p:sp>
+    </p:spTree>
+    <p:extLst>
+      <p:ext uri="{BB962C8B-B14F-4D97-AF65-F5344CB8AC3E}">
+        <p14:creationId xmlns:p14="http://schemas.microsoft.com/office/powerpoint/2010/main" val="973094"/>
+      </p:ext>
+    </p:extLst>
+  </p:cSld>
+  <p:clrMapOvr>
+    <a:masterClrMapping/>
+  </p:clrMapOvr>
+  <p:timing>
+    <p:tnLst>
+      <p:par>
+        <p:cTn xmlns:p14="http://schemas.microsoft.com/office/powerpoint/2010/main" id="1" dur="indefinite" restart="never" nodeType="tmRoot">
+          <p:childTnLst>
+            <p:seq concurrent="1" nextAc="seek">
+              <p:cTn id="2" dur="indefinite" nodeType="mainSeq">
+                <p:childTnLst>
+                  <p:par>
+                    <p:cTn id="3" fill="hold">
+                      <p:stCondLst>
+                        <p:cond delay="indefinite"/>
+                      </p:stCondLst>
+                      <p:childTnLst>
+                        <p:par>
+                          <p:cTn id="4" fill="hold">
+                            <p:stCondLst>
+                              <p:cond delay="0"/>
+                            </p:stCondLst>
+                            <p:childTnLst>
+                              <p:par>
+                                <p:cTn id="5" presetID="7" presetClass="emph" presetSubtype="2" fill="hold" nodeType="clickEffect">
+                                  <p:stCondLst>
+                                    <p:cond delay="0"/>
+                                  </p:stCondLst>
+                                  <p:childTnLst>
+                                    <p:animClr clrSpc="rgb" dir="cw">
+                                      <p:cBhvr>
+                                        <p:cTn id="6" dur="500" fill="hold"/>
+                                        <p:tgtEl>
+                                          <p:spTgt spid="19"/>
+                                        </p:tgtEl>
+                                        <p:attrNameLst>
+                                          <p:attrName>stroke.color</p:attrName>
+                                        </p:attrNameLst>
+                                      </p:cBhvr>
+                                      <p:to>
+                                        <a:schemeClr val="tx2"/>
+                                      </p:to>
+                                    </p:animClr>
+                                    <p:set>
+                                      <p:cBhvr>
+                                        <p:cTn id="7" dur="500" fill="hold"/>
+                                        <p:tgtEl>
+                                          <p:spTgt spid="19"/>
+                                        </p:tgtEl>
+                                        <p:attrNameLst>
+                                          <p:attrName>stroke.on</p:attrName>
+                                        </p:attrNameLst>
+                                      </p:cBhvr>
+                                      <p:to>
+                                        <p:strVal val="true"/>
+                                      </p:to>
+                                    </p:set>
+                                  </p:childTnLst>
+                                </p:cTn>
+                              </p:par>
+                            </p:childTnLst>
+                          </p:cTn>
+                        </p:par>
+                      </p:childTnLst>
+                    </p:cTn>
+                  </p:par>
+                  <p:par>
+                    <p:cTn id="8" fill="hold">
+                      <p:stCondLst>
+                        <p:cond delay="indefinite"/>
+                      </p:stCondLst>
+                      <p:childTnLst>
+                        <p:par>
+                          <p:cTn id="9" fill="hold">
+                            <p:stCondLst>
+                              <p:cond delay="0"/>
+                            </p:stCondLst>
+                            <p:childTnLst>
+                              <p:par>
+                                <p:cTn id="10" presetID="7" presetClass="emph" presetSubtype="2" fill="hold" nodeType="clickEffect">
+                                  <p:stCondLst>
+                                    <p:cond delay="0"/>
+                                  </p:stCondLst>
+                                  <p:childTnLst>
+                                    <p:animClr clrSpc="rgb" dir="cw">
+                                      <p:cBhvr>
+                                        <p:cTn id="11" dur="500" fill="hold"/>
+                                        <p:tgtEl>
+                                          <p:spTgt spid="21"/>
+                                        </p:tgtEl>
+                                        <p:attrNameLst>
+                                          <p:attrName>stroke.color</p:attrName>
+                                        </p:attrNameLst>
+                                      </p:cBhvr>
+                                      <p:to>
+                                        <a:schemeClr val="tx2"/>
+                                      </p:to>
+                                    </p:animClr>
+                                    <p:set>
+                                      <p:cBhvr>
+                                        <p:cTn id="12" dur="500" fill="hold"/>
+                                        <p:tgtEl>
+                                          <p:spTgt spid="21"/>
+                                        </p:tgtEl>
+                                        <p:attrNameLst>
+                                          <p:attrName>stroke.on</p:attrName>
+                                        </p:attrNameLst>
+                                      </p:cBhvr>
+                                      <p:to>
+                                        <p:strVal val="true"/>
+                                      </p:to>
+                                    </p:set>
+                                  </p:childTnLst>
+                                </p:cTn>
+                              </p:par>
+                            </p:childTnLst>
+                          </p:cTn>
+                        </p:par>
+                      </p:childTnLst>
+                    </p:cTn>
+                  </p:par>
+                  <p:par>
+                    <p:cTn id="13" fill="hold">
+                      <p:stCondLst>
+                        <p:cond delay="indefinite"/>
+                      </p:stCondLst>
+                      <p:childTnLst>
+                        <p:par>
+                          <p:cTn id="14" fill="hold">
+                            <p:stCondLst>
+                              <p:cond delay="0"/>
+                            </p:stCondLst>
+                            <p:childTnLst>
+                              <p:par>
+                                <p:cTn id="15" presetID="7" presetClass="emph" presetSubtype="2" fill="hold" nodeType="clickEffect">
+                                  <p:stCondLst>
+                                    <p:cond delay="0"/>
+                                  </p:stCondLst>
+                                  <p:childTnLst>
+                                    <p:animClr clrSpc="rgb" dir="cw">
+                                      <p:cBhvr>
+                                        <p:cTn id="16" dur="500" fill="hold"/>
+                                        <p:tgtEl>
+                                          <p:spTgt spid="15"/>
+                                        </p:tgtEl>
+                                        <p:attrNameLst>
+                                          <p:attrName>stroke.color</p:attrName>
+                                        </p:attrNameLst>
+                                      </p:cBhvr>
+                                      <p:to>
+                                        <a:schemeClr val="tx2"/>
+                                      </p:to>
+                                    </p:animClr>
+                                    <p:set>
+                                      <p:cBhvr>
+                                        <p:cTn id="17" dur="500" fill="hold"/>
+                                        <p:tgtEl>
+                                          <p:spTgt spid="15"/>
+                                        </p:tgtEl>
+                                        <p:attrNameLst>
+                                          <p:attrName>stroke.on</p:attrName>
+                                        </p:attrNameLst>
+                                      </p:cBhvr>
+                                      <p:to>
+                                        <p:strVal val="true"/>
+                                      </p:to>
+                                    </p:set>
+                                  </p:childTnLst>
+                                </p:cTn>
+                              </p:par>
+                            </p:childTnLst>
+                          </p:cTn>
+                        </p:par>
+                      </p:childTnLst>
+                    </p:cTn>
+                  </p:par>
+                  <p:par>
+                    <p:cTn id="18" fill="hold">
+                      <p:stCondLst>
+                        <p:cond delay="indefinite"/>
+                      </p:stCondLst>
+                      <p:childTnLst>
+                        <p:par>
+                          <p:cTn id="19" fill="hold">
+                            <p:stCondLst>
+                              <p:cond delay="0"/>
+                            </p:stCondLst>
+                            <p:childTnLst>
+                              <p:par>
+                                <p:cTn id="20" presetID="7" presetClass="emph" presetSubtype="2" fill="hold" nodeType="clickEffect">
+                                  <p:stCondLst>
+                                    <p:cond delay="0"/>
+                                  </p:stCondLst>
+                                  <p:childTnLst>
+                                    <p:animClr clrSpc="rgb" dir="cw">
+                                      <p:cBhvr>
+                                        <p:cTn id="21" dur="500" fill="hold"/>
+                                        <p:tgtEl>
+                                          <p:spTgt spid="30"/>
+                                        </p:tgtEl>
+                                        <p:attrNameLst>
+                                          <p:attrName>stroke.color</p:attrName>
+                                        </p:attrNameLst>
+                                      </p:cBhvr>
+                                      <p:to>
+                                        <a:schemeClr val="tx2"/>
+                                      </p:to>
+                                    </p:animClr>
+                                    <p:set>
+                                      <p:cBhvr>
+                                        <p:cTn id="22" dur="500" fill="hold"/>
+                                        <p:tgtEl>
+                                          <p:spTgt spid="30"/>
+                                        </p:tgtEl>
+                                        <p:attrNameLst>
+                                          <p:attrName>stroke.on</p:attrName>
+                                        </p:attrNameLst>
+                                      </p:cBhvr>
+                                      <p:to>
+                                        <p:strVal val="true"/>
+                                      </p:to>
+                                    </p:set>
+                                  </p:childTnLst>
+                                </p:cTn>
+                              </p:par>
+                            </p:childTnLst>
+                          </p:cTn>
+                        </p:par>
+                      </p:childTnLst>
+                    </p:cTn>
+                  </p:par>
+                  <p:par>
+                    <p:cTn id="23" fill="hold">
+                      <p:stCondLst>
+                        <p:cond delay="indefinite"/>
+                      </p:stCondLst>
+                      <p:childTnLst>
+                        <p:par>
+                          <p:cTn id="24" fill="hold">
+                            <p:stCondLst>
+                              <p:cond delay="0"/>
+                            </p:stCondLst>
+                            <p:childTnLst>
+                              <p:par>
+                                <p:cTn id="25" presetID="7" presetClass="emph" presetSubtype="2" fill="hold" nodeType="clickEffect">
+                                  <p:stCondLst>
+                                    <p:cond delay="0"/>
+                                  </p:stCondLst>
+                                  <p:childTnLst>
+                                    <p:animClr clrSpc="rgb" dir="cw">
+                                      <p:cBhvr>
+                                        <p:cTn id="26" dur="500" fill="hold"/>
+                                        <p:tgtEl>
+                                          <p:spTgt spid="32"/>
+                                        </p:tgtEl>
+                                        <p:attrNameLst>
+                                          <p:attrName>stroke.color</p:attrName>
+                                        </p:attrNameLst>
+                                      </p:cBhvr>
+                                      <p:to>
+                                        <a:schemeClr val="tx2"/>
+                                      </p:to>
+                                    </p:animClr>
+                                    <p:set>
+                                      <p:cBhvr>
+                                        <p:cTn id="27" dur="500" fill="hold"/>
+                                        <p:tgtEl>
+                                          <p:spTgt spid="32"/>
+                                        </p:tgtEl>
+                                        <p:attrNameLst>
+                                          <p:attrName>stroke.on</p:attrName>
+                                        </p:attrNameLst>
+                                      </p:cBhvr>
+                                      <p:to>
+                                        <p:strVal val="true"/>
+                                      </p:to>
+                                    </p:set>
+                                  </p:childTnLst>
+                                </p:cTn>
+                              </p:par>
+                              <p:par>
+                                <p:cTn id="28" presetID="7" presetClass="emph" presetSubtype="2" fill="hold" nodeType="withEffect">
+                                  <p:stCondLst>
+                                    <p:cond delay="0"/>
+                                  </p:stCondLst>
+                                  <p:childTnLst>
+                                    <p:animClr clrSpc="rgb" dir="cw">
+                                      <p:cBhvr>
+                                        <p:cTn id="29" dur="500" fill="hold"/>
+                                        <p:tgtEl>
+                                          <p:spTgt spid="30"/>
+                                        </p:tgtEl>
+                                        <p:attrNameLst>
+                                          <p:attrName>stroke.color</p:attrName>
+                                        </p:attrNameLst>
+                                      </p:cBhvr>
+                                      <p:to>
+                                        <a:schemeClr val="accent1"/>
+                                      </p:to>
+                                    </p:animClr>
+                                    <p:set>
+                                      <p:cBhvr>
+                                        <p:cTn id="30" dur="500" fill="hold"/>
+                                        <p:tgtEl>
+                                          <p:spTgt spid="30"/>
+                                        </p:tgtEl>
+                                        <p:attrNameLst>
+                                          <p:attrName>stroke.on</p:attrName>
+                                        </p:attrNameLst>
+                                      </p:cBhvr>
+                                      <p:to>
+                                        <p:strVal val="true"/>
+                                      </p:to>
+                                    </p:set>
+                                  </p:childTnLst>
+                                </p:cTn>
+                              </p:par>
+                            </p:childTnLst>
+                          </p:cTn>
+                        </p:par>
+                      </p:childTnLst>
+                    </p:cTn>
+                  </p:par>
+                  <p:par>
+                    <p:cTn id="31" fill="hold">
+                      <p:stCondLst>
+                        <p:cond delay="indefinite"/>
+                      </p:stCondLst>
+                      <p:childTnLst>
+                        <p:par>
+                          <p:cTn id="32" fill="hold">
+                            <p:stCondLst>
+                              <p:cond delay="0"/>
+                            </p:stCondLst>
+                            <p:childTnLst>
+                              <p:par>
+                                <p:cTn id="33" presetID="7" presetClass="emph" presetSubtype="2" fill="hold" nodeType="clickEffect">
+                                  <p:stCondLst>
+                                    <p:cond delay="0"/>
+                                  </p:stCondLst>
+                                  <p:childTnLst>
+                                    <p:animClr clrSpc="rgb" dir="cw">
+                                      <p:cBhvr>
+                                        <p:cTn id="34" dur="500" fill="hold"/>
+                                        <p:tgtEl>
+                                          <p:spTgt spid="34"/>
+                                        </p:tgtEl>
+                                        <p:attrNameLst>
+                                          <p:attrName>stroke.color</p:attrName>
+                                        </p:attrNameLst>
+                                      </p:cBhvr>
+                                      <p:to>
+                                        <a:schemeClr val="tx2"/>
+                                      </p:to>
+                                    </p:animClr>
+                                    <p:set>
+                                      <p:cBhvr>
+                                        <p:cTn id="35" dur="500" fill="hold"/>
+                                        <p:tgtEl>
+                                          <p:spTgt spid="34"/>
+                                        </p:tgtEl>
+                                        <p:attrNameLst>
+                                          <p:attrName>stroke.on</p:attrName>
+                                        </p:attrNameLst>
+                                      </p:cBhvr>
+                                      <p:to>
+                                        <p:strVal val="true"/>
+                                      </p:to>
+                                    </p:set>
+                                  </p:childTnLst>
+                                </p:cTn>
+                              </p:par>
+                            </p:childTnLst>
+                          </p:cTn>
+                        </p:par>
+                      </p:childTnLst>
+                    </p:cTn>
+                  </p:par>
+                  <p:par>
+                    <p:cTn id="36" fill="hold">
+                      <p:stCondLst>
+                        <p:cond delay="indefinite"/>
+                      </p:stCondLst>
+                      <p:childTnLst>
+                        <p:par>
+                          <p:cTn id="37" fill="hold">
+                            <p:stCondLst>
+                              <p:cond delay="0"/>
+                            </p:stCondLst>
+                            <p:childTnLst>
+                              <p:par>
+                                <p:cTn id="38" presetID="1" presetClass="entr" presetSubtype="0" fill="hold" grpId="0" nodeType="clickEffect">
+                                  <p:stCondLst>
+                                    <p:cond delay="0"/>
+                                  </p:stCondLst>
+                                  <p:childTnLst>
+                                    <p:set>
+                                      <p:cBhvr>
+                                        <p:cTn id="39" dur="1" fill="hold">
+                                          <p:stCondLst>
+                                            <p:cond delay="0"/>
+                                          </p:stCondLst>
+                                        </p:cTn>
+                                        <p:tgtEl>
+                                          <p:spTgt spid="45"/>
+                                        </p:tgtEl>
+                                        <p:attrNameLst>
+                                          <p:attrName>style.visibility</p:attrName>
+                                        </p:attrNameLst>
+                                      </p:cBhvr>
+                                      <p:to>
+                                        <p:strVal val="visible"/>
+                                      </p:to>
+                                    </p:set>
+                                  </p:childTnLst>
+                                </p:cTn>
+                              </p:par>
+                              <p:par>
+                                <p:cTn id="40" presetID="1" presetClass="entr" presetSubtype="0" fill="hold" grpId="0" nodeType="withEffect">
+                                  <p:stCondLst>
+                                    <p:cond delay="1000"/>
+                                  </p:stCondLst>
+                                  <p:childTnLst>
+                                    <p:set>
+                                      <p:cBhvr>
+                                        <p:cTn id="41" dur="1" fill="hold">
+                                          <p:stCondLst>
+                                            <p:cond delay="0"/>
+                                          </p:stCondLst>
+                                        </p:cTn>
+                                        <p:tgtEl>
+                                          <p:spTgt spid="87"/>
+                                        </p:tgtEl>
+                                        <p:attrNameLst>
+                                          <p:attrName>style.visibility</p:attrName>
+                                        </p:attrNameLst>
+                                      </p:cBhvr>
+                                      <p:to>
+                                        <p:strVal val="visible"/>
+                                      </p:to>
+                                    </p:set>
+                                  </p:childTnLst>
+                                </p:cTn>
+                              </p:par>
+                            </p:childTnLst>
+                          </p:cTn>
+                        </p:par>
+                      </p:childTnLst>
+                    </p:cTn>
+                  </p:par>
+                </p:childTnLst>
+              </p:cTn>
+              <p:prevCondLst>
+                <p:cond evt="onPrev" delay="0">
+                  <p:tgtEl>
+                    <p:sldTgt/>
+                  </p:tgtEl>
+                </p:cond>
+              </p:prevCondLst>
+              <p:nextCondLst>
+                <p:cond evt="onNext" delay="0">
+                  <p:tgtEl>
+                    <p:sldTgt/>
+                  </p:tgtEl>
+                </p:cond>
+              </p:nextCondLst>
+            </p:seq>
+          </p:childTnLst>
+        </p:cTn>
+      </p:par>
+    </p:tnLst>
+    <p:bldLst>
+      <p:bldP spid="45" grpId="0" animBg="1"/>
+      <p:bldP spid="87" grpId="0" animBg="1"/>
+    </p:bldLst>
+  </p:timing>
+</p:sld>
+</file>
+
 <file path=ppt/slides/slide2.xml><?xml version="1.0" encoding="utf-8"?>
 <p:sld xmlns:a="http://schemas.openxmlformats.org/drawingml/2006/main" xmlns:r="http://schemas.openxmlformats.org/officeDocument/2006/relationships" xmlns:p="http://schemas.openxmlformats.org/presentationml/2006/main">
   <p:cSld>
@@ -9979,7 +12348,6 @@
               <a:rPr lang="fr-FR" u="sng"/>
               <a:t>Analyse et conception d’algorithmes économes en énergie dans les réseaux de capteurs</a:t>
             </a:r>
-            <a:endParaRPr lang="fr-FR" u="sng"/>
           </a:p>
         </p:txBody>
       </p:sp>
@@ -10284,13 +12652,13 @@
   <p:clrMapOvr>
     <a:masterClrMapping/>
   </p:clrMapOvr>
-  <mc:AlternateContent xmlns:mc="http://schemas.openxmlformats.org/markup-compatibility/2006">
-    <mc:Choice xmlns:p14="http://schemas.microsoft.com/office/powerpoint/2010/main" Requires="p14">
+  <mc:AlternateContent xmlns:mc="http://schemas.openxmlformats.org/markup-compatibility/2006" xmlns:p14="http://schemas.microsoft.com/office/powerpoint/2010/main">
+    <mc:Choice Requires="p14">
       <p:transition spd="slow" p14:dur="1500">
         <p:split orient="vert"/>
       </p:transition>
     </mc:Choice>
-    <mc:Fallback>
+    <mc:Fallback xmlns="">
       <p:transition xmlns:p14="http://schemas.microsoft.com/office/powerpoint/2010/main" spd="slow">
         <p:split orient="vert"/>
       </p:transition>
@@ -10997,7 +13365,6 @@
               <a:rPr lang="fr-FR"/>
               <a:t>Introduction aux réseaux de capteurs</a:t>
             </a:r>
-            <a:endParaRPr lang="fr-FR"/>
           </a:p>
         </p:txBody>
       </p:sp>
@@ -11445,7 +13812,6 @@
               <a:rPr lang="fr-FR"/>
               <a:t>Réserve d’énergie réduite</a:t>
             </a:r>
-            <a:endParaRPr lang="fr-FR"/>
           </a:p>
           <a:p>
             <a:pPr>

--- a/Redaction/pres.pptx
+++ b/Redaction/pres.pptx
@@ -5,10 +5,10 @@
     <p:sldMasterId id="2147483648" r:id="rId1"/>
   </p:sldMasterIdLst>
   <p:notesMasterIdLst>
-    <p:notesMasterId r:id="rId20"/>
+    <p:notesMasterId r:id="rId32"/>
   </p:notesMasterIdLst>
   <p:handoutMasterIdLst>
-    <p:handoutMasterId r:id="rId21"/>
+    <p:handoutMasterId r:id="rId33"/>
   </p:handoutMasterIdLst>
   <p:sldIdLst>
     <p:sldId id="256" r:id="rId2"/>
@@ -29,6 +29,18 @@
     <p:sldId id="275" r:id="rId17"/>
     <p:sldId id="276" r:id="rId18"/>
     <p:sldId id="277" r:id="rId19"/>
+    <p:sldId id="278" r:id="rId20"/>
+    <p:sldId id="279" r:id="rId21"/>
+    <p:sldId id="280" r:id="rId22"/>
+    <p:sldId id="281" r:id="rId23"/>
+    <p:sldId id="282" r:id="rId24"/>
+    <p:sldId id="283" r:id="rId25"/>
+    <p:sldId id="284" r:id="rId26"/>
+    <p:sldId id="285" r:id="rId27"/>
+    <p:sldId id="286" r:id="rId28"/>
+    <p:sldId id="287" r:id="rId29"/>
+    <p:sldId id="288" r:id="rId30"/>
+    <p:sldId id="289" r:id="rId31"/>
   </p:sldIdLst>
   <p:sldSz cx="9144000" cy="6858000" type="screen4x3"/>
   <p:notesSz cx="6858000" cy="9144000"/>
@@ -162,6 +174,26 @@
             <p14:sldId id="275"/>
             <p14:sldId id="276"/>
             <p14:sldId id="277"/>
+            <p14:sldId id="278"/>
+            <p14:sldId id="279"/>
+            <p14:sldId id="280"/>
+            <p14:sldId id="281"/>
+            <p14:sldId id="282"/>
+            <p14:sldId id="283"/>
+          </p14:sldIdLst>
+        </p14:section>
+        <p14:section name="Analyse et réflexion" id="{E6E9E42D-618D-C04C-A6AC-602EC5596557}">
+          <p14:sldIdLst>
+            <p14:sldId id="284"/>
+            <p14:sldId id="285"/>
+            <p14:sldId id="286"/>
+            <p14:sldId id="287"/>
+          </p14:sldIdLst>
+        </p14:section>
+        <p14:section name="Simulations et résulats" id="{5ED65119-467B-6644-94FB-05D508124816}">
+          <p14:sldIdLst>
+            <p14:sldId id="288"/>
+            <p14:sldId id="289"/>
           </p14:sldIdLst>
         </p14:section>
       </p14:sectionLst>
@@ -1270,21 +1302,21 @@
     </dgm:pt>
   </dgm:ptLst>
   <dgm:cxnLst>
-    <dgm:cxn modelId="{BD289E23-9AEB-1545-8121-FFED29DF8A76}" type="presOf" srcId="{EBD4001C-B961-5540-8C87-277869C67930}" destId="{D2B7ABDE-DC5D-CC43-A304-27801E8F3934}" srcOrd="1" destOrd="0" presId="urn:microsoft.com/office/officeart/2005/8/layout/radial5"/>
-    <dgm:cxn modelId="{5EF9709A-DAC0-EE4B-8557-4C53B4B56380}" type="presOf" srcId="{7DA216F7-B61A-644F-9E41-4844BDF2E1EB}" destId="{9AF44D55-8614-3B46-93BF-F278C02874B0}" srcOrd="0" destOrd="0" presId="urn:microsoft.com/office/officeart/2005/8/layout/radial5"/>
-    <dgm:cxn modelId="{20D7BF27-E99E-774C-A330-14F0528895CF}" type="presOf" srcId="{EC3D84DF-2E4A-914D-8008-A16D5583089F}" destId="{2D39C667-17DD-D243-BBEF-E694A5E11B6F}" srcOrd="0" destOrd="0" presId="urn:microsoft.com/office/officeart/2005/8/layout/radial5"/>
     <dgm:cxn modelId="{3CF9BB7A-5A06-2847-8A99-D91FA18D9AFA}" type="presOf" srcId="{5304632D-3534-014E-A773-191A91505663}" destId="{28E9526E-7B0C-9143-A850-585B8E0E2207}" srcOrd="0" destOrd="0" presId="urn:microsoft.com/office/officeart/2005/8/layout/radial5"/>
-    <dgm:cxn modelId="{981409B1-430A-F64D-A631-F9C5F731F273}" type="presOf" srcId="{EBD4001C-B961-5540-8C87-277869C67930}" destId="{443AD5A5-74EA-D84C-A21D-7D9663E3D147}" srcOrd="0" destOrd="0" presId="urn:microsoft.com/office/officeart/2005/8/layout/radial5"/>
-    <dgm:cxn modelId="{88714B9B-4491-1648-BFA5-9908FC612FF9}" type="presOf" srcId="{1A6F2230-7FF1-784D-8943-FAFBB5BD867E}" destId="{EFF2F8AC-1F1B-6D4D-8C29-AE41441F26F7}" srcOrd="0" destOrd="0" presId="urn:microsoft.com/office/officeart/2005/8/layout/radial5"/>
-    <dgm:cxn modelId="{1F426276-401F-6548-A04B-6E549D314F44}" srcId="{EC3D84DF-2E4A-914D-8008-A16D5583089F}" destId="{B7BB0103-7E47-DD47-A685-FB155C9A07EE}" srcOrd="0" destOrd="0" parTransId="{187E3820-FDBD-A14B-8D53-13DEEA190D85}" sibTransId="{07DE391C-36DC-2347-ACDE-6F70ECD1194A}"/>
-    <dgm:cxn modelId="{DA6D3E26-D7CA-AD40-9EAA-FB53CCDC295A}" srcId="{B7BB0103-7E47-DD47-A685-FB155C9A07EE}" destId="{7DA216F7-B61A-644F-9E41-4844BDF2E1EB}" srcOrd="1" destOrd="0" parTransId="{EE98EBD2-B01C-AC47-87D6-306A993857F7}" sibTransId="{40828377-F63C-7147-AD5C-8E259A94515F}"/>
     <dgm:cxn modelId="{D1A37C89-99F7-8646-9954-2A9040E91DE6}" type="presOf" srcId="{B7BB0103-7E47-DD47-A685-FB155C9A07EE}" destId="{5DD8E76F-190F-AE4D-8F4D-4BB2AADB5179}" srcOrd="0" destOrd="0" presId="urn:microsoft.com/office/officeart/2005/8/layout/radial5"/>
     <dgm:cxn modelId="{182F8A36-DF71-514D-A4DB-02C0E52C9E27}" srcId="{B7BB0103-7E47-DD47-A685-FB155C9A07EE}" destId="{80CDC2A9-E114-4E4E-97DA-E5A6E9106C0D}" srcOrd="2" destOrd="0" parTransId="{EBD4001C-B961-5540-8C87-277869C67930}" sibTransId="{23331D01-66FE-2F4E-9D58-79CD274B6161}"/>
-    <dgm:cxn modelId="{06BD377A-1813-9A43-8E47-E01E784BE70D}" type="presOf" srcId="{80CDC2A9-E114-4E4E-97DA-E5A6E9106C0D}" destId="{E6336081-3369-9448-A37D-3542AC02AA41}" srcOrd="0" destOrd="0" presId="urn:microsoft.com/office/officeart/2005/8/layout/radial5"/>
+    <dgm:cxn modelId="{1F426276-401F-6548-A04B-6E549D314F44}" srcId="{EC3D84DF-2E4A-914D-8008-A16D5583089F}" destId="{B7BB0103-7E47-DD47-A685-FB155C9A07EE}" srcOrd="0" destOrd="0" parTransId="{187E3820-FDBD-A14B-8D53-13DEEA190D85}" sibTransId="{07DE391C-36DC-2347-ACDE-6F70ECD1194A}"/>
+    <dgm:cxn modelId="{5EF9709A-DAC0-EE4B-8557-4C53B4B56380}" type="presOf" srcId="{7DA216F7-B61A-644F-9E41-4844BDF2E1EB}" destId="{9AF44D55-8614-3B46-93BF-F278C02874B0}" srcOrd="0" destOrd="0" presId="urn:microsoft.com/office/officeart/2005/8/layout/radial5"/>
+    <dgm:cxn modelId="{B42444B2-648E-4449-96AD-FC3B788CF0E4}" type="presOf" srcId="{EE98EBD2-B01C-AC47-87D6-306A993857F7}" destId="{54DC7B13-44EC-FF49-A46D-55A02B76FE87}" srcOrd="0" destOrd="0" presId="urn:microsoft.com/office/officeart/2005/8/layout/radial5"/>
+    <dgm:cxn modelId="{88714B9B-4491-1648-BFA5-9908FC612FF9}" type="presOf" srcId="{1A6F2230-7FF1-784D-8943-FAFBB5BD867E}" destId="{EFF2F8AC-1F1B-6D4D-8C29-AE41441F26F7}" srcOrd="0" destOrd="0" presId="urn:microsoft.com/office/officeart/2005/8/layout/radial5"/>
+    <dgm:cxn modelId="{981409B1-430A-F64D-A631-F9C5F731F273}" type="presOf" srcId="{EBD4001C-B961-5540-8C87-277869C67930}" destId="{443AD5A5-74EA-D84C-A21D-7D9663E3D147}" srcOrd="0" destOrd="0" presId="urn:microsoft.com/office/officeart/2005/8/layout/radial5"/>
     <dgm:cxn modelId="{41055DA1-11F4-F44D-8A2D-65078C273C86}" srcId="{B7BB0103-7E47-DD47-A685-FB155C9A07EE}" destId="{1A6F2230-7FF1-784D-8943-FAFBB5BD867E}" srcOrd="0" destOrd="0" parTransId="{5304632D-3534-014E-A773-191A91505663}" sibTransId="{18929EFA-1674-8D49-BFC2-4A2E5D4308B5}"/>
     <dgm:cxn modelId="{21A54FB8-9CA2-2343-945D-5B2902E5F5E8}" type="presOf" srcId="{5304632D-3534-014E-A773-191A91505663}" destId="{F6EB97ED-B6B4-4241-B774-3B7059FCFB8A}" srcOrd="1" destOrd="0" presId="urn:microsoft.com/office/officeart/2005/8/layout/radial5"/>
-    <dgm:cxn modelId="{B42444B2-648E-4449-96AD-FC3B788CF0E4}" type="presOf" srcId="{EE98EBD2-B01C-AC47-87D6-306A993857F7}" destId="{54DC7B13-44EC-FF49-A46D-55A02B76FE87}" srcOrd="0" destOrd="0" presId="urn:microsoft.com/office/officeart/2005/8/layout/radial5"/>
     <dgm:cxn modelId="{7ED21C30-811C-3644-A272-51AA029DED4E}" type="presOf" srcId="{EE98EBD2-B01C-AC47-87D6-306A993857F7}" destId="{F9C9631B-0A4E-8840-BB52-87B441B80EB5}" srcOrd="1" destOrd="0" presId="urn:microsoft.com/office/officeart/2005/8/layout/radial5"/>
+    <dgm:cxn modelId="{BD289E23-9AEB-1545-8121-FFED29DF8A76}" type="presOf" srcId="{EBD4001C-B961-5540-8C87-277869C67930}" destId="{D2B7ABDE-DC5D-CC43-A304-27801E8F3934}" srcOrd="1" destOrd="0" presId="urn:microsoft.com/office/officeart/2005/8/layout/radial5"/>
+    <dgm:cxn modelId="{06BD377A-1813-9A43-8E47-E01E784BE70D}" type="presOf" srcId="{80CDC2A9-E114-4E4E-97DA-E5A6E9106C0D}" destId="{E6336081-3369-9448-A37D-3542AC02AA41}" srcOrd="0" destOrd="0" presId="urn:microsoft.com/office/officeart/2005/8/layout/radial5"/>
+    <dgm:cxn modelId="{20D7BF27-E99E-774C-A330-14F0528895CF}" type="presOf" srcId="{EC3D84DF-2E4A-914D-8008-A16D5583089F}" destId="{2D39C667-17DD-D243-BBEF-E694A5E11B6F}" srcOrd="0" destOrd="0" presId="urn:microsoft.com/office/officeart/2005/8/layout/radial5"/>
+    <dgm:cxn modelId="{DA6D3E26-D7CA-AD40-9EAA-FB53CCDC295A}" srcId="{B7BB0103-7E47-DD47-A685-FB155C9A07EE}" destId="{7DA216F7-B61A-644F-9E41-4844BDF2E1EB}" srcOrd="1" destOrd="0" parTransId="{EE98EBD2-B01C-AC47-87D6-306A993857F7}" sibTransId="{40828377-F63C-7147-AD5C-8E259A94515F}"/>
     <dgm:cxn modelId="{D454D5EA-D415-0940-841D-9AF66E1C32C1}" type="presParOf" srcId="{2D39C667-17DD-D243-BBEF-E694A5E11B6F}" destId="{5DD8E76F-190F-AE4D-8F4D-4BB2AADB5179}" srcOrd="0" destOrd="0" presId="urn:microsoft.com/office/officeart/2005/8/layout/radial5"/>
     <dgm:cxn modelId="{758DD4F6-D5C5-1B47-AEAA-8A9B5ED271C1}" type="presParOf" srcId="{2D39C667-17DD-D243-BBEF-E694A5E11B6F}" destId="{28E9526E-7B0C-9143-A850-585B8E0E2207}" srcOrd="1" destOrd="0" presId="urn:microsoft.com/office/officeart/2005/8/layout/radial5"/>
     <dgm:cxn modelId="{0E9F40F2-2A10-F442-B672-458B50589287}" type="presParOf" srcId="{28E9526E-7B0C-9143-A850-585B8E0E2207}" destId="{F6EB97ED-B6B4-4241-B774-3B7059FCFB8A}" srcOrd="0" destOrd="0" presId="urn:microsoft.com/office/officeart/2005/8/layout/radial5"/>
@@ -3288,7 +3320,7 @@
           </a:lstStyle>
           <a:p>
             <a:fld id="{A403C439-8792-4E48-B980-226A62E380FA}" type="datetime1">
-              <a:t>21/04/12</a:t>
+              <a:t>22/04/12</a:t>
             </a:fld>
             <a:endParaRPr lang="fr-FR"/>
           </a:p>
@@ -3452,7 +3484,7 @@
           </a:lstStyle>
           <a:p>
             <a:fld id="{D72FB3A3-AF10-6843-BF9B-8AA1F700EDAB}" type="datetime1">
-              <a:t>21/04/12</a:t>
+              <a:t>22/04/12</a:t>
             </a:fld>
             <a:endParaRPr lang="fr-FR"/>
           </a:p>
@@ -4124,7 +4156,7 @@
           <a:lstStyle/>
           <a:p>
             <a:fld id="{EF8E0FF7-07C5-9A4B-B9E2-249745357892}" type="datetime1">
-              <a:t>21/04/12</a:t>
+              <a:t>22/04/12</a:t>
             </a:fld>
             <a:endParaRPr lang="fr-FR"/>
           </a:p>
@@ -4381,7 +4413,7 @@
           <a:lstStyle/>
           <a:p>
             <a:fld id="{1CF138A4-4CB9-4F43-A9A5-5E812734F798}" type="datetime1">
-              <a:t>21/04/12</a:t>
+              <a:t>22/04/12</a:t>
             </a:fld>
             <a:endParaRPr lang="fr-FR"/>
           </a:p>
@@ -4554,7 +4586,7 @@
           <a:lstStyle/>
           <a:p>
             <a:fld id="{AAD2A5F4-3CE0-E641-B869-DB0DBBD6BD4B}" type="datetime1">
-              <a:t>21/04/12</a:t>
+              <a:t>22/04/12</a:t>
             </a:fld>
             <a:endParaRPr lang="fr-FR"/>
           </a:p>
@@ -4737,7 +4769,7 @@
           <a:lstStyle/>
           <a:p>
             <a:fld id="{E88E79BD-A9A2-524D-A83A-844F4A79225F}" type="datetime1">
-              <a:t>21/04/12</a:t>
+              <a:t>22/04/12</a:t>
             </a:fld>
             <a:endParaRPr lang="fr-FR"/>
           </a:p>
@@ -5563,7 +5595,7 @@
           <a:lstStyle/>
           <a:p>
             <a:fld id="{D7406C6B-2A98-3F4A-8376-030E8D4E7748}" type="datetime1">
-              <a:t>21/04/12</a:t>
+              <a:t>22/04/12</a:t>
             </a:fld>
             <a:endParaRPr lang="fr-FR"/>
           </a:p>
@@ -5741,7 +5773,7 @@
           <a:lstStyle/>
           <a:p>
             <a:fld id="{63A6B9AC-03EB-404C-91E9-F1BAC402D744}" type="datetime1">
-              <a:t>21/04/12</a:t>
+              <a:t>22/04/12</a:t>
             </a:fld>
             <a:endParaRPr lang="fr-FR"/>
           </a:p>
@@ -6063,7 +6095,7 @@
           <a:lstStyle/>
           <a:p>
             <a:fld id="{FAEA84EA-A45B-A341-8AE9-ADAAC6B02B89}" type="datetime1">
-              <a:t>21/04/12</a:t>
+              <a:t>22/04/12</a:t>
             </a:fld>
             <a:endParaRPr lang="fr-FR"/>
           </a:p>
@@ -6353,7 +6385,7 @@
           <a:lstStyle/>
           <a:p>
             <a:fld id="{F59A7D60-8FBE-1944-8B44-499C1F06D97A}" type="datetime1">
-              <a:t>21/04/12</a:t>
+              <a:t>22/04/12</a:t>
             </a:fld>
             <a:endParaRPr lang="fr-FR"/>
           </a:p>
@@ -6782,7 +6814,7 @@
           <a:lstStyle/>
           <a:p>
             <a:fld id="{C69DB02C-4106-0343-8225-B58AAD2D629A}" type="datetime1">
-              <a:t>21/04/12</a:t>
+              <a:t>22/04/12</a:t>
             </a:fld>
             <a:endParaRPr lang="fr-FR"/>
           </a:p>
@@ -6904,7 +6936,7 @@
           <a:lstStyle/>
           <a:p>
             <a:fld id="{59AA06BD-BE72-7D49-9E53-083ABA7FC7D2}" type="datetime1">
-              <a:t>21/04/12</a:t>
+              <a:t>22/04/12</a:t>
             </a:fld>
             <a:endParaRPr lang="fr-FR"/>
           </a:p>
@@ -7004,7 +7036,7 @@
           <a:lstStyle/>
           <a:p>
             <a:fld id="{8F024E51-7B49-5D4A-86A0-E29FACC1A80A}" type="datetime1">
-              <a:t>21/04/12</a:t>
+              <a:t>22/04/12</a:t>
             </a:fld>
             <a:endParaRPr lang="fr-FR"/>
           </a:p>
@@ -7220,7 +7252,7 @@
           </a:lstStyle>
           <a:p>
             <a:fld id="{05B6F9A6-1CC6-4B49-B400-D379C806133A}" type="datetime1">
-              <a:t>21/04/12</a:t>
+              <a:t>22/04/12</a:t>
             </a:fld>
             <a:endParaRPr lang="fr-FR"/>
           </a:p>
@@ -7769,6 +7801,25 @@
   <p:clrMapOvr>
     <a:masterClrMapping/>
   </p:clrMapOvr>
+  <mc:AlternateContent xmlns:mc="http://schemas.openxmlformats.org/markup-compatibility/2006">
+    <mc:Choice xmlns:p14="http://schemas.microsoft.com/office/powerpoint/2010/main" Requires="p14">
+      <p:transition spd="med" p14:dur="700">
+        <p:fade/>
+      </p:transition>
+    </mc:Choice>
+    <mc:Fallback>
+      <p:transition xmlns:p14="http://schemas.microsoft.com/office/powerpoint/2010/main" spd="med">
+        <p:fade/>
+      </p:transition>
+    </mc:Fallback>
+  </mc:AlternateContent>
+  <p:timing>
+    <p:tnLst>
+      <p:par>
+        <p:cTn xmlns:p14="http://schemas.microsoft.com/office/powerpoint/2010/main" id="1" dur="indefinite" restart="never" nodeType="tmRoot"/>
+      </p:par>
+    </p:tnLst>
+  </p:timing>
 </p:sld>
 </file>
 
@@ -7950,6 +8001,21 @@
   <p:clrMapOvr>
     <a:masterClrMapping/>
   </p:clrMapOvr>
+  <mc:AlternateContent xmlns:mc="http://schemas.openxmlformats.org/markup-compatibility/2006">
+    <mc:Choice xmlns:p14="http://schemas.microsoft.com/office/powerpoint/2010/main" Requires="p14">
+      <p:transition p14:dur="0"/>
+    </mc:Choice>
+    <mc:Fallback>
+      <p:transition xmlns:p14="http://schemas.microsoft.com/office/powerpoint/2010/main"/>
+    </mc:Fallback>
+  </mc:AlternateContent>
+  <p:timing>
+    <p:tnLst>
+      <p:par>
+        <p:cTn xmlns:p14="http://schemas.microsoft.com/office/powerpoint/2010/main" id="1" dur="indefinite" restart="never" nodeType="tmRoot"/>
+      </p:par>
+    </p:tnLst>
+  </p:timing>
 </p:sld>
 </file>
 
@@ -8183,6 +8249,21 @@
   <p:clrMapOvr>
     <a:masterClrMapping/>
   </p:clrMapOvr>
+  <mc:AlternateContent xmlns:mc="http://schemas.openxmlformats.org/markup-compatibility/2006">
+    <mc:Choice xmlns:p14="http://schemas.microsoft.com/office/powerpoint/2010/main" Requires="p14">
+      <p:transition p14:dur="0"/>
+    </mc:Choice>
+    <mc:Fallback>
+      <p:transition xmlns:p14="http://schemas.microsoft.com/office/powerpoint/2010/main"/>
+    </mc:Fallback>
+  </mc:AlternateContent>
+  <p:timing>
+    <p:tnLst>
+      <p:par>
+        <p:cTn xmlns:p14="http://schemas.microsoft.com/office/powerpoint/2010/main" id="1" dur="indefinite" restart="never" nodeType="tmRoot"/>
+      </p:par>
+    </p:tnLst>
+  </p:timing>
 </p:sld>
 </file>
 
@@ -8416,6 +8497,21 @@
   <p:clrMapOvr>
     <a:masterClrMapping/>
   </p:clrMapOvr>
+  <mc:AlternateContent xmlns:mc="http://schemas.openxmlformats.org/markup-compatibility/2006">
+    <mc:Choice xmlns:p14="http://schemas.microsoft.com/office/powerpoint/2010/main" Requires="p14">
+      <p:transition p14:dur="0"/>
+    </mc:Choice>
+    <mc:Fallback>
+      <p:transition xmlns:p14="http://schemas.microsoft.com/office/powerpoint/2010/main"/>
+    </mc:Fallback>
+  </mc:AlternateContent>
+  <p:timing>
+    <p:tnLst>
+      <p:par>
+        <p:cTn xmlns:p14="http://schemas.microsoft.com/office/powerpoint/2010/main" id="1" dur="indefinite" restart="never" nodeType="tmRoot"/>
+      </p:par>
+    </p:tnLst>
+  </p:timing>
 </p:sld>
 </file>
 
@@ -8584,6 +8680,14 @@
   <p:clrMapOvr>
     <a:masterClrMapping/>
   </p:clrMapOvr>
+  <mc:AlternateContent xmlns:mc="http://schemas.openxmlformats.org/markup-compatibility/2006">
+    <mc:Choice xmlns:p14="http://schemas.microsoft.com/office/powerpoint/2010/main" Requires="p14">
+      <p:transition p14:dur="0"/>
+    </mc:Choice>
+    <mc:Fallback>
+      <p:transition xmlns:p14="http://schemas.microsoft.com/office/powerpoint/2010/main"/>
+    </mc:Fallback>
+  </mc:AlternateContent>
   <p:timing>
     <p:tnLst>
       <p:par>
@@ -8767,6 +8871,14 @@
   <p:clrMapOvr>
     <a:masterClrMapping/>
   </p:clrMapOvr>
+  <mc:AlternateContent xmlns:mc="http://schemas.openxmlformats.org/markup-compatibility/2006">
+    <mc:Choice xmlns:p14="http://schemas.microsoft.com/office/powerpoint/2010/main" Requires="p14">
+      <p:transition p14:dur="0"/>
+    </mc:Choice>
+    <mc:Fallback>
+      <p:transition xmlns:p14="http://schemas.microsoft.com/office/powerpoint/2010/main"/>
+    </mc:Fallback>
+  </mc:AlternateContent>
   <p:timing>
     <p:tnLst>
       <p:par>
@@ -8824,7 +8936,7 @@
         </p:nvSpPr>
         <p:spPr>
           <a:xfrm>
-            <a:off x="1403647" y="1988839"/>
+            <a:off x="4621114" y="2055722"/>
             <a:ext cx="2880321" cy="2880321"/>
           </a:xfrm>
           <a:prstGeom prst="ellipse">
@@ -8889,7 +9001,7 @@
         </p:nvSpPr>
         <p:spPr>
           <a:xfrm>
-            <a:off x="1853237" y="1471759"/>
+            <a:off x="5070704" y="1538642"/>
             <a:ext cx="2880321" cy="2880321"/>
           </a:xfrm>
           <a:prstGeom prst="ellipse">
@@ -8954,7 +9066,7 @@
         </p:nvSpPr>
         <p:spPr>
           <a:xfrm>
-            <a:off x="612097" y="1192712"/>
+            <a:off x="3829564" y="1259595"/>
             <a:ext cx="2880321" cy="2880321"/>
           </a:xfrm>
           <a:prstGeom prst="ellipse">
@@ -9019,7 +9131,7 @@
         </p:nvSpPr>
         <p:spPr>
           <a:xfrm>
-            <a:off x="1658469" y="2772576"/>
+            <a:off x="4875936" y="2839459"/>
             <a:ext cx="2880321" cy="2880321"/>
           </a:xfrm>
           <a:prstGeom prst="ellipse">
@@ -9084,7 +9196,7 @@
         </p:nvSpPr>
         <p:spPr>
           <a:xfrm>
-            <a:off x="949243" y="3319477"/>
+            <a:off x="4166710" y="3386360"/>
             <a:ext cx="2880321" cy="2880321"/>
           </a:xfrm>
           <a:prstGeom prst="ellipse">
@@ -9149,7 +9261,7 @@
         </p:nvSpPr>
         <p:spPr>
           <a:xfrm>
-            <a:off x="2843807" y="3084775"/>
+            <a:off x="6061274" y="3151658"/>
             <a:ext cx="2880321" cy="2880321"/>
           </a:xfrm>
           <a:prstGeom prst="ellipse">
@@ -9259,7 +9371,7 @@
         </p:nvSpPr>
         <p:spPr>
           <a:xfrm>
-            <a:off x="2600622" y="3239455"/>
+            <a:off x="5818089" y="3306338"/>
             <a:ext cx="428293" cy="407558"/>
           </a:xfrm>
           <a:prstGeom prst="ellipse">
@@ -9302,7 +9414,7 @@
         </p:nvSpPr>
         <p:spPr>
           <a:xfrm>
-            <a:off x="3064125" y="2736902"/>
+            <a:off x="6281592" y="2803785"/>
             <a:ext cx="428293" cy="407558"/>
           </a:xfrm>
           <a:prstGeom prst="ellipse">
@@ -9345,7 +9457,7 @@
         </p:nvSpPr>
         <p:spPr>
           <a:xfrm>
-            <a:off x="1853237" y="2495977"/>
+            <a:off x="5070704" y="2562860"/>
             <a:ext cx="428293" cy="407558"/>
           </a:xfrm>
           <a:prstGeom prst="ellipse">
@@ -9388,7 +9500,7 @@
         </p:nvSpPr>
         <p:spPr>
           <a:xfrm>
-            <a:off x="2175257" y="4576253"/>
+            <a:off x="5392724" y="4643136"/>
             <a:ext cx="428293" cy="407558"/>
           </a:xfrm>
           <a:prstGeom prst="ellipse">
@@ -9431,7 +9543,7 @@
         </p:nvSpPr>
         <p:spPr>
           <a:xfrm>
-            <a:off x="2915816" y="4005064"/>
+            <a:off x="6133283" y="4071947"/>
             <a:ext cx="428293" cy="407558"/>
           </a:xfrm>
           <a:prstGeom prst="ellipse">
@@ -9474,7 +9586,7 @@
         </p:nvSpPr>
         <p:spPr>
           <a:xfrm>
-            <a:off x="4005322" y="4299744"/>
+            <a:off x="7222789" y="4366627"/>
             <a:ext cx="428293" cy="407558"/>
           </a:xfrm>
           <a:prstGeom prst="ellipse">
@@ -9520,7 +9632,7 @@
         </p:nvCxnSpPr>
         <p:spPr>
           <a:xfrm>
-            <a:off x="2218808" y="2843850"/>
+            <a:off x="5436275" y="2910733"/>
             <a:ext cx="444536" cy="455290"/>
           </a:xfrm>
           <a:prstGeom prst="line">
@@ -9558,7 +9670,7 @@
         </p:nvCxnSpPr>
         <p:spPr>
           <a:xfrm flipV="1">
-            <a:off x="2966193" y="3084775"/>
+            <a:off x="6183660" y="3151658"/>
             <a:ext cx="160654" cy="214365"/>
           </a:xfrm>
           <a:prstGeom prst="line">
@@ -9591,7 +9703,7 @@
         </p:nvCxnSpPr>
         <p:spPr>
           <a:xfrm>
-            <a:off x="2966193" y="3587328"/>
+            <a:off x="6183660" y="3654211"/>
             <a:ext cx="163770" cy="417736"/>
           </a:xfrm>
           <a:prstGeom prst="line">
@@ -9624,7 +9736,7 @@
         </p:nvCxnSpPr>
         <p:spPr>
           <a:xfrm flipH="1">
-            <a:off x="2389404" y="3587328"/>
+            <a:off x="5606871" y="3654211"/>
             <a:ext cx="273940" cy="988925"/>
           </a:xfrm>
           <a:prstGeom prst="line">
@@ -9657,7 +9769,7 @@
         </p:nvCxnSpPr>
         <p:spPr>
           <a:xfrm flipV="1">
-            <a:off x="2540828" y="4352937"/>
+            <a:off x="5758295" y="4419820"/>
             <a:ext cx="437710" cy="283001"/>
           </a:xfrm>
           <a:prstGeom prst="line">
@@ -9690,7 +9802,7 @@
         </p:nvCxnSpPr>
         <p:spPr>
           <a:xfrm>
-            <a:off x="3344109" y="4208843"/>
+            <a:off x="6561576" y="4275726"/>
             <a:ext cx="661213" cy="294680"/>
           </a:xfrm>
           <a:prstGeom prst="line">
@@ -9723,7 +9835,7 @@
         </p:nvCxnSpPr>
         <p:spPr>
           <a:xfrm flipH="1" flipV="1">
-            <a:off x="2281530" y="2699756"/>
+            <a:off x="5498997" y="2766639"/>
             <a:ext cx="782595" cy="240925"/>
           </a:xfrm>
           <a:prstGeom prst="line">
@@ -9767,14 +9879,13 @@
           </a:bodyPr>
           <a:lstStyle/>
           <a:p>
-            <a:pPr algn="r"/>
             <a:r>
               <a:rPr lang="fr-FR"/>
               <a:t>4 transmissions </a:t>
             </a:r>
           </a:p>
           <a:p>
-            <a:pPr marL="0" indent="0" algn="r">
+            <a:pPr marL="0" indent="0">
               <a:buNone/>
             </a:pPr>
             <a:r>
@@ -9783,18 +9894,16 @@
             </a:r>
           </a:p>
           <a:p>
-            <a:pPr algn="r"/>
             <a:endParaRPr lang="fr-FR"/>
           </a:p>
           <a:p>
-            <a:pPr algn="r"/>
             <a:r>
               <a:rPr lang="fr-FR"/>
               <a:t>Tous les nœuds</a:t>
             </a:r>
           </a:p>
           <a:p>
-            <a:pPr marL="0" indent="0" algn="r">
+            <a:pPr marL="0" indent="0">
               <a:buNone/>
             </a:pPr>
             <a:r>
@@ -9804,6 +9913,82 @@
           </a:p>
         </p:txBody>
       </p:sp>
+      <p:sp>
+        <p:nvSpPr>
+          <p:cNvPr id="25" name="Ellipse 24"/>
+          <p:cNvSpPr/>
+          <p:nvPr/>
+        </p:nvSpPr>
+        <p:spPr>
+          <a:xfrm>
+            <a:off x="7914117" y="5050694"/>
+            <a:ext cx="428293" cy="407558"/>
+          </a:xfrm>
+          <a:prstGeom prst="ellipse">
+            <a:avLst/>
+          </a:prstGeom>
+        </p:spPr>
+        <p:style>
+          <a:lnRef idx="1">
+            <a:schemeClr val="dk1"/>
+          </a:lnRef>
+          <a:fillRef idx="3">
+            <a:schemeClr val="dk1"/>
+          </a:fillRef>
+          <a:effectRef idx="2">
+            <a:schemeClr val="dk1"/>
+          </a:effectRef>
+          <a:fontRef idx="minor">
+            <a:schemeClr val="lt1"/>
+          </a:fontRef>
+        </p:style>
+        <p:txBody>
+          <a:bodyPr rtlCol="0" anchor="ctr">
+            <a:normAutofit fontScale="85000" lnSpcReduction="20000"/>
+          </a:bodyPr>
+          <a:lstStyle/>
+          <a:p>
+            <a:pPr algn="ctr"/>
+            <a:r>
+              <a:rPr lang="fr-FR"/>
+              <a:t>G</a:t>
+            </a:r>
+          </a:p>
+        </p:txBody>
+      </p:sp>
+      <p:cxnSp>
+        <p:nvCxnSpPr>
+          <p:cNvPr id="26" name="Connecteur droit 25"/>
+          <p:cNvCxnSpPr>
+            <a:stCxn id="13" idx="5"/>
+            <a:endCxn id="25" idx="1"/>
+          </p:cNvCxnSpPr>
+          <p:nvPr/>
+        </p:nvCxnSpPr>
+        <p:spPr>
+          <a:xfrm>
+            <a:off x="7588360" y="4714500"/>
+            <a:ext cx="388479" cy="395879"/>
+          </a:xfrm>
+          <a:prstGeom prst="line">
+            <a:avLst/>
+          </a:prstGeom>
+        </p:spPr>
+        <p:style>
+          <a:lnRef idx="2">
+            <a:schemeClr val="accent1"/>
+          </a:lnRef>
+          <a:fillRef idx="0">
+            <a:schemeClr val="accent1"/>
+          </a:fillRef>
+          <a:effectRef idx="1">
+            <a:schemeClr val="accent1"/>
+          </a:effectRef>
+          <a:fontRef idx="minor">
+            <a:schemeClr val="tx1"/>
+          </a:fontRef>
+        </p:style>
+      </p:cxnSp>
     </p:spTree>
     <p:extLst>
       <p:ext uri="{BB962C8B-B14F-4D97-AF65-F5344CB8AC3E}">
@@ -9814,6 +9999,14 @@
   <p:clrMapOvr>
     <a:masterClrMapping/>
   </p:clrMapOvr>
+  <mc:AlternateContent xmlns:mc="http://schemas.openxmlformats.org/markup-compatibility/2006">
+    <mc:Choice xmlns:p14="http://schemas.microsoft.com/office/powerpoint/2010/main" Requires="p14">
+      <p:transition p14:dur="0"/>
+    </mc:Choice>
+    <mc:Fallback>
+      <p:transition xmlns:p14="http://schemas.microsoft.com/office/powerpoint/2010/main"/>
+    </mc:Fallback>
+  </mc:AlternateContent>
   <p:timing>
     <p:tnLst>
       <p:par>
@@ -9826,9 +10019,6 @@
                     <p:cTn id="3" fill="hold">
                       <p:stCondLst>
                         <p:cond delay="indefinite"/>
-                        <p:cond evt="onBegin" delay="0">
-                          <p:tn val="2"/>
-                        </p:cond>
                       </p:stCondLst>
                       <p:childTnLst>
                         <p:par>
@@ -9838,9 +10028,9 @@
                             </p:stCondLst>
                             <p:childTnLst>
                               <p:par>
-                                <p:cTn id="5" presetID="1" presetClass="entr" presetSubtype="0" fill="hold" grpId="0" nodeType="withEffect">
+                                <p:cTn id="5" presetID="1" presetClass="entr" presetSubtype="0" fill="hold" grpId="0" nodeType="clickEffect">
                                   <p:stCondLst>
-                                    <p:cond delay="500"/>
+                                    <p:cond delay="0"/>
                                   </p:stCondLst>
                                   <p:childTnLst>
                                     <p:set>
@@ -9864,15 +10054,33 @@
                                   </p:childTnLst>
                                 </p:cTn>
                               </p:par>
+                            </p:childTnLst>
+                          </p:cTn>
+                        </p:par>
+                      </p:childTnLst>
+                    </p:cTn>
+                  </p:par>
+                  <p:par>
+                    <p:cTn id="7" fill="hold">
+                      <p:stCondLst>
+                        <p:cond delay="indefinite"/>
+                      </p:stCondLst>
+                      <p:childTnLst>
+                        <p:par>
+                          <p:cTn id="8" fill="hold">
+                            <p:stCondLst>
+                              <p:cond delay="0"/>
+                            </p:stCondLst>
+                            <p:childTnLst>
                               <p:par>
-                                <p:cTn id="7" presetID="1" presetClass="entr" presetSubtype="0" fill="hold" grpId="0" nodeType="withEffect">
+                                <p:cTn id="9" presetID="1" presetClass="entr" presetSubtype="0" fill="hold" grpId="0" nodeType="clickEffect">
                                   <p:stCondLst>
-                                    <p:cond delay="1000"/>
+                                    <p:cond delay="0"/>
                                   </p:stCondLst>
                                   <p:childTnLst>
                                     <p:set>
                                       <p:cBhvr>
-                                        <p:cTn id="8" dur="1" fill="hold">
+                                        <p:cTn id="10" dur="1" fill="hold">
                                           <p:stCondLst>
                                             <p:cond delay="0"/>
                                           </p:stCondLst>
@@ -9891,15 +10099,33 @@
                                   </p:childTnLst>
                                 </p:cTn>
                               </p:par>
+                            </p:childTnLst>
+                          </p:cTn>
+                        </p:par>
+                      </p:childTnLst>
+                    </p:cTn>
+                  </p:par>
+                  <p:par>
+                    <p:cTn id="11" fill="hold">
+                      <p:stCondLst>
+                        <p:cond delay="indefinite"/>
+                      </p:stCondLst>
+                      <p:childTnLst>
+                        <p:par>
+                          <p:cTn id="12" fill="hold">
+                            <p:stCondLst>
+                              <p:cond delay="0"/>
+                            </p:stCondLst>
+                            <p:childTnLst>
                               <p:par>
-                                <p:cTn id="9" presetID="1" presetClass="entr" presetSubtype="0" fill="hold" grpId="0" nodeType="withEffect">
+                                <p:cTn id="13" presetID="1" presetClass="entr" presetSubtype="0" fill="hold" grpId="0" nodeType="clickEffect">
                                   <p:stCondLst>
-                                    <p:cond delay="1500"/>
+                                    <p:cond delay="0"/>
                                   </p:stCondLst>
                                   <p:childTnLst>
                                     <p:set>
                                       <p:cBhvr>
-                                        <p:cTn id="10" dur="1" fill="hold">
+                                        <p:cTn id="14" dur="1" fill="hold">
                                           <p:stCondLst>
                                             <p:cond delay="0"/>
                                           </p:stCondLst>
@@ -9918,15 +10144,33 @@
                                   </p:childTnLst>
                                 </p:cTn>
                               </p:par>
+                            </p:childTnLst>
+                          </p:cTn>
+                        </p:par>
+                      </p:childTnLst>
+                    </p:cTn>
+                  </p:par>
+                  <p:par>
+                    <p:cTn id="15" fill="hold">
+                      <p:stCondLst>
+                        <p:cond delay="indefinite"/>
+                      </p:stCondLst>
+                      <p:childTnLst>
+                        <p:par>
+                          <p:cTn id="16" fill="hold">
+                            <p:stCondLst>
+                              <p:cond delay="0"/>
+                            </p:stCondLst>
+                            <p:childTnLst>
                               <p:par>
-                                <p:cTn id="11" presetID="1" presetClass="entr" presetSubtype="0" fill="hold" grpId="0" nodeType="withEffect">
+                                <p:cTn id="17" presetID="1" presetClass="entr" presetSubtype="0" fill="hold" grpId="0" nodeType="clickEffect">
                                   <p:stCondLst>
-                                    <p:cond delay="2000"/>
+                                    <p:cond delay="0"/>
                                   </p:stCondLst>
                                   <p:childTnLst>
                                     <p:set>
                                       <p:cBhvr>
-                                        <p:cTn id="12" dur="1" fill="hold">
+                                        <p:cTn id="18" dur="1" fill="hold">
                                           <p:stCondLst>
                                             <p:cond delay="0"/>
                                           </p:stCondLst>
@@ -9945,15 +10189,33 @@
                                   </p:childTnLst>
                                 </p:cTn>
                               </p:par>
+                            </p:childTnLst>
+                          </p:cTn>
+                        </p:par>
+                      </p:childTnLst>
+                    </p:cTn>
+                  </p:par>
+                  <p:par>
+                    <p:cTn id="19" fill="hold">
+                      <p:stCondLst>
+                        <p:cond delay="indefinite"/>
+                      </p:stCondLst>
+                      <p:childTnLst>
+                        <p:par>
+                          <p:cTn id="20" fill="hold">
+                            <p:stCondLst>
+                              <p:cond delay="0"/>
+                            </p:stCondLst>
+                            <p:childTnLst>
                               <p:par>
-                                <p:cTn id="13" presetID="1" presetClass="entr" presetSubtype="0" fill="hold" grpId="0" nodeType="withEffect">
+                                <p:cTn id="21" presetID="1" presetClass="entr" presetSubtype="0" fill="hold" grpId="0" nodeType="clickEffect">
                                   <p:stCondLst>
-                                    <p:cond delay="2500"/>
+                                    <p:cond delay="0"/>
                                   </p:stCondLst>
                                   <p:childTnLst>
                                     <p:set>
                                       <p:cBhvr>
-                                        <p:cTn id="14" dur="1" fill="hold">
+                                        <p:cTn id="22" dur="1" fill="hold">
                                           <p:stCondLst>
                                             <p:cond delay="0"/>
                                           </p:stCondLst>
@@ -9972,15 +10234,33 @@
                                   </p:childTnLst>
                                 </p:cTn>
                               </p:par>
+                            </p:childTnLst>
+                          </p:cTn>
+                        </p:par>
+                      </p:childTnLst>
+                    </p:cTn>
+                  </p:par>
+                  <p:par>
+                    <p:cTn id="23" fill="hold">
+                      <p:stCondLst>
+                        <p:cond delay="indefinite"/>
+                      </p:stCondLst>
+                      <p:childTnLst>
+                        <p:par>
+                          <p:cTn id="24" fill="hold">
+                            <p:stCondLst>
+                              <p:cond delay="0"/>
+                            </p:stCondLst>
+                            <p:childTnLst>
                               <p:par>
-                                <p:cTn id="15" presetID="1" presetClass="entr" presetSubtype="0" fill="hold" grpId="0" nodeType="withEffect">
+                                <p:cTn id="25" presetID="1" presetClass="entr" presetSubtype="0" fill="hold" grpId="0" nodeType="clickEffect">
                                   <p:stCondLst>
-                                    <p:cond delay="3000"/>
+                                    <p:cond delay="0"/>
                                   </p:stCondLst>
                                   <p:childTnLst>
                                     <p:set>
                                       <p:cBhvr>
-                                        <p:cTn id="16" dur="1" fill="hold">
+                                        <p:cTn id="26" dur="1" fill="hold">
                                           <p:stCondLst>
                                             <p:cond delay="0"/>
                                           </p:stCondLst>
@@ -10085,7 +10365,7 @@
         </p:nvSpPr>
         <p:spPr>
           <a:xfrm>
-            <a:off x="1403647" y="1988839"/>
+            <a:off x="4626541" y="2077323"/>
             <a:ext cx="2880321" cy="2880321"/>
           </a:xfrm>
           <a:prstGeom prst="ellipse">
@@ -10150,7 +10430,7 @@
         </p:nvSpPr>
         <p:spPr>
           <a:xfrm>
-            <a:off x="1853237" y="1471759"/>
+            <a:off x="5076131" y="1560243"/>
             <a:ext cx="2880321" cy="2880321"/>
           </a:xfrm>
           <a:prstGeom prst="ellipse">
@@ -10215,7 +10495,7 @@
         </p:nvSpPr>
         <p:spPr>
           <a:xfrm>
-            <a:off x="949243" y="3319477"/>
+            <a:off x="4172137" y="3407961"/>
             <a:ext cx="2880321" cy="2880321"/>
           </a:xfrm>
           <a:prstGeom prst="ellipse">
@@ -10325,7 +10605,7 @@
         </p:nvSpPr>
         <p:spPr>
           <a:xfrm>
-            <a:off x="2600622" y="3239455"/>
+            <a:off x="5823516" y="3327939"/>
             <a:ext cx="428293" cy="407558"/>
           </a:xfrm>
           <a:prstGeom prst="ellipse">
@@ -10368,7 +10648,7 @@
         </p:nvSpPr>
         <p:spPr>
           <a:xfrm>
-            <a:off x="3064125" y="2736902"/>
+            <a:off x="6287019" y="2825386"/>
             <a:ext cx="428293" cy="407558"/>
           </a:xfrm>
           <a:prstGeom prst="ellipse">
@@ -10411,7 +10691,7 @@
         </p:nvSpPr>
         <p:spPr>
           <a:xfrm>
-            <a:off x="1853237" y="2495977"/>
+            <a:off x="5076131" y="2584461"/>
             <a:ext cx="428293" cy="407558"/>
           </a:xfrm>
           <a:prstGeom prst="ellipse">
@@ -10454,7 +10734,7 @@
         </p:nvSpPr>
         <p:spPr>
           <a:xfrm>
-            <a:off x="2175257" y="4576253"/>
+            <a:off x="5398151" y="4664737"/>
             <a:ext cx="428293" cy="407558"/>
           </a:xfrm>
           <a:prstGeom prst="ellipse">
@@ -10497,7 +10777,7 @@
         </p:nvSpPr>
         <p:spPr>
           <a:xfrm>
-            <a:off x="2915816" y="4005064"/>
+            <a:off x="6138710" y="4093548"/>
             <a:ext cx="428293" cy="407558"/>
           </a:xfrm>
           <a:prstGeom prst="ellipse">
@@ -10540,7 +10820,7 @@
         </p:nvSpPr>
         <p:spPr>
           <a:xfrm>
-            <a:off x="3995936" y="4312290"/>
+            <a:off x="7218830" y="4400774"/>
             <a:ext cx="428293" cy="407558"/>
           </a:xfrm>
           <a:prstGeom prst="ellipse">
@@ -10586,7 +10866,7 @@
         </p:nvCxnSpPr>
         <p:spPr>
           <a:xfrm>
-            <a:off x="2218808" y="2843850"/>
+            <a:off x="5441702" y="2932334"/>
             <a:ext cx="444536" cy="455290"/>
           </a:xfrm>
           <a:prstGeom prst="line">
@@ -10624,7 +10904,7 @@
         </p:nvCxnSpPr>
         <p:spPr>
           <a:xfrm flipV="1">
-            <a:off x="2966193" y="3084775"/>
+            <a:off x="6189087" y="3173259"/>
             <a:ext cx="160654" cy="214365"/>
           </a:xfrm>
           <a:prstGeom prst="line">
@@ -10657,7 +10937,7 @@
         </p:nvCxnSpPr>
         <p:spPr>
           <a:xfrm>
-            <a:off x="2966193" y="3587328"/>
+            <a:off x="6189087" y="3675812"/>
             <a:ext cx="163770" cy="417736"/>
           </a:xfrm>
           <a:prstGeom prst="line">
@@ -10690,7 +10970,7 @@
         </p:nvCxnSpPr>
         <p:spPr>
           <a:xfrm flipH="1">
-            <a:off x="2389404" y="3587328"/>
+            <a:off x="5612298" y="3675812"/>
             <a:ext cx="273940" cy="988925"/>
           </a:xfrm>
           <a:prstGeom prst="line">
@@ -10723,7 +11003,7 @@
         </p:nvCxnSpPr>
         <p:spPr>
           <a:xfrm flipV="1">
-            <a:off x="2540828" y="4352937"/>
+            <a:off x="5763722" y="4441421"/>
             <a:ext cx="437710" cy="283001"/>
           </a:xfrm>
           <a:prstGeom prst="line">
@@ -10756,7 +11036,7 @@
         </p:nvCxnSpPr>
         <p:spPr>
           <a:xfrm>
-            <a:off x="3344109" y="4208843"/>
+            <a:off x="6567003" y="4297327"/>
             <a:ext cx="651827" cy="307226"/>
           </a:xfrm>
           <a:prstGeom prst="line">
@@ -10789,7 +11069,7 @@
         </p:nvCxnSpPr>
         <p:spPr>
           <a:xfrm flipH="1" flipV="1">
-            <a:off x="2281530" y="2699756"/>
+            <a:off x="5504424" y="2788240"/>
             <a:ext cx="782595" cy="240925"/>
           </a:xfrm>
           <a:prstGeom prst="line">
@@ -10833,25 +11113,22 @@
           </a:bodyPr>
           <a:lstStyle/>
           <a:p>
-            <a:pPr algn="r"/>
             <a:r>
               <a:rPr lang="fr-FR"/>
               <a:t>exemple : P = 0.5</a:t>
             </a:r>
           </a:p>
           <a:p>
-            <a:pPr algn="r"/>
             <a:endParaRPr lang="fr-FR"/>
           </a:p>
           <a:p>
-            <a:pPr algn="r"/>
             <a:r>
               <a:rPr lang="fr-FR"/>
               <a:t>2 transmissions </a:t>
             </a:r>
           </a:p>
           <a:p>
-            <a:pPr marL="0" indent="0" algn="r">
+            <a:pPr marL="0" indent="0">
               <a:buNone/>
             </a:pPr>
             <a:r>
@@ -10860,27 +11137,104 @@
             </a:r>
           </a:p>
           <a:p>
-            <a:pPr algn="r"/>
             <a:endParaRPr lang="fr-FR"/>
           </a:p>
           <a:p>
-            <a:pPr algn="r"/>
-            <a:r>
-              <a:rPr lang="fr-FR"/>
-              <a:t>1 nœud non </a:t>
-            </a:r>
-          </a:p>
-          <a:p>
-            <a:pPr marL="0" indent="0" algn="r">
+            <a:r>
+              <a:rPr lang="fr-FR"/>
+              <a:t>2</a:t>
+            </a:r>
+            <a:r>
+              <a:rPr lang="fr-FR"/>
+              <a:t> nœuds non </a:t>
+            </a:r>
+          </a:p>
+          <a:p>
+            <a:pPr marL="0" indent="0">
               <a:buNone/>
             </a:pPr>
             <a:r>
               <a:rPr lang="fr-FR"/>
-              <a:t>couvert</a:t>
-            </a:r>
-          </a:p>
-        </p:txBody>
-      </p:sp>
+              <a:t>couverts</a:t>
+            </a:r>
+          </a:p>
+        </p:txBody>
+      </p:sp>
+      <p:sp>
+        <p:nvSpPr>
+          <p:cNvPr id="22" name="Ellipse 21"/>
+          <p:cNvSpPr/>
+          <p:nvPr/>
+        </p:nvSpPr>
+        <p:spPr>
+          <a:xfrm>
+            <a:off x="7919544" y="5072295"/>
+            <a:ext cx="428293" cy="407558"/>
+          </a:xfrm>
+          <a:prstGeom prst="ellipse">
+            <a:avLst/>
+          </a:prstGeom>
+        </p:spPr>
+        <p:style>
+          <a:lnRef idx="1">
+            <a:schemeClr val="dk1"/>
+          </a:lnRef>
+          <a:fillRef idx="3">
+            <a:schemeClr val="dk1"/>
+          </a:fillRef>
+          <a:effectRef idx="2">
+            <a:schemeClr val="dk1"/>
+          </a:effectRef>
+          <a:fontRef idx="minor">
+            <a:schemeClr val="lt1"/>
+          </a:fontRef>
+        </p:style>
+        <p:txBody>
+          <a:bodyPr rtlCol="0" anchor="ctr">
+            <a:normAutofit fontScale="85000" lnSpcReduction="20000"/>
+          </a:bodyPr>
+          <a:lstStyle/>
+          <a:p>
+            <a:pPr algn="ctr"/>
+            <a:r>
+              <a:rPr lang="fr-FR"/>
+              <a:t>G</a:t>
+            </a:r>
+          </a:p>
+        </p:txBody>
+      </p:sp>
+      <p:cxnSp>
+        <p:nvCxnSpPr>
+          <p:cNvPr id="23" name="Connecteur droit 22"/>
+          <p:cNvCxnSpPr>
+            <a:endCxn id="22" idx="1"/>
+          </p:cNvCxnSpPr>
+          <p:nvPr/>
+        </p:nvCxnSpPr>
+        <p:spPr>
+          <a:xfrm>
+            <a:off x="7593787" y="4736101"/>
+            <a:ext cx="388479" cy="395879"/>
+          </a:xfrm>
+          <a:prstGeom prst="line">
+            <a:avLst/>
+          </a:prstGeom>
+        </p:spPr>
+        <p:style>
+          <a:lnRef idx="2">
+            <a:schemeClr val="accent1"/>
+          </a:lnRef>
+          <a:fillRef idx="0">
+            <a:schemeClr val="accent1"/>
+          </a:fillRef>
+          <a:effectRef idx="1">
+            <a:schemeClr val="accent1"/>
+          </a:effectRef>
+          <a:fontRef idx="minor">
+            <a:schemeClr val="tx1"/>
+          </a:fontRef>
+        </p:style>
+      </p:cxnSp>
     </p:spTree>
     <p:extLst>
       <p:ext uri="{BB962C8B-B14F-4D97-AF65-F5344CB8AC3E}">
@@ -10891,6 +11245,14 @@
   <p:clrMapOvr>
     <a:masterClrMapping/>
   </p:clrMapOvr>
+  <mc:AlternateContent xmlns:mc="http://schemas.openxmlformats.org/markup-compatibility/2006">
+    <mc:Choice xmlns:p14="http://schemas.microsoft.com/office/powerpoint/2010/main" Requires="p14">
+      <p:transition p14:dur="0"/>
+    </mc:Choice>
+    <mc:Fallback>
+      <p:transition xmlns:p14="http://schemas.microsoft.com/office/powerpoint/2010/main"/>
+    </mc:Fallback>
+  </mc:AlternateContent>
   <p:timing>
     <p:tnLst>
       <p:par>
@@ -10903,9 +11265,6 @@
                     <p:cTn id="3" fill="hold">
                       <p:stCondLst>
                         <p:cond delay="indefinite"/>
-                        <p:cond evt="onBegin" delay="0">
-                          <p:tn val="2"/>
-                        </p:cond>
                       </p:stCondLst>
                       <p:childTnLst>
                         <p:par>
@@ -10915,9 +11274,9 @@
                             </p:stCondLst>
                             <p:childTnLst>
                               <p:par>
-                                <p:cTn id="5" presetID="1" presetClass="entr" presetSubtype="0" fill="hold" grpId="0" nodeType="withEffect">
+                                <p:cTn id="5" presetID="1" presetClass="entr" presetSubtype="0" fill="hold" grpId="0" nodeType="clickEffect">
                                   <p:stCondLst>
-                                    <p:cond delay="500"/>
+                                    <p:cond delay="0"/>
                                   </p:stCondLst>
                                   <p:childTnLst>
                                     <p:set>
@@ -10941,15 +11300,33 @@
                                   </p:childTnLst>
                                 </p:cTn>
                               </p:par>
+                            </p:childTnLst>
+                          </p:cTn>
+                        </p:par>
+                      </p:childTnLst>
+                    </p:cTn>
+                  </p:par>
+                  <p:par>
+                    <p:cTn id="7" fill="hold">
+                      <p:stCondLst>
+                        <p:cond delay="indefinite"/>
+                      </p:stCondLst>
+                      <p:childTnLst>
+                        <p:par>
+                          <p:cTn id="8" fill="hold">
+                            <p:stCondLst>
+                              <p:cond delay="0"/>
+                            </p:stCondLst>
+                            <p:childTnLst>
                               <p:par>
-                                <p:cTn id="7" presetID="1" presetClass="entr" presetSubtype="0" fill="hold" grpId="0" nodeType="withEffect">
+                                <p:cTn id="9" presetID="1" presetClass="entr" presetSubtype="0" fill="hold" grpId="0" nodeType="clickEffect">
                                   <p:stCondLst>
-                                    <p:cond delay="1000"/>
+                                    <p:cond delay="0"/>
                                   </p:stCondLst>
                                   <p:childTnLst>
                                     <p:set>
                                       <p:cBhvr>
-                                        <p:cTn id="8" dur="1" fill="hold">
+                                        <p:cTn id="10" dur="1" fill="hold">
                                           <p:stCondLst>
                                             <p:cond delay="0"/>
                                           </p:stCondLst>
@@ -10968,15 +11345,33 @@
                                   </p:childTnLst>
                                 </p:cTn>
                               </p:par>
+                            </p:childTnLst>
+                          </p:cTn>
+                        </p:par>
+                      </p:childTnLst>
+                    </p:cTn>
+                  </p:par>
+                  <p:par>
+                    <p:cTn id="11" fill="hold">
+                      <p:stCondLst>
+                        <p:cond delay="indefinite"/>
+                      </p:stCondLst>
+                      <p:childTnLst>
+                        <p:par>
+                          <p:cTn id="12" fill="hold">
+                            <p:stCondLst>
+                              <p:cond delay="0"/>
+                            </p:stCondLst>
+                            <p:childTnLst>
                               <p:par>
-                                <p:cTn id="9" presetID="1" presetClass="entr" presetSubtype="0" fill="hold" grpId="0" nodeType="withEffect">
+                                <p:cTn id="13" presetID="1" presetClass="entr" presetSubtype="0" fill="hold" grpId="0" nodeType="clickEffect">
                                   <p:stCondLst>
-                                    <p:cond delay="1500"/>
+                                    <p:cond delay="0"/>
                                   </p:stCondLst>
                                   <p:childTnLst>
                                     <p:set>
                                       <p:cBhvr>
-                                        <p:cTn id="10" dur="1" fill="hold">
+                                        <p:cTn id="14" dur="1" fill="hold">
                                           <p:stCondLst>
                                             <p:cond delay="0"/>
                                           </p:stCondLst>
@@ -11050,6 +11445,28 @@
       </p:grpSpPr>
       <p:sp>
         <p:nvSpPr>
+          <p:cNvPr id="5" name="Espace réservé du texte 4"/>
+          <p:cNvSpPr>
+            <a:spLocks noGrp="1"/>
+          </p:cNvSpPr>
+          <p:nvPr>
+            <p:ph type="body" sz="quarter" idx="13"/>
+          </p:nvPr>
+        </p:nvSpPr>
+        <p:spPr/>
+        <p:txBody>
+          <a:bodyPr/>
+          <a:lstStyle/>
+          <a:p>
+            <a:r>
+              <a:rPr lang="fr-FR"/>
+              <a:t>état de l’art</a:t>
+            </a:r>
+          </a:p>
+        </p:txBody>
+      </p:sp>
+      <p:sp>
+        <p:nvSpPr>
           <p:cNvPr id="2" name="Titre 1"/>
           <p:cNvSpPr>
             <a:spLocks noGrp="1"/>
@@ -11078,7 +11495,7 @@
         </p:nvSpPr>
         <p:spPr>
           <a:xfrm>
-            <a:off x="1743919" y="2407650"/>
+            <a:off x="4939970" y="2478740"/>
             <a:ext cx="2108001" cy="2101470"/>
           </a:xfrm>
           <a:prstGeom prst="ellipse">
@@ -11143,7 +11560,7 @@
         </p:nvSpPr>
         <p:spPr>
           <a:xfrm>
-            <a:off x="2040530" y="3137998"/>
+            <a:off x="5236581" y="3209088"/>
             <a:ext cx="2202764" cy="2210944"/>
           </a:xfrm>
           <a:prstGeom prst="ellipse">
@@ -11202,6 +11619,71 @@
       </p:sp>
       <p:sp>
         <p:nvSpPr>
+          <p:cNvPr id="25" name="Ellipse 24"/>
+          <p:cNvSpPr/>
+          <p:nvPr/>
+        </p:nvSpPr>
+        <p:spPr>
+          <a:xfrm>
+            <a:off x="6500183" y="3658418"/>
+            <a:ext cx="1878323" cy="1878161"/>
+          </a:xfrm>
+          <a:prstGeom prst="ellipse">
+            <a:avLst/>
+          </a:prstGeom>
+          <a:gradFill flip="none" rotWithShape="1">
+            <a:gsLst>
+              <a:gs pos="0">
+                <a:schemeClr val="accent5">
+                  <a:tint val="50000"/>
+                  <a:satMod val="300000"/>
+                  <a:alpha val="22000"/>
+                </a:schemeClr>
+              </a:gs>
+              <a:gs pos="35000">
+                <a:schemeClr val="accent5">
+                  <a:tint val="37000"/>
+                  <a:satMod val="300000"/>
+                  <a:alpha val="22000"/>
+                </a:schemeClr>
+              </a:gs>
+              <a:gs pos="100000">
+                <a:schemeClr val="accent5">
+                  <a:tint val="15000"/>
+                  <a:satMod val="350000"/>
+                  <a:alpha val="22000"/>
+                </a:schemeClr>
+              </a:gs>
+            </a:gsLst>
+            <a:lin ang="16200000" scaled="1"/>
+            <a:tileRect/>
+          </a:gradFill>
+        </p:spPr>
+        <p:style>
+          <a:lnRef idx="1">
+            <a:schemeClr val="accent5"/>
+          </a:lnRef>
+          <a:fillRef idx="2">
+            <a:schemeClr val="accent5"/>
+          </a:fillRef>
+          <a:effectRef idx="1">
+            <a:schemeClr val="accent5"/>
+          </a:effectRef>
+          <a:fontRef idx="minor">
+            <a:schemeClr val="dk1"/>
+          </a:fontRef>
+        </p:style>
+        <p:txBody>
+          <a:bodyPr rtlCol="0" anchor="ctr"/>
+          <a:lstStyle/>
+          <a:p>
+            <a:pPr algn="ctr"/>
+            <a:endParaRPr lang="fr-FR"/>
+          </a:p>
+        </p:txBody>
+      </p:sp>
+      <p:sp>
+        <p:nvSpPr>
           <p:cNvPr id="4" name="Espace réservé du numéro de diapositive 3"/>
           <p:cNvSpPr>
             <a:spLocks noGrp="1"/>
@@ -11225,35 +11707,13 @@
       </p:sp>
       <p:sp>
         <p:nvSpPr>
-          <p:cNvPr id="5" name="Espace réservé du texte 4"/>
-          <p:cNvSpPr>
-            <a:spLocks noGrp="1"/>
-          </p:cNvSpPr>
-          <p:nvPr>
-            <p:ph type="body" sz="quarter" idx="13"/>
-          </p:nvPr>
-        </p:nvSpPr>
-        <p:spPr/>
-        <p:txBody>
-          <a:bodyPr/>
-          <a:lstStyle/>
-          <a:p>
-            <a:r>
-              <a:rPr lang="fr-FR"/>
-              <a:t>état de l’art</a:t>
-            </a:r>
-          </a:p>
-        </p:txBody>
-      </p:sp>
-      <p:sp>
-        <p:nvSpPr>
           <p:cNvPr id="7" name="Ellipse 6"/>
           <p:cNvSpPr/>
           <p:nvPr/>
         </p:nvSpPr>
         <p:spPr>
           <a:xfrm>
-            <a:off x="2600622" y="3239455"/>
+            <a:off x="5796673" y="3310545"/>
             <a:ext cx="428293" cy="407558"/>
           </a:xfrm>
           <a:prstGeom prst="ellipse">
@@ -11296,7 +11756,7 @@
         </p:nvSpPr>
         <p:spPr>
           <a:xfrm>
-            <a:off x="3064125" y="2736902"/>
+            <a:off x="6260176" y="2807992"/>
             <a:ext cx="428293" cy="407558"/>
           </a:xfrm>
           <a:prstGeom prst="ellipse">
@@ -11339,7 +11799,7 @@
         </p:nvSpPr>
         <p:spPr>
           <a:xfrm>
-            <a:off x="1853237" y="2495977"/>
+            <a:off x="5049288" y="2567067"/>
             <a:ext cx="428293" cy="407558"/>
           </a:xfrm>
           <a:prstGeom prst="ellipse">
@@ -11382,7 +11842,7 @@
         </p:nvSpPr>
         <p:spPr>
           <a:xfrm>
-            <a:off x="2175257" y="4576253"/>
+            <a:off x="5371308" y="4647343"/>
             <a:ext cx="428293" cy="407558"/>
           </a:xfrm>
           <a:prstGeom prst="ellipse">
@@ -11425,7 +11885,7 @@
         </p:nvSpPr>
         <p:spPr>
           <a:xfrm>
-            <a:off x="2912700" y="3998941"/>
+            <a:off x="6108751" y="4070031"/>
             <a:ext cx="428293" cy="407558"/>
           </a:xfrm>
           <a:prstGeom prst="ellipse">
@@ -11468,7 +11928,7 @@
         </p:nvSpPr>
         <p:spPr>
           <a:xfrm>
-            <a:off x="4005322" y="4305341"/>
+            <a:off x="7201373" y="4376431"/>
             <a:ext cx="428293" cy="407558"/>
           </a:xfrm>
           <a:prstGeom prst="ellipse">
@@ -11503,6 +11963,49 @@
           </a:p>
         </p:txBody>
       </p:sp>
+      <p:sp>
+        <p:nvSpPr>
+          <p:cNvPr id="22" name="Ellipse 21"/>
+          <p:cNvSpPr/>
+          <p:nvPr/>
+        </p:nvSpPr>
+        <p:spPr>
+          <a:xfrm>
+            <a:off x="7892701" y="5054901"/>
+            <a:ext cx="428293" cy="407558"/>
+          </a:xfrm>
+          <a:prstGeom prst="ellipse">
+            <a:avLst/>
+          </a:prstGeom>
+        </p:spPr>
+        <p:style>
+          <a:lnRef idx="1">
+            <a:schemeClr val="dk1"/>
+          </a:lnRef>
+          <a:fillRef idx="3">
+            <a:schemeClr val="dk1"/>
+          </a:fillRef>
+          <a:effectRef idx="2">
+            <a:schemeClr val="dk1"/>
+          </a:effectRef>
+          <a:fontRef idx="minor">
+            <a:schemeClr val="lt1"/>
+          </a:fontRef>
+        </p:style>
+        <p:txBody>
+          <a:bodyPr rtlCol="0" anchor="ctr">
+            <a:normAutofit fontScale="85000" lnSpcReduction="20000"/>
+          </a:bodyPr>
+          <a:lstStyle/>
+          <a:p>
+            <a:pPr algn="ctr"/>
+            <a:r>
+              <a:rPr lang="fr-FR"/>
+              <a:t>G</a:t>
+            </a:r>
+          </a:p>
+        </p:txBody>
+      </p:sp>
       <p:cxnSp>
         <p:nvCxnSpPr>
           <p:cNvPr id="15" name="Connecteur droit 14"/>
@@ -11514,7 +12017,7 @@
         </p:nvCxnSpPr>
         <p:spPr>
           <a:xfrm>
-            <a:off x="2218808" y="2843850"/>
+            <a:off x="5414859" y="2914940"/>
             <a:ext cx="444536" cy="455290"/>
           </a:xfrm>
           <a:prstGeom prst="line">
@@ -11552,7 +12055,7 @@
         </p:nvCxnSpPr>
         <p:spPr>
           <a:xfrm flipV="1">
-            <a:off x="2966193" y="3084775"/>
+            <a:off x="6162244" y="3155865"/>
             <a:ext cx="160654" cy="214365"/>
           </a:xfrm>
           <a:prstGeom prst="line">
@@ -11585,7 +12088,7 @@
         </p:nvCxnSpPr>
         <p:spPr>
           <a:xfrm>
-            <a:off x="2966193" y="3587328"/>
+            <a:off x="6162244" y="3658418"/>
             <a:ext cx="160654" cy="411613"/>
           </a:xfrm>
           <a:prstGeom prst="line">
@@ -11618,7 +12121,7 @@
         </p:nvCxnSpPr>
         <p:spPr>
           <a:xfrm flipH="1">
-            <a:off x="2389404" y="3587328"/>
+            <a:off x="5585455" y="3658418"/>
             <a:ext cx="273940" cy="988925"/>
           </a:xfrm>
           <a:prstGeom prst="line">
@@ -11651,7 +12154,7 @@
         </p:nvCxnSpPr>
         <p:spPr>
           <a:xfrm flipV="1">
-            <a:off x="2540828" y="4346814"/>
+            <a:off x="5736879" y="4417904"/>
             <a:ext cx="434594" cy="289124"/>
           </a:xfrm>
           <a:prstGeom prst="line">
@@ -11684,7 +12187,7 @@
         </p:nvCxnSpPr>
         <p:spPr>
           <a:xfrm>
-            <a:off x="3340993" y="4202720"/>
+            <a:off x="6537044" y="4273810"/>
             <a:ext cx="664329" cy="306400"/>
           </a:xfrm>
           <a:prstGeom prst="line">
@@ -11717,7 +12220,7 @@
         </p:nvCxnSpPr>
         <p:spPr>
           <a:xfrm flipH="1" flipV="1">
-            <a:off x="2281530" y="2699756"/>
+            <a:off x="5477581" y="2770846"/>
             <a:ext cx="782595" cy="240925"/>
           </a:xfrm>
           <a:prstGeom prst="line">
@@ -11739,6 +12242,38 @@
           </a:fontRef>
         </p:style>
       </p:cxnSp>
+      <p:cxnSp>
+        <p:nvCxnSpPr>
+          <p:cNvPr id="23" name="Connecteur droit 22"/>
+          <p:cNvCxnSpPr>
+            <a:endCxn id="22" idx="1"/>
+          </p:cNvCxnSpPr>
+          <p:nvPr/>
+        </p:nvCxnSpPr>
+        <p:spPr>
+          <a:xfrm>
+            <a:off x="7566944" y="4718707"/>
+            <a:ext cx="388479" cy="395879"/>
+          </a:xfrm>
+          <a:prstGeom prst="line">
+            <a:avLst/>
+          </a:prstGeom>
+        </p:spPr>
+        <p:style>
+          <a:lnRef idx="2">
+            <a:schemeClr val="accent1"/>
+          </a:lnRef>
+          <a:fillRef idx="0">
+            <a:schemeClr val="accent1"/>
+          </a:fillRef>
+          <a:effectRef idx="1">
+            <a:schemeClr val="accent1"/>
+          </a:effectRef>
+          <a:fontRef idx="minor">
+            <a:schemeClr val="tx1"/>
+          </a:fontRef>
+        </p:style>
+      </p:cxnSp>
       <p:sp>
         <p:nvSpPr>
           <p:cNvPr id="24" name="Espace réservé du contenu 6"/>
@@ -11757,42 +12292,72 @@
         </p:spPr>
         <p:txBody>
           <a:bodyPr>
-            <a:normAutofit/>
+            <a:normAutofit lnSpcReduction="10000"/>
           </a:bodyPr>
           <a:lstStyle/>
           <a:p>
-            <a:pPr algn="r"/>
-            <a:r>
-              <a:rPr lang="fr-FR"/>
-              <a:t>Pas de</a:t>
-            </a:r>
-            <a:r>
-              <a:rPr lang="fr-FR"/>
-              <a:t> transmission </a:t>
-            </a:r>
-          </a:p>
-          <a:p>
-            <a:pPr marL="0" indent="0" algn="r">
+            <a:r>
+              <a:rPr lang="fr-FR"/>
+              <a:t>Basé sur l’algorithme</a:t>
+            </a:r>
+          </a:p>
+          <a:p>
+            <a:pPr marL="0" indent="0">
               <a:buNone/>
             </a:pPr>
             <a:r>
               <a:rPr lang="fr-FR"/>
+              <a:t>de </a:t>
+            </a:r>
+            <a:r>
+              <a:rPr lang="fr-FR"/>
+              <a:t>Prim</a:t>
+            </a:r>
+            <a:endParaRPr lang="fr-FR"/>
+          </a:p>
+          <a:p>
+            <a:r>
+              <a:rPr lang="fr-FR"/>
+              <a:t>Co</a:t>
+            </a:r>
+            <a:r>
+              <a:rPr lang="fr-FR"/>
+              <a:t>ût d’une arête : </a:t>
+            </a:r>
+          </a:p>
+          <a:p>
+            <a:pPr marL="0" indent="0">
+              <a:buNone/>
+            </a:pPr>
+            <a:r>
+              <a:rPr lang="fr-FR"/>
+              <a:t>coût énergétique</a:t>
+            </a:r>
+            <a:endParaRPr lang="fr-FR"/>
+          </a:p>
+          <a:p>
+            <a:r>
+              <a:rPr lang="fr-FR"/>
+              <a:t>Pas de transmission </a:t>
+            </a:r>
+          </a:p>
+          <a:p>
+            <a:pPr marL="0" indent="0">
+              <a:buNone/>
+            </a:pPr>
+            <a:r>
+              <a:rPr lang="fr-FR"/>
               <a:t>superflue</a:t>
             </a:r>
           </a:p>
           <a:p>
-            <a:pPr algn="r"/>
-            <a:endParaRPr lang="fr-FR"/>
-          </a:p>
-          <a:p>
-            <a:pPr algn="r"/>
             <a:r>
               <a:rPr lang="fr-FR"/>
               <a:t>Tous les nœuds </a:t>
             </a:r>
           </a:p>
           <a:p>
-            <a:pPr marL="0" indent="0" algn="r">
+            <a:pPr marL="0" indent="0">
               <a:buNone/>
             </a:pPr>
             <a:r>
@@ -11812,6 +12377,1552 @@
   <p:clrMapOvr>
     <a:masterClrMapping/>
   </p:clrMapOvr>
+  <mc:AlternateContent xmlns:mc="http://schemas.openxmlformats.org/markup-compatibility/2006">
+    <mc:Choice xmlns:p14="http://schemas.microsoft.com/office/powerpoint/2010/main" Requires="p14">
+      <p:transition p14:dur="0"/>
+    </mc:Choice>
+    <mc:Fallback>
+      <p:transition xmlns:p14="http://schemas.microsoft.com/office/powerpoint/2010/main"/>
+    </mc:Fallback>
+  </mc:AlternateContent>
+  <p:timing>
+    <p:tnLst>
+      <p:par>
+        <p:cTn xmlns:p14="http://schemas.microsoft.com/office/powerpoint/2010/main" id="1" dur="indefinite" restart="never" nodeType="tmRoot">
+          <p:childTnLst>
+            <p:seq concurrent="1" nextAc="seek">
+              <p:cTn id="2" dur="indefinite" nodeType="mainSeq">
+                <p:childTnLst>
+                  <p:par>
+                    <p:cTn id="3" fill="hold">
+                      <p:stCondLst>
+                        <p:cond delay="indefinite"/>
+                      </p:stCondLst>
+                      <p:childTnLst>
+                        <p:par>
+                          <p:cTn id="4" fill="hold">
+                            <p:stCondLst>
+                              <p:cond delay="0"/>
+                            </p:stCondLst>
+                            <p:childTnLst>
+                              <p:par>
+                                <p:cTn id="5" presetID="7" presetClass="emph" presetSubtype="2" fill="hold" nodeType="clickEffect">
+                                  <p:stCondLst>
+                                    <p:cond delay="0"/>
+                                  </p:stCondLst>
+                                  <p:childTnLst>
+                                    <p:animClr clrSpc="rgb" dir="cw">
+                                      <p:cBhvr>
+                                        <p:cTn id="6" dur="500" fill="hold"/>
+                                        <p:tgtEl>
+                                          <p:spTgt spid="19"/>
+                                        </p:tgtEl>
+                                        <p:attrNameLst>
+                                          <p:attrName>stroke.color</p:attrName>
+                                        </p:attrNameLst>
+                                      </p:cBhvr>
+                                      <p:to>
+                                        <a:schemeClr val="tx2"/>
+                                      </p:to>
+                                    </p:animClr>
+                                    <p:set>
+                                      <p:cBhvr>
+                                        <p:cTn id="7" dur="500" fill="hold"/>
+                                        <p:tgtEl>
+                                          <p:spTgt spid="19"/>
+                                        </p:tgtEl>
+                                        <p:attrNameLst>
+                                          <p:attrName>stroke.on</p:attrName>
+                                        </p:attrNameLst>
+                                      </p:cBhvr>
+                                      <p:to>
+                                        <p:strVal val="true"/>
+                                      </p:to>
+                                    </p:set>
+                                  </p:childTnLst>
+                                </p:cTn>
+                              </p:par>
+                            </p:childTnLst>
+                          </p:cTn>
+                        </p:par>
+                      </p:childTnLst>
+                    </p:cTn>
+                  </p:par>
+                  <p:par>
+                    <p:cTn id="8" fill="hold">
+                      <p:stCondLst>
+                        <p:cond delay="indefinite"/>
+                      </p:stCondLst>
+                      <p:childTnLst>
+                        <p:par>
+                          <p:cTn id="9" fill="hold">
+                            <p:stCondLst>
+                              <p:cond delay="0"/>
+                            </p:stCondLst>
+                            <p:childTnLst>
+                              <p:par>
+                                <p:cTn id="10" presetID="7" presetClass="emph" presetSubtype="2" fill="hold" nodeType="clickEffect">
+                                  <p:stCondLst>
+                                    <p:cond delay="0"/>
+                                  </p:stCondLst>
+                                  <p:childTnLst>
+                                    <p:animClr clrSpc="rgb" dir="cw">
+                                      <p:cBhvr>
+                                        <p:cTn id="11" dur="500" fill="hold"/>
+                                        <p:tgtEl>
+                                          <p:spTgt spid="21"/>
+                                        </p:tgtEl>
+                                        <p:attrNameLst>
+                                          <p:attrName>stroke.color</p:attrName>
+                                        </p:attrNameLst>
+                                      </p:cBhvr>
+                                      <p:to>
+                                        <a:schemeClr val="tx2"/>
+                                      </p:to>
+                                    </p:animClr>
+                                    <p:set>
+                                      <p:cBhvr>
+                                        <p:cTn id="12" dur="500" fill="hold"/>
+                                        <p:tgtEl>
+                                          <p:spTgt spid="21"/>
+                                        </p:tgtEl>
+                                        <p:attrNameLst>
+                                          <p:attrName>stroke.on</p:attrName>
+                                        </p:attrNameLst>
+                                      </p:cBhvr>
+                                      <p:to>
+                                        <p:strVal val="true"/>
+                                      </p:to>
+                                    </p:set>
+                                  </p:childTnLst>
+                                </p:cTn>
+                              </p:par>
+                            </p:childTnLst>
+                          </p:cTn>
+                        </p:par>
+                      </p:childTnLst>
+                    </p:cTn>
+                  </p:par>
+                  <p:par>
+                    <p:cTn id="13" fill="hold">
+                      <p:stCondLst>
+                        <p:cond delay="indefinite"/>
+                      </p:stCondLst>
+                      <p:childTnLst>
+                        <p:par>
+                          <p:cTn id="14" fill="hold">
+                            <p:stCondLst>
+                              <p:cond delay="0"/>
+                            </p:stCondLst>
+                            <p:childTnLst>
+                              <p:par>
+                                <p:cTn id="15" presetID="7" presetClass="emph" presetSubtype="2" fill="hold" nodeType="clickEffect">
+                                  <p:stCondLst>
+                                    <p:cond delay="0"/>
+                                  </p:stCondLst>
+                                  <p:childTnLst>
+                                    <p:animClr clrSpc="rgb" dir="cw">
+                                      <p:cBhvr>
+                                        <p:cTn id="16" dur="500" fill="hold"/>
+                                        <p:tgtEl>
+                                          <p:spTgt spid="15"/>
+                                        </p:tgtEl>
+                                        <p:attrNameLst>
+                                          <p:attrName>stroke.color</p:attrName>
+                                        </p:attrNameLst>
+                                      </p:cBhvr>
+                                      <p:to>
+                                        <a:schemeClr val="tx2"/>
+                                      </p:to>
+                                    </p:animClr>
+                                    <p:set>
+                                      <p:cBhvr>
+                                        <p:cTn id="17" dur="500" fill="hold"/>
+                                        <p:tgtEl>
+                                          <p:spTgt spid="15"/>
+                                        </p:tgtEl>
+                                        <p:attrNameLst>
+                                          <p:attrName>stroke.on</p:attrName>
+                                        </p:attrNameLst>
+                                      </p:cBhvr>
+                                      <p:to>
+                                        <p:strVal val="true"/>
+                                      </p:to>
+                                    </p:set>
+                                  </p:childTnLst>
+                                </p:cTn>
+                              </p:par>
+                            </p:childTnLst>
+                          </p:cTn>
+                        </p:par>
+                      </p:childTnLst>
+                    </p:cTn>
+                  </p:par>
+                  <p:par>
+                    <p:cTn id="18" fill="hold">
+                      <p:stCondLst>
+                        <p:cond delay="indefinite"/>
+                      </p:stCondLst>
+                      <p:childTnLst>
+                        <p:par>
+                          <p:cTn id="19" fill="hold">
+                            <p:stCondLst>
+                              <p:cond delay="0"/>
+                            </p:stCondLst>
+                            <p:childTnLst>
+                              <p:par>
+                                <p:cTn id="20" presetID="7" presetClass="emph" presetSubtype="2" fill="hold" nodeType="clickEffect">
+                                  <p:stCondLst>
+                                    <p:cond delay="0"/>
+                                  </p:stCondLst>
+                                  <p:childTnLst>
+                                    <p:animClr clrSpc="rgb" dir="cw">
+                                      <p:cBhvr>
+                                        <p:cTn id="21" dur="500" fill="hold"/>
+                                        <p:tgtEl>
+                                          <p:spTgt spid="30"/>
+                                        </p:tgtEl>
+                                        <p:attrNameLst>
+                                          <p:attrName>stroke.color</p:attrName>
+                                        </p:attrNameLst>
+                                      </p:cBhvr>
+                                      <p:to>
+                                        <a:schemeClr val="tx2"/>
+                                      </p:to>
+                                    </p:animClr>
+                                    <p:set>
+                                      <p:cBhvr>
+                                        <p:cTn id="22" dur="500" fill="hold"/>
+                                        <p:tgtEl>
+                                          <p:spTgt spid="30"/>
+                                        </p:tgtEl>
+                                        <p:attrNameLst>
+                                          <p:attrName>stroke.on</p:attrName>
+                                        </p:attrNameLst>
+                                      </p:cBhvr>
+                                      <p:to>
+                                        <p:strVal val="true"/>
+                                      </p:to>
+                                    </p:set>
+                                  </p:childTnLst>
+                                </p:cTn>
+                              </p:par>
+                            </p:childTnLst>
+                          </p:cTn>
+                        </p:par>
+                      </p:childTnLst>
+                    </p:cTn>
+                  </p:par>
+                  <p:par>
+                    <p:cTn id="23" fill="hold">
+                      <p:stCondLst>
+                        <p:cond delay="indefinite"/>
+                      </p:stCondLst>
+                      <p:childTnLst>
+                        <p:par>
+                          <p:cTn id="24" fill="hold">
+                            <p:stCondLst>
+                              <p:cond delay="0"/>
+                            </p:stCondLst>
+                            <p:childTnLst>
+                              <p:par>
+                                <p:cTn id="25" presetID="7" presetClass="emph" presetSubtype="2" fill="hold" nodeType="clickEffect">
+                                  <p:stCondLst>
+                                    <p:cond delay="0"/>
+                                  </p:stCondLst>
+                                  <p:childTnLst>
+                                    <p:animClr clrSpc="rgb" dir="cw">
+                                      <p:cBhvr>
+                                        <p:cTn id="26" dur="500" fill="hold"/>
+                                        <p:tgtEl>
+                                          <p:spTgt spid="32"/>
+                                        </p:tgtEl>
+                                        <p:attrNameLst>
+                                          <p:attrName>stroke.color</p:attrName>
+                                        </p:attrNameLst>
+                                      </p:cBhvr>
+                                      <p:to>
+                                        <a:schemeClr val="tx2"/>
+                                      </p:to>
+                                    </p:animClr>
+                                    <p:set>
+                                      <p:cBhvr>
+                                        <p:cTn id="27" dur="500" fill="hold"/>
+                                        <p:tgtEl>
+                                          <p:spTgt spid="32"/>
+                                        </p:tgtEl>
+                                        <p:attrNameLst>
+                                          <p:attrName>stroke.on</p:attrName>
+                                        </p:attrNameLst>
+                                      </p:cBhvr>
+                                      <p:to>
+                                        <p:strVal val="true"/>
+                                      </p:to>
+                                    </p:set>
+                                  </p:childTnLst>
+                                </p:cTn>
+                              </p:par>
+                              <p:par>
+                                <p:cTn id="28" presetID="7" presetClass="emph" presetSubtype="2" fill="hold" nodeType="withEffect">
+                                  <p:stCondLst>
+                                    <p:cond delay="0"/>
+                                  </p:stCondLst>
+                                  <p:childTnLst>
+                                    <p:animClr clrSpc="rgb" dir="cw">
+                                      <p:cBhvr>
+                                        <p:cTn id="29" dur="500" fill="hold"/>
+                                        <p:tgtEl>
+                                          <p:spTgt spid="30"/>
+                                        </p:tgtEl>
+                                        <p:attrNameLst>
+                                          <p:attrName>stroke.color</p:attrName>
+                                        </p:attrNameLst>
+                                      </p:cBhvr>
+                                      <p:to>
+                                        <a:schemeClr val="accent1"/>
+                                      </p:to>
+                                    </p:animClr>
+                                    <p:set>
+                                      <p:cBhvr>
+                                        <p:cTn id="30" dur="500" fill="hold"/>
+                                        <p:tgtEl>
+                                          <p:spTgt spid="30"/>
+                                        </p:tgtEl>
+                                        <p:attrNameLst>
+                                          <p:attrName>stroke.on</p:attrName>
+                                        </p:attrNameLst>
+                                      </p:cBhvr>
+                                      <p:to>
+                                        <p:strVal val="true"/>
+                                      </p:to>
+                                    </p:set>
+                                  </p:childTnLst>
+                                </p:cTn>
+                              </p:par>
+                            </p:childTnLst>
+                          </p:cTn>
+                        </p:par>
+                      </p:childTnLst>
+                    </p:cTn>
+                  </p:par>
+                  <p:par>
+                    <p:cTn id="31" fill="hold">
+                      <p:stCondLst>
+                        <p:cond delay="indefinite"/>
+                      </p:stCondLst>
+                      <p:childTnLst>
+                        <p:par>
+                          <p:cTn id="32" fill="hold">
+                            <p:stCondLst>
+                              <p:cond delay="0"/>
+                            </p:stCondLst>
+                            <p:childTnLst>
+                              <p:par>
+                                <p:cTn id="33" presetID="7" presetClass="emph" presetSubtype="2" fill="hold" nodeType="clickEffect">
+                                  <p:stCondLst>
+                                    <p:cond delay="0"/>
+                                  </p:stCondLst>
+                                  <p:childTnLst>
+                                    <p:animClr clrSpc="rgb" dir="cw">
+                                      <p:cBhvr>
+                                        <p:cTn id="34" dur="500" fill="hold"/>
+                                        <p:tgtEl>
+                                          <p:spTgt spid="34"/>
+                                        </p:tgtEl>
+                                        <p:attrNameLst>
+                                          <p:attrName>stroke.color</p:attrName>
+                                        </p:attrNameLst>
+                                      </p:cBhvr>
+                                      <p:to>
+                                        <a:schemeClr val="tx2"/>
+                                      </p:to>
+                                    </p:animClr>
+                                    <p:set>
+                                      <p:cBhvr>
+                                        <p:cTn id="35" dur="500" fill="hold"/>
+                                        <p:tgtEl>
+                                          <p:spTgt spid="34"/>
+                                        </p:tgtEl>
+                                        <p:attrNameLst>
+                                          <p:attrName>stroke.on</p:attrName>
+                                        </p:attrNameLst>
+                                      </p:cBhvr>
+                                      <p:to>
+                                        <p:strVal val="true"/>
+                                      </p:to>
+                                    </p:set>
+                                  </p:childTnLst>
+                                </p:cTn>
+                              </p:par>
+                            </p:childTnLst>
+                          </p:cTn>
+                        </p:par>
+                      </p:childTnLst>
+                    </p:cTn>
+                  </p:par>
+                  <p:par>
+                    <p:cTn id="36" fill="hold">
+                      <p:stCondLst>
+                        <p:cond delay="indefinite"/>
+                      </p:stCondLst>
+                      <p:childTnLst>
+                        <p:par>
+                          <p:cTn id="37" fill="hold">
+                            <p:stCondLst>
+                              <p:cond delay="0"/>
+                            </p:stCondLst>
+                            <p:childTnLst>
+                              <p:par>
+                                <p:cTn id="38" presetID="7" presetClass="emph" presetSubtype="2" fill="hold" nodeType="clickEffect">
+                                  <p:stCondLst>
+                                    <p:cond delay="0"/>
+                                  </p:stCondLst>
+                                  <p:childTnLst>
+                                    <p:animClr clrSpc="rgb" dir="cw">
+                                      <p:cBhvr>
+                                        <p:cTn id="39" dur="500" fill="hold"/>
+                                        <p:tgtEl>
+                                          <p:spTgt spid="23"/>
+                                        </p:tgtEl>
+                                        <p:attrNameLst>
+                                          <p:attrName>stroke.color</p:attrName>
+                                        </p:attrNameLst>
+                                      </p:cBhvr>
+                                      <p:to>
+                                        <a:schemeClr val="tx2"/>
+                                      </p:to>
+                                    </p:animClr>
+                                    <p:set>
+                                      <p:cBhvr>
+                                        <p:cTn id="40" dur="500" fill="hold"/>
+                                        <p:tgtEl>
+                                          <p:spTgt spid="23"/>
+                                        </p:tgtEl>
+                                        <p:attrNameLst>
+                                          <p:attrName>stroke.on</p:attrName>
+                                        </p:attrNameLst>
+                                      </p:cBhvr>
+                                      <p:to>
+                                        <p:strVal val="true"/>
+                                      </p:to>
+                                    </p:set>
+                                  </p:childTnLst>
+                                </p:cTn>
+                              </p:par>
+                            </p:childTnLst>
+                          </p:cTn>
+                        </p:par>
+                      </p:childTnLst>
+                    </p:cTn>
+                  </p:par>
+                  <p:par>
+                    <p:cTn id="41" fill="hold">
+                      <p:stCondLst>
+                        <p:cond delay="indefinite"/>
+                      </p:stCondLst>
+                      <p:childTnLst>
+                        <p:par>
+                          <p:cTn id="42" fill="hold">
+                            <p:stCondLst>
+                              <p:cond delay="0"/>
+                            </p:stCondLst>
+                            <p:childTnLst>
+                              <p:par>
+                                <p:cTn id="43" presetID="1" presetClass="entr" presetSubtype="0" fill="hold" grpId="0" nodeType="clickEffect">
+                                  <p:stCondLst>
+                                    <p:cond delay="0"/>
+                                  </p:stCondLst>
+                                  <p:childTnLst>
+                                    <p:set>
+                                      <p:cBhvr>
+                                        <p:cTn id="44" dur="1" fill="hold">
+                                          <p:stCondLst>
+                                            <p:cond delay="0"/>
+                                          </p:stCondLst>
+                                        </p:cTn>
+                                        <p:tgtEl>
+                                          <p:spTgt spid="45"/>
+                                        </p:tgtEl>
+                                        <p:attrNameLst>
+                                          <p:attrName>style.visibility</p:attrName>
+                                        </p:attrNameLst>
+                                      </p:cBhvr>
+                                      <p:to>
+                                        <p:strVal val="visible"/>
+                                      </p:to>
+                                    </p:set>
+                                  </p:childTnLst>
+                                </p:cTn>
+                              </p:par>
+                            </p:childTnLst>
+                          </p:cTn>
+                        </p:par>
+                      </p:childTnLst>
+                    </p:cTn>
+                  </p:par>
+                  <p:par>
+                    <p:cTn id="45" fill="hold">
+                      <p:stCondLst>
+                        <p:cond delay="indefinite"/>
+                      </p:stCondLst>
+                      <p:childTnLst>
+                        <p:par>
+                          <p:cTn id="46" fill="hold">
+                            <p:stCondLst>
+                              <p:cond delay="0"/>
+                            </p:stCondLst>
+                            <p:childTnLst>
+                              <p:par>
+                                <p:cTn id="47" presetID="1" presetClass="entr" presetSubtype="0" fill="hold" grpId="0" nodeType="clickEffect">
+                                  <p:stCondLst>
+                                    <p:cond delay="0"/>
+                                  </p:stCondLst>
+                                  <p:childTnLst>
+                                    <p:set>
+                                      <p:cBhvr>
+                                        <p:cTn id="48" dur="1" fill="hold">
+                                          <p:stCondLst>
+                                            <p:cond delay="0"/>
+                                          </p:stCondLst>
+                                        </p:cTn>
+                                        <p:tgtEl>
+                                          <p:spTgt spid="87"/>
+                                        </p:tgtEl>
+                                        <p:attrNameLst>
+                                          <p:attrName>style.visibility</p:attrName>
+                                        </p:attrNameLst>
+                                      </p:cBhvr>
+                                      <p:to>
+                                        <p:strVal val="visible"/>
+                                      </p:to>
+                                    </p:set>
+                                  </p:childTnLst>
+                                </p:cTn>
+                              </p:par>
+                            </p:childTnLst>
+                          </p:cTn>
+                        </p:par>
+                      </p:childTnLst>
+                    </p:cTn>
+                  </p:par>
+                  <p:par>
+                    <p:cTn id="49" fill="hold">
+                      <p:stCondLst>
+                        <p:cond delay="indefinite"/>
+                      </p:stCondLst>
+                      <p:childTnLst>
+                        <p:par>
+                          <p:cTn id="50" fill="hold">
+                            <p:stCondLst>
+                              <p:cond delay="0"/>
+                            </p:stCondLst>
+                            <p:childTnLst>
+                              <p:par>
+                                <p:cTn id="51" presetID="1" presetClass="entr" presetSubtype="0" fill="hold" grpId="0" nodeType="clickEffect">
+                                  <p:stCondLst>
+                                    <p:cond delay="0"/>
+                                  </p:stCondLst>
+                                  <p:childTnLst>
+                                    <p:set>
+                                      <p:cBhvr>
+                                        <p:cTn id="52" dur="1" fill="hold">
+                                          <p:stCondLst>
+                                            <p:cond delay="0"/>
+                                          </p:stCondLst>
+                                        </p:cTn>
+                                        <p:tgtEl>
+                                          <p:spTgt spid="25"/>
+                                        </p:tgtEl>
+                                        <p:attrNameLst>
+                                          <p:attrName>style.visibility</p:attrName>
+                                        </p:attrNameLst>
+                                      </p:cBhvr>
+                                      <p:to>
+                                        <p:strVal val="visible"/>
+                                      </p:to>
+                                    </p:set>
+                                  </p:childTnLst>
+                                </p:cTn>
+                              </p:par>
+                            </p:childTnLst>
+                          </p:cTn>
+                        </p:par>
+                      </p:childTnLst>
+                    </p:cTn>
+                  </p:par>
+                </p:childTnLst>
+              </p:cTn>
+              <p:prevCondLst>
+                <p:cond evt="onPrev" delay="0">
+                  <p:tgtEl>
+                    <p:sldTgt/>
+                  </p:tgtEl>
+                </p:cond>
+              </p:prevCondLst>
+              <p:nextCondLst>
+                <p:cond evt="onNext" delay="0">
+                  <p:tgtEl>
+                    <p:sldTgt/>
+                  </p:tgtEl>
+                </p:cond>
+              </p:nextCondLst>
+            </p:seq>
+          </p:childTnLst>
+        </p:cTn>
+      </p:par>
+    </p:tnLst>
+    <p:bldLst>
+      <p:bldP spid="45" grpId="0" animBg="1"/>
+      <p:bldP spid="87" grpId="0" animBg="1"/>
+      <p:bldP spid="25" grpId="0" animBg="1"/>
+    </p:bldLst>
+  </p:timing>
+</p:sld>
+</file>
+
+<file path=ppt/slides/slide19.xml><?xml version="1.0" encoding="utf-8"?>
+<p:sld xmlns:a="http://schemas.openxmlformats.org/drawingml/2006/main" xmlns:r="http://schemas.openxmlformats.org/officeDocument/2006/relationships" xmlns:p="http://schemas.openxmlformats.org/presentationml/2006/main">
+  <p:cSld>
+    <p:spTree>
+      <p:nvGrpSpPr>
+        <p:cNvPr id="1" name=""/>
+        <p:cNvGrpSpPr/>
+        <p:nvPr/>
+      </p:nvGrpSpPr>
+      <p:grpSpPr>
+        <a:xfrm>
+          <a:off x="0" y="0"/>
+          <a:ext cx="0" cy="0"/>
+          <a:chOff x="0" y="0"/>
+          <a:chExt cx="0" cy="0"/>
+        </a:xfrm>
+      </p:grpSpPr>
+      <p:sp>
+        <p:nvSpPr>
+          <p:cNvPr id="5" name="Espace réservé du texte 4"/>
+          <p:cNvSpPr>
+            <a:spLocks noGrp="1"/>
+          </p:cNvSpPr>
+          <p:nvPr>
+            <p:ph type="body" sz="quarter" idx="13"/>
+          </p:nvPr>
+        </p:nvSpPr>
+        <p:spPr/>
+        <p:txBody>
+          <a:bodyPr/>
+          <a:lstStyle/>
+          <a:p>
+            <a:r>
+              <a:rPr lang="fr-FR"/>
+              <a:t>état de l’art</a:t>
+            </a:r>
+          </a:p>
+        </p:txBody>
+      </p:sp>
+      <p:sp>
+        <p:nvSpPr>
+          <p:cNvPr id="2" name="Titre 1"/>
+          <p:cNvSpPr>
+            <a:spLocks noGrp="1"/>
+          </p:cNvSpPr>
+          <p:nvPr>
+            <p:ph type="title"/>
+          </p:nvPr>
+        </p:nvSpPr>
+        <p:spPr/>
+        <p:txBody>
+          <a:bodyPr/>
+          <a:lstStyle/>
+          <a:p>
+            <a:r>
+              <a:rPr lang="fr-FR"/>
+              <a:t>Localised BIP</a:t>
+            </a:r>
+          </a:p>
+        </p:txBody>
+      </p:sp>
+      <p:sp>
+        <p:nvSpPr>
+          <p:cNvPr id="45" name="Ellipse 44"/>
+          <p:cNvSpPr/>
+          <p:nvPr/>
+        </p:nvSpPr>
+        <p:spPr>
+          <a:xfrm>
+            <a:off x="4950100" y="2483365"/>
+            <a:ext cx="2108001" cy="2101470"/>
+          </a:xfrm>
+          <a:prstGeom prst="ellipse">
+            <a:avLst/>
+          </a:prstGeom>
+          <a:gradFill flip="none" rotWithShape="1">
+            <a:gsLst>
+              <a:gs pos="0">
+                <a:schemeClr val="accent5">
+                  <a:tint val="50000"/>
+                  <a:satMod val="300000"/>
+                  <a:alpha val="66000"/>
+                </a:schemeClr>
+              </a:gs>
+              <a:gs pos="35000">
+                <a:schemeClr val="accent5">
+                  <a:tint val="37000"/>
+                  <a:satMod val="300000"/>
+                  <a:alpha val="66000"/>
+                </a:schemeClr>
+              </a:gs>
+              <a:gs pos="100000">
+                <a:schemeClr val="accent5">
+                  <a:tint val="15000"/>
+                  <a:satMod val="350000"/>
+                  <a:alpha val="66000"/>
+                </a:schemeClr>
+              </a:gs>
+            </a:gsLst>
+            <a:lin ang="16200000" scaled="1"/>
+            <a:tileRect/>
+          </a:gradFill>
+        </p:spPr>
+        <p:style>
+          <a:lnRef idx="1">
+            <a:schemeClr val="accent5"/>
+          </a:lnRef>
+          <a:fillRef idx="2">
+            <a:schemeClr val="accent5"/>
+          </a:fillRef>
+          <a:effectRef idx="1">
+            <a:schemeClr val="accent5"/>
+          </a:effectRef>
+          <a:fontRef idx="minor">
+            <a:schemeClr val="dk1"/>
+          </a:fontRef>
+        </p:style>
+        <p:txBody>
+          <a:bodyPr rtlCol="0" anchor="ctr"/>
+          <a:lstStyle/>
+          <a:p>
+            <a:pPr algn="ctr"/>
+            <a:endParaRPr lang="fr-FR"/>
+          </a:p>
+        </p:txBody>
+      </p:sp>
+      <p:sp>
+        <p:nvSpPr>
+          <p:cNvPr id="87" name="Ellipse 86"/>
+          <p:cNvSpPr/>
+          <p:nvPr/>
+        </p:nvSpPr>
+        <p:spPr>
+          <a:xfrm>
+            <a:off x="5246711" y="3213713"/>
+            <a:ext cx="2202764" cy="2210944"/>
+          </a:xfrm>
+          <a:prstGeom prst="ellipse">
+            <a:avLst/>
+          </a:prstGeom>
+          <a:gradFill flip="none" rotWithShape="1">
+            <a:gsLst>
+              <a:gs pos="0">
+                <a:schemeClr val="accent5">
+                  <a:tint val="50000"/>
+                  <a:satMod val="300000"/>
+                  <a:alpha val="51000"/>
+                </a:schemeClr>
+              </a:gs>
+              <a:gs pos="35000">
+                <a:schemeClr val="accent5">
+                  <a:tint val="37000"/>
+                  <a:satMod val="300000"/>
+                  <a:alpha val="51000"/>
+                </a:schemeClr>
+              </a:gs>
+              <a:gs pos="100000">
+                <a:schemeClr val="accent5">
+                  <a:tint val="15000"/>
+                  <a:satMod val="350000"/>
+                  <a:alpha val="51000"/>
+                </a:schemeClr>
+              </a:gs>
+            </a:gsLst>
+            <a:lin ang="16200000" scaled="1"/>
+            <a:tileRect/>
+          </a:gradFill>
+        </p:spPr>
+        <p:style>
+          <a:lnRef idx="1">
+            <a:schemeClr val="accent5"/>
+          </a:lnRef>
+          <a:fillRef idx="2">
+            <a:schemeClr val="accent5"/>
+          </a:fillRef>
+          <a:effectRef idx="1">
+            <a:schemeClr val="accent5"/>
+          </a:effectRef>
+          <a:fontRef idx="minor">
+            <a:schemeClr val="dk1"/>
+          </a:fontRef>
+        </p:style>
+        <p:txBody>
+          <a:bodyPr rtlCol="0" anchor="ctr"/>
+          <a:lstStyle/>
+          <a:p>
+            <a:pPr algn="ctr"/>
+            <a:endParaRPr lang="fr-FR"/>
+          </a:p>
+        </p:txBody>
+      </p:sp>
+      <p:sp>
+        <p:nvSpPr>
+          <p:cNvPr id="25" name="Ellipse 24"/>
+          <p:cNvSpPr/>
+          <p:nvPr/>
+        </p:nvSpPr>
+        <p:spPr>
+          <a:xfrm>
+            <a:off x="6510313" y="3663043"/>
+            <a:ext cx="1878323" cy="1878161"/>
+          </a:xfrm>
+          <a:prstGeom prst="ellipse">
+            <a:avLst/>
+          </a:prstGeom>
+          <a:gradFill flip="none" rotWithShape="1">
+            <a:gsLst>
+              <a:gs pos="0">
+                <a:schemeClr val="accent5">
+                  <a:tint val="50000"/>
+                  <a:satMod val="300000"/>
+                  <a:alpha val="22000"/>
+                </a:schemeClr>
+              </a:gs>
+              <a:gs pos="35000">
+                <a:schemeClr val="accent5">
+                  <a:tint val="37000"/>
+                  <a:satMod val="300000"/>
+                  <a:alpha val="22000"/>
+                </a:schemeClr>
+              </a:gs>
+              <a:gs pos="100000">
+                <a:schemeClr val="accent5">
+                  <a:tint val="15000"/>
+                  <a:satMod val="350000"/>
+                  <a:alpha val="22000"/>
+                </a:schemeClr>
+              </a:gs>
+            </a:gsLst>
+            <a:lin ang="16200000" scaled="1"/>
+            <a:tileRect/>
+          </a:gradFill>
+        </p:spPr>
+        <p:style>
+          <a:lnRef idx="1">
+            <a:schemeClr val="accent5"/>
+          </a:lnRef>
+          <a:fillRef idx="2">
+            <a:schemeClr val="accent5"/>
+          </a:fillRef>
+          <a:effectRef idx="1">
+            <a:schemeClr val="accent5"/>
+          </a:effectRef>
+          <a:fontRef idx="minor">
+            <a:schemeClr val="dk1"/>
+          </a:fontRef>
+        </p:style>
+        <p:txBody>
+          <a:bodyPr rtlCol="0" anchor="ctr"/>
+          <a:lstStyle/>
+          <a:p>
+            <a:pPr algn="ctr"/>
+            <a:endParaRPr lang="fr-FR"/>
+          </a:p>
+        </p:txBody>
+      </p:sp>
+      <p:sp>
+        <p:nvSpPr>
+          <p:cNvPr id="4" name="Espace réservé du numéro de diapositive 3"/>
+          <p:cNvSpPr>
+            <a:spLocks noGrp="1"/>
+          </p:cNvSpPr>
+          <p:nvPr>
+            <p:ph type="sldNum" sz="quarter" idx="12"/>
+          </p:nvPr>
+        </p:nvSpPr>
+        <p:spPr/>
+        <p:txBody>
+          <a:bodyPr/>
+          <a:lstStyle/>
+          <a:p>
+            <a:fld id="{632DADDA-56E0-0F4D-8444-EEC8234C8BEB}" type="slidenum">
+              <a:rPr lang="fr-FR"/>
+              <a:t>19</a:t>
+            </a:fld>
+            <a:endParaRPr lang="fr-FR"/>
+          </a:p>
+        </p:txBody>
+      </p:sp>
+      <p:sp>
+        <p:nvSpPr>
+          <p:cNvPr id="7" name="Ellipse 6"/>
+          <p:cNvSpPr/>
+          <p:nvPr/>
+        </p:nvSpPr>
+        <p:spPr>
+          <a:xfrm>
+            <a:off x="5806803" y="3315170"/>
+            <a:ext cx="428293" cy="407558"/>
+          </a:xfrm>
+          <a:prstGeom prst="ellipse">
+            <a:avLst/>
+          </a:prstGeom>
+        </p:spPr>
+        <p:style>
+          <a:lnRef idx="1">
+            <a:schemeClr val="dk1"/>
+          </a:lnRef>
+          <a:fillRef idx="3">
+            <a:schemeClr val="dk1"/>
+          </a:fillRef>
+          <a:effectRef idx="2">
+            <a:schemeClr val="dk1"/>
+          </a:effectRef>
+          <a:fontRef idx="minor">
+            <a:schemeClr val="lt1"/>
+          </a:fontRef>
+        </p:style>
+        <p:txBody>
+          <a:bodyPr rtlCol="0" anchor="ctr">
+            <a:normAutofit fontScale="85000" lnSpcReduction="20000"/>
+          </a:bodyPr>
+          <a:lstStyle/>
+          <a:p>
+            <a:pPr algn="ctr"/>
+            <a:r>
+              <a:rPr lang="fr-FR"/>
+              <a:t>A</a:t>
+            </a:r>
+          </a:p>
+        </p:txBody>
+      </p:sp>
+      <p:sp>
+        <p:nvSpPr>
+          <p:cNvPr id="8" name="Ellipse 7"/>
+          <p:cNvSpPr/>
+          <p:nvPr/>
+        </p:nvSpPr>
+        <p:spPr>
+          <a:xfrm>
+            <a:off x="6270306" y="2812617"/>
+            <a:ext cx="428293" cy="407558"/>
+          </a:xfrm>
+          <a:prstGeom prst="ellipse">
+            <a:avLst/>
+          </a:prstGeom>
+        </p:spPr>
+        <p:style>
+          <a:lnRef idx="1">
+            <a:schemeClr val="dk1"/>
+          </a:lnRef>
+          <a:fillRef idx="3">
+            <a:schemeClr val="dk1"/>
+          </a:fillRef>
+          <a:effectRef idx="2">
+            <a:schemeClr val="dk1"/>
+          </a:effectRef>
+          <a:fontRef idx="minor">
+            <a:schemeClr val="lt1"/>
+          </a:fontRef>
+        </p:style>
+        <p:txBody>
+          <a:bodyPr rtlCol="0" anchor="ctr">
+            <a:normAutofit fontScale="85000" lnSpcReduction="20000"/>
+          </a:bodyPr>
+          <a:lstStyle/>
+          <a:p>
+            <a:pPr algn="ctr"/>
+            <a:r>
+              <a:rPr lang="fr-FR"/>
+              <a:t>B</a:t>
+            </a:r>
+          </a:p>
+        </p:txBody>
+      </p:sp>
+      <p:sp>
+        <p:nvSpPr>
+          <p:cNvPr id="10" name="Ellipse 9"/>
+          <p:cNvSpPr/>
+          <p:nvPr/>
+        </p:nvSpPr>
+        <p:spPr>
+          <a:xfrm>
+            <a:off x="5059418" y="2571692"/>
+            <a:ext cx="428293" cy="407558"/>
+          </a:xfrm>
+          <a:prstGeom prst="ellipse">
+            <a:avLst/>
+          </a:prstGeom>
+        </p:spPr>
+        <p:style>
+          <a:lnRef idx="1">
+            <a:schemeClr val="dk1"/>
+          </a:lnRef>
+          <a:fillRef idx="3">
+            <a:schemeClr val="dk1"/>
+          </a:fillRef>
+          <a:effectRef idx="2">
+            <a:schemeClr val="dk1"/>
+          </a:effectRef>
+          <a:fontRef idx="minor">
+            <a:schemeClr val="lt1"/>
+          </a:fontRef>
+        </p:style>
+        <p:txBody>
+          <a:bodyPr rtlCol="0" anchor="ctr">
+            <a:normAutofit fontScale="85000" lnSpcReduction="20000"/>
+          </a:bodyPr>
+          <a:lstStyle/>
+          <a:p>
+            <a:pPr algn="ctr"/>
+            <a:r>
+              <a:rPr lang="fr-FR"/>
+              <a:t>C</a:t>
+            </a:r>
+          </a:p>
+        </p:txBody>
+      </p:sp>
+      <p:sp>
+        <p:nvSpPr>
+          <p:cNvPr id="11" name="Ellipse 10"/>
+          <p:cNvSpPr/>
+          <p:nvPr/>
+        </p:nvSpPr>
+        <p:spPr>
+          <a:xfrm>
+            <a:off x="5381438" y="4651968"/>
+            <a:ext cx="428293" cy="407558"/>
+          </a:xfrm>
+          <a:prstGeom prst="ellipse">
+            <a:avLst/>
+          </a:prstGeom>
+        </p:spPr>
+        <p:style>
+          <a:lnRef idx="1">
+            <a:schemeClr val="dk1"/>
+          </a:lnRef>
+          <a:fillRef idx="3">
+            <a:schemeClr val="dk1"/>
+          </a:fillRef>
+          <a:effectRef idx="2">
+            <a:schemeClr val="dk1"/>
+          </a:effectRef>
+          <a:fontRef idx="minor">
+            <a:schemeClr val="lt1"/>
+          </a:fontRef>
+        </p:style>
+        <p:txBody>
+          <a:bodyPr rtlCol="0" anchor="ctr">
+            <a:normAutofit fontScale="85000" lnSpcReduction="20000"/>
+          </a:bodyPr>
+          <a:lstStyle/>
+          <a:p>
+            <a:pPr algn="ctr"/>
+            <a:r>
+              <a:rPr lang="fr-FR"/>
+              <a:t>D</a:t>
+            </a:r>
+          </a:p>
+        </p:txBody>
+      </p:sp>
+      <p:sp>
+        <p:nvSpPr>
+          <p:cNvPr id="12" name="Ellipse 11"/>
+          <p:cNvSpPr/>
+          <p:nvPr/>
+        </p:nvSpPr>
+        <p:spPr>
+          <a:xfrm>
+            <a:off x="6118881" y="4074656"/>
+            <a:ext cx="428293" cy="407558"/>
+          </a:xfrm>
+          <a:prstGeom prst="ellipse">
+            <a:avLst/>
+          </a:prstGeom>
+        </p:spPr>
+        <p:style>
+          <a:lnRef idx="1">
+            <a:schemeClr val="dk1"/>
+          </a:lnRef>
+          <a:fillRef idx="3">
+            <a:schemeClr val="dk1"/>
+          </a:fillRef>
+          <a:effectRef idx="2">
+            <a:schemeClr val="dk1"/>
+          </a:effectRef>
+          <a:fontRef idx="minor">
+            <a:schemeClr val="lt1"/>
+          </a:fontRef>
+        </p:style>
+        <p:txBody>
+          <a:bodyPr rtlCol="0" anchor="ctr">
+            <a:normAutofit fontScale="85000" lnSpcReduction="20000"/>
+          </a:bodyPr>
+          <a:lstStyle/>
+          <a:p>
+            <a:pPr algn="ctr"/>
+            <a:r>
+              <a:rPr lang="fr-FR"/>
+              <a:t>E</a:t>
+            </a:r>
+          </a:p>
+        </p:txBody>
+      </p:sp>
+      <p:sp>
+        <p:nvSpPr>
+          <p:cNvPr id="13" name="Ellipse 12"/>
+          <p:cNvSpPr/>
+          <p:nvPr/>
+        </p:nvSpPr>
+        <p:spPr>
+          <a:xfrm>
+            <a:off x="7211503" y="4381056"/>
+            <a:ext cx="428293" cy="407558"/>
+          </a:xfrm>
+          <a:prstGeom prst="ellipse">
+            <a:avLst/>
+          </a:prstGeom>
+        </p:spPr>
+        <p:style>
+          <a:lnRef idx="1">
+            <a:schemeClr val="dk1"/>
+          </a:lnRef>
+          <a:fillRef idx="3">
+            <a:schemeClr val="dk1"/>
+          </a:fillRef>
+          <a:effectRef idx="2">
+            <a:schemeClr val="dk1"/>
+          </a:effectRef>
+          <a:fontRef idx="minor">
+            <a:schemeClr val="lt1"/>
+          </a:fontRef>
+        </p:style>
+        <p:txBody>
+          <a:bodyPr rtlCol="0" anchor="ctr">
+            <a:normAutofit fontScale="85000" lnSpcReduction="20000"/>
+          </a:bodyPr>
+          <a:lstStyle/>
+          <a:p>
+            <a:pPr algn="ctr"/>
+            <a:r>
+              <a:rPr lang="fr-FR"/>
+              <a:t>F</a:t>
+            </a:r>
+          </a:p>
+        </p:txBody>
+      </p:sp>
+      <p:sp>
+        <p:nvSpPr>
+          <p:cNvPr id="22" name="Ellipse 21"/>
+          <p:cNvSpPr/>
+          <p:nvPr/>
+        </p:nvSpPr>
+        <p:spPr>
+          <a:xfrm>
+            <a:off x="7902831" y="5059526"/>
+            <a:ext cx="428293" cy="407558"/>
+          </a:xfrm>
+          <a:prstGeom prst="ellipse">
+            <a:avLst/>
+          </a:prstGeom>
+        </p:spPr>
+        <p:style>
+          <a:lnRef idx="1">
+            <a:schemeClr val="dk1"/>
+          </a:lnRef>
+          <a:fillRef idx="3">
+            <a:schemeClr val="dk1"/>
+          </a:fillRef>
+          <a:effectRef idx="2">
+            <a:schemeClr val="dk1"/>
+          </a:effectRef>
+          <a:fontRef idx="minor">
+            <a:schemeClr val="lt1"/>
+          </a:fontRef>
+        </p:style>
+        <p:txBody>
+          <a:bodyPr rtlCol="0" anchor="ctr">
+            <a:normAutofit fontScale="85000" lnSpcReduction="20000"/>
+          </a:bodyPr>
+          <a:lstStyle/>
+          <a:p>
+            <a:pPr algn="ctr"/>
+            <a:r>
+              <a:rPr lang="fr-FR"/>
+              <a:t>G</a:t>
+            </a:r>
+          </a:p>
+        </p:txBody>
+      </p:sp>
+      <p:cxnSp>
+        <p:nvCxnSpPr>
+          <p:cNvPr id="15" name="Connecteur droit 14"/>
+          <p:cNvCxnSpPr>
+            <a:stCxn id="10" idx="5"/>
+            <a:endCxn id="7" idx="1"/>
+          </p:cNvCxnSpPr>
+          <p:nvPr/>
+        </p:nvCxnSpPr>
+        <p:spPr>
+          <a:xfrm>
+            <a:off x="5424989" y="2919565"/>
+            <a:ext cx="444536" cy="455290"/>
+          </a:xfrm>
+          <a:prstGeom prst="line">
+            <a:avLst/>
+          </a:prstGeom>
+          <a:ln>
+            <a:solidFill>
+              <a:srgbClr val="800A07"/>
+            </a:solidFill>
+          </a:ln>
+        </p:spPr>
+        <p:style>
+          <a:lnRef idx="2">
+            <a:schemeClr val="accent1"/>
+          </a:lnRef>
+          <a:fillRef idx="0">
+            <a:schemeClr val="accent1"/>
+          </a:fillRef>
+          <a:effectRef idx="1">
+            <a:schemeClr val="accent1"/>
+          </a:effectRef>
+          <a:fontRef idx="minor">
+            <a:schemeClr val="tx1"/>
+          </a:fontRef>
+        </p:style>
+      </p:cxnSp>
+      <p:cxnSp>
+        <p:nvCxnSpPr>
+          <p:cNvPr id="19" name="Connecteur droit 18"/>
+          <p:cNvCxnSpPr>
+            <a:stCxn id="7" idx="7"/>
+            <a:endCxn id="8" idx="3"/>
+          </p:cNvCxnSpPr>
+          <p:nvPr/>
+        </p:nvCxnSpPr>
+        <p:spPr>
+          <a:xfrm flipV="1">
+            <a:off x="6172374" y="3160490"/>
+            <a:ext cx="160654" cy="214365"/>
+          </a:xfrm>
+          <a:prstGeom prst="line">
+            <a:avLst/>
+          </a:prstGeom>
+        </p:spPr>
+        <p:style>
+          <a:lnRef idx="2">
+            <a:schemeClr val="accent1"/>
+          </a:lnRef>
+          <a:fillRef idx="0">
+            <a:schemeClr val="accent1"/>
+          </a:fillRef>
+          <a:effectRef idx="1">
+            <a:schemeClr val="accent1"/>
+          </a:effectRef>
+          <a:fontRef idx="minor">
+            <a:schemeClr val="tx1"/>
+          </a:fontRef>
+        </p:style>
+      </p:cxnSp>
+      <p:cxnSp>
+        <p:nvCxnSpPr>
+          <p:cNvPr id="21" name="Connecteur droit 20"/>
+          <p:cNvCxnSpPr>
+            <a:stCxn id="7" idx="5"/>
+            <a:endCxn id="12" idx="0"/>
+          </p:cNvCxnSpPr>
+          <p:nvPr/>
+        </p:nvCxnSpPr>
+        <p:spPr>
+          <a:xfrm>
+            <a:off x="6172374" y="3663043"/>
+            <a:ext cx="160654" cy="411613"/>
+          </a:xfrm>
+          <a:prstGeom prst="line">
+            <a:avLst/>
+          </a:prstGeom>
+        </p:spPr>
+        <p:style>
+          <a:lnRef idx="2">
+            <a:schemeClr val="accent1"/>
+          </a:lnRef>
+          <a:fillRef idx="0">
+            <a:schemeClr val="accent1"/>
+          </a:fillRef>
+          <a:effectRef idx="1">
+            <a:schemeClr val="accent1"/>
+          </a:effectRef>
+          <a:fontRef idx="minor">
+            <a:schemeClr val="tx1"/>
+          </a:fontRef>
+        </p:style>
+      </p:cxnSp>
+      <p:cxnSp>
+        <p:nvCxnSpPr>
+          <p:cNvPr id="30" name="Connecteur droit 29"/>
+          <p:cNvCxnSpPr>
+            <a:stCxn id="7" idx="3"/>
+            <a:endCxn id="11" idx="0"/>
+          </p:cNvCxnSpPr>
+          <p:nvPr/>
+        </p:nvCxnSpPr>
+        <p:spPr>
+          <a:xfrm flipH="1">
+            <a:off x="5595585" y="3663043"/>
+            <a:ext cx="273940" cy="988925"/>
+          </a:xfrm>
+          <a:prstGeom prst="line">
+            <a:avLst/>
+          </a:prstGeom>
+        </p:spPr>
+        <p:style>
+          <a:lnRef idx="2">
+            <a:schemeClr val="accent1"/>
+          </a:lnRef>
+          <a:fillRef idx="0">
+            <a:schemeClr val="accent1"/>
+          </a:fillRef>
+          <a:effectRef idx="1">
+            <a:schemeClr val="accent1"/>
+          </a:effectRef>
+          <a:fontRef idx="minor">
+            <a:schemeClr val="tx1"/>
+          </a:fontRef>
+        </p:style>
+      </p:cxnSp>
+      <p:cxnSp>
+        <p:nvCxnSpPr>
+          <p:cNvPr id="32" name="Connecteur droit 31"/>
+          <p:cNvCxnSpPr>
+            <a:stCxn id="11" idx="7"/>
+            <a:endCxn id="12" idx="3"/>
+          </p:cNvCxnSpPr>
+          <p:nvPr/>
+        </p:nvCxnSpPr>
+        <p:spPr>
+          <a:xfrm flipV="1">
+            <a:off x="5747009" y="4422529"/>
+            <a:ext cx="434594" cy="289124"/>
+          </a:xfrm>
+          <a:prstGeom prst="line">
+            <a:avLst/>
+          </a:prstGeom>
+        </p:spPr>
+        <p:style>
+          <a:lnRef idx="2">
+            <a:schemeClr val="accent1"/>
+          </a:lnRef>
+          <a:fillRef idx="0">
+            <a:schemeClr val="accent1"/>
+          </a:fillRef>
+          <a:effectRef idx="1">
+            <a:schemeClr val="accent1"/>
+          </a:effectRef>
+          <a:fontRef idx="minor">
+            <a:schemeClr val="tx1"/>
+          </a:fontRef>
+        </p:style>
+      </p:cxnSp>
+      <p:cxnSp>
+        <p:nvCxnSpPr>
+          <p:cNvPr id="34" name="Connecteur droit 33"/>
+          <p:cNvCxnSpPr>
+            <a:stCxn id="12" idx="6"/>
+            <a:endCxn id="13" idx="2"/>
+          </p:cNvCxnSpPr>
+          <p:nvPr/>
+        </p:nvCxnSpPr>
+        <p:spPr>
+          <a:xfrm>
+            <a:off x="6547174" y="4278435"/>
+            <a:ext cx="664329" cy="306400"/>
+          </a:xfrm>
+          <a:prstGeom prst="line">
+            <a:avLst/>
+          </a:prstGeom>
+        </p:spPr>
+        <p:style>
+          <a:lnRef idx="2">
+            <a:schemeClr val="accent1"/>
+          </a:lnRef>
+          <a:fillRef idx="0">
+            <a:schemeClr val="accent1"/>
+          </a:fillRef>
+          <a:effectRef idx="1">
+            <a:schemeClr val="accent1"/>
+          </a:effectRef>
+          <a:fontRef idx="minor">
+            <a:schemeClr val="tx1"/>
+          </a:fontRef>
+        </p:style>
+      </p:cxnSp>
+      <p:cxnSp>
+        <p:nvCxnSpPr>
+          <p:cNvPr id="38" name="Connecteur droit 37"/>
+          <p:cNvCxnSpPr>
+            <a:stCxn id="8" idx="2"/>
+            <a:endCxn id="10" idx="6"/>
+          </p:cNvCxnSpPr>
+          <p:nvPr/>
+        </p:nvCxnSpPr>
+        <p:spPr>
+          <a:xfrm flipH="1" flipV="1">
+            <a:off x="5487711" y="2775471"/>
+            <a:ext cx="782595" cy="240925"/>
+          </a:xfrm>
+          <a:prstGeom prst="line">
+            <a:avLst/>
+          </a:prstGeom>
+        </p:spPr>
+        <p:style>
+          <a:lnRef idx="2">
+            <a:schemeClr val="accent1"/>
+          </a:lnRef>
+          <a:fillRef idx="0">
+            <a:schemeClr val="accent1"/>
+          </a:fillRef>
+          <a:effectRef idx="1">
+            <a:schemeClr val="accent1"/>
+          </a:effectRef>
+          <a:fontRef idx="minor">
+            <a:schemeClr val="tx1"/>
+          </a:fontRef>
+        </p:style>
+      </p:cxnSp>
+      <p:cxnSp>
+        <p:nvCxnSpPr>
+          <p:cNvPr id="23" name="Connecteur droit 22"/>
+          <p:cNvCxnSpPr>
+            <a:endCxn id="22" idx="1"/>
+          </p:cNvCxnSpPr>
+          <p:nvPr/>
+        </p:nvCxnSpPr>
+        <p:spPr>
+          <a:xfrm>
+            <a:off x="7577074" y="4723332"/>
+            <a:ext cx="388479" cy="395879"/>
+          </a:xfrm>
+          <a:prstGeom prst="line">
+            <a:avLst/>
+          </a:prstGeom>
+        </p:spPr>
+        <p:style>
+          <a:lnRef idx="2">
+            <a:schemeClr val="accent1"/>
+          </a:lnRef>
+          <a:fillRef idx="0">
+            <a:schemeClr val="accent1"/>
+          </a:fillRef>
+          <a:effectRef idx="1">
+            <a:schemeClr val="accent1"/>
+          </a:effectRef>
+          <a:fontRef idx="minor">
+            <a:schemeClr val="tx1"/>
+          </a:fontRef>
+        </p:style>
+      </p:cxnSp>
+      <p:sp>
+        <p:nvSpPr>
+          <p:cNvPr id="24" name="Espace réservé du contenu 6"/>
+          <p:cNvSpPr>
+            <a:spLocks noGrp="1"/>
+          </p:cNvSpPr>
+          <p:nvPr>
+            <p:ph idx="1"/>
+          </p:nvPr>
+        </p:nvSpPr>
+        <p:spPr>
+          <a:xfrm>
+            <a:off x="457200" y="1600201"/>
+            <a:ext cx="8229600" cy="4525963"/>
+          </a:xfrm>
+        </p:spPr>
+        <p:txBody>
+          <a:bodyPr>
+            <a:normAutofit/>
+          </a:bodyPr>
+          <a:lstStyle/>
+          <a:p>
+            <a:r>
+              <a:rPr lang="fr-FR"/>
+              <a:t>Similaire à BIP</a:t>
+            </a:r>
+            <a:endParaRPr lang="fr-FR"/>
+          </a:p>
+          <a:p>
+            <a:r>
+              <a:rPr lang="fr-FR"/>
+              <a:t>Connaissance locale</a:t>
+            </a:r>
+            <a:endParaRPr lang="fr-FR"/>
+          </a:p>
+          <a:p>
+            <a:r>
+              <a:rPr lang="fr-FR"/>
+              <a:t>Ajout de données</a:t>
+            </a:r>
+          </a:p>
+          <a:p>
+            <a:pPr marL="0" indent="0">
+              <a:buNone/>
+            </a:pPr>
+            <a:r>
+              <a:rPr lang="fr-FR"/>
+              <a:t>minimales dans</a:t>
+            </a:r>
+          </a:p>
+          <a:p>
+            <a:pPr marL="0" indent="0">
+              <a:buNone/>
+            </a:pPr>
+            <a:r>
+              <a:rPr lang="fr-FR"/>
+              <a:t>le paquet </a:t>
+            </a:r>
+            <a:endParaRPr lang="fr-FR"/>
+          </a:p>
+          <a:p>
+            <a:r>
+              <a:rPr lang="fr-FR"/>
+              <a:t>Tous les nœuds </a:t>
+            </a:r>
+          </a:p>
+          <a:p>
+            <a:pPr marL="0" indent="0">
+              <a:buNone/>
+            </a:pPr>
+            <a:r>
+              <a:rPr lang="fr-FR"/>
+              <a:t>couverts</a:t>
+            </a:r>
+          </a:p>
+        </p:txBody>
+      </p:sp>
+    </p:spTree>
+    <p:extLst>
+      <p:ext uri="{BB962C8B-B14F-4D97-AF65-F5344CB8AC3E}">
+        <p14:creationId xmlns:p14="http://schemas.microsoft.com/office/powerpoint/2010/main" val="2538464057"/>
+      </p:ext>
+    </p:extLst>
+  </p:cSld>
+  <p:clrMapOvr>
+    <a:masterClrMapping/>
+  </p:clrMapOvr>
+  <mc:AlternateContent xmlns:mc="http://schemas.openxmlformats.org/markup-compatibility/2006">
+    <mc:Choice xmlns:p14="http://schemas.microsoft.com/office/powerpoint/2010/main" Requires="p14">
+      <p:transition p14:dur="0"/>
+    </mc:Choice>
+    <mc:Fallback>
+      <p:transition xmlns:p14="http://schemas.microsoft.com/office/powerpoint/2010/main"/>
+    </mc:Fallback>
+  </mc:AlternateContent>
   <p:timing>
     <p:tnLst>
       <p:par>
@@ -12227,20 +14338,323 @@
                                 </p:cTn>
                               </p:par>
                               <p:par>
-                                <p:cTn id="40" presetID="1" presetClass="entr" presetSubtype="0" fill="hold" grpId="0" nodeType="withEffect">
+                                <p:cTn id="40" presetID="7" presetClass="emph" presetSubtype="2" fill="hold" nodeType="withEffect">
                                   <p:stCondLst>
-                                    <p:cond delay="1000"/>
+                                    <p:cond delay="0"/>
+                                  </p:stCondLst>
+                                  <p:childTnLst>
+                                    <p:animClr clrSpc="rgb" dir="cw">
+                                      <p:cBhvr>
+                                        <p:cTn id="41" dur="500" fill="hold"/>
+                                        <p:tgtEl>
+                                          <p:spTgt spid="15"/>
+                                        </p:tgtEl>
+                                        <p:attrNameLst>
+                                          <p:attrName>stroke.color</p:attrName>
+                                        </p:attrNameLst>
+                                      </p:cBhvr>
+                                      <p:to>
+                                        <a:schemeClr val="accent1"/>
+                                      </p:to>
+                                    </p:animClr>
+                                    <p:set>
+                                      <p:cBhvr>
+                                        <p:cTn id="42" dur="500" fill="hold"/>
+                                        <p:tgtEl>
+                                          <p:spTgt spid="15"/>
+                                        </p:tgtEl>
+                                        <p:attrNameLst>
+                                          <p:attrName>stroke.on</p:attrName>
+                                        </p:attrNameLst>
+                                      </p:cBhvr>
+                                      <p:to>
+                                        <p:strVal val="true"/>
+                                      </p:to>
+                                    </p:set>
+                                  </p:childTnLst>
+                                </p:cTn>
+                              </p:par>
+                              <p:par>
+                                <p:cTn id="43" presetID="7" presetClass="emph" presetSubtype="2" fill="hold" nodeType="withEffect">
+                                  <p:stCondLst>
+                                    <p:cond delay="0"/>
+                                  </p:stCondLst>
+                                  <p:childTnLst>
+                                    <p:animClr clrSpc="rgb" dir="cw">
+                                      <p:cBhvr>
+                                        <p:cTn id="44" dur="500" fill="hold"/>
+                                        <p:tgtEl>
+                                          <p:spTgt spid="19"/>
+                                        </p:tgtEl>
+                                        <p:attrNameLst>
+                                          <p:attrName>stroke.color</p:attrName>
+                                        </p:attrNameLst>
+                                      </p:cBhvr>
+                                      <p:to>
+                                        <a:schemeClr val="accent1"/>
+                                      </p:to>
+                                    </p:animClr>
+                                    <p:set>
+                                      <p:cBhvr>
+                                        <p:cTn id="45" dur="500" fill="hold"/>
+                                        <p:tgtEl>
+                                          <p:spTgt spid="19"/>
+                                        </p:tgtEl>
+                                        <p:attrNameLst>
+                                          <p:attrName>stroke.on</p:attrName>
+                                        </p:attrNameLst>
+                                      </p:cBhvr>
+                                      <p:to>
+                                        <p:strVal val="true"/>
+                                      </p:to>
+                                    </p:set>
+                                  </p:childTnLst>
+                                </p:cTn>
+                              </p:par>
+                              <p:par>
+                                <p:cTn id="46" presetID="7" presetClass="emph" presetSubtype="2" fill="hold" nodeType="withEffect">
+                                  <p:stCondLst>
+                                    <p:cond delay="0"/>
+                                  </p:stCondLst>
+                                  <p:childTnLst>
+                                    <p:animClr clrSpc="rgb" dir="cw">
+                                      <p:cBhvr>
+                                        <p:cTn id="47" dur="500" fill="hold"/>
+                                        <p:tgtEl>
+                                          <p:spTgt spid="21"/>
+                                        </p:tgtEl>
+                                        <p:attrNameLst>
+                                          <p:attrName>stroke.color</p:attrName>
+                                        </p:attrNameLst>
+                                      </p:cBhvr>
+                                      <p:to>
+                                        <a:schemeClr val="accent1"/>
+                                      </p:to>
+                                    </p:animClr>
+                                    <p:set>
+                                      <p:cBhvr>
+                                        <p:cTn id="48" dur="500" fill="hold"/>
+                                        <p:tgtEl>
+                                          <p:spTgt spid="21"/>
+                                        </p:tgtEl>
+                                        <p:attrNameLst>
+                                          <p:attrName>stroke.on</p:attrName>
+                                        </p:attrNameLst>
+                                      </p:cBhvr>
+                                      <p:to>
+                                        <p:strVal val="true"/>
+                                      </p:to>
+                                    </p:set>
+                                  </p:childTnLst>
+                                </p:cTn>
+                              </p:par>
+                            </p:childTnLst>
+                          </p:cTn>
+                        </p:par>
+                      </p:childTnLst>
+                    </p:cTn>
+                  </p:par>
+                  <p:par>
+                    <p:cTn id="49" fill="hold">
+                      <p:stCondLst>
+                        <p:cond delay="indefinite"/>
+                      </p:stCondLst>
+                      <p:childTnLst>
+                        <p:par>
+                          <p:cTn id="50" fill="hold">
+                            <p:stCondLst>
+                              <p:cond delay="0"/>
+                            </p:stCondLst>
+                            <p:childTnLst>
+                              <p:par>
+                                <p:cTn id="51" presetID="7" presetClass="emph" presetSubtype="2" fill="hold" nodeType="clickEffect">
+                                  <p:stCondLst>
+                                    <p:cond delay="0"/>
+                                  </p:stCondLst>
+                                  <p:childTnLst>
+                                    <p:animClr clrSpc="rgb" dir="cw">
+                                      <p:cBhvr>
+                                        <p:cTn id="52" dur="500" fill="hold"/>
+                                        <p:tgtEl>
+                                          <p:spTgt spid="23"/>
+                                        </p:tgtEl>
+                                        <p:attrNameLst>
+                                          <p:attrName>stroke.color</p:attrName>
+                                        </p:attrNameLst>
+                                      </p:cBhvr>
+                                      <p:to>
+                                        <a:schemeClr val="tx2"/>
+                                      </p:to>
+                                    </p:animClr>
+                                    <p:set>
+                                      <p:cBhvr>
+                                        <p:cTn id="53" dur="500" fill="hold"/>
+                                        <p:tgtEl>
+                                          <p:spTgt spid="23"/>
+                                        </p:tgtEl>
+                                        <p:attrNameLst>
+                                          <p:attrName>stroke.on</p:attrName>
+                                        </p:attrNameLst>
+                                      </p:cBhvr>
+                                      <p:to>
+                                        <p:strVal val="true"/>
+                                      </p:to>
+                                    </p:set>
+                                  </p:childTnLst>
+                                </p:cTn>
+                              </p:par>
+                            </p:childTnLst>
+                          </p:cTn>
+                        </p:par>
+                      </p:childTnLst>
+                    </p:cTn>
+                  </p:par>
+                  <p:par>
+                    <p:cTn id="54" fill="hold">
+                      <p:stCondLst>
+                        <p:cond delay="indefinite"/>
+                      </p:stCondLst>
+                      <p:childTnLst>
+                        <p:par>
+                          <p:cTn id="55" fill="hold">
+                            <p:stCondLst>
+                              <p:cond delay="0"/>
+                            </p:stCondLst>
+                            <p:childTnLst>
+                              <p:par>
+                                <p:cTn id="56" presetID="1" presetClass="entr" presetSubtype="0" fill="hold" grpId="0" nodeType="clickEffect">
+                                  <p:stCondLst>
+                                    <p:cond delay="0"/>
                                   </p:stCondLst>
                                   <p:childTnLst>
                                     <p:set>
                                       <p:cBhvr>
-                                        <p:cTn id="41" dur="1" fill="hold">
+                                        <p:cTn id="57" dur="1" fill="hold">
                                           <p:stCondLst>
                                             <p:cond delay="0"/>
                                           </p:stCondLst>
                                         </p:cTn>
                                         <p:tgtEl>
                                           <p:spTgt spid="87"/>
+                                        </p:tgtEl>
+                                        <p:attrNameLst>
+                                          <p:attrName>style.visibility</p:attrName>
+                                        </p:attrNameLst>
+                                      </p:cBhvr>
+                                      <p:to>
+                                        <p:strVal val="visible"/>
+                                      </p:to>
+                                    </p:set>
+                                  </p:childTnLst>
+                                </p:cTn>
+                              </p:par>
+                              <p:par>
+                                <p:cTn id="58" presetID="7" presetClass="emph" presetSubtype="2" fill="hold" nodeType="withEffect">
+                                  <p:stCondLst>
+                                    <p:cond delay="0"/>
+                                  </p:stCondLst>
+                                  <p:childTnLst>
+                                    <p:animClr clrSpc="rgb" dir="cw">
+                                      <p:cBhvr>
+                                        <p:cTn id="59" dur="500" fill="hold"/>
+                                        <p:tgtEl>
+                                          <p:spTgt spid="32"/>
+                                        </p:tgtEl>
+                                        <p:attrNameLst>
+                                          <p:attrName>stroke.color</p:attrName>
+                                        </p:attrNameLst>
+                                      </p:cBhvr>
+                                      <p:to>
+                                        <a:schemeClr val="accent1"/>
+                                      </p:to>
+                                    </p:animClr>
+                                    <p:set>
+                                      <p:cBhvr>
+                                        <p:cTn id="60" dur="500" fill="hold"/>
+                                        <p:tgtEl>
+                                          <p:spTgt spid="32"/>
+                                        </p:tgtEl>
+                                        <p:attrNameLst>
+                                          <p:attrName>stroke.on</p:attrName>
+                                        </p:attrNameLst>
+                                      </p:cBhvr>
+                                      <p:to>
+                                        <p:strVal val="true"/>
+                                      </p:to>
+                                    </p:set>
+                                  </p:childTnLst>
+                                </p:cTn>
+                              </p:par>
+                              <p:par>
+                                <p:cTn id="61" presetID="7" presetClass="emph" presetSubtype="2" fill="hold" nodeType="withEffect">
+                                  <p:stCondLst>
+                                    <p:cond delay="0"/>
+                                  </p:stCondLst>
+                                  <p:childTnLst>
+                                    <p:animClr clrSpc="rgb" dir="cw">
+                                      <p:cBhvr>
+                                        <p:cTn id="62" dur="500" fill="hold"/>
+                                        <p:tgtEl>
+                                          <p:spTgt spid="34"/>
+                                        </p:tgtEl>
+                                        <p:attrNameLst>
+                                          <p:attrName>stroke.color</p:attrName>
+                                        </p:attrNameLst>
+                                      </p:cBhvr>
+                                      <p:to>
+                                        <a:schemeClr val="accent1"/>
+                                      </p:to>
+                                    </p:animClr>
+                                    <p:set>
+                                      <p:cBhvr>
+                                        <p:cTn id="63" dur="500" fill="hold"/>
+                                        <p:tgtEl>
+                                          <p:spTgt spid="34"/>
+                                        </p:tgtEl>
+                                        <p:attrNameLst>
+                                          <p:attrName>stroke.on</p:attrName>
+                                        </p:attrNameLst>
+                                      </p:cBhvr>
+                                      <p:to>
+                                        <p:strVal val="true"/>
+                                      </p:to>
+                                    </p:set>
+                                  </p:childTnLst>
+                                </p:cTn>
+                              </p:par>
+                            </p:childTnLst>
+                          </p:cTn>
+                        </p:par>
+                      </p:childTnLst>
+                    </p:cTn>
+                  </p:par>
+                  <p:par>
+                    <p:cTn id="64" fill="hold">
+                      <p:stCondLst>
+                        <p:cond delay="indefinite"/>
+                      </p:stCondLst>
+                      <p:childTnLst>
+                        <p:par>
+                          <p:cTn id="65" fill="hold">
+                            <p:stCondLst>
+                              <p:cond delay="0"/>
+                            </p:stCondLst>
+                            <p:childTnLst>
+                              <p:par>
+                                <p:cTn id="66" presetID="1" presetClass="entr" presetSubtype="0" fill="hold" grpId="0" nodeType="clickEffect">
+                                  <p:stCondLst>
+                                    <p:cond delay="0"/>
+                                  </p:stCondLst>
+                                  <p:childTnLst>
+                                    <p:set>
+                                      <p:cBhvr>
+                                        <p:cTn id="67" dur="1" fill="hold">
+                                          <p:stCondLst>
+                                            <p:cond delay="0"/>
+                                          </p:stCondLst>
+                                        </p:cTn>
+                                        <p:tgtEl>
+                                          <p:spTgt spid="25"/>
                                         </p:tgtEl>
                                         <p:attrNameLst>
                                           <p:attrName>style.visibility</p:attrName>
@@ -12283,6 +14697,7 @@
     <p:bldLst>
       <p:bldP spid="45" grpId="0" animBg="1"/>
       <p:bldP spid="87" grpId="0" animBg="1"/>
+      <p:bldP spid="25" grpId="0" animBg="1"/>
     </p:bldLst>
   </p:timing>
 </p:sld>
@@ -12676,9 +15091,6 @@
                     <p:cTn id="3" fill="hold">
                       <p:stCondLst>
                         <p:cond delay="indefinite"/>
-                        <p:cond evt="onBegin" delay="0">
-                          <p:tn val="2"/>
-                        </p:cond>
                       </p:stCondLst>
                       <p:childTnLst>
                         <p:par>
@@ -12688,9 +15100,9 @@
                             </p:stCondLst>
                             <p:childTnLst>
                               <p:par>
-                                <p:cTn id="5" presetID="1" presetClass="entr" presetSubtype="0" fill="hold" grpId="0" nodeType="withEffect">
+                                <p:cTn id="5" presetID="1" presetClass="entr" presetSubtype="0" fill="hold" grpId="0" nodeType="clickEffect">
                                   <p:stCondLst>
-                                    <p:cond delay="500"/>
+                                    <p:cond delay="0"/>
                                   </p:stCondLst>
                                   <p:childTnLst>
                                     <p:set>
@@ -12718,41 +15130,28 @@
                                   </p:childTnLst>
                                 </p:cTn>
                               </p:par>
+                            </p:childTnLst>
+                          </p:cTn>
+                        </p:par>
+                      </p:childTnLst>
+                    </p:cTn>
+                  </p:par>
+                  <p:par>
+                    <p:cTn id="7" fill="hold">
+                      <p:stCondLst>
+                        <p:cond delay="indefinite"/>
+                      </p:stCondLst>
+                      <p:childTnLst>
+                        <p:par>
+                          <p:cTn id="8" fill="hold">
+                            <p:stCondLst>
+                              <p:cond delay="0"/>
+                            </p:stCondLst>
+                            <p:childTnLst>
                               <p:par>
-                                <p:cTn id="7" presetID="1" presetClass="entr" presetSubtype="0" fill="hold" grpId="0" nodeType="withEffect">
+                                <p:cTn id="9" presetID="1" presetClass="entr" presetSubtype="0" fill="hold" grpId="0" nodeType="clickEffect">
                                   <p:stCondLst>
-                                    <p:cond delay="3500"/>
-                                  </p:stCondLst>
-                                  <p:childTnLst>
-                                    <p:set>
-                                      <p:cBhvr>
-                                        <p:cTn id="8" dur="1" fill="hold">
-                                          <p:stCondLst>
-                                            <p:cond delay="0"/>
-                                          </p:stCondLst>
-                                        </p:cTn>
-                                        <p:tgtEl>
-                                          <p:spTgt spid="6">
-                                            <p:txEl>
-                                              <p:pRg st="1" end="1"/>
-                                            </p:txEl>
-                                          </p:spTgt>
-                                        </p:tgtEl>
-                                        <p:attrNameLst>
-                                          <p:attrName>style.visibility</p:attrName>
-                                        </p:attrNameLst>
-                                      </p:cBhvr>
-                                      <p:to>
-                                        <p:strVal val="visible"/>
-                                      </p:to>
-                                    </p:set>
-                                  </p:childTnLst>
-                                </p:cTn>
-                              </p:par>
-                              <p:par>
-                                <p:cTn id="9" presetID="1" presetClass="entr" presetSubtype="0" fill="hold" grpId="0" nodeType="withEffect">
-                                  <p:stCondLst>
-                                    <p:cond delay="1000"/>
+                                    <p:cond delay="0"/>
                                   </p:stCondLst>
                                   <p:iterate type="wd">
                                     <p:tmAbs val="500"/>
@@ -12783,15 +15182,82 @@
                                   </p:childTnLst>
                                 </p:cTn>
                               </p:par>
+                            </p:childTnLst>
+                          </p:cTn>
+                        </p:par>
+                      </p:childTnLst>
+                    </p:cTn>
+                  </p:par>
+                  <p:par>
+                    <p:cTn id="11" fill="hold">
+                      <p:stCondLst>
+                        <p:cond delay="indefinite"/>
+                      </p:stCondLst>
+                      <p:childTnLst>
+                        <p:par>
+                          <p:cTn id="12" fill="hold">
+                            <p:stCondLst>
+                              <p:cond delay="0"/>
+                            </p:stCondLst>
+                            <p:childTnLst>
                               <p:par>
-                                <p:cTn id="11" presetID="1" presetClass="entr" presetSubtype="0" fill="hold" grpId="0" nodeType="withEffect">
+                                <p:cTn id="13" presetID="1" presetClass="entr" presetSubtype="0" fill="hold" grpId="0" nodeType="clickEffect">
                                   <p:stCondLst>
-                                    <p:cond delay="4000"/>
+                                    <p:cond delay="0"/>
                                   </p:stCondLst>
                                   <p:childTnLst>
                                     <p:set>
                                       <p:cBhvr>
-                                        <p:cTn id="12" dur="1" fill="hold">
+                                        <p:cTn id="14" dur="1" fill="hold">
+                                          <p:stCondLst>
+                                            <p:cond delay="0"/>
+                                          </p:stCondLst>
+                                        </p:cTn>
+                                        <p:tgtEl>
+                                          <p:spTgt spid="6">
+                                            <p:txEl>
+                                              <p:pRg st="1" end="1"/>
+                                            </p:txEl>
+                                          </p:spTgt>
+                                        </p:tgtEl>
+                                        <p:attrNameLst>
+                                          <p:attrName>style.visibility</p:attrName>
+                                        </p:attrNameLst>
+                                      </p:cBhvr>
+                                      <p:to>
+                                        <p:strVal val="visible"/>
+                                      </p:to>
+                                    </p:set>
+                                  </p:childTnLst>
+                                </p:cTn>
+                              </p:par>
+                            </p:childTnLst>
+                          </p:cTn>
+                        </p:par>
+                      </p:childTnLst>
+                    </p:cTn>
+                  </p:par>
+                  <p:par>
+                    <p:cTn id="15" fill="hold">
+                      <p:stCondLst>
+                        <p:cond delay="indefinite"/>
+                      </p:stCondLst>
+                      <p:childTnLst>
+                        <p:par>
+                          <p:cTn id="16" fill="hold">
+                            <p:stCondLst>
+                              <p:cond delay="0"/>
+                            </p:stCondLst>
+                            <p:childTnLst>
+                              <p:par>
+                                <p:cTn id="17" presetID="1" presetClass="entr" presetSubtype="0" fill="hold" grpId="0" nodeType="clickEffect">
+                                  <p:stCondLst>
+                                    <p:cond delay="0"/>
+                                  </p:stCondLst>
+                                  <p:childTnLst>
+                                    <p:set>
+                                      <p:cBhvr>
+                                        <p:cTn id="18" dur="1" fill="hold">
                                           <p:stCondLst>
                                             <p:cond delay="0"/>
                                           </p:stCondLst>
@@ -12814,15 +15280,33 @@
                                   </p:childTnLst>
                                 </p:cTn>
                               </p:par>
+                            </p:childTnLst>
+                          </p:cTn>
+                        </p:par>
+                      </p:childTnLst>
+                    </p:cTn>
+                  </p:par>
+                  <p:par>
+                    <p:cTn id="19" fill="hold">
+                      <p:stCondLst>
+                        <p:cond delay="indefinite"/>
+                      </p:stCondLst>
+                      <p:childTnLst>
+                        <p:par>
+                          <p:cTn id="20" fill="hold">
+                            <p:stCondLst>
+                              <p:cond delay="0"/>
+                            </p:stCondLst>
+                            <p:childTnLst>
                               <p:par>
-                                <p:cTn id="13" presetID="1" presetClass="entr" presetSubtype="0" fill="hold" grpId="0" nodeType="withEffect">
+                                <p:cTn id="21" presetID="1" presetClass="entr" presetSubtype="0" fill="hold" grpId="0" nodeType="clickEffect">
                                   <p:stCondLst>
-                                    <p:cond delay="5000"/>
+                                    <p:cond delay="0"/>
                                   </p:stCondLst>
                                   <p:childTnLst>
                                     <p:set>
                                       <p:cBhvr>
-                                        <p:cTn id="14" dur="1" fill="hold">
+                                        <p:cTn id="22" dur="1" fill="hold">
                                           <p:stCondLst>
                                             <p:cond delay="0"/>
                                           </p:stCondLst>
@@ -12842,14 +15326,14 @@
                                 </p:cTn>
                               </p:par>
                               <p:par>
-                                <p:cTn id="15" presetID="1" presetClass="entr" presetSubtype="0" fill="hold" grpId="0" nodeType="withEffect">
+                                <p:cTn id="23" presetID="1" presetClass="entr" presetSubtype="0" fill="hold" grpId="0" nodeType="withEffect">
                                   <p:stCondLst>
-                                    <p:cond delay="5000"/>
+                                    <p:cond delay="0"/>
                                   </p:stCondLst>
                                   <p:childTnLst>
                                     <p:set>
                                       <p:cBhvr>
-                                        <p:cTn id="16" dur="1" fill="hold">
+                                        <p:cTn id="24" dur="1" fill="hold">
                                           <p:stCondLst>
                                             <p:cond delay="0"/>
                                           </p:stCondLst>
@@ -12868,15 +15352,33 @@
                                   </p:childTnLst>
                                 </p:cTn>
                               </p:par>
+                            </p:childTnLst>
+                          </p:cTn>
+                        </p:par>
+                      </p:childTnLst>
+                    </p:cTn>
+                  </p:par>
+                  <p:par>
+                    <p:cTn id="25" fill="hold">
+                      <p:stCondLst>
+                        <p:cond delay="indefinite"/>
+                      </p:stCondLst>
+                      <p:childTnLst>
+                        <p:par>
+                          <p:cTn id="26" fill="hold">
+                            <p:stCondLst>
+                              <p:cond delay="0"/>
+                            </p:stCondLst>
+                            <p:childTnLst>
                               <p:par>
-                                <p:cTn id="17" presetID="1" presetClass="entr" presetSubtype="0" fill="hold" grpId="0" nodeType="withEffect">
+                                <p:cTn id="27" presetID="1" presetClass="entr" presetSubtype="0" fill="hold" grpId="0" nodeType="clickEffect">
                                   <p:stCondLst>
-                                    <p:cond delay="6000"/>
+                                    <p:cond delay="0"/>
                                   </p:stCondLst>
                                   <p:childTnLst>
                                     <p:set>
                                       <p:cBhvr>
-                                        <p:cTn id="18" dur="1" fill="hold">
+                                        <p:cTn id="28" dur="1" fill="hold">
                                           <p:stCondLst>
                                             <p:cond delay="0"/>
                                           </p:stCondLst>
@@ -12896,14 +15398,14 @@
                                 </p:cTn>
                               </p:par>
                               <p:par>
-                                <p:cTn id="19" presetID="1" presetClass="entr" presetSubtype="0" fill="hold" grpId="0" nodeType="withEffect">
+                                <p:cTn id="29" presetID="1" presetClass="entr" presetSubtype="0" fill="hold" grpId="0" nodeType="withEffect">
                                   <p:stCondLst>
-                                    <p:cond delay="6000"/>
+                                    <p:cond delay="0"/>
                                   </p:stCondLst>
                                   <p:childTnLst>
                                     <p:set>
                                       <p:cBhvr>
-                                        <p:cTn id="20" dur="1" fill="hold">
+                                        <p:cTn id="30" dur="1" fill="hold">
                                           <p:stCondLst>
                                             <p:cond delay="0"/>
                                           </p:stCondLst>
@@ -12953,10 +15455,4703 @@
       <p:bldP spid="2" grpId="0"/>
       <p:bldP spid="4" grpId="0"/>
       <p:bldP spid="5" grpId="0"/>
-      <p:bldP spid="6" grpId="0" build="p"/>
+      <p:bldP spid="6" grpId="0" uiExpand="1" build="p"/>
       <p:bldP spid="7" grpId="0"/>
-      <p:bldP spid="9" grpId="0" build="p"/>
+      <p:bldP spid="9" grpId="0" uiExpand="1" build="p"/>
     </p:bldLst>
+  </p:timing>
+</p:sld>
+</file>
+
+<file path=ppt/slides/slide20.xml><?xml version="1.0" encoding="utf-8"?>
+<p:sld xmlns:a="http://schemas.openxmlformats.org/drawingml/2006/main" xmlns:r="http://schemas.openxmlformats.org/officeDocument/2006/relationships" xmlns:p="http://schemas.openxmlformats.org/presentationml/2006/main">
+  <p:cSld>
+    <p:spTree>
+      <p:nvGrpSpPr>
+        <p:cNvPr id="1" name=""/>
+        <p:cNvGrpSpPr/>
+        <p:nvPr/>
+      </p:nvGrpSpPr>
+      <p:grpSpPr>
+        <a:xfrm>
+          <a:off x="0" y="0"/>
+          <a:ext cx="0" cy="0"/>
+          <a:chOff x="0" y="0"/>
+          <a:chExt cx="0" cy="0"/>
+        </a:xfrm>
+      </p:grpSpPr>
+      <p:sp>
+        <p:nvSpPr>
+          <p:cNvPr id="5" name="Espace réservé du texte 4"/>
+          <p:cNvSpPr>
+            <a:spLocks noGrp="1"/>
+          </p:cNvSpPr>
+          <p:nvPr>
+            <p:ph type="body" sz="quarter" idx="13"/>
+          </p:nvPr>
+        </p:nvSpPr>
+        <p:spPr/>
+        <p:txBody>
+          <a:bodyPr/>
+          <a:lstStyle/>
+          <a:p>
+            <a:r>
+              <a:rPr lang="fr-FR"/>
+              <a:t>état de l’art</a:t>
+            </a:r>
+          </a:p>
+        </p:txBody>
+      </p:sp>
+      <p:sp>
+        <p:nvSpPr>
+          <p:cNvPr id="2" name="Titre 1"/>
+          <p:cNvSpPr>
+            <a:spLocks noGrp="1"/>
+          </p:cNvSpPr>
+          <p:nvPr>
+            <p:ph type="title"/>
+          </p:nvPr>
+        </p:nvSpPr>
+        <p:spPr/>
+        <p:txBody>
+          <a:bodyPr/>
+          <a:lstStyle/>
+          <a:p>
+            <a:r>
+              <a:rPr lang="fr-FR"/>
+              <a:t>Dynamic Localised BIP</a:t>
+            </a:r>
+          </a:p>
+        </p:txBody>
+      </p:sp>
+      <p:sp>
+        <p:nvSpPr>
+          <p:cNvPr id="4" name="Espace réservé du numéro de diapositive 3"/>
+          <p:cNvSpPr>
+            <a:spLocks noGrp="1"/>
+          </p:cNvSpPr>
+          <p:nvPr>
+            <p:ph type="sldNum" sz="quarter" idx="12"/>
+          </p:nvPr>
+        </p:nvSpPr>
+        <p:spPr/>
+        <p:txBody>
+          <a:bodyPr/>
+          <a:lstStyle/>
+          <a:p>
+            <a:fld id="{632DADDA-56E0-0F4D-8444-EEC8234C8BEB}" type="slidenum">
+              <a:rPr lang="fr-FR"/>
+              <a:t>20</a:t>
+            </a:fld>
+            <a:endParaRPr lang="fr-FR"/>
+          </a:p>
+        </p:txBody>
+      </p:sp>
+      <p:sp>
+        <p:nvSpPr>
+          <p:cNvPr id="24" name="Espace réservé du contenu 6"/>
+          <p:cNvSpPr>
+            <a:spLocks noGrp="1"/>
+          </p:cNvSpPr>
+          <p:nvPr>
+            <p:ph idx="1"/>
+          </p:nvPr>
+        </p:nvSpPr>
+        <p:spPr>
+          <a:xfrm>
+            <a:off x="457200" y="1600201"/>
+            <a:ext cx="8229600" cy="4525963"/>
+          </a:xfrm>
+        </p:spPr>
+        <p:txBody>
+          <a:bodyPr>
+            <a:normAutofit/>
+          </a:bodyPr>
+          <a:lstStyle/>
+          <a:p>
+            <a:r>
+              <a:rPr lang="fr-FR"/>
+              <a:t>Similaire à LBIP</a:t>
+            </a:r>
+          </a:p>
+          <a:p>
+            <a:endParaRPr lang="fr-FR"/>
+          </a:p>
+          <a:p>
+            <a:r>
+              <a:rPr lang="fr-FR"/>
+              <a:t>Poids des arcs divisé par l’énergie restante</a:t>
+            </a:r>
+          </a:p>
+          <a:p>
+            <a:pPr marL="0" indent="0">
+              <a:buNone/>
+            </a:pPr>
+            <a:endParaRPr lang="fr-FR"/>
+          </a:p>
+          <a:p>
+            <a:r>
+              <a:rPr lang="fr-FR"/>
+              <a:t>Tous les nœuds </a:t>
+            </a:r>
+          </a:p>
+          <a:p>
+            <a:pPr marL="0" indent="0">
+              <a:buNone/>
+            </a:pPr>
+            <a:r>
+              <a:rPr lang="fr-FR"/>
+              <a:t>couverts</a:t>
+            </a:r>
+          </a:p>
+        </p:txBody>
+      </p:sp>
+    </p:spTree>
+    <p:extLst>
+      <p:ext uri="{BB962C8B-B14F-4D97-AF65-F5344CB8AC3E}">
+        <p14:creationId xmlns:p14="http://schemas.microsoft.com/office/powerpoint/2010/main" val="22849176"/>
+      </p:ext>
+    </p:extLst>
+  </p:cSld>
+  <p:clrMapOvr>
+    <a:masterClrMapping/>
+  </p:clrMapOvr>
+  <mc:AlternateContent xmlns:mc="http://schemas.openxmlformats.org/markup-compatibility/2006">
+    <mc:Choice xmlns:p14="http://schemas.microsoft.com/office/powerpoint/2010/main" Requires="p14">
+      <p:transition p14:dur="0"/>
+    </mc:Choice>
+    <mc:Fallback>
+      <p:transition xmlns:p14="http://schemas.microsoft.com/office/powerpoint/2010/main"/>
+    </mc:Fallback>
+  </mc:AlternateContent>
+  <p:timing>
+    <p:tnLst>
+      <p:par>
+        <p:cTn xmlns:p14="http://schemas.microsoft.com/office/powerpoint/2010/main" id="1" dur="indefinite" restart="never" nodeType="tmRoot"/>
+      </p:par>
+    </p:tnLst>
+  </p:timing>
+</p:sld>
+</file>
+
+<file path=ppt/slides/slide21.xml><?xml version="1.0" encoding="utf-8"?>
+<p:sld xmlns:a="http://schemas.openxmlformats.org/drawingml/2006/main" xmlns:r="http://schemas.openxmlformats.org/officeDocument/2006/relationships" xmlns:p="http://schemas.openxmlformats.org/presentationml/2006/main">
+  <p:cSld>
+    <p:spTree>
+      <p:nvGrpSpPr>
+        <p:cNvPr id="1" name=""/>
+        <p:cNvGrpSpPr/>
+        <p:nvPr/>
+      </p:nvGrpSpPr>
+      <p:grpSpPr>
+        <a:xfrm>
+          <a:off x="0" y="0"/>
+          <a:ext cx="0" cy="0"/>
+          <a:chOff x="0" y="0"/>
+          <a:chExt cx="0" cy="0"/>
+        </a:xfrm>
+      </p:grpSpPr>
+      <p:sp>
+        <p:nvSpPr>
+          <p:cNvPr id="2" name="Titre 1"/>
+          <p:cNvSpPr>
+            <a:spLocks noGrp="1"/>
+          </p:cNvSpPr>
+          <p:nvPr>
+            <p:ph type="title"/>
+          </p:nvPr>
+        </p:nvSpPr>
+        <p:spPr/>
+        <p:txBody>
+          <a:bodyPr/>
+          <a:lstStyle/>
+          <a:p>
+            <a:r>
+              <a:rPr lang="fr-FR"/>
+              <a:t>LBOP</a:t>
+            </a:r>
+          </a:p>
+        </p:txBody>
+      </p:sp>
+      <p:sp>
+        <p:nvSpPr>
+          <p:cNvPr id="3" name="Espace réservé du contenu 2"/>
+          <p:cNvSpPr>
+            <a:spLocks noGrp="1"/>
+          </p:cNvSpPr>
+          <p:nvPr>
+            <p:ph idx="1"/>
+          </p:nvPr>
+        </p:nvSpPr>
+        <p:spPr/>
+        <p:txBody>
+          <a:bodyPr/>
+          <a:lstStyle/>
+          <a:p>
+            <a:endParaRPr lang="fr-FR"/>
+          </a:p>
+        </p:txBody>
+      </p:sp>
+      <p:sp>
+        <p:nvSpPr>
+          <p:cNvPr id="4" name="Espace réservé du numéro de diapositive 3"/>
+          <p:cNvSpPr>
+            <a:spLocks noGrp="1"/>
+          </p:cNvSpPr>
+          <p:nvPr>
+            <p:ph type="sldNum" sz="quarter" idx="12"/>
+          </p:nvPr>
+        </p:nvSpPr>
+        <p:spPr/>
+        <p:txBody>
+          <a:bodyPr/>
+          <a:lstStyle/>
+          <a:p>
+            <a:fld id="{632DADDA-56E0-0F4D-8444-EEC8234C8BEB}" type="slidenum">
+              <a:rPr lang="fr-FR"/>
+              <a:t>21</a:t>
+            </a:fld>
+            <a:endParaRPr lang="fr-FR"/>
+          </a:p>
+        </p:txBody>
+      </p:sp>
+      <p:sp>
+        <p:nvSpPr>
+          <p:cNvPr id="5" name="Espace réservé du texte 4"/>
+          <p:cNvSpPr>
+            <a:spLocks noGrp="1"/>
+          </p:cNvSpPr>
+          <p:nvPr>
+            <p:ph type="body" sz="quarter" idx="13"/>
+          </p:nvPr>
+        </p:nvSpPr>
+        <p:spPr/>
+        <p:txBody>
+          <a:bodyPr/>
+          <a:lstStyle/>
+          <a:p>
+            <a:r>
+              <a:rPr lang="fr-FR"/>
+              <a:t>état de l’art</a:t>
+            </a:r>
+          </a:p>
+        </p:txBody>
+      </p:sp>
+    </p:spTree>
+    <p:extLst>
+      <p:ext uri="{BB962C8B-B14F-4D97-AF65-F5344CB8AC3E}">
+        <p14:creationId xmlns:p14="http://schemas.microsoft.com/office/powerpoint/2010/main" val="2558503526"/>
+      </p:ext>
+    </p:extLst>
+  </p:cSld>
+  <p:clrMapOvr>
+    <a:masterClrMapping/>
+  </p:clrMapOvr>
+  <p:timing>
+    <p:tnLst>
+      <p:par>
+        <p:cTn xmlns:p14="http://schemas.microsoft.com/office/powerpoint/2010/main" id="1" dur="indefinite" restart="never" nodeType="tmRoot"/>
+      </p:par>
+    </p:tnLst>
+  </p:timing>
+</p:sld>
+</file>
+
+<file path=ppt/slides/slide22.xml><?xml version="1.0" encoding="utf-8"?>
+<p:sld xmlns:a="http://schemas.openxmlformats.org/drawingml/2006/main" xmlns:r="http://schemas.openxmlformats.org/officeDocument/2006/relationships" xmlns:p="http://schemas.openxmlformats.org/presentationml/2006/main">
+  <p:cSld>
+    <p:spTree>
+      <p:nvGrpSpPr>
+        <p:cNvPr id="1" name=""/>
+        <p:cNvGrpSpPr/>
+        <p:nvPr/>
+      </p:nvGrpSpPr>
+      <p:grpSpPr>
+        <a:xfrm>
+          <a:off x="0" y="0"/>
+          <a:ext cx="0" cy="0"/>
+          <a:chOff x="0" y="0"/>
+          <a:chExt cx="0" cy="0"/>
+        </a:xfrm>
+      </p:grpSpPr>
+      <p:sp>
+        <p:nvSpPr>
+          <p:cNvPr id="2" name="Titre 1"/>
+          <p:cNvSpPr>
+            <a:spLocks noGrp="1"/>
+          </p:cNvSpPr>
+          <p:nvPr>
+            <p:ph type="title"/>
+          </p:nvPr>
+        </p:nvSpPr>
+        <p:spPr/>
+        <p:txBody>
+          <a:bodyPr/>
+          <a:lstStyle/>
+          <a:p>
+            <a:r>
+              <a:rPr lang="fr-FR"/>
+              <a:t>RBOP</a:t>
+            </a:r>
+          </a:p>
+        </p:txBody>
+      </p:sp>
+      <p:sp>
+        <p:nvSpPr>
+          <p:cNvPr id="3" name="Espace réservé du contenu 2"/>
+          <p:cNvSpPr>
+            <a:spLocks noGrp="1"/>
+          </p:cNvSpPr>
+          <p:nvPr>
+            <p:ph idx="1"/>
+          </p:nvPr>
+        </p:nvSpPr>
+        <p:spPr/>
+        <p:txBody>
+          <a:bodyPr/>
+          <a:lstStyle/>
+          <a:p>
+            <a:endParaRPr lang="fr-FR"/>
+          </a:p>
+        </p:txBody>
+      </p:sp>
+      <p:sp>
+        <p:nvSpPr>
+          <p:cNvPr id="4" name="Espace réservé du numéro de diapositive 3"/>
+          <p:cNvSpPr>
+            <a:spLocks noGrp="1"/>
+          </p:cNvSpPr>
+          <p:nvPr>
+            <p:ph type="sldNum" sz="quarter" idx="12"/>
+          </p:nvPr>
+        </p:nvSpPr>
+        <p:spPr/>
+        <p:txBody>
+          <a:bodyPr/>
+          <a:lstStyle/>
+          <a:p>
+            <a:fld id="{632DADDA-56E0-0F4D-8444-EEC8234C8BEB}" type="slidenum">
+              <a:rPr lang="fr-FR"/>
+              <a:t>22</a:t>
+            </a:fld>
+            <a:endParaRPr lang="fr-FR"/>
+          </a:p>
+        </p:txBody>
+      </p:sp>
+      <p:sp>
+        <p:nvSpPr>
+          <p:cNvPr id="5" name="Espace réservé du texte 4"/>
+          <p:cNvSpPr>
+            <a:spLocks noGrp="1"/>
+          </p:cNvSpPr>
+          <p:nvPr>
+            <p:ph type="body" sz="quarter" idx="13"/>
+          </p:nvPr>
+        </p:nvSpPr>
+        <p:spPr/>
+        <p:txBody>
+          <a:bodyPr/>
+          <a:lstStyle/>
+          <a:p>
+            <a:r>
+              <a:rPr lang="fr-FR"/>
+              <a:t>état de l’art</a:t>
+            </a:r>
+          </a:p>
+        </p:txBody>
+      </p:sp>
+    </p:spTree>
+    <p:extLst>
+      <p:ext uri="{BB962C8B-B14F-4D97-AF65-F5344CB8AC3E}">
+        <p14:creationId xmlns:p14="http://schemas.microsoft.com/office/powerpoint/2010/main" val="2683106950"/>
+      </p:ext>
+    </p:extLst>
+  </p:cSld>
+  <p:clrMapOvr>
+    <a:masterClrMapping/>
+  </p:clrMapOvr>
+  <p:timing>
+    <p:tnLst>
+      <p:par>
+        <p:cTn xmlns:p14="http://schemas.microsoft.com/office/powerpoint/2010/main" id="1" dur="indefinite" restart="never" nodeType="tmRoot"/>
+      </p:par>
+    </p:tnLst>
+  </p:timing>
+</p:sld>
+</file>
+
+<file path=ppt/slides/slide23.xml><?xml version="1.0" encoding="utf-8"?>
+<p:sld xmlns:a="http://schemas.openxmlformats.org/drawingml/2006/main" xmlns:r="http://schemas.openxmlformats.org/officeDocument/2006/relationships" xmlns:p="http://schemas.openxmlformats.org/presentationml/2006/main">
+  <p:cSld>
+    <p:spTree>
+      <p:nvGrpSpPr>
+        <p:cNvPr id="1" name=""/>
+        <p:cNvGrpSpPr/>
+        <p:nvPr/>
+      </p:nvGrpSpPr>
+      <p:grpSpPr>
+        <a:xfrm>
+          <a:off x="0" y="0"/>
+          <a:ext cx="0" cy="0"/>
+          <a:chOff x="0" y="0"/>
+          <a:chExt cx="0" cy="0"/>
+        </a:xfrm>
+      </p:grpSpPr>
+      <p:sp>
+        <p:nvSpPr>
+          <p:cNvPr id="2" name="Titre 1"/>
+          <p:cNvSpPr>
+            <a:spLocks noGrp="1"/>
+          </p:cNvSpPr>
+          <p:nvPr>
+            <p:ph type="title"/>
+          </p:nvPr>
+        </p:nvSpPr>
+        <p:spPr/>
+        <p:txBody>
+          <a:bodyPr/>
+          <a:lstStyle/>
+          <a:p>
+            <a:r>
+              <a:rPr lang="fr-FR"/>
+              <a:t>TR-LBOP</a:t>
+            </a:r>
+          </a:p>
+        </p:txBody>
+      </p:sp>
+      <p:sp>
+        <p:nvSpPr>
+          <p:cNvPr id="3" name="Espace réservé du contenu 2"/>
+          <p:cNvSpPr>
+            <a:spLocks noGrp="1"/>
+          </p:cNvSpPr>
+          <p:nvPr>
+            <p:ph idx="1"/>
+          </p:nvPr>
+        </p:nvSpPr>
+        <p:spPr/>
+        <p:txBody>
+          <a:bodyPr/>
+          <a:lstStyle/>
+          <a:p>
+            <a:endParaRPr lang="fr-FR"/>
+          </a:p>
+        </p:txBody>
+      </p:sp>
+      <p:sp>
+        <p:nvSpPr>
+          <p:cNvPr id="4" name="Espace réservé du numéro de diapositive 3"/>
+          <p:cNvSpPr>
+            <a:spLocks noGrp="1"/>
+          </p:cNvSpPr>
+          <p:nvPr>
+            <p:ph type="sldNum" sz="quarter" idx="12"/>
+          </p:nvPr>
+        </p:nvSpPr>
+        <p:spPr/>
+        <p:txBody>
+          <a:bodyPr/>
+          <a:lstStyle/>
+          <a:p>
+            <a:fld id="{632DADDA-56E0-0F4D-8444-EEC8234C8BEB}" type="slidenum">
+              <a:rPr lang="fr-FR"/>
+              <a:t>23</a:t>
+            </a:fld>
+            <a:endParaRPr lang="fr-FR"/>
+          </a:p>
+        </p:txBody>
+      </p:sp>
+      <p:sp>
+        <p:nvSpPr>
+          <p:cNvPr id="5" name="Espace réservé du texte 4"/>
+          <p:cNvSpPr>
+            <a:spLocks noGrp="1"/>
+          </p:cNvSpPr>
+          <p:nvPr>
+            <p:ph type="body" sz="quarter" idx="13"/>
+          </p:nvPr>
+        </p:nvSpPr>
+        <p:spPr/>
+        <p:txBody>
+          <a:bodyPr/>
+          <a:lstStyle/>
+          <a:p>
+            <a:r>
+              <a:rPr lang="fr-FR"/>
+              <a:t>état de l’art</a:t>
+            </a:r>
+          </a:p>
+        </p:txBody>
+      </p:sp>
+    </p:spTree>
+    <p:extLst>
+      <p:ext uri="{BB962C8B-B14F-4D97-AF65-F5344CB8AC3E}">
+        <p14:creationId xmlns:p14="http://schemas.microsoft.com/office/powerpoint/2010/main" val="2683106950"/>
+      </p:ext>
+    </p:extLst>
+  </p:cSld>
+  <p:clrMapOvr>
+    <a:masterClrMapping/>
+  </p:clrMapOvr>
+  <p:timing>
+    <p:tnLst>
+      <p:par>
+        <p:cTn xmlns:p14="http://schemas.microsoft.com/office/powerpoint/2010/main" id="1" dur="indefinite" restart="never" nodeType="tmRoot"/>
+      </p:par>
+    </p:tnLst>
+  </p:timing>
+</p:sld>
+</file>
+
+<file path=ppt/slides/slide24.xml><?xml version="1.0" encoding="utf-8"?>
+<p:sld xmlns:a="http://schemas.openxmlformats.org/drawingml/2006/main" xmlns:r="http://schemas.openxmlformats.org/officeDocument/2006/relationships" xmlns:p="http://schemas.openxmlformats.org/presentationml/2006/main">
+  <p:cSld>
+    <p:spTree>
+      <p:nvGrpSpPr>
+        <p:cNvPr id="1" name=""/>
+        <p:cNvGrpSpPr/>
+        <p:nvPr/>
+      </p:nvGrpSpPr>
+      <p:grpSpPr>
+        <a:xfrm>
+          <a:off x="0" y="0"/>
+          <a:ext cx="0" cy="0"/>
+          <a:chOff x="0" y="0"/>
+          <a:chExt cx="0" cy="0"/>
+        </a:xfrm>
+      </p:grpSpPr>
+      <p:sp>
+        <p:nvSpPr>
+          <p:cNvPr id="2" name="Titre 1"/>
+          <p:cNvSpPr>
+            <a:spLocks noGrp="1"/>
+          </p:cNvSpPr>
+          <p:nvPr>
+            <p:ph type="title"/>
+          </p:nvPr>
+        </p:nvSpPr>
+        <p:spPr/>
+        <p:txBody>
+          <a:bodyPr/>
+          <a:lstStyle/>
+          <a:p>
+            <a:r>
+              <a:rPr lang="fr-FR"/>
+              <a:t>Récapitulatif</a:t>
+            </a:r>
+          </a:p>
+        </p:txBody>
+      </p:sp>
+      <p:graphicFrame>
+        <p:nvGraphicFramePr>
+          <p:cNvPr id="6" name="Espace réservé du contenu 5"/>
+          <p:cNvGraphicFramePr>
+            <a:graphicFrameLocks noGrp="1"/>
+          </p:cNvGraphicFramePr>
+          <p:nvPr>
+            <p:ph idx="1"/>
+            <p:extLst>
+              <p:ext uri="{D42A27DB-BD31-4B8C-83A1-F6EECF244321}">
+                <p14:modId xmlns:p14="http://schemas.microsoft.com/office/powerpoint/2010/main" val="1873135661"/>
+              </p:ext>
+            </p:extLst>
+          </p:nvPr>
+        </p:nvGraphicFramePr>
+        <p:xfrm>
+          <a:off x="457200" y="1417635"/>
+          <a:ext cx="8229595" cy="4938720"/>
+        </p:xfrm>
+        <a:graphic>
+          <a:graphicData uri="http://schemas.openxmlformats.org/drawingml/2006/table">
+            <a:tbl>
+              <a:tblPr firstRow="1" bandRow="1">
+                <a:tableStyleId>{073A0DAA-6AF3-43AB-8588-CEC1D06C72B9}</a:tableStyleId>
+              </a:tblPr>
+              <a:tblGrid>
+                <a:gridCol w="748145"/>
+                <a:gridCol w="748145"/>
+                <a:gridCol w="748145"/>
+                <a:gridCol w="748145"/>
+                <a:gridCol w="748145"/>
+                <a:gridCol w="748145"/>
+                <a:gridCol w="748145"/>
+                <a:gridCol w="748145"/>
+                <a:gridCol w="748145"/>
+                <a:gridCol w="748145"/>
+                <a:gridCol w="748145"/>
+              </a:tblGrid>
+              <a:tr h="329248">
+                <a:tc>
+                  <a:txBody>
+                    <a:bodyPr/>
+                    <a:lstStyle/>
+                    <a:p>
+                      <a:pPr algn="ctr"/>
+                      <a:endParaRPr lang="fr-FR" sz="1400"/>
+                    </a:p>
+                  </a:txBody>
+                  <a:tcPr marL="0" marR="0" marT="0" marB="0" anchor="ctr"/>
+                </a:tc>
+                <a:tc gridSpan="2">
+                  <a:txBody>
+                    <a:bodyPr/>
+                    <a:lstStyle/>
+                    <a:p>
+                      <a:pPr algn="ctr"/>
+                      <a:r>
+                        <a:rPr lang="fr-FR" sz="1400"/>
+                        <a:t>mode d’émission</a:t>
+                      </a:r>
+                    </a:p>
+                  </a:txBody>
+                  <a:tcPr marL="0" marR="0" marT="0" marB="0" anchor="ctr"/>
+                </a:tc>
+                <a:tc hMerge="1">
+                  <a:txBody>
+                    <a:bodyPr/>
+                    <a:lstStyle/>
+                    <a:p>
+                      <a:endParaRPr lang="fr-FR"/>
+                    </a:p>
+                  </a:txBody>
+                  <a:tcPr marL="0" marR="0" marT="0" marB="0"/>
+                </a:tc>
+                <a:tc gridSpan="2">
+                  <a:txBody>
+                    <a:bodyPr/>
+                    <a:lstStyle/>
+                    <a:p>
+                      <a:pPr algn="ctr"/>
+                      <a:r>
+                        <a:rPr lang="fr-FR" sz="1400"/>
+                        <a:t>connaissance</a:t>
+                      </a:r>
+                    </a:p>
+                  </a:txBody>
+                  <a:tcPr marL="0" marR="0" marT="0" marB="0" anchor="ctr"/>
+                </a:tc>
+                <a:tc hMerge="1">
+                  <a:txBody>
+                    <a:bodyPr/>
+                    <a:lstStyle/>
+                    <a:p>
+                      <a:pPr algn="ctr"/>
+                      <a:endParaRPr lang="fr-FR"/>
+                    </a:p>
+                  </a:txBody>
+                  <a:tcPr marL="0" marR="0" marT="0" marB="0"/>
+                </a:tc>
+                <a:tc gridSpan="2">
+                  <a:txBody>
+                    <a:bodyPr/>
+                    <a:lstStyle/>
+                    <a:p>
+                      <a:pPr algn="ctr"/>
+                      <a:r>
+                        <a:rPr lang="fr-FR" sz="1400"/>
+                        <a:t>rayon d’émission</a:t>
+                      </a:r>
+                    </a:p>
+                  </a:txBody>
+                  <a:tcPr marL="0" marR="0" marT="0" marB="0" anchor="ctr"/>
+                </a:tc>
+                <a:tc hMerge="1">
+                  <a:txBody>
+                    <a:bodyPr/>
+                    <a:lstStyle/>
+                    <a:p>
+                      <a:pPr algn="ctr"/>
+                      <a:endParaRPr lang="fr-FR"/>
+                    </a:p>
+                  </a:txBody>
+                  <a:tcPr marL="0" marR="0" marT="0" marB="0"/>
+                </a:tc>
+                <a:tc gridSpan="2">
+                  <a:txBody>
+                    <a:bodyPr/>
+                    <a:lstStyle/>
+                    <a:p>
+                      <a:pPr algn="ctr"/>
+                      <a:r>
+                        <a:rPr lang="fr-FR" sz="1400"/>
+                        <a:t>balisage</a:t>
+                      </a:r>
+                    </a:p>
+                  </a:txBody>
+                  <a:tcPr marL="0" marR="0" marT="0" marB="0" anchor="ctr"/>
+                </a:tc>
+                <a:tc hMerge="1">
+                  <a:txBody>
+                    <a:bodyPr/>
+                    <a:lstStyle/>
+                    <a:p>
+                      <a:pPr algn="ctr"/>
+                      <a:endParaRPr lang="fr-FR" sz="1400"/>
+                    </a:p>
+                  </a:txBody>
+                  <a:tcPr marL="0" marR="0" marT="0" marB="0"/>
+                </a:tc>
+                <a:tc gridSpan="2">
+                  <a:txBody>
+                    <a:bodyPr/>
+                    <a:lstStyle/>
+                    <a:p>
+                      <a:pPr algn="ctr"/>
+                      <a:r>
+                        <a:rPr lang="fr-FR" sz="1400"/>
+                        <a:t>décision</a:t>
+                      </a:r>
+                    </a:p>
+                  </a:txBody>
+                  <a:tcPr marL="0" marR="0" marT="0" marB="0" anchor="ctr"/>
+                </a:tc>
+                <a:tc hMerge="1">
+                  <a:txBody>
+                    <a:bodyPr/>
+                    <a:lstStyle/>
+                    <a:p>
+                      <a:pPr algn="ctr"/>
+                      <a:endParaRPr lang="fr-FR" sz="1400"/>
+                    </a:p>
+                  </a:txBody>
+                  <a:tcPr marL="0" marR="0" marT="0" marB="0"/>
+                </a:tc>
+              </a:tr>
+              <a:tr h="329248">
+                <a:tc>
+                  <a:txBody>
+                    <a:bodyPr/>
+                    <a:lstStyle/>
+                    <a:p>
+                      <a:pPr algn="ctr"/>
+                      <a:r>
+                        <a:rPr lang="fr-FR" sz="1200">
+                          <a:solidFill>
+                            <a:schemeClr val="bg1">
+                              <a:lumMod val="60000"/>
+                              <a:lumOff val="40000"/>
+                            </a:schemeClr>
+                          </a:solidFill>
+                        </a:rPr>
+                        <a:t>algorithme</a:t>
+                      </a:r>
+                    </a:p>
+                  </a:txBody>
+                  <a:tcPr marL="0" marR="0" marT="0" marB="0" anchor="ctr">
+                    <a:solidFill>
+                      <a:srgbClr val="800A07"/>
+                    </a:solidFill>
+                  </a:tcPr>
+                </a:tc>
+                <a:tc>
+                  <a:txBody>
+                    <a:bodyPr/>
+                    <a:lstStyle/>
+                    <a:p>
+                      <a:pPr algn="ctr"/>
+                      <a:r>
+                        <a:rPr lang="fr-FR" sz="1200">
+                          <a:solidFill>
+                            <a:schemeClr val="bg1">
+                              <a:lumMod val="60000"/>
+                              <a:lumOff val="40000"/>
+                            </a:schemeClr>
+                          </a:solidFill>
+                        </a:rPr>
+                        <a:t>broadcast</a:t>
+                      </a:r>
+                    </a:p>
+                  </a:txBody>
+                  <a:tcPr marL="0" marR="0" marT="0" marB="0" anchor="ctr">
+                    <a:solidFill>
+                      <a:srgbClr val="800A07"/>
+                    </a:solidFill>
+                  </a:tcPr>
+                </a:tc>
+                <a:tc>
+                  <a:txBody>
+                    <a:bodyPr/>
+                    <a:lstStyle/>
+                    <a:p>
+                      <a:pPr algn="ctr"/>
+                      <a:r>
+                        <a:rPr lang="fr-FR" sz="1200">
+                          <a:solidFill>
+                            <a:schemeClr val="bg1">
+                              <a:lumMod val="60000"/>
+                              <a:lumOff val="40000"/>
+                            </a:schemeClr>
+                          </a:solidFill>
+                        </a:rPr>
+                        <a:t>single-cast</a:t>
+                      </a:r>
+                    </a:p>
+                  </a:txBody>
+                  <a:tcPr marL="0" marR="0" marT="0" marB="0" anchor="ctr">
+                    <a:solidFill>
+                      <a:srgbClr val="800A07"/>
+                    </a:solidFill>
+                  </a:tcPr>
+                </a:tc>
+                <a:tc>
+                  <a:txBody>
+                    <a:bodyPr/>
+                    <a:lstStyle/>
+                    <a:p>
+                      <a:pPr algn="ctr"/>
+                      <a:r>
+                        <a:rPr lang="fr-FR" sz="1200">
+                          <a:solidFill>
+                            <a:schemeClr val="bg1">
+                              <a:lumMod val="60000"/>
+                              <a:lumOff val="40000"/>
+                            </a:schemeClr>
+                          </a:solidFill>
+                        </a:rPr>
+                        <a:t>globale</a:t>
+                      </a:r>
+                    </a:p>
+                  </a:txBody>
+                  <a:tcPr marL="0" marR="0" marT="0" marB="0" anchor="ctr">
+                    <a:solidFill>
+                      <a:srgbClr val="800A07"/>
+                    </a:solidFill>
+                  </a:tcPr>
+                </a:tc>
+                <a:tc>
+                  <a:txBody>
+                    <a:bodyPr/>
+                    <a:lstStyle/>
+                    <a:p>
+                      <a:pPr algn="ctr"/>
+                      <a:r>
+                        <a:rPr lang="fr-FR" sz="1200">
+                          <a:solidFill>
+                            <a:schemeClr val="bg1">
+                              <a:lumMod val="60000"/>
+                              <a:lumOff val="40000"/>
+                            </a:schemeClr>
+                          </a:solidFill>
+                        </a:rPr>
+                        <a:t>locale</a:t>
+                      </a:r>
+                    </a:p>
+                  </a:txBody>
+                  <a:tcPr marL="0" marR="0" marT="0" marB="0" anchor="ctr">
+                    <a:solidFill>
+                      <a:srgbClr val="800A07"/>
+                    </a:solidFill>
+                  </a:tcPr>
+                </a:tc>
+                <a:tc>
+                  <a:txBody>
+                    <a:bodyPr/>
+                    <a:lstStyle/>
+                    <a:p>
+                      <a:pPr algn="ctr"/>
+                      <a:r>
+                        <a:rPr lang="fr-FR" sz="1200">
+                          <a:solidFill>
+                            <a:schemeClr val="bg1">
+                              <a:lumMod val="60000"/>
+                              <a:lumOff val="40000"/>
+                            </a:schemeClr>
+                          </a:solidFill>
+                        </a:rPr>
+                        <a:t>fixe</a:t>
+                      </a:r>
+                    </a:p>
+                  </a:txBody>
+                  <a:tcPr marL="0" marR="0" marT="0" marB="0" anchor="ctr">
+                    <a:solidFill>
+                      <a:srgbClr val="800A07"/>
+                    </a:solidFill>
+                  </a:tcPr>
+                </a:tc>
+                <a:tc>
+                  <a:txBody>
+                    <a:bodyPr/>
+                    <a:lstStyle/>
+                    <a:p>
+                      <a:pPr algn="ctr"/>
+                      <a:r>
+                        <a:rPr lang="fr-FR" sz="1200">
+                          <a:solidFill>
+                            <a:schemeClr val="bg1">
+                              <a:lumMod val="60000"/>
+                              <a:lumOff val="40000"/>
+                            </a:schemeClr>
+                          </a:solidFill>
+                        </a:rPr>
+                        <a:t>variable</a:t>
+                      </a:r>
+                    </a:p>
+                  </a:txBody>
+                  <a:tcPr marL="0" marR="0" marT="0" marB="0" anchor="ctr">
+                    <a:solidFill>
+                      <a:srgbClr val="800A07"/>
+                    </a:solidFill>
+                  </a:tcPr>
+                </a:tc>
+                <a:tc>
+                  <a:txBody>
+                    <a:bodyPr/>
+                    <a:lstStyle/>
+                    <a:p>
+                      <a:pPr algn="ctr"/>
+                      <a:r>
+                        <a:rPr lang="fr-FR" sz="1200">
+                          <a:solidFill>
+                            <a:schemeClr val="bg1">
+                              <a:lumMod val="60000"/>
+                              <a:lumOff val="40000"/>
+                            </a:schemeClr>
+                          </a:solidFill>
+                        </a:rPr>
+                        <a:t>avec</a:t>
+                      </a:r>
+                    </a:p>
+                  </a:txBody>
+                  <a:tcPr marL="0" marR="0" marT="0" marB="0" anchor="ctr">
+                    <a:solidFill>
+                      <a:srgbClr val="800A07"/>
+                    </a:solidFill>
+                  </a:tcPr>
+                </a:tc>
+                <a:tc>
+                  <a:txBody>
+                    <a:bodyPr/>
+                    <a:lstStyle/>
+                    <a:p>
+                      <a:pPr algn="ctr"/>
+                      <a:r>
+                        <a:rPr lang="fr-FR" sz="1200">
+                          <a:solidFill>
+                            <a:schemeClr val="bg1">
+                              <a:lumMod val="60000"/>
+                              <a:lumOff val="40000"/>
+                            </a:schemeClr>
+                          </a:solidFill>
+                        </a:rPr>
+                        <a:t>sans</a:t>
+                      </a:r>
+                    </a:p>
+                  </a:txBody>
+                  <a:tcPr marL="0" marR="0" marT="0" marB="0" anchor="ctr">
+                    <a:solidFill>
+                      <a:srgbClr val="800A07"/>
+                    </a:solidFill>
+                  </a:tcPr>
+                </a:tc>
+                <a:tc>
+                  <a:txBody>
+                    <a:bodyPr/>
+                    <a:lstStyle/>
+                    <a:p>
+                      <a:pPr algn="ctr"/>
+                      <a:r>
+                        <a:rPr lang="fr-FR" sz="1200">
+                          <a:solidFill>
+                            <a:schemeClr val="bg1">
+                              <a:lumMod val="60000"/>
+                              <a:lumOff val="40000"/>
+                            </a:schemeClr>
+                          </a:solidFill>
+                        </a:rPr>
+                        <a:t>déterministe</a:t>
+                      </a:r>
+                    </a:p>
+                  </a:txBody>
+                  <a:tcPr marL="0" marR="0" marT="0" marB="0" anchor="ctr">
+                    <a:solidFill>
+                      <a:srgbClr val="800A07"/>
+                    </a:solidFill>
+                  </a:tcPr>
+                </a:tc>
+                <a:tc>
+                  <a:txBody>
+                    <a:bodyPr/>
+                    <a:lstStyle/>
+                    <a:p>
+                      <a:pPr algn="ctr"/>
+                      <a:r>
+                        <a:rPr lang="fr-FR" sz="1200">
+                          <a:solidFill>
+                            <a:schemeClr val="bg1">
+                              <a:lumMod val="60000"/>
+                              <a:lumOff val="40000"/>
+                            </a:schemeClr>
+                          </a:solidFill>
+                        </a:rPr>
+                        <a:t>probabiliste</a:t>
+                      </a:r>
+                    </a:p>
+                  </a:txBody>
+                  <a:tcPr marL="0" marR="0" marT="0" marB="0" anchor="ctr">
+                    <a:solidFill>
+                      <a:srgbClr val="800A07"/>
+                    </a:solidFill>
+                  </a:tcPr>
+                </a:tc>
+              </a:tr>
+              <a:tr h="329248">
+                <a:tc>
+                  <a:txBody>
+                    <a:bodyPr/>
+                    <a:lstStyle/>
+                    <a:p>
+                      <a:pPr algn="ctr"/>
+                      <a:r>
+                        <a:rPr lang="fr-FR" sz="1200"/>
+                        <a:t>FA</a:t>
+                      </a:r>
+                    </a:p>
+                  </a:txBody>
+                  <a:tcPr marL="0" marR="0" marT="0" marB="0" anchor="ctr"/>
+                </a:tc>
+                <a:tc>
+                  <a:txBody>
+                    <a:bodyPr/>
+                    <a:lstStyle/>
+                    <a:p>
+                      <a:pPr algn="ctr"/>
+                      <a:r>
+                        <a:rPr lang="fr-FR" sz="1200">
+                          <a:solidFill>
+                            <a:schemeClr val="accent2"/>
+                          </a:solidFill>
+                          <a:latin typeface="Zapf Dingbats"/>
+                          <a:ea typeface="Zapf Dingbats"/>
+                          <a:cs typeface="Zapf Dingbats"/>
+                          <a:sym typeface="Zapf Dingbats"/>
+                        </a:rPr>
+                        <a:t>✗</a:t>
+                      </a:r>
+                      <a:endParaRPr lang="fr-FR" sz="1200">
+                        <a:solidFill>
+                          <a:schemeClr val="accent2"/>
+                        </a:solidFill>
+                      </a:endParaRPr>
+                    </a:p>
+                  </a:txBody>
+                  <a:tcPr marL="0" marR="0" marT="0" marB="0" anchor="ctr"/>
+                </a:tc>
+                <a:tc>
+                  <a:txBody>
+                    <a:bodyPr/>
+                    <a:lstStyle/>
+                    <a:p>
+                      <a:pPr algn="ctr"/>
+                      <a:r>
+                        <a:rPr lang="fr-FR" sz="1200">
+                          <a:solidFill>
+                            <a:schemeClr val="tx2"/>
+                          </a:solidFill>
+                          <a:latin typeface="Zapf Dingbats"/>
+                          <a:ea typeface="Zapf Dingbats"/>
+                          <a:cs typeface="Zapf Dingbats"/>
+                          <a:sym typeface="Zapf Dingbats"/>
+                        </a:rPr>
+                        <a:t>✓</a:t>
+                      </a:r>
+                      <a:endParaRPr lang="fr-FR" sz="1200">
+                        <a:solidFill>
+                          <a:schemeClr val="tx2"/>
+                        </a:solidFill>
+                      </a:endParaRPr>
+                    </a:p>
+                  </a:txBody>
+                  <a:tcPr marL="0" marR="0" marT="0" marB="0" anchor="ctr"/>
+                </a:tc>
+                <a:tc>
+                  <a:txBody>
+                    <a:bodyPr/>
+                    <a:lstStyle/>
+                    <a:p>
+                      <a:pPr algn="ctr"/>
+                      <a:r>
+                        <a:rPr lang="fr-FR" sz="1200">
+                          <a:solidFill>
+                            <a:srgbClr val="C0504D"/>
+                          </a:solidFill>
+                          <a:latin typeface="Zapf Dingbats"/>
+                          <a:ea typeface="Zapf Dingbats"/>
+                          <a:cs typeface="Zapf Dingbats"/>
+                          <a:sym typeface="Zapf Dingbats"/>
+                        </a:rPr>
+                        <a:t>✗</a:t>
+                      </a:r>
+                      <a:endParaRPr lang="fr-FR" sz="1200"/>
+                    </a:p>
+                  </a:txBody>
+                  <a:tcPr marL="0" marR="0" marT="0" marB="0" anchor="ctr"/>
+                </a:tc>
+                <a:tc>
+                  <a:txBody>
+                    <a:bodyPr/>
+                    <a:lstStyle/>
+                    <a:p>
+                      <a:pPr marL="0" marR="0" indent="0" algn="ctr" defTabSz="457200" rtl="0" eaLnBrk="1" fontAlgn="auto" latinLnBrk="0" hangingPunct="1">
+                        <a:lnSpc>
+                          <a:spcPct val="100000"/>
+                        </a:lnSpc>
+                        <a:spcBef>
+                          <a:spcPts val="0"/>
+                        </a:spcBef>
+                        <a:spcAft>
+                          <a:spcPts val="0"/>
+                        </a:spcAft>
+                        <a:buClrTx/>
+                        <a:buSzTx/>
+                        <a:buFontTx/>
+                        <a:buNone/>
+                        <a:tabLst/>
+                        <a:defRPr/>
+                      </a:pPr>
+                      <a:r>
+                        <a:rPr lang="fr-FR" sz="1200">
+                          <a:solidFill>
+                            <a:schemeClr val="tx2"/>
+                          </a:solidFill>
+                          <a:latin typeface="Zapf Dingbats"/>
+                          <a:ea typeface="Zapf Dingbats"/>
+                          <a:cs typeface="Zapf Dingbats"/>
+                          <a:sym typeface="Zapf Dingbats"/>
+                        </a:rPr>
+                        <a:t>✓</a:t>
+                      </a:r>
+                      <a:endParaRPr lang="fr-FR" sz="1200">
+                        <a:solidFill>
+                          <a:schemeClr val="tx2"/>
+                        </a:solidFill>
+                      </a:endParaRPr>
+                    </a:p>
+                  </a:txBody>
+                  <a:tcPr marL="0" marR="0" marT="0" marB="0" anchor="ctr"/>
+                </a:tc>
+                <a:tc>
+                  <a:txBody>
+                    <a:bodyPr/>
+                    <a:lstStyle/>
+                    <a:p>
+                      <a:pPr algn="ctr"/>
+                      <a:r>
+                        <a:rPr lang="fr-FR" sz="1200">
+                          <a:solidFill>
+                            <a:srgbClr val="C0504D"/>
+                          </a:solidFill>
+                          <a:latin typeface="Zapf Dingbats"/>
+                          <a:ea typeface="Zapf Dingbats"/>
+                          <a:cs typeface="Zapf Dingbats"/>
+                          <a:sym typeface="Zapf Dingbats"/>
+                        </a:rPr>
+                        <a:t>✗</a:t>
+                      </a:r>
+                      <a:endParaRPr lang="fr-FR" sz="1200"/>
+                    </a:p>
+                  </a:txBody>
+                  <a:tcPr marL="0" marR="0" marT="0" marB="0" anchor="ctr"/>
+                </a:tc>
+                <a:tc>
+                  <a:txBody>
+                    <a:bodyPr/>
+                    <a:lstStyle/>
+                    <a:p>
+                      <a:pPr algn="ctr"/>
+                      <a:r>
+                        <a:rPr lang="fr-FR" sz="1200">
+                          <a:solidFill>
+                            <a:schemeClr val="tx2"/>
+                          </a:solidFill>
+                          <a:latin typeface="Zapf Dingbats"/>
+                          <a:ea typeface="Zapf Dingbats"/>
+                          <a:cs typeface="Zapf Dingbats"/>
+                          <a:sym typeface="Zapf Dingbats"/>
+                        </a:rPr>
+                        <a:t>✓</a:t>
+                      </a:r>
+                      <a:endParaRPr lang="fr-FR" sz="1200"/>
+                    </a:p>
+                  </a:txBody>
+                  <a:tcPr marL="0" marR="0" marT="0" marB="0" anchor="ctr"/>
+                </a:tc>
+                <a:tc>
+                  <a:txBody>
+                    <a:bodyPr/>
+                    <a:lstStyle/>
+                    <a:p>
+                      <a:pPr algn="ctr"/>
+                      <a:r>
+                        <a:rPr lang="fr-FR" sz="1200">
+                          <a:solidFill>
+                            <a:srgbClr val="C0504D"/>
+                          </a:solidFill>
+                          <a:latin typeface="Zapf Dingbats"/>
+                          <a:ea typeface="Zapf Dingbats"/>
+                          <a:cs typeface="Zapf Dingbats"/>
+                          <a:sym typeface="Zapf Dingbats"/>
+                        </a:rPr>
+                        <a:t>✗</a:t>
+                      </a:r>
+                      <a:endParaRPr lang="fr-FR" sz="1200"/>
+                    </a:p>
+                  </a:txBody>
+                  <a:tcPr marL="0" marR="0" marT="0" marB="0" anchor="ctr"/>
+                </a:tc>
+                <a:tc>
+                  <a:txBody>
+                    <a:bodyPr/>
+                    <a:lstStyle/>
+                    <a:p>
+                      <a:pPr algn="ctr"/>
+                      <a:r>
+                        <a:rPr lang="fr-FR" sz="1200">
+                          <a:solidFill>
+                            <a:schemeClr val="tx2"/>
+                          </a:solidFill>
+                          <a:latin typeface="Zapf Dingbats"/>
+                          <a:ea typeface="Zapf Dingbats"/>
+                          <a:cs typeface="Zapf Dingbats"/>
+                          <a:sym typeface="Zapf Dingbats"/>
+                        </a:rPr>
+                        <a:t>✓</a:t>
+                      </a:r>
+                      <a:endParaRPr lang="fr-FR" sz="1200"/>
+                    </a:p>
+                  </a:txBody>
+                  <a:tcPr marL="0" marR="0" marT="0" marB="0" anchor="ctr"/>
+                </a:tc>
+                <a:tc>
+                  <a:txBody>
+                    <a:bodyPr/>
+                    <a:lstStyle/>
+                    <a:p>
+                      <a:pPr algn="ctr"/>
+                      <a:r>
+                        <a:rPr lang="fr-FR" sz="1200">
+                          <a:solidFill>
+                            <a:schemeClr val="tx2"/>
+                          </a:solidFill>
+                          <a:latin typeface="Zapf Dingbats"/>
+                          <a:ea typeface="Zapf Dingbats"/>
+                          <a:cs typeface="Zapf Dingbats"/>
+                          <a:sym typeface="Zapf Dingbats"/>
+                        </a:rPr>
+                        <a:t>✓</a:t>
+                      </a:r>
+                      <a:endParaRPr lang="fr-FR" sz="1200"/>
+                    </a:p>
+                  </a:txBody>
+                  <a:tcPr marL="0" marR="0" marT="0" marB="0" anchor="ctr"/>
+                </a:tc>
+                <a:tc>
+                  <a:txBody>
+                    <a:bodyPr/>
+                    <a:lstStyle/>
+                    <a:p>
+                      <a:pPr algn="ctr"/>
+                      <a:r>
+                        <a:rPr lang="fr-FR" sz="1200">
+                          <a:solidFill>
+                            <a:srgbClr val="C0504D"/>
+                          </a:solidFill>
+                          <a:latin typeface="Zapf Dingbats"/>
+                          <a:ea typeface="Zapf Dingbats"/>
+                          <a:cs typeface="Zapf Dingbats"/>
+                          <a:sym typeface="Zapf Dingbats"/>
+                        </a:rPr>
+                        <a:t>✗</a:t>
+                      </a:r>
+                      <a:endParaRPr lang="fr-FR" sz="1200"/>
+                    </a:p>
+                  </a:txBody>
+                  <a:tcPr marL="0" marR="0" marT="0" marB="0" anchor="ctr"/>
+                </a:tc>
+              </a:tr>
+              <a:tr h="329248">
+                <a:tc>
+                  <a:txBody>
+                    <a:bodyPr/>
+                    <a:lstStyle/>
+                    <a:p>
+                      <a:pPr algn="ctr"/>
+                      <a:r>
+                        <a:rPr lang="fr-FR" sz="1200"/>
+                        <a:t>FR</a:t>
+                      </a:r>
+                    </a:p>
+                  </a:txBody>
+                  <a:tcPr marL="0" marR="0" marT="0" marB="0" anchor="ctr"/>
+                </a:tc>
+                <a:tc>
+                  <a:txBody>
+                    <a:bodyPr/>
+                    <a:lstStyle/>
+                    <a:p>
+                      <a:pPr marL="0" marR="0" indent="0" algn="ctr" defTabSz="457200" rtl="0" eaLnBrk="1" fontAlgn="auto" latinLnBrk="0" hangingPunct="1">
+                        <a:lnSpc>
+                          <a:spcPct val="100000"/>
+                        </a:lnSpc>
+                        <a:spcBef>
+                          <a:spcPts val="0"/>
+                        </a:spcBef>
+                        <a:spcAft>
+                          <a:spcPts val="0"/>
+                        </a:spcAft>
+                        <a:buClrTx/>
+                        <a:buSzTx/>
+                        <a:buFontTx/>
+                        <a:buNone/>
+                        <a:tabLst/>
+                        <a:defRPr/>
+                      </a:pPr>
+                      <a:r>
+                        <a:rPr lang="fr-FR" sz="1200">
+                          <a:solidFill>
+                            <a:schemeClr val="accent2"/>
+                          </a:solidFill>
+                          <a:latin typeface="Zapf Dingbats"/>
+                          <a:ea typeface="Zapf Dingbats"/>
+                          <a:cs typeface="Zapf Dingbats"/>
+                          <a:sym typeface="Zapf Dingbats"/>
+                        </a:rPr>
+                        <a:t>✗</a:t>
+                      </a:r>
+                      <a:endParaRPr lang="fr-FR" sz="1200">
+                        <a:solidFill>
+                          <a:schemeClr val="accent2"/>
+                        </a:solidFill>
+                      </a:endParaRPr>
+                    </a:p>
+                  </a:txBody>
+                  <a:tcPr marL="0" marR="0" marT="0" marB="0" anchor="ctr"/>
+                </a:tc>
+                <a:tc>
+                  <a:txBody>
+                    <a:bodyPr/>
+                    <a:lstStyle/>
+                    <a:p>
+                      <a:pPr algn="ctr"/>
+                      <a:r>
+                        <a:rPr lang="fr-FR" sz="1200">
+                          <a:solidFill>
+                            <a:schemeClr val="tx2"/>
+                          </a:solidFill>
+                          <a:latin typeface="Zapf Dingbats"/>
+                          <a:ea typeface="Zapf Dingbats"/>
+                          <a:cs typeface="Zapf Dingbats"/>
+                          <a:sym typeface="Zapf Dingbats"/>
+                        </a:rPr>
+                        <a:t>✓</a:t>
+                      </a:r>
+                      <a:endParaRPr lang="fr-FR" sz="1200">
+                        <a:solidFill>
+                          <a:schemeClr val="tx2"/>
+                        </a:solidFill>
+                      </a:endParaRPr>
+                    </a:p>
+                  </a:txBody>
+                  <a:tcPr marL="0" marR="0" marT="0" marB="0" anchor="ctr"/>
+                </a:tc>
+                <a:tc>
+                  <a:txBody>
+                    <a:bodyPr/>
+                    <a:lstStyle/>
+                    <a:p>
+                      <a:pPr marL="0" marR="0" indent="0" algn="ctr" defTabSz="457200" rtl="0" eaLnBrk="1" fontAlgn="auto" latinLnBrk="0" hangingPunct="1">
+                        <a:lnSpc>
+                          <a:spcPct val="100000"/>
+                        </a:lnSpc>
+                        <a:spcBef>
+                          <a:spcPts val="0"/>
+                        </a:spcBef>
+                        <a:spcAft>
+                          <a:spcPts val="0"/>
+                        </a:spcAft>
+                        <a:buClrTx/>
+                        <a:buSzTx/>
+                        <a:buFontTx/>
+                        <a:buNone/>
+                        <a:tabLst/>
+                        <a:defRPr/>
+                      </a:pPr>
+                      <a:r>
+                        <a:rPr lang="fr-FR" sz="1200">
+                          <a:solidFill>
+                            <a:schemeClr val="tx2"/>
+                          </a:solidFill>
+                          <a:latin typeface="Zapf Dingbats"/>
+                          <a:ea typeface="Zapf Dingbats"/>
+                          <a:cs typeface="Zapf Dingbats"/>
+                          <a:sym typeface="Zapf Dingbats"/>
+                        </a:rPr>
+                        <a:t>✓</a:t>
+                      </a:r>
+                      <a:endParaRPr lang="fr-FR" sz="1200">
+                        <a:solidFill>
+                          <a:schemeClr val="tx2"/>
+                        </a:solidFill>
+                      </a:endParaRPr>
+                    </a:p>
+                  </a:txBody>
+                  <a:tcPr marL="0" marR="0" marT="0" marB="0" anchor="ctr"/>
+                </a:tc>
+                <a:tc>
+                  <a:txBody>
+                    <a:bodyPr/>
+                    <a:lstStyle/>
+                    <a:p>
+                      <a:pPr algn="ctr"/>
+                      <a:r>
+                        <a:rPr lang="fr-FR" sz="1200">
+                          <a:solidFill>
+                            <a:srgbClr val="C0504D"/>
+                          </a:solidFill>
+                          <a:latin typeface="Zapf Dingbats"/>
+                          <a:ea typeface="Zapf Dingbats"/>
+                          <a:cs typeface="Zapf Dingbats"/>
+                          <a:sym typeface="Zapf Dingbats"/>
+                        </a:rPr>
+                        <a:t>✗</a:t>
+                      </a:r>
+                      <a:endParaRPr lang="fr-FR" sz="1200"/>
+                    </a:p>
+                  </a:txBody>
+                  <a:tcPr marL="0" marR="0" marT="0" marB="0" anchor="ctr"/>
+                </a:tc>
+                <a:tc>
+                  <a:txBody>
+                    <a:bodyPr/>
+                    <a:lstStyle/>
+                    <a:p>
+                      <a:pPr algn="ctr"/>
+                      <a:r>
+                        <a:rPr lang="fr-FR" sz="1200">
+                          <a:solidFill>
+                            <a:srgbClr val="C0504D"/>
+                          </a:solidFill>
+                          <a:latin typeface="Zapf Dingbats"/>
+                          <a:ea typeface="Zapf Dingbats"/>
+                          <a:cs typeface="Zapf Dingbats"/>
+                          <a:sym typeface="Zapf Dingbats"/>
+                        </a:rPr>
+                        <a:t>✗</a:t>
+                      </a:r>
+                      <a:endParaRPr lang="fr-FR" sz="1200"/>
+                    </a:p>
+                  </a:txBody>
+                  <a:tcPr marL="0" marR="0" marT="0" marB="0" anchor="ctr"/>
+                </a:tc>
+                <a:tc>
+                  <a:txBody>
+                    <a:bodyPr/>
+                    <a:lstStyle/>
+                    <a:p>
+                      <a:pPr algn="ctr"/>
+                      <a:r>
+                        <a:rPr lang="fr-FR" sz="1200">
+                          <a:solidFill>
+                            <a:schemeClr val="tx2"/>
+                          </a:solidFill>
+                          <a:latin typeface="Zapf Dingbats"/>
+                          <a:ea typeface="Zapf Dingbats"/>
+                          <a:cs typeface="Zapf Dingbats"/>
+                          <a:sym typeface="Zapf Dingbats"/>
+                        </a:rPr>
+                        <a:t>✓</a:t>
+                      </a:r>
+                      <a:endParaRPr lang="fr-FR" sz="1200"/>
+                    </a:p>
+                  </a:txBody>
+                  <a:tcPr marL="0" marR="0" marT="0" marB="0" anchor="ctr"/>
+                </a:tc>
+                <a:tc>
+                  <a:txBody>
+                    <a:bodyPr/>
+                    <a:lstStyle/>
+                    <a:p>
+                      <a:pPr algn="ctr"/>
+                      <a:r>
+                        <a:rPr lang="fr-FR" sz="1200">
+                          <a:solidFill>
+                            <a:srgbClr val="C0504D"/>
+                          </a:solidFill>
+                          <a:latin typeface="Zapf Dingbats"/>
+                          <a:ea typeface="Zapf Dingbats"/>
+                          <a:cs typeface="Zapf Dingbats"/>
+                          <a:sym typeface="Zapf Dingbats"/>
+                        </a:rPr>
+                        <a:t>✗</a:t>
+                      </a:r>
+                      <a:endParaRPr lang="fr-FR" sz="1200"/>
+                    </a:p>
+                  </a:txBody>
+                  <a:tcPr marL="0" marR="0" marT="0" marB="0" anchor="ctr"/>
+                </a:tc>
+                <a:tc>
+                  <a:txBody>
+                    <a:bodyPr/>
+                    <a:lstStyle/>
+                    <a:p>
+                      <a:pPr algn="ctr"/>
+                      <a:r>
+                        <a:rPr lang="fr-FR" sz="1200">
+                          <a:solidFill>
+                            <a:schemeClr val="tx2"/>
+                          </a:solidFill>
+                          <a:latin typeface="Zapf Dingbats"/>
+                          <a:ea typeface="Zapf Dingbats"/>
+                          <a:cs typeface="Zapf Dingbats"/>
+                          <a:sym typeface="Zapf Dingbats"/>
+                        </a:rPr>
+                        <a:t>✓</a:t>
+                      </a:r>
+                      <a:endParaRPr lang="fr-FR" sz="1200"/>
+                    </a:p>
+                  </a:txBody>
+                  <a:tcPr marL="0" marR="0" marT="0" marB="0" anchor="ctr"/>
+                </a:tc>
+                <a:tc>
+                  <a:txBody>
+                    <a:bodyPr/>
+                    <a:lstStyle/>
+                    <a:p>
+                      <a:pPr algn="ctr"/>
+                      <a:r>
+                        <a:rPr lang="fr-FR" sz="1200">
+                          <a:solidFill>
+                            <a:schemeClr val="tx2"/>
+                          </a:solidFill>
+                          <a:latin typeface="Zapf Dingbats"/>
+                          <a:ea typeface="Zapf Dingbats"/>
+                          <a:cs typeface="Zapf Dingbats"/>
+                          <a:sym typeface="Zapf Dingbats"/>
+                        </a:rPr>
+                        <a:t>✓</a:t>
+                      </a:r>
+                      <a:endParaRPr lang="fr-FR" sz="1200"/>
+                    </a:p>
+                  </a:txBody>
+                  <a:tcPr marL="0" marR="0" marT="0" marB="0" anchor="ctr"/>
+                </a:tc>
+                <a:tc>
+                  <a:txBody>
+                    <a:bodyPr/>
+                    <a:lstStyle/>
+                    <a:p>
+                      <a:pPr algn="ctr"/>
+                      <a:r>
+                        <a:rPr lang="fr-FR" sz="1200">
+                          <a:solidFill>
+                            <a:srgbClr val="C0504D"/>
+                          </a:solidFill>
+                          <a:latin typeface="Zapf Dingbats"/>
+                          <a:ea typeface="Zapf Dingbats"/>
+                          <a:cs typeface="Zapf Dingbats"/>
+                          <a:sym typeface="Zapf Dingbats"/>
+                        </a:rPr>
+                        <a:t>✗</a:t>
+                      </a:r>
+                      <a:endParaRPr lang="fr-FR" sz="1200"/>
+                    </a:p>
+                  </a:txBody>
+                  <a:tcPr marL="0" marR="0" marT="0" marB="0" anchor="ctr"/>
+                </a:tc>
+              </a:tr>
+              <a:tr h="329248">
+                <a:tc>
+                  <a:txBody>
+                    <a:bodyPr/>
+                    <a:lstStyle/>
+                    <a:p>
+                      <a:pPr algn="ctr"/>
+                      <a:r>
+                        <a:rPr lang="fr-FR" sz="1200"/>
+                        <a:t>EAR</a:t>
+                      </a:r>
+                    </a:p>
+                  </a:txBody>
+                  <a:tcPr marL="0" marR="0" marT="0" marB="0" anchor="ctr"/>
+                </a:tc>
+                <a:tc>
+                  <a:txBody>
+                    <a:bodyPr/>
+                    <a:lstStyle/>
+                    <a:p>
+                      <a:pPr marL="0" marR="0" indent="0" algn="ctr" defTabSz="457200" rtl="0" eaLnBrk="1" fontAlgn="auto" latinLnBrk="0" hangingPunct="1">
+                        <a:lnSpc>
+                          <a:spcPct val="100000"/>
+                        </a:lnSpc>
+                        <a:spcBef>
+                          <a:spcPts val="0"/>
+                        </a:spcBef>
+                        <a:spcAft>
+                          <a:spcPts val="0"/>
+                        </a:spcAft>
+                        <a:buClrTx/>
+                        <a:buSzTx/>
+                        <a:buFontTx/>
+                        <a:buNone/>
+                        <a:tabLst/>
+                        <a:defRPr/>
+                      </a:pPr>
+                      <a:r>
+                        <a:rPr lang="fr-FR" sz="1200">
+                          <a:solidFill>
+                            <a:schemeClr val="accent2"/>
+                          </a:solidFill>
+                          <a:latin typeface="Zapf Dingbats"/>
+                          <a:ea typeface="Zapf Dingbats"/>
+                          <a:cs typeface="Zapf Dingbats"/>
+                          <a:sym typeface="Zapf Dingbats"/>
+                        </a:rPr>
+                        <a:t>✗</a:t>
+                      </a:r>
+                      <a:endParaRPr lang="fr-FR" sz="1200">
+                        <a:solidFill>
+                          <a:schemeClr val="accent2"/>
+                        </a:solidFill>
+                      </a:endParaRPr>
+                    </a:p>
+                  </a:txBody>
+                  <a:tcPr marL="0" marR="0" marT="0" marB="0" anchor="ctr"/>
+                </a:tc>
+                <a:tc>
+                  <a:txBody>
+                    <a:bodyPr/>
+                    <a:lstStyle/>
+                    <a:p>
+                      <a:pPr algn="ctr"/>
+                      <a:r>
+                        <a:rPr lang="fr-FR" sz="1200">
+                          <a:solidFill>
+                            <a:schemeClr val="tx2"/>
+                          </a:solidFill>
+                          <a:latin typeface="Zapf Dingbats"/>
+                          <a:ea typeface="Zapf Dingbats"/>
+                          <a:cs typeface="Zapf Dingbats"/>
+                          <a:sym typeface="Zapf Dingbats"/>
+                        </a:rPr>
+                        <a:t>✓</a:t>
+                      </a:r>
+                      <a:endParaRPr lang="fr-FR" sz="1200">
+                        <a:solidFill>
+                          <a:schemeClr val="tx2"/>
+                        </a:solidFill>
+                      </a:endParaRPr>
+                    </a:p>
+                  </a:txBody>
+                  <a:tcPr marL="0" marR="0" marT="0" marB="0" anchor="ctr"/>
+                </a:tc>
+                <a:tc>
+                  <a:txBody>
+                    <a:bodyPr/>
+                    <a:lstStyle/>
+                    <a:p>
+                      <a:pPr algn="ctr"/>
+                      <a:r>
+                        <a:rPr lang="fr-FR" sz="1200">
+                          <a:solidFill>
+                            <a:srgbClr val="C0504D"/>
+                          </a:solidFill>
+                          <a:latin typeface="Zapf Dingbats"/>
+                          <a:ea typeface="Zapf Dingbats"/>
+                          <a:cs typeface="Zapf Dingbats"/>
+                          <a:sym typeface="Zapf Dingbats"/>
+                        </a:rPr>
+                        <a:t>✗</a:t>
+                      </a:r>
+                      <a:endParaRPr lang="fr-FR" sz="1200"/>
+                    </a:p>
+                  </a:txBody>
+                  <a:tcPr marL="0" marR="0" marT="0" marB="0" anchor="ctr"/>
+                </a:tc>
+                <a:tc>
+                  <a:txBody>
+                    <a:bodyPr/>
+                    <a:lstStyle/>
+                    <a:p>
+                      <a:pPr algn="ctr"/>
+                      <a:r>
+                        <a:rPr lang="fr-FR" sz="1200">
+                          <a:solidFill>
+                            <a:schemeClr val="tx2"/>
+                          </a:solidFill>
+                          <a:latin typeface="Zapf Dingbats"/>
+                          <a:ea typeface="Zapf Dingbats"/>
+                          <a:cs typeface="Zapf Dingbats"/>
+                          <a:sym typeface="Zapf Dingbats"/>
+                        </a:rPr>
+                        <a:t>✓</a:t>
+                      </a:r>
+                      <a:endParaRPr lang="fr-FR" sz="1200"/>
+                    </a:p>
+                  </a:txBody>
+                  <a:tcPr marL="0" marR="0" marT="0" marB="0" anchor="ctr"/>
+                </a:tc>
+                <a:tc>
+                  <a:txBody>
+                    <a:bodyPr/>
+                    <a:lstStyle/>
+                    <a:p>
+                      <a:pPr algn="ctr"/>
+                      <a:r>
+                        <a:rPr lang="fr-FR" sz="1200">
+                          <a:solidFill>
+                            <a:srgbClr val="C0504D"/>
+                          </a:solidFill>
+                          <a:latin typeface="Zapf Dingbats"/>
+                          <a:ea typeface="Zapf Dingbats"/>
+                          <a:cs typeface="Zapf Dingbats"/>
+                          <a:sym typeface="Zapf Dingbats"/>
+                        </a:rPr>
+                        <a:t>✗</a:t>
+                      </a:r>
+                      <a:endParaRPr lang="fr-FR" sz="1200"/>
+                    </a:p>
+                  </a:txBody>
+                  <a:tcPr marL="0" marR="0" marT="0" marB="0" anchor="ctr"/>
+                </a:tc>
+                <a:tc>
+                  <a:txBody>
+                    <a:bodyPr/>
+                    <a:lstStyle/>
+                    <a:p>
+                      <a:pPr algn="ctr"/>
+                      <a:r>
+                        <a:rPr lang="fr-FR" sz="1200">
+                          <a:solidFill>
+                            <a:schemeClr val="tx2"/>
+                          </a:solidFill>
+                          <a:latin typeface="Zapf Dingbats"/>
+                          <a:ea typeface="Zapf Dingbats"/>
+                          <a:cs typeface="Zapf Dingbats"/>
+                          <a:sym typeface="Zapf Dingbats"/>
+                        </a:rPr>
+                        <a:t>✓</a:t>
+                      </a:r>
+                      <a:endParaRPr lang="fr-FR" sz="1200"/>
+                    </a:p>
+                  </a:txBody>
+                  <a:tcPr marL="0" marR="0" marT="0" marB="0" anchor="ctr"/>
+                </a:tc>
+                <a:tc>
+                  <a:txBody>
+                    <a:bodyPr/>
+                    <a:lstStyle/>
+                    <a:p>
+                      <a:pPr algn="ctr"/>
+                      <a:r>
+                        <a:rPr lang="fr-FR" sz="1200">
+                          <a:solidFill>
+                            <a:schemeClr val="tx2"/>
+                          </a:solidFill>
+                          <a:latin typeface="Zapf Dingbats"/>
+                          <a:ea typeface="Zapf Dingbats"/>
+                          <a:cs typeface="Zapf Dingbats"/>
+                          <a:sym typeface="Zapf Dingbats"/>
+                        </a:rPr>
+                        <a:t>✓</a:t>
+                      </a:r>
+                      <a:endParaRPr lang="fr-FR" sz="1200"/>
+                    </a:p>
+                  </a:txBody>
+                  <a:tcPr marL="0" marR="0" marT="0" marB="0" anchor="ctr"/>
+                </a:tc>
+                <a:tc>
+                  <a:txBody>
+                    <a:bodyPr/>
+                    <a:lstStyle/>
+                    <a:p>
+                      <a:pPr algn="ctr"/>
+                      <a:r>
+                        <a:rPr lang="fr-FR" sz="1200">
+                          <a:solidFill>
+                            <a:srgbClr val="C0504D"/>
+                          </a:solidFill>
+                          <a:latin typeface="Zapf Dingbats"/>
+                          <a:ea typeface="Zapf Dingbats"/>
+                          <a:cs typeface="Zapf Dingbats"/>
+                          <a:sym typeface="Zapf Dingbats"/>
+                        </a:rPr>
+                        <a:t>✗</a:t>
+                      </a:r>
+                      <a:endParaRPr lang="fr-FR" sz="1200"/>
+                    </a:p>
+                  </a:txBody>
+                  <a:tcPr marL="0" marR="0" marT="0" marB="0" anchor="ctr"/>
+                </a:tc>
+                <a:tc>
+                  <a:txBody>
+                    <a:bodyPr/>
+                    <a:lstStyle/>
+                    <a:p>
+                      <a:pPr algn="ctr"/>
+                      <a:r>
+                        <a:rPr lang="fr-FR" sz="1200">
+                          <a:solidFill>
+                            <a:srgbClr val="C0504D"/>
+                          </a:solidFill>
+                          <a:latin typeface="Zapf Dingbats"/>
+                          <a:ea typeface="Zapf Dingbats"/>
+                          <a:cs typeface="Zapf Dingbats"/>
+                          <a:sym typeface="Zapf Dingbats"/>
+                        </a:rPr>
+                        <a:t>✗</a:t>
+                      </a:r>
+                      <a:endParaRPr lang="fr-FR" sz="1200"/>
+                    </a:p>
+                  </a:txBody>
+                  <a:tcPr marL="0" marR="0" marT="0" marB="0" anchor="ctr"/>
+                </a:tc>
+                <a:tc>
+                  <a:txBody>
+                    <a:bodyPr/>
+                    <a:lstStyle/>
+                    <a:p>
+                      <a:pPr algn="ctr"/>
+                      <a:r>
+                        <a:rPr lang="fr-FR" sz="1200">
+                          <a:solidFill>
+                            <a:schemeClr val="tx2"/>
+                          </a:solidFill>
+                          <a:latin typeface="Zapf Dingbats"/>
+                          <a:ea typeface="Zapf Dingbats"/>
+                          <a:cs typeface="Zapf Dingbats"/>
+                          <a:sym typeface="Zapf Dingbats"/>
+                        </a:rPr>
+                        <a:t>✓</a:t>
+                      </a:r>
+                      <a:endParaRPr lang="fr-FR" sz="1200"/>
+                    </a:p>
+                  </a:txBody>
+                  <a:tcPr marL="0" marR="0" marT="0" marB="0" anchor="ctr"/>
+                </a:tc>
+              </a:tr>
+              <a:tr h="329248">
+                <a:tc>
+                  <a:txBody>
+                    <a:bodyPr/>
+                    <a:lstStyle/>
+                    <a:p>
+                      <a:pPr algn="ctr"/>
+                      <a:r>
+                        <a:rPr lang="fr-FR" sz="1200"/>
+                        <a:t>BF</a:t>
+                      </a:r>
+                    </a:p>
+                  </a:txBody>
+                  <a:tcPr marL="0" marR="0" marT="0" marB="0" anchor="ctr"/>
+                </a:tc>
+                <a:tc>
+                  <a:txBody>
+                    <a:bodyPr/>
+                    <a:lstStyle/>
+                    <a:p>
+                      <a:pPr algn="ctr"/>
+                      <a:r>
+                        <a:rPr lang="fr-FR" sz="1200">
+                          <a:solidFill>
+                            <a:srgbClr val="4A8B37"/>
+                          </a:solidFill>
+                          <a:latin typeface="Zapf Dingbats"/>
+                          <a:ea typeface="Zapf Dingbats"/>
+                          <a:cs typeface="Zapf Dingbats"/>
+                          <a:sym typeface="Zapf Dingbats"/>
+                        </a:rPr>
+                        <a:t>✓</a:t>
+                      </a:r>
+                      <a:endParaRPr lang="fr-FR" sz="1200">
+                        <a:solidFill>
+                          <a:srgbClr val="4A8B37"/>
+                        </a:solidFill>
+                      </a:endParaRPr>
+                    </a:p>
+                  </a:txBody>
+                  <a:tcPr marL="0" marR="0" marT="0" marB="0" anchor="ctr"/>
+                </a:tc>
+                <a:tc>
+                  <a:txBody>
+                    <a:bodyPr/>
+                    <a:lstStyle/>
+                    <a:p>
+                      <a:pPr algn="ctr"/>
+                      <a:r>
+                        <a:rPr lang="fr-FR" sz="1200">
+                          <a:solidFill>
+                            <a:srgbClr val="C0504D"/>
+                          </a:solidFill>
+                          <a:latin typeface="Zapf Dingbats"/>
+                          <a:ea typeface="Zapf Dingbats"/>
+                          <a:cs typeface="Zapf Dingbats"/>
+                          <a:sym typeface="Zapf Dingbats"/>
+                        </a:rPr>
+                        <a:t>✗</a:t>
+                      </a:r>
+                      <a:endParaRPr lang="fr-FR" sz="1200">
+                        <a:solidFill>
+                          <a:srgbClr val="C0504D"/>
+                        </a:solidFill>
+                      </a:endParaRPr>
+                    </a:p>
+                  </a:txBody>
+                  <a:tcPr marL="0" marR="0" marT="0" marB="0" anchor="ctr"/>
+                </a:tc>
+                <a:tc>
+                  <a:txBody>
+                    <a:bodyPr/>
+                    <a:lstStyle/>
+                    <a:p>
+                      <a:pPr algn="ctr"/>
+                      <a:r>
+                        <a:rPr lang="fr-FR" sz="1200">
+                          <a:solidFill>
+                            <a:srgbClr val="C0504D"/>
+                          </a:solidFill>
+                          <a:latin typeface="Zapf Dingbats"/>
+                          <a:ea typeface="Zapf Dingbats"/>
+                          <a:cs typeface="Zapf Dingbats"/>
+                          <a:sym typeface="Zapf Dingbats"/>
+                        </a:rPr>
+                        <a:t>✗</a:t>
+                      </a:r>
+                      <a:endParaRPr lang="fr-FR" sz="1200"/>
+                    </a:p>
+                  </a:txBody>
+                  <a:tcPr marL="0" marR="0" marT="0" marB="0" anchor="ctr"/>
+                </a:tc>
+                <a:tc>
+                  <a:txBody>
+                    <a:bodyPr/>
+                    <a:lstStyle/>
+                    <a:p>
+                      <a:pPr algn="ctr"/>
+                      <a:r>
+                        <a:rPr lang="fr-FR" sz="1200">
+                          <a:solidFill>
+                            <a:schemeClr val="tx2"/>
+                          </a:solidFill>
+                          <a:latin typeface="Zapf Dingbats"/>
+                          <a:ea typeface="Zapf Dingbats"/>
+                          <a:cs typeface="Zapf Dingbats"/>
+                          <a:sym typeface="Zapf Dingbats"/>
+                        </a:rPr>
+                        <a:t>✓</a:t>
+                      </a:r>
+                      <a:endParaRPr lang="fr-FR" sz="1200"/>
+                    </a:p>
+                  </a:txBody>
+                  <a:tcPr marL="0" marR="0" marT="0" marB="0" anchor="ctr"/>
+                </a:tc>
+                <a:tc>
+                  <a:txBody>
+                    <a:bodyPr/>
+                    <a:lstStyle/>
+                    <a:p>
+                      <a:pPr algn="ctr"/>
+                      <a:r>
+                        <a:rPr lang="fr-FR" sz="1200">
+                          <a:solidFill>
+                            <a:schemeClr val="tx2"/>
+                          </a:solidFill>
+                          <a:latin typeface="Zapf Dingbats"/>
+                          <a:ea typeface="Zapf Dingbats"/>
+                          <a:cs typeface="Zapf Dingbats"/>
+                          <a:sym typeface="Zapf Dingbats"/>
+                        </a:rPr>
+                        <a:t>✓</a:t>
+                      </a:r>
+                      <a:endParaRPr lang="fr-FR" sz="1200"/>
+                    </a:p>
+                  </a:txBody>
+                  <a:tcPr marL="0" marR="0" marT="0" marB="0" anchor="ctr"/>
+                </a:tc>
+                <a:tc>
+                  <a:txBody>
+                    <a:bodyPr/>
+                    <a:lstStyle/>
+                    <a:p>
+                      <a:pPr algn="ctr"/>
+                      <a:r>
+                        <a:rPr lang="fr-FR" sz="1200">
+                          <a:solidFill>
+                            <a:srgbClr val="C0504D"/>
+                          </a:solidFill>
+                          <a:latin typeface="Zapf Dingbats"/>
+                          <a:ea typeface="Zapf Dingbats"/>
+                          <a:cs typeface="Zapf Dingbats"/>
+                          <a:sym typeface="Zapf Dingbats"/>
+                        </a:rPr>
+                        <a:t>✗</a:t>
+                      </a:r>
+                      <a:endParaRPr lang="fr-FR" sz="1200"/>
+                    </a:p>
+                  </a:txBody>
+                  <a:tcPr marL="0" marR="0" marT="0" marB="0" anchor="ctr"/>
+                </a:tc>
+                <a:tc>
+                  <a:txBody>
+                    <a:bodyPr/>
+                    <a:lstStyle/>
+                    <a:p>
+                      <a:pPr algn="ctr"/>
+                      <a:r>
+                        <a:rPr lang="fr-FR" sz="1200">
+                          <a:solidFill>
+                            <a:srgbClr val="C0504D"/>
+                          </a:solidFill>
+                          <a:latin typeface="Zapf Dingbats"/>
+                          <a:ea typeface="Zapf Dingbats"/>
+                          <a:cs typeface="Zapf Dingbats"/>
+                          <a:sym typeface="Zapf Dingbats"/>
+                        </a:rPr>
+                        <a:t>✗</a:t>
+                      </a:r>
+                      <a:endParaRPr lang="fr-FR" sz="1200"/>
+                    </a:p>
+                  </a:txBody>
+                  <a:tcPr marL="0" marR="0" marT="0" marB="0" anchor="ctr"/>
+                </a:tc>
+                <a:tc>
+                  <a:txBody>
+                    <a:bodyPr/>
+                    <a:lstStyle/>
+                    <a:p>
+                      <a:pPr algn="ctr"/>
+                      <a:r>
+                        <a:rPr lang="fr-FR" sz="1200">
+                          <a:solidFill>
+                            <a:schemeClr val="tx2"/>
+                          </a:solidFill>
+                          <a:latin typeface="Zapf Dingbats"/>
+                          <a:ea typeface="Zapf Dingbats"/>
+                          <a:cs typeface="Zapf Dingbats"/>
+                          <a:sym typeface="Zapf Dingbats"/>
+                        </a:rPr>
+                        <a:t>✓</a:t>
+                      </a:r>
+                      <a:endParaRPr lang="fr-FR" sz="1200"/>
+                    </a:p>
+                  </a:txBody>
+                  <a:tcPr marL="0" marR="0" marT="0" marB="0" anchor="ctr"/>
+                </a:tc>
+                <a:tc>
+                  <a:txBody>
+                    <a:bodyPr/>
+                    <a:lstStyle/>
+                    <a:p>
+                      <a:pPr algn="ctr"/>
+                      <a:r>
+                        <a:rPr lang="fr-FR" sz="1200">
+                          <a:solidFill>
+                            <a:schemeClr val="tx2"/>
+                          </a:solidFill>
+                          <a:latin typeface="Zapf Dingbats"/>
+                          <a:ea typeface="Zapf Dingbats"/>
+                          <a:cs typeface="Zapf Dingbats"/>
+                          <a:sym typeface="Zapf Dingbats"/>
+                        </a:rPr>
+                        <a:t>✓</a:t>
+                      </a:r>
+                      <a:endParaRPr lang="fr-FR" sz="1200"/>
+                    </a:p>
+                  </a:txBody>
+                  <a:tcPr marL="0" marR="0" marT="0" marB="0" anchor="ctr"/>
+                </a:tc>
+                <a:tc>
+                  <a:txBody>
+                    <a:bodyPr/>
+                    <a:lstStyle/>
+                    <a:p>
+                      <a:pPr algn="ctr"/>
+                      <a:r>
+                        <a:rPr lang="fr-FR" sz="1200">
+                          <a:solidFill>
+                            <a:srgbClr val="C0504D"/>
+                          </a:solidFill>
+                          <a:latin typeface="Zapf Dingbats"/>
+                          <a:ea typeface="Zapf Dingbats"/>
+                          <a:cs typeface="Zapf Dingbats"/>
+                          <a:sym typeface="Zapf Dingbats"/>
+                        </a:rPr>
+                        <a:t>✗</a:t>
+                      </a:r>
+                      <a:endParaRPr lang="fr-FR" sz="1200"/>
+                    </a:p>
+                  </a:txBody>
+                  <a:tcPr marL="0" marR="0" marT="0" marB="0" anchor="ctr"/>
+                </a:tc>
+              </a:tr>
+              <a:tr h="329248">
+                <a:tc>
+                  <a:txBody>
+                    <a:bodyPr/>
+                    <a:lstStyle/>
+                    <a:p>
+                      <a:pPr algn="ctr"/>
+                      <a:r>
+                        <a:rPr lang="fr-FR" sz="1200"/>
+                        <a:t>PF</a:t>
+                      </a:r>
+                    </a:p>
+                  </a:txBody>
+                  <a:tcPr marL="0" marR="0" marT="0" marB="0" anchor="ctr"/>
+                </a:tc>
+                <a:tc>
+                  <a:txBody>
+                    <a:bodyPr/>
+                    <a:lstStyle/>
+                    <a:p>
+                      <a:pPr algn="ctr"/>
+                      <a:r>
+                        <a:rPr lang="fr-FR" sz="1200">
+                          <a:solidFill>
+                            <a:srgbClr val="4A8B37"/>
+                          </a:solidFill>
+                          <a:latin typeface="Zapf Dingbats"/>
+                          <a:ea typeface="Zapf Dingbats"/>
+                          <a:cs typeface="Zapf Dingbats"/>
+                          <a:sym typeface="Zapf Dingbats"/>
+                        </a:rPr>
+                        <a:t>✓</a:t>
+                      </a:r>
+                      <a:endParaRPr lang="fr-FR" sz="1200">
+                        <a:solidFill>
+                          <a:srgbClr val="4A8B37"/>
+                        </a:solidFill>
+                      </a:endParaRPr>
+                    </a:p>
+                  </a:txBody>
+                  <a:tcPr marL="0" marR="0" marT="0" marB="0" anchor="ctr"/>
+                </a:tc>
+                <a:tc>
+                  <a:txBody>
+                    <a:bodyPr/>
+                    <a:lstStyle/>
+                    <a:p>
+                      <a:pPr algn="ctr"/>
+                      <a:r>
+                        <a:rPr lang="fr-FR" sz="1200">
+                          <a:solidFill>
+                            <a:srgbClr val="C0504D"/>
+                          </a:solidFill>
+                          <a:latin typeface="Zapf Dingbats"/>
+                          <a:ea typeface="Zapf Dingbats"/>
+                          <a:cs typeface="Zapf Dingbats"/>
+                          <a:sym typeface="Zapf Dingbats"/>
+                        </a:rPr>
+                        <a:t>✗</a:t>
+                      </a:r>
+                      <a:endParaRPr lang="fr-FR" sz="1200">
+                        <a:solidFill>
+                          <a:srgbClr val="C0504D"/>
+                        </a:solidFill>
+                      </a:endParaRPr>
+                    </a:p>
+                  </a:txBody>
+                  <a:tcPr marL="0" marR="0" marT="0" marB="0" anchor="ctr"/>
+                </a:tc>
+                <a:tc>
+                  <a:txBody>
+                    <a:bodyPr/>
+                    <a:lstStyle/>
+                    <a:p>
+                      <a:pPr algn="ctr"/>
+                      <a:r>
+                        <a:rPr lang="fr-FR" sz="1200">
+                          <a:solidFill>
+                            <a:srgbClr val="C0504D"/>
+                          </a:solidFill>
+                          <a:latin typeface="Zapf Dingbats"/>
+                          <a:ea typeface="Zapf Dingbats"/>
+                          <a:cs typeface="Zapf Dingbats"/>
+                          <a:sym typeface="Zapf Dingbats"/>
+                        </a:rPr>
+                        <a:t>✗</a:t>
+                      </a:r>
+                      <a:endParaRPr lang="fr-FR" sz="1200"/>
+                    </a:p>
+                  </a:txBody>
+                  <a:tcPr marL="0" marR="0" marT="0" marB="0" anchor="ctr"/>
+                </a:tc>
+                <a:tc>
+                  <a:txBody>
+                    <a:bodyPr/>
+                    <a:lstStyle/>
+                    <a:p>
+                      <a:pPr algn="ctr"/>
+                      <a:r>
+                        <a:rPr lang="fr-FR" sz="1200">
+                          <a:solidFill>
+                            <a:schemeClr val="tx2"/>
+                          </a:solidFill>
+                          <a:latin typeface="Zapf Dingbats"/>
+                          <a:ea typeface="Zapf Dingbats"/>
+                          <a:cs typeface="Zapf Dingbats"/>
+                          <a:sym typeface="Zapf Dingbats"/>
+                        </a:rPr>
+                        <a:t>✓</a:t>
+                      </a:r>
+                      <a:endParaRPr lang="fr-FR" sz="1200"/>
+                    </a:p>
+                  </a:txBody>
+                  <a:tcPr marL="0" marR="0" marT="0" marB="0" anchor="ctr"/>
+                </a:tc>
+                <a:tc>
+                  <a:txBody>
+                    <a:bodyPr/>
+                    <a:lstStyle/>
+                    <a:p>
+                      <a:pPr algn="ctr"/>
+                      <a:r>
+                        <a:rPr lang="fr-FR" sz="1200">
+                          <a:solidFill>
+                            <a:schemeClr val="tx2"/>
+                          </a:solidFill>
+                          <a:latin typeface="Zapf Dingbats"/>
+                          <a:ea typeface="Zapf Dingbats"/>
+                          <a:cs typeface="Zapf Dingbats"/>
+                          <a:sym typeface="Zapf Dingbats"/>
+                        </a:rPr>
+                        <a:t>✓</a:t>
+                      </a:r>
+                      <a:endParaRPr lang="fr-FR" sz="1200"/>
+                    </a:p>
+                  </a:txBody>
+                  <a:tcPr marL="0" marR="0" marT="0" marB="0" anchor="ctr"/>
+                </a:tc>
+                <a:tc>
+                  <a:txBody>
+                    <a:bodyPr/>
+                    <a:lstStyle/>
+                    <a:p>
+                      <a:pPr algn="ctr"/>
+                      <a:r>
+                        <a:rPr lang="fr-FR" sz="1200">
+                          <a:solidFill>
+                            <a:srgbClr val="C0504D"/>
+                          </a:solidFill>
+                          <a:latin typeface="Zapf Dingbats"/>
+                          <a:ea typeface="Zapf Dingbats"/>
+                          <a:cs typeface="Zapf Dingbats"/>
+                          <a:sym typeface="Zapf Dingbats"/>
+                        </a:rPr>
+                        <a:t>✗</a:t>
+                      </a:r>
+                      <a:endParaRPr lang="fr-FR" sz="1200"/>
+                    </a:p>
+                  </a:txBody>
+                  <a:tcPr marL="0" marR="0" marT="0" marB="0" anchor="ctr"/>
+                </a:tc>
+                <a:tc>
+                  <a:txBody>
+                    <a:bodyPr/>
+                    <a:lstStyle/>
+                    <a:p>
+                      <a:pPr algn="ctr"/>
+                      <a:r>
+                        <a:rPr lang="fr-FR" sz="1200">
+                          <a:solidFill>
+                            <a:srgbClr val="C0504D"/>
+                          </a:solidFill>
+                          <a:latin typeface="Zapf Dingbats"/>
+                          <a:ea typeface="Zapf Dingbats"/>
+                          <a:cs typeface="Zapf Dingbats"/>
+                          <a:sym typeface="Zapf Dingbats"/>
+                        </a:rPr>
+                        <a:t>✗</a:t>
+                      </a:r>
+                      <a:endParaRPr lang="fr-FR" sz="1200"/>
+                    </a:p>
+                  </a:txBody>
+                  <a:tcPr marL="0" marR="0" marT="0" marB="0" anchor="ctr"/>
+                </a:tc>
+                <a:tc>
+                  <a:txBody>
+                    <a:bodyPr/>
+                    <a:lstStyle/>
+                    <a:p>
+                      <a:pPr algn="ctr"/>
+                      <a:r>
+                        <a:rPr lang="fr-FR" sz="1200">
+                          <a:solidFill>
+                            <a:schemeClr val="tx2"/>
+                          </a:solidFill>
+                          <a:latin typeface="Zapf Dingbats"/>
+                          <a:ea typeface="Zapf Dingbats"/>
+                          <a:cs typeface="Zapf Dingbats"/>
+                          <a:sym typeface="Zapf Dingbats"/>
+                        </a:rPr>
+                        <a:t>✓</a:t>
+                      </a:r>
+                      <a:endParaRPr lang="fr-FR" sz="1200"/>
+                    </a:p>
+                  </a:txBody>
+                  <a:tcPr marL="0" marR="0" marT="0" marB="0" anchor="ctr"/>
+                </a:tc>
+                <a:tc>
+                  <a:txBody>
+                    <a:bodyPr/>
+                    <a:lstStyle/>
+                    <a:p>
+                      <a:pPr algn="ctr"/>
+                      <a:r>
+                        <a:rPr lang="fr-FR" sz="1200">
+                          <a:solidFill>
+                            <a:srgbClr val="C0504D"/>
+                          </a:solidFill>
+                          <a:latin typeface="Zapf Dingbats"/>
+                          <a:ea typeface="Zapf Dingbats"/>
+                          <a:cs typeface="Zapf Dingbats"/>
+                          <a:sym typeface="Zapf Dingbats"/>
+                        </a:rPr>
+                        <a:t>✗</a:t>
+                      </a:r>
+                      <a:endParaRPr lang="fr-FR" sz="1200"/>
+                    </a:p>
+                  </a:txBody>
+                  <a:tcPr marL="0" marR="0" marT="0" marB="0" anchor="ctr"/>
+                </a:tc>
+                <a:tc>
+                  <a:txBody>
+                    <a:bodyPr/>
+                    <a:lstStyle/>
+                    <a:p>
+                      <a:pPr algn="ctr"/>
+                      <a:r>
+                        <a:rPr lang="fr-FR" sz="1200">
+                          <a:solidFill>
+                            <a:schemeClr val="tx2"/>
+                          </a:solidFill>
+                          <a:latin typeface="Zapf Dingbats"/>
+                          <a:ea typeface="Zapf Dingbats"/>
+                          <a:cs typeface="Zapf Dingbats"/>
+                          <a:sym typeface="Zapf Dingbats"/>
+                        </a:rPr>
+                        <a:t>✓</a:t>
+                      </a:r>
+                      <a:endParaRPr lang="fr-FR" sz="1200"/>
+                    </a:p>
+                  </a:txBody>
+                  <a:tcPr marL="0" marR="0" marT="0" marB="0" anchor="ctr"/>
+                </a:tc>
+              </a:tr>
+              <a:tr h="329248">
+                <a:tc>
+                  <a:txBody>
+                    <a:bodyPr/>
+                    <a:lstStyle/>
+                    <a:p>
+                      <a:pPr algn="ctr"/>
+                      <a:r>
+                        <a:rPr lang="fr-FR" sz="1200"/>
+                        <a:t>ABBA</a:t>
+                      </a:r>
+                    </a:p>
+                  </a:txBody>
+                  <a:tcPr marL="0" marR="0" marT="0" marB="0" anchor="ctr"/>
+                </a:tc>
+                <a:tc>
+                  <a:txBody>
+                    <a:bodyPr/>
+                    <a:lstStyle/>
+                    <a:p>
+                      <a:pPr algn="ctr"/>
+                      <a:r>
+                        <a:rPr lang="fr-FR" sz="1200">
+                          <a:solidFill>
+                            <a:srgbClr val="4A8B37"/>
+                          </a:solidFill>
+                          <a:latin typeface="Zapf Dingbats"/>
+                          <a:ea typeface="Zapf Dingbats"/>
+                          <a:cs typeface="Zapf Dingbats"/>
+                          <a:sym typeface="Zapf Dingbats"/>
+                        </a:rPr>
+                        <a:t>✓</a:t>
+                      </a:r>
+                      <a:endParaRPr lang="fr-FR" sz="1200">
+                        <a:solidFill>
+                          <a:srgbClr val="4A8B37"/>
+                        </a:solidFill>
+                      </a:endParaRPr>
+                    </a:p>
+                  </a:txBody>
+                  <a:tcPr marL="0" marR="0" marT="0" marB="0" anchor="ctr"/>
+                </a:tc>
+                <a:tc>
+                  <a:txBody>
+                    <a:bodyPr/>
+                    <a:lstStyle/>
+                    <a:p>
+                      <a:pPr algn="ctr"/>
+                      <a:r>
+                        <a:rPr lang="fr-FR" sz="1200">
+                          <a:solidFill>
+                            <a:srgbClr val="C0504D"/>
+                          </a:solidFill>
+                          <a:latin typeface="Zapf Dingbats"/>
+                          <a:ea typeface="Zapf Dingbats"/>
+                          <a:cs typeface="Zapf Dingbats"/>
+                          <a:sym typeface="Zapf Dingbats"/>
+                        </a:rPr>
+                        <a:t>✗</a:t>
+                      </a:r>
+                      <a:endParaRPr lang="fr-FR" sz="1200">
+                        <a:solidFill>
+                          <a:srgbClr val="C0504D"/>
+                        </a:solidFill>
+                      </a:endParaRPr>
+                    </a:p>
+                  </a:txBody>
+                  <a:tcPr marL="0" marR="0" marT="0" marB="0" anchor="ctr"/>
+                </a:tc>
+                <a:tc>
+                  <a:txBody>
+                    <a:bodyPr/>
+                    <a:lstStyle/>
+                    <a:p>
+                      <a:pPr algn="ctr"/>
+                      <a:r>
+                        <a:rPr lang="fr-FR" sz="1200">
+                          <a:solidFill>
+                            <a:srgbClr val="C0504D"/>
+                          </a:solidFill>
+                          <a:latin typeface="Zapf Dingbats"/>
+                          <a:ea typeface="Zapf Dingbats"/>
+                          <a:cs typeface="Zapf Dingbats"/>
+                          <a:sym typeface="Zapf Dingbats"/>
+                        </a:rPr>
+                        <a:t>✗</a:t>
+                      </a:r>
+                      <a:endParaRPr lang="fr-FR" sz="1200"/>
+                    </a:p>
+                  </a:txBody>
+                  <a:tcPr marL="0" marR="0" marT="0" marB="0" anchor="ctr"/>
+                </a:tc>
+                <a:tc>
+                  <a:txBody>
+                    <a:bodyPr/>
+                    <a:lstStyle/>
+                    <a:p>
+                      <a:pPr algn="ctr"/>
+                      <a:r>
+                        <a:rPr lang="fr-FR" sz="1200">
+                          <a:solidFill>
+                            <a:schemeClr val="tx2"/>
+                          </a:solidFill>
+                          <a:latin typeface="Zapf Dingbats"/>
+                          <a:ea typeface="Zapf Dingbats"/>
+                          <a:cs typeface="Zapf Dingbats"/>
+                          <a:sym typeface="Zapf Dingbats"/>
+                        </a:rPr>
+                        <a:t>✓</a:t>
+                      </a:r>
+                      <a:endParaRPr lang="fr-FR" sz="1200"/>
+                    </a:p>
+                  </a:txBody>
+                  <a:tcPr marL="0" marR="0" marT="0" marB="0" anchor="ctr"/>
+                </a:tc>
+                <a:tc>
+                  <a:txBody>
+                    <a:bodyPr/>
+                    <a:lstStyle/>
+                    <a:p>
+                      <a:pPr algn="ctr"/>
+                      <a:r>
+                        <a:rPr lang="fr-FR" sz="1200">
+                          <a:solidFill>
+                            <a:schemeClr val="tx2"/>
+                          </a:solidFill>
+                          <a:latin typeface="Zapf Dingbats"/>
+                          <a:ea typeface="Zapf Dingbats"/>
+                          <a:cs typeface="Zapf Dingbats"/>
+                          <a:sym typeface="Zapf Dingbats"/>
+                        </a:rPr>
+                        <a:t>✓</a:t>
+                      </a:r>
+                      <a:endParaRPr lang="fr-FR" sz="1200"/>
+                    </a:p>
+                  </a:txBody>
+                  <a:tcPr marL="0" marR="0" marT="0" marB="0" anchor="ctr"/>
+                </a:tc>
+                <a:tc>
+                  <a:txBody>
+                    <a:bodyPr/>
+                    <a:lstStyle/>
+                    <a:p>
+                      <a:pPr algn="ctr"/>
+                      <a:r>
+                        <a:rPr lang="fr-FR" sz="1200">
+                          <a:solidFill>
+                            <a:srgbClr val="C0504D"/>
+                          </a:solidFill>
+                          <a:latin typeface="Zapf Dingbats"/>
+                          <a:ea typeface="Zapf Dingbats"/>
+                          <a:cs typeface="Zapf Dingbats"/>
+                          <a:sym typeface="Zapf Dingbats"/>
+                        </a:rPr>
+                        <a:t>✗</a:t>
+                      </a:r>
+                      <a:endParaRPr lang="fr-FR" sz="1200"/>
+                    </a:p>
+                  </a:txBody>
+                  <a:tcPr marL="0" marR="0" marT="0" marB="0" anchor="ctr"/>
+                </a:tc>
+                <a:tc>
+                  <a:txBody>
+                    <a:bodyPr/>
+                    <a:lstStyle/>
+                    <a:p>
+                      <a:pPr algn="ctr"/>
+                      <a:r>
+                        <a:rPr lang="fr-FR" sz="1200">
+                          <a:solidFill>
+                            <a:srgbClr val="C0504D"/>
+                          </a:solidFill>
+                          <a:latin typeface="Zapf Dingbats"/>
+                          <a:ea typeface="Zapf Dingbats"/>
+                          <a:cs typeface="Zapf Dingbats"/>
+                          <a:sym typeface="Zapf Dingbats"/>
+                        </a:rPr>
+                        <a:t>✗</a:t>
+                      </a:r>
+                      <a:endParaRPr lang="fr-FR" sz="1200"/>
+                    </a:p>
+                  </a:txBody>
+                  <a:tcPr marL="0" marR="0" marT="0" marB="0" anchor="ctr"/>
+                </a:tc>
+                <a:tc>
+                  <a:txBody>
+                    <a:bodyPr/>
+                    <a:lstStyle/>
+                    <a:p>
+                      <a:pPr algn="ctr"/>
+                      <a:r>
+                        <a:rPr lang="fr-FR" sz="1200">
+                          <a:solidFill>
+                            <a:schemeClr val="tx2"/>
+                          </a:solidFill>
+                          <a:latin typeface="Zapf Dingbats"/>
+                          <a:ea typeface="Zapf Dingbats"/>
+                          <a:cs typeface="Zapf Dingbats"/>
+                          <a:sym typeface="Zapf Dingbats"/>
+                        </a:rPr>
+                        <a:t>✓</a:t>
+                      </a:r>
+                      <a:endParaRPr lang="fr-FR" sz="1200"/>
+                    </a:p>
+                  </a:txBody>
+                  <a:tcPr marL="0" marR="0" marT="0" marB="0" anchor="ctr"/>
+                </a:tc>
+                <a:tc>
+                  <a:txBody>
+                    <a:bodyPr/>
+                    <a:lstStyle/>
+                    <a:p>
+                      <a:pPr algn="ctr"/>
+                      <a:r>
+                        <a:rPr lang="fr-FR" sz="1200">
+                          <a:solidFill>
+                            <a:schemeClr val="tx2"/>
+                          </a:solidFill>
+                          <a:latin typeface="Zapf Dingbats"/>
+                          <a:ea typeface="Zapf Dingbats"/>
+                          <a:cs typeface="Zapf Dingbats"/>
+                          <a:sym typeface="Zapf Dingbats"/>
+                        </a:rPr>
+                        <a:t>✓</a:t>
+                      </a:r>
+                      <a:endParaRPr lang="fr-FR" sz="1200"/>
+                    </a:p>
+                  </a:txBody>
+                  <a:tcPr marL="0" marR="0" marT="0" marB="0" anchor="ctr"/>
+                </a:tc>
+                <a:tc>
+                  <a:txBody>
+                    <a:bodyPr/>
+                    <a:lstStyle/>
+                    <a:p>
+                      <a:pPr algn="ctr"/>
+                      <a:r>
+                        <a:rPr lang="fr-FR" sz="1200">
+                          <a:solidFill>
+                            <a:srgbClr val="C0504D"/>
+                          </a:solidFill>
+                          <a:latin typeface="Zapf Dingbats"/>
+                          <a:ea typeface="Zapf Dingbats"/>
+                          <a:cs typeface="Zapf Dingbats"/>
+                          <a:sym typeface="Zapf Dingbats"/>
+                        </a:rPr>
+                        <a:t>✗</a:t>
+                      </a:r>
+                      <a:endParaRPr lang="fr-FR" sz="1200"/>
+                    </a:p>
+                  </a:txBody>
+                  <a:tcPr marL="0" marR="0" marT="0" marB="0" anchor="ctr"/>
+                </a:tc>
+              </a:tr>
+              <a:tr h="329248">
+                <a:tc>
+                  <a:txBody>
+                    <a:bodyPr/>
+                    <a:lstStyle/>
+                    <a:p>
+                      <a:pPr algn="ctr"/>
+                      <a:r>
+                        <a:rPr lang="fr-FR" sz="1200"/>
+                        <a:t>BIP</a:t>
+                      </a:r>
+                    </a:p>
+                  </a:txBody>
+                  <a:tcPr marL="0" marR="0" marT="0" marB="0" anchor="ctr"/>
+                </a:tc>
+                <a:tc>
+                  <a:txBody>
+                    <a:bodyPr/>
+                    <a:lstStyle/>
+                    <a:p>
+                      <a:pPr algn="ctr"/>
+                      <a:r>
+                        <a:rPr lang="fr-FR" sz="1200">
+                          <a:solidFill>
+                            <a:srgbClr val="4A8B37"/>
+                          </a:solidFill>
+                          <a:latin typeface="Zapf Dingbats"/>
+                          <a:ea typeface="Zapf Dingbats"/>
+                          <a:cs typeface="Zapf Dingbats"/>
+                          <a:sym typeface="Zapf Dingbats"/>
+                        </a:rPr>
+                        <a:t>✓</a:t>
+                      </a:r>
+                      <a:endParaRPr lang="fr-FR" sz="1200">
+                        <a:solidFill>
+                          <a:srgbClr val="4A8B37"/>
+                        </a:solidFill>
+                      </a:endParaRPr>
+                    </a:p>
+                  </a:txBody>
+                  <a:tcPr marL="0" marR="0" marT="0" marB="0" anchor="ctr"/>
+                </a:tc>
+                <a:tc>
+                  <a:txBody>
+                    <a:bodyPr/>
+                    <a:lstStyle/>
+                    <a:p>
+                      <a:pPr algn="ctr"/>
+                      <a:r>
+                        <a:rPr lang="fr-FR" sz="1200">
+                          <a:solidFill>
+                            <a:srgbClr val="C0504D"/>
+                          </a:solidFill>
+                          <a:latin typeface="Zapf Dingbats"/>
+                          <a:ea typeface="Zapf Dingbats"/>
+                          <a:cs typeface="Zapf Dingbats"/>
+                          <a:sym typeface="Zapf Dingbats"/>
+                        </a:rPr>
+                        <a:t>✗</a:t>
+                      </a:r>
+                      <a:endParaRPr lang="fr-FR" sz="1200">
+                        <a:solidFill>
+                          <a:srgbClr val="C0504D"/>
+                        </a:solidFill>
+                      </a:endParaRPr>
+                    </a:p>
+                  </a:txBody>
+                  <a:tcPr marL="0" marR="0" marT="0" marB="0" anchor="ctr"/>
+                </a:tc>
+                <a:tc>
+                  <a:txBody>
+                    <a:bodyPr/>
+                    <a:lstStyle/>
+                    <a:p>
+                      <a:pPr algn="ctr"/>
+                      <a:r>
+                        <a:rPr lang="fr-FR" sz="1200">
+                          <a:solidFill>
+                            <a:schemeClr val="tx2"/>
+                          </a:solidFill>
+                          <a:latin typeface="Zapf Dingbats"/>
+                          <a:ea typeface="Zapf Dingbats"/>
+                          <a:cs typeface="Zapf Dingbats"/>
+                          <a:sym typeface="Zapf Dingbats"/>
+                        </a:rPr>
+                        <a:t>✓</a:t>
+                      </a:r>
+                      <a:endParaRPr lang="fr-FR" sz="1200"/>
+                    </a:p>
+                  </a:txBody>
+                  <a:tcPr marL="0" marR="0" marT="0" marB="0" anchor="ctr"/>
+                </a:tc>
+                <a:tc>
+                  <a:txBody>
+                    <a:bodyPr/>
+                    <a:lstStyle/>
+                    <a:p>
+                      <a:pPr algn="ctr"/>
+                      <a:r>
+                        <a:rPr lang="fr-FR" sz="1200">
+                          <a:solidFill>
+                            <a:srgbClr val="C0504D"/>
+                          </a:solidFill>
+                          <a:latin typeface="Zapf Dingbats"/>
+                          <a:ea typeface="Zapf Dingbats"/>
+                          <a:cs typeface="Zapf Dingbats"/>
+                          <a:sym typeface="Zapf Dingbats"/>
+                        </a:rPr>
+                        <a:t>✗</a:t>
+                      </a:r>
+                      <a:endParaRPr lang="fr-FR" sz="1200"/>
+                    </a:p>
+                  </a:txBody>
+                  <a:tcPr marL="0" marR="0" marT="0" marB="0" anchor="ctr"/>
+                </a:tc>
+                <a:tc>
+                  <a:txBody>
+                    <a:bodyPr/>
+                    <a:lstStyle/>
+                    <a:p>
+                      <a:pPr algn="ctr"/>
+                      <a:r>
+                        <a:rPr lang="fr-FR" sz="1200">
+                          <a:solidFill>
+                            <a:srgbClr val="C0504D"/>
+                          </a:solidFill>
+                          <a:latin typeface="Zapf Dingbats"/>
+                          <a:ea typeface="Zapf Dingbats"/>
+                          <a:cs typeface="Zapf Dingbats"/>
+                          <a:sym typeface="Zapf Dingbats"/>
+                        </a:rPr>
+                        <a:t>✗</a:t>
+                      </a:r>
+                      <a:endParaRPr lang="fr-FR" sz="1200"/>
+                    </a:p>
+                  </a:txBody>
+                  <a:tcPr marL="0" marR="0" marT="0" marB="0" anchor="ctr"/>
+                </a:tc>
+                <a:tc>
+                  <a:txBody>
+                    <a:bodyPr/>
+                    <a:lstStyle/>
+                    <a:p>
+                      <a:pPr algn="ctr"/>
+                      <a:r>
+                        <a:rPr lang="fr-FR" sz="1200">
+                          <a:solidFill>
+                            <a:schemeClr val="tx2"/>
+                          </a:solidFill>
+                          <a:latin typeface="Zapf Dingbats"/>
+                          <a:ea typeface="Zapf Dingbats"/>
+                          <a:cs typeface="Zapf Dingbats"/>
+                          <a:sym typeface="Zapf Dingbats"/>
+                        </a:rPr>
+                        <a:t>✓</a:t>
+                      </a:r>
+                      <a:endParaRPr lang="fr-FR" sz="1200"/>
+                    </a:p>
+                  </a:txBody>
+                  <a:tcPr marL="0" marR="0" marT="0" marB="0" anchor="ctr"/>
+                </a:tc>
+                <a:tc>
+                  <a:txBody>
+                    <a:bodyPr/>
+                    <a:lstStyle/>
+                    <a:p>
+                      <a:pPr algn="ctr"/>
+                      <a:r>
+                        <a:rPr lang="fr-FR" sz="1200">
+                          <a:solidFill>
+                            <a:schemeClr val="tx2"/>
+                          </a:solidFill>
+                          <a:latin typeface="Zapf Dingbats"/>
+                          <a:ea typeface="Zapf Dingbats"/>
+                          <a:cs typeface="Zapf Dingbats"/>
+                          <a:sym typeface="Zapf Dingbats"/>
+                        </a:rPr>
+                        <a:t>✓</a:t>
+                      </a:r>
+                      <a:endParaRPr lang="fr-FR" sz="1200"/>
+                    </a:p>
+                  </a:txBody>
+                  <a:tcPr marL="0" marR="0" marT="0" marB="0" anchor="ctr"/>
+                </a:tc>
+                <a:tc>
+                  <a:txBody>
+                    <a:bodyPr/>
+                    <a:lstStyle/>
+                    <a:p>
+                      <a:pPr algn="ctr"/>
+                      <a:r>
+                        <a:rPr lang="fr-FR" sz="1200">
+                          <a:solidFill>
+                            <a:srgbClr val="C0504D"/>
+                          </a:solidFill>
+                          <a:latin typeface="Zapf Dingbats"/>
+                          <a:ea typeface="Zapf Dingbats"/>
+                          <a:cs typeface="Zapf Dingbats"/>
+                          <a:sym typeface="Zapf Dingbats"/>
+                        </a:rPr>
+                        <a:t>✗</a:t>
+                      </a:r>
+                      <a:endParaRPr lang="fr-FR" sz="1200"/>
+                    </a:p>
+                  </a:txBody>
+                  <a:tcPr marL="0" marR="0" marT="0" marB="0" anchor="ctr"/>
+                </a:tc>
+                <a:tc>
+                  <a:txBody>
+                    <a:bodyPr/>
+                    <a:lstStyle/>
+                    <a:p>
+                      <a:pPr algn="ctr"/>
+                      <a:r>
+                        <a:rPr lang="fr-FR" sz="1200">
+                          <a:solidFill>
+                            <a:schemeClr val="tx2"/>
+                          </a:solidFill>
+                          <a:latin typeface="Zapf Dingbats"/>
+                          <a:ea typeface="Zapf Dingbats"/>
+                          <a:cs typeface="Zapf Dingbats"/>
+                          <a:sym typeface="Zapf Dingbats"/>
+                        </a:rPr>
+                        <a:t>✓</a:t>
+                      </a:r>
+                      <a:endParaRPr lang="fr-FR" sz="1200"/>
+                    </a:p>
+                  </a:txBody>
+                  <a:tcPr marL="0" marR="0" marT="0" marB="0" anchor="ctr"/>
+                </a:tc>
+                <a:tc>
+                  <a:txBody>
+                    <a:bodyPr/>
+                    <a:lstStyle/>
+                    <a:p>
+                      <a:pPr algn="ctr"/>
+                      <a:r>
+                        <a:rPr lang="fr-FR" sz="1200">
+                          <a:solidFill>
+                            <a:srgbClr val="C0504D"/>
+                          </a:solidFill>
+                          <a:latin typeface="Zapf Dingbats"/>
+                          <a:ea typeface="Zapf Dingbats"/>
+                          <a:cs typeface="Zapf Dingbats"/>
+                          <a:sym typeface="Zapf Dingbats"/>
+                        </a:rPr>
+                        <a:t>✗</a:t>
+                      </a:r>
+                      <a:endParaRPr lang="fr-FR" sz="1200"/>
+                    </a:p>
+                  </a:txBody>
+                  <a:tcPr marL="0" marR="0" marT="0" marB="0" anchor="ctr"/>
+                </a:tc>
+              </a:tr>
+              <a:tr h="329248">
+                <a:tc>
+                  <a:txBody>
+                    <a:bodyPr/>
+                    <a:lstStyle/>
+                    <a:p>
+                      <a:pPr algn="ctr"/>
+                      <a:r>
+                        <a:rPr lang="fr-FR" sz="1200"/>
+                        <a:t>LBI</a:t>
+                      </a:r>
+                      <a:r>
+                        <a:rPr lang="fr-FR" sz="1200"/>
+                        <a:t>P</a:t>
+                      </a:r>
+                      <a:endParaRPr lang="fr-FR" sz="1200"/>
+                    </a:p>
+                  </a:txBody>
+                  <a:tcPr marL="0" marR="0" marT="0" marB="0" anchor="ctr"/>
+                </a:tc>
+                <a:tc>
+                  <a:txBody>
+                    <a:bodyPr/>
+                    <a:lstStyle/>
+                    <a:p>
+                      <a:pPr algn="ctr"/>
+                      <a:r>
+                        <a:rPr lang="fr-FR" sz="1200">
+                          <a:solidFill>
+                            <a:srgbClr val="4A8B37"/>
+                          </a:solidFill>
+                          <a:latin typeface="Zapf Dingbats"/>
+                          <a:ea typeface="Zapf Dingbats"/>
+                          <a:cs typeface="Zapf Dingbats"/>
+                          <a:sym typeface="Zapf Dingbats"/>
+                        </a:rPr>
+                        <a:t>✓</a:t>
+                      </a:r>
+                      <a:endParaRPr lang="fr-FR" sz="1200">
+                        <a:solidFill>
+                          <a:srgbClr val="4A8B37"/>
+                        </a:solidFill>
+                      </a:endParaRPr>
+                    </a:p>
+                  </a:txBody>
+                  <a:tcPr marL="0" marR="0" marT="0" marB="0" anchor="ctr"/>
+                </a:tc>
+                <a:tc>
+                  <a:txBody>
+                    <a:bodyPr/>
+                    <a:lstStyle/>
+                    <a:p>
+                      <a:pPr algn="ctr"/>
+                      <a:r>
+                        <a:rPr lang="fr-FR" sz="1200">
+                          <a:solidFill>
+                            <a:srgbClr val="C0504D"/>
+                          </a:solidFill>
+                          <a:latin typeface="Zapf Dingbats"/>
+                          <a:ea typeface="Zapf Dingbats"/>
+                          <a:cs typeface="Zapf Dingbats"/>
+                          <a:sym typeface="Zapf Dingbats"/>
+                        </a:rPr>
+                        <a:t>✗</a:t>
+                      </a:r>
+                      <a:endParaRPr lang="fr-FR" sz="1200">
+                        <a:solidFill>
+                          <a:srgbClr val="C0504D"/>
+                        </a:solidFill>
+                      </a:endParaRPr>
+                    </a:p>
+                  </a:txBody>
+                  <a:tcPr marL="0" marR="0" marT="0" marB="0" anchor="ctr"/>
+                </a:tc>
+                <a:tc>
+                  <a:txBody>
+                    <a:bodyPr/>
+                    <a:lstStyle/>
+                    <a:p>
+                      <a:pPr algn="ctr"/>
+                      <a:r>
+                        <a:rPr lang="fr-FR" sz="1200">
+                          <a:solidFill>
+                            <a:srgbClr val="C0504D"/>
+                          </a:solidFill>
+                          <a:latin typeface="Zapf Dingbats"/>
+                          <a:ea typeface="Zapf Dingbats"/>
+                          <a:cs typeface="Zapf Dingbats"/>
+                          <a:sym typeface="Zapf Dingbats"/>
+                        </a:rPr>
+                        <a:t>✗</a:t>
+                      </a:r>
+                      <a:endParaRPr lang="fr-FR" sz="1200"/>
+                    </a:p>
+                  </a:txBody>
+                  <a:tcPr marL="0" marR="0" marT="0" marB="0" anchor="ctr"/>
+                </a:tc>
+                <a:tc>
+                  <a:txBody>
+                    <a:bodyPr/>
+                    <a:lstStyle/>
+                    <a:p>
+                      <a:pPr algn="ctr"/>
+                      <a:r>
+                        <a:rPr lang="fr-FR" sz="1200">
+                          <a:solidFill>
+                            <a:schemeClr val="tx2"/>
+                          </a:solidFill>
+                          <a:latin typeface="Zapf Dingbats"/>
+                          <a:ea typeface="Zapf Dingbats"/>
+                          <a:cs typeface="Zapf Dingbats"/>
+                          <a:sym typeface="Zapf Dingbats"/>
+                        </a:rPr>
+                        <a:t>✓</a:t>
+                      </a:r>
+                      <a:endParaRPr lang="fr-FR" sz="1200"/>
+                    </a:p>
+                  </a:txBody>
+                  <a:tcPr marL="0" marR="0" marT="0" marB="0" anchor="ctr"/>
+                </a:tc>
+                <a:tc>
+                  <a:txBody>
+                    <a:bodyPr/>
+                    <a:lstStyle/>
+                    <a:p>
+                      <a:pPr algn="ctr"/>
+                      <a:r>
+                        <a:rPr lang="fr-FR" sz="1200">
+                          <a:solidFill>
+                            <a:srgbClr val="C0504D"/>
+                          </a:solidFill>
+                          <a:latin typeface="Zapf Dingbats"/>
+                          <a:ea typeface="Zapf Dingbats"/>
+                          <a:cs typeface="Zapf Dingbats"/>
+                          <a:sym typeface="Zapf Dingbats"/>
+                        </a:rPr>
+                        <a:t>✗</a:t>
+                      </a:r>
+                      <a:endParaRPr lang="fr-FR" sz="1200"/>
+                    </a:p>
+                  </a:txBody>
+                  <a:tcPr marL="0" marR="0" marT="0" marB="0" anchor="ctr"/>
+                </a:tc>
+                <a:tc>
+                  <a:txBody>
+                    <a:bodyPr/>
+                    <a:lstStyle/>
+                    <a:p>
+                      <a:pPr algn="ctr"/>
+                      <a:r>
+                        <a:rPr lang="fr-FR" sz="1200">
+                          <a:solidFill>
+                            <a:schemeClr val="tx2"/>
+                          </a:solidFill>
+                          <a:latin typeface="Zapf Dingbats"/>
+                          <a:ea typeface="Zapf Dingbats"/>
+                          <a:cs typeface="Zapf Dingbats"/>
+                          <a:sym typeface="Zapf Dingbats"/>
+                        </a:rPr>
+                        <a:t>✓</a:t>
+                      </a:r>
+                      <a:endParaRPr lang="fr-FR" sz="1200"/>
+                    </a:p>
+                  </a:txBody>
+                  <a:tcPr marL="0" marR="0" marT="0" marB="0" anchor="ctr"/>
+                </a:tc>
+                <a:tc>
+                  <a:txBody>
+                    <a:bodyPr/>
+                    <a:lstStyle/>
+                    <a:p>
+                      <a:pPr algn="ctr"/>
+                      <a:r>
+                        <a:rPr lang="fr-FR" sz="1200">
+                          <a:solidFill>
+                            <a:schemeClr val="tx2"/>
+                          </a:solidFill>
+                          <a:latin typeface="Zapf Dingbats"/>
+                          <a:ea typeface="Zapf Dingbats"/>
+                          <a:cs typeface="Zapf Dingbats"/>
+                          <a:sym typeface="Zapf Dingbats"/>
+                        </a:rPr>
+                        <a:t>✓</a:t>
+                      </a:r>
+                      <a:endParaRPr lang="fr-FR" sz="1200"/>
+                    </a:p>
+                  </a:txBody>
+                  <a:tcPr marL="0" marR="0" marT="0" marB="0" anchor="ctr"/>
+                </a:tc>
+                <a:tc>
+                  <a:txBody>
+                    <a:bodyPr/>
+                    <a:lstStyle/>
+                    <a:p>
+                      <a:pPr algn="ctr"/>
+                      <a:r>
+                        <a:rPr lang="fr-FR" sz="1200">
+                          <a:solidFill>
+                            <a:srgbClr val="C0504D"/>
+                          </a:solidFill>
+                          <a:latin typeface="Zapf Dingbats"/>
+                          <a:ea typeface="Zapf Dingbats"/>
+                          <a:cs typeface="Zapf Dingbats"/>
+                          <a:sym typeface="Zapf Dingbats"/>
+                        </a:rPr>
+                        <a:t>✗</a:t>
+                      </a:r>
+                      <a:endParaRPr lang="fr-FR" sz="1200"/>
+                    </a:p>
+                  </a:txBody>
+                  <a:tcPr marL="0" marR="0" marT="0" marB="0" anchor="ctr"/>
+                </a:tc>
+                <a:tc>
+                  <a:txBody>
+                    <a:bodyPr/>
+                    <a:lstStyle/>
+                    <a:p>
+                      <a:pPr algn="ctr"/>
+                      <a:r>
+                        <a:rPr lang="fr-FR" sz="1200">
+                          <a:solidFill>
+                            <a:schemeClr val="tx2"/>
+                          </a:solidFill>
+                          <a:latin typeface="Zapf Dingbats"/>
+                          <a:ea typeface="Zapf Dingbats"/>
+                          <a:cs typeface="Zapf Dingbats"/>
+                          <a:sym typeface="Zapf Dingbats"/>
+                        </a:rPr>
+                        <a:t>✓</a:t>
+                      </a:r>
+                      <a:endParaRPr lang="fr-FR" sz="1200"/>
+                    </a:p>
+                  </a:txBody>
+                  <a:tcPr marL="0" marR="0" marT="0" marB="0" anchor="ctr"/>
+                </a:tc>
+                <a:tc>
+                  <a:txBody>
+                    <a:bodyPr/>
+                    <a:lstStyle/>
+                    <a:p>
+                      <a:pPr algn="ctr"/>
+                      <a:r>
+                        <a:rPr lang="fr-FR" sz="1200">
+                          <a:solidFill>
+                            <a:srgbClr val="C0504D"/>
+                          </a:solidFill>
+                          <a:latin typeface="Zapf Dingbats"/>
+                          <a:ea typeface="Zapf Dingbats"/>
+                          <a:cs typeface="Zapf Dingbats"/>
+                          <a:sym typeface="Zapf Dingbats"/>
+                        </a:rPr>
+                        <a:t>✗</a:t>
+                      </a:r>
+                      <a:endParaRPr lang="fr-FR" sz="1200"/>
+                    </a:p>
+                  </a:txBody>
+                  <a:tcPr marL="0" marR="0" marT="0" marB="0" anchor="ctr"/>
+                </a:tc>
+              </a:tr>
+              <a:tr h="329248">
+                <a:tc>
+                  <a:txBody>
+                    <a:bodyPr/>
+                    <a:lstStyle/>
+                    <a:p>
+                      <a:pPr algn="ctr"/>
+                      <a:r>
+                        <a:rPr lang="fr-FR" sz="1200"/>
+                        <a:t>DLBIP</a:t>
+                      </a:r>
+                    </a:p>
+                  </a:txBody>
+                  <a:tcPr marL="0" marR="0" marT="0" marB="0" anchor="ctr"/>
+                </a:tc>
+                <a:tc>
+                  <a:txBody>
+                    <a:bodyPr/>
+                    <a:lstStyle/>
+                    <a:p>
+                      <a:pPr algn="ctr"/>
+                      <a:r>
+                        <a:rPr lang="fr-FR" sz="1200">
+                          <a:solidFill>
+                            <a:srgbClr val="4A8B37"/>
+                          </a:solidFill>
+                          <a:latin typeface="Zapf Dingbats"/>
+                          <a:ea typeface="Zapf Dingbats"/>
+                          <a:cs typeface="Zapf Dingbats"/>
+                          <a:sym typeface="Zapf Dingbats"/>
+                        </a:rPr>
+                        <a:t>✓</a:t>
+                      </a:r>
+                      <a:endParaRPr lang="fr-FR" sz="1200">
+                        <a:solidFill>
+                          <a:srgbClr val="4A8B37"/>
+                        </a:solidFill>
+                      </a:endParaRPr>
+                    </a:p>
+                  </a:txBody>
+                  <a:tcPr marL="0" marR="0" marT="0" marB="0" anchor="ctr"/>
+                </a:tc>
+                <a:tc>
+                  <a:txBody>
+                    <a:bodyPr/>
+                    <a:lstStyle/>
+                    <a:p>
+                      <a:pPr algn="ctr"/>
+                      <a:r>
+                        <a:rPr lang="fr-FR" sz="1200">
+                          <a:solidFill>
+                            <a:srgbClr val="C0504D"/>
+                          </a:solidFill>
+                          <a:latin typeface="Zapf Dingbats"/>
+                          <a:ea typeface="Zapf Dingbats"/>
+                          <a:cs typeface="Zapf Dingbats"/>
+                          <a:sym typeface="Zapf Dingbats"/>
+                        </a:rPr>
+                        <a:t>✗</a:t>
+                      </a:r>
+                      <a:endParaRPr lang="fr-FR" sz="1200">
+                        <a:solidFill>
+                          <a:srgbClr val="C0504D"/>
+                        </a:solidFill>
+                      </a:endParaRPr>
+                    </a:p>
+                  </a:txBody>
+                  <a:tcPr marL="0" marR="0" marT="0" marB="0" anchor="ctr"/>
+                </a:tc>
+                <a:tc>
+                  <a:txBody>
+                    <a:bodyPr/>
+                    <a:lstStyle/>
+                    <a:p>
+                      <a:pPr algn="ctr"/>
+                      <a:r>
+                        <a:rPr lang="fr-FR" sz="1200">
+                          <a:solidFill>
+                            <a:srgbClr val="C0504D"/>
+                          </a:solidFill>
+                          <a:latin typeface="Zapf Dingbats"/>
+                          <a:ea typeface="Zapf Dingbats"/>
+                          <a:cs typeface="Zapf Dingbats"/>
+                          <a:sym typeface="Zapf Dingbats"/>
+                        </a:rPr>
+                        <a:t>✗</a:t>
+                      </a:r>
+                      <a:endParaRPr lang="fr-FR" sz="1200"/>
+                    </a:p>
+                  </a:txBody>
+                  <a:tcPr marL="0" marR="0" marT="0" marB="0" anchor="ctr"/>
+                </a:tc>
+                <a:tc>
+                  <a:txBody>
+                    <a:bodyPr/>
+                    <a:lstStyle/>
+                    <a:p>
+                      <a:pPr algn="ctr"/>
+                      <a:r>
+                        <a:rPr lang="fr-FR" sz="1200">
+                          <a:solidFill>
+                            <a:schemeClr val="tx2"/>
+                          </a:solidFill>
+                          <a:latin typeface="Zapf Dingbats"/>
+                          <a:ea typeface="Zapf Dingbats"/>
+                          <a:cs typeface="Zapf Dingbats"/>
+                          <a:sym typeface="Zapf Dingbats"/>
+                        </a:rPr>
+                        <a:t>✓</a:t>
+                      </a:r>
+                      <a:endParaRPr lang="fr-FR" sz="1200"/>
+                    </a:p>
+                  </a:txBody>
+                  <a:tcPr marL="0" marR="0" marT="0" marB="0" anchor="ctr"/>
+                </a:tc>
+                <a:tc>
+                  <a:txBody>
+                    <a:bodyPr/>
+                    <a:lstStyle/>
+                    <a:p>
+                      <a:pPr algn="ctr"/>
+                      <a:r>
+                        <a:rPr lang="fr-FR" sz="1200">
+                          <a:solidFill>
+                            <a:srgbClr val="C0504D"/>
+                          </a:solidFill>
+                          <a:latin typeface="Zapf Dingbats"/>
+                          <a:ea typeface="Zapf Dingbats"/>
+                          <a:cs typeface="Zapf Dingbats"/>
+                          <a:sym typeface="Zapf Dingbats"/>
+                        </a:rPr>
+                        <a:t>✗</a:t>
+                      </a:r>
+                      <a:endParaRPr lang="fr-FR" sz="1200"/>
+                    </a:p>
+                  </a:txBody>
+                  <a:tcPr marL="0" marR="0" marT="0" marB="0" anchor="ctr"/>
+                </a:tc>
+                <a:tc>
+                  <a:txBody>
+                    <a:bodyPr/>
+                    <a:lstStyle/>
+                    <a:p>
+                      <a:pPr algn="ctr"/>
+                      <a:r>
+                        <a:rPr lang="fr-FR" sz="1200">
+                          <a:solidFill>
+                            <a:schemeClr val="tx2"/>
+                          </a:solidFill>
+                          <a:latin typeface="Zapf Dingbats"/>
+                          <a:ea typeface="Zapf Dingbats"/>
+                          <a:cs typeface="Zapf Dingbats"/>
+                          <a:sym typeface="Zapf Dingbats"/>
+                        </a:rPr>
+                        <a:t>✓</a:t>
+                      </a:r>
+                      <a:endParaRPr lang="fr-FR" sz="1200"/>
+                    </a:p>
+                  </a:txBody>
+                  <a:tcPr marL="0" marR="0" marT="0" marB="0" anchor="ctr"/>
+                </a:tc>
+                <a:tc>
+                  <a:txBody>
+                    <a:bodyPr/>
+                    <a:lstStyle/>
+                    <a:p>
+                      <a:pPr algn="ctr"/>
+                      <a:r>
+                        <a:rPr lang="fr-FR" sz="1200">
+                          <a:solidFill>
+                            <a:schemeClr val="tx2"/>
+                          </a:solidFill>
+                          <a:latin typeface="Zapf Dingbats"/>
+                          <a:ea typeface="Zapf Dingbats"/>
+                          <a:cs typeface="Zapf Dingbats"/>
+                          <a:sym typeface="Zapf Dingbats"/>
+                        </a:rPr>
+                        <a:t>✓</a:t>
+                      </a:r>
+                      <a:endParaRPr lang="fr-FR" sz="1200"/>
+                    </a:p>
+                  </a:txBody>
+                  <a:tcPr marL="0" marR="0" marT="0" marB="0" anchor="ctr"/>
+                </a:tc>
+                <a:tc>
+                  <a:txBody>
+                    <a:bodyPr/>
+                    <a:lstStyle/>
+                    <a:p>
+                      <a:pPr algn="ctr"/>
+                      <a:r>
+                        <a:rPr lang="fr-FR" sz="1200">
+                          <a:solidFill>
+                            <a:srgbClr val="C0504D"/>
+                          </a:solidFill>
+                          <a:latin typeface="Zapf Dingbats"/>
+                          <a:ea typeface="Zapf Dingbats"/>
+                          <a:cs typeface="Zapf Dingbats"/>
+                          <a:sym typeface="Zapf Dingbats"/>
+                        </a:rPr>
+                        <a:t>✗</a:t>
+                      </a:r>
+                      <a:endParaRPr lang="fr-FR" sz="1200"/>
+                    </a:p>
+                  </a:txBody>
+                  <a:tcPr marL="0" marR="0" marT="0" marB="0" anchor="ctr"/>
+                </a:tc>
+                <a:tc>
+                  <a:txBody>
+                    <a:bodyPr/>
+                    <a:lstStyle/>
+                    <a:p>
+                      <a:pPr algn="ctr"/>
+                      <a:r>
+                        <a:rPr lang="fr-FR" sz="1200">
+                          <a:solidFill>
+                            <a:schemeClr val="tx2"/>
+                          </a:solidFill>
+                          <a:latin typeface="Zapf Dingbats"/>
+                          <a:ea typeface="Zapf Dingbats"/>
+                          <a:cs typeface="Zapf Dingbats"/>
+                          <a:sym typeface="Zapf Dingbats"/>
+                        </a:rPr>
+                        <a:t>✓</a:t>
+                      </a:r>
+                      <a:endParaRPr lang="fr-FR" sz="1200"/>
+                    </a:p>
+                  </a:txBody>
+                  <a:tcPr marL="0" marR="0" marT="0" marB="0" anchor="ctr"/>
+                </a:tc>
+                <a:tc>
+                  <a:txBody>
+                    <a:bodyPr/>
+                    <a:lstStyle/>
+                    <a:p>
+                      <a:pPr algn="ctr"/>
+                      <a:r>
+                        <a:rPr lang="fr-FR" sz="1200">
+                          <a:solidFill>
+                            <a:srgbClr val="C0504D"/>
+                          </a:solidFill>
+                          <a:latin typeface="Zapf Dingbats"/>
+                          <a:ea typeface="Zapf Dingbats"/>
+                          <a:cs typeface="Zapf Dingbats"/>
+                          <a:sym typeface="Zapf Dingbats"/>
+                        </a:rPr>
+                        <a:t>✗</a:t>
+                      </a:r>
+                      <a:endParaRPr lang="fr-FR" sz="1200"/>
+                    </a:p>
+                  </a:txBody>
+                  <a:tcPr marL="0" marR="0" marT="0" marB="0" anchor="ctr"/>
+                </a:tc>
+              </a:tr>
+              <a:tr h="329248">
+                <a:tc>
+                  <a:txBody>
+                    <a:bodyPr/>
+                    <a:lstStyle/>
+                    <a:p>
+                      <a:pPr algn="ctr"/>
+                      <a:r>
+                        <a:rPr lang="fr-FR" sz="1200"/>
+                        <a:t>RRS</a:t>
+                      </a:r>
+                    </a:p>
+                  </a:txBody>
+                  <a:tcPr marL="0" marR="0" marT="0" marB="0" anchor="ctr"/>
+                </a:tc>
+                <a:tc>
+                  <a:txBody>
+                    <a:bodyPr/>
+                    <a:lstStyle/>
+                    <a:p>
+                      <a:pPr algn="ctr"/>
+                      <a:r>
+                        <a:rPr lang="fr-FR" sz="1200">
+                          <a:solidFill>
+                            <a:srgbClr val="4A8B37"/>
+                          </a:solidFill>
+                          <a:latin typeface="Zapf Dingbats"/>
+                          <a:ea typeface="Zapf Dingbats"/>
+                          <a:cs typeface="Zapf Dingbats"/>
+                          <a:sym typeface="Zapf Dingbats"/>
+                        </a:rPr>
+                        <a:t>✓</a:t>
+                      </a:r>
+                      <a:endParaRPr lang="fr-FR" sz="1200">
+                        <a:solidFill>
+                          <a:srgbClr val="4A8B37"/>
+                        </a:solidFill>
+                      </a:endParaRPr>
+                    </a:p>
+                  </a:txBody>
+                  <a:tcPr marL="0" marR="0" marT="0" marB="0" anchor="ctr"/>
+                </a:tc>
+                <a:tc>
+                  <a:txBody>
+                    <a:bodyPr/>
+                    <a:lstStyle/>
+                    <a:p>
+                      <a:pPr algn="ctr"/>
+                      <a:r>
+                        <a:rPr lang="fr-FR" sz="1200">
+                          <a:solidFill>
+                            <a:srgbClr val="C0504D"/>
+                          </a:solidFill>
+                          <a:latin typeface="Zapf Dingbats"/>
+                          <a:ea typeface="Zapf Dingbats"/>
+                          <a:cs typeface="Zapf Dingbats"/>
+                          <a:sym typeface="Zapf Dingbats"/>
+                        </a:rPr>
+                        <a:t>✗</a:t>
+                      </a:r>
+                      <a:endParaRPr lang="fr-FR" sz="1200">
+                        <a:solidFill>
+                          <a:srgbClr val="C0504D"/>
+                        </a:solidFill>
+                      </a:endParaRPr>
+                    </a:p>
+                  </a:txBody>
+                  <a:tcPr marL="0" marR="0" marT="0" marB="0" anchor="ctr"/>
+                </a:tc>
+                <a:tc>
+                  <a:txBody>
+                    <a:bodyPr/>
+                    <a:lstStyle/>
+                    <a:p>
+                      <a:pPr algn="ctr"/>
+                      <a:endParaRPr lang="fr-FR" sz="1200"/>
+                    </a:p>
+                  </a:txBody>
+                  <a:tcPr marL="0" marR="0" marT="0" marB="0" anchor="ctr"/>
+                </a:tc>
+                <a:tc>
+                  <a:txBody>
+                    <a:bodyPr/>
+                    <a:lstStyle/>
+                    <a:p>
+                      <a:pPr algn="ctr"/>
+                      <a:endParaRPr lang="fr-FR" sz="1200"/>
+                    </a:p>
+                  </a:txBody>
+                  <a:tcPr marL="0" marR="0" marT="0" marB="0" anchor="ctr"/>
+                </a:tc>
+                <a:tc>
+                  <a:txBody>
+                    <a:bodyPr/>
+                    <a:lstStyle/>
+                    <a:p>
+                      <a:pPr algn="ctr"/>
+                      <a:endParaRPr lang="fr-FR" sz="1200"/>
+                    </a:p>
+                  </a:txBody>
+                  <a:tcPr marL="0" marR="0" marT="0" marB="0" anchor="ctr"/>
+                </a:tc>
+                <a:tc>
+                  <a:txBody>
+                    <a:bodyPr/>
+                    <a:lstStyle/>
+                    <a:p>
+                      <a:pPr algn="ctr"/>
+                      <a:endParaRPr lang="fr-FR" sz="1200"/>
+                    </a:p>
+                  </a:txBody>
+                  <a:tcPr marL="0" marR="0" marT="0" marB="0" anchor="ctr"/>
+                </a:tc>
+                <a:tc>
+                  <a:txBody>
+                    <a:bodyPr/>
+                    <a:lstStyle/>
+                    <a:p>
+                      <a:pPr algn="ctr"/>
+                      <a:endParaRPr lang="fr-FR" sz="1200"/>
+                    </a:p>
+                  </a:txBody>
+                  <a:tcPr marL="0" marR="0" marT="0" marB="0" anchor="ctr"/>
+                </a:tc>
+                <a:tc>
+                  <a:txBody>
+                    <a:bodyPr/>
+                    <a:lstStyle/>
+                    <a:p>
+                      <a:pPr algn="ctr"/>
+                      <a:endParaRPr lang="fr-FR" sz="1200"/>
+                    </a:p>
+                  </a:txBody>
+                  <a:tcPr marL="0" marR="0" marT="0" marB="0" anchor="ctr"/>
+                </a:tc>
+                <a:tc>
+                  <a:txBody>
+                    <a:bodyPr/>
+                    <a:lstStyle/>
+                    <a:p>
+                      <a:pPr algn="ctr"/>
+                      <a:endParaRPr lang="fr-FR" sz="1200"/>
+                    </a:p>
+                  </a:txBody>
+                  <a:tcPr marL="0" marR="0" marT="0" marB="0" anchor="ctr"/>
+                </a:tc>
+                <a:tc>
+                  <a:txBody>
+                    <a:bodyPr/>
+                    <a:lstStyle/>
+                    <a:p>
+                      <a:pPr algn="ctr"/>
+                      <a:endParaRPr lang="fr-FR" sz="1200"/>
+                    </a:p>
+                  </a:txBody>
+                  <a:tcPr marL="0" marR="0" marT="0" marB="0" anchor="ctr"/>
+                </a:tc>
+              </a:tr>
+              <a:tr h="329248">
+                <a:tc>
+                  <a:txBody>
+                    <a:bodyPr/>
+                    <a:lstStyle/>
+                    <a:p>
+                      <a:pPr algn="ctr"/>
+                      <a:r>
+                        <a:rPr lang="fr-FR" sz="1200"/>
+                        <a:t>LBOP</a:t>
+                      </a:r>
+                    </a:p>
+                  </a:txBody>
+                  <a:tcPr marL="0" marR="0" marT="0" marB="0" anchor="ctr"/>
+                </a:tc>
+                <a:tc>
+                  <a:txBody>
+                    <a:bodyPr/>
+                    <a:lstStyle/>
+                    <a:p>
+                      <a:pPr algn="ctr"/>
+                      <a:r>
+                        <a:rPr lang="fr-FR" sz="1200">
+                          <a:solidFill>
+                            <a:srgbClr val="4A8B37"/>
+                          </a:solidFill>
+                          <a:latin typeface="Zapf Dingbats"/>
+                          <a:ea typeface="Zapf Dingbats"/>
+                          <a:cs typeface="Zapf Dingbats"/>
+                          <a:sym typeface="Zapf Dingbats"/>
+                        </a:rPr>
+                        <a:t>✓</a:t>
+                      </a:r>
+                      <a:endParaRPr lang="fr-FR" sz="1200">
+                        <a:solidFill>
+                          <a:srgbClr val="4A8B37"/>
+                        </a:solidFill>
+                      </a:endParaRPr>
+                    </a:p>
+                  </a:txBody>
+                  <a:tcPr marL="0" marR="0" marT="0" marB="0" anchor="ctr"/>
+                </a:tc>
+                <a:tc>
+                  <a:txBody>
+                    <a:bodyPr/>
+                    <a:lstStyle/>
+                    <a:p>
+                      <a:pPr algn="ctr"/>
+                      <a:r>
+                        <a:rPr lang="fr-FR" sz="1200">
+                          <a:solidFill>
+                            <a:srgbClr val="C0504D"/>
+                          </a:solidFill>
+                          <a:latin typeface="Zapf Dingbats"/>
+                          <a:ea typeface="Zapf Dingbats"/>
+                          <a:cs typeface="Zapf Dingbats"/>
+                          <a:sym typeface="Zapf Dingbats"/>
+                        </a:rPr>
+                        <a:t>✗</a:t>
+                      </a:r>
+                      <a:endParaRPr lang="fr-FR" sz="1200">
+                        <a:solidFill>
+                          <a:srgbClr val="C0504D"/>
+                        </a:solidFill>
+                      </a:endParaRPr>
+                    </a:p>
+                  </a:txBody>
+                  <a:tcPr marL="0" marR="0" marT="0" marB="0" anchor="ctr"/>
+                </a:tc>
+                <a:tc>
+                  <a:txBody>
+                    <a:bodyPr/>
+                    <a:lstStyle/>
+                    <a:p>
+                      <a:pPr algn="ctr"/>
+                      <a:endParaRPr lang="fr-FR" sz="1200"/>
+                    </a:p>
+                  </a:txBody>
+                  <a:tcPr marL="0" marR="0" marT="0" marB="0" anchor="ctr"/>
+                </a:tc>
+                <a:tc>
+                  <a:txBody>
+                    <a:bodyPr/>
+                    <a:lstStyle/>
+                    <a:p>
+                      <a:pPr algn="ctr"/>
+                      <a:endParaRPr lang="fr-FR" sz="1200"/>
+                    </a:p>
+                  </a:txBody>
+                  <a:tcPr marL="0" marR="0" marT="0" marB="0" anchor="ctr"/>
+                </a:tc>
+                <a:tc>
+                  <a:txBody>
+                    <a:bodyPr/>
+                    <a:lstStyle/>
+                    <a:p>
+                      <a:pPr algn="ctr"/>
+                      <a:endParaRPr lang="fr-FR" sz="1200"/>
+                    </a:p>
+                  </a:txBody>
+                  <a:tcPr marL="0" marR="0" marT="0" marB="0" anchor="ctr"/>
+                </a:tc>
+                <a:tc>
+                  <a:txBody>
+                    <a:bodyPr/>
+                    <a:lstStyle/>
+                    <a:p>
+                      <a:pPr algn="ctr"/>
+                      <a:endParaRPr lang="fr-FR" sz="1200"/>
+                    </a:p>
+                  </a:txBody>
+                  <a:tcPr marL="0" marR="0" marT="0" marB="0" anchor="ctr"/>
+                </a:tc>
+                <a:tc>
+                  <a:txBody>
+                    <a:bodyPr/>
+                    <a:lstStyle/>
+                    <a:p>
+                      <a:pPr algn="ctr"/>
+                      <a:endParaRPr lang="fr-FR" sz="1200"/>
+                    </a:p>
+                  </a:txBody>
+                  <a:tcPr marL="0" marR="0" marT="0" marB="0" anchor="ctr"/>
+                </a:tc>
+                <a:tc>
+                  <a:txBody>
+                    <a:bodyPr/>
+                    <a:lstStyle/>
+                    <a:p>
+                      <a:pPr algn="ctr"/>
+                      <a:endParaRPr lang="fr-FR" sz="1200"/>
+                    </a:p>
+                  </a:txBody>
+                  <a:tcPr marL="0" marR="0" marT="0" marB="0" anchor="ctr"/>
+                </a:tc>
+                <a:tc>
+                  <a:txBody>
+                    <a:bodyPr/>
+                    <a:lstStyle/>
+                    <a:p>
+                      <a:pPr algn="ctr"/>
+                      <a:endParaRPr lang="fr-FR" sz="1200"/>
+                    </a:p>
+                  </a:txBody>
+                  <a:tcPr marL="0" marR="0" marT="0" marB="0" anchor="ctr"/>
+                </a:tc>
+                <a:tc>
+                  <a:txBody>
+                    <a:bodyPr/>
+                    <a:lstStyle/>
+                    <a:p>
+                      <a:pPr algn="ctr"/>
+                      <a:endParaRPr lang="fr-FR" sz="1200"/>
+                    </a:p>
+                  </a:txBody>
+                  <a:tcPr marL="0" marR="0" marT="0" marB="0" anchor="ctr"/>
+                </a:tc>
+              </a:tr>
+              <a:tr h="329248">
+                <a:tc>
+                  <a:txBody>
+                    <a:bodyPr/>
+                    <a:lstStyle/>
+                    <a:p>
+                      <a:pPr algn="ctr"/>
+                      <a:r>
+                        <a:rPr lang="fr-FR" sz="1200"/>
+                        <a:t>RBOP</a:t>
+                      </a:r>
+                    </a:p>
+                  </a:txBody>
+                  <a:tcPr marL="0" marR="0" marT="0" marB="0" anchor="ctr"/>
+                </a:tc>
+                <a:tc>
+                  <a:txBody>
+                    <a:bodyPr/>
+                    <a:lstStyle/>
+                    <a:p>
+                      <a:pPr algn="ctr"/>
+                      <a:r>
+                        <a:rPr lang="fr-FR" sz="1200">
+                          <a:solidFill>
+                            <a:srgbClr val="4A8B37"/>
+                          </a:solidFill>
+                          <a:latin typeface="Zapf Dingbats"/>
+                          <a:ea typeface="Zapf Dingbats"/>
+                          <a:cs typeface="Zapf Dingbats"/>
+                          <a:sym typeface="Zapf Dingbats"/>
+                        </a:rPr>
+                        <a:t>✓</a:t>
+                      </a:r>
+                      <a:endParaRPr lang="fr-FR" sz="1200">
+                        <a:solidFill>
+                          <a:srgbClr val="4A8B37"/>
+                        </a:solidFill>
+                      </a:endParaRPr>
+                    </a:p>
+                  </a:txBody>
+                  <a:tcPr marL="0" marR="0" marT="0" marB="0" anchor="ctr"/>
+                </a:tc>
+                <a:tc>
+                  <a:txBody>
+                    <a:bodyPr/>
+                    <a:lstStyle/>
+                    <a:p>
+                      <a:pPr algn="ctr"/>
+                      <a:r>
+                        <a:rPr lang="fr-FR" sz="1200">
+                          <a:solidFill>
+                            <a:srgbClr val="C0504D"/>
+                          </a:solidFill>
+                          <a:latin typeface="Zapf Dingbats"/>
+                          <a:ea typeface="Zapf Dingbats"/>
+                          <a:cs typeface="Zapf Dingbats"/>
+                          <a:sym typeface="Zapf Dingbats"/>
+                        </a:rPr>
+                        <a:t>✗</a:t>
+                      </a:r>
+                      <a:endParaRPr lang="fr-FR" sz="1200">
+                        <a:solidFill>
+                          <a:srgbClr val="C0504D"/>
+                        </a:solidFill>
+                      </a:endParaRPr>
+                    </a:p>
+                  </a:txBody>
+                  <a:tcPr marL="0" marR="0" marT="0" marB="0" anchor="ctr"/>
+                </a:tc>
+                <a:tc>
+                  <a:txBody>
+                    <a:bodyPr/>
+                    <a:lstStyle/>
+                    <a:p>
+                      <a:pPr algn="ctr"/>
+                      <a:endParaRPr lang="fr-FR" sz="1200"/>
+                    </a:p>
+                  </a:txBody>
+                  <a:tcPr marL="0" marR="0" marT="0" marB="0" anchor="ctr"/>
+                </a:tc>
+                <a:tc>
+                  <a:txBody>
+                    <a:bodyPr/>
+                    <a:lstStyle/>
+                    <a:p>
+                      <a:pPr algn="ctr"/>
+                      <a:endParaRPr lang="fr-FR" sz="1200"/>
+                    </a:p>
+                  </a:txBody>
+                  <a:tcPr marL="0" marR="0" marT="0" marB="0" anchor="ctr"/>
+                </a:tc>
+                <a:tc>
+                  <a:txBody>
+                    <a:bodyPr/>
+                    <a:lstStyle/>
+                    <a:p>
+                      <a:pPr algn="ctr"/>
+                      <a:endParaRPr lang="fr-FR" sz="1200"/>
+                    </a:p>
+                  </a:txBody>
+                  <a:tcPr marL="0" marR="0" marT="0" marB="0" anchor="ctr"/>
+                </a:tc>
+                <a:tc>
+                  <a:txBody>
+                    <a:bodyPr/>
+                    <a:lstStyle/>
+                    <a:p>
+                      <a:pPr algn="ctr"/>
+                      <a:endParaRPr lang="fr-FR" sz="1200"/>
+                    </a:p>
+                  </a:txBody>
+                  <a:tcPr marL="0" marR="0" marT="0" marB="0" anchor="ctr"/>
+                </a:tc>
+                <a:tc>
+                  <a:txBody>
+                    <a:bodyPr/>
+                    <a:lstStyle/>
+                    <a:p>
+                      <a:pPr algn="ctr"/>
+                      <a:endParaRPr lang="fr-FR" sz="1200"/>
+                    </a:p>
+                  </a:txBody>
+                  <a:tcPr marL="0" marR="0" marT="0" marB="0" anchor="ctr"/>
+                </a:tc>
+                <a:tc>
+                  <a:txBody>
+                    <a:bodyPr/>
+                    <a:lstStyle/>
+                    <a:p>
+                      <a:pPr algn="ctr"/>
+                      <a:endParaRPr lang="fr-FR" sz="1200"/>
+                    </a:p>
+                  </a:txBody>
+                  <a:tcPr marL="0" marR="0" marT="0" marB="0" anchor="ctr"/>
+                </a:tc>
+                <a:tc>
+                  <a:txBody>
+                    <a:bodyPr/>
+                    <a:lstStyle/>
+                    <a:p>
+                      <a:pPr algn="ctr"/>
+                      <a:endParaRPr lang="fr-FR" sz="1200"/>
+                    </a:p>
+                  </a:txBody>
+                  <a:tcPr marL="0" marR="0" marT="0" marB="0" anchor="ctr"/>
+                </a:tc>
+                <a:tc>
+                  <a:txBody>
+                    <a:bodyPr/>
+                    <a:lstStyle/>
+                    <a:p>
+                      <a:pPr algn="ctr"/>
+                      <a:endParaRPr lang="fr-FR" sz="1200"/>
+                    </a:p>
+                  </a:txBody>
+                  <a:tcPr marL="0" marR="0" marT="0" marB="0" anchor="ctr"/>
+                </a:tc>
+              </a:tr>
+              <a:tr h="329248">
+                <a:tc>
+                  <a:txBody>
+                    <a:bodyPr/>
+                    <a:lstStyle/>
+                    <a:p>
+                      <a:pPr algn="ctr"/>
+                      <a:r>
+                        <a:rPr lang="fr-FR" sz="1200"/>
+                        <a:t>TR-LBOP</a:t>
+                      </a:r>
+                    </a:p>
+                  </a:txBody>
+                  <a:tcPr marL="0" marR="0" marT="0" marB="0" anchor="ctr"/>
+                </a:tc>
+                <a:tc>
+                  <a:txBody>
+                    <a:bodyPr/>
+                    <a:lstStyle/>
+                    <a:p>
+                      <a:pPr algn="ctr"/>
+                      <a:r>
+                        <a:rPr lang="fr-FR" sz="1200">
+                          <a:solidFill>
+                            <a:srgbClr val="4A8B37"/>
+                          </a:solidFill>
+                          <a:latin typeface="Zapf Dingbats"/>
+                          <a:ea typeface="Zapf Dingbats"/>
+                          <a:cs typeface="Zapf Dingbats"/>
+                          <a:sym typeface="Zapf Dingbats"/>
+                        </a:rPr>
+                        <a:t>✓</a:t>
+                      </a:r>
+                      <a:endParaRPr lang="fr-FR" sz="1200">
+                        <a:solidFill>
+                          <a:srgbClr val="4A8B37"/>
+                        </a:solidFill>
+                      </a:endParaRPr>
+                    </a:p>
+                  </a:txBody>
+                  <a:tcPr marL="0" marR="0" marT="0" marB="0" anchor="ctr"/>
+                </a:tc>
+                <a:tc>
+                  <a:txBody>
+                    <a:bodyPr/>
+                    <a:lstStyle/>
+                    <a:p>
+                      <a:pPr algn="ctr"/>
+                      <a:r>
+                        <a:rPr lang="fr-FR" sz="1200">
+                          <a:solidFill>
+                            <a:srgbClr val="C0504D"/>
+                          </a:solidFill>
+                          <a:latin typeface="Zapf Dingbats"/>
+                          <a:ea typeface="Zapf Dingbats"/>
+                          <a:cs typeface="Zapf Dingbats"/>
+                          <a:sym typeface="Zapf Dingbats"/>
+                        </a:rPr>
+                        <a:t>✗</a:t>
+                      </a:r>
+                      <a:endParaRPr lang="fr-FR" sz="1200">
+                        <a:solidFill>
+                          <a:srgbClr val="C0504D"/>
+                        </a:solidFill>
+                      </a:endParaRPr>
+                    </a:p>
+                  </a:txBody>
+                  <a:tcPr marL="0" marR="0" marT="0" marB="0" anchor="ctr"/>
+                </a:tc>
+                <a:tc>
+                  <a:txBody>
+                    <a:bodyPr/>
+                    <a:lstStyle/>
+                    <a:p>
+                      <a:pPr algn="ctr"/>
+                      <a:endParaRPr lang="fr-FR" sz="1200"/>
+                    </a:p>
+                  </a:txBody>
+                  <a:tcPr marL="0" marR="0" marT="0" marB="0" anchor="ctr"/>
+                </a:tc>
+                <a:tc>
+                  <a:txBody>
+                    <a:bodyPr/>
+                    <a:lstStyle/>
+                    <a:p>
+                      <a:pPr algn="ctr"/>
+                      <a:endParaRPr lang="fr-FR" sz="1200"/>
+                    </a:p>
+                  </a:txBody>
+                  <a:tcPr marL="0" marR="0" marT="0" marB="0" anchor="ctr"/>
+                </a:tc>
+                <a:tc>
+                  <a:txBody>
+                    <a:bodyPr/>
+                    <a:lstStyle/>
+                    <a:p>
+                      <a:pPr algn="ctr"/>
+                      <a:endParaRPr lang="fr-FR" sz="1200"/>
+                    </a:p>
+                  </a:txBody>
+                  <a:tcPr marL="0" marR="0" marT="0" marB="0" anchor="ctr"/>
+                </a:tc>
+                <a:tc>
+                  <a:txBody>
+                    <a:bodyPr/>
+                    <a:lstStyle/>
+                    <a:p>
+                      <a:pPr algn="ctr"/>
+                      <a:endParaRPr lang="fr-FR" sz="1200"/>
+                    </a:p>
+                  </a:txBody>
+                  <a:tcPr marL="0" marR="0" marT="0" marB="0" anchor="ctr"/>
+                </a:tc>
+                <a:tc>
+                  <a:txBody>
+                    <a:bodyPr/>
+                    <a:lstStyle/>
+                    <a:p>
+                      <a:pPr algn="ctr"/>
+                      <a:endParaRPr lang="fr-FR" sz="1200"/>
+                    </a:p>
+                  </a:txBody>
+                  <a:tcPr marL="0" marR="0" marT="0" marB="0" anchor="ctr"/>
+                </a:tc>
+                <a:tc>
+                  <a:txBody>
+                    <a:bodyPr/>
+                    <a:lstStyle/>
+                    <a:p>
+                      <a:pPr algn="ctr"/>
+                      <a:endParaRPr lang="fr-FR" sz="1200"/>
+                    </a:p>
+                  </a:txBody>
+                  <a:tcPr marL="0" marR="0" marT="0" marB="0" anchor="ctr"/>
+                </a:tc>
+                <a:tc>
+                  <a:txBody>
+                    <a:bodyPr/>
+                    <a:lstStyle/>
+                    <a:p>
+                      <a:pPr algn="ctr"/>
+                      <a:endParaRPr lang="fr-FR" sz="1200"/>
+                    </a:p>
+                  </a:txBody>
+                  <a:tcPr marL="0" marR="0" marT="0" marB="0" anchor="ctr"/>
+                </a:tc>
+                <a:tc>
+                  <a:txBody>
+                    <a:bodyPr/>
+                    <a:lstStyle/>
+                    <a:p>
+                      <a:pPr algn="ctr"/>
+                      <a:endParaRPr lang="fr-FR" sz="1200"/>
+                    </a:p>
+                  </a:txBody>
+                  <a:tcPr marL="0" marR="0" marT="0" marB="0" anchor="ctr"/>
+                </a:tc>
+              </a:tr>
+            </a:tbl>
+          </a:graphicData>
+        </a:graphic>
+      </p:graphicFrame>
+      <p:sp>
+        <p:nvSpPr>
+          <p:cNvPr id="4" name="Espace réservé du numéro de diapositive 3"/>
+          <p:cNvSpPr>
+            <a:spLocks noGrp="1"/>
+          </p:cNvSpPr>
+          <p:nvPr>
+            <p:ph type="sldNum" sz="quarter" idx="12"/>
+          </p:nvPr>
+        </p:nvSpPr>
+        <p:spPr/>
+        <p:txBody>
+          <a:bodyPr/>
+          <a:lstStyle/>
+          <a:p>
+            <a:fld id="{632DADDA-56E0-0F4D-8444-EEC8234C8BEB}" type="slidenum">
+              <a:rPr lang="fr-FR"/>
+              <a:t>24</a:t>
+            </a:fld>
+            <a:endParaRPr lang="fr-FR"/>
+          </a:p>
+        </p:txBody>
+      </p:sp>
+      <p:sp>
+        <p:nvSpPr>
+          <p:cNvPr id="5" name="Espace réservé du texte 4"/>
+          <p:cNvSpPr>
+            <a:spLocks noGrp="1"/>
+          </p:cNvSpPr>
+          <p:nvPr>
+            <p:ph type="body" sz="quarter" idx="13"/>
+          </p:nvPr>
+        </p:nvSpPr>
+        <p:spPr/>
+        <p:txBody>
+          <a:bodyPr/>
+          <a:lstStyle/>
+          <a:p>
+            <a:r>
+              <a:rPr lang="fr-FR"/>
+              <a:t>état de l’art</a:t>
+            </a:r>
+          </a:p>
+        </p:txBody>
+      </p:sp>
+    </p:spTree>
+    <p:extLst>
+      <p:ext uri="{BB962C8B-B14F-4D97-AF65-F5344CB8AC3E}">
+        <p14:creationId xmlns:p14="http://schemas.microsoft.com/office/powerpoint/2010/main" val="2683106950"/>
+      </p:ext>
+    </p:extLst>
+  </p:cSld>
+  <p:clrMapOvr>
+    <a:masterClrMapping/>
+  </p:clrMapOvr>
+  <p:timing>
+    <p:tnLst>
+      <p:par>
+        <p:cTn xmlns:p14="http://schemas.microsoft.com/office/powerpoint/2010/main" id="1" dur="indefinite" restart="never" nodeType="tmRoot"/>
+      </p:par>
+    </p:tnLst>
+  </p:timing>
+</p:sld>
+</file>
+
+<file path=ppt/slides/slide25.xml><?xml version="1.0" encoding="utf-8"?>
+<p:sld xmlns:a="http://schemas.openxmlformats.org/drawingml/2006/main" xmlns:r="http://schemas.openxmlformats.org/officeDocument/2006/relationships" xmlns:p="http://schemas.openxmlformats.org/presentationml/2006/main">
+  <p:cSld>
+    <p:spTree>
+      <p:nvGrpSpPr>
+        <p:cNvPr id="1" name=""/>
+        <p:cNvGrpSpPr/>
+        <p:nvPr/>
+      </p:nvGrpSpPr>
+      <p:grpSpPr>
+        <a:xfrm>
+          <a:off x="0" y="0"/>
+          <a:ext cx="0" cy="0"/>
+          <a:chOff x="0" y="0"/>
+          <a:chExt cx="0" cy="0"/>
+        </a:xfrm>
+      </p:grpSpPr>
+      <p:sp>
+        <p:nvSpPr>
+          <p:cNvPr id="2" name="Titre 1"/>
+          <p:cNvSpPr>
+            <a:spLocks noGrp="1"/>
+          </p:cNvSpPr>
+          <p:nvPr>
+            <p:ph type="title"/>
+          </p:nvPr>
+        </p:nvSpPr>
+        <p:spPr/>
+        <p:txBody>
+          <a:bodyPr/>
+          <a:lstStyle/>
+          <a:p>
+            <a:r>
+              <a:rPr lang="fr-FR"/>
+              <a:t>Analyse et réflexion</a:t>
+            </a:r>
+          </a:p>
+        </p:txBody>
+      </p:sp>
+      <p:sp>
+        <p:nvSpPr>
+          <p:cNvPr id="3" name="Espace réservé du texte 2"/>
+          <p:cNvSpPr>
+            <a:spLocks noGrp="1"/>
+          </p:cNvSpPr>
+          <p:nvPr>
+            <p:ph type="body" idx="1"/>
+          </p:nvPr>
+        </p:nvSpPr>
+        <p:spPr/>
+        <p:txBody>
+          <a:bodyPr/>
+          <a:lstStyle/>
+          <a:p>
+            <a:endParaRPr lang="fr-FR"/>
+          </a:p>
+        </p:txBody>
+      </p:sp>
+      <p:sp>
+        <p:nvSpPr>
+          <p:cNvPr id="4" name="Espace réservé du numéro de diapositive 3"/>
+          <p:cNvSpPr>
+            <a:spLocks noGrp="1"/>
+          </p:cNvSpPr>
+          <p:nvPr>
+            <p:ph type="sldNum" sz="quarter" idx="12"/>
+          </p:nvPr>
+        </p:nvSpPr>
+        <p:spPr/>
+        <p:txBody>
+          <a:bodyPr/>
+          <a:lstStyle/>
+          <a:p>
+            <a:fld id="{632DADDA-56E0-0F4D-8444-EEC8234C8BEB}" type="slidenum">
+              <a:rPr lang="fr-FR"/>
+              <a:t>25</a:t>
+            </a:fld>
+            <a:endParaRPr lang="fr-FR"/>
+          </a:p>
+        </p:txBody>
+      </p:sp>
+    </p:spTree>
+    <p:extLst>
+      <p:ext uri="{BB962C8B-B14F-4D97-AF65-F5344CB8AC3E}">
+        <p14:creationId xmlns:p14="http://schemas.microsoft.com/office/powerpoint/2010/main" val="628462762"/>
+      </p:ext>
+    </p:extLst>
+  </p:cSld>
+  <p:clrMapOvr>
+    <a:masterClrMapping/>
+  </p:clrMapOvr>
+  <mc:AlternateContent xmlns:mc="http://schemas.openxmlformats.org/markup-compatibility/2006">
+    <mc:Choice xmlns:p14="http://schemas.microsoft.com/office/powerpoint/2010/main" Requires="p14">
+      <p:transition spd="med" p14:dur="700">
+        <p:fade/>
+      </p:transition>
+    </mc:Choice>
+    <mc:Fallback>
+      <p:transition xmlns:p14="http://schemas.microsoft.com/office/powerpoint/2010/main" spd="med">
+        <p:fade/>
+      </p:transition>
+    </mc:Fallback>
+  </mc:AlternateContent>
+  <p:timing>
+    <p:tnLst>
+      <p:par>
+        <p:cTn xmlns:p14="http://schemas.microsoft.com/office/powerpoint/2010/main" id="1" dur="indefinite" restart="never" nodeType="tmRoot"/>
+      </p:par>
+    </p:tnLst>
+  </p:timing>
+</p:sld>
+</file>
+
+<file path=ppt/slides/slide26.xml><?xml version="1.0" encoding="utf-8"?>
+<p:sld xmlns:a="http://schemas.openxmlformats.org/drawingml/2006/main" xmlns:r="http://schemas.openxmlformats.org/officeDocument/2006/relationships" xmlns:p="http://schemas.openxmlformats.org/presentationml/2006/main">
+  <p:cSld>
+    <p:spTree>
+      <p:nvGrpSpPr>
+        <p:cNvPr id="1" name=""/>
+        <p:cNvGrpSpPr/>
+        <p:nvPr/>
+      </p:nvGrpSpPr>
+      <p:grpSpPr>
+        <a:xfrm>
+          <a:off x="0" y="0"/>
+          <a:ext cx="0" cy="0"/>
+          <a:chOff x="0" y="0"/>
+          <a:chExt cx="0" cy="0"/>
+        </a:xfrm>
+      </p:grpSpPr>
+      <p:sp>
+        <p:nvSpPr>
+          <p:cNvPr id="2" name="Titre 1"/>
+          <p:cNvSpPr>
+            <a:spLocks noGrp="1"/>
+          </p:cNvSpPr>
+          <p:nvPr>
+            <p:ph type="title"/>
+          </p:nvPr>
+        </p:nvSpPr>
+        <p:spPr/>
+        <p:txBody>
+          <a:bodyPr/>
+          <a:lstStyle/>
+          <a:p>
+            <a:r>
+              <a:rPr lang="fr-FR"/>
+              <a:t>Critiques de l’existant</a:t>
+            </a:r>
+          </a:p>
+        </p:txBody>
+      </p:sp>
+      <p:sp>
+        <p:nvSpPr>
+          <p:cNvPr id="3" name="Espace réservé du contenu 2"/>
+          <p:cNvSpPr>
+            <a:spLocks noGrp="1"/>
+          </p:cNvSpPr>
+          <p:nvPr>
+            <p:ph idx="1"/>
+          </p:nvPr>
+        </p:nvSpPr>
+        <p:spPr/>
+        <p:txBody>
+          <a:bodyPr/>
+          <a:lstStyle/>
+          <a:p>
+            <a:endParaRPr lang="fr-FR"/>
+          </a:p>
+        </p:txBody>
+      </p:sp>
+      <p:sp>
+        <p:nvSpPr>
+          <p:cNvPr id="4" name="Espace réservé du numéro de diapositive 3"/>
+          <p:cNvSpPr>
+            <a:spLocks noGrp="1"/>
+          </p:cNvSpPr>
+          <p:nvPr>
+            <p:ph type="sldNum" sz="quarter" idx="12"/>
+          </p:nvPr>
+        </p:nvSpPr>
+        <p:spPr/>
+        <p:txBody>
+          <a:bodyPr/>
+          <a:lstStyle/>
+          <a:p>
+            <a:fld id="{632DADDA-56E0-0F4D-8444-EEC8234C8BEB}" type="slidenum">
+              <a:rPr lang="fr-FR"/>
+              <a:t>26</a:t>
+            </a:fld>
+            <a:endParaRPr lang="fr-FR"/>
+          </a:p>
+        </p:txBody>
+      </p:sp>
+      <p:sp>
+        <p:nvSpPr>
+          <p:cNvPr id="5" name="Espace réservé du texte 4"/>
+          <p:cNvSpPr>
+            <a:spLocks noGrp="1"/>
+          </p:cNvSpPr>
+          <p:nvPr>
+            <p:ph type="body" sz="quarter" idx="13"/>
+          </p:nvPr>
+        </p:nvSpPr>
+        <p:spPr/>
+        <p:txBody>
+          <a:bodyPr/>
+          <a:lstStyle/>
+          <a:p>
+            <a:r>
+              <a:rPr lang="fr-FR"/>
+              <a:t>Analyse et réflexion</a:t>
+            </a:r>
+            <a:endParaRPr lang="fr-FR"/>
+          </a:p>
+        </p:txBody>
+      </p:sp>
+    </p:spTree>
+    <p:extLst>
+      <p:ext uri="{BB962C8B-B14F-4D97-AF65-F5344CB8AC3E}">
+        <p14:creationId xmlns:p14="http://schemas.microsoft.com/office/powerpoint/2010/main" val="221359597"/>
+      </p:ext>
+    </p:extLst>
+  </p:cSld>
+  <p:clrMapOvr>
+    <a:masterClrMapping/>
+  </p:clrMapOvr>
+  <p:timing>
+    <p:tnLst>
+      <p:par>
+        <p:cTn xmlns:p14="http://schemas.microsoft.com/office/powerpoint/2010/main" id="1" dur="indefinite" restart="never" nodeType="tmRoot"/>
+      </p:par>
+    </p:tnLst>
+  </p:timing>
+</p:sld>
+</file>
+
+<file path=ppt/slides/slide27.xml><?xml version="1.0" encoding="utf-8"?>
+<p:sld xmlns:a="http://schemas.openxmlformats.org/drawingml/2006/main" xmlns:r="http://schemas.openxmlformats.org/officeDocument/2006/relationships" xmlns:p="http://schemas.openxmlformats.org/presentationml/2006/main">
+  <p:cSld>
+    <p:spTree>
+      <p:nvGrpSpPr>
+        <p:cNvPr id="1" name=""/>
+        <p:cNvGrpSpPr/>
+        <p:nvPr/>
+      </p:nvGrpSpPr>
+      <p:grpSpPr>
+        <a:xfrm>
+          <a:off x="0" y="0"/>
+          <a:ext cx="0" cy="0"/>
+          <a:chOff x="0" y="0"/>
+          <a:chExt cx="0" cy="0"/>
+        </a:xfrm>
+      </p:grpSpPr>
+      <p:sp>
+        <p:nvSpPr>
+          <p:cNvPr id="2" name="Titre 1"/>
+          <p:cNvSpPr>
+            <a:spLocks noGrp="1"/>
+          </p:cNvSpPr>
+          <p:nvPr>
+            <p:ph type="title"/>
+          </p:nvPr>
+        </p:nvSpPr>
+        <p:spPr/>
+        <p:txBody>
+          <a:bodyPr/>
+          <a:lstStyle/>
+          <a:p>
+            <a:r>
+              <a:rPr lang="fr-FR"/>
+              <a:t>Modèle choisi</a:t>
+            </a:r>
+          </a:p>
+        </p:txBody>
+      </p:sp>
+      <p:sp>
+        <p:nvSpPr>
+          <p:cNvPr id="3" name="Espace réservé du contenu 2"/>
+          <p:cNvSpPr>
+            <a:spLocks noGrp="1"/>
+          </p:cNvSpPr>
+          <p:nvPr>
+            <p:ph idx="1"/>
+          </p:nvPr>
+        </p:nvSpPr>
+        <p:spPr/>
+        <p:txBody>
+          <a:bodyPr/>
+          <a:lstStyle/>
+          <a:p>
+            <a:endParaRPr lang="fr-FR"/>
+          </a:p>
+        </p:txBody>
+      </p:sp>
+      <p:sp>
+        <p:nvSpPr>
+          <p:cNvPr id="4" name="Espace réservé du numéro de diapositive 3"/>
+          <p:cNvSpPr>
+            <a:spLocks noGrp="1"/>
+          </p:cNvSpPr>
+          <p:nvPr>
+            <p:ph type="sldNum" sz="quarter" idx="12"/>
+          </p:nvPr>
+        </p:nvSpPr>
+        <p:spPr/>
+        <p:txBody>
+          <a:bodyPr/>
+          <a:lstStyle/>
+          <a:p>
+            <a:fld id="{632DADDA-56E0-0F4D-8444-EEC8234C8BEB}" type="slidenum">
+              <a:rPr lang="fr-FR"/>
+              <a:t>27</a:t>
+            </a:fld>
+            <a:endParaRPr lang="fr-FR"/>
+          </a:p>
+        </p:txBody>
+      </p:sp>
+      <p:sp>
+        <p:nvSpPr>
+          <p:cNvPr id="5" name="Espace réservé du texte 4"/>
+          <p:cNvSpPr>
+            <a:spLocks noGrp="1"/>
+          </p:cNvSpPr>
+          <p:nvPr>
+            <p:ph type="body" sz="quarter" idx="13"/>
+          </p:nvPr>
+        </p:nvSpPr>
+        <p:spPr/>
+        <p:txBody>
+          <a:bodyPr/>
+          <a:lstStyle/>
+          <a:p>
+            <a:r>
+              <a:rPr lang="fr-FR"/>
+              <a:t>Analyse et réflexion</a:t>
+            </a:r>
+            <a:endParaRPr lang="fr-FR"/>
+          </a:p>
+        </p:txBody>
+      </p:sp>
+    </p:spTree>
+    <p:extLst>
+      <p:ext uri="{BB962C8B-B14F-4D97-AF65-F5344CB8AC3E}">
+        <p14:creationId xmlns:p14="http://schemas.microsoft.com/office/powerpoint/2010/main" val="2462651281"/>
+      </p:ext>
+    </p:extLst>
+  </p:cSld>
+  <p:clrMapOvr>
+    <a:masterClrMapping/>
+  </p:clrMapOvr>
+  <p:timing>
+    <p:tnLst>
+      <p:par>
+        <p:cTn xmlns:p14="http://schemas.microsoft.com/office/powerpoint/2010/main" id="1" dur="indefinite" restart="never" nodeType="tmRoot"/>
+      </p:par>
+    </p:tnLst>
+  </p:timing>
+</p:sld>
+</file>
+
+<file path=ppt/slides/slide28.xml><?xml version="1.0" encoding="utf-8"?>
+<p:sld xmlns:a="http://schemas.openxmlformats.org/drawingml/2006/main" xmlns:r="http://schemas.openxmlformats.org/officeDocument/2006/relationships" xmlns:p="http://schemas.openxmlformats.org/presentationml/2006/main">
+  <p:cSld>
+    <p:spTree>
+      <p:nvGrpSpPr>
+        <p:cNvPr id="1" name=""/>
+        <p:cNvGrpSpPr/>
+        <p:nvPr/>
+      </p:nvGrpSpPr>
+      <p:grpSpPr>
+        <a:xfrm>
+          <a:off x="0" y="0"/>
+          <a:ext cx="0" cy="0"/>
+          <a:chOff x="0" y="0"/>
+          <a:chExt cx="0" cy="0"/>
+        </a:xfrm>
+      </p:grpSpPr>
+      <p:sp>
+        <p:nvSpPr>
+          <p:cNvPr id="2" name="Titre 1"/>
+          <p:cNvSpPr>
+            <a:spLocks noGrp="1"/>
+          </p:cNvSpPr>
+          <p:nvPr>
+            <p:ph type="title"/>
+          </p:nvPr>
+        </p:nvSpPr>
+        <p:spPr/>
+        <p:txBody>
+          <a:bodyPr/>
+          <a:lstStyle/>
+          <a:p>
+            <a:r>
+              <a:rPr lang="fr-FR"/>
+              <a:t>Nos idées</a:t>
+            </a:r>
+          </a:p>
+        </p:txBody>
+      </p:sp>
+      <p:sp>
+        <p:nvSpPr>
+          <p:cNvPr id="3" name="Espace réservé du contenu 2"/>
+          <p:cNvSpPr>
+            <a:spLocks noGrp="1"/>
+          </p:cNvSpPr>
+          <p:nvPr>
+            <p:ph idx="1"/>
+          </p:nvPr>
+        </p:nvSpPr>
+        <p:spPr/>
+        <p:txBody>
+          <a:bodyPr/>
+          <a:lstStyle/>
+          <a:p>
+            <a:endParaRPr lang="fr-FR"/>
+          </a:p>
+        </p:txBody>
+      </p:sp>
+      <p:sp>
+        <p:nvSpPr>
+          <p:cNvPr id="4" name="Espace réservé du numéro de diapositive 3"/>
+          <p:cNvSpPr>
+            <a:spLocks noGrp="1"/>
+          </p:cNvSpPr>
+          <p:nvPr>
+            <p:ph type="sldNum" sz="quarter" idx="12"/>
+          </p:nvPr>
+        </p:nvSpPr>
+        <p:spPr/>
+        <p:txBody>
+          <a:bodyPr/>
+          <a:lstStyle/>
+          <a:p>
+            <a:fld id="{632DADDA-56E0-0F4D-8444-EEC8234C8BEB}" type="slidenum">
+              <a:rPr lang="fr-FR"/>
+              <a:t>28</a:t>
+            </a:fld>
+            <a:endParaRPr lang="fr-FR"/>
+          </a:p>
+        </p:txBody>
+      </p:sp>
+      <p:sp>
+        <p:nvSpPr>
+          <p:cNvPr id="5" name="Espace réservé du texte 4"/>
+          <p:cNvSpPr>
+            <a:spLocks noGrp="1"/>
+          </p:cNvSpPr>
+          <p:nvPr>
+            <p:ph type="body" sz="quarter" idx="13"/>
+          </p:nvPr>
+        </p:nvSpPr>
+        <p:spPr/>
+        <p:txBody>
+          <a:bodyPr/>
+          <a:lstStyle/>
+          <a:p>
+            <a:r>
+              <a:rPr lang="fr-FR"/>
+              <a:t>Analyse et réflexion</a:t>
+            </a:r>
+            <a:endParaRPr lang="fr-FR"/>
+          </a:p>
+        </p:txBody>
+      </p:sp>
+    </p:spTree>
+    <p:extLst>
+      <p:ext uri="{BB962C8B-B14F-4D97-AF65-F5344CB8AC3E}">
+        <p14:creationId xmlns:p14="http://schemas.microsoft.com/office/powerpoint/2010/main" val="3665361176"/>
+      </p:ext>
+    </p:extLst>
+  </p:cSld>
+  <p:clrMapOvr>
+    <a:masterClrMapping/>
+  </p:clrMapOvr>
+  <p:timing>
+    <p:tnLst>
+      <p:par>
+        <p:cTn xmlns:p14="http://schemas.microsoft.com/office/powerpoint/2010/main" id="1" dur="indefinite" restart="never" nodeType="tmRoot"/>
+      </p:par>
+    </p:tnLst>
+  </p:timing>
+</p:sld>
+</file>
+
+<file path=ppt/slides/slide29.xml><?xml version="1.0" encoding="utf-8"?>
+<p:sld xmlns:a="http://schemas.openxmlformats.org/drawingml/2006/main" xmlns:r="http://schemas.openxmlformats.org/officeDocument/2006/relationships" xmlns:p="http://schemas.openxmlformats.org/presentationml/2006/main">
+  <p:cSld>
+    <p:spTree>
+      <p:nvGrpSpPr>
+        <p:cNvPr id="1" name=""/>
+        <p:cNvGrpSpPr/>
+        <p:nvPr/>
+      </p:nvGrpSpPr>
+      <p:grpSpPr>
+        <a:xfrm>
+          <a:off x="0" y="0"/>
+          <a:ext cx="0" cy="0"/>
+          <a:chOff x="0" y="0"/>
+          <a:chExt cx="0" cy="0"/>
+        </a:xfrm>
+      </p:grpSpPr>
+      <p:sp>
+        <p:nvSpPr>
+          <p:cNvPr id="2" name="Titre 1"/>
+          <p:cNvSpPr>
+            <a:spLocks noGrp="1"/>
+          </p:cNvSpPr>
+          <p:nvPr>
+            <p:ph type="title"/>
+          </p:nvPr>
+        </p:nvSpPr>
+        <p:spPr/>
+        <p:txBody>
+          <a:bodyPr/>
+          <a:lstStyle/>
+          <a:p>
+            <a:r>
+              <a:rPr lang="fr-FR"/>
+              <a:t>simulation et résulats</a:t>
+            </a:r>
+          </a:p>
+        </p:txBody>
+      </p:sp>
+      <p:sp>
+        <p:nvSpPr>
+          <p:cNvPr id="3" name="Espace réservé du texte 2"/>
+          <p:cNvSpPr>
+            <a:spLocks noGrp="1"/>
+          </p:cNvSpPr>
+          <p:nvPr>
+            <p:ph type="body" idx="1"/>
+          </p:nvPr>
+        </p:nvSpPr>
+        <p:spPr/>
+        <p:txBody>
+          <a:bodyPr/>
+          <a:lstStyle/>
+          <a:p>
+            <a:endParaRPr lang="fr-FR"/>
+          </a:p>
+        </p:txBody>
+      </p:sp>
+      <p:sp>
+        <p:nvSpPr>
+          <p:cNvPr id="4" name="Espace réservé du numéro de diapositive 3"/>
+          <p:cNvSpPr>
+            <a:spLocks noGrp="1"/>
+          </p:cNvSpPr>
+          <p:nvPr>
+            <p:ph type="sldNum" sz="quarter" idx="12"/>
+          </p:nvPr>
+        </p:nvSpPr>
+        <p:spPr/>
+        <p:txBody>
+          <a:bodyPr/>
+          <a:lstStyle/>
+          <a:p>
+            <a:fld id="{632DADDA-56E0-0F4D-8444-EEC8234C8BEB}" type="slidenum">
+              <a:rPr lang="fr-FR"/>
+              <a:t>29</a:t>
+            </a:fld>
+            <a:endParaRPr lang="fr-FR"/>
+          </a:p>
+        </p:txBody>
+      </p:sp>
+    </p:spTree>
+    <p:extLst>
+      <p:ext uri="{BB962C8B-B14F-4D97-AF65-F5344CB8AC3E}">
+        <p14:creationId xmlns:p14="http://schemas.microsoft.com/office/powerpoint/2010/main" val="1667179960"/>
+      </p:ext>
+    </p:extLst>
+  </p:cSld>
+  <p:clrMapOvr>
+    <a:masterClrMapping/>
+  </p:clrMapOvr>
+  <mc:AlternateContent xmlns:mc="http://schemas.openxmlformats.org/markup-compatibility/2006">
+    <mc:Choice xmlns:p14="http://schemas.microsoft.com/office/powerpoint/2010/main" Requires="p14">
+      <p:transition spd="med" p14:dur="700">
+        <p:fade/>
+      </p:transition>
+    </mc:Choice>
+    <mc:Fallback>
+      <p:transition xmlns:p14="http://schemas.microsoft.com/office/powerpoint/2010/main" spd="med">
+        <p:fade/>
+      </p:transition>
+    </mc:Fallback>
+  </mc:AlternateContent>
+  <p:timing>
+    <p:tnLst>
+      <p:par>
+        <p:cTn xmlns:p14="http://schemas.microsoft.com/office/powerpoint/2010/main" id="1" dur="indefinite" restart="never" nodeType="tmRoot"/>
+      </p:par>
+    </p:tnLst>
   </p:timing>
 </p:sld>
 </file>
@@ -13073,6 +20268,160 @@
     <p:extLst>
       <p:ext uri="{BB962C8B-B14F-4D97-AF65-F5344CB8AC3E}">
         <p14:creationId xmlns:p14="http://schemas.microsoft.com/office/powerpoint/2010/main" val="2607225375"/>
+      </p:ext>
+    </p:extLst>
+  </p:cSld>
+  <p:clrMapOvr>
+    <a:masterClrMapping/>
+  </p:clrMapOvr>
+  <p:timing>
+    <p:tnLst>
+      <p:par>
+        <p:cTn xmlns:p14="http://schemas.microsoft.com/office/powerpoint/2010/main" id="1" dur="indefinite" restart="never" nodeType="tmRoot"/>
+      </p:par>
+    </p:tnLst>
+  </p:timing>
+</p:sld>
+</file>
+
+<file path=ppt/slides/slide30.xml><?xml version="1.0" encoding="utf-8"?>
+<p:sld xmlns:a="http://schemas.openxmlformats.org/drawingml/2006/main" xmlns:r="http://schemas.openxmlformats.org/officeDocument/2006/relationships" xmlns:p="http://schemas.openxmlformats.org/presentationml/2006/main">
+  <p:cSld>
+    <p:spTree>
+      <p:nvGrpSpPr>
+        <p:cNvPr id="1" name=""/>
+        <p:cNvGrpSpPr/>
+        <p:nvPr/>
+      </p:nvGrpSpPr>
+      <p:grpSpPr>
+        <a:xfrm>
+          <a:off x="0" y="0"/>
+          <a:ext cx="0" cy="0"/>
+          <a:chOff x="0" y="0"/>
+          <a:chExt cx="0" cy="0"/>
+        </a:xfrm>
+      </p:grpSpPr>
+      <p:sp>
+        <p:nvSpPr>
+          <p:cNvPr id="2" name="Titre 1"/>
+          <p:cNvSpPr>
+            <a:spLocks noGrp="1"/>
+          </p:cNvSpPr>
+          <p:nvPr>
+            <p:ph type="title"/>
+          </p:nvPr>
+        </p:nvSpPr>
+        <p:spPr/>
+        <p:txBody>
+          <a:bodyPr/>
+          <a:lstStyle/>
+          <a:p>
+            <a:r>
+              <a:rPr lang="fr-FR"/>
+              <a:t>Choix des outils</a:t>
+            </a:r>
+          </a:p>
+        </p:txBody>
+      </p:sp>
+      <p:sp>
+        <p:nvSpPr>
+          <p:cNvPr id="3" name="Espace réservé du contenu 2"/>
+          <p:cNvSpPr>
+            <a:spLocks noGrp="1"/>
+          </p:cNvSpPr>
+          <p:nvPr>
+            <p:ph idx="1"/>
+          </p:nvPr>
+        </p:nvSpPr>
+        <p:spPr/>
+        <p:txBody>
+          <a:bodyPr/>
+          <a:lstStyle/>
+          <a:p>
+            <a:pPr>
+              <a:lnSpc>
+                <a:spcPct val="150000"/>
+              </a:lnSpc>
+            </a:pPr>
+            <a:r>
+              <a:rPr lang="fr-FR"/>
+              <a:t>Langages : C / C++</a:t>
+            </a:r>
+          </a:p>
+          <a:p>
+            <a:pPr>
+              <a:lnSpc>
+                <a:spcPct val="150000"/>
+              </a:lnSpc>
+            </a:pPr>
+            <a:r>
+              <a:rPr lang="fr-FR"/>
+              <a:t>Simulateur de réseau : WSNET</a:t>
+            </a:r>
+          </a:p>
+          <a:p>
+            <a:pPr>
+              <a:lnSpc>
+                <a:spcPct val="150000"/>
+              </a:lnSpc>
+            </a:pPr>
+            <a:r>
+              <a:rPr lang="fr-FR"/>
+              <a:t>Outils collaboratifs : git / github</a:t>
+            </a:r>
+          </a:p>
+        </p:txBody>
+      </p:sp>
+      <p:sp>
+        <p:nvSpPr>
+          <p:cNvPr id="4" name="Espace réservé du numéro de diapositive 3"/>
+          <p:cNvSpPr>
+            <a:spLocks noGrp="1"/>
+          </p:cNvSpPr>
+          <p:nvPr>
+            <p:ph type="sldNum" sz="quarter" idx="12"/>
+          </p:nvPr>
+        </p:nvSpPr>
+        <p:spPr/>
+        <p:txBody>
+          <a:bodyPr/>
+          <a:lstStyle/>
+          <a:p>
+            <a:fld id="{632DADDA-56E0-0F4D-8444-EEC8234C8BEB}" type="slidenum">
+              <a:rPr lang="fr-FR"/>
+              <a:t>30</a:t>
+            </a:fld>
+            <a:endParaRPr lang="fr-FR"/>
+          </a:p>
+        </p:txBody>
+      </p:sp>
+      <p:sp>
+        <p:nvSpPr>
+          <p:cNvPr id="5" name="Espace réservé du texte 4"/>
+          <p:cNvSpPr>
+            <a:spLocks noGrp="1"/>
+          </p:cNvSpPr>
+          <p:nvPr>
+            <p:ph type="body" sz="quarter" idx="13"/>
+          </p:nvPr>
+        </p:nvSpPr>
+        <p:spPr/>
+        <p:txBody>
+          <a:bodyPr/>
+          <a:lstStyle/>
+          <a:p>
+            <a:r>
+              <a:rPr lang="fr-FR"/>
+              <a:t>simulation et résulats</a:t>
+            </a:r>
+            <a:endParaRPr lang="fr-FR"/>
+          </a:p>
+        </p:txBody>
+      </p:sp>
+    </p:spTree>
+    <p:extLst>
+      <p:ext uri="{BB962C8B-B14F-4D97-AF65-F5344CB8AC3E}">
+        <p14:creationId xmlns:p14="http://schemas.microsoft.com/office/powerpoint/2010/main" val="3540235425"/>
       </p:ext>
     </p:extLst>
   </p:cSld>
@@ -13186,6 +20535,18 @@
   <p:clrMapOvr>
     <a:masterClrMapping/>
   </p:clrMapOvr>
+  <mc:AlternateContent xmlns:mc="http://schemas.openxmlformats.org/markup-compatibility/2006">
+    <mc:Choice xmlns:p14="http://schemas.microsoft.com/office/powerpoint/2010/main" Requires="p14">
+      <p:transition spd="med" p14:dur="700">
+        <p:fade/>
+      </p:transition>
+    </mc:Choice>
+    <mc:Fallback>
+      <p:transition xmlns:p14="http://schemas.microsoft.com/office/powerpoint/2010/main" spd="med">
+        <p:fade/>
+      </p:transition>
+    </mc:Fallback>
+  </mc:AlternateContent>
   <p:timing>
     <p:tnLst>
       <p:par>
@@ -13507,6 +20868,13 @@
   <p:clrMapOvr>
     <a:masterClrMapping/>
   </p:clrMapOvr>
+  <p:timing>
+    <p:tnLst>
+      <p:par>
+        <p:cTn xmlns:p14="http://schemas.microsoft.com/office/powerpoint/2010/main" id="1" dur="indefinite" restart="never" nodeType="tmRoot"/>
+      </p:par>
+    </p:tnLst>
+  </p:timing>
 </p:sld>
 </file>
 
@@ -13836,6 +21204,13 @@
   <p:clrMapOvr>
     <a:masterClrMapping/>
   </p:clrMapOvr>
+  <p:timing>
+    <p:tnLst>
+      <p:par>
+        <p:cTn xmlns:p14="http://schemas.microsoft.com/office/powerpoint/2010/main" id="1" dur="indefinite" restart="never" nodeType="tmRoot"/>
+      </p:par>
+    </p:tnLst>
+  </p:timing>
 </p:sld>
 </file>
 
@@ -13958,6 +21333,13 @@
   <p:clrMapOvr>
     <a:masterClrMapping/>
   </p:clrMapOvr>
+  <p:timing>
+    <p:tnLst>
+      <p:par>
+        <p:cTn xmlns:p14="http://schemas.microsoft.com/office/powerpoint/2010/main" id="1" dur="indefinite" restart="never" nodeType="tmRoot"/>
+      </p:par>
+    </p:tnLst>
+  </p:timing>
 </p:sld>
 </file>
 
@@ -14077,6 +21459,13 @@
   <p:clrMapOvr>
     <a:masterClrMapping/>
   </p:clrMapOvr>
+  <p:timing>
+    <p:tnLst>
+      <p:par>
+        <p:cTn xmlns:p14="http://schemas.microsoft.com/office/powerpoint/2010/main" id="1" dur="indefinite" restart="never" nodeType="tmRoot"/>
+      </p:par>
+    </p:tnLst>
+  </p:timing>
 </p:sld>
 </file>
 

--- a/Redaction/pres.pptx
+++ b/Redaction/pres.pptx
@@ -1302,21 +1302,21 @@
     </dgm:pt>
   </dgm:ptLst>
   <dgm:cxnLst>
+    <dgm:cxn modelId="{BD289E23-9AEB-1545-8121-FFED29DF8A76}" type="presOf" srcId="{EBD4001C-B961-5540-8C87-277869C67930}" destId="{D2B7ABDE-DC5D-CC43-A304-27801E8F3934}" srcOrd="1" destOrd="0" presId="urn:microsoft.com/office/officeart/2005/8/layout/radial5"/>
+    <dgm:cxn modelId="{5EF9709A-DAC0-EE4B-8557-4C53B4B56380}" type="presOf" srcId="{7DA216F7-B61A-644F-9E41-4844BDF2E1EB}" destId="{9AF44D55-8614-3B46-93BF-F278C02874B0}" srcOrd="0" destOrd="0" presId="urn:microsoft.com/office/officeart/2005/8/layout/radial5"/>
+    <dgm:cxn modelId="{20D7BF27-E99E-774C-A330-14F0528895CF}" type="presOf" srcId="{EC3D84DF-2E4A-914D-8008-A16D5583089F}" destId="{2D39C667-17DD-D243-BBEF-E694A5E11B6F}" srcOrd="0" destOrd="0" presId="urn:microsoft.com/office/officeart/2005/8/layout/radial5"/>
     <dgm:cxn modelId="{3CF9BB7A-5A06-2847-8A99-D91FA18D9AFA}" type="presOf" srcId="{5304632D-3534-014E-A773-191A91505663}" destId="{28E9526E-7B0C-9143-A850-585B8E0E2207}" srcOrd="0" destOrd="0" presId="urn:microsoft.com/office/officeart/2005/8/layout/radial5"/>
+    <dgm:cxn modelId="{981409B1-430A-F64D-A631-F9C5F731F273}" type="presOf" srcId="{EBD4001C-B961-5540-8C87-277869C67930}" destId="{443AD5A5-74EA-D84C-A21D-7D9663E3D147}" srcOrd="0" destOrd="0" presId="urn:microsoft.com/office/officeart/2005/8/layout/radial5"/>
+    <dgm:cxn modelId="{88714B9B-4491-1648-BFA5-9908FC612FF9}" type="presOf" srcId="{1A6F2230-7FF1-784D-8943-FAFBB5BD867E}" destId="{EFF2F8AC-1F1B-6D4D-8C29-AE41441F26F7}" srcOrd="0" destOrd="0" presId="urn:microsoft.com/office/officeart/2005/8/layout/radial5"/>
+    <dgm:cxn modelId="{1F426276-401F-6548-A04B-6E549D314F44}" srcId="{EC3D84DF-2E4A-914D-8008-A16D5583089F}" destId="{B7BB0103-7E47-DD47-A685-FB155C9A07EE}" srcOrd="0" destOrd="0" parTransId="{187E3820-FDBD-A14B-8D53-13DEEA190D85}" sibTransId="{07DE391C-36DC-2347-ACDE-6F70ECD1194A}"/>
+    <dgm:cxn modelId="{DA6D3E26-D7CA-AD40-9EAA-FB53CCDC295A}" srcId="{B7BB0103-7E47-DD47-A685-FB155C9A07EE}" destId="{7DA216F7-B61A-644F-9E41-4844BDF2E1EB}" srcOrd="1" destOrd="0" parTransId="{EE98EBD2-B01C-AC47-87D6-306A993857F7}" sibTransId="{40828377-F63C-7147-AD5C-8E259A94515F}"/>
     <dgm:cxn modelId="{D1A37C89-99F7-8646-9954-2A9040E91DE6}" type="presOf" srcId="{B7BB0103-7E47-DD47-A685-FB155C9A07EE}" destId="{5DD8E76F-190F-AE4D-8F4D-4BB2AADB5179}" srcOrd="0" destOrd="0" presId="urn:microsoft.com/office/officeart/2005/8/layout/radial5"/>
     <dgm:cxn modelId="{182F8A36-DF71-514D-A4DB-02C0E52C9E27}" srcId="{B7BB0103-7E47-DD47-A685-FB155C9A07EE}" destId="{80CDC2A9-E114-4E4E-97DA-E5A6E9106C0D}" srcOrd="2" destOrd="0" parTransId="{EBD4001C-B961-5540-8C87-277869C67930}" sibTransId="{23331D01-66FE-2F4E-9D58-79CD274B6161}"/>
-    <dgm:cxn modelId="{1F426276-401F-6548-A04B-6E549D314F44}" srcId="{EC3D84DF-2E4A-914D-8008-A16D5583089F}" destId="{B7BB0103-7E47-DD47-A685-FB155C9A07EE}" srcOrd="0" destOrd="0" parTransId="{187E3820-FDBD-A14B-8D53-13DEEA190D85}" sibTransId="{07DE391C-36DC-2347-ACDE-6F70ECD1194A}"/>
-    <dgm:cxn modelId="{5EF9709A-DAC0-EE4B-8557-4C53B4B56380}" type="presOf" srcId="{7DA216F7-B61A-644F-9E41-4844BDF2E1EB}" destId="{9AF44D55-8614-3B46-93BF-F278C02874B0}" srcOrd="0" destOrd="0" presId="urn:microsoft.com/office/officeart/2005/8/layout/radial5"/>
-    <dgm:cxn modelId="{B42444B2-648E-4449-96AD-FC3B788CF0E4}" type="presOf" srcId="{EE98EBD2-B01C-AC47-87D6-306A993857F7}" destId="{54DC7B13-44EC-FF49-A46D-55A02B76FE87}" srcOrd="0" destOrd="0" presId="urn:microsoft.com/office/officeart/2005/8/layout/radial5"/>
-    <dgm:cxn modelId="{88714B9B-4491-1648-BFA5-9908FC612FF9}" type="presOf" srcId="{1A6F2230-7FF1-784D-8943-FAFBB5BD867E}" destId="{EFF2F8AC-1F1B-6D4D-8C29-AE41441F26F7}" srcOrd="0" destOrd="0" presId="urn:microsoft.com/office/officeart/2005/8/layout/radial5"/>
-    <dgm:cxn modelId="{981409B1-430A-F64D-A631-F9C5F731F273}" type="presOf" srcId="{EBD4001C-B961-5540-8C87-277869C67930}" destId="{443AD5A5-74EA-D84C-A21D-7D9663E3D147}" srcOrd="0" destOrd="0" presId="urn:microsoft.com/office/officeart/2005/8/layout/radial5"/>
+    <dgm:cxn modelId="{06BD377A-1813-9A43-8E47-E01E784BE70D}" type="presOf" srcId="{80CDC2A9-E114-4E4E-97DA-E5A6E9106C0D}" destId="{E6336081-3369-9448-A37D-3542AC02AA41}" srcOrd="0" destOrd="0" presId="urn:microsoft.com/office/officeart/2005/8/layout/radial5"/>
     <dgm:cxn modelId="{41055DA1-11F4-F44D-8A2D-65078C273C86}" srcId="{B7BB0103-7E47-DD47-A685-FB155C9A07EE}" destId="{1A6F2230-7FF1-784D-8943-FAFBB5BD867E}" srcOrd="0" destOrd="0" parTransId="{5304632D-3534-014E-A773-191A91505663}" sibTransId="{18929EFA-1674-8D49-BFC2-4A2E5D4308B5}"/>
     <dgm:cxn modelId="{21A54FB8-9CA2-2343-945D-5B2902E5F5E8}" type="presOf" srcId="{5304632D-3534-014E-A773-191A91505663}" destId="{F6EB97ED-B6B4-4241-B774-3B7059FCFB8A}" srcOrd="1" destOrd="0" presId="urn:microsoft.com/office/officeart/2005/8/layout/radial5"/>
+    <dgm:cxn modelId="{B42444B2-648E-4449-96AD-FC3B788CF0E4}" type="presOf" srcId="{EE98EBD2-B01C-AC47-87D6-306A993857F7}" destId="{54DC7B13-44EC-FF49-A46D-55A02B76FE87}" srcOrd="0" destOrd="0" presId="urn:microsoft.com/office/officeart/2005/8/layout/radial5"/>
     <dgm:cxn modelId="{7ED21C30-811C-3644-A272-51AA029DED4E}" type="presOf" srcId="{EE98EBD2-B01C-AC47-87D6-306A993857F7}" destId="{F9C9631B-0A4E-8840-BB52-87B441B80EB5}" srcOrd="1" destOrd="0" presId="urn:microsoft.com/office/officeart/2005/8/layout/radial5"/>
-    <dgm:cxn modelId="{BD289E23-9AEB-1545-8121-FFED29DF8A76}" type="presOf" srcId="{EBD4001C-B961-5540-8C87-277869C67930}" destId="{D2B7ABDE-DC5D-CC43-A304-27801E8F3934}" srcOrd="1" destOrd="0" presId="urn:microsoft.com/office/officeart/2005/8/layout/radial5"/>
-    <dgm:cxn modelId="{06BD377A-1813-9A43-8E47-E01E784BE70D}" type="presOf" srcId="{80CDC2A9-E114-4E4E-97DA-E5A6E9106C0D}" destId="{E6336081-3369-9448-A37D-3542AC02AA41}" srcOrd="0" destOrd="0" presId="urn:microsoft.com/office/officeart/2005/8/layout/radial5"/>
-    <dgm:cxn modelId="{20D7BF27-E99E-774C-A330-14F0528895CF}" type="presOf" srcId="{EC3D84DF-2E4A-914D-8008-A16D5583089F}" destId="{2D39C667-17DD-D243-BBEF-E694A5E11B6F}" srcOrd="0" destOrd="0" presId="urn:microsoft.com/office/officeart/2005/8/layout/radial5"/>
-    <dgm:cxn modelId="{DA6D3E26-D7CA-AD40-9EAA-FB53CCDC295A}" srcId="{B7BB0103-7E47-DD47-A685-FB155C9A07EE}" destId="{7DA216F7-B61A-644F-9E41-4844BDF2E1EB}" srcOrd="1" destOrd="0" parTransId="{EE98EBD2-B01C-AC47-87D6-306A993857F7}" sibTransId="{40828377-F63C-7147-AD5C-8E259A94515F}"/>
     <dgm:cxn modelId="{D454D5EA-D415-0940-841D-9AF66E1C32C1}" type="presParOf" srcId="{2D39C667-17DD-D243-BBEF-E694A5E11B6F}" destId="{5DD8E76F-190F-AE4D-8F4D-4BB2AADB5179}" srcOrd="0" destOrd="0" presId="urn:microsoft.com/office/officeart/2005/8/layout/radial5"/>
     <dgm:cxn modelId="{758DD4F6-D5C5-1B47-AEAA-8A9B5ED271C1}" type="presParOf" srcId="{2D39C667-17DD-D243-BBEF-E694A5E11B6F}" destId="{28E9526E-7B0C-9143-A850-585B8E0E2207}" srcOrd="1" destOrd="0" presId="urn:microsoft.com/office/officeart/2005/8/layout/radial5"/>
     <dgm:cxn modelId="{0E9F40F2-2A10-F442-B672-458B50589287}" type="presParOf" srcId="{28E9526E-7B0C-9143-A850-585B8E0E2207}" destId="{F6EB97ED-B6B4-4241-B774-3B7059FCFB8A}" srcOrd="0" destOrd="0" presId="urn:microsoft.com/office/officeart/2005/8/layout/radial5"/>
@@ -7801,13 +7801,13 @@
   <p:clrMapOvr>
     <a:masterClrMapping/>
   </p:clrMapOvr>
-  <mc:AlternateContent xmlns:mc="http://schemas.openxmlformats.org/markup-compatibility/2006">
-    <mc:Choice xmlns:p14="http://schemas.microsoft.com/office/powerpoint/2010/main" Requires="p14">
+  <mc:AlternateContent xmlns:mc="http://schemas.openxmlformats.org/markup-compatibility/2006" xmlns:p14="http://schemas.microsoft.com/office/powerpoint/2010/main">
+    <mc:Choice Requires="p14">
       <p:transition spd="med" p14:dur="700">
         <p:fade/>
       </p:transition>
     </mc:Choice>
-    <mc:Fallback>
+    <mc:Fallback xmlns="">
       <p:transition xmlns:p14="http://schemas.microsoft.com/office/powerpoint/2010/main" spd="med">
         <p:fade/>
       </p:transition>
@@ -8001,11 +8001,11 @@
   <p:clrMapOvr>
     <a:masterClrMapping/>
   </p:clrMapOvr>
-  <mc:AlternateContent xmlns:mc="http://schemas.openxmlformats.org/markup-compatibility/2006">
-    <mc:Choice xmlns:p14="http://schemas.microsoft.com/office/powerpoint/2010/main" Requires="p14">
+  <mc:AlternateContent xmlns:mc="http://schemas.openxmlformats.org/markup-compatibility/2006" xmlns:p14="http://schemas.microsoft.com/office/powerpoint/2010/main">
+    <mc:Choice Requires="p14">
       <p:transition p14:dur="0"/>
     </mc:Choice>
-    <mc:Fallback>
+    <mc:Fallback xmlns="">
       <p:transition xmlns:p14="http://schemas.microsoft.com/office/powerpoint/2010/main"/>
     </mc:Fallback>
   </mc:AlternateContent>
@@ -8249,11 +8249,11 @@
   <p:clrMapOvr>
     <a:masterClrMapping/>
   </p:clrMapOvr>
-  <mc:AlternateContent xmlns:mc="http://schemas.openxmlformats.org/markup-compatibility/2006">
-    <mc:Choice xmlns:p14="http://schemas.microsoft.com/office/powerpoint/2010/main" Requires="p14">
+  <mc:AlternateContent xmlns:mc="http://schemas.openxmlformats.org/markup-compatibility/2006" xmlns:p14="http://schemas.microsoft.com/office/powerpoint/2010/main">
+    <mc:Choice Requires="p14">
       <p:transition p14:dur="0"/>
     </mc:Choice>
-    <mc:Fallback>
+    <mc:Fallback xmlns="">
       <p:transition xmlns:p14="http://schemas.microsoft.com/office/powerpoint/2010/main"/>
     </mc:Fallback>
   </mc:AlternateContent>
@@ -8497,11 +8497,11 @@
   <p:clrMapOvr>
     <a:masterClrMapping/>
   </p:clrMapOvr>
-  <mc:AlternateContent xmlns:mc="http://schemas.openxmlformats.org/markup-compatibility/2006">
-    <mc:Choice xmlns:p14="http://schemas.microsoft.com/office/powerpoint/2010/main" Requires="p14">
+  <mc:AlternateContent xmlns:mc="http://schemas.openxmlformats.org/markup-compatibility/2006" xmlns:p14="http://schemas.microsoft.com/office/powerpoint/2010/main">
+    <mc:Choice Requires="p14">
       <p:transition p14:dur="0"/>
     </mc:Choice>
-    <mc:Fallback>
+    <mc:Fallback xmlns="">
       <p:transition xmlns:p14="http://schemas.microsoft.com/office/powerpoint/2010/main"/>
     </mc:Fallback>
   </mc:AlternateContent>
@@ -8680,11 +8680,11 @@
   <p:clrMapOvr>
     <a:masterClrMapping/>
   </p:clrMapOvr>
-  <mc:AlternateContent xmlns:mc="http://schemas.openxmlformats.org/markup-compatibility/2006">
-    <mc:Choice xmlns:p14="http://schemas.microsoft.com/office/powerpoint/2010/main" Requires="p14">
+  <mc:AlternateContent xmlns:mc="http://schemas.openxmlformats.org/markup-compatibility/2006" xmlns:p14="http://schemas.microsoft.com/office/powerpoint/2010/main">
+    <mc:Choice Requires="p14">
       <p:transition p14:dur="0"/>
     </mc:Choice>
-    <mc:Fallback>
+    <mc:Fallback xmlns="">
       <p:transition xmlns:p14="http://schemas.microsoft.com/office/powerpoint/2010/main"/>
     </mc:Fallback>
   </mc:AlternateContent>
@@ -8795,7 +8795,7 @@
         <p:spPr/>
         <p:txBody>
           <a:bodyPr>
-            <a:normAutofit lnSpcReduction="10000"/>
+            <a:normAutofit/>
           </a:bodyPr>
           <a:lstStyle/>
           <a:p>
@@ -8843,13 +8843,6 @@
             <a:r>
               <a:rPr lang="fr-FR"/>
               <a:t>BIP, LBIP, DLBIP</a:t>
-            </a:r>
-          </a:p>
-          <a:p>
-            <a:pPr lvl="1"/>
-            <a:r>
-              <a:rPr lang="fr-FR"/>
-              <a:t>RRS</a:t>
             </a:r>
           </a:p>
           <a:p>
@@ -8871,11 +8864,11 @@
   <p:clrMapOvr>
     <a:masterClrMapping/>
   </p:clrMapOvr>
-  <mc:AlternateContent xmlns:mc="http://schemas.openxmlformats.org/markup-compatibility/2006">
-    <mc:Choice xmlns:p14="http://schemas.microsoft.com/office/powerpoint/2010/main" Requires="p14">
+  <mc:AlternateContent xmlns:mc="http://schemas.openxmlformats.org/markup-compatibility/2006" xmlns:p14="http://schemas.microsoft.com/office/powerpoint/2010/main">
+    <mc:Choice Requires="p14">
       <p:transition p14:dur="0"/>
     </mc:Choice>
-    <mc:Fallback>
+    <mc:Fallback xmlns="">
       <p:transition xmlns:p14="http://schemas.microsoft.com/office/powerpoint/2010/main"/>
     </mc:Fallback>
   </mc:AlternateContent>
@@ -9999,11 +9992,11 @@
   <p:clrMapOvr>
     <a:masterClrMapping/>
   </p:clrMapOvr>
-  <mc:AlternateContent xmlns:mc="http://schemas.openxmlformats.org/markup-compatibility/2006">
-    <mc:Choice xmlns:p14="http://schemas.microsoft.com/office/powerpoint/2010/main" Requires="p14">
+  <mc:AlternateContent xmlns:mc="http://schemas.openxmlformats.org/markup-compatibility/2006" xmlns:p14="http://schemas.microsoft.com/office/powerpoint/2010/main">
+    <mc:Choice Requires="p14">
       <p:transition p14:dur="0"/>
     </mc:Choice>
-    <mc:Fallback>
+    <mc:Fallback xmlns="">
       <p:transition xmlns:p14="http://schemas.microsoft.com/office/powerpoint/2010/main"/>
     </mc:Fallback>
   </mc:AlternateContent>
@@ -11142,11 +11135,7 @@
           <a:p>
             <a:r>
               <a:rPr lang="fr-FR"/>
-              <a:t>2</a:t>
-            </a:r>
-            <a:r>
-              <a:rPr lang="fr-FR"/>
-              <a:t> nœuds non </a:t>
+              <a:t>2 nœuds non </a:t>
             </a:r>
           </a:p>
           <a:p>
@@ -11245,11 +11234,11 @@
   <p:clrMapOvr>
     <a:masterClrMapping/>
   </p:clrMapOvr>
-  <mc:AlternateContent xmlns:mc="http://schemas.openxmlformats.org/markup-compatibility/2006">
-    <mc:Choice xmlns:p14="http://schemas.microsoft.com/office/powerpoint/2010/main" Requires="p14">
+  <mc:AlternateContent xmlns:mc="http://schemas.openxmlformats.org/markup-compatibility/2006" xmlns:p14="http://schemas.microsoft.com/office/powerpoint/2010/main">
+    <mc:Choice Requires="p14">
       <p:transition p14:dur="0"/>
     </mc:Choice>
-    <mc:Fallback>
+    <mc:Fallback xmlns="">
       <p:transition xmlns:p14="http://schemas.microsoft.com/office/powerpoint/2010/main"/>
     </mc:Fallback>
   </mc:AlternateContent>
@@ -12307,22 +12296,13 @@
             </a:pPr>
             <a:r>
               <a:rPr lang="fr-FR"/>
-              <a:t>de </a:t>
-            </a:r>
-            <a:r>
-              <a:rPr lang="fr-FR"/>
-              <a:t>Prim</a:t>
-            </a:r>
-            <a:endParaRPr lang="fr-FR"/>
-          </a:p>
-          <a:p>
-            <a:r>
-              <a:rPr lang="fr-FR"/>
-              <a:t>Co</a:t>
-            </a:r>
-            <a:r>
-              <a:rPr lang="fr-FR"/>
-              <a:t>ût d’une arête : </a:t>
+              <a:t>de Prim</a:t>
+            </a:r>
+          </a:p>
+          <a:p>
+            <a:r>
+              <a:rPr lang="fr-FR"/>
+              <a:t>Coût d’une arête : </a:t>
             </a:r>
           </a:p>
           <a:p>
@@ -12333,7 +12313,6 @@
               <a:rPr lang="fr-FR"/>
               <a:t>coût énergétique</a:t>
             </a:r>
-            <a:endParaRPr lang="fr-FR"/>
           </a:p>
           <a:p>
             <a:r>
@@ -12377,11 +12356,11 @@
   <p:clrMapOvr>
     <a:masterClrMapping/>
   </p:clrMapOvr>
-  <mc:AlternateContent xmlns:mc="http://schemas.openxmlformats.org/markup-compatibility/2006">
-    <mc:Choice xmlns:p14="http://schemas.microsoft.com/office/powerpoint/2010/main" Requires="p14">
+  <mc:AlternateContent xmlns:mc="http://schemas.openxmlformats.org/markup-compatibility/2006" xmlns:p14="http://schemas.microsoft.com/office/powerpoint/2010/main">
+    <mc:Choice Requires="p14">
       <p:transition p14:dur="0"/>
     </mc:Choice>
-    <mc:Fallback>
+    <mc:Fallback xmlns="">
       <p:transition xmlns:p14="http://schemas.microsoft.com/office/powerpoint/2010/main"/>
     </mc:Fallback>
   </mc:AlternateContent>
@@ -13854,14 +13833,12 @@
               <a:rPr lang="fr-FR"/>
               <a:t>Similaire à BIP</a:t>
             </a:r>
-            <a:endParaRPr lang="fr-FR"/>
           </a:p>
           <a:p>
             <a:r>
               <a:rPr lang="fr-FR"/>
               <a:t>Connaissance locale</a:t>
             </a:r>
-            <a:endParaRPr lang="fr-FR"/>
           </a:p>
           <a:p>
             <a:r>
@@ -13886,7 +13863,6 @@
               <a:rPr lang="fr-FR"/>
               <a:t>le paquet </a:t>
             </a:r>
-            <a:endParaRPr lang="fr-FR"/>
           </a:p>
           <a:p>
             <a:r>
@@ -13915,11 +13891,11 @@
   <p:clrMapOvr>
     <a:masterClrMapping/>
   </p:clrMapOvr>
-  <mc:AlternateContent xmlns:mc="http://schemas.openxmlformats.org/markup-compatibility/2006">
-    <mc:Choice xmlns:p14="http://schemas.microsoft.com/office/powerpoint/2010/main" Requires="p14">
+  <mc:AlternateContent xmlns:mc="http://schemas.openxmlformats.org/markup-compatibility/2006" xmlns:p14="http://schemas.microsoft.com/office/powerpoint/2010/main">
+    <mc:Choice Requires="p14">
       <p:transition p14:dur="0"/>
     </mc:Choice>
-    <mc:Fallback>
+    <mc:Fallback xmlns="">
       <p:transition xmlns:p14="http://schemas.microsoft.com/office/powerpoint/2010/main"/>
     </mc:Fallback>
   </mc:AlternateContent>
@@ -15616,11 +15592,11 @@
   <p:clrMapOvr>
     <a:masterClrMapping/>
   </p:clrMapOvr>
-  <mc:AlternateContent xmlns:mc="http://schemas.openxmlformats.org/markup-compatibility/2006">
-    <mc:Choice xmlns:p14="http://schemas.microsoft.com/office/powerpoint/2010/main" Requires="p14">
+  <mc:AlternateContent xmlns:mc="http://schemas.openxmlformats.org/markup-compatibility/2006" xmlns:p14="http://schemas.microsoft.com/office/powerpoint/2010/main">
+    <mc:Choice Requires="p14">
       <p:transition p14:dur="0"/>
     </mc:Choice>
-    <mc:Fallback>
+    <mc:Fallback xmlns="">
       <p:transition xmlns:p14="http://schemas.microsoft.com/office/powerpoint/2010/main"/>
     </mc:Fallback>
   </mc:AlternateContent>
@@ -16052,14 +16028,14 @@
             <p:ph idx="1"/>
             <p:extLst>
               <p:ext uri="{D42A27DB-BD31-4B8C-83A1-F6EECF244321}">
-                <p14:modId xmlns:p14="http://schemas.microsoft.com/office/powerpoint/2010/main" val="1873135661"/>
+                <p14:modId xmlns:p14="http://schemas.microsoft.com/office/powerpoint/2010/main" val="2433151585"/>
               </p:ext>
             </p:extLst>
           </p:nvPr>
         </p:nvGraphicFramePr>
         <p:xfrm>
           <a:off x="457200" y="1417635"/>
-          <a:ext cx="8229595" cy="4938720"/>
+          <a:ext cx="8229595" cy="4609472"/>
         </p:xfrm>
         <a:graphic>
           <a:graphicData uri="http://schemas.openxmlformats.org/drawingml/2006/table">
@@ -18075,7 +18051,7 @@
                       <a:r>
                         <a:rPr lang="fr-FR" sz="1200">
                           <a:solidFill>
-                            <a:srgbClr val="C0504D"/>
+                            <a:schemeClr val="accent2"/>
                           </a:solidFill>
                           <a:latin typeface="Zapf Dingbats"/>
                           <a:ea typeface="Zapf Dingbats"/>
@@ -18084,7 +18060,11 @@
                         </a:rPr>
                         <a:t>✗</a:t>
                       </a:r>
-                      <a:endParaRPr lang="fr-FR" sz="1200"/>
+                      <a:endParaRPr lang="fr-FR" sz="1200">
+                        <a:solidFill>
+                          <a:schemeClr val="accent2"/>
+                        </a:solidFill>
+                      </a:endParaRPr>
                     </a:p>
                   </a:txBody>
                   <a:tcPr marL="0" marR="0" marT="0" marB="0" anchor="ctr"/>
@@ -18353,13 +18333,8 @@
                       <a:pPr algn="ctr"/>
                       <a:r>
                         <a:rPr lang="fr-FR" sz="1200"/>
-                        <a:t>LBI</a:t>
+                        <a:t>LBIP</a:t>
                       </a:r>
-                      <a:r>
-                        <a:rPr lang="fr-FR" sz="1200"/>
-                        <a:t>P</a:t>
-                      </a:r>
-                      <a:endParaRPr lang="fr-FR" sz="1200"/>
                     </a:p>
                   </a:txBody>
                   <a:tcPr marL="0" marR="0" marT="0" marB="0" anchor="ctr"/>
@@ -18866,164 +18841,6 @@
                       <a:pPr algn="ctr"/>
                       <a:r>
                         <a:rPr lang="fr-FR" sz="1200"/>
-                        <a:t>RRS</a:t>
-                      </a:r>
-                    </a:p>
-                  </a:txBody>
-                  <a:tcPr marL="0" marR="0" marT="0" marB="0" anchor="ctr"/>
-                </a:tc>
-                <a:tc>
-                  <a:txBody>
-                    <a:bodyPr/>
-                    <a:lstStyle/>
-                    <a:p>
-                      <a:pPr algn="ctr"/>
-                      <a:r>
-                        <a:rPr lang="fr-FR" sz="1200">
-                          <a:solidFill>
-                            <a:srgbClr val="4A8B37"/>
-                          </a:solidFill>
-                          <a:latin typeface="Zapf Dingbats"/>
-                          <a:ea typeface="Zapf Dingbats"/>
-                          <a:cs typeface="Zapf Dingbats"/>
-                          <a:sym typeface="Zapf Dingbats"/>
-                        </a:rPr>
-                        <a:t>✓</a:t>
-                      </a:r>
-                      <a:endParaRPr lang="fr-FR" sz="1200">
-                        <a:solidFill>
-                          <a:srgbClr val="4A8B37"/>
-                        </a:solidFill>
-                      </a:endParaRPr>
-                    </a:p>
-                  </a:txBody>
-                  <a:tcPr marL="0" marR="0" marT="0" marB="0" anchor="ctr"/>
-                </a:tc>
-                <a:tc>
-                  <a:txBody>
-                    <a:bodyPr/>
-                    <a:lstStyle/>
-                    <a:p>
-                      <a:pPr algn="ctr"/>
-                      <a:r>
-                        <a:rPr lang="fr-FR" sz="1200">
-                          <a:solidFill>
-                            <a:srgbClr val="C0504D"/>
-                          </a:solidFill>
-                          <a:latin typeface="Zapf Dingbats"/>
-                          <a:ea typeface="Zapf Dingbats"/>
-                          <a:cs typeface="Zapf Dingbats"/>
-                          <a:sym typeface="Zapf Dingbats"/>
-                        </a:rPr>
-                        <a:t>✗</a:t>
-                      </a:r>
-                      <a:endParaRPr lang="fr-FR" sz="1200">
-                        <a:solidFill>
-                          <a:srgbClr val="C0504D"/>
-                        </a:solidFill>
-                      </a:endParaRPr>
-                    </a:p>
-                  </a:txBody>
-                  <a:tcPr marL="0" marR="0" marT="0" marB="0" anchor="ctr"/>
-                </a:tc>
-                <a:tc>
-                  <a:txBody>
-                    <a:bodyPr/>
-                    <a:lstStyle/>
-                    <a:p>
-                      <a:pPr algn="ctr"/>
-                      <a:endParaRPr lang="fr-FR" sz="1200"/>
-                    </a:p>
-                  </a:txBody>
-                  <a:tcPr marL="0" marR="0" marT="0" marB="0" anchor="ctr"/>
-                </a:tc>
-                <a:tc>
-                  <a:txBody>
-                    <a:bodyPr/>
-                    <a:lstStyle/>
-                    <a:p>
-                      <a:pPr algn="ctr"/>
-                      <a:endParaRPr lang="fr-FR" sz="1200"/>
-                    </a:p>
-                  </a:txBody>
-                  <a:tcPr marL="0" marR="0" marT="0" marB="0" anchor="ctr"/>
-                </a:tc>
-                <a:tc>
-                  <a:txBody>
-                    <a:bodyPr/>
-                    <a:lstStyle/>
-                    <a:p>
-                      <a:pPr algn="ctr"/>
-                      <a:endParaRPr lang="fr-FR" sz="1200"/>
-                    </a:p>
-                  </a:txBody>
-                  <a:tcPr marL="0" marR="0" marT="0" marB="0" anchor="ctr"/>
-                </a:tc>
-                <a:tc>
-                  <a:txBody>
-                    <a:bodyPr/>
-                    <a:lstStyle/>
-                    <a:p>
-                      <a:pPr algn="ctr"/>
-                      <a:endParaRPr lang="fr-FR" sz="1200"/>
-                    </a:p>
-                  </a:txBody>
-                  <a:tcPr marL="0" marR="0" marT="0" marB="0" anchor="ctr"/>
-                </a:tc>
-                <a:tc>
-                  <a:txBody>
-                    <a:bodyPr/>
-                    <a:lstStyle/>
-                    <a:p>
-                      <a:pPr algn="ctr"/>
-                      <a:endParaRPr lang="fr-FR" sz="1200"/>
-                    </a:p>
-                  </a:txBody>
-                  <a:tcPr marL="0" marR="0" marT="0" marB="0" anchor="ctr"/>
-                </a:tc>
-                <a:tc>
-                  <a:txBody>
-                    <a:bodyPr/>
-                    <a:lstStyle/>
-                    <a:p>
-                      <a:pPr algn="ctr"/>
-                      <a:endParaRPr lang="fr-FR" sz="1200"/>
-                    </a:p>
-                  </a:txBody>
-                  <a:tcPr marL="0" marR="0" marT="0" marB="0" anchor="ctr"/>
-                </a:tc>
-                <a:tc>
-                  <a:txBody>
-                    <a:bodyPr/>
-                    <a:lstStyle/>
-                    <a:p>
-                      <a:pPr algn="ctr"/>
-                      <a:endParaRPr lang="fr-FR" sz="1200"/>
-                    </a:p>
-                  </a:txBody>
-                  <a:tcPr marL="0" marR="0" marT="0" marB="0" anchor="ctr"/>
-                </a:tc>
-                <a:tc>
-                  <a:txBody>
-                    <a:bodyPr/>
-                    <a:lstStyle/>
-                    <a:p>
-                      <a:pPr algn="ctr"/>
-                      <a:endParaRPr lang="fr-FR" sz="1200"/>
-                    </a:p>
-                  </a:txBody>
-                  <a:tcPr marL="0" marR="0" marT="0" marB="0" anchor="ctr"/>
-                </a:tc>
-              </a:tr>
-              <a:tr h="329248">
-                <a:tc>
-                  <a:txBody>
-                    <a:bodyPr/>
-                    <a:lstStyle/>
-                    <a:p>
-                      <a:pPr algn="ctr"/>
-                      <a:r>
-                        <a:rPr lang="fr-FR" sz="1200"/>
                         <a:t>LBOP</a:t>
                       </a:r>
                     </a:p>
@@ -19089,7 +18906,105 @@
                     <a:bodyPr/>
                     <a:lstStyle/>
                     <a:p>
+                      <a:pPr marL="0" marR="0" indent="0" algn="ctr" defTabSz="457200" rtl="0" eaLnBrk="1" fontAlgn="auto" latinLnBrk="0" hangingPunct="1">
+                        <a:lnSpc>
+                          <a:spcPct val="100000"/>
+                        </a:lnSpc>
+                        <a:spcBef>
+                          <a:spcPts val="0"/>
+                        </a:spcBef>
+                        <a:spcAft>
+                          <a:spcPts val="0"/>
+                        </a:spcAft>
+                        <a:buClrTx/>
+                        <a:buSzTx/>
+                        <a:buFontTx/>
+                        <a:buNone/>
+                        <a:tabLst/>
+                        <a:defRPr/>
+                      </a:pPr>
+                      <a:r>
+                        <a:rPr lang="fr-FR" sz="1200">
+                          <a:solidFill>
+                            <a:srgbClr val="C0504D"/>
+                          </a:solidFill>
+                          <a:latin typeface="Zapf Dingbats"/>
+                          <a:ea typeface="Zapf Dingbats"/>
+                          <a:cs typeface="Zapf Dingbats"/>
+                          <a:sym typeface="Zapf Dingbats"/>
+                        </a:rPr>
+                        <a:t>✗</a:t>
+                      </a:r>
+                      <a:endParaRPr lang="fr-FR" sz="1200">
+                        <a:solidFill>
+                          <a:srgbClr val="C0504D"/>
+                        </a:solidFill>
+                      </a:endParaRPr>
+                    </a:p>
+                  </a:txBody>
+                  <a:tcPr marL="0" marR="0" marT="0" marB="0" anchor="ctr"/>
+                </a:tc>
+                <a:tc>
+                  <a:txBody>
+                    <a:bodyPr/>
+                    <a:lstStyle/>
+                    <a:p>
+                      <a:pPr marL="0" marR="0" indent="0" algn="ctr" defTabSz="457200" rtl="0" eaLnBrk="1" fontAlgn="auto" latinLnBrk="0" hangingPunct="1">
+                        <a:lnSpc>
+                          <a:spcPct val="100000"/>
+                        </a:lnSpc>
+                        <a:spcBef>
+                          <a:spcPts val="0"/>
+                        </a:spcBef>
+                        <a:spcAft>
+                          <a:spcPts val="0"/>
+                        </a:spcAft>
+                        <a:buClrTx/>
+                        <a:buSzTx/>
+                        <a:buFontTx/>
+                        <a:buNone/>
+                        <a:tabLst/>
+                        <a:defRPr/>
+                      </a:pPr>
+                      <a:r>
+                        <a:rPr lang="fr-FR" sz="1200">
+                          <a:solidFill>
+                            <a:srgbClr val="4A8B37"/>
+                          </a:solidFill>
+                          <a:latin typeface="Zapf Dingbats"/>
+                          <a:ea typeface="Zapf Dingbats"/>
+                          <a:cs typeface="Zapf Dingbats"/>
+                          <a:sym typeface="Zapf Dingbats"/>
+                        </a:rPr>
+                        <a:t>✓</a:t>
+                      </a:r>
+                      <a:endParaRPr lang="fr-FR" sz="1200">
+                        <a:solidFill>
+                          <a:srgbClr val="4A8B37"/>
+                        </a:solidFill>
+                      </a:endParaRPr>
+                    </a:p>
+                  </a:txBody>
+                  <a:tcPr marL="0" marR="0" marT="0" marB="0" anchor="ctr"/>
+                </a:tc>
+                <a:tc>
+                  <a:txBody>
+                    <a:bodyPr/>
+                    <a:lstStyle/>
+                    <a:p>
                       <a:pPr algn="ctr"/>
+                      <a:r>
+                        <a:rPr lang="fr-FR" sz="1200">
+                          <a:solidFill>
+                            <a:srgbClr val="C0504D"/>
+                          </a:solidFill>
+                          <a:latin typeface="Zapf Dingbats"/>
+                          <a:ea typeface="Zapf Dingbats"/>
+                          <a:cs typeface="Zapf Dingbats"/>
+                          <a:sym typeface="Zapf Dingbats"/>
+                        </a:rPr>
+                        <a:t>✗</a:t>
+                      </a:r>
                       <a:endParaRPr lang="fr-FR" sz="1200"/>
                     </a:p>
                   </a:txBody>
@@ -19101,6 +19016,18 @@
                     <a:lstStyle/>
                     <a:p>
                       <a:pPr algn="ctr"/>
+                      <a:r>
+                        <a:rPr lang="fr-FR" sz="1200">
+                          <a:solidFill>
+                            <a:srgbClr val="4A8B37"/>
+                          </a:solidFill>
+                          <a:latin typeface="Zapf Dingbats"/>
+                          <a:ea typeface="Zapf Dingbats"/>
+                          <a:cs typeface="Zapf Dingbats"/>
+                          <a:sym typeface="Zapf Dingbats"/>
+                        </a:rPr>
+                        <a:t>✓</a:t>
+                      </a:r>
                       <a:endParaRPr lang="fr-FR" sz="1200"/>
                     </a:p>
                   </a:txBody>
@@ -19112,6 +19039,18 @@
                     <a:lstStyle/>
                     <a:p>
                       <a:pPr algn="ctr"/>
+                      <a:r>
+                        <a:rPr lang="fr-FR" sz="1200">
+                          <a:solidFill>
+                            <a:srgbClr val="4A8B37"/>
+                          </a:solidFill>
+                          <a:latin typeface="Zapf Dingbats"/>
+                          <a:ea typeface="Zapf Dingbats"/>
+                          <a:cs typeface="Zapf Dingbats"/>
+                          <a:sym typeface="Zapf Dingbats"/>
+                        </a:rPr>
+                        <a:t>✓</a:t>
+                      </a:r>
                       <a:endParaRPr lang="fr-FR" sz="1200"/>
                     </a:p>
                   </a:txBody>
@@ -19123,6 +19062,18 @@
                     <a:lstStyle/>
                     <a:p>
                       <a:pPr algn="ctr"/>
+                      <a:r>
+                        <a:rPr lang="fr-FR" sz="1200">
+                          <a:solidFill>
+                            <a:srgbClr val="C0504D"/>
+                          </a:solidFill>
+                          <a:latin typeface="Zapf Dingbats"/>
+                          <a:ea typeface="Zapf Dingbats"/>
+                          <a:cs typeface="Zapf Dingbats"/>
+                          <a:sym typeface="Zapf Dingbats"/>
+                        </a:rPr>
+                        <a:t>✗</a:t>
+                      </a:r>
                       <a:endParaRPr lang="fr-FR" sz="1200"/>
                     </a:p>
                   </a:txBody>
@@ -19134,6 +19085,18 @@
                     <a:lstStyle/>
                     <a:p>
                       <a:pPr algn="ctr"/>
+                      <a:r>
+                        <a:rPr lang="fr-FR" sz="1200">
+                          <a:solidFill>
+                            <a:srgbClr val="4A8B37"/>
+                          </a:solidFill>
+                          <a:latin typeface="Zapf Dingbats"/>
+                          <a:ea typeface="Zapf Dingbats"/>
+                          <a:cs typeface="Zapf Dingbats"/>
+                          <a:sym typeface="Zapf Dingbats"/>
+                        </a:rPr>
+                        <a:t>✓</a:t>
+                      </a:r>
                       <a:endParaRPr lang="fr-FR" sz="1200"/>
                     </a:p>
                   </a:txBody>
@@ -19145,28 +19108,18 @@
                     <a:lstStyle/>
                     <a:p>
                       <a:pPr algn="ctr"/>
-                      <a:endParaRPr lang="fr-FR" sz="1200"/>
-                    </a:p>
-                  </a:txBody>
-                  <a:tcPr marL="0" marR="0" marT="0" marB="0" anchor="ctr"/>
-                </a:tc>
-                <a:tc>
-                  <a:txBody>
-                    <a:bodyPr/>
-                    <a:lstStyle/>
-                    <a:p>
-                      <a:pPr algn="ctr"/>
-                      <a:endParaRPr lang="fr-FR" sz="1200"/>
-                    </a:p>
-                  </a:txBody>
-                  <a:tcPr marL="0" marR="0" marT="0" marB="0" anchor="ctr"/>
-                </a:tc>
-                <a:tc>
-                  <a:txBody>
-                    <a:bodyPr/>
-                    <a:lstStyle/>
-                    <a:p>
-                      <a:pPr algn="ctr"/>
+                      <a:r>
+                        <a:rPr lang="fr-FR" sz="1200">
+                          <a:solidFill>
+                            <a:srgbClr val="C0504D"/>
+                          </a:solidFill>
+                          <a:latin typeface="Zapf Dingbats"/>
+                          <a:ea typeface="Zapf Dingbats"/>
+                          <a:cs typeface="Zapf Dingbats"/>
+                          <a:sym typeface="Zapf Dingbats"/>
+                        </a:rPr>
+                        <a:t>✗</a:t>
+                      </a:r>
                       <a:endParaRPr lang="fr-FR" sz="1200"/>
                     </a:p>
                   </a:txBody>
@@ -19247,7 +19200,105 @@
                     <a:bodyPr/>
                     <a:lstStyle/>
                     <a:p>
+                      <a:pPr marL="0" marR="0" indent="0" algn="ctr" defTabSz="457200" rtl="0" eaLnBrk="1" fontAlgn="auto" latinLnBrk="0" hangingPunct="1">
+                        <a:lnSpc>
+                          <a:spcPct val="100000"/>
+                        </a:lnSpc>
+                        <a:spcBef>
+                          <a:spcPts val="0"/>
+                        </a:spcBef>
+                        <a:spcAft>
+                          <a:spcPts val="0"/>
+                        </a:spcAft>
+                        <a:buClrTx/>
+                        <a:buSzTx/>
+                        <a:buFontTx/>
+                        <a:buNone/>
+                        <a:tabLst/>
+                        <a:defRPr/>
+                      </a:pPr>
+                      <a:r>
+                        <a:rPr lang="fr-FR" sz="1200">
+                          <a:solidFill>
+                            <a:srgbClr val="C0504D"/>
+                          </a:solidFill>
+                          <a:latin typeface="Zapf Dingbats"/>
+                          <a:ea typeface="Zapf Dingbats"/>
+                          <a:cs typeface="Zapf Dingbats"/>
+                          <a:sym typeface="Zapf Dingbats"/>
+                        </a:rPr>
+                        <a:t>✗</a:t>
+                      </a:r>
+                      <a:endParaRPr lang="fr-FR" sz="1200">
+                        <a:solidFill>
+                          <a:srgbClr val="C0504D"/>
+                        </a:solidFill>
+                      </a:endParaRPr>
+                    </a:p>
+                  </a:txBody>
+                  <a:tcPr marL="0" marR="0" marT="0" marB="0" anchor="ctr"/>
+                </a:tc>
+                <a:tc>
+                  <a:txBody>
+                    <a:bodyPr/>
+                    <a:lstStyle/>
+                    <a:p>
+                      <a:pPr marL="0" marR="0" indent="0" algn="ctr" defTabSz="457200" rtl="0" eaLnBrk="1" fontAlgn="auto" latinLnBrk="0" hangingPunct="1">
+                        <a:lnSpc>
+                          <a:spcPct val="100000"/>
+                        </a:lnSpc>
+                        <a:spcBef>
+                          <a:spcPts val="0"/>
+                        </a:spcBef>
+                        <a:spcAft>
+                          <a:spcPts val="0"/>
+                        </a:spcAft>
+                        <a:buClrTx/>
+                        <a:buSzTx/>
+                        <a:buFontTx/>
+                        <a:buNone/>
+                        <a:tabLst/>
+                        <a:defRPr/>
+                      </a:pPr>
+                      <a:r>
+                        <a:rPr lang="fr-FR" sz="1200">
+                          <a:solidFill>
+                            <a:srgbClr val="4A8B37"/>
+                          </a:solidFill>
+                          <a:latin typeface="Zapf Dingbats"/>
+                          <a:ea typeface="Zapf Dingbats"/>
+                          <a:cs typeface="Zapf Dingbats"/>
+                          <a:sym typeface="Zapf Dingbats"/>
+                        </a:rPr>
+                        <a:t>✓</a:t>
+                      </a:r>
+                      <a:endParaRPr lang="fr-FR" sz="1200">
+                        <a:solidFill>
+                          <a:srgbClr val="4A8B37"/>
+                        </a:solidFill>
+                      </a:endParaRPr>
+                    </a:p>
+                  </a:txBody>
+                  <a:tcPr marL="0" marR="0" marT="0" marB="0" anchor="ctr"/>
+                </a:tc>
+                <a:tc>
+                  <a:txBody>
+                    <a:bodyPr/>
+                    <a:lstStyle/>
+                    <a:p>
                       <a:pPr algn="ctr"/>
+                      <a:r>
+                        <a:rPr lang="fr-FR" sz="1200">
+                          <a:solidFill>
+                            <a:srgbClr val="C0504D"/>
+                          </a:solidFill>
+                          <a:latin typeface="Zapf Dingbats"/>
+                          <a:ea typeface="Zapf Dingbats"/>
+                          <a:cs typeface="Zapf Dingbats"/>
+                          <a:sym typeface="Zapf Dingbats"/>
+                        </a:rPr>
+                        <a:t>✗</a:t>
+                      </a:r>
                       <a:endParaRPr lang="fr-FR" sz="1200"/>
                     </a:p>
                   </a:txBody>
@@ -19259,6 +19310,18 @@
                     <a:lstStyle/>
                     <a:p>
                       <a:pPr algn="ctr"/>
+                      <a:r>
+                        <a:rPr lang="fr-FR" sz="1200">
+                          <a:solidFill>
+                            <a:srgbClr val="4A8B37"/>
+                          </a:solidFill>
+                          <a:latin typeface="Zapf Dingbats"/>
+                          <a:ea typeface="Zapf Dingbats"/>
+                          <a:cs typeface="Zapf Dingbats"/>
+                          <a:sym typeface="Zapf Dingbats"/>
+                        </a:rPr>
+                        <a:t>✓</a:t>
+                      </a:r>
                       <a:endParaRPr lang="fr-FR" sz="1200"/>
                     </a:p>
                   </a:txBody>
@@ -19270,6 +19333,18 @@
                     <a:lstStyle/>
                     <a:p>
                       <a:pPr algn="ctr"/>
+                      <a:r>
+                        <a:rPr lang="fr-FR" sz="1200">
+                          <a:solidFill>
+                            <a:srgbClr val="4A8B37"/>
+                          </a:solidFill>
+                          <a:latin typeface="Zapf Dingbats"/>
+                          <a:ea typeface="Zapf Dingbats"/>
+                          <a:cs typeface="Zapf Dingbats"/>
+                          <a:sym typeface="Zapf Dingbats"/>
+                        </a:rPr>
+                        <a:t>✓</a:t>
+                      </a:r>
                       <a:endParaRPr lang="fr-FR" sz="1200"/>
                     </a:p>
                   </a:txBody>
@@ -19281,6 +19356,18 @@
                     <a:lstStyle/>
                     <a:p>
                       <a:pPr algn="ctr"/>
+                      <a:r>
+                        <a:rPr lang="fr-FR" sz="1200">
+                          <a:solidFill>
+                            <a:srgbClr val="C0504D"/>
+                          </a:solidFill>
+                          <a:latin typeface="Zapf Dingbats"/>
+                          <a:ea typeface="Zapf Dingbats"/>
+                          <a:cs typeface="Zapf Dingbats"/>
+                          <a:sym typeface="Zapf Dingbats"/>
+                        </a:rPr>
+                        <a:t>✗</a:t>
+                      </a:r>
                       <a:endParaRPr lang="fr-FR" sz="1200"/>
                     </a:p>
                   </a:txBody>
@@ -19292,6 +19379,18 @@
                     <a:lstStyle/>
                     <a:p>
                       <a:pPr algn="ctr"/>
+                      <a:r>
+                        <a:rPr lang="fr-FR" sz="1200">
+                          <a:solidFill>
+                            <a:srgbClr val="4A8B37"/>
+                          </a:solidFill>
+                          <a:latin typeface="Zapf Dingbats"/>
+                          <a:ea typeface="Zapf Dingbats"/>
+                          <a:cs typeface="Zapf Dingbats"/>
+                          <a:sym typeface="Zapf Dingbats"/>
+                        </a:rPr>
+                        <a:t>✓</a:t>
+                      </a:r>
                       <a:endParaRPr lang="fr-FR" sz="1200"/>
                     </a:p>
                   </a:txBody>
@@ -19303,28 +19402,18 @@
                     <a:lstStyle/>
                     <a:p>
                       <a:pPr algn="ctr"/>
-                      <a:endParaRPr lang="fr-FR" sz="1200"/>
-                    </a:p>
-                  </a:txBody>
-                  <a:tcPr marL="0" marR="0" marT="0" marB="0" anchor="ctr"/>
-                </a:tc>
-                <a:tc>
-                  <a:txBody>
-                    <a:bodyPr/>
-                    <a:lstStyle/>
-                    <a:p>
-                      <a:pPr algn="ctr"/>
-                      <a:endParaRPr lang="fr-FR" sz="1200"/>
-                    </a:p>
-                  </a:txBody>
-                  <a:tcPr marL="0" marR="0" marT="0" marB="0" anchor="ctr"/>
-                </a:tc>
-                <a:tc>
-                  <a:txBody>
-                    <a:bodyPr/>
-                    <a:lstStyle/>
-                    <a:p>
-                      <a:pPr algn="ctr"/>
+                      <a:r>
+                        <a:rPr lang="fr-FR" sz="1200">
+                          <a:solidFill>
+                            <a:srgbClr val="C0504D"/>
+                          </a:solidFill>
+                          <a:latin typeface="Zapf Dingbats"/>
+                          <a:ea typeface="Zapf Dingbats"/>
+                          <a:cs typeface="Zapf Dingbats"/>
+                          <a:sym typeface="Zapf Dingbats"/>
+                        </a:rPr>
+                        <a:t>✗</a:t>
+                      </a:r>
                       <a:endParaRPr lang="fr-FR" sz="1200"/>
                     </a:p>
                   </a:txBody>
@@ -19405,7 +19494,62 @@
                     <a:bodyPr/>
                     <a:lstStyle/>
                     <a:p>
+                      <a:pPr marL="0" marR="0" indent="0" algn="ctr" defTabSz="457200" rtl="0" eaLnBrk="1" fontAlgn="auto" latinLnBrk="0" hangingPunct="1">
+                        <a:lnSpc>
+                          <a:spcPct val="100000"/>
+                        </a:lnSpc>
+                        <a:spcBef>
+                          <a:spcPts val="0"/>
+                        </a:spcBef>
+                        <a:spcAft>
+                          <a:spcPts val="0"/>
+                        </a:spcAft>
+                        <a:buClrTx/>
+                        <a:buSzTx/>
+                        <a:buFontTx/>
+                        <a:buNone/>
+                        <a:tabLst/>
+                        <a:defRPr/>
+                      </a:pPr>
+                      <a:r>
+                        <a:rPr lang="fr-FR" sz="1200">
+                          <a:solidFill>
+                            <a:srgbClr val="C0504D"/>
+                          </a:solidFill>
+                          <a:latin typeface="Zapf Dingbats"/>
+                          <a:ea typeface="Zapf Dingbats"/>
+                          <a:cs typeface="Zapf Dingbats"/>
+                          <a:sym typeface="Zapf Dingbats"/>
+                        </a:rPr>
+                        <a:t>✗</a:t>
+                      </a:r>
+                      <a:endParaRPr lang="fr-FR" sz="1200">
+                        <a:solidFill>
+                          <a:srgbClr val="C0504D"/>
+                        </a:solidFill>
+                      </a:endParaRPr>
+                    </a:p>
+                  </a:txBody>
+                  <a:tcPr marL="0" marR="0" marT="0" marB="0" anchor="ctr"/>
+                </a:tc>
+                <a:tc>
+                  <a:txBody>
+                    <a:bodyPr/>
+                    <a:lstStyle/>
+                    <a:p>
                       <a:pPr algn="ctr"/>
+                      <a:r>
+                        <a:rPr lang="fr-FR" sz="1200">
+                          <a:solidFill>
+                            <a:srgbClr val="4A8B37"/>
+                          </a:solidFill>
+                          <a:latin typeface="Zapf Dingbats"/>
+                          <a:ea typeface="Zapf Dingbats"/>
+                          <a:cs typeface="Zapf Dingbats"/>
+                          <a:sym typeface="Zapf Dingbats"/>
+                        </a:rPr>
+                        <a:t>✓</a:t>
+                      </a:r>
                       <a:endParaRPr lang="fr-FR" sz="1200"/>
                     </a:p>
                   </a:txBody>
@@ -19417,6 +19561,18 @@
                     <a:lstStyle/>
                     <a:p>
                       <a:pPr algn="ctr"/>
+                      <a:r>
+                        <a:rPr lang="fr-FR" sz="1200">
+                          <a:solidFill>
+                            <a:srgbClr val="C0504D"/>
+                          </a:solidFill>
+                          <a:latin typeface="Zapf Dingbats"/>
+                          <a:ea typeface="Zapf Dingbats"/>
+                          <a:cs typeface="Zapf Dingbats"/>
+                          <a:sym typeface="Zapf Dingbats"/>
+                        </a:rPr>
+                        <a:t>✗</a:t>
+                      </a:r>
                       <a:endParaRPr lang="fr-FR" sz="1200"/>
                     </a:p>
                   </a:txBody>
@@ -19428,6 +19584,18 @@
                     <a:lstStyle/>
                     <a:p>
                       <a:pPr algn="ctr"/>
+                      <a:r>
+                        <a:rPr lang="fr-FR" sz="1200">
+                          <a:solidFill>
+                            <a:srgbClr val="4A8B37"/>
+                          </a:solidFill>
+                          <a:latin typeface="Zapf Dingbats"/>
+                          <a:ea typeface="Zapf Dingbats"/>
+                          <a:cs typeface="Zapf Dingbats"/>
+                          <a:sym typeface="Zapf Dingbats"/>
+                        </a:rPr>
+                        <a:t>✓</a:t>
+                      </a:r>
                       <a:endParaRPr lang="fr-FR" sz="1200"/>
                     </a:p>
                   </a:txBody>
@@ -19439,6 +19607,18 @@
                     <a:lstStyle/>
                     <a:p>
                       <a:pPr algn="ctr"/>
+                      <a:r>
+                        <a:rPr lang="fr-FR" sz="1200">
+                          <a:solidFill>
+                            <a:srgbClr val="4A8B37"/>
+                          </a:solidFill>
+                          <a:latin typeface="Zapf Dingbats"/>
+                          <a:ea typeface="Zapf Dingbats"/>
+                          <a:cs typeface="Zapf Dingbats"/>
+                          <a:sym typeface="Zapf Dingbats"/>
+                        </a:rPr>
+                        <a:t>✓</a:t>
+                      </a:r>
                       <a:endParaRPr lang="fr-FR" sz="1200"/>
                     </a:p>
                   </a:txBody>
@@ -19450,6 +19630,18 @@
                     <a:lstStyle/>
                     <a:p>
                       <a:pPr algn="ctr"/>
+                      <a:r>
+                        <a:rPr lang="fr-FR" sz="1200">
+                          <a:solidFill>
+                            <a:srgbClr val="C0504D"/>
+                          </a:solidFill>
+                          <a:latin typeface="Zapf Dingbats"/>
+                          <a:ea typeface="Zapf Dingbats"/>
+                          <a:cs typeface="Zapf Dingbats"/>
+                          <a:sym typeface="Zapf Dingbats"/>
+                        </a:rPr>
+                        <a:t>✗</a:t>
+                      </a:r>
                       <a:endParaRPr lang="fr-FR" sz="1200"/>
                     </a:p>
                   </a:txBody>
@@ -19461,6 +19653,18 @@
                     <a:lstStyle/>
                     <a:p>
                       <a:pPr algn="ctr"/>
+                      <a:r>
+                        <a:rPr lang="fr-FR" sz="1200">
+                          <a:solidFill>
+                            <a:srgbClr val="4A8B37"/>
+                          </a:solidFill>
+                          <a:latin typeface="Zapf Dingbats"/>
+                          <a:ea typeface="Zapf Dingbats"/>
+                          <a:cs typeface="Zapf Dingbats"/>
+                          <a:sym typeface="Zapf Dingbats"/>
+                        </a:rPr>
+                        <a:t>✓</a:t>
+                      </a:r>
                       <a:endParaRPr lang="fr-FR" sz="1200"/>
                     </a:p>
                   </a:txBody>
@@ -19472,17 +19676,18 @@
                     <a:lstStyle/>
                     <a:p>
                       <a:pPr algn="ctr"/>
-                      <a:endParaRPr lang="fr-FR" sz="1200"/>
-                    </a:p>
-                  </a:txBody>
-                  <a:tcPr marL="0" marR="0" marT="0" marB="0" anchor="ctr"/>
-                </a:tc>
-                <a:tc>
-                  <a:txBody>
-                    <a:bodyPr/>
-                    <a:lstStyle/>
-                    <a:p>
-                      <a:pPr algn="ctr"/>
+                      <a:r>
+                        <a:rPr lang="fr-FR" sz="1200">
+                          <a:solidFill>
+                            <a:srgbClr val="C0504D"/>
+                          </a:solidFill>
+                          <a:latin typeface="Zapf Dingbats"/>
+                          <a:ea typeface="Zapf Dingbats"/>
+                          <a:cs typeface="Zapf Dingbats"/>
+                          <a:sym typeface="Zapf Dingbats"/>
+                        </a:rPr>
+                        <a:t>✗</a:t>
+                      </a:r>
                       <a:endParaRPr lang="fr-FR" sz="1200"/>
                     </a:p>
                   </a:txBody>
@@ -19649,13 +19854,13 @@
   <p:clrMapOvr>
     <a:masterClrMapping/>
   </p:clrMapOvr>
-  <mc:AlternateContent xmlns:mc="http://schemas.openxmlformats.org/markup-compatibility/2006">
-    <mc:Choice xmlns:p14="http://schemas.microsoft.com/office/powerpoint/2010/main" Requires="p14">
+  <mc:AlternateContent xmlns:mc="http://schemas.openxmlformats.org/markup-compatibility/2006" xmlns:p14="http://schemas.microsoft.com/office/powerpoint/2010/main">
+    <mc:Choice Requires="p14">
       <p:transition spd="med" p14:dur="700">
         <p:fade/>
       </p:transition>
     </mc:Choice>
-    <mc:Fallback>
+    <mc:Fallback xmlns="">
       <p:transition xmlns:p14="http://schemas.microsoft.com/office/powerpoint/2010/main" spd="med">
         <p:fade/>
       </p:transition>
@@ -19771,7 +19976,6 @@
               <a:rPr lang="fr-FR"/>
               <a:t>Analyse et réflexion</a:t>
             </a:r>
-            <a:endParaRPr lang="fr-FR"/>
           </a:p>
         </p:txBody>
       </p:sp>
@@ -19895,7 +20099,6 @@
               <a:rPr lang="fr-FR"/>
               <a:t>Analyse et réflexion</a:t>
             </a:r>
-            <a:endParaRPr lang="fr-FR"/>
           </a:p>
         </p:txBody>
       </p:sp>
@@ -20019,7 +20222,6 @@
               <a:rPr lang="fr-FR"/>
               <a:t>Analyse et réflexion</a:t>
             </a:r>
-            <a:endParaRPr lang="fr-FR"/>
           </a:p>
         </p:txBody>
       </p:sp>
@@ -20134,13 +20336,13 @@
   <p:clrMapOvr>
     <a:masterClrMapping/>
   </p:clrMapOvr>
-  <mc:AlternateContent xmlns:mc="http://schemas.openxmlformats.org/markup-compatibility/2006">
-    <mc:Choice xmlns:p14="http://schemas.microsoft.com/office/powerpoint/2010/main" Requires="p14">
+  <mc:AlternateContent xmlns:mc="http://schemas.openxmlformats.org/markup-compatibility/2006" xmlns:p14="http://schemas.microsoft.com/office/powerpoint/2010/main">
+    <mc:Choice Requires="p14">
       <p:transition spd="med" p14:dur="700">
         <p:fade/>
       </p:transition>
     </mc:Choice>
-    <mc:Fallback>
+    <mc:Fallback xmlns="">
       <p:transition xmlns:p14="http://schemas.microsoft.com/office/powerpoint/2010/main" spd="med">
         <p:fade/>
       </p:transition>
@@ -20414,7 +20616,6 @@
               <a:rPr lang="fr-FR"/>
               <a:t>simulation et résulats</a:t>
             </a:r>
-            <a:endParaRPr lang="fr-FR"/>
           </a:p>
         </p:txBody>
       </p:sp>
@@ -20535,13 +20736,13 @@
   <p:clrMapOvr>
     <a:masterClrMapping/>
   </p:clrMapOvr>
-  <mc:AlternateContent xmlns:mc="http://schemas.openxmlformats.org/markup-compatibility/2006">
-    <mc:Choice xmlns:p14="http://schemas.microsoft.com/office/powerpoint/2010/main" Requires="p14">
+  <mc:AlternateContent xmlns:mc="http://schemas.openxmlformats.org/markup-compatibility/2006" xmlns:p14="http://schemas.microsoft.com/office/powerpoint/2010/main">
+    <mc:Choice Requires="p14">
       <p:transition spd="med" p14:dur="700">
         <p:fade/>
       </p:transition>
     </mc:Choice>
-    <mc:Fallback>
+    <mc:Fallback xmlns="">
       <p:transition xmlns:p14="http://schemas.microsoft.com/office/powerpoint/2010/main" spd="med">
         <p:fade/>
       </p:transition>

--- a/Redaction/pres.pptx
+++ b/Redaction/pres.pptx
@@ -1302,21 +1302,21 @@
     </dgm:pt>
   </dgm:ptLst>
   <dgm:cxnLst>
-    <dgm:cxn modelId="{BD289E23-9AEB-1545-8121-FFED29DF8A76}" type="presOf" srcId="{EBD4001C-B961-5540-8C87-277869C67930}" destId="{D2B7ABDE-DC5D-CC43-A304-27801E8F3934}" srcOrd="1" destOrd="0" presId="urn:microsoft.com/office/officeart/2005/8/layout/radial5"/>
-    <dgm:cxn modelId="{5EF9709A-DAC0-EE4B-8557-4C53B4B56380}" type="presOf" srcId="{7DA216F7-B61A-644F-9E41-4844BDF2E1EB}" destId="{9AF44D55-8614-3B46-93BF-F278C02874B0}" srcOrd="0" destOrd="0" presId="urn:microsoft.com/office/officeart/2005/8/layout/radial5"/>
-    <dgm:cxn modelId="{20D7BF27-E99E-774C-A330-14F0528895CF}" type="presOf" srcId="{EC3D84DF-2E4A-914D-8008-A16D5583089F}" destId="{2D39C667-17DD-D243-BBEF-E694A5E11B6F}" srcOrd="0" destOrd="0" presId="urn:microsoft.com/office/officeart/2005/8/layout/radial5"/>
     <dgm:cxn modelId="{3CF9BB7A-5A06-2847-8A99-D91FA18D9AFA}" type="presOf" srcId="{5304632D-3534-014E-A773-191A91505663}" destId="{28E9526E-7B0C-9143-A850-585B8E0E2207}" srcOrd="0" destOrd="0" presId="urn:microsoft.com/office/officeart/2005/8/layout/radial5"/>
-    <dgm:cxn modelId="{981409B1-430A-F64D-A631-F9C5F731F273}" type="presOf" srcId="{EBD4001C-B961-5540-8C87-277869C67930}" destId="{443AD5A5-74EA-D84C-A21D-7D9663E3D147}" srcOrd="0" destOrd="0" presId="urn:microsoft.com/office/officeart/2005/8/layout/radial5"/>
-    <dgm:cxn modelId="{88714B9B-4491-1648-BFA5-9908FC612FF9}" type="presOf" srcId="{1A6F2230-7FF1-784D-8943-FAFBB5BD867E}" destId="{EFF2F8AC-1F1B-6D4D-8C29-AE41441F26F7}" srcOrd="0" destOrd="0" presId="urn:microsoft.com/office/officeart/2005/8/layout/radial5"/>
-    <dgm:cxn modelId="{1F426276-401F-6548-A04B-6E549D314F44}" srcId="{EC3D84DF-2E4A-914D-8008-A16D5583089F}" destId="{B7BB0103-7E47-DD47-A685-FB155C9A07EE}" srcOrd="0" destOrd="0" parTransId="{187E3820-FDBD-A14B-8D53-13DEEA190D85}" sibTransId="{07DE391C-36DC-2347-ACDE-6F70ECD1194A}"/>
-    <dgm:cxn modelId="{DA6D3E26-D7CA-AD40-9EAA-FB53CCDC295A}" srcId="{B7BB0103-7E47-DD47-A685-FB155C9A07EE}" destId="{7DA216F7-B61A-644F-9E41-4844BDF2E1EB}" srcOrd="1" destOrd="0" parTransId="{EE98EBD2-B01C-AC47-87D6-306A993857F7}" sibTransId="{40828377-F63C-7147-AD5C-8E259A94515F}"/>
     <dgm:cxn modelId="{D1A37C89-99F7-8646-9954-2A9040E91DE6}" type="presOf" srcId="{B7BB0103-7E47-DD47-A685-FB155C9A07EE}" destId="{5DD8E76F-190F-AE4D-8F4D-4BB2AADB5179}" srcOrd="0" destOrd="0" presId="urn:microsoft.com/office/officeart/2005/8/layout/radial5"/>
     <dgm:cxn modelId="{182F8A36-DF71-514D-A4DB-02C0E52C9E27}" srcId="{B7BB0103-7E47-DD47-A685-FB155C9A07EE}" destId="{80CDC2A9-E114-4E4E-97DA-E5A6E9106C0D}" srcOrd="2" destOrd="0" parTransId="{EBD4001C-B961-5540-8C87-277869C67930}" sibTransId="{23331D01-66FE-2F4E-9D58-79CD274B6161}"/>
-    <dgm:cxn modelId="{06BD377A-1813-9A43-8E47-E01E784BE70D}" type="presOf" srcId="{80CDC2A9-E114-4E4E-97DA-E5A6E9106C0D}" destId="{E6336081-3369-9448-A37D-3542AC02AA41}" srcOrd="0" destOrd="0" presId="urn:microsoft.com/office/officeart/2005/8/layout/radial5"/>
+    <dgm:cxn modelId="{1F426276-401F-6548-A04B-6E549D314F44}" srcId="{EC3D84DF-2E4A-914D-8008-A16D5583089F}" destId="{B7BB0103-7E47-DD47-A685-FB155C9A07EE}" srcOrd="0" destOrd="0" parTransId="{187E3820-FDBD-A14B-8D53-13DEEA190D85}" sibTransId="{07DE391C-36DC-2347-ACDE-6F70ECD1194A}"/>
+    <dgm:cxn modelId="{5EF9709A-DAC0-EE4B-8557-4C53B4B56380}" type="presOf" srcId="{7DA216F7-B61A-644F-9E41-4844BDF2E1EB}" destId="{9AF44D55-8614-3B46-93BF-F278C02874B0}" srcOrd="0" destOrd="0" presId="urn:microsoft.com/office/officeart/2005/8/layout/radial5"/>
+    <dgm:cxn modelId="{B42444B2-648E-4449-96AD-FC3B788CF0E4}" type="presOf" srcId="{EE98EBD2-B01C-AC47-87D6-306A993857F7}" destId="{54DC7B13-44EC-FF49-A46D-55A02B76FE87}" srcOrd="0" destOrd="0" presId="urn:microsoft.com/office/officeart/2005/8/layout/radial5"/>
+    <dgm:cxn modelId="{88714B9B-4491-1648-BFA5-9908FC612FF9}" type="presOf" srcId="{1A6F2230-7FF1-784D-8943-FAFBB5BD867E}" destId="{EFF2F8AC-1F1B-6D4D-8C29-AE41441F26F7}" srcOrd="0" destOrd="0" presId="urn:microsoft.com/office/officeart/2005/8/layout/radial5"/>
+    <dgm:cxn modelId="{981409B1-430A-F64D-A631-F9C5F731F273}" type="presOf" srcId="{EBD4001C-B961-5540-8C87-277869C67930}" destId="{443AD5A5-74EA-D84C-A21D-7D9663E3D147}" srcOrd="0" destOrd="0" presId="urn:microsoft.com/office/officeart/2005/8/layout/radial5"/>
     <dgm:cxn modelId="{41055DA1-11F4-F44D-8A2D-65078C273C86}" srcId="{B7BB0103-7E47-DD47-A685-FB155C9A07EE}" destId="{1A6F2230-7FF1-784D-8943-FAFBB5BD867E}" srcOrd="0" destOrd="0" parTransId="{5304632D-3534-014E-A773-191A91505663}" sibTransId="{18929EFA-1674-8D49-BFC2-4A2E5D4308B5}"/>
     <dgm:cxn modelId="{21A54FB8-9CA2-2343-945D-5B2902E5F5E8}" type="presOf" srcId="{5304632D-3534-014E-A773-191A91505663}" destId="{F6EB97ED-B6B4-4241-B774-3B7059FCFB8A}" srcOrd="1" destOrd="0" presId="urn:microsoft.com/office/officeart/2005/8/layout/radial5"/>
-    <dgm:cxn modelId="{B42444B2-648E-4449-96AD-FC3B788CF0E4}" type="presOf" srcId="{EE98EBD2-B01C-AC47-87D6-306A993857F7}" destId="{54DC7B13-44EC-FF49-A46D-55A02B76FE87}" srcOrd="0" destOrd="0" presId="urn:microsoft.com/office/officeart/2005/8/layout/radial5"/>
     <dgm:cxn modelId="{7ED21C30-811C-3644-A272-51AA029DED4E}" type="presOf" srcId="{EE98EBD2-B01C-AC47-87D6-306A993857F7}" destId="{F9C9631B-0A4E-8840-BB52-87B441B80EB5}" srcOrd="1" destOrd="0" presId="urn:microsoft.com/office/officeart/2005/8/layout/radial5"/>
+    <dgm:cxn modelId="{BD289E23-9AEB-1545-8121-FFED29DF8A76}" type="presOf" srcId="{EBD4001C-B961-5540-8C87-277869C67930}" destId="{D2B7ABDE-DC5D-CC43-A304-27801E8F3934}" srcOrd="1" destOrd="0" presId="urn:microsoft.com/office/officeart/2005/8/layout/radial5"/>
+    <dgm:cxn modelId="{06BD377A-1813-9A43-8E47-E01E784BE70D}" type="presOf" srcId="{80CDC2A9-E114-4E4E-97DA-E5A6E9106C0D}" destId="{E6336081-3369-9448-A37D-3542AC02AA41}" srcOrd="0" destOrd="0" presId="urn:microsoft.com/office/officeart/2005/8/layout/radial5"/>
+    <dgm:cxn modelId="{20D7BF27-E99E-774C-A330-14F0528895CF}" type="presOf" srcId="{EC3D84DF-2E4A-914D-8008-A16D5583089F}" destId="{2D39C667-17DD-D243-BBEF-E694A5E11B6F}" srcOrd="0" destOrd="0" presId="urn:microsoft.com/office/officeart/2005/8/layout/radial5"/>
+    <dgm:cxn modelId="{DA6D3E26-D7CA-AD40-9EAA-FB53CCDC295A}" srcId="{B7BB0103-7E47-DD47-A685-FB155C9A07EE}" destId="{7DA216F7-B61A-644F-9E41-4844BDF2E1EB}" srcOrd="1" destOrd="0" parTransId="{EE98EBD2-B01C-AC47-87D6-306A993857F7}" sibTransId="{40828377-F63C-7147-AD5C-8E259A94515F}"/>
     <dgm:cxn modelId="{D454D5EA-D415-0940-841D-9AF66E1C32C1}" type="presParOf" srcId="{2D39C667-17DD-D243-BBEF-E694A5E11B6F}" destId="{5DD8E76F-190F-AE4D-8F4D-4BB2AADB5179}" srcOrd="0" destOrd="0" presId="urn:microsoft.com/office/officeart/2005/8/layout/radial5"/>
     <dgm:cxn modelId="{758DD4F6-D5C5-1B47-AEAA-8A9B5ED271C1}" type="presParOf" srcId="{2D39C667-17DD-D243-BBEF-E694A5E11B6F}" destId="{28E9526E-7B0C-9143-A850-585B8E0E2207}" srcOrd="1" destOrd="0" presId="urn:microsoft.com/office/officeart/2005/8/layout/radial5"/>
     <dgm:cxn modelId="{0E9F40F2-2A10-F442-B672-458B50589287}" type="presParOf" srcId="{28E9526E-7B0C-9143-A850-585B8E0E2207}" destId="{F6EB97ED-B6B4-4241-B774-3B7059FCFB8A}" srcOrd="0" destOrd="0" presId="urn:microsoft.com/office/officeart/2005/8/layout/radial5"/>
@@ -3320,7 +3320,7 @@
           </a:lstStyle>
           <a:p>
             <a:fld id="{A403C439-8792-4E48-B980-226A62E380FA}" type="datetime1">
-              <a:t>22/04/12</a:t>
+              <a:t>23/04/12</a:t>
             </a:fld>
             <a:endParaRPr lang="fr-FR"/>
           </a:p>
@@ -3484,7 +3484,7 @@
           </a:lstStyle>
           <a:p>
             <a:fld id="{D72FB3A3-AF10-6843-BF9B-8AA1F700EDAB}" type="datetime1">
-              <a:t>22/04/12</a:t>
+              <a:t>23/04/12</a:t>
             </a:fld>
             <a:endParaRPr lang="fr-FR"/>
           </a:p>
@@ -4156,7 +4156,7 @@
           <a:lstStyle/>
           <a:p>
             <a:fld id="{EF8E0FF7-07C5-9A4B-B9E2-249745357892}" type="datetime1">
-              <a:t>22/04/12</a:t>
+              <a:t>23/04/12</a:t>
             </a:fld>
             <a:endParaRPr lang="fr-FR"/>
           </a:p>
@@ -4413,7 +4413,7 @@
           <a:lstStyle/>
           <a:p>
             <a:fld id="{1CF138A4-4CB9-4F43-A9A5-5E812734F798}" type="datetime1">
-              <a:t>22/04/12</a:t>
+              <a:t>23/04/12</a:t>
             </a:fld>
             <a:endParaRPr lang="fr-FR"/>
           </a:p>
@@ -4586,7 +4586,7 @@
           <a:lstStyle/>
           <a:p>
             <a:fld id="{AAD2A5F4-3CE0-E641-B869-DB0DBBD6BD4B}" type="datetime1">
-              <a:t>22/04/12</a:t>
+              <a:t>23/04/12</a:t>
             </a:fld>
             <a:endParaRPr lang="fr-FR"/>
           </a:p>
@@ -4769,7 +4769,7 @@
           <a:lstStyle/>
           <a:p>
             <a:fld id="{E88E79BD-A9A2-524D-A83A-844F4A79225F}" type="datetime1">
-              <a:t>22/04/12</a:t>
+              <a:t>23/04/12</a:t>
             </a:fld>
             <a:endParaRPr lang="fr-FR"/>
           </a:p>
@@ -5595,7 +5595,7 @@
           <a:lstStyle/>
           <a:p>
             <a:fld id="{D7406C6B-2A98-3F4A-8376-030E8D4E7748}" type="datetime1">
-              <a:t>22/04/12</a:t>
+              <a:t>23/04/12</a:t>
             </a:fld>
             <a:endParaRPr lang="fr-FR"/>
           </a:p>
@@ -5773,7 +5773,7 @@
           <a:lstStyle/>
           <a:p>
             <a:fld id="{63A6B9AC-03EB-404C-91E9-F1BAC402D744}" type="datetime1">
-              <a:t>22/04/12</a:t>
+              <a:t>23/04/12</a:t>
             </a:fld>
             <a:endParaRPr lang="fr-FR"/>
           </a:p>
@@ -6095,7 +6095,7 @@
           <a:lstStyle/>
           <a:p>
             <a:fld id="{FAEA84EA-A45B-A341-8AE9-ADAAC6B02B89}" type="datetime1">
-              <a:t>22/04/12</a:t>
+              <a:t>23/04/12</a:t>
             </a:fld>
             <a:endParaRPr lang="fr-FR"/>
           </a:p>
@@ -6385,7 +6385,7 @@
           <a:lstStyle/>
           <a:p>
             <a:fld id="{F59A7D60-8FBE-1944-8B44-499C1F06D97A}" type="datetime1">
-              <a:t>22/04/12</a:t>
+              <a:t>23/04/12</a:t>
             </a:fld>
             <a:endParaRPr lang="fr-FR"/>
           </a:p>
@@ -6814,7 +6814,7 @@
           <a:lstStyle/>
           <a:p>
             <a:fld id="{C69DB02C-4106-0343-8225-B58AAD2D629A}" type="datetime1">
-              <a:t>22/04/12</a:t>
+              <a:t>23/04/12</a:t>
             </a:fld>
             <a:endParaRPr lang="fr-FR"/>
           </a:p>
@@ -6936,7 +6936,7 @@
           <a:lstStyle/>
           <a:p>
             <a:fld id="{59AA06BD-BE72-7D49-9E53-083ABA7FC7D2}" type="datetime1">
-              <a:t>22/04/12</a:t>
+              <a:t>23/04/12</a:t>
             </a:fld>
             <a:endParaRPr lang="fr-FR"/>
           </a:p>
@@ -7036,7 +7036,7 @@
           <a:lstStyle/>
           <a:p>
             <a:fld id="{8F024E51-7B49-5D4A-86A0-E29FACC1A80A}" type="datetime1">
-              <a:t>22/04/12</a:t>
+              <a:t>23/04/12</a:t>
             </a:fld>
             <a:endParaRPr lang="fr-FR"/>
           </a:p>
@@ -7252,7 +7252,7 @@
           </a:lstStyle>
           <a:p>
             <a:fld id="{05B6F9A6-1CC6-4B49-B400-D379C806133A}" type="datetime1">
-              <a:t>22/04/12</a:t>
+              <a:t>23/04/12</a:t>
             </a:fld>
             <a:endParaRPr lang="fr-FR"/>
           </a:p>
@@ -10848,6 +10848,49 @@
           </a:p>
         </p:txBody>
       </p:sp>
+      <p:sp>
+        <p:nvSpPr>
+          <p:cNvPr id="22" name="Ellipse 21"/>
+          <p:cNvSpPr/>
+          <p:nvPr/>
+        </p:nvSpPr>
+        <p:spPr>
+          <a:xfrm>
+            <a:off x="7919544" y="5072295"/>
+            <a:ext cx="428293" cy="407558"/>
+          </a:xfrm>
+          <a:prstGeom prst="ellipse">
+            <a:avLst/>
+          </a:prstGeom>
+        </p:spPr>
+        <p:style>
+          <a:lnRef idx="1">
+            <a:schemeClr val="dk1"/>
+          </a:lnRef>
+          <a:fillRef idx="3">
+            <a:schemeClr val="dk1"/>
+          </a:fillRef>
+          <a:effectRef idx="2">
+            <a:schemeClr val="dk1"/>
+          </a:effectRef>
+          <a:fontRef idx="minor">
+            <a:schemeClr val="lt1"/>
+          </a:fontRef>
+        </p:style>
+        <p:txBody>
+          <a:bodyPr rtlCol="0" anchor="ctr">
+            <a:normAutofit fontScale="85000" lnSpcReduction="20000"/>
+          </a:bodyPr>
+          <a:lstStyle/>
+          <a:p>
+            <a:pPr algn="ctr"/>
+            <a:r>
+              <a:rPr lang="fr-FR"/>
+              <a:t>G</a:t>
+            </a:r>
+          </a:p>
+        </p:txBody>
+      </p:sp>
       <p:cxnSp>
         <p:nvCxnSpPr>
           <p:cNvPr id="15" name="Connecteur droit 14"/>
@@ -11084,114 +11127,6 @@
           </a:fontRef>
         </p:style>
       </p:cxnSp>
-      <p:sp>
-        <p:nvSpPr>
-          <p:cNvPr id="24" name="Espace réservé du contenu 6"/>
-          <p:cNvSpPr>
-            <a:spLocks noGrp="1"/>
-          </p:cNvSpPr>
-          <p:nvPr>
-            <p:ph idx="1"/>
-          </p:nvPr>
-        </p:nvSpPr>
-        <p:spPr>
-          <a:xfrm>
-            <a:off x="457200" y="1600201"/>
-            <a:ext cx="8229600" cy="4525963"/>
-          </a:xfrm>
-        </p:spPr>
-        <p:txBody>
-          <a:bodyPr>
-            <a:normAutofit/>
-          </a:bodyPr>
-          <a:lstStyle/>
-          <a:p>
-            <a:r>
-              <a:rPr lang="fr-FR"/>
-              <a:t>exemple : P = 0.5</a:t>
-            </a:r>
-          </a:p>
-          <a:p>
-            <a:endParaRPr lang="fr-FR"/>
-          </a:p>
-          <a:p>
-            <a:r>
-              <a:rPr lang="fr-FR"/>
-              <a:t>2 transmissions </a:t>
-            </a:r>
-          </a:p>
-          <a:p>
-            <a:pPr marL="0" indent="0">
-              <a:buNone/>
-            </a:pPr>
-            <a:r>
-              <a:rPr lang="fr-FR"/>
-              <a:t>superflues</a:t>
-            </a:r>
-          </a:p>
-          <a:p>
-            <a:endParaRPr lang="fr-FR"/>
-          </a:p>
-          <a:p>
-            <a:r>
-              <a:rPr lang="fr-FR"/>
-              <a:t>2 nœuds non </a:t>
-            </a:r>
-          </a:p>
-          <a:p>
-            <a:pPr marL="0" indent="0">
-              <a:buNone/>
-            </a:pPr>
-            <a:r>
-              <a:rPr lang="fr-FR"/>
-              <a:t>couverts</a:t>
-            </a:r>
-          </a:p>
-        </p:txBody>
-      </p:sp>
-      <p:sp>
-        <p:nvSpPr>
-          <p:cNvPr id="22" name="Ellipse 21"/>
-          <p:cNvSpPr/>
-          <p:nvPr/>
-        </p:nvSpPr>
-        <p:spPr>
-          <a:xfrm>
-            <a:off x="7919544" y="5072295"/>
-            <a:ext cx="428293" cy="407558"/>
-          </a:xfrm>
-          <a:prstGeom prst="ellipse">
-            <a:avLst/>
-          </a:prstGeom>
-        </p:spPr>
-        <p:style>
-          <a:lnRef idx="1">
-            <a:schemeClr val="dk1"/>
-          </a:lnRef>
-          <a:fillRef idx="3">
-            <a:schemeClr val="dk1"/>
-          </a:fillRef>
-          <a:effectRef idx="2">
-            <a:schemeClr val="dk1"/>
-          </a:effectRef>
-          <a:fontRef idx="minor">
-            <a:schemeClr val="lt1"/>
-          </a:fontRef>
-        </p:style>
-        <p:txBody>
-          <a:bodyPr rtlCol="0" anchor="ctr">
-            <a:normAutofit fontScale="85000" lnSpcReduction="20000"/>
-          </a:bodyPr>
-          <a:lstStyle/>
-          <a:p>
-            <a:pPr algn="ctr"/>
-            <a:r>
-              <a:rPr lang="fr-FR"/>
-              <a:t>G</a:t>
-            </a:r>
-          </a:p>
-        </p:txBody>
-      </p:sp>
       <p:cxnSp>
         <p:nvCxnSpPr>
           <p:cNvPr id="23" name="Connecteur droit 22"/>
@@ -11224,6 +11159,71 @@
           </a:fontRef>
         </p:style>
       </p:cxnSp>
+      <p:sp>
+        <p:nvSpPr>
+          <p:cNvPr id="24" name="Espace réservé du contenu 6"/>
+          <p:cNvSpPr>
+            <a:spLocks noGrp="1"/>
+          </p:cNvSpPr>
+          <p:nvPr>
+            <p:ph idx="1"/>
+          </p:nvPr>
+        </p:nvSpPr>
+        <p:spPr>
+          <a:xfrm>
+            <a:off x="457200" y="1600201"/>
+            <a:ext cx="8229600" cy="4525963"/>
+          </a:xfrm>
+        </p:spPr>
+        <p:txBody>
+          <a:bodyPr>
+            <a:normAutofit/>
+          </a:bodyPr>
+          <a:lstStyle/>
+          <a:p>
+            <a:r>
+              <a:rPr lang="fr-FR"/>
+              <a:t>exemple : P = 0.5</a:t>
+            </a:r>
+          </a:p>
+          <a:p>
+            <a:endParaRPr lang="fr-FR"/>
+          </a:p>
+          <a:p>
+            <a:r>
+              <a:rPr lang="fr-FR"/>
+              <a:t>2 transmissions </a:t>
+            </a:r>
+          </a:p>
+          <a:p>
+            <a:pPr marL="0" indent="0">
+              <a:buNone/>
+            </a:pPr>
+            <a:r>
+              <a:rPr lang="fr-FR"/>
+              <a:t>superflues</a:t>
+            </a:r>
+          </a:p>
+          <a:p>
+            <a:endParaRPr lang="fr-FR"/>
+          </a:p>
+          <a:p>
+            <a:r>
+              <a:rPr lang="fr-FR"/>
+              <a:t>2 nœuds non </a:t>
+            </a:r>
+          </a:p>
+          <a:p>
+            <a:pPr marL="0" indent="0">
+              <a:buNone/>
+            </a:pPr>
+            <a:r>
+              <a:rPr lang="fr-FR"/>
+              <a:t>couverts</a:t>
+            </a:r>
+          </a:p>
+        </p:txBody>
+      </p:sp>
     </p:spTree>
     <p:extLst>
       <p:ext uri="{BB962C8B-B14F-4D97-AF65-F5344CB8AC3E}">

--- a/Redaction/pres.pptx
+++ b/Redaction/pres.pptx
@@ -1302,21 +1302,21 @@
     </dgm:pt>
   </dgm:ptLst>
   <dgm:cxnLst>
+    <dgm:cxn modelId="{BD289E23-9AEB-1545-8121-FFED29DF8A76}" type="presOf" srcId="{EBD4001C-B961-5540-8C87-277869C67930}" destId="{D2B7ABDE-DC5D-CC43-A304-27801E8F3934}" srcOrd="1" destOrd="0" presId="urn:microsoft.com/office/officeart/2005/8/layout/radial5"/>
+    <dgm:cxn modelId="{5EF9709A-DAC0-EE4B-8557-4C53B4B56380}" type="presOf" srcId="{7DA216F7-B61A-644F-9E41-4844BDF2E1EB}" destId="{9AF44D55-8614-3B46-93BF-F278C02874B0}" srcOrd="0" destOrd="0" presId="urn:microsoft.com/office/officeart/2005/8/layout/radial5"/>
+    <dgm:cxn modelId="{20D7BF27-E99E-774C-A330-14F0528895CF}" type="presOf" srcId="{EC3D84DF-2E4A-914D-8008-A16D5583089F}" destId="{2D39C667-17DD-D243-BBEF-E694A5E11B6F}" srcOrd="0" destOrd="0" presId="urn:microsoft.com/office/officeart/2005/8/layout/radial5"/>
     <dgm:cxn modelId="{3CF9BB7A-5A06-2847-8A99-D91FA18D9AFA}" type="presOf" srcId="{5304632D-3534-014E-A773-191A91505663}" destId="{28E9526E-7B0C-9143-A850-585B8E0E2207}" srcOrd="0" destOrd="0" presId="urn:microsoft.com/office/officeart/2005/8/layout/radial5"/>
+    <dgm:cxn modelId="{981409B1-430A-F64D-A631-F9C5F731F273}" type="presOf" srcId="{EBD4001C-B961-5540-8C87-277869C67930}" destId="{443AD5A5-74EA-D84C-A21D-7D9663E3D147}" srcOrd="0" destOrd="0" presId="urn:microsoft.com/office/officeart/2005/8/layout/radial5"/>
+    <dgm:cxn modelId="{88714B9B-4491-1648-BFA5-9908FC612FF9}" type="presOf" srcId="{1A6F2230-7FF1-784D-8943-FAFBB5BD867E}" destId="{EFF2F8AC-1F1B-6D4D-8C29-AE41441F26F7}" srcOrd="0" destOrd="0" presId="urn:microsoft.com/office/officeart/2005/8/layout/radial5"/>
+    <dgm:cxn modelId="{1F426276-401F-6548-A04B-6E549D314F44}" srcId="{EC3D84DF-2E4A-914D-8008-A16D5583089F}" destId="{B7BB0103-7E47-DD47-A685-FB155C9A07EE}" srcOrd="0" destOrd="0" parTransId="{187E3820-FDBD-A14B-8D53-13DEEA190D85}" sibTransId="{07DE391C-36DC-2347-ACDE-6F70ECD1194A}"/>
+    <dgm:cxn modelId="{DA6D3E26-D7CA-AD40-9EAA-FB53CCDC295A}" srcId="{B7BB0103-7E47-DD47-A685-FB155C9A07EE}" destId="{7DA216F7-B61A-644F-9E41-4844BDF2E1EB}" srcOrd="1" destOrd="0" parTransId="{EE98EBD2-B01C-AC47-87D6-306A993857F7}" sibTransId="{40828377-F63C-7147-AD5C-8E259A94515F}"/>
     <dgm:cxn modelId="{D1A37C89-99F7-8646-9954-2A9040E91DE6}" type="presOf" srcId="{B7BB0103-7E47-DD47-A685-FB155C9A07EE}" destId="{5DD8E76F-190F-AE4D-8F4D-4BB2AADB5179}" srcOrd="0" destOrd="0" presId="urn:microsoft.com/office/officeart/2005/8/layout/radial5"/>
     <dgm:cxn modelId="{182F8A36-DF71-514D-A4DB-02C0E52C9E27}" srcId="{B7BB0103-7E47-DD47-A685-FB155C9A07EE}" destId="{80CDC2A9-E114-4E4E-97DA-E5A6E9106C0D}" srcOrd="2" destOrd="0" parTransId="{EBD4001C-B961-5540-8C87-277869C67930}" sibTransId="{23331D01-66FE-2F4E-9D58-79CD274B6161}"/>
-    <dgm:cxn modelId="{1F426276-401F-6548-A04B-6E549D314F44}" srcId="{EC3D84DF-2E4A-914D-8008-A16D5583089F}" destId="{B7BB0103-7E47-DD47-A685-FB155C9A07EE}" srcOrd="0" destOrd="0" parTransId="{187E3820-FDBD-A14B-8D53-13DEEA190D85}" sibTransId="{07DE391C-36DC-2347-ACDE-6F70ECD1194A}"/>
-    <dgm:cxn modelId="{5EF9709A-DAC0-EE4B-8557-4C53B4B56380}" type="presOf" srcId="{7DA216F7-B61A-644F-9E41-4844BDF2E1EB}" destId="{9AF44D55-8614-3B46-93BF-F278C02874B0}" srcOrd="0" destOrd="0" presId="urn:microsoft.com/office/officeart/2005/8/layout/radial5"/>
-    <dgm:cxn modelId="{B42444B2-648E-4449-96AD-FC3B788CF0E4}" type="presOf" srcId="{EE98EBD2-B01C-AC47-87D6-306A993857F7}" destId="{54DC7B13-44EC-FF49-A46D-55A02B76FE87}" srcOrd="0" destOrd="0" presId="urn:microsoft.com/office/officeart/2005/8/layout/radial5"/>
-    <dgm:cxn modelId="{88714B9B-4491-1648-BFA5-9908FC612FF9}" type="presOf" srcId="{1A6F2230-7FF1-784D-8943-FAFBB5BD867E}" destId="{EFF2F8AC-1F1B-6D4D-8C29-AE41441F26F7}" srcOrd="0" destOrd="0" presId="urn:microsoft.com/office/officeart/2005/8/layout/radial5"/>
-    <dgm:cxn modelId="{981409B1-430A-F64D-A631-F9C5F731F273}" type="presOf" srcId="{EBD4001C-B961-5540-8C87-277869C67930}" destId="{443AD5A5-74EA-D84C-A21D-7D9663E3D147}" srcOrd="0" destOrd="0" presId="urn:microsoft.com/office/officeart/2005/8/layout/radial5"/>
+    <dgm:cxn modelId="{06BD377A-1813-9A43-8E47-E01E784BE70D}" type="presOf" srcId="{80CDC2A9-E114-4E4E-97DA-E5A6E9106C0D}" destId="{E6336081-3369-9448-A37D-3542AC02AA41}" srcOrd="0" destOrd="0" presId="urn:microsoft.com/office/officeart/2005/8/layout/radial5"/>
     <dgm:cxn modelId="{41055DA1-11F4-F44D-8A2D-65078C273C86}" srcId="{B7BB0103-7E47-DD47-A685-FB155C9A07EE}" destId="{1A6F2230-7FF1-784D-8943-FAFBB5BD867E}" srcOrd="0" destOrd="0" parTransId="{5304632D-3534-014E-A773-191A91505663}" sibTransId="{18929EFA-1674-8D49-BFC2-4A2E5D4308B5}"/>
     <dgm:cxn modelId="{21A54FB8-9CA2-2343-945D-5B2902E5F5E8}" type="presOf" srcId="{5304632D-3534-014E-A773-191A91505663}" destId="{F6EB97ED-B6B4-4241-B774-3B7059FCFB8A}" srcOrd="1" destOrd="0" presId="urn:microsoft.com/office/officeart/2005/8/layout/radial5"/>
+    <dgm:cxn modelId="{B42444B2-648E-4449-96AD-FC3B788CF0E4}" type="presOf" srcId="{EE98EBD2-B01C-AC47-87D6-306A993857F7}" destId="{54DC7B13-44EC-FF49-A46D-55A02B76FE87}" srcOrd="0" destOrd="0" presId="urn:microsoft.com/office/officeart/2005/8/layout/radial5"/>
     <dgm:cxn modelId="{7ED21C30-811C-3644-A272-51AA029DED4E}" type="presOf" srcId="{EE98EBD2-B01C-AC47-87D6-306A993857F7}" destId="{F9C9631B-0A4E-8840-BB52-87B441B80EB5}" srcOrd="1" destOrd="0" presId="urn:microsoft.com/office/officeart/2005/8/layout/radial5"/>
-    <dgm:cxn modelId="{BD289E23-9AEB-1545-8121-FFED29DF8A76}" type="presOf" srcId="{EBD4001C-B961-5540-8C87-277869C67930}" destId="{D2B7ABDE-DC5D-CC43-A304-27801E8F3934}" srcOrd="1" destOrd="0" presId="urn:microsoft.com/office/officeart/2005/8/layout/radial5"/>
-    <dgm:cxn modelId="{06BD377A-1813-9A43-8E47-E01E784BE70D}" type="presOf" srcId="{80CDC2A9-E114-4E4E-97DA-E5A6E9106C0D}" destId="{E6336081-3369-9448-A37D-3542AC02AA41}" srcOrd="0" destOrd="0" presId="urn:microsoft.com/office/officeart/2005/8/layout/radial5"/>
-    <dgm:cxn modelId="{20D7BF27-E99E-774C-A330-14F0528895CF}" type="presOf" srcId="{EC3D84DF-2E4A-914D-8008-A16D5583089F}" destId="{2D39C667-17DD-D243-BBEF-E694A5E11B6F}" srcOrd="0" destOrd="0" presId="urn:microsoft.com/office/officeart/2005/8/layout/radial5"/>
-    <dgm:cxn modelId="{DA6D3E26-D7CA-AD40-9EAA-FB53CCDC295A}" srcId="{B7BB0103-7E47-DD47-A685-FB155C9A07EE}" destId="{7DA216F7-B61A-644F-9E41-4844BDF2E1EB}" srcOrd="1" destOrd="0" parTransId="{EE98EBD2-B01C-AC47-87D6-306A993857F7}" sibTransId="{40828377-F63C-7147-AD5C-8E259A94515F}"/>
     <dgm:cxn modelId="{D454D5EA-D415-0940-841D-9AF66E1C32C1}" type="presParOf" srcId="{2D39C667-17DD-D243-BBEF-E694A5E11B6F}" destId="{5DD8E76F-190F-AE4D-8F4D-4BB2AADB5179}" srcOrd="0" destOrd="0" presId="urn:microsoft.com/office/officeart/2005/8/layout/radial5"/>
     <dgm:cxn modelId="{758DD4F6-D5C5-1B47-AEAA-8A9B5ED271C1}" type="presParOf" srcId="{2D39C667-17DD-D243-BBEF-E694A5E11B6F}" destId="{28E9526E-7B0C-9143-A850-585B8E0E2207}" srcOrd="1" destOrd="0" presId="urn:microsoft.com/office/officeart/2005/8/layout/radial5"/>
     <dgm:cxn modelId="{0E9F40F2-2A10-F442-B672-458B50589287}" type="presParOf" srcId="{28E9526E-7B0C-9143-A850-585B8E0E2207}" destId="{F6EB97ED-B6B4-4241-B774-3B7059FCFB8A}" srcOrd="0" destOrd="0" presId="urn:microsoft.com/office/officeart/2005/8/layout/radial5"/>
@@ -8111,28 +8111,12 @@
               </a:lnSpc>
             </a:pPr>
             <a:r>
-              <a:rPr lang="fr-FR"/>
-              <a:t>E </a:t>
-            </a:r>
-            <a:r>
               <a:rPr lang="el-GR"/>
-              <a:t>=</a:t>
-            </a:r>
-            <a:r>
-              <a:rPr lang="fr-FR"/>
-              <a:t> </a:t>
-            </a:r>
-            <a:r>
-              <a:rPr lang="el-GR"/>
-              <a:t>{(u,v)∈V</a:t>
-            </a:r>
-            <a:r>
-              <a:rPr lang="el-GR" baseline="30000"/>
-              <a:t>2</a:t>
-            </a:r>
-            <a:r>
-              <a:rPr lang="el-GR"/>
-              <a:t> |d(u,v)≤γ} </a:t>
+              <a:t>γ</a:t>
+            </a:r>
+            <a:r>
+              <a:rPr lang="fr-FR"/>
+              <a:t> rayon d’émission maximum</a:t>
             </a:r>
             <a:endParaRPr lang="fr-FR"/>
           </a:p>
@@ -8143,13 +8127,30 @@
               </a:lnSpc>
             </a:pPr>
             <a:r>
+              <a:rPr lang="fr-FR"/>
+              <a:t>E </a:t>
+            </a:r>
+            <a:r>
               <a:rPr lang="el-GR"/>
-              <a:t>γ</a:t>
-            </a:r>
-            <a:r>
-              <a:rPr lang="fr-FR"/>
-              <a:t> le rayon d’émission maximum</a:t>
-            </a:r>
+              <a:t>=</a:t>
+            </a:r>
+            <a:r>
+              <a:rPr lang="fr-FR"/>
+              <a:t> </a:t>
+            </a:r>
+            <a:r>
+              <a:rPr lang="el-GR"/>
+              <a:t>{(u,v)∈V</a:t>
+            </a:r>
+            <a:r>
+              <a:rPr lang="el-GR" baseline="30000"/>
+              <a:t>2</a:t>
+            </a:r>
+            <a:r>
+              <a:rPr lang="el-GR"/>
+              <a:t> |d(u,v)≤γ} </a:t>
+            </a:r>
+            <a:endParaRPr lang="fr-FR"/>
           </a:p>
           <a:p>
             <a:pPr>
@@ -8236,6 +8237,644 @@
               <a:rPr lang="fr-FR"/>
               <a:t>état de l’art</a:t>
             </a:r>
+          </a:p>
+        </p:txBody>
+      </p:sp>
+      <p:sp>
+        <p:nvSpPr>
+          <p:cNvPr id="7" name="Ellipse 6"/>
+          <p:cNvSpPr/>
+          <p:nvPr/>
+        </p:nvSpPr>
+        <p:spPr>
+          <a:xfrm>
+            <a:off x="6271198" y="3714064"/>
+            <a:ext cx="428293" cy="407558"/>
+          </a:xfrm>
+          <a:prstGeom prst="ellipse">
+            <a:avLst/>
+          </a:prstGeom>
+        </p:spPr>
+        <p:style>
+          <a:lnRef idx="1">
+            <a:schemeClr val="dk1"/>
+          </a:lnRef>
+          <a:fillRef idx="3">
+            <a:schemeClr val="dk1"/>
+          </a:fillRef>
+          <a:effectRef idx="2">
+            <a:schemeClr val="dk1"/>
+          </a:effectRef>
+          <a:fontRef idx="minor">
+            <a:schemeClr val="lt1"/>
+          </a:fontRef>
+        </p:style>
+        <p:txBody>
+          <a:bodyPr rtlCol="0" anchor="ctr">
+            <a:normAutofit fontScale="85000" lnSpcReduction="20000"/>
+          </a:bodyPr>
+          <a:lstStyle/>
+          <a:p>
+            <a:pPr algn="ctr"/>
+            <a:r>
+              <a:rPr lang="fr-FR"/>
+              <a:t>A</a:t>
+            </a:r>
+          </a:p>
+        </p:txBody>
+      </p:sp>
+      <p:sp>
+        <p:nvSpPr>
+          <p:cNvPr id="8" name="Ellipse 7"/>
+          <p:cNvSpPr/>
+          <p:nvPr/>
+        </p:nvSpPr>
+        <p:spPr>
+          <a:xfrm>
+            <a:off x="6734701" y="3211511"/>
+            <a:ext cx="428293" cy="407558"/>
+          </a:xfrm>
+          <a:prstGeom prst="ellipse">
+            <a:avLst/>
+          </a:prstGeom>
+        </p:spPr>
+        <p:style>
+          <a:lnRef idx="1">
+            <a:schemeClr val="dk1"/>
+          </a:lnRef>
+          <a:fillRef idx="3">
+            <a:schemeClr val="dk1"/>
+          </a:fillRef>
+          <a:effectRef idx="2">
+            <a:schemeClr val="dk1"/>
+          </a:effectRef>
+          <a:fontRef idx="minor">
+            <a:schemeClr val="lt1"/>
+          </a:fontRef>
+        </p:style>
+        <p:txBody>
+          <a:bodyPr rtlCol="0" anchor="ctr">
+            <a:normAutofit fontScale="85000" lnSpcReduction="20000"/>
+          </a:bodyPr>
+          <a:lstStyle/>
+          <a:p>
+            <a:pPr algn="ctr"/>
+            <a:r>
+              <a:rPr lang="fr-FR"/>
+              <a:t>B</a:t>
+            </a:r>
+          </a:p>
+        </p:txBody>
+      </p:sp>
+      <p:sp>
+        <p:nvSpPr>
+          <p:cNvPr id="9" name="Ellipse 8"/>
+          <p:cNvSpPr/>
+          <p:nvPr/>
+        </p:nvSpPr>
+        <p:spPr>
+          <a:xfrm>
+            <a:off x="5523813" y="2970586"/>
+            <a:ext cx="428293" cy="407558"/>
+          </a:xfrm>
+          <a:prstGeom prst="ellipse">
+            <a:avLst/>
+          </a:prstGeom>
+        </p:spPr>
+        <p:style>
+          <a:lnRef idx="1">
+            <a:schemeClr val="dk1"/>
+          </a:lnRef>
+          <a:fillRef idx="3">
+            <a:schemeClr val="dk1"/>
+          </a:fillRef>
+          <a:effectRef idx="2">
+            <a:schemeClr val="dk1"/>
+          </a:effectRef>
+          <a:fontRef idx="minor">
+            <a:schemeClr val="lt1"/>
+          </a:fontRef>
+        </p:style>
+        <p:txBody>
+          <a:bodyPr rtlCol="0" anchor="ctr">
+            <a:normAutofit fontScale="85000" lnSpcReduction="20000"/>
+          </a:bodyPr>
+          <a:lstStyle/>
+          <a:p>
+            <a:pPr algn="ctr"/>
+            <a:r>
+              <a:rPr lang="fr-FR"/>
+              <a:t>C</a:t>
+            </a:r>
+          </a:p>
+        </p:txBody>
+      </p:sp>
+      <p:sp>
+        <p:nvSpPr>
+          <p:cNvPr id="10" name="Ellipse 9"/>
+          <p:cNvSpPr/>
+          <p:nvPr/>
+        </p:nvSpPr>
+        <p:spPr>
+          <a:xfrm>
+            <a:off x="5845833" y="5050862"/>
+            <a:ext cx="428293" cy="407558"/>
+          </a:xfrm>
+          <a:prstGeom prst="ellipse">
+            <a:avLst/>
+          </a:prstGeom>
+        </p:spPr>
+        <p:style>
+          <a:lnRef idx="1">
+            <a:schemeClr val="dk1"/>
+          </a:lnRef>
+          <a:fillRef idx="3">
+            <a:schemeClr val="dk1"/>
+          </a:fillRef>
+          <a:effectRef idx="2">
+            <a:schemeClr val="dk1"/>
+          </a:effectRef>
+          <a:fontRef idx="minor">
+            <a:schemeClr val="lt1"/>
+          </a:fontRef>
+        </p:style>
+        <p:txBody>
+          <a:bodyPr rtlCol="0" anchor="ctr">
+            <a:normAutofit fontScale="85000" lnSpcReduction="20000"/>
+          </a:bodyPr>
+          <a:lstStyle/>
+          <a:p>
+            <a:pPr algn="ctr"/>
+            <a:r>
+              <a:rPr lang="fr-FR"/>
+              <a:t>D</a:t>
+            </a:r>
+          </a:p>
+        </p:txBody>
+      </p:sp>
+      <p:sp>
+        <p:nvSpPr>
+          <p:cNvPr id="11" name="Ellipse 10"/>
+          <p:cNvSpPr/>
+          <p:nvPr/>
+        </p:nvSpPr>
+        <p:spPr>
+          <a:xfrm>
+            <a:off x="6586392" y="4479673"/>
+            <a:ext cx="428293" cy="407558"/>
+          </a:xfrm>
+          <a:prstGeom prst="ellipse">
+            <a:avLst/>
+          </a:prstGeom>
+        </p:spPr>
+        <p:style>
+          <a:lnRef idx="1">
+            <a:schemeClr val="dk1"/>
+          </a:lnRef>
+          <a:fillRef idx="3">
+            <a:schemeClr val="dk1"/>
+          </a:fillRef>
+          <a:effectRef idx="2">
+            <a:schemeClr val="dk1"/>
+          </a:effectRef>
+          <a:fontRef idx="minor">
+            <a:schemeClr val="lt1"/>
+          </a:fontRef>
+        </p:style>
+        <p:txBody>
+          <a:bodyPr rtlCol="0" anchor="ctr">
+            <a:normAutofit fontScale="85000" lnSpcReduction="20000"/>
+          </a:bodyPr>
+          <a:lstStyle/>
+          <a:p>
+            <a:pPr algn="ctr"/>
+            <a:r>
+              <a:rPr lang="fr-FR"/>
+              <a:t>E</a:t>
+            </a:r>
+          </a:p>
+        </p:txBody>
+      </p:sp>
+      <p:sp>
+        <p:nvSpPr>
+          <p:cNvPr id="12" name="Ellipse 11"/>
+          <p:cNvSpPr/>
+          <p:nvPr/>
+        </p:nvSpPr>
+        <p:spPr>
+          <a:xfrm>
+            <a:off x="7675898" y="4774353"/>
+            <a:ext cx="428293" cy="407558"/>
+          </a:xfrm>
+          <a:prstGeom prst="ellipse">
+            <a:avLst/>
+          </a:prstGeom>
+        </p:spPr>
+        <p:style>
+          <a:lnRef idx="1">
+            <a:schemeClr val="dk1"/>
+          </a:lnRef>
+          <a:fillRef idx="3">
+            <a:schemeClr val="dk1"/>
+          </a:fillRef>
+          <a:effectRef idx="2">
+            <a:schemeClr val="dk1"/>
+          </a:effectRef>
+          <a:fontRef idx="minor">
+            <a:schemeClr val="lt1"/>
+          </a:fontRef>
+        </p:style>
+        <p:txBody>
+          <a:bodyPr rtlCol="0" anchor="ctr">
+            <a:normAutofit fontScale="85000" lnSpcReduction="20000"/>
+          </a:bodyPr>
+          <a:lstStyle/>
+          <a:p>
+            <a:pPr algn="ctr"/>
+            <a:r>
+              <a:rPr lang="fr-FR"/>
+              <a:t>F</a:t>
+            </a:r>
+          </a:p>
+        </p:txBody>
+      </p:sp>
+      <p:cxnSp>
+        <p:nvCxnSpPr>
+          <p:cNvPr id="13" name="Connecteur droit 12"/>
+          <p:cNvCxnSpPr>
+            <a:stCxn id="9" idx="5"/>
+            <a:endCxn id="7" idx="1"/>
+          </p:cNvCxnSpPr>
+          <p:nvPr/>
+        </p:nvCxnSpPr>
+        <p:spPr>
+          <a:xfrm>
+            <a:off x="5889384" y="3318459"/>
+            <a:ext cx="444536" cy="455290"/>
+          </a:xfrm>
+          <a:prstGeom prst="line">
+            <a:avLst/>
+          </a:prstGeom>
+          <a:ln>
+            <a:solidFill>
+              <a:srgbClr val="800A07"/>
+            </a:solidFill>
+          </a:ln>
+        </p:spPr>
+        <p:style>
+          <a:lnRef idx="2">
+            <a:schemeClr val="accent1"/>
+          </a:lnRef>
+          <a:fillRef idx="0">
+            <a:schemeClr val="accent1"/>
+          </a:fillRef>
+          <a:effectRef idx="1">
+            <a:schemeClr val="accent1"/>
+          </a:effectRef>
+          <a:fontRef idx="minor">
+            <a:schemeClr val="tx1"/>
+          </a:fontRef>
+        </p:style>
+      </p:cxnSp>
+      <p:cxnSp>
+        <p:nvCxnSpPr>
+          <p:cNvPr id="14" name="Connecteur droit 13"/>
+          <p:cNvCxnSpPr>
+            <a:stCxn id="7" idx="7"/>
+            <a:endCxn id="8" idx="3"/>
+          </p:cNvCxnSpPr>
+          <p:nvPr/>
+        </p:nvCxnSpPr>
+        <p:spPr>
+          <a:xfrm flipV="1">
+            <a:off x="6636769" y="3559384"/>
+            <a:ext cx="160654" cy="214365"/>
+          </a:xfrm>
+          <a:prstGeom prst="line">
+            <a:avLst/>
+          </a:prstGeom>
+        </p:spPr>
+        <p:style>
+          <a:lnRef idx="2">
+            <a:schemeClr val="accent1"/>
+          </a:lnRef>
+          <a:fillRef idx="0">
+            <a:schemeClr val="accent1"/>
+          </a:fillRef>
+          <a:effectRef idx="1">
+            <a:schemeClr val="accent1"/>
+          </a:effectRef>
+          <a:fontRef idx="minor">
+            <a:schemeClr val="tx1"/>
+          </a:fontRef>
+        </p:style>
+      </p:cxnSp>
+      <p:cxnSp>
+        <p:nvCxnSpPr>
+          <p:cNvPr id="15" name="Connecteur droit 14"/>
+          <p:cNvCxnSpPr>
+            <a:stCxn id="7" idx="5"/>
+            <a:endCxn id="11" idx="0"/>
+          </p:cNvCxnSpPr>
+          <p:nvPr/>
+        </p:nvCxnSpPr>
+        <p:spPr>
+          <a:xfrm>
+            <a:off x="6636769" y="4061937"/>
+            <a:ext cx="163770" cy="417736"/>
+          </a:xfrm>
+          <a:prstGeom prst="line">
+            <a:avLst/>
+          </a:prstGeom>
+        </p:spPr>
+        <p:style>
+          <a:lnRef idx="2">
+            <a:schemeClr val="accent1"/>
+          </a:lnRef>
+          <a:fillRef idx="0">
+            <a:schemeClr val="accent1"/>
+          </a:fillRef>
+          <a:effectRef idx="1">
+            <a:schemeClr val="accent1"/>
+          </a:effectRef>
+          <a:fontRef idx="minor">
+            <a:schemeClr val="tx1"/>
+          </a:fontRef>
+        </p:style>
+      </p:cxnSp>
+      <p:cxnSp>
+        <p:nvCxnSpPr>
+          <p:cNvPr id="16" name="Connecteur droit 15"/>
+          <p:cNvCxnSpPr>
+            <a:stCxn id="7" idx="3"/>
+            <a:endCxn id="10" idx="0"/>
+          </p:cNvCxnSpPr>
+          <p:nvPr/>
+        </p:nvCxnSpPr>
+        <p:spPr>
+          <a:xfrm flipH="1">
+            <a:off x="6059980" y="4061937"/>
+            <a:ext cx="273940" cy="988925"/>
+          </a:xfrm>
+          <a:prstGeom prst="line">
+            <a:avLst/>
+          </a:prstGeom>
+        </p:spPr>
+        <p:style>
+          <a:lnRef idx="2">
+            <a:schemeClr val="accent1"/>
+          </a:lnRef>
+          <a:fillRef idx="0">
+            <a:schemeClr val="accent1"/>
+          </a:fillRef>
+          <a:effectRef idx="1">
+            <a:schemeClr val="accent1"/>
+          </a:effectRef>
+          <a:fontRef idx="minor">
+            <a:schemeClr val="tx1"/>
+          </a:fontRef>
+        </p:style>
+      </p:cxnSp>
+      <p:cxnSp>
+        <p:nvCxnSpPr>
+          <p:cNvPr id="17" name="Connecteur droit 16"/>
+          <p:cNvCxnSpPr>
+            <a:stCxn id="10" idx="7"/>
+            <a:endCxn id="11" idx="3"/>
+          </p:cNvCxnSpPr>
+          <p:nvPr/>
+        </p:nvCxnSpPr>
+        <p:spPr>
+          <a:xfrm flipV="1">
+            <a:off x="6211404" y="4827546"/>
+            <a:ext cx="437710" cy="283001"/>
+          </a:xfrm>
+          <a:prstGeom prst="line">
+            <a:avLst/>
+          </a:prstGeom>
+        </p:spPr>
+        <p:style>
+          <a:lnRef idx="2">
+            <a:schemeClr val="accent1"/>
+          </a:lnRef>
+          <a:fillRef idx="0">
+            <a:schemeClr val="accent1"/>
+          </a:fillRef>
+          <a:effectRef idx="1">
+            <a:schemeClr val="accent1"/>
+          </a:effectRef>
+          <a:fontRef idx="minor">
+            <a:schemeClr val="tx1"/>
+          </a:fontRef>
+        </p:style>
+      </p:cxnSp>
+      <p:cxnSp>
+        <p:nvCxnSpPr>
+          <p:cNvPr id="18" name="Connecteur droit 17"/>
+          <p:cNvCxnSpPr>
+            <a:stCxn id="11" idx="6"/>
+            <a:endCxn id="12" idx="2"/>
+          </p:cNvCxnSpPr>
+          <p:nvPr/>
+        </p:nvCxnSpPr>
+        <p:spPr>
+          <a:xfrm>
+            <a:off x="7014685" y="4683452"/>
+            <a:ext cx="661213" cy="294680"/>
+          </a:xfrm>
+          <a:prstGeom prst="line">
+            <a:avLst/>
+          </a:prstGeom>
+        </p:spPr>
+        <p:style>
+          <a:lnRef idx="2">
+            <a:schemeClr val="accent1"/>
+          </a:lnRef>
+          <a:fillRef idx="0">
+            <a:schemeClr val="accent1"/>
+          </a:fillRef>
+          <a:effectRef idx="1">
+            <a:schemeClr val="accent1"/>
+          </a:effectRef>
+          <a:fontRef idx="minor">
+            <a:schemeClr val="tx1"/>
+          </a:fontRef>
+        </p:style>
+      </p:cxnSp>
+      <p:cxnSp>
+        <p:nvCxnSpPr>
+          <p:cNvPr id="19" name="Connecteur droit 18"/>
+          <p:cNvCxnSpPr>
+            <a:stCxn id="8" idx="2"/>
+            <a:endCxn id="9" idx="6"/>
+          </p:cNvCxnSpPr>
+          <p:nvPr/>
+        </p:nvCxnSpPr>
+        <p:spPr>
+          <a:xfrm flipH="1" flipV="1">
+            <a:off x="5952106" y="3174365"/>
+            <a:ext cx="782595" cy="240925"/>
+          </a:xfrm>
+          <a:prstGeom prst="line">
+            <a:avLst/>
+          </a:prstGeom>
+        </p:spPr>
+        <p:style>
+          <a:lnRef idx="2">
+            <a:schemeClr val="accent1"/>
+          </a:lnRef>
+          <a:fillRef idx="0">
+            <a:schemeClr val="accent1"/>
+          </a:fillRef>
+          <a:effectRef idx="1">
+            <a:schemeClr val="accent1"/>
+          </a:effectRef>
+          <a:fontRef idx="minor">
+            <a:schemeClr val="tx1"/>
+          </a:fontRef>
+        </p:style>
+      </p:cxnSp>
+      <p:sp>
+        <p:nvSpPr>
+          <p:cNvPr id="20" name="Ellipse 19"/>
+          <p:cNvSpPr/>
+          <p:nvPr/>
+        </p:nvSpPr>
+        <p:spPr>
+          <a:xfrm>
+            <a:off x="8367226" y="5458420"/>
+            <a:ext cx="428293" cy="407558"/>
+          </a:xfrm>
+          <a:prstGeom prst="ellipse">
+            <a:avLst/>
+          </a:prstGeom>
+        </p:spPr>
+        <p:style>
+          <a:lnRef idx="1">
+            <a:schemeClr val="dk1"/>
+          </a:lnRef>
+          <a:fillRef idx="3">
+            <a:schemeClr val="dk1"/>
+          </a:fillRef>
+          <a:effectRef idx="2">
+            <a:schemeClr val="dk1"/>
+          </a:effectRef>
+          <a:fontRef idx="minor">
+            <a:schemeClr val="lt1"/>
+          </a:fontRef>
+        </p:style>
+        <p:txBody>
+          <a:bodyPr rtlCol="0" anchor="ctr">
+            <a:normAutofit fontScale="85000" lnSpcReduction="20000"/>
+          </a:bodyPr>
+          <a:lstStyle/>
+          <a:p>
+            <a:pPr algn="ctr"/>
+            <a:r>
+              <a:rPr lang="fr-FR"/>
+              <a:t>G</a:t>
+            </a:r>
+          </a:p>
+        </p:txBody>
+      </p:sp>
+      <p:cxnSp>
+        <p:nvCxnSpPr>
+          <p:cNvPr id="21" name="Connecteur droit 20"/>
+          <p:cNvCxnSpPr>
+            <a:stCxn id="12" idx="5"/>
+            <a:endCxn id="20" idx="1"/>
+          </p:cNvCxnSpPr>
+          <p:nvPr/>
+        </p:nvCxnSpPr>
+        <p:spPr>
+          <a:xfrm>
+            <a:off x="8041469" y="5122226"/>
+            <a:ext cx="388479" cy="395879"/>
+          </a:xfrm>
+          <a:prstGeom prst="line">
+            <a:avLst/>
+          </a:prstGeom>
+        </p:spPr>
+        <p:style>
+          <a:lnRef idx="2">
+            <a:schemeClr val="accent1"/>
+          </a:lnRef>
+          <a:fillRef idx="0">
+            <a:schemeClr val="accent1"/>
+          </a:fillRef>
+          <a:effectRef idx="1">
+            <a:schemeClr val="accent1"/>
+          </a:effectRef>
+          <a:fontRef idx="minor">
+            <a:schemeClr val="tx1"/>
+          </a:fontRef>
+        </p:style>
+      </p:cxnSp>
+      <p:sp>
+        <p:nvSpPr>
+          <p:cNvPr id="22" name="Ellipse 21"/>
+          <p:cNvSpPr/>
+          <p:nvPr/>
+        </p:nvSpPr>
+        <p:spPr>
+          <a:xfrm>
+            <a:off x="5004048" y="2492896"/>
+            <a:ext cx="2880321" cy="2880321"/>
+          </a:xfrm>
+          <a:prstGeom prst="ellipse">
+            <a:avLst/>
+          </a:prstGeom>
+          <a:gradFill flip="none" rotWithShape="1">
+            <a:gsLst>
+              <a:gs pos="0">
+                <a:schemeClr val="accent5">
+                  <a:tint val="50000"/>
+                  <a:satMod val="300000"/>
+                  <a:alpha val="0"/>
+                </a:schemeClr>
+              </a:gs>
+              <a:gs pos="35000">
+                <a:schemeClr val="accent5">
+                  <a:tint val="37000"/>
+                  <a:satMod val="300000"/>
+                  <a:alpha val="0"/>
+                </a:schemeClr>
+              </a:gs>
+              <a:gs pos="100000">
+                <a:schemeClr val="accent5">
+                  <a:tint val="15000"/>
+                  <a:satMod val="350000"/>
+                  <a:alpha val="0"/>
+                </a:schemeClr>
+              </a:gs>
+            </a:gsLst>
+            <a:lin ang="16200000" scaled="1"/>
+            <a:tileRect/>
+          </a:gradFill>
+          <a:ln>
+            <a:prstDash val="dash"/>
+          </a:ln>
+        </p:spPr>
+        <p:style>
+          <a:lnRef idx="1">
+            <a:schemeClr val="accent5"/>
+          </a:lnRef>
+          <a:fillRef idx="2">
+            <a:schemeClr val="accent5"/>
+          </a:fillRef>
+          <a:effectRef idx="1">
+            <a:schemeClr val="accent5"/>
+          </a:effectRef>
+          <a:fontRef idx="minor">
+            <a:schemeClr val="dk1"/>
+          </a:fontRef>
+        </p:style>
+        <p:txBody>
+          <a:bodyPr rtlCol="0" anchor="ctr"/>
+          <a:lstStyle/>
+          <a:p>
+            <a:pPr algn="ctr"/>
+            <a:endParaRPr lang="fr-FR"/>
           </a:p>
         </p:txBody>
       </p:sp>
@@ -8260,9 +8899,821 @@
   <p:timing>
     <p:tnLst>
       <p:par>
-        <p:cTn xmlns:p14="http://schemas.microsoft.com/office/powerpoint/2010/main" id="1" dur="indefinite" restart="never" nodeType="tmRoot"/>
+        <p:cTn xmlns:p14="http://schemas.microsoft.com/office/powerpoint/2010/main" id="1" dur="indefinite" restart="never" nodeType="tmRoot">
+          <p:childTnLst>
+            <p:seq concurrent="1" nextAc="seek">
+              <p:cTn id="2" dur="indefinite" nodeType="mainSeq">
+                <p:childTnLst>
+                  <p:par>
+                    <p:cTn id="3" fill="hold">
+                      <p:stCondLst>
+                        <p:cond delay="indefinite"/>
+                        <p:cond evt="onBegin" delay="0">
+                          <p:tn val="2"/>
+                        </p:cond>
+                      </p:stCondLst>
+                      <p:childTnLst>
+                        <p:par>
+                          <p:cTn id="4" fill="hold">
+                            <p:stCondLst>
+                              <p:cond delay="0"/>
+                            </p:stCondLst>
+                            <p:childTnLst>
+                              <p:par>
+                                <p:cTn id="5" presetID="1" presetClass="entr" presetSubtype="0" fill="hold" grpId="0" nodeType="withEffect">
+                                  <p:stCondLst>
+                                    <p:cond delay="0"/>
+                                  </p:stCondLst>
+                                  <p:childTnLst>
+                                    <p:set>
+                                      <p:cBhvr>
+                                        <p:cTn id="6" dur="1" fill="hold">
+                                          <p:stCondLst>
+                                            <p:cond delay="0"/>
+                                          </p:stCondLst>
+                                        </p:cTn>
+                                        <p:tgtEl>
+                                          <p:spTgt spid="3">
+                                            <p:txEl>
+                                              <p:pRg st="0" end="0"/>
+                                            </p:txEl>
+                                          </p:spTgt>
+                                        </p:tgtEl>
+                                        <p:attrNameLst>
+                                          <p:attrName>style.visibility</p:attrName>
+                                        </p:attrNameLst>
+                                      </p:cBhvr>
+                                      <p:to>
+                                        <p:strVal val="visible"/>
+                                      </p:to>
+                                    </p:set>
+                                  </p:childTnLst>
+                                </p:cTn>
+                              </p:par>
+                            </p:childTnLst>
+                          </p:cTn>
+                        </p:par>
+                      </p:childTnLst>
+                    </p:cTn>
+                  </p:par>
+                  <p:par>
+                    <p:cTn id="7" fill="hold">
+                      <p:stCondLst>
+                        <p:cond delay="indefinite"/>
+                      </p:stCondLst>
+                      <p:childTnLst>
+                        <p:par>
+                          <p:cTn id="8" fill="hold">
+                            <p:stCondLst>
+                              <p:cond delay="0"/>
+                            </p:stCondLst>
+                            <p:childTnLst>
+                              <p:par>
+                                <p:cTn id="9" presetID="1" presetClass="entr" presetSubtype="0" fill="hold" grpId="0" nodeType="clickEffect">
+                                  <p:stCondLst>
+                                    <p:cond delay="0"/>
+                                  </p:stCondLst>
+                                  <p:childTnLst>
+                                    <p:set>
+                                      <p:cBhvr>
+                                        <p:cTn id="10" dur="1" fill="hold">
+                                          <p:stCondLst>
+                                            <p:cond delay="0"/>
+                                          </p:stCondLst>
+                                        </p:cTn>
+                                        <p:tgtEl>
+                                          <p:spTgt spid="3">
+                                            <p:txEl>
+                                              <p:pRg st="1" end="1"/>
+                                            </p:txEl>
+                                          </p:spTgt>
+                                        </p:tgtEl>
+                                        <p:attrNameLst>
+                                          <p:attrName>style.visibility</p:attrName>
+                                        </p:attrNameLst>
+                                      </p:cBhvr>
+                                      <p:to>
+                                        <p:strVal val="visible"/>
+                                      </p:to>
+                                    </p:set>
+                                  </p:childTnLst>
+                                </p:cTn>
+                              </p:par>
+                              <p:par>
+                                <p:cTn id="11" presetID="1" presetClass="entr" presetSubtype="0" fill="hold" grpId="0" nodeType="withEffect">
+                                  <p:stCondLst>
+                                    <p:cond delay="0"/>
+                                  </p:stCondLst>
+                                  <p:childTnLst>
+                                    <p:set>
+                                      <p:cBhvr>
+                                        <p:cTn id="12" dur="1" fill="hold">
+                                          <p:stCondLst>
+                                            <p:cond delay="0"/>
+                                          </p:stCondLst>
+                                        </p:cTn>
+                                        <p:tgtEl>
+                                          <p:spTgt spid="7"/>
+                                        </p:tgtEl>
+                                        <p:attrNameLst>
+                                          <p:attrName>style.visibility</p:attrName>
+                                        </p:attrNameLst>
+                                      </p:cBhvr>
+                                      <p:to>
+                                        <p:strVal val="visible"/>
+                                      </p:to>
+                                    </p:set>
+                                  </p:childTnLst>
+                                </p:cTn>
+                              </p:par>
+                              <p:par>
+                                <p:cTn id="13" presetID="1" presetClass="entr" presetSubtype="0" fill="hold" grpId="0" nodeType="withEffect">
+                                  <p:stCondLst>
+                                    <p:cond delay="0"/>
+                                  </p:stCondLst>
+                                  <p:childTnLst>
+                                    <p:set>
+                                      <p:cBhvr>
+                                        <p:cTn id="14" dur="1" fill="hold">
+                                          <p:stCondLst>
+                                            <p:cond delay="0"/>
+                                          </p:stCondLst>
+                                        </p:cTn>
+                                        <p:tgtEl>
+                                          <p:spTgt spid="9"/>
+                                        </p:tgtEl>
+                                        <p:attrNameLst>
+                                          <p:attrName>style.visibility</p:attrName>
+                                        </p:attrNameLst>
+                                      </p:cBhvr>
+                                      <p:to>
+                                        <p:strVal val="visible"/>
+                                      </p:to>
+                                    </p:set>
+                                  </p:childTnLst>
+                                </p:cTn>
+                              </p:par>
+                              <p:par>
+                                <p:cTn id="15" presetID="1" presetClass="entr" presetSubtype="0" fill="hold" grpId="0" nodeType="withEffect">
+                                  <p:stCondLst>
+                                    <p:cond delay="0"/>
+                                  </p:stCondLst>
+                                  <p:childTnLst>
+                                    <p:set>
+                                      <p:cBhvr>
+                                        <p:cTn id="16" dur="1" fill="hold">
+                                          <p:stCondLst>
+                                            <p:cond delay="0"/>
+                                          </p:stCondLst>
+                                        </p:cTn>
+                                        <p:tgtEl>
+                                          <p:spTgt spid="8"/>
+                                        </p:tgtEl>
+                                        <p:attrNameLst>
+                                          <p:attrName>style.visibility</p:attrName>
+                                        </p:attrNameLst>
+                                      </p:cBhvr>
+                                      <p:to>
+                                        <p:strVal val="visible"/>
+                                      </p:to>
+                                    </p:set>
+                                  </p:childTnLst>
+                                </p:cTn>
+                              </p:par>
+                              <p:par>
+                                <p:cTn id="17" presetID="1" presetClass="entr" presetSubtype="0" fill="hold" grpId="0" nodeType="withEffect">
+                                  <p:stCondLst>
+                                    <p:cond delay="0"/>
+                                  </p:stCondLst>
+                                  <p:childTnLst>
+                                    <p:set>
+                                      <p:cBhvr>
+                                        <p:cTn id="18" dur="1" fill="hold">
+                                          <p:stCondLst>
+                                            <p:cond delay="0"/>
+                                          </p:stCondLst>
+                                        </p:cTn>
+                                        <p:tgtEl>
+                                          <p:spTgt spid="10"/>
+                                        </p:tgtEl>
+                                        <p:attrNameLst>
+                                          <p:attrName>style.visibility</p:attrName>
+                                        </p:attrNameLst>
+                                      </p:cBhvr>
+                                      <p:to>
+                                        <p:strVal val="visible"/>
+                                      </p:to>
+                                    </p:set>
+                                  </p:childTnLst>
+                                </p:cTn>
+                              </p:par>
+                              <p:par>
+                                <p:cTn id="19" presetID="1" presetClass="entr" presetSubtype="0" fill="hold" grpId="0" nodeType="withEffect">
+                                  <p:stCondLst>
+                                    <p:cond delay="0"/>
+                                  </p:stCondLst>
+                                  <p:childTnLst>
+                                    <p:set>
+                                      <p:cBhvr>
+                                        <p:cTn id="20" dur="1" fill="hold">
+                                          <p:stCondLst>
+                                            <p:cond delay="0"/>
+                                          </p:stCondLst>
+                                        </p:cTn>
+                                        <p:tgtEl>
+                                          <p:spTgt spid="11"/>
+                                        </p:tgtEl>
+                                        <p:attrNameLst>
+                                          <p:attrName>style.visibility</p:attrName>
+                                        </p:attrNameLst>
+                                      </p:cBhvr>
+                                      <p:to>
+                                        <p:strVal val="visible"/>
+                                      </p:to>
+                                    </p:set>
+                                  </p:childTnLst>
+                                </p:cTn>
+                              </p:par>
+                              <p:par>
+                                <p:cTn id="21" presetID="1" presetClass="entr" presetSubtype="0" fill="hold" grpId="0" nodeType="withEffect">
+                                  <p:stCondLst>
+                                    <p:cond delay="0"/>
+                                  </p:stCondLst>
+                                  <p:childTnLst>
+                                    <p:set>
+                                      <p:cBhvr>
+                                        <p:cTn id="22" dur="1" fill="hold">
+                                          <p:stCondLst>
+                                            <p:cond delay="0"/>
+                                          </p:stCondLst>
+                                        </p:cTn>
+                                        <p:tgtEl>
+                                          <p:spTgt spid="12"/>
+                                        </p:tgtEl>
+                                        <p:attrNameLst>
+                                          <p:attrName>style.visibility</p:attrName>
+                                        </p:attrNameLst>
+                                      </p:cBhvr>
+                                      <p:to>
+                                        <p:strVal val="visible"/>
+                                      </p:to>
+                                    </p:set>
+                                  </p:childTnLst>
+                                </p:cTn>
+                              </p:par>
+                              <p:par>
+                                <p:cTn id="23" presetID="1" presetClass="entr" presetSubtype="0" fill="hold" grpId="0" nodeType="withEffect">
+                                  <p:stCondLst>
+                                    <p:cond delay="0"/>
+                                  </p:stCondLst>
+                                  <p:childTnLst>
+                                    <p:set>
+                                      <p:cBhvr>
+                                        <p:cTn id="24" dur="1" fill="hold">
+                                          <p:stCondLst>
+                                            <p:cond delay="0"/>
+                                          </p:stCondLst>
+                                        </p:cTn>
+                                        <p:tgtEl>
+                                          <p:spTgt spid="20"/>
+                                        </p:tgtEl>
+                                        <p:attrNameLst>
+                                          <p:attrName>style.visibility</p:attrName>
+                                        </p:attrNameLst>
+                                      </p:cBhvr>
+                                      <p:to>
+                                        <p:strVal val="visible"/>
+                                      </p:to>
+                                    </p:set>
+                                  </p:childTnLst>
+                                </p:cTn>
+                              </p:par>
+                            </p:childTnLst>
+                          </p:cTn>
+                        </p:par>
+                      </p:childTnLst>
+                    </p:cTn>
+                  </p:par>
+                  <p:par>
+                    <p:cTn id="25" fill="hold">
+                      <p:stCondLst>
+                        <p:cond delay="indefinite"/>
+                      </p:stCondLst>
+                      <p:childTnLst>
+                        <p:par>
+                          <p:cTn id="26" fill="hold">
+                            <p:stCondLst>
+                              <p:cond delay="0"/>
+                            </p:stCondLst>
+                            <p:childTnLst>
+                              <p:par>
+                                <p:cTn id="27" presetID="1" presetClass="entr" presetSubtype="0" fill="hold" grpId="0" nodeType="clickEffect">
+                                  <p:stCondLst>
+                                    <p:cond delay="0"/>
+                                  </p:stCondLst>
+                                  <p:childTnLst>
+                                    <p:set>
+                                      <p:cBhvr>
+                                        <p:cTn id="28" dur="1" fill="hold">
+                                          <p:stCondLst>
+                                            <p:cond delay="0"/>
+                                          </p:stCondLst>
+                                        </p:cTn>
+                                        <p:tgtEl>
+                                          <p:spTgt spid="3">
+                                            <p:txEl>
+                                              <p:pRg st="2" end="2"/>
+                                            </p:txEl>
+                                          </p:spTgt>
+                                        </p:tgtEl>
+                                        <p:attrNameLst>
+                                          <p:attrName>style.visibility</p:attrName>
+                                        </p:attrNameLst>
+                                      </p:cBhvr>
+                                      <p:to>
+                                        <p:strVal val="visible"/>
+                                      </p:to>
+                                    </p:set>
+                                  </p:childTnLst>
+                                </p:cTn>
+                              </p:par>
+                              <p:par>
+                                <p:cTn id="29" presetID="1" presetClass="entr" presetSubtype="0" fill="hold" grpId="0" nodeType="withEffect">
+                                  <p:stCondLst>
+                                    <p:cond delay="0"/>
+                                  </p:stCondLst>
+                                  <p:childTnLst>
+                                    <p:set>
+                                      <p:cBhvr>
+                                        <p:cTn id="30" dur="1" fill="hold">
+                                          <p:stCondLst>
+                                            <p:cond delay="0"/>
+                                          </p:stCondLst>
+                                        </p:cTn>
+                                        <p:tgtEl>
+                                          <p:spTgt spid="22"/>
+                                        </p:tgtEl>
+                                        <p:attrNameLst>
+                                          <p:attrName>style.visibility</p:attrName>
+                                        </p:attrNameLst>
+                                      </p:cBhvr>
+                                      <p:to>
+                                        <p:strVal val="visible"/>
+                                      </p:to>
+                                    </p:set>
+                                  </p:childTnLst>
+                                </p:cTn>
+                              </p:par>
+                            </p:childTnLst>
+                          </p:cTn>
+                        </p:par>
+                      </p:childTnLst>
+                    </p:cTn>
+                  </p:par>
+                  <p:par>
+                    <p:cTn id="31" fill="hold">
+                      <p:stCondLst>
+                        <p:cond delay="indefinite"/>
+                      </p:stCondLst>
+                      <p:childTnLst>
+                        <p:par>
+                          <p:cTn id="32" fill="hold">
+                            <p:stCondLst>
+                              <p:cond delay="0"/>
+                            </p:stCondLst>
+                            <p:childTnLst>
+                              <p:par>
+                                <p:cTn id="33" presetID="1" presetClass="entr" presetSubtype="0" fill="hold" grpId="0" nodeType="clickEffect">
+                                  <p:stCondLst>
+                                    <p:cond delay="0"/>
+                                  </p:stCondLst>
+                                  <p:childTnLst>
+                                    <p:set>
+                                      <p:cBhvr>
+                                        <p:cTn id="34" dur="1" fill="hold">
+                                          <p:stCondLst>
+                                            <p:cond delay="0"/>
+                                          </p:stCondLst>
+                                        </p:cTn>
+                                        <p:tgtEl>
+                                          <p:spTgt spid="3">
+                                            <p:txEl>
+                                              <p:pRg st="3" end="3"/>
+                                            </p:txEl>
+                                          </p:spTgt>
+                                        </p:tgtEl>
+                                        <p:attrNameLst>
+                                          <p:attrName>style.visibility</p:attrName>
+                                        </p:attrNameLst>
+                                      </p:cBhvr>
+                                      <p:to>
+                                        <p:strVal val="visible"/>
+                                      </p:to>
+                                    </p:set>
+                                  </p:childTnLst>
+                                </p:cTn>
+                              </p:par>
+                              <p:par>
+                                <p:cTn id="35" presetID="1" presetClass="entr" presetSubtype="0" fill="hold" nodeType="withEffect">
+                                  <p:stCondLst>
+                                    <p:cond delay="0"/>
+                                  </p:stCondLst>
+                                  <p:childTnLst>
+                                    <p:set>
+                                      <p:cBhvr>
+                                        <p:cTn id="36" dur="1" fill="hold">
+                                          <p:stCondLst>
+                                            <p:cond delay="0"/>
+                                          </p:stCondLst>
+                                        </p:cTn>
+                                        <p:tgtEl>
+                                          <p:spTgt spid="13"/>
+                                        </p:tgtEl>
+                                        <p:attrNameLst>
+                                          <p:attrName>style.visibility</p:attrName>
+                                        </p:attrNameLst>
+                                      </p:cBhvr>
+                                      <p:to>
+                                        <p:strVal val="visible"/>
+                                      </p:to>
+                                    </p:set>
+                                  </p:childTnLst>
+                                </p:cTn>
+                              </p:par>
+                              <p:par>
+                                <p:cTn id="37" presetID="1" presetClass="entr" presetSubtype="0" fill="hold" nodeType="withEffect">
+                                  <p:stCondLst>
+                                    <p:cond delay="0"/>
+                                  </p:stCondLst>
+                                  <p:childTnLst>
+                                    <p:set>
+                                      <p:cBhvr>
+                                        <p:cTn id="38" dur="1" fill="hold">
+                                          <p:stCondLst>
+                                            <p:cond delay="0"/>
+                                          </p:stCondLst>
+                                        </p:cTn>
+                                        <p:tgtEl>
+                                          <p:spTgt spid="19"/>
+                                        </p:tgtEl>
+                                        <p:attrNameLst>
+                                          <p:attrName>style.visibility</p:attrName>
+                                        </p:attrNameLst>
+                                      </p:cBhvr>
+                                      <p:to>
+                                        <p:strVal val="visible"/>
+                                      </p:to>
+                                    </p:set>
+                                  </p:childTnLst>
+                                </p:cTn>
+                              </p:par>
+                              <p:par>
+                                <p:cTn id="39" presetID="1" presetClass="entr" presetSubtype="0" fill="hold" nodeType="withEffect">
+                                  <p:stCondLst>
+                                    <p:cond delay="0"/>
+                                  </p:stCondLst>
+                                  <p:childTnLst>
+                                    <p:set>
+                                      <p:cBhvr>
+                                        <p:cTn id="40" dur="1" fill="hold">
+                                          <p:stCondLst>
+                                            <p:cond delay="0"/>
+                                          </p:stCondLst>
+                                        </p:cTn>
+                                        <p:tgtEl>
+                                          <p:spTgt spid="14"/>
+                                        </p:tgtEl>
+                                        <p:attrNameLst>
+                                          <p:attrName>style.visibility</p:attrName>
+                                        </p:attrNameLst>
+                                      </p:cBhvr>
+                                      <p:to>
+                                        <p:strVal val="visible"/>
+                                      </p:to>
+                                    </p:set>
+                                  </p:childTnLst>
+                                </p:cTn>
+                              </p:par>
+                              <p:par>
+                                <p:cTn id="41" presetID="1" presetClass="entr" presetSubtype="0" fill="hold" nodeType="withEffect">
+                                  <p:stCondLst>
+                                    <p:cond delay="0"/>
+                                  </p:stCondLst>
+                                  <p:childTnLst>
+                                    <p:set>
+                                      <p:cBhvr>
+                                        <p:cTn id="42" dur="1" fill="hold">
+                                          <p:stCondLst>
+                                            <p:cond delay="0"/>
+                                          </p:stCondLst>
+                                        </p:cTn>
+                                        <p:tgtEl>
+                                          <p:spTgt spid="16"/>
+                                        </p:tgtEl>
+                                        <p:attrNameLst>
+                                          <p:attrName>style.visibility</p:attrName>
+                                        </p:attrNameLst>
+                                      </p:cBhvr>
+                                      <p:to>
+                                        <p:strVal val="visible"/>
+                                      </p:to>
+                                    </p:set>
+                                  </p:childTnLst>
+                                </p:cTn>
+                              </p:par>
+                              <p:par>
+                                <p:cTn id="43" presetID="1" presetClass="entr" presetSubtype="0" fill="hold" nodeType="withEffect">
+                                  <p:stCondLst>
+                                    <p:cond delay="0"/>
+                                  </p:stCondLst>
+                                  <p:childTnLst>
+                                    <p:set>
+                                      <p:cBhvr>
+                                        <p:cTn id="44" dur="1" fill="hold">
+                                          <p:stCondLst>
+                                            <p:cond delay="0"/>
+                                          </p:stCondLst>
+                                        </p:cTn>
+                                        <p:tgtEl>
+                                          <p:spTgt spid="15"/>
+                                        </p:tgtEl>
+                                        <p:attrNameLst>
+                                          <p:attrName>style.visibility</p:attrName>
+                                        </p:attrNameLst>
+                                      </p:cBhvr>
+                                      <p:to>
+                                        <p:strVal val="visible"/>
+                                      </p:to>
+                                    </p:set>
+                                  </p:childTnLst>
+                                </p:cTn>
+                              </p:par>
+                              <p:par>
+                                <p:cTn id="45" presetID="1" presetClass="entr" presetSubtype="0" fill="hold" nodeType="withEffect">
+                                  <p:stCondLst>
+                                    <p:cond delay="0"/>
+                                  </p:stCondLst>
+                                  <p:childTnLst>
+                                    <p:set>
+                                      <p:cBhvr>
+                                        <p:cTn id="46" dur="1" fill="hold">
+                                          <p:stCondLst>
+                                            <p:cond delay="0"/>
+                                          </p:stCondLst>
+                                        </p:cTn>
+                                        <p:tgtEl>
+                                          <p:spTgt spid="17"/>
+                                        </p:tgtEl>
+                                        <p:attrNameLst>
+                                          <p:attrName>style.visibility</p:attrName>
+                                        </p:attrNameLst>
+                                      </p:cBhvr>
+                                      <p:to>
+                                        <p:strVal val="visible"/>
+                                      </p:to>
+                                    </p:set>
+                                  </p:childTnLst>
+                                </p:cTn>
+                              </p:par>
+                              <p:par>
+                                <p:cTn id="47" presetID="1" presetClass="entr" presetSubtype="0" fill="hold" nodeType="withEffect">
+                                  <p:stCondLst>
+                                    <p:cond delay="0"/>
+                                  </p:stCondLst>
+                                  <p:childTnLst>
+                                    <p:set>
+                                      <p:cBhvr>
+                                        <p:cTn id="48" dur="1" fill="hold">
+                                          <p:stCondLst>
+                                            <p:cond delay="0"/>
+                                          </p:stCondLst>
+                                        </p:cTn>
+                                        <p:tgtEl>
+                                          <p:spTgt spid="18"/>
+                                        </p:tgtEl>
+                                        <p:attrNameLst>
+                                          <p:attrName>style.visibility</p:attrName>
+                                        </p:attrNameLst>
+                                      </p:cBhvr>
+                                      <p:to>
+                                        <p:strVal val="visible"/>
+                                      </p:to>
+                                    </p:set>
+                                  </p:childTnLst>
+                                </p:cTn>
+                              </p:par>
+                              <p:par>
+                                <p:cTn id="49" presetID="1" presetClass="entr" presetSubtype="0" fill="hold" nodeType="withEffect">
+                                  <p:stCondLst>
+                                    <p:cond delay="0"/>
+                                  </p:stCondLst>
+                                  <p:childTnLst>
+                                    <p:set>
+                                      <p:cBhvr>
+                                        <p:cTn id="50" dur="1" fill="hold">
+                                          <p:stCondLst>
+                                            <p:cond delay="0"/>
+                                          </p:stCondLst>
+                                        </p:cTn>
+                                        <p:tgtEl>
+                                          <p:spTgt spid="21"/>
+                                        </p:tgtEl>
+                                        <p:attrNameLst>
+                                          <p:attrName>style.visibility</p:attrName>
+                                        </p:attrNameLst>
+                                      </p:cBhvr>
+                                      <p:to>
+                                        <p:strVal val="visible"/>
+                                      </p:to>
+                                    </p:set>
+                                  </p:childTnLst>
+                                </p:cTn>
+                              </p:par>
+                            </p:childTnLst>
+                          </p:cTn>
+                        </p:par>
+                      </p:childTnLst>
+                    </p:cTn>
+                  </p:par>
+                  <p:par>
+                    <p:cTn id="51" fill="hold">
+                      <p:stCondLst>
+                        <p:cond delay="indefinite"/>
+                      </p:stCondLst>
+                      <p:childTnLst>
+                        <p:par>
+                          <p:cTn id="52" fill="hold">
+                            <p:stCondLst>
+                              <p:cond delay="0"/>
+                            </p:stCondLst>
+                            <p:childTnLst>
+                              <p:par>
+                                <p:cTn id="53" presetID="1" presetClass="entr" presetSubtype="0" fill="hold" grpId="0" nodeType="clickEffect">
+                                  <p:stCondLst>
+                                    <p:cond delay="0"/>
+                                  </p:stCondLst>
+                                  <p:childTnLst>
+                                    <p:set>
+                                      <p:cBhvr>
+                                        <p:cTn id="54" dur="1" fill="hold">
+                                          <p:stCondLst>
+                                            <p:cond delay="0"/>
+                                          </p:stCondLst>
+                                        </p:cTn>
+                                        <p:tgtEl>
+                                          <p:spTgt spid="3">
+                                            <p:txEl>
+                                              <p:pRg st="4" end="4"/>
+                                            </p:txEl>
+                                          </p:spTgt>
+                                        </p:tgtEl>
+                                        <p:attrNameLst>
+                                          <p:attrName>style.visibility</p:attrName>
+                                        </p:attrNameLst>
+                                      </p:cBhvr>
+                                      <p:to>
+                                        <p:strVal val="visible"/>
+                                      </p:to>
+                                    </p:set>
+                                  </p:childTnLst>
+                                </p:cTn>
+                              </p:par>
+                            </p:childTnLst>
+                          </p:cTn>
+                        </p:par>
+                      </p:childTnLst>
+                    </p:cTn>
+                  </p:par>
+                  <p:par>
+                    <p:cTn id="55" fill="hold">
+                      <p:stCondLst>
+                        <p:cond delay="indefinite"/>
+                      </p:stCondLst>
+                      <p:childTnLst>
+                        <p:par>
+                          <p:cTn id="56" fill="hold">
+                            <p:stCondLst>
+                              <p:cond delay="0"/>
+                            </p:stCondLst>
+                            <p:childTnLst>
+                              <p:par>
+                                <p:cTn id="57" presetID="1" presetClass="entr" presetSubtype="0" fill="hold" grpId="0" nodeType="clickEffect">
+                                  <p:stCondLst>
+                                    <p:cond delay="0"/>
+                                  </p:stCondLst>
+                                  <p:childTnLst>
+                                    <p:set>
+                                      <p:cBhvr>
+                                        <p:cTn id="58" dur="1" fill="hold">
+                                          <p:stCondLst>
+                                            <p:cond delay="0"/>
+                                          </p:stCondLst>
+                                        </p:cTn>
+                                        <p:tgtEl>
+                                          <p:spTgt spid="3">
+                                            <p:txEl>
+                                              <p:pRg st="5" end="5"/>
+                                            </p:txEl>
+                                          </p:spTgt>
+                                        </p:tgtEl>
+                                        <p:attrNameLst>
+                                          <p:attrName>style.visibility</p:attrName>
+                                        </p:attrNameLst>
+                                      </p:cBhvr>
+                                      <p:to>
+                                        <p:strVal val="visible"/>
+                                      </p:to>
+                                    </p:set>
+                                  </p:childTnLst>
+                                </p:cTn>
+                              </p:par>
+                            </p:childTnLst>
+                          </p:cTn>
+                        </p:par>
+                      </p:childTnLst>
+                    </p:cTn>
+                  </p:par>
+                  <p:par>
+                    <p:cTn id="59" fill="hold">
+                      <p:stCondLst>
+                        <p:cond delay="indefinite"/>
+                      </p:stCondLst>
+                      <p:childTnLst>
+                        <p:par>
+                          <p:cTn id="60" fill="hold">
+                            <p:stCondLst>
+                              <p:cond delay="0"/>
+                            </p:stCondLst>
+                            <p:childTnLst>
+                              <p:par>
+                                <p:cTn id="61" presetID="1" presetClass="entr" presetSubtype="0" fill="hold" grpId="0" nodeType="clickEffect">
+                                  <p:stCondLst>
+                                    <p:cond delay="0"/>
+                                  </p:stCondLst>
+                                  <p:childTnLst>
+                                    <p:set>
+                                      <p:cBhvr>
+                                        <p:cTn id="62" dur="1" fill="hold">
+                                          <p:stCondLst>
+                                            <p:cond delay="0"/>
+                                          </p:stCondLst>
+                                        </p:cTn>
+                                        <p:tgtEl>
+                                          <p:spTgt spid="3">
+                                            <p:txEl>
+                                              <p:pRg st="6" end="6"/>
+                                            </p:txEl>
+                                          </p:spTgt>
+                                        </p:tgtEl>
+                                        <p:attrNameLst>
+                                          <p:attrName>style.visibility</p:attrName>
+                                        </p:attrNameLst>
+                                      </p:cBhvr>
+                                      <p:to>
+                                        <p:strVal val="visible"/>
+                                      </p:to>
+                                    </p:set>
+                                  </p:childTnLst>
+                                </p:cTn>
+                              </p:par>
+                            </p:childTnLst>
+                          </p:cTn>
+                        </p:par>
+                      </p:childTnLst>
+                    </p:cTn>
+                  </p:par>
+                </p:childTnLst>
+              </p:cTn>
+              <p:prevCondLst>
+                <p:cond evt="onPrev" delay="0">
+                  <p:tgtEl>
+                    <p:sldTgt/>
+                  </p:tgtEl>
+                </p:cond>
+              </p:prevCondLst>
+              <p:nextCondLst>
+                <p:cond evt="onNext" delay="0">
+                  <p:tgtEl>
+                    <p:sldTgt/>
+                  </p:tgtEl>
+                </p:cond>
+              </p:nextCondLst>
+            </p:seq>
+          </p:childTnLst>
+        </p:cTn>
       </p:par>
     </p:tnLst>
+    <p:bldLst>
+      <p:bldP spid="3" grpId="0" build="p"/>
+      <p:bldP spid="7" grpId="0" animBg="1"/>
+      <p:bldP spid="8" grpId="0" animBg="1"/>
+      <p:bldP spid="9" grpId="0" animBg="1"/>
+      <p:bldP spid="10" grpId="0" animBg="1"/>
+      <p:bldP spid="11" grpId="0" animBg="1"/>
+      <p:bldP spid="12" grpId="0" animBg="1"/>
+      <p:bldP spid="20" grpId="0" animBg="1"/>
+      <p:bldP spid="22" grpId="0" animBg="1"/>
+    </p:bldLst>
   </p:timing>
 </p:sld>
 </file>
@@ -8284,6 +9735,802 @@
           <a:chExt cx="0" cy="0"/>
         </a:xfrm>
       </p:grpSpPr>
+      <p:grpSp>
+        <p:nvGrpSpPr>
+          <p:cNvPr id="73" name="Grouper 72"/>
+          <p:cNvGrpSpPr/>
+          <p:nvPr/>
+        </p:nvGrpSpPr>
+        <p:grpSpPr>
+          <a:xfrm>
+            <a:off x="5540201" y="3361905"/>
+            <a:ext cx="2453780" cy="2296519"/>
+            <a:chOff x="5540201" y="3361905"/>
+            <a:chExt cx="2453780" cy="2296519"/>
+          </a:xfrm>
+        </p:grpSpPr>
+        <p:grpSp>
+          <p:nvGrpSpPr>
+            <p:cNvPr id="22" name="Grouper 21"/>
+            <p:cNvGrpSpPr>
+              <a:grpSpLocks noChangeAspect="1"/>
+            </p:cNvGrpSpPr>
+            <p:nvPr/>
+          </p:nvGrpSpPr>
+          <p:grpSpPr>
+            <a:xfrm>
+              <a:off x="5540201" y="3486880"/>
+              <a:ext cx="2453780" cy="2171544"/>
+              <a:chOff x="5070704" y="2562860"/>
+              <a:chExt cx="3271706" cy="2895392"/>
+            </a:xfrm>
+          </p:grpSpPr>
+          <p:sp>
+            <p:nvSpPr>
+              <p:cNvPr id="7" name="Ellipse 6"/>
+              <p:cNvSpPr/>
+              <p:nvPr/>
+            </p:nvSpPr>
+            <p:spPr>
+              <a:xfrm>
+                <a:off x="5818089" y="3306338"/>
+                <a:ext cx="428293" cy="407558"/>
+              </a:xfrm>
+              <a:prstGeom prst="ellipse">
+                <a:avLst/>
+              </a:prstGeom>
+            </p:spPr>
+            <p:style>
+              <a:lnRef idx="1">
+                <a:schemeClr val="accent5"/>
+              </a:lnRef>
+              <a:fillRef idx="3">
+                <a:schemeClr val="accent5"/>
+              </a:fillRef>
+              <a:effectRef idx="2">
+                <a:schemeClr val="accent5"/>
+              </a:effectRef>
+              <a:fontRef idx="minor">
+                <a:schemeClr val="lt1"/>
+              </a:fontRef>
+            </p:style>
+            <p:txBody>
+              <a:bodyPr lIns="72000" rtlCol="0" anchor="ctr">
+                <a:normAutofit fontScale="55000" lnSpcReduction="20000"/>
+              </a:bodyPr>
+              <a:lstStyle/>
+              <a:p>
+                <a:pPr algn="ctr"/>
+                <a:r>
+                  <a:rPr lang="fr-FR">
+                    <a:solidFill>
+                      <a:schemeClr val="tx1"/>
+                    </a:solidFill>
+                  </a:rPr>
+                  <a:t>A</a:t>
+                </a:r>
+              </a:p>
+            </p:txBody>
+          </p:sp>
+          <p:sp>
+            <p:nvSpPr>
+              <p:cNvPr id="8" name="Ellipse 7"/>
+              <p:cNvSpPr/>
+              <p:nvPr/>
+            </p:nvSpPr>
+            <p:spPr>
+              <a:xfrm>
+                <a:off x="6281592" y="2803785"/>
+                <a:ext cx="428293" cy="407558"/>
+              </a:xfrm>
+              <a:prstGeom prst="ellipse">
+                <a:avLst/>
+              </a:prstGeom>
+            </p:spPr>
+            <p:style>
+              <a:lnRef idx="1">
+                <a:schemeClr val="accent5"/>
+              </a:lnRef>
+              <a:fillRef idx="3">
+                <a:schemeClr val="accent5"/>
+              </a:fillRef>
+              <a:effectRef idx="2">
+                <a:schemeClr val="accent5"/>
+              </a:effectRef>
+              <a:fontRef idx="minor">
+                <a:schemeClr val="lt1"/>
+              </a:fontRef>
+            </p:style>
+            <p:txBody>
+              <a:bodyPr lIns="72000" rtlCol="0" anchor="ctr">
+                <a:normAutofit fontScale="55000" lnSpcReduction="20000"/>
+              </a:bodyPr>
+              <a:lstStyle/>
+              <a:p>
+                <a:pPr algn="ctr"/>
+                <a:r>
+                  <a:rPr lang="fr-FR">
+                    <a:solidFill>
+                      <a:schemeClr val="tx1"/>
+                    </a:solidFill>
+                  </a:rPr>
+                  <a:t>B</a:t>
+                </a:r>
+              </a:p>
+            </p:txBody>
+          </p:sp>
+          <p:sp>
+            <p:nvSpPr>
+              <p:cNvPr id="9" name="Ellipse 8"/>
+              <p:cNvSpPr/>
+              <p:nvPr/>
+            </p:nvSpPr>
+            <p:spPr>
+              <a:xfrm>
+                <a:off x="5070704" y="2562860"/>
+                <a:ext cx="428293" cy="407558"/>
+              </a:xfrm>
+              <a:prstGeom prst="ellipse">
+                <a:avLst/>
+              </a:prstGeom>
+            </p:spPr>
+            <p:style>
+              <a:lnRef idx="1">
+                <a:schemeClr val="accent5"/>
+              </a:lnRef>
+              <a:fillRef idx="3">
+                <a:schemeClr val="accent5"/>
+              </a:fillRef>
+              <a:effectRef idx="2">
+                <a:schemeClr val="accent5"/>
+              </a:effectRef>
+              <a:fontRef idx="minor">
+                <a:schemeClr val="lt1"/>
+              </a:fontRef>
+            </p:style>
+            <p:txBody>
+              <a:bodyPr lIns="72000" rtlCol="0" anchor="ctr">
+                <a:normAutofit fontScale="55000" lnSpcReduction="20000"/>
+              </a:bodyPr>
+              <a:lstStyle/>
+              <a:p>
+                <a:pPr algn="ctr"/>
+                <a:r>
+                  <a:rPr lang="fr-FR">
+                    <a:solidFill>
+                      <a:schemeClr val="tx1"/>
+                    </a:solidFill>
+                  </a:rPr>
+                  <a:t>C</a:t>
+                </a:r>
+              </a:p>
+            </p:txBody>
+          </p:sp>
+          <p:sp>
+            <p:nvSpPr>
+              <p:cNvPr id="10" name="Ellipse 9"/>
+              <p:cNvSpPr/>
+              <p:nvPr/>
+            </p:nvSpPr>
+            <p:spPr>
+              <a:xfrm>
+                <a:off x="5392724" y="4643136"/>
+                <a:ext cx="428293" cy="407558"/>
+              </a:xfrm>
+              <a:prstGeom prst="ellipse">
+                <a:avLst/>
+              </a:prstGeom>
+            </p:spPr>
+            <p:style>
+              <a:lnRef idx="1">
+                <a:schemeClr val="accent5"/>
+              </a:lnRef>
+              <a:fillRef idx="3">
+                <a:schemeClr val="accent5"/>
+              </a:fillRef>
+              <a:effectRef idx="2">
+                <a:schemeClr val="accent5"/>
+              </a:effectRef>
+              <a:fontRef idx="minor">
+                <a:schemeClr val="lt1"/>
+              </a:fontRef>
+            </p:style>
+            <p:txBody>
+              <a:bodyPr lIns="72000" rtlCol="0" anchor="ctr">
+                <a:normAutofit fontScale="55000" lnSpcReduction="20000"/>
+              </a:bodyPr>
+              <a:lstStyle/>
+              <a:p>
+                <a:pPr algn="ctr"/>
+                <a:r>
+                  <a:rPr lang="fr-FR">
+                    <a:solidFill>
+                      <a:schemeClr val="tx1"/>
+                    </a:solidFill>
+                  </a:rPr>
+                  <a:t>D</a:t>
+                </a:r>
+              </a:p>
+            </p:txBody>
+          </p:sp>
+          <p:sp>
+            <p:nvSpPr>
+              <p:cNvPr id="11" name="Ellipse 10"/>
+              <p:cNvSpPr/>
+              <p:nvPr/>
+            </p:nvSpPr>
+            <p:spPr>
+              <a:xfrm>
+                <a:off x="6133283" y="4071947"/>
+                <a:ext cx="428293" cy="407558"/>
+              </a:xfrm>
+              <a:prstGeom prst="ellipse">
+                <a:avLst/>
+              </a:prstGeom>
+            </p:spPr>
+            <p:style>
+              <a:lnRef idx="1">
+                <a:schemeClr val="accent5"/>
+              </a:lnRef>
+              <a:fillRef idx="3">
+                <a:schemeClr val="accent5"/>
+              </a:fillRef>
+              <a:effectRef idx="2">
+                <a:schemeClr val="accent5"/>
+              </a:effectRef>
+              <a:fontRef idx="minor">
+                <a:schemeClr val="lt1"/>
+              </a:fontRef>
+            </p:style>
+            <p:txBody>
+              <a:bodyPr lIns="72000" rtlCol="0" anchor="ctr">
+                <a:normAutofit fontScale="55000" lnSpcReduction="20000"/>
+              </a:bodyPr>
+              <a:lstStyle/>
+              <a:p>
+                <a:pPr algn="ctr"/>
+                <a:r>
+                  <a:rPr lang="fr-FR">
+                    <a:solidFill>
+                      <a:schemeClr val="tx1"/>
+                    </a:solidFill>
+                  </a:rPr>
+                  <a:t>E</a:t>
+                </a:r>
+              </a:p>
+            </p:txBody>
+          </p:sp>
+          <p:sp>
+            <p:nvSpPr>
+              <p:cNvPr id="12" name="Ellipse 11"/>
+              <p:cNvSpPr/>
+              <p:nvPr/>
+            </p:nvSpPr>
+            <p:spPr>
+              <a:xfrm>
+                <a:off x="7222789" y="4366627"/>
+                <a:ext cx="428293" cy="407558"/>
+              </a:xfrm>
+              <a:prstGeom prst="ellipse">
+                <a:avLst/>
+              </a:prstGeom>
+            </p:spPr>
+            <p:style>
+              <a:lnRef idx="1">
+                <a:schemeClr val="accent5"/>
+              </a:lnRef>
+              <a:fillRef idx="3">
+                <a:schemeClr val="accent5"/>
+              </a:fillRef>
+              <a:effectRef idx="2">
+                <a:schemeClr val="accent5"/>
+              </a:effectRef>
+              <a:fontRef idx="minor">
+                <a:schemeClr val="lt1"/>
+              </a:fontRef>
+            </p:style>
+            <p:txBody>
+              <a:bodyPr lIns="72000" rtlCol="0" anchor="ctr">
+                <a:normAutofit fontScale="55000" lnSpcReduction="20000"/>
+              </a:bodyPr>
+              <a:lstStyle/>
+              <a:p>
+                <a:pPr algn="ctr"/>
+                <a:r>
+                  <a:rPr lang="fr-FR">
+                    <a:solidFill>
+                      <a:schemeClr val="tx1"/>
+                    </a:solidFill>
+                  </a:rPr>
+                  <a:t>F</a:t>
+                </a:r>
+              </a:p>
+            </p:txBody>
+          </p:sp>
+          <p:cxnSp>
+            <p:nvCxnSpPr>
+              <p:cNvPr id="13" name="Connecteur droit 12"/>
+              <p:cNvCxnSpPr>
+                <a:stCxn id="9" idx="5"/>
+                <a:endCxn id="7" idx="1"/>
+              </p:cNvCxnSpPr>
+              <p:nvPr/>
+            </p:nvCxnSpPr>
+            <p:spPr>
+              <a:xfrm>
+                <a:off x="5436275" y="2910733"/>
+                <a:ext cx="444536" cy="455290"/>
+              </a:xfrm>
+              <a:prstGeom prst="line">
+                <a:avLst/>
+              </a:prstGeom>
+              <a:ln/>
+            </p:spPr>
+            <p:style>
+              <a:lnRef idx="1">
+                <a:schemeClr val="accent5"/>
+              </a:lnRef>
+              <a:fillRef idx="3">
+                <a:schemeClr val="accent5"/>
+              </a:fillRef>
+              <a:effectRef idx="2">
+                <a:schemeClr val="accent5"/>
+              </a:effectRef>
+              <a:fontRef idx="minor">
+                <a:schemeClr val="lt1"/>
+              </a:fontRef>
+            </p:style>
+          </p:cxnSp>
+          <p:cxnSp>
+            <p:nvCxnSpPr>
+              <p:cNvPr id="14" name="Connecteur droit 13"/>
+              <p:cNvCxnSpPr>
+                <a:stCxn id="7" idx="7"/>
+                <a:endCxn id="8" idx="3"/>
+              </p:cNvCxnSpPr>
+              <p:nvPr/>
+            </p:nvCxnSpPr>
+            <p:spPr>
+              <a:xfrm flipV="1">
+                <a:off x="6183660" y="3151658"/>
+                <a:ext cx="160654" cy="214365"/>
+              </a:xfrm>
+              <a:prstGeom prst="line">
+                <a:avLst/>
+              </a:prstGeom>
+            </p:spPr>
+            <p:style>
+              <a:lnRef idx="1">
+                <a:schemeClr val="accent5"/>
+              </a:lnRef>
+              <a:fillRef idx="3">
+                <a:schemeClr val="accent5"/>
+              </a:fillRef>
+              <a:effectRef idx="2">
+                <a:schemeClr val="accent5"/>
+              </a:effectRef>
+              <a:fontRef idx="minor">
+                <a:schemeClr val="lt1"/>
+              </a:fontRef>
+            </p:style>
+          </p:cxnSp>
+          <p:cxnSp>
+            <p:nvCxnSpPr>
+              <p:cNvPr id="15" name="Connecteur droit 14"/>
+              <p:cNvCxnSpPr>
+                <a:stCxn id="7" idx="5"/>
+                <a:endCxn id="11" idx="0"/>
+              </p:cNvCxnSpPr>
+              <p:nvPr/>
+            </p:nvCxnSpPr>
+            <p:spPr>
+              <a:xfrm>
+                <a:off x="6183660" y="3654211"/>
+                <a:ext cx="163770" cy="417736"/>
+              </a:xfrm>
+              <a:prstGeom prst="line">
+                <a:avLst/>
+              </a:prstGeom>
+            </p:spPr>
+            <p:style>
+              <a:lnRef idx="1">
+                <a:schemeClr val="accent5"/>
+              </a:lnRef>
+              <a:fillRef idx="3">
+                <a:schemeClr val="accent5"/>
+              </a:fillRef>
+              <a:effectRef idx="2">
+                <a:schemeClr val="accent5"/>
+              </a:effectRef>
+              <a:fontRef idx="minor">
+                <a:schemeClr val="lt1"/>
+              </a:fontRef>
+            </p:style>
+          </p:cxnSp>
+          <p:cxnSp>
+            <p:nvCxnSpPr>
+              <p:cNvPr id="16" name="Connecteur droit 15"/>
+              <p:cNvCxnSpPr>
+                <a:stCxn id="7" idx="3"/>
+                <a:endCxn id="10" idx="0"/>
+              </p:cNvCxnSpPr>
+              <p:nvPr/>
+            </p:nvCxnSpPr>
+            <p:spPr>
+              <a:xfrm flipH="1">
+                <a:off x="5606871" y="3654211"/>
+                <a:ext cx="273940" cy="988925"/>
+              </a:xfrm>
+              <a:prstGeom prst="line">
+                <a:avLst/>
+              </a:prstGeom>
+            </p:spPr>
+            <p:style>
+              <a:lnRef idx="1">
+                <a:schemeClr val="accent5"/>
+              </a:lnRef>
+              <a:fillRef idx="3">
+                <a:schemeClr val="accent5"/>
+              </a:fillRef>
+              <a:effectRef idx="2">
+                <a:schemeClr val="accent5"/>
+              </a:effectRef>
+              <a:fontRef idx="minor">
+                <a:schemeClr val="lt1"/>
+              </a:fontRef>
+            </p:style>
+          </p:cxnSp>
+          <p:cxnSp>
+            <p:nvCxnSpPr>
+              <p:cNvPr id="17" name="Connecteur droit 16"/>
+              <p:cNvCxnSpPr>
+                <a:stCxn id="10" idx="7"/>
+                <a:endCxn id="11" idx="3"/>
+              </p:cNvCxnSpPr>
+              <p:nvPr/>
+            </p:nvCxnSpPr>
+            <p:spPr>
+              <a:xfrm flipV="1">
+                <a:off x="5758295" y="4419820"/>
+                <a:ext cx="437710" cy="283001"/>
+              </a:xfrm>
+              <a:prstGeom prst="line">
+                <a:avLst/>
+              </a:prstGeom>
+            </p:spPr>
+            <p:style>
+              <a:lnRef idx="1">
+                <a:schemeClr val="accent5"/>
+              </a:lnRef>
+              <a:fillRef idx="3">
+                <a:schemeClr val="accent5"/>
+              </a:fillRef>
+              <a:effectRef idx="2">
+                <a:schemeClr val="accent5"/>
+              </a:effectRef>
+              <a:fontRef idx="minor">
+                <a:schemeClr val="lt1"/>
+              </a:fontRef>
+            </p:style>
+          </p:cxnSp>
+          <p:cxnSp>
+            <p:nvCxnSpPr>
+              <p:cNvPr id="18" name="Connecteur droit 17"/>
+              <p:cNvCxnSpPr>
+                <a:stCxn id="11" idx="6"/>
+                <a:endCxn id="12" idx="2"/>
+              </p:cNvCxnSpPr>
+              <p:nvPr/>
+            </p:nvCxnSpPr>
+            <p:spPr>
+              <a:xfrm>
+                <a:off x="6561576" y="4275726"/>
+                <a:ext cx="661213" cy="294680"/>
+              </a:xfrm>
+              <a:prstGeom prst="line">
+                <a:avLst/>
+              </a:prstGeom>
+            </p:spPr>
+            <p:style>
+              <a:lnRef idx="1">
+                <a:schemeClr val="accent5"/>
+              </a:lnRef>
+              <a:fillRef idx="3">
+                <a:schemeClr val="accent5"/>
+              </a:fillRef>
+              <a:effectRef idx="2">
+                <a:schemeClr val="accent5"/>
+              </a:effectRef>
+              <a:fontRef idx="minor">
+                <a:schemeClr val="lt1"/>
+              </a:fontRef>
+            </p:style>
+          </p:cxnSp>
+          <p:cxnSp>
+            <p:nvCxnSpPr>
+              <p:cNvPr id="19" name="Connecteur droit 18"/>
+              <p:cNvCxnSpPr>
+                <a:stCxn id="8" idx="2"/>
+                <a:endCxn id="9" idx="6"/>
+              </p:cNvCxnSpPr>
+              <p:nvPr/>
+            </p:nvCxnSpPr>
+            <p:spPr>
+              <a:xfrm flipH="1" flipV="1">
+                <a:off x="5498997" y="2766639"/>
+                <a:ext cx="782595" cy="240925"/>
+              </a:xfrm>
+              <a:prstGeom prst="line">
+                <a:avLst/>
+              </a:prstGeom>
+            </p:spPr>
+            <p:style>
+              <a:lnRef idx="1">
+                <a:schemeClr val="accent5"/>
+              </a:lnRef>
+              <a:fillRef idx="3">
+                <a:schemeClr val="accent5"/>
+              </a:fillRef>
+              <a:effectRef idx="2">
+                <a:schemeClr val="accent5"/>
+              </a:effectRef>
+              <a:fontRef idx="minor">
+                <a:schemeClr val="lt1"/>
+              </a:fontRef>
+            </p:style>
+          </p:cxnSp>
+          <p:sp>
+            <p:nvSpPr>
+              <p:cNvPr id="20" name="Ellipse 19"/>
+              <p:cNvSpPr/>
+              <p:nvPr/>
+            </p:nvSpPr>
+            <p:spPr>
+              <a:xfrm>
+                <a:off x="7914117" y="5050694"/>
+                <a:ext cx="428293" cy="407558"/>
+              </a:xfrm>
+              <a:prstGeom prst="ellipse">
+                <a:avLst/>
+              </a:prstGeom>
+            </p:spPr>
+            <p:style>
+              <a:lnRef idx="1">
+                <a:schemeClr val="accent5"/>
+              </a:lnRef>
+              <a:fillRef idx="3">
+                <a:schemeClr val="accent5"/>
+              </a:fillRef>
+              <a:effectRef idx="2">
+                <a:schemeClr val="accent5"/>
+              </a:effectRef>
+              <a:fontRef idx="minor">
+                <a:schemeClr val="lt1"/>
+              </a:fontRef>
+            </p:style>
+            <p:txBody>
+              <a:bodyPr lIns="72000" rtlCol="0" anchor="ctr">
+                <a:normAutofit fontScale="55000" lnSpcReduction="20000"/>
+              </a:bodyPr>
+              <a:lstStyle/>
+              <a:p>
+                <a:pPr algn="ctr"/>
+                <a:r>
+                  <a:rPr lang="fr-FR">
+                    <a:solidFill>
+                      <a:schemeClr val="tx1"/>
+                    </a:solidFill>
+                  </a:rPr>
+                  <a:t>G</a:t>
+                </a:r>
+              </a:p>
+            </p:txBody>
+          </p:sp>
+          <p:cxnSp>
+            <p:nvCxnSpPr>
+              <p:cNvPr id="21" name="Connecteur droit 20"/>
+              <p:cNvCxnSpPr>
+                <a:stCxn id="12" idx="5"/>
+                <a:endCxn id="20" idx="1"/>
+              </p:cNvCxnSpPr>
+              <p:nvPr/>
+            </p:nvCxnSpPr>
+            <p:spPr>
+              <a:xfrm>
+                <a:off x="7588360" y="4714500"/>
+                <a:ext cx="388479" cy="395879"/>
+              </a:xfrm>
+              <a:prstGeom prst="line">
+                <a:avLst/>
+              </a:prstGeom>
+            </p:spPr>
+            <p:style>
+              <a:lnRef idx="1">
+                <a:schemeClr val="accent5"/>
+              </a:lnRef>
+              <a:fillRef idx="3">
+                <a:schemeClr val="accent5"/>
+              </a:fillRef>
+              <a:effectRef idx="2">
+                <a:schemeClr val="accent5"/>
+              </a:effectRef>
+              <a:fontRef idx="minor">
+                <a:schemeClr val="lt1"/>
+              </a:fontRef>
+            </p:style>
+          </p:cxnSp>
+        </p:grpSp>
+        <p:sp>
+          <p:nvSpPr>
+            <p:cNvPr id="62" name="Ellipse 61"/>
+            <p:cNvSpPr/>
+            <p:nvPr/>
+          </p:nvSpPr>
+          <p:spPr>
+            <a:xfrm>
+              <a:off x="7614188" y="4465861"/>
+              <a:ext cx="321220" cy="305669"/>
+            </a:xfrm>
+            <a:prstGeom prst="ellipse">
+              <a:avLst/>
+            </a:prstGeom>
+          </p:spPr>
+          <p:style>
+            <a:lnRef idx="1">
+              <a:schemeClr val="accent5"/>
+            </a:lnRef>
+            <a:fillRef idx="3">
+              <a:schemeClr val="accent5"/>
+            </a:fillRef>
+            <a:effectRef idx="2">
+              <a:schemeClr val="accent5"/>
+            </a:effectRef>
+            <a:fontRef idx="minor">
+              <a:schemeClr val="lt1"/>
+            </a:fontRef>
+          </p:style>
+          <p:txBody>
+            <a:bodyPr lIns="72000" rtlCol="0" anchor="ctr">
+              <a:normAutofit fontScale="55000" lnSpcReduction="20000"/>
+            </a:bodyPr>
+            <a:lstStyle/>
+            <a:p>
+              <a:pPr algn="ctr"/>
+              <a:r>
+                <a:rPr lang="fr-FR">
+                  <a:solidFill>
+                    <a:schemeClr val="tx1"/>
+                  </a:solidFill>
+                </a:rPr>
+                <a:t>H</a:t>
+              </a:r>
+              <a:endParaRPr lang="fr-FR">
+                <a:solidFill>
+                  <a:schemeClr val="tx1"/>
+                </a:solidFill>
+              </a:endParaRPr>
+            </a:p>
+          </p:txBody>
+        </p:sp>
+        <p:cxnSp>
+          <p:nvCxnSpPr>
+            <p:cNvPr id="63" name="Connecteur droit 62"/>
+            <p:cNvCxnSpPr>
+              <a:stCxn id="12" idx="7"/>
+              <a:endCxn id="62" idx="3"/>
+            </p:cNvCxnSpPr>
+            <p:nvPr/>
+          </p:nvCxnSpPr>
+          <p:spPr>
+            <a:xfrm flipV="1">
+              <a:off x="7428443" y="4726766"/>
+              <a:ext cx="232787" cy="157703"/>
+            </a:xfrm>
+            <a:prstGeom prst="line">
+              <a:avLst/>
+            </a:prstGeom>
+          </p:spPr>
+          <p:style>
+            <a:lnRef idx="1">
+              <a:schemeClr val="accent5"/>
+            </a:lnRef>
+            <a:fillRef idx="3">
+              <a:schemeClr val="accent5"/>
+            </a:fillRef>
+            <a:effectRef idx="2">
+              <a:schemeClr val="accent5"/>
+            </a:effectRef>
+            <a:fontRef idx="minor">
+              <a:schemeClr val="lt1"/>
+            </a:fontRef>
+          </p:style>
+        </p:cxnSp>
+        <p:sp>
+          <p:nvSpPr>
+            <p:cNvPr id="67" name="Ellipse 66"/>
+            <p:cNvSpPr/>
+            <p:nvPr/>
+          </p:nvSpPr>
+          <p:spPr>
+            <a:xfrm>
+              <a:off x="7062851" y="3361905"/>
+              <a:ext cx="321220" cy="305669"/>
+            </a:xfrm>
+            <a:prstGeom prst="ellipse">
+              <a:avLst/>
+            </a:prstGeom>
+          </p:spPr>
+          <p:style>
+            <a:lnRef idx="1">
+              <a:schemeClr val="accent5"/>
+            </a:lnRef>
+            <a:fillRef idx="3">
+              <a:schemeClr val="accent5"/>
+            </a:fillRef>
+            <a:effectRef idx="2">
+              <a:schemeClr val="accent5"/>
+            </a:effectRef>
+            <a:fontRef idx="minor">
+              <a:schemeClr val="lt1"/>
+            </a:fontRef>
+          </p:style>
+          <p:txBody>
+            <a:bodyPr lIns="72000" rtlCol="0" anchor="ctr">
+              <a:normAutofit fontScale="55000" lnSpcReduction="20000"/>
+            </a:bodyPr>
+            <a:lstStyle/>
+            <a:p>
+              <a:pPr algn="ctr"/>
+              <a:r>
+                <a:rPr lang="fr-FR">
+                  <a:solidFill>
+                    <a:schemeClr val="tx1"/>
+                  </a:solidFill>
+                </a:rPr>
+                <a:t>I</a:t>
+              </a:r>
+              <a:endParaRPr lang="fr-FR">
+                <a:solidFill>
+                  <a:schemeClr val="tx1"/>
+                </a:solidFill>
+              </a:endParaRPr>
+            </a:p>
+          </p:txBody>
+        </p:sp>
+        <p:cxnSp>
+          <p:nvCxnSpPr>
+            <p:cNvPr id="68" name="Connecteur droit 67"/>
+            <p:cNvCxnSpPr>
+              <a:stCxn id="8" idx="6"/>
+              <a:endCxn id="67" idx="3"/>
+            </p:cNvCxnSpPr>
+            <p:nvPr/>
+          </p:nvCxnSpPr>
+          <p:spPr>
+            <a:xfrm flipV="1">
+              <a:off x="6769587" y="3622810"/>
+              <a:ext cx="340306" cy="197599"/>
+            </a:xfrm>
+            <a:prstGeom prst="line">
+              <a:avLst/>
+            </a:prstGeom>
+          </p:spPr>
+          <p:style>
+            <a:lnRef idx="1">
+              <a:schemeClr val="accent5"/>
+            </a:lnRef>
+            <a:fillRef idx="3">
+              <a:schemeClr val="accent5"/>
+            </a:fillRef>
+            <a:effectRef idx="2">
+              <a:schemeClr val="accent5"/>
+            </a:effectRef>
+            <a:fontRef idx="minor">
+              <a:schemeClr val="lt1"/>
+            </a:fontRef>
+          </p:style>
+        </p:cxnSp>
+      </p:grpSp>
       <p:sp>
         <p:nvSpPr>
           <p:cNvPr id="2" name="Titre 1"/>
@@ -8487,6 +10734,166 @@
           </a:p>
         </p:txBody>
       </p:sp>
+      <p:sp>
+        <p:nvSpPr>
+          <p:cNvPr id="55" name="Multiplication 54"/>
+          <p:cNvSpPr>
+            <a:spLocks noChangeAspect="1"/>
+          </p:cNvSpPr>
+          <p:nvPr/>
+        </p:nvSpPr>
+        <p:spPr>
+          <a:xfrm>
+            <a:off x="6030447" y="3966339"/>
+            <a:ext cx="469463" cy="488957"/>
+          </a:xfrm>
+          <a:prstGeom prst="mathMultiply">
+            <a:avLst/>
+          </a:prstGeom>
+        </p:spPr>
+        <p:style>
+          <a:lnRef idx="1">
+            <a:schemeClr val="accent1"/>
+          </a:lnRef>
+          <a:fillRef idx="3">
+            <a:schemeClr val="accent1"/>
+          </a:fillRef>
+          <a:effectRef idx="2">
+            <a:schemeClr val="accent1"/>
+          </a:effectRef>
+          <a:fontRef idx="minor">
+            <a:schemeClr val="lt1"/>
+          </a:fontRef>
+        </p:style>
+        <p:txBody>
+          <a:bodyPr rtlCol="0" anchor="ctr"/>
+          <a:lstStyle/>
+          <a:p>
+            <a:pPr algn="ctr"/>
+            <a:endParaRPr lang="fr-FR"/>
+          </a:p>
+        </p:txBody>
+      </p:sp>
+      <p:sp>
+        <p:nvSpPr>
+          <p:cNvPr id="59" name="Multiplication 58"/>
+          <p:cNvSpPr>
+            <a:spLocks noChangeAspect="1"/>
+          </p:cNvSpPr>
+          <p:nvPr/>
+        </p:nvSpPr>
+        <p:spPr>
+          <a:xfrm>
+            <a:off x="6263014" y="4527051"/>
+            <a:ext cx="469463" cy="488957"/>
+          </a:xfrm>
+          <a:prstGeom prst="mathMultiply">
+            <a:avLst/>
+          </a:prstGeom>
+        </p:spPr>
+        <p:style>
+          <a:lnRef idx="1">
+            <a:schemeClr val="accent1"/>
+          </a:lnRef>
+          <a:fillRef idx="3">
+            <a:schemeClr val="accent1"/>
+          </a:fillRef>
+          <a:effectRef idx="2">
+            <a:schemeClr val="accent1"/>
+          </a:effectRef>
+          <a:fontRef idx="minor">
+            <a:schemeClr val="lt1"/>
+          </a:fontRef>
+        </p:style>
+        <p:txBody>
+          <a:bodyPr rtlCol="0" anchor="ctr"/>
+          <a:lstStyle/>
+          <a:p>
+            <a:pPr algn="ctr"/>
+            <a:endParaRPr lang="fr-FR"/>
+          </a:p>
+        </p:txBody>
+      </p:sp>
+      <p:sp>
+        <p:nvSpPr>
+          <p:cNvPr id="60" name="Multiplication 59"/>
+          <p:cNvSpPr>
+            <a:spLocks noChangeAspect="1"/>
+          </p:cNvSpPr>
+          <p:nvPr/>
+        </p:nvSpPr>
+        <p:spPr>
+          <a:xfrm>
+            <a:off x="6374918" y="3575930"/>
+            <a:ext cx="469463" cy="488957"/>
+          </a:xfrm>
+          <a:prstGeom prst="mathMultiply">
+            <a:avLst/>
+          </a:prstGeom>
+        </p:spPr>
+        <p:style>
+          <a:lnRef idx="1">
+            <a:schemeClr val="accent1"/>
+          </a:lnRef>
+          <a:fillRef idx="3">
+            <a:schemeClr val="accent1"/>
+          </a:fillRef>
+          <a:effectRef idx="2">
+            <a:schemeClr val="accent1"/>
+          </a:effectRef>
+          <a:fontRef idx="minor">
+            <a:schemeClr val="lt1"/>
+          </a:fontRef>
+        </p:style>
+        <p:txBody>
+          <a:bodyPr rtlCol="0" anchor="ctr"/>
+          <a:lstStyle/>
+          <a:p>
+            <a:pPr algn="ctr"/>
+            <a:endParaRPr lang="fr-FR"/>
+          </a:p>
+        </p:txBody>
+      </p:sp>
+      <p:sp>
+        <p:nvSpPr>
+          <p:cNvPr id="74" name="Multiplication 73"/>
+          <p:cNvSpPr>
+            <a:spLocks noChangeAspect="1"/>
+          </p:cNvSpPr>
+          <p:nvPr/>
+        </p:nvSpPr>
+        <p:spPr>
+          <a:xfrm>
+            <a:off x="5703333" y="4982989"/>
+            <a:ext cx="452844" cy="471648"/>
+          </a:xfrm>
+          <a:prstGeom prst="mathMultiply">
+            <a:avLst/>
+          </a:prstGeom>
+        </p:spPr>
+        <p:style>
+          <a:lnRef idx="1">
+            <a:schemeClr val="accent1"/>
+          </a:lnRef>
+          <a:fillRef idx="3">
+            <a:schemeClr val="accent1"/>
+          </a:fillRef>
+          <a:effectRef idx="2">
+            <a:schemeClr val="accent1"/>
+          </a:effectRef>
+          <a:fontRef idx="minor">
+            <a:schemeClr val="lt1"/>
+          </a:fontRef>
+        </p:style>
+        <p:txBody>
+          <a:bodyPr rtlCol="0" anchor="ctr"/>
+          <a:lstStyle/>
+          <a:p>
+            <a:pPr algn="ctr"/>
+            <a:endParaRPr lang="fr-FR"/>
+          </a:p>
+        </p:txBody>
+      </p:sp>
     </p:spTree>
     <p:extLst>
       <p:ext uri="{BB962C8B-B14F-4D97-AF65-F5344CB8AC3E}">
@@ -8508,9 +10915,540 @@
   <p:timing>
     <p:tnLst>
       <p:par>
-        <p:cTn xmlns:p14="http://schemas.microsoft.com/office/powerpoint/2010/main" id="1" dur="indefinite" restart="never" nodeType="tmRoot"/>
+        <p:cTn xmlns:p14="http://schemas.microsoft.com/office/powerpoint/2010/main" id="1" dur="indefinite" restart="never" nodeType="tmRoot">
+          <p:childTnLst>
+            <p:seq concurrent="1" nextAc="seek">
+              <p:cTn id="2" dur="indefinite" nodeType="mainSeq">
+                <p:childTnLst>
+                  <p:par>
+                    <p:cTn id="3" fill="hold">
+                      <p:stCondLst>
+                        <p:cond delay="indefinite"/>
+                        <p:cond evt="onBegin" delay="0">
+                          <p:tn val="2"/>
+                        </p:cond>
+                      </p:stCondLst>
+                      <p:childTnLst>
+                        <p:par>
+                          <p:cTn id="4" fill="hold">
+                            <p:stCondLst>
+                              <p:cond delay="0"/>
+                            </p:stCondLst>
+                            <p:childTnLst>
+                              <p:par>
+                                <p:cTn id="5" presetID="1" presetClass="entr" presetSubtype="0" fill="hold" grpId="0" nodeType="withEffect">
+                                  <p:stCondLst>
+                                    <p:cond delay="0"/>
+                                  </p:stCondLst>
+                                  <p:childTnLst>
+                                    <p:set>
+                                      <p:cBhvr>
+                                        <p:cTn id="6" dur="1" fill="hold">
+                                          <p:stCondLst>
+                                            <p:cond delay="0"/>
+                                          </p:stCondLst>
+                                        </p:cTn>
+                                        <p:tgtEl>
+                                          <p:spTgt spid="3">
+                                            <p:txEl>
+                                              <p:pRg st="0" end="0"/>
+                                            </p:txEl>
+                                          </p:spTgt>
+                                        </p:tgtEl>
+                                        <p:attrNameLst>
+                                          <p:attrName>style.visibility</p:attrName>
+                                        </p:attrNameLst>
+                                      </p:cBhvr>
+                                      <p:to>
+                                        <p:strVal val="visible"/>
+                                      </p:to>
+                                    </p:set>
+                                  </p:childTnLst>
+                                </p:cTn>
+                              </p:par>
+                              <p:par>
+                                <p:cTn id="7" presetID="1" presetClass="entr" presetSubtype="0" fill="hold" grpId="0" nodeType="withEffect">
+                                  <p:stCondLst>
+                                    <p:cond delay="0"/>
+                                  </p:stCondLst>
+                                  <p:childTnLst>
+                                    <p:set>
+                                      <p:cBhvr>
+                                        <p:cTn id="8" dur="1" fill="hold">
+                                          <p:stCondLst>
+                                            <p:cond delay="0"/>
+                                          </p:stCondLst>
+                                        </p:cTn>
+                                        <p:tgtEl>
+                                          <p:spTgt spid="3">
+                                            <p:txEl>
+                                              <p:pRg st="1" end="1"/>
+                                            </p:txEl>
+                                          </p:spTgt>
+                                        </p:tgtEl>
+                                        <p:attrNameLst>
+                                          <p:attrName>style.visibility</p:attrName>
+                                        </p:attrNameLst>
+                                      </p:cBhvr>
+                                      <p:to>
+                                        <p:strVal val="visible"/>
+                                      </p:to>
+                                    </p:set>
+                                  </p:childTnLst>
+                                </p:cTn>
+                              </p:par>
+                              <p:par>
+                                <p:cTn id="9" presetID="1" presetClass="entr" presetSubtype="0" fill="hold" grpId="0" nodeType="withEffect">
+                                  <p:stCondLst>
+                                    <p:cond delay="0"/>
+                                  </p:stCondLst>
+                                  <p:childTnLst>
+                                    <p:set>
+                                      <p:cBhvr>
+                                        <p:cTn id="10" dur="1" fill="hold">
+                                          <p:stCondLst>
+                                            <p:cond delay="0"/>
+                                          </p:stCondLst>
+                                        </p:cTn>
+                                        <p:tgtEl>
+                                          <p:spTgt spid="3">
+                                            <p:txEl>
+                                              <p:pRg st="2" end="2"/>
+                                            </p:txEl>
+                                          </p:spTgt>
+                                        </p:tgtEl>
+                                        <p:attrNameLst>
+                                          <p:attrName>style.visibility</p:attrName>
+                                        </p:attrNameLst>
+                                      </p:cBhvr>
+                                      <p:to>
+                                        <p:strVal val="visible"/>
+                                      </p:to>
+                                    </p:set>
+                                  </p:childTnLst>
+                                </p:cTn>
+                              </p:par>
+                            </p:childTnLst>
+                          </p:cTn>
+                        </p:par>
+                      </p:childTnLst>
+                    </p:cTn>
+                  </p:par>
+                  <p:par>
+                    <p:cTn id="11" fill="hold">
+                      <p:stCondLst>
+                        <p:cond delay="indefinite"/>
+                      </p:stCondLst>
+                      <p:childTnLst>
+                        <p:par>
+                          <p:cTn id="12" fill="hold">
+                            <p:stCondLst>
+                              <p:cond delay="0"/>
+                            </p:stCondLst>
+                            <p:childTnLst>
+                              <p:par>
+                                <p:cTn id="13" presetID="1" presetClass="entr" presetSubtype="0" fill="hold" grpId="0" nodeType="clickEffect">
+                                  <p:stCondLst>
+                                    <p:cond delay="0"/>
+                                  </p:stCondLst>
+                                  <p:childTnLst>
+                                    <p:set>
+                                      <p:cBhvr>
+                                        <p:cTn id="14" dur="1" fill="hold">
+                                          <p:stCondLst>
+                                            <p:cond delay="0"/>
+                                          </p:stCondLst>
+                                        </p:cTn>
+                                        <p:tgtEl>
+                                          <p:spTgt spid="3">
+                                            <p:txEl>
+                                              <p:pRg st="4" end="4"/>
+                                            </p:txEl>
+                                          </p:spTgt>
+                                        </p:tgtEl>
+                                        <p:attrNameLst>
+                                          <p:attrName>style.visibility</p:attrName>
+                                        </p:attrNameLst>
+                                      </p:cBhvr>
+                                      <p:to>
+                                        <p:strVal val="visible"/>
+                                      </p:to>
+                                    </p:set>
+                                  </p:childTnLst>
+                                </p:cTn>
+                              </p:par>
+                              <p:par>
+                                <p:cTn id="15" presetID="1" presetClass="entr" presetSubtype="0" fill="hold" nodeType="withEffect">
+                                  <p:stCondLst>
+                                    <p:cond delay="0"/>
+                                  </p:stCondLst>
+                                  <p:childTnLst>
+                                    <p:set>
+                                      <p:cBhvr>
+                                        <p:cTn id="16" dur="1" fill="hold">
+                                          <p:stCondLst>
+                                            <p:cond delay="0"/>
+                                          </p:stCondLst>
+                                        </p:cTn>
+                                        <p:tgtEl>
+                                          <p:spTgt spid="73"/>
+                                        </p:tgtEl>
+                                        <p:attrNameLst>
+                                          <p:attrName>style.visibility</p:attrName>
+                                        </p:attrNameLst>
+                                      </p:cBhvr>
+                                      <p:to>
+                                        <p:strVal val="visible"/>
+                                      </p:to>
+                                    </p:set>
+                                  </p:childTnLst>
+                                </p:cTn>
+                              </p:par>
+                            </p:childTnLst>
+                          </p:cTn>
+                        </p:par>
+                      </p:childTnLst>
+                    </p:cTn>
+                  </p:par>
+                  <p:par>
+                    <p:cTn id="17" fill="hold">
+                      <p:stCondLst>
+                        <p:cond delay="indefinite"/>
+                      </p:stCondLst>
+                      <p:childTnLst>
+                        <p:par>
+                          <p:cTn id="18" fill="hold">
+                            <p:stCondLst>
+                              <p:cond delay="0"/>
+                            </p:stCondLst>
+                            <p:childTnLst>
+                              <p:par>
+                                <p:cTn id="19" presetID="1" presetClass="entr" presetSubtype="0" fill="hold" grpId="0" nodeType="clickEffect">
+                                  <p:stCondLst>
+                                    <p:cond delay="0"/>
+                                  </p:stCondLst>
+                                  <p:childTnLst>
+                                    <p:set>
+                                      <p:cBhvr>
+                                        <p:cTn id="20" dur="1" fill="hold">
+                                          <p:stCondLst>
+                                            <p:cond delay="0"/>
+                                          </p:stCondLst>
+                                        </p:cTn>
+                                        <p:tgtEl>
+                                          <p:spTgt spid="3">
+                                            <p:txEl>
+                                              <p:pRg st="5" end="5"/>
+                                            </p:txEl>
+                                          </p:spTgt>
+                                        </p:tgtEl>
+                                        <p:attrNameLst>
+                                          <p:attrName>style.visibility</p:attrName>
+                                        </p:attrNameLst>
+                                      </p:cBhvr>
+                                      <p:to>
+                                        <p:strVal val="visible"/>
+                                      </p:to>
+                                    </p:set>
+                                  </p:childTnLst>
+                                </p:cTn>
+                              </p:par>
+                              <p:par>
+                                <p:cTn id="21" presetID="1" presetClass="entr" presetSubtype="0" fill="hold" grpId="0" nodeType="withEffect">
+                                  <p:stCondLst>
+                                    <p:cond delay="0"/>
+                                  </p:stCondLst>
+                                  <p:childTnLst>
+                                    <p:set>
+                                      <p:cBhvr>
+                                        <p:cTn id="22" dur="1" fill="hold">
+                                          <p:stCondLst>
+                                            <p:cond delay="0"/>
+                                          </p:stCondLst>
+                                        </p:cTn>
+                                        <p:tgtEl>
+                                          <p:spTgt spid="55"/>
+                                        </p:tgtEl>
+                                        <p:attrNameLst>
+                                          <p:attrName>style.visibility</p:attrName>
+                                        </p:attrNameLst>
+                                      </p:cBhvr>
+                                      <p:to>
+                                        <p:strVal val="visible"/>
+                                      </p:to>
+                                    </p:set>
+                                  </p:childTnLst>
+                                </p:cTn>
+                              </p:par>
+                            </p:childTnLst>
+                          </p:cTn>
+                        </p:par>
+                      </p:childTnLst>
+                    </p:cTn>
+                  </p:par>
+                  <p:par>
+                    <p:cTn id="23" fill="hold">
+                      <p:stCondLst>
+                        <p:cond delay="indefinite"/>
+                      </p:stCondLst>
+                      <p:childTnLst>
+                        <p:par>
+                          <p:cTn id="24" fill="hold">
+                            <p:stCondLst>
+                              <p:cond delay="0"/>
+                            </p:stCondLst>
+                            <p:childTnLst>
+                              <p:par>
+                                <p:cTn id="25" presetID="1" presetClass="entr" presetSubtype="0" fill="hold" grpId="0" nodeType="clickEffect">
+                                  <p:stCondLst>
+                                    <p:cond delay="0"/>
+                                  </p:stCondLst>
+                                  <p:childTnLst>
+                                    <p:set>
+                                      <p:cBhvr>
+                                        <p:cTn id="26" dur="1" fill="hold">
+                                          <p:stCondLst>
+                                            <p:cond delay="0"/>
+                                          </p:stCondLst>
+                                        </p:cTn>
+                                        <p:tgtEl>
+                                          <p:spTgt spid="3">
+                                            <p:txEl>
+                                              <p:pRg st="6" end="6"/>
+                                            </p:txEl>
+                                          </p:spTgt>
+                                        </p:tgtEl>
+                                        <p:attrNameLst>
+                                          <p:attrName>style.visibility</p:attrName>
+                                        </p:attrNameLst>
+                                      </p:cBhvr>
+                                      <p:to>
+                                        <p:strVal val="visible"/>
+                                      </p:to>
+                                    </p:set>
+                                  </p:childTnLst>
+                                </p:cTn>
+                              </p:par>
+                              <p:par>
+                                <p:cTn id="27" presetID="1" presetClass="exit" presetSubtype="0" fill="hold" grpId="1" nodeType="withEffect">
+                                  <p:stCondLst>
+                                    <p:cond delay="0"/>
+                                  </p:stCondLst>
+                                  <p:childTnLst>
+                                    <p:set>
+                                      <p:cBhvr>
+                                        <p:cTn id="28" dur="1" fill="hold">
+                                          <p:stCondLst>
+                                            <p:cond delay="0"/>
+                                          </p:stCondLst>
+                                        </p:cTn>
+                                        <p:tgtEl>
+                                          <p:spTgt spid="55"/>
+                                        </p:tgtEl>
+                                        <p:attrNameLst>
+                                          <p:attrName>style.visibility</p:attrName>
+                                        </p:attrNameLst>
+                                      </p:cBhvr>
+                                      <p:to>
+                                        <p:strVal val="hidden"/>
+                                      </p:to>
+                                    </p:set>
+                                  </p:childTnLst>
+                                </p:cTn>
+                              </p:par>
+                              <p:par>
+                                <p:cTn id="29" presetID="1" presetClass="entr" presetSubtype="0" fill="hold" grpId="2" nodeType="withEffect">
+                                  <p:stCondLst>
+                                    <p:cond delay="0"/>
+                                  </p:stCondLst>
+                                  <p:childTnLst>
+                                    <p:set>
+                                      <p:cBhvr>
+                                        <p:cTn id="30" dur="1" fill="hold">
+                                          <p:stCondLst>
+                                            <p:cond delay="0"/>
+                                          </p:stCondLst>
+                                        </p:cTn>
+                                        <p:tgtEl>
+                                          <p:spTgt spid="59"/>
+                                        </p:tgtEl>
+                                        <p:attrNameLst>
+                                          <p:attrName>style.visibility</p:attrName>
+                                        </p:attrNameLst>
+                                      </p:cBhvr>
+                                      <p:to>
+                                        <p:strVal val="visible"/>
+                                      </p:to>
+                                    </p:set>
+                                  </p:childTnLst>
+                                </p:cTn>
+                              </p:par>
+                            </p:childTnLst>
+                          </p:cTn>
+                        </p:par>
+                      </p:childTnLst>
+                    </p:cTn>
+                  </p:par>
+                  <p:par>
+                    <p:cTn id="31" fill="hold">
+                      <p:stCondLst>
+                        <p:cond delay="indefinite"/>
+                      </p:stCondLst>
+                      <p:childTnLst>
+                        <p:par>
+                          <p:cTn id="32" fill="hold">
+                            <p:stCondLst>
+                              <p:cond delay="0"/>
+                            </p:stCondLst>
+                            <p:childTnLst>
+                              <p:par>
+                                <p:cTn id="33" presetID="1" presetClass="entr" presetSubtype="0" fill="hold" grpId="0" nodeType="clickEffect">
+                                  <p:stCondLst>
+                                    <p:cond delay="0"/>
+                                  </p:stCondLst>
+                                  <p:childTnLst>
+                                    <p:set>
+                                      <p:cBhvr>
+                                        <p:cTn id="34" dur="1" fill="hold">
+                                          <p:stCondLst>
+                                            <p:cond delay="0"/>
+                                          </p:stCondLst>
+                                        </p:cTn>
+                                        <p:tgtEl>
+                                          <p:spTgt spid="3">
+                                            <p:txEl>
+                                              <p:pRg st="7" end="7"/>
+                                            </p:txEl>
+                                          </p:spTgt>
+                                        </p:tgtEl>
+                                        <p:attrNameLst>
+                                          <p:attrName>style.visibility</p:attrName>
+                                        </p:attrNameLst>
+                                      </p:cBhvr>
+                                      <p:to>
+                                        <p:strVal val="visible"/>
+                                      </p:to>
+                                    </p:set>
+                                  </p:childTnLst>
+                                </p:cTn>
+                              </p:par>
+                              <p:par>
+                                <p:cTn id="35" presetID="1" presetClass="exit" presetSubtype="0" fill="hold" grpId="1" nodeType="withEffect">
+                                  <p:stCondLst>
+                                    <p:cond delay="0"/>
+                                  </p:stCondLst>
+                                  <p:childTnLst>
+                                    <p:set>
+                                      <p:cBhvr>
+                                        <p:cTn id="36" dur="1" fill="hold">
+                                          <p:stCondLst>
+                                            <p:cond delay="0"/>
+                                          </p:stCondLst>
+                                        </p:cTn>
+                                        <p:tgtEl>
+                                          <p:spTgt spid="59"/>
+                                        </p:tgtEl>
+                                        <p:attrNameLst>
+                                          <p:attrName>style.visibility</p:attrName>
+                                        </p:attrNameLst>
+                                      </p:cBhvr>
+                                      <p:to>
+                                        <p:strVal val="hidden"/>
+                                      </p:to>
+                                    </p:set>
+                                  </p:childTnLst>
+                                </p:cTn>
+                              </p:par>
+                              <p:par>
+                                <p:cTn id="37" presetID="1" presetClass="entr" presetSubtype="0" fill="hold" grpId="0" nodeType="withEffect">
+                                  <p:stCondLst>
+                                    <p:cond delay="0"/>
+                                  </p:stCondLst>
+                                  <p:childTnLst>
+                                    <p:set>
+                                      <p:cBhvr>
+                                        <p:cTn id="38" dur="1" fill="hold">
+                                          <p:stCondLst>
+                                            <p:cond delay="0"/>
+                                          </p:stCondLst>
+                                        </p:cTn>
+                                        <p:tgtEl>
+                                          <p:spTgt spid="60"/>
+                                        </p:tgtEl>
+                                        <p:attrNameLst>
+                                          <p:attrName>style.visibility</p:attrName>
+                                        </p:attrNameLst>
+                                      </p:cBhvr>
+                                      <p:to>
+                                        <p:strVal val="visible"/>
+                                      </p:to>
+                                    </p:set>
+                                  </p:childTnLst>
+                                </p:cTn>
+                              </p:par>
+                              <p:par>
+                                <p:cTn id="39" presetID="1" presetClass="entr" presetSubtype="0" fill="hold" grpId="0" nodeType="withEffect">
+                                  <p:stCondLst>
+                                    <p:cond delay="0"/>
+                                  </p:stCondLst>
+                                  <p:childTnLst>
+                                    <p:set>
+                                      <p:cBhvr>
+                                        <p:cTn id="40" dur="1" fill="hold">
+                                          <p:stCondLst>
+                                            <p:cond delay="0"/>
+                                          </p:stCondLst>
+                                        </p:cTn>
+                                        <p:tgtEl>
+                                          <p:spTgt spid="74"/>
+                                        </p:tgtEl>
+                                        <p:attrNameLst>
+                                          <p:attrName>style.visibility</p:attrName>
+                                        </p:attrNameLst>
+                                      </p:cBhvr>
+                                      <p:to>
+                                        <p:strVal val="visible"/>
+                                      </p:to>
+                                    </p:set>
+                                  </p:childTnLst>
+                                </p:cTn>
+                              </p:par>
+                            </p:childTnLst>
+                          </p:cTn>
+                        </p:par>
+                      </p:childTnLst>
+                    </p:cTn>
+                  </p:par>
+                </p:childTnLst>
+              </p:cTn>
+              <p:prevCondLst>
+                <p:cond evt="onPrev" delay="0">
+                  <p:tgtEl>
+                    <p:sldTgt/>
+                  </p:tgtEl>
+                </p:cond>
+              </p:prevCondLst>
+              <p:nextCondLst>
+                <p:cond evt="onNext" delay="0">
+                  <p:tgtEl>
+                    <p:sldTgt/>
+                  </p:tgtEl>
+                </p:cond>
+              </p:nextCondLst>
+            </p:seq>
+          </p:childTnLst>
+        </p:cTn>
       </p:par>
     </p:tnLst>
+    <p:bldLst>
+      <p:bldP spid="3" grpId="0" build="p"/>
+      <p:bldP spid="55" grpId="0" animBg="1"/>
+      <p:bldP spid="55" grpId="1" animBg="1"/>
+      <p:bldP spid="59" grpId="1" animBg="1"/>
+      <p:bldP spid="59" grpId="2" animBg="1"/>
+      <p:bldP spid="60" grpId="0" animBg="1"/>
+      <p:bldP spid="74" grpId="0" animBg="1"/>
+    </p:bldLst>
   </p:timing>
 </p:sld>
 </file>
@@ -15556,7 +18494,16 @@
           <a:p>
             <a:r>
               <a:rPr lang="fr-FR"/>
-              <a:t>Poids des arcs divisé par l’énergie restante</a:t>
+              <a:t>Poids des arcs divisé </a:t>
+            </a:r>
+          </a:p>
+          <a:p>
+            <a:pPr marL="0" indent="0">
+              <a:buNone/>
+            </a:pPr>
+            <a:r>
+              <a:rPr lang="fr-FR"/>
+              <a:t>par l’énergie restante</a:t>
             </a:r>
           </a:p>
           <a:p>
@@ -15582,6 +18529,505 @@
           </a:p>
         </p:txBody>
       </p:sp>
+      <p:sp>
+        <p:nvSpPr>
+          <p:cNvPr id="6" name="Ellipse 5"/>
+          <p:cNvSpPr/>
+          <p:nvPr/>
+        </p:nvSpPr>
+        <p:spPr>
+          <a:xfrm>
+            <a:off x="4988138" y="2402718"/>
+            <a:ext cx="299805" cy="285291"/>
+          </a:xfrm>
+          <a:prstGeom prst="ellipse">
+            <a:avLst/>
+          </a:prstGeom>
+        </p:spPr>
+        <p:style>
+          <a:lnRef idx="1">
+            <a:schemeClr val="dk1"/>
+          </a:lnRef>
+          <a:fillRef idx="3">
+            <a:schemeClr val="dk1"/>
+          </a:fillRef>
+          <a:effectRef idx="2">
+            <a:schemeClr val="dk1"/>
+          </a:effectRef>
+          <a:fontRef idx="minor">
+            <a:schemeClr val="lt1"/>
+          </a:fontRef>
+        </p:style>
+        <p:txBody>
+          <a:bodyPr lIns="72000" rtlCol="0" anchor="ctr">
+            <a:normAutofit fontScale="47500" lnSpcReduction="20000"/>
+          </a:bodyPr>
+          <a:lstStyle/>
+          <a:p>
+            <a:pPr algn="ctr"/>
+            <a:r>
+              <a:rPr lang="fr-FR"/>
+              <a:t>A</a:t>
+            </a:r>
+          </a:p>
+        </p:txBody>
+      </p:sp>
+      <p:sp>
+        <p:nvSpPr>
+          <p:cNvPr id="7" name="Ellipse 6"/>
+          <p:cNvSpPr/>
+          <p:nvPr/>
+        </p:nvSpPr>
+        <p:spPr>
+          <a:xfrm>
+            <a:off x="5429233" y="1996790"/>
+            <a:ext cx="299805" cy="285291"/>
+          </a:xfrm>
+          <a:prstGeom prst="ellipse">
+            <a:avLst/>
+          </a:prstGeom>
+        </p:spPr>
+        <p:style>
+          <a:lnRef idx="1">
+            <a:schemeClr val="dk1"/>
+          </a:lnRef>
+          <a:fillRef idx="3">
+            <a:schemeClr val="dk1"/>
+          </a:fillRef>
+          <a:effectRef idx="2">
+            <a:schemeClr val="dk1"/>
+          </a:effectRef>
+          <a:fontRef idx="minor">
+            <a:schemeClr val="lt1"/>
+          </a:fontRef>
+        </p:style>
+        <p:txBody>
+          <a:bodyPr lIns="72000" rtlCol="0" anchor="ctr">
+            <a:normAutofit fontScale="47500" lnSpcReduction="20000"/>
+          </a:bodyPr>
+          <a:lstStyle/>
+          <a:p>
+            <a:pPr algn="ctr"/>
+            <a:r>
+              <a:rPr lang="fr-FR"/>
+              <a:t>B</a:t>
+            </a:r>
+          </a:p>
+        </p:txBody>
+      </p:sp>
+      <p:sp>
+        <p:nvSpPr>
+          <p:cNvPr id="8" name="Ellipse 7"/>
+          <p:cNvSpPr/>
+          <p:nvPr/>
+        </p:nvSpPr>
+        <p:spPr>
+          <a:xfrm>
+            <a:off x="5645534" y="2866834"/>
+            <a:ext cx="299805" cy="285291"/>
+          </a:xfrm>
+          <a:prstGeom prst="ellipse">
+            <a:avLst/>
+          </a:prstGeom>
+        </p:spPr>
+        <p:style>
+          <a:lnRef idx="1">
+            <a:schemeClr val="dk1"/>
+          </a:lnRef>
+          <a:fillRef idx="3">
+            <a:schemeClr val="dk1"/>
+          </a:fillRef>
+          <a:effectRef idx="2">
+            <a:schemeClr val="dk1"/>
+          </a:effectRef>
+          <a:fontRef idx="minor">
+            <a:schemeClr val="lt1"/>
+          </a:fontRef>
+        </p:style>
+        <p:txBody>
+          <a:bodyPr lIns="72000" rtlCol="0" anchor="ctr">
+            <a:normAutofit fontScale="47500" lnSpcReduction="20000"/>
+          </a:bodyPr>
+          <a:lstStyle/>
+          <a:p>
+            <a:pPr algn="ctr"/>
+            <a:r>
+              <a:rPr lang="fr-FR"/>
+              <a:t>C</a:t>
+            </a:r>
+          </a:p>
+        </p:txBody>
+      </p:sp>
+      <p:sp>
+        <p:nvSpPr>
+          <p:cNvPr id="9" name="Ellipse 8"/>
+          <p:cNvSpPr/>
+          <p:nvPr/>
+        </p:nvSpPr>
+        <p:spPr>
+          <a:xfrm>
+            <a:off x="6581626" y="2805197"/>
+            <a:ext cx="299805" cy="285291"/>
+          </a:xfrm>
+          <a:prstGeom prst="ellipse">
+            <a:avLst/>
+          </a:prstGeom>
+        </p:spPr>
+        <p:style>
+          <a:lnRef idx="1">
+            <a:schemeClr val="dk1"/>
+          </a:lnRef>
+          <a:fillRef idx="3">
+            <a:schemeClr val="dk1"/>
+          </a:fillRef>
+          <a:effectRef idx="2">
+            <a:schemeClr val="dk1"/>
+          </a:effectRef>
+          <a:fontRef idx="minor">
+            <a:schemeClr val="lt1"/>
+          </a:fontRef>
+        </p:style>
+        <p:txBody>
+          <a:bodyPr lIns="72000" rtlCol="0" anchor="ctr">
+            <a:normAutofit fontScale="47500" lnSpcReduction="20000"/>
+          </a:bodyPr>
+          <a:lstStyle/>
+          <a:p>
+            <a:pPr algn="ctr"/>
+            <a:r>
+              <a:rPr lang="fr-FR"/>
+              <a:t>D</a:t>
+            </a:r>
+          </a:p>
+        </p:txBody>
+      </p:sp>
+      <p:sp>
+        <p:nvSpPr>
+          <p:cNvPr id="10" name="Ellipse 9"/>
+          <p:cNvSpPr/>
+          <p:nvPr/>
+        </p:nvSpPr>
+        <p:spPr>
+          <a:xfrm>
+            <a:off x="6500944" y="2216160"/>
+            <a:ext cx="299805" cy="285291"/>
+          </a:xfrm>
+          <a:prstGeom prst="ellipse">
+            <a:avLst/>
+          </a:prstGeom>
+        </p:spPr>
+        <p:style>
+          <a:lnRef idx="1">
+            <a:schemeClr val="dk1"/>
+          </a:lnRef>
+          <a:fillRef idx="3">
+            <a:schemeClr val="dk1"/>
+          </a:fillRef>
+          <a:effectRef idx="2">
+            <a:schemeClr val="dk1"/>
+          </a:effectRef>
+          <a:fontRef idx="minor">
+            <a:schemeClr val="lt1"/>
+          </a:fontRef>
+        </p:style>
+        <p:txBody>
+          <a:bodyPr lIns="72000" rtlCol="0" anchor="ctr">
+            <a:normAutofit fontScale="47500" lnSpcReduction="20000"/>
+          </a:bodyPr>
+          <a:lstStyle/>
+          <a:p>
+            <a:pPr algn="ctr"/>
+            <a:r>
+              <a:rPr lang="fr-FR"/>
+              <a:t>E</a:t>
+            </a:r>
+          </a:p>
+        </p:txBody>
+      </p:sp>
+      <p:sp>
+        <p:nvSpPr>
+          <p:cNvPr id="11" name="Ellipse 10"/>
+          <p:cNvSpPr/>
+          <p:nvPr/>
+        </p:nvSpPr>
+        <p:spPr>
+          <a:xfrm>
+            <a:off x="7180750" y="2343185"/>
+            <a:ext cx="299805" cy="285291"/>
+          </a:xfrm>
+          <a:prstGeom prst="ellipse">
+            <a:avLst/>
+          </a:prstGeom>
+        </p:spPr>
+        <p:style>
+          <a:lnRef idx="1">
+            <a:schemeClr val="dk1"/>
+          </a:lnRef>
+          <a:fillRef idx="3">
+            <a:schemeClr val="dk1"/>
+          </a:fillRef>
+          <a:effectRef idx="2">
+            <a:schemeClr val="dk1"/>
+          </a:effectRef>
+          <a:fontRef idx="minor">
+            <a:schemeClr val="lt1"/>
+          </a:fontRef>
+        </p:style>
+        <p:txBody>
+          <a:bodyPr lIns="72000" rtlCol="0" anchor="ctr">
+            <a:normAutofit fontScale="47500" lnSpcReduction="20000"/>
+          </a:bodyPr>
+          <a:lstStyle/>
+          <a:p>
+            <a:pPr algn="ctr"/>
+            <a:r>
+              <a:rPr lang="fr-FR"/>
+              <a:t>F</a:t>
+            </a:r>
+          </a:p>
+        </p:txBody>
+      </p:sp>
+      <p:sp>
+        <p:nvSpPr>
+          <p:cNvPr id="12" name="Ellipse 11"/>
+          <p:cNvSpPr/>
+          <p:nvPr/>
+        </p:nvSpPr>
+        <p:spPr>
+          <a:xfrm>
+            <a:off x="7665166" y="1743128"/>
+            <a:ext cx="299805" cy="285291"/>
+          </a:xfrm>
+          <a:prstGeom prst="ellipse">
+            <a:avLst/>
+          </a:prstGeom>
+        </p:spPr>
+        <p:style>
+          <a:lnRef idx="1">
+            <a:schemeClr val="dk1"/>
+          </a:lnRef>
+          <a:fillRef idx="3">
+            <a:schemeClr val="dk1"/>
+          </a:fillRef>
+          <a:effectRef idx="2">
+            <a:schemeClr val="dk1"/>
+          </a:effectRef>
+          <a:fontRef idx="minor">
+            <a:schemeClr val="lt1"/>
+          </a:fontRef>
+        </p:style>
+        <p:txBody>
+          <a:bodyPr lIns="72000" rtlCol="0" anchor="ctr">
+            <a:normAutofit fontScale="47500" lnSpcReduction="20000"/>
+          </a:bodyPr>
+          <a:lstStyle/>
+          <a:p>
+            <a:pPr algn="ctr"/>
+            <a:r>
+              <a:rPr lang="fr-FR"/>
+              <a:t>G</a:t>
+            </a:r>
+          </a:p>
+        </p:txBody>
+      </p:sp>
+      <p:cxnSp>
+        <p:nvCxnSpPr>
+          <p:cNvPr id="15" name="Connecteur droit 14"/>
+          <p:cNvCxnSpPr>
+            <a:stCxn id="8" idx="6"/>
+            <a:endCxn id="9" idx="2"/>
+          </p:cNvCxnSpPr>
+          <p:nvPr/>
+        </p:nvCxnSpPr>
+        <p:spPr>
+          <a:xfrm flipV="1">
+            <a:off x="5945339" y="2947843"/>
+            <a:ext cx="636287" cy="61637"/>
+          </a:xfrm>
+          <a:prstGeom prst="line">
+            <a:avLst/>
+          </a:prstGeom>
+        </p:spPr>
+        <p:style>
+          <a:lnRef idx="2">
+            <a:schemeClr val="accent1"/>
+          </a:lnRef>
+          <a:fillRef idx="0">
+            <a:schemeClr val="accent1"/>
+          </a:fillRef>
+          <a:effectRef idx="1">
+            <a:schemeClr val="accent1"/>
+          </a:effectRef>
+          <a:fontRef idx="minor">
+            <a:schemeClr val="tx1"/>
+          </a:fontRef>
+        </p:style>
+      </p:cxnSp>
+      <p:cxnSp>
+        <p:nvCxnSpPr>
+          <p:cNvPr id="16" name="Connecteur droit 15"/>
+          <p:cNvCxnSpPr>
+            <a:stCxn id="10" idx="4"/>
+            <a:endCxn id="9" idx="0"/>
+          </p:cNvCxnSpPr>
+          <p:nvPr/>
+        </p:nvCxnSpPr>
+        <p:spPr>
+          <a:xfrm>
+            <a:off x="6650847" y="2501451"/>
+            <a:ext cx="80682" cy="303746"/>
+          </a:xfrm>
+          <a:prstGeom prst="line">
+            <a:avLst/>
+          </a:prstGeom>
+        </p:spPr>
+        <p:style>
+          <a:lnRef idx="2">
+            <a:schemeClr val="accent1"/>
+          </a:lnRef>
+          <a:fillRef idx="0">
+            <a:schemeClr val="accent1"/>
+          </a:fillRef>
+          <a:effectRef idx="1">
+            <a:schemeClr val="accent1"/>
+          </a:effectRef>
+          <a:fontRef idx="minor">
+            <a:schemeClr val="tx1"/>
+          </a:fontRef>
+        </p:style>
+      </p:cxnSp>
+      <p:cxnSp>
+        <p:nvCxnSpPr>
+          <p:cNvPr id="18" name="Connecteur droit 17"/>
+          <p:cNvCxnSpPr>
+            <a:stCxn id="11" idx="3"/>
+            <a:endCxn id="9" idx="6"/>
+          </p:cNvCxnSpPr>
+          <p:nvPr/>
+        </p:nvCxnSpPr>
+        <p:spPr>
+          <a:xfrm flipH="1">
+            <a:off x="6881431" y="2586696"/>
+            <a:ext cx="343224" cy="361147"/>
+          </a:xfrm>
+          <a:prstGeom prst="line">
+            <a:avLst/>
+          </a:prstGeom>
+        </p:spPr>
+        <p:style>
+          <a:lnRef idx="2">
+            <a:schemeClr val="accent1"/>
+          </a:lnRef>
+          <a:fillRef idx="0">
+            <a:schemeClr val="accent1"/>
+          </a:fillRef>
+          <a:effectRef idx="1">
+            <a:schemeClr val="accent1"/>
+          </a:effectRef>
+          <a:fontRef idx="minor">
+            <a:schemeClr val="tx1"/>
+          </a:fontRef>
+        </p:style>
+      </p:cxnSp>
+      <p:cxnSp>
+        <p:nvCxnSpPr>
+          <p:cNvPr id="81" name="Connecteur droit 80"/>
+          <p:cNvCxnSpPr>
+            <a:stCxn id="6" idx="7"/>
+            <a:endCxn id="7" idx="3"/>
+          </p:cNvCxnSpPr>
+          <p:nvPr/>
+        </p:nvCxnSpPr>
+        <p:spPr>
+          <a:xfrm flipV="1">
+            <a:off x="5244038" y="2240301"/>
+            <a:ext cx="229100" cy="204197"/>
+          </a:xfrm>
+          <a:prstGeom prst="line">
+            <a:avLst/>
+          </a:prstGeom>
+        </p:spPr>
+        <p:style>
+          <a:lnRef idx="2">
+            <a:schemeClr val="accent1"/>
+          </a:lnRef>
+          <a:fillRef idx="0">
+            <a:schemeClr val="accent1"/>
+          </a:fillRef>
+          <a:effectRef idx="1">
+            <a:schemeClr val="accent1"/>
+          </a:effectRef>
+          <a:fontRef idx="minor">
+            <a:schemeClr val="tx1"/>
+          </a:fontRef>
+        </p:style>
+      </p:cxnSp>
+      <p:cxnSp>
+        <p:nvCxnSpPr>
+          <p:cNvPr id="84" name="Connecteur droit 83"/>
+          <p:cNvCxnSpPr>
+            <a:stCxn id="6" idx="5"/>
+            <a:endCxn id="8" idx="1"/>
+          </p:cNvCxnSpPr>
+          <p:nvPr/>
+        </p:nvCxnSpPr>
+        <p:spPr>
+          <a:xfrm>
+            <a:off x="5244038" y="2646229"/>
+            <a:ext cx="445401" cy="262385"/>
+          </a:xfrm>
+          <a:prstGeom prst="line">
+            <a:avLst/>
+          </a:prstGeom>
+        </p:spPr>
+        <p:style>
+          <a:lnRef idx="2">
+            <a:schemeClr val="accent1"/>
+          </a:lnRef>
+          <a:fillRef idx="0">
+            <a:schemeClr val="accent1"/>
+          </a:fillRef>
+          <a:effectRef idx="1">
+            <a:schemeClr val="accent1"/>
+          </a:effectRef>
+          <a:fontRef idx="minor">
+            <a:schemeClr val="tx1"/>
+          </a:fontRef>
+        </p:style>
+      </p:cxnSp>
+      <p:cxnSp>
+        <p:nvCxnSpPr>
+          <p:cNvPr id="108" name="Connecteur droit 107"/>
+          <p:cNvCxnSpPr>
+            <a:stCxn id="12" idx="3"/>
+            <a:endCxn id="11" idx="7"/>
+          </p:cNvCxnSpPr>
+          <p:nvPr/>
+        </p:nvCxnSpPr>
+        <p:spPr>
+          <a:xfrm flipH="1">
+            <a:off x="7436650" y="1986639"/>
+            <a:ext cx="272421" cy="398326"/>
+          </a:xfrm>
+          <a:prstGeom prst="line">
+            <a:avLst/>
+          </a:prstGeom>
+        </p:spPr>
+        <p:style>
+          <a:lnRef idx="2">
+            <a:schemeClr val="accent1"/>
+          </a:lnRef>
+          <a:fillRef idx="0">
+            <a:schemeClr val="accent1"/>
+          </a:fillRef>
+          <a:effectRef idx="1">
+            <a:schemeClr val="accent1"/>
+          </a:effectRef>
+          <a:fontRef idx="minor">
+            <a:schemeClr val="tx1"/>
+          </a:fontRef>
+        </p:style>
+      </p:cxnSp>
     </p:spTree>
     <p:extLst>
       <p:ext uri="{BB962C8B-B14F-4D97-AF65-F5344CB8AC3E}">

--- a/Redaction/pres.pptx
+++ b/Redaction/pres.pptx
@@ -18396,6 +18396,266 @@
       </p:grpSpPr>
       <p:sp>
         <p:nvSpPr>
+          <p:cNvPr id="319" name="Ellipse 318"/>
+          <p:cNvSpPr/>
+          <p:nvPr/>
+        </p:nvSpPr>
+        <p:spPr>
+          <a:xfrm>
+            <a:off x="4280374" y="4215727"/>
+            <a:ext cx="1854990" cy="1859027"/>
+          </a:xfrm>
+          <a:prstGeom prst="ellipse">
+            <a:avLst/>
+          </a:prstGeom>
+          <a:gradFill flip="none" rotWithShape="1">
+            <a:gsLst>
+              <a:gs pos="0">
+                <a:schemeClr val="accent5">
+                  <a:tint val="50000"/>
+                  <a:satMod val="300000"/>
+                  <a:alpha val="66000"/>
+                </a:schemeClr>
+              </a:gs>
+              <a:gs pos="35000">
+                <a:schemeClr val="accent5">
+                  <a:tint val="37000"/>
+                  <a:satMod val="300000"/>
+                  <a:alpha val="66000"/>
+                </a:schemeClr>
+              </a:gs>
+              <a:gs pos="100000">
+                <a:schemeClr val="accent5">
+                  <a:tint val="15000"/>
+                  <a:satMod val="350000"/>
+                  <a:alpha val="66000"/>
+                </a:schemeClr>
+              </a:gs>
+            </a:gsLst>
+            <a:lin ang="16200000" scaled="1"/>
+            <a:tileRect/>
+          </a:gradFill>
+        </p:spPr>
+        <p:style>
+          <a:lnRef idx="1">
+            <a:schemeClr val="accent5"/>
+          </a:lnRef>
+          <a:fillRef idx="2">
+            <a:schemeClr val="accent5"/>
+          </a:fillRef>
+          <a:effectRef idx="1">
+            <a:schemeClr val="accent5"/>
+          </a:effectRef>
+          <a:fontRef idx="minor">
+            <a:schemeClr val="dk1"/>
+          </a:fontRef>
+        </p:style>
+        <p:txBody>
+          <a:bodyPr rtlCol="0" anchor="ctr"/>
+          <a:lstStyle/>
+          <a:p>
+            <a:pPr algn="ctr"/>
+            <a:endParaRPr lang="fr-FR"/>
+          </a:p>
+        </p:txBody>
+      </p:sp>
+      <p:sp>
+        <p:nvSpPr>
+          <p:cNvPr id="320" name="Ellipse 319"/>
+          <p:cNvSpPr/>
+          <p:nvPr/>
+        </p:nvSpPr>
+        <p:spPr>
+          <a:xfrm>
+            <a:off x="4894089" y="3645024"/>
+            <a:ext cx="1848412" cy="1868947"/>
+          </a:xfrm>
+          <a:prstGeom prst="ellipse">
+            <a:avLst/>
+          </a:prstGeom>
+          <a:gradFill flip="none" rotWithShape="1">
+            <a:gsLst>
+              <a:gs pos="0">
+                <a:schemeClr val="accent5">
+                  <a:tint val="50000"/>
+                  <a:satMod val="300000"/>
+                  <a:alpha val="49000"/>
+                </a:schemeClr>
+              </a:gs>
+              <a:gs pos="35000">
+                <a:schemeClr val="accent5">
+                  <a:tint val="37000"/>
+                  <a:satMod val="300000"/>
+                  <a:alpha val="49000"/>
+                </a:schemeClr>
+              </a:gs>
+              <a:gs pos="100000">
+                <a:schemeClr val="accent5">
+                  <a:tint val="15000"/>
+                  <a:satMod val="350000"/>
+                  <a:alpha val="49000"/>
+                </a:schemeClr>
+              </a:gs>
+            </a:gsLst>
+            <a:lin ang="16200000" scaled="1"/>
+            <a:tileRect/>
+          </a:gradFill>
+        </p:spPr>
+        <p:style>
+          <a:lnRef idx="1">
+            <a:schemeClr val="accent5"/>
+          </a:lnRef>
+          <a:fillRef idx="2">
+            <a:schemeClr val="accent5"/>
+          </a:fillRef>
+          <a:effectRef idx="1">
+            <a:schemeClr val="accent5"/>
+          </a:effectRef>
+          <a:fontRef idx="minor">
+            <a:schemeClr val="dk1"/>
+          </a:fontRef>
+        </p:style>
+        <p:txBody>
+          <a:bodyPr rtlCol="0" anchor="ctr"/>
+          <a:lstStyle/>
+          <a:p>
+            <a:pPr algn="ctr"/>
+            <a:endParaRPr lang="fr-FR"/>
+          </a:p>
+        </p:txBody>
+      </p:sp>
+      <p:sp>
+        <p:nvSpPr>
+          <p:cNvPr id="321" name="Ellipse 320"/>
+          <p:cNvSpPr/>
+          <p:nvPr/>
+        </p:nvSpPr>
+        <p:spPr>
+          <a:xfrm>
+            <a:off x="5953442" y="4161515"/>
+            <a:ext cx="1451642" cy="1454522"/>
+          </a:xfrm>
+          <a:prstGeom prst="ellipse">
+            <a:avLst/>
+          </a:prstGeom>
+          <a:gradFill flip="none" rotWithShape="1">
+            <a:gsLst>
+              <a:gs pos="0">
+                <a:schemeClr val="accent5">
+                  <a:tint val="50000"/>
+                  <a:satMod val="300000"/>
+                  <a:alpha val="32000"/>
+                </a:schemeClr>
+              </a:gs>
+              <a:gs pos="35000">
+                <a:schemeClr val="accent5">
+                  <a:tint val="37000"/>
+                  <a:satMod val="300000"/>
+                  <a:alpha val="32000"/>
+                </a:schemeClr>
+              </a:gs>
+              <a:gs pos="100000">
+                <a:schemeClr val="accent5">
+                  <a:tint val="15000"/>
+                  <a:satMod val="350000"/>
+                  <a:alpha val="32000"/>
+                </a:schemeClr>
+              </a:gs>
+            </a:gsLst>
+            <a:lin ang="16200000" scaled="1"/>
+            <a:tileRect/>
+          </a:gradFill>
+        </p:spPr>
+        <p:style>
+          <a:lnRef idx="1">
+            <a:schemeClr val="accent5"/>
+          </a:lnRef>
+          <a:fillRef idx="2">
+            <a:schemeClr val="accent5"/>
+          </a:fillRef>
+          <a:effectRef idx="1">
+            <a:schemeClr val="accent5"/>
+          </a:effectRef>
+          <a:fontRef idx="minor">
+            <a:schemeClr val="dk1"/>
+          </a:fontRef>
+        </p:style>
+        <p:txBody>
+          <a:bodyPr rtlCol="0" anchor="ctr"/>
+          <a:lstStyle/>
+          <a:p>
+            <a:pPr algn="ctr"/>
+            <a:endParaRPr lang="fr-FR"/>
+          </a:p>
+        </p:txBody>
+      </p:sp>
+      <p:sp>
+        <p:nvSpPr>
+          <p:cNvPr id="322" name="Ellipse 321"/>
+          <p:cNvSpPr/>
+          <p:nvPr/>
+        </p:nvSpPr>
+        <p:spPr>
+          <a:xfrm>
+            <a:off x="6438842" y="3562890"/>
+            <a:ext cx="1733558" cy="1738318"/>
+          </a:xfrm>
+          <a:prstGeom prst="ellipse">
+            <a:avLst/>
+          </a:prstGeom>
+          <a:gradFill flip="none" rotWithShape="1">
+            <a:gsLst>
+              <a:gs pos="0">
+                <a:schemeClr val="accent5">
+                  <a:tint val="50000"/>
+                  <a:satMod val="300000"/>
+                  <a:alpha val="7000"/>
+                </a:schemeClr>
+              </a:gs>
+              <a:gs pos="35000">
+                <a:schemeClr val="accent5">
+                  <a:tint val="37000"/>
+                  <a:satMod val="300000"/>
+                  <a:alpha val="7000"/>
+                </a:schemeClr>
+              </a:gs>
+              <a:gs pos="100000">
+                <a:schemeClr val="accent5">
+                  <a:tint val="15000"/>
+                  <a:satMod val="350000"/>
+                  <a:alpha val="7000"/>
+                </a:schemeClr>
+              </a:gs>
+            </a:gsLst>
+            <a:lin ang="16200000" scaled="1"/>
+            <a:tileRect/>
+          </a:gradFill>
+        </p:spPr>
+        <p:style>
+          <a:lnRef idx="1">
+            <a:schemeClr val="accent5"/>
+          </a:lnRef>
+          <a:fillRef idx="2">
+            <a:schemeClr val="accent5"/>
+          </a:fillRef>
+          <a:effectRef idx="1">
+            <a:schemeClr val="accent5"/>
+          </a:effectRef>
+          <a:fontRef idx="minor">
+            <a:schemeClr val="dk1"/>
+          </a:fontRef>
+        </p:style>
+        <p:txBody>
+          <a:bodyPr rtlCol="0" anchor="ctr"/>
+          <a:lstStyle/>
+          <a:p>
+            <a:pPr algn="ctr"/>
+            <a:endParaRPr lang="fr-FR"/>
+          </a:p>
+        </p:txBody>
+      </p:sp>
+      <p:sp>
+        <p:nvSpPr>
           <p:cNvPr id="5" name="Espace réservé du texte 4"/>
           <p:cNvSpPr>
             <a:spLocks noGrp="1"/>
@@ -18526,6 +18786,266 @@
               <a:rPr lang="fr-FR"/>
               <a:t>couverts</a:t>
             </a:r>
+          </a:p>
+        </p:txBody>
+      </p:sp>
+      <p:sp>
+        <p:nvSpPr>
+          <p:cNvPr id="169" name="Ellipse 168"/>
+          <p:cNvSpPr/>
+          <p:nvPr/>
+        </p:nvSpPr>
+        <p:spPr>
+          <a:xfrm>
+            <a:off x="4229178" y="1641980"/>
+            <a:ext cx="1854990" cy="1859027"/>
+          </a:xfrm>
+          <a:prstGeom prst="ellipse">
+            <a:avLst/>
+          </a:prstGeom>
+          <a:gradFill flip="none" rotWithShape="1">
+            <a:gsLst>
+              <a:gs pos="0">
+                <a:schemeClr val="accent5">
+                  <a:tint val="50000"/>
+                  <a:satMod val="300000"/>
+                  <a:alpha val="66000"/>
+                </a:schemeClr>
+              </a:gs>
+              <a:gs pos="35000">
+                <a:schemeClr val="accent5">
+                  <a:tint val="37000"/>
+                  <a:satMod val="300000"/>
+                  <a:alpha val="66000"/>
+                </a:schemeClr>
+              </a:gs>
+              <a:gs pos="100000">
+                <a:schemeClr val="accent5">
+                  <a:tint val="15000"/>
+                  <a:satMod val="350000"/>
+                  <a:alpha val="66000"/>
+                </a:schemeClr>
+              </a:gs>
+            </a:gsLst>
+            <a:lin ang="16200000" scaled="1"/>
+            <a:tileRect/>
+          </a:gradFill>
+        </p:spPr>
+        <p:style>
+          <a:lnRef idx="1">
+            <a:schemeClr val="accent5"/>
+          </a:lnRef>
+          <a:fillRef idx="2">
+            <a:schemeClr val="accent5"/>
+          </a:fillRef>
+          <a:effectRef idx="1">
+            <a:schemeClr val="accent5"/>
+          </a:effectRef>
+          <a:fontRef idx="minor">
+            <a:schemeClr val="dk1"/>
+          </a:fontRef>
+        </p:style>
+        <p:txBody>
+          <a:bodyPr rtlCol="0" anchor="ctr"/>
+          <a:lstStyle/>
+          <a:p>
+            <a:pPr algn="ctr"/>
+            <a:endParaRPr lang="fr-FR"/>
+          </a:p>
+        </p:txBody>
+      </p:sp>
+      <p:sp>
+        <p:nvSpPr>
+          <p:cNvPr id="220" name="Ellipse 219"/>
+          <p:cNvSpPr/>
+          <p:nvPr/>
+        </p:nvSpPr>
+        <p:spPr>
+          <a:xfrm>
+            <a:off x="5148064" y="2216160"/>
+            <a:ext cx="1705259" cy="1716896"/>
+          </a:xfrm>
+          <a:prstGeom prst="ellipse">
+            <a:avLst/>
+          </a:prstGeom>
+          <a:gradFill flip="none" rotWithShape="1">
+            <a:gsLst>
+              <a:gs pos="0">
+                <a:schemeClr val="accent5">
+                  <a:tint val="50000"/>
+                  <a:satMod val="300000"/>
+                  <a:alpha val="49000"/>
+                </a:schemeClr>
+              </a:gs>
+              <a:gs pos="35000">
+                <a:schemeClr val="accent5">
+                  <a:tint val="37000"/>
+                  <a:satMod val="300000"/>
+                  <a:alpha val="49000"/>
+                </a:schemeClr>
+              </a:gs>
+              <a:gs pos="100000">
+                <a:schemeClr val="accent5">
+                  <a:tint val="15000"/>
+                  <a:satMod val="350000"/>
+                  <a:alpha val="49000"/>
+                </a:schemeClr>
+              </a:gs>
+            </a:gsLst>
+            <a:lin ang="16200000" scaled="1"/>
+            <a:tileRect/>
+          </a:gradFill>
+        </p:spPr>
+        <p:style>
+          <a:lnRef idx="1">
+            <a:schemeClr val="accent5"/>
+          </a:lnRef>
+          <a:fillRef idx="2">
+            <a:schemeClr val="accent5"/>
+          </a:fillRef>
+          <a:effectRef idx="1">
+            <a:schemeClr val="accent5"/>
+          </a:effectRef>
+          <a:fontRef idx="minor">
+            <a:schemeClr val="dk1"/>
+          </a:fontRef>
+        </p:style>
+        <p:txBody>
+          <a:bodyPr rtlCol="0" anchor="ctr"/>
+          <a:lstStyle/>
+          <a:p>
+            <a:pPr algn="ctr"/>
+            <a:endParaRPr lang="fr-FR"/>
+          </a:p>
+        </p:txBody>
+      </p:sp>
+      <p:sp>
+        <p:nvSpPr>
+          <p:cNvPr id="221" name="Ellipse 220"/>
+          <p:cNvSpPr/>
+          <p:nvPr/>
+        </p:nvSpPr>
+        <p:spPr>
+          <a:xfrm>
+            <a:off x="6156176" y="2242006"/>
+            <a:ext cx="1313059" cy="1311287"/>
+          </a:xfrm>
+          <a:prstGeom prst="ellipse">
+            <a:avLst/>
+          </a:prstGeom>
+          <a:gradFill flip="none" rotWithShape="1">
+            <a:gsLst>
+              <a:gs pos="0">
+                <a:schemeClr val="accent5">
+                  <a:tint val="50000"/>
+                  <a:satMod val="300000"/>
+                  <a:alpha val="32000"/>
+                </a:schemeClr>
+              </a:gs>
+              <a:gs pos="35000">
+                <a:schemeClr val="accent5">
+                  <a:tint val="37000"/>
+                  <a:satMod val="300000"/>
+                  <a:alpha val="32000"/>
+                </a:schemeClr>
+              </a:gs>
+              <a:gs pos="100000">
+                <a:schemeClr val="accent5">
+                  <a:tint val="15000"/>
+                  <a:satMod val="350000"/>
+                  <a:alpha val="32000"/>
+                </a:schemeClr>
+              </a:gs>
+            </a:gsLst>
+            <a:lin ang="16200000" scaled="1"/>
+            <a:tileRect/>
+          </a:gradFill>
+        </p:spPr>
+        <p:style>
+          <a:lnRef idx="1">
+            <a:schemeClr val="accent5"/>
+          </a:lnRef>
+          <a:fillRef idx="2">
+            <a:schemeClr val="accent5"/>
+          </a:fillRef>
+          <a:effectRef idx="1">
+            <a:schemeClr val="accent5"/>
+          </a:effectRef>
+          <a:fontRef idx="minor">
+            <a:schemeClr val="dk1"/>
+          </a:fontRef>
+        </p:style>
+        <p:txBody>
+          <a:bodyPr rtlCol="0" anchor="ctr"/>
+          <a:lstStyle/>
+          <a:p>
+            <a:pPr algn="ctr"/>
+            <a:endParaRPr lang="fr-FR"/>
+          </a:p>
+        </p:txBody>
+      </p:sp>
+      <p:sp>
+        <p:nvSpPr>
+          <p:cNvPr id="236" name="Ellipse 235"/>
+          <p:cNvSpPr/>
+          <p:nvPr/>
+        </p:nvSpPr>
+        <p:spPr>
+          <a:xfrm>
+            <a:off x="6484700" y="1581107"/>
+            <a:ext cx="1691904" cy="1679304"/>
+          </a:xfrm>
+          <a:prstGeom prst="ellipse">
+            <a:avLst/>
+          </a:prstGeom>
+          <a:gradFill flip="none" rotWithShape="1">
+            <a:gsLst>
+              <a:gs pos="0">
+                <a:schemeClr val="accent5">
+                  <a:tint val="50000"/>
+                  <a:satMod val="300000"/>
+                  <a:alpha val="7000"/>
+                </a:schemeClr>
+              </a:gs>
+              <a:gs pos="35000">
+                <a:schemeClr val="accent5">
+                  <a:tint val="37000"/>
+                  <a:satMod val="300000"/>
+                  <a:alpha val="7000"/>
+                </a:schemeClr>
+              </a:gs>
+              <a:gs pos="100000">
+                <a:schemeClr val="accent5">
+                  <a:tint val="15000"/>
+                  <a:satMod val="350000"/>
+                  <a:alpha val="7000"/>
+                </a:schemeClr>
+              </a:gs>
+            </a:gsLst>
+            <a:lin ang="16200000" scaled="1"/>
+            <a:tileRect/>
+          </a:gradFill>
+        </p:spPr>
+        <p:style>
+          <a:lnRef idx="1">
+            <a:schemeClr val="accent5"/>
+          </a:lnRef>
+          <a:fillRef idx="2">
+            <a:schemeClr val="accent5"/>
+          </a:fillRef>
+          <a:effectRef idx="1">
+            <a:schemeClr val="accent5"/>
+          </a:effectRef>
+          <a:fontRef idx="minor">
+            <a:schemeClr val="dk1"/>
+          </a:fontRef>
+        </p:style>
+        <p:txBody>
+          <a:bodyPr rtlCol="0" anchor="ctr"/>
+          <a:lstStyle/>
+          <a:p>
+            <a:pPr algn="ctr"/>
+            <a:endParaRPr lang="fr-FR"/>
           </a:p>
         </p:txBody>
       </p:sp>
@@ -18580,7 +19100,7 @@
         </p:nvSpPr>
         <p:spPr>
           <a:xfrm>
-            <a:off x="5429233" y="1996790"/>
+            <a:off x="5562395" y="1850474"/>
             <a:ext cx="299805" cy="285291"/>
           </a:xfrm>
           <a:prstGeom prst="ellipse">
@@ -18623,7 +19143,7 @@
         </p:nvSpPr>
         <p:spPr>
           <a:xfrm>
-            <a:off x="5645534" y="2866834"/>
+            <a:off x="5818295" y="2889702"/>
             <a:ext cx="299805" cy="285291"/>
           </a:xfrm>
           <a:prstGeom prst="ellipse">
@@ -18666,7 +19186,7 @@
         </p:nvSpPr>
         <p:spPr>
           <a:xfrm>
-            <a:off x="6581626" y="2805197"/>
+            <a:off x="6643749" y="2788836"/>
             <a:ext cx="299805" cy="285291"/>
           </a:xfrm>
           <a:prstGeom prst="ellipse">
@@ -18709,7 +19229,7 @@
         </p:nvSpPr>
         <p:spPr>
           <a:xfrm>
-            <a:off x="6500944" y="2216160"/>
+            <a:off x="6455236" y="2229928"/>
             <a:ext cx="299805" cy="285291"/>
           </a:xfrm>
           <a:prstGeom prst="ellipse">
@@ -18752,7 +19272,7 @@
         </p:nvSpPr>
         <p:spPr>
           <a:xfrm>
-            <a:off x="7180750" y="2343185"/>
+            <a:off x="7155992" y="2315325"/>
             <a:ext cx="299805" cy="285291"/>
           </a:xfrm>
           <a:prstGeom prst="ellipse">
@@ -18795,7 +19315,7 @@
         </p:nvSpPr>
         <p:spPr>
           <a:xfrm>
-            <a:off x="7665166" y="1743128"/>
+            <a:off x="7030847" y="1707916"/>
             <a:ext cx="299805" cy="285291"/>
           </a:xfrm>
           <a:prstGeom prst="ellipse">
@@ -18841,8 +19361,8 @@
         </p:nvCxnSpPr>
         <p:spPr>
           <a:xfrm flipV="1">
-            <a:off x="5945339" y="2947843"/>
-            <a:ext cx="636287" cy="61637"/>
+            <a:off x="6118100" y="2931482"/>
+            <a:ext cx="525649" cy="100866"/>
           </a:xfrm>
           <a:prstGeom prst="line">
             <a:avLst/>
@@ -18874,8 +19394,8 @@
         </p:nvCxnSpPr>
         <p:spPr>
           <a:xfrm>
-            <a:off x="6650847" y="2501451"/>
-            <a:ext cx="80682" cy="303746"/>
+            <a:off x="6605139" y="2515219"/>
+            <a:ext cx="188513" cy="273617"/>
           </a:xfrm>
           <a:prstGeom prst="line">
             <a:avLst/>
@@ -18901,14 +19421,14 @@
           <p:cNvPr id="18" name="Connecteur droit 17"/>
           <p:cNvCxnSpPr>
             <a:stCxn id="11" idx="3"/>
-            <a:endCxn id="9" idx="6"/>
+            <a:endCxn id="9" idx="7"/>
           </p:cNvCxnSpPr>
           <p:nvPr/>
         </p:nvCxnSpPr>
         <p:spPr>
           <a:xfrm flipH="1">
-            <a:off x="6881431" y="2586696"/>
-            <a:ext cx="343224" cy="361147"/>
+            <a:off x="6899649" y="2558836"/>
+            <a:ext cx="300248" cy="271780"/>
           </a:xfrm>
           <a:prstGeom prst="line">
             <a:avLst/>
@@ -18940,8 +19460,8 @@
         </p:nvCxnSpPr>
         <p:spPr>
           <a:xfrm flipV="1">
-            <a:off x="5244038" y="2240301"/>
-            <a:ext cx="229100" cy="204197"/>
+            <a:off x="5244038" y="2093985"/>
+            <a:ext cx="362262" cy="350513"/>
           </a:xfrm>
           <a:prstGeom prst="line">
             <a:avLst/>
@@ -18974,7 +19494,7 @@
         <p:spPr>
           <a:xfrm>
             <a:off x="5244038" y="2646229"/>
-            <a:ext cx="445401" cy="262385"/>
+            <a:ext cx="618162" cy="285253"/>
           </a:xfrm>
           <a:prstGeom prst="line">
             <a:avLst/>
@@ -18999,15 +19519,15 @@
         <p:nvCxnSpPr>
           <p:cNvPr id="108" name="Connecteur droit 107"/>
           <p:cNvCxnSpPr>
-            <a:stCxn id="12" idx="3"/>
-            <a:endCxn id="11" idx="7"/>
+            <a:stCxn id="12" idx="4"/>
+            <a:endCxn id="11" idx="0"/>
           </p:cNvCxnSpPr>
           <p:nvPr/>
         </p:nvCxnSpPr>
         <p:spPr>
-          <a:xfrm flipH="1">
-            <a:off x="7436650" y="1986639"/>
-            <a:ext cx="272421" cy="398326"/>
+          <a:xfrm>
+            <a:off x="7180750" y="1993207"/>
+            <a:ext cx="125145" cy="322118"/>
           </a:xfrm>
           <a:prstGeom prst="line">
             <a:avLst/>
@@ -19028,6 +19548,1961 @@
           </a:fontRef>
         </p:style>
       </p:cxnSp>
+      <p:sp>
+        <p:nvSpPr>
+          <p:cNvPr id="118" name="Ellipse 117"/>
+          <p:cNvSpPr/>
+          <p:nvPr/>
+        </p:nvSpPr>
+        <p:spPr>
+          <a:xfrm>
+            <a:off x="7641358" y="1543800"/>
+            <a:ext cx="299805" cy="285291"/>
+          </a:xfrm>
+          <a:prstGeom prst="ellipse">
+            <a:avLst/>
+          </a:prstGeom>
+        </p:spPr>
+        <p:style>
+          <a:lnRef idx="1">
+            <a:schemeClr val="dk1"/>
+          </a:lnRef>
+          <a:fillRef idx="3">
+            <a:schemeClr val="dk1"/>
+          </a:fillRef>
+          <a:effectRef idx="2">
+            <a:schemeClr val="dk1"/>
+          </a:effectRef>
+          <a:fontRef idx="minor">
+            <a:schemeClr val="lt1"/>
+          </a:fontRef>
+        </p:style>
+        <p:txBody>
+          <a:bodyPr lIns="72000" rtlCol="0" anchor="ctr">
+            <a:normAutofit fontScale="47500" lnSpcReduction="20000"/>
+          </a:bodyPr>
+          <a:lstStyle/>
+          <a:p>
+            <a:pPr algn="ctr"/>
+            <a:r>
+              <a:rPr lang="fr-FR"/>
+              <a:t>H</a:t>
+            </a:r>
+            <a:endParaRPr lang="fr-FR"/>
+          </a:p>
+        </p:txBody>
+      </p:sp>
+      <p:sp>
+        <p:nvSpPr>
+          <p:cNvPr id="119" name="Ellipse 118"/>
+          <p:cNvSpPr/>
+          <p:nvPr/>
+        </p:nvSpPr>
+        <p:spPr>
+          <a:xfrm>
+            <a:off x="7830941" y="2131786"/>
+            <a:ext cx="299805" cy="285291"/>
+          </a:xfrm>
+          <a:prstGeom prst="ellipse">
+            <a:avLst/>
+          </a:prstGeom>
+        </p:spPr>
+        <p:style>
+          <a:lnRef idx="1">
+            <a:schemeClr val="dk1"/>
+          </a:lnRef>
+          <a:fillRef idx="3">
+            <a:schemeClr val="dk1"/>
+          </a:fillRef>
+          <a:effectRef idx="2">
+            <a:schemeClr val="dk1"/>
+          </a:effectRef>
+          <a:fontRef idx="minor">
+            <a:schemeClr val="lt1"/>
+          </a:fontRef>
+        </p:style>
+        <p:txBody>
+          <a:bodyPr lIns="72000" rtlCol="0" anchor="ctr">
+            <a:normAutofit fontScale="47500" lnSpcReduction="20000"/>
+          </a:bodyPr>
+          <a:lstStyle/>
+          <a:p>
+            <a:pPr algn="ctr"/>
+            <a:r>
+              <a:rPr lang="fr-FR"/>
+              <a:t>I</a:t>
+            </a:r>
+          </a:p>
+        </p:txBody>
+      </p:sp>
+      <p:cxnSp>
+        <p:nvCxnSpPr>
+          <p:cNvPr id="120" name="Connecteur droit 119"/>
+          <p:cNvCxnSpPr>
+            <a:stCxn id="118" idx="3"/>
+            <a:endCxn id="11" idx="7"/>
+          </p:cNvCxnSpPr>
+          <p:nvPr/>
+        </p:nvCxnSpPr>
+        <p:spPr>
+          <a:xfrm flipH="1">
+            <a:off x="7411892" y="1787311"/>
+            <a:ext cx="273371" cy="569794"/>
+          </a:xfrm>
+          <a:prstGeom prst="line">
+            <a:avLst/>
+          </a:prstGeom>
+        </p:spPr>
+        <p:style>
+          <a:lnRef idx="2">
+            <a:schemeClr val="accent1"/>
+          </a:lnRef>
+          <a:fillRef idx="0">
+            <a:schemeClr val="accent1"/>
+          </a:fillRef>
+          <a:effectRef idx="1">
+            <a:schemeClr val="accent1"/>
+          </a:effectRef>
+          <a:fontRef idx="minor">
+            <a:schemeClr val="tx1"/>
+          </a:fontRef>
+        </p:style>
+      </p:cxnSp>
+      <p:cxnSp>
+        <p:nvCxnSpPr>
+          <p:cNvPr id="123" name="Connecteur droit 122"/>
+          <p:cNvCxnSpPr>
+            <a:stCxn id="119" idx="2"/>
+            <a:endCxn id="11" idx="6"/>
+          </p:cNvCxnSpPr>
+          <p:nvPr/>
+        </p:nvCxnSpPr>
+        <p:spPr>
+          <a:xfrm flipH="1">
+            <a:off x="7455797" y="2274432"/>
+            <a:ext cx="375144" cy="183539"/>
+          </a:xfrm>
+          <a:prstGeom prst="line">
+            <a:avLst/>
+          </a:prstGeom>
+        </p:spPr>
+        <p:style>
+          <a:lnRef idx="2">
+            <a:schemeClr val="accent1"/>
+          </a:lnRef>
+          <a:fillRef idx="0">
+            <a:schemeClr val="accent1"/>
+          </a:fillRef>
+          <a:effectRef idx="1">
+            <a:schemeClr val="accent1"/>
+          </a:effectRef>
+          <a:fontRef idx="minor">
+            <a:schemeClr val="tx1"/>
+          </a:fontRef>
+        </p:style>
+      </p:cxnSp>
+      <p:cxnSp>
+        <p:nvCxnSpPr>
+          <p:cNvPr id="126" name="Connecteur droit 125"/>
+          <p:cNvCxnSpPr>
+            <a:stCxn id="7" idx="6"/>
+            <a:endCxn id="10" idx="1"/>
+          </p:cNvCxnSpPr>
+          <p:nvPr/>
+        </p:nvCxnSpPr>
+        <p:spPr>
+          <a:xfrm>
+            <a:off x="5862200" y="1993120"/>
+            <a:ext cx="636941" cy="278588"/>
+          </a:xfrm>
+          <a:prstGeom prst="line">
+            <a:avLst/>
+          </a:prstGeom>
+        </p:spPr>
+        <p:style>
+          <a:lnRef idx="2">
+            <a:schemeClr val="accent1"/>
+          </a:lnRef>
+          <a:fillRef idx="0">
+            <a:schemeClr val="accent1"/>
+          </a:fillRef>
+          <a:effectRef idx="1">
+            <a:schemeClr val="accent1"/>
+          </a:effectRef>
+          <a:fontRef idx="minor">
+            <a:schemeClr val="tx1"/>
+          </a:fontRef>
+        </p:style>
+      </p:cxnSp>
+      <p:cxnSp>
+        <p:nvCxnSpPr>
+          <p:cNvPr id="129" name="Connecteur droit 128"/>
+          <p:cNvCxnSpPr>
+            <a:stCxn id="10" idx="6"/>
+            <a:endCxn id="11" idx="2"/>
+          </p:cNvCxnSpPr>
+          <p:nvPr/>
+        </p:nvCxnSpPr>
+        <p:spPr>
+          <a:xfrm>
+            <a:off x="6755041" y="2372574"/>
+            <a:ext cx="400951" cy="85397"/>
+          </a:xfrm>
+          <a:prstGeom prst="line">
+            <a:avLst/>
+          </a:prstGeom>
+        </p:spPr>
+        <p:style>
+          <a:lnRef idx="2">
+            <a:schemeClr val="accent1"/>
+          </a:lnRef>
+          <a:fillRef idx="0">
+            <a:schemeClr val="accent1"/>
+          </a:fillRef>
+          <a:effectRef idx="1">
+            <a:schemeClr val="accent1"/>
+          </a:effectRef>
+          <a:fontRef idx="minor">
+            <a:schemeClr val="tx1"/>
+          </a:fontRef>
+        </p:style>
+      </p:cxnSp>
+      <p:cxnSp>
+        <p:nvCxnSpPr>
+          <p:cNvPr id="132" name="Connecteur droit 131"/>
+          <p:cNvCxnSpPr>
+            <a:stCxn id="10" idx="0"/>
+            <a:endCxn id="12" idx="3"/>
+          </p:cNvCxnSpPr>
+          <p:nvPr/>
+        </p:nvCxnSpPr>
+        <p:spPr>
+          <a:xfrm flipV="1">
+            <a:off x="6605139" y="1951427"/>
+            <a:ext cx="469613" cy="278501"/>
+          </a:xfrm>
+          <a:prstGeom prst="line">
+            <a:avLst/>
+          </a:prstGeom>
+        </p:spPr>
+        <p:style>
+          <a:lnRef idx="2">
+            <a:schemeClr val="accent1"/>
+          </a:lnRef>
+          <a:fillRef idx="0">
+            <a:schemeClr val="accent1"/>
+          </a:fillRef>
+          <a:effectRef idx="1">
+            <a:schemeClr val="accent1"/>
+          </a:effectRef>
+          <a:fontRef idx="minor">
+            <a:schemeClr val="tx1"/>
+          </a:fontRef>
+        </p:style>
+      </p:cxnSp>
+      <p:cxnSp>
+        <p:nvCxnSpPr>
+          <p:cNvPr id="136" name="Connecteur droit 135"/>
+          <p:cNvCxnSpPr>
+            <a:stCxn id="119" idx="1"/>
+            <a:endCxn id="12" idx="6"/>
+          </p:cNvCxnSpPr>
+          <p:nvPr/>
+        </p:nvCxnSpPr>
+        <p:spPr>
+          <a:xfrm flipH="1" flipV="1">
+            <a:off x="7330652" y="1850562"/>
+            <a:ext cx="544194" cy="323004"/>
+          </a:xfrm>
+          <a:prstGeom prst="line">
+            <a:avLst/>
+          </a:prstGeom>
+        </p:spPr>
+        <p:style>
+          <a:lnRef idx="2">
+            <a:schemeClr val="accent1"/>
+          </a:lnRef>
+          <a:fillRef idx="0">
+            <a:schemeClr val="accent1"/>
+          </a:fillRef>
+          <a:effectRef idx="1">
+            <a:schemeClr val="accent1"/>
+          </a:effectRef>
+          <a:fontRef idx="minor">
+            <a:schemeClr val="tx1"/>
+          </a:fontRef>
+        </p:style>
+      </p:cxnSp>
+      <p:cxnSp>
+        <p:nvCxnSpPr>
+          <p:cNvPr id="139" name="Connecteur droit 138"/>
+          <p:cNvCxnSpPr>
+            <a:stCxn id="118" idx="2"/>
+            <a:endCxn id="12" idx="7"/>
+          </p:cNvCxnSpPr>
+          <p:nvPr/>
+        </p:nvCxnSpPr>
+        <p:spPr>
+          <a:xfrm flipH="1">
+            <a:off x="7286747" y="1686446"/>
+            <a:ext cx="354611" cy="63250"/>
+          </a:xfrm>
+          <a:prstGeom prst="line">
+            <a:avLst/>
+          </a:prstGeom>
+        </p:spPr>
+        <p:style>
+          <a:lnRef idx="2">
+            <a:schemeClr val="accent1"/>
+          </a:lnRef>
+          <a:fillRef idx="0">
+            <a:schemeClr val="accent1"/>
+          </a:fillRef>
+          <a:effectRef idx="1">
+            <a:schemeClr val="accent1"/>
+          </a:effectRef>
+          <a:fontRef idx="minor">
+            <a:schemeClr val="tx1"/>
+          </a:fontRef>
+        </p:style>
+      </p:cxnSp>
+      <p:cxnSp>
+        <p:nvCxnSpPr>
+          <p:cNvPr id="143" name="Connecteur droit 142"/>
+          <p:cNvCxnSpPr>
+            <a:stCxn id="119" idx="0"/>
+            <a:endCxn id="118" idx="5"/>
+          </p:cNvCxnSpPr>
+          <p:nvPr/>
+        </p:nvCxnSpPr>
+        <p:spPr>
+          <a:xfrm flipH="1" flipV="1">
+            <a:off x="7897258" y="1787311"/>
+            <a:ext cx="83586" cy="344475"/>
+          </a:xfrm>
+          <a:prstGeom prst="line">
+            <a:avLst/>
+          </a:prstGeom>
+        </p:spPr>
+        <p:style>
+          <a:lnRef idx="2">
+            <a:schemeClr val="accent1"/>
+          </a:lnRef>
+          <a:fillRef idx="0">
+            <a:schemeClr val="accent1"/>
+          </a:fillRef>
+          <a:effectRef idx="1">
+            <a:schemeClr val="accent1"/>
+          </a:effectRef>
+          <a:fontRef idx="minor">
+            <a:schemeClr val="tx1"/>
+          </a:fontRef>
+        </p:style>
+      </p:cxnSp>
+      <p:sp>
+        <p:nvSpPr>
+          <p:cNvPr id="265" name="ZoneTexte 264"/>
+          <p:cNvSpPr txBox="1"/>
+          <p:nvPr/>
+        </p:nvSpPr>
+        <p:spPr>
+          <a:xfrm>
+            <a:off x="4468250" y="2420336"/>
+            <a:ext cx="519888" cy="276999"/>
+          </a:xfrm>
+          <a:prstGeom prst="rect">
+            <a:avLst/>
+          </a:prstGeom>
+          <a:noFill/>
+        </p:spPr>
+        <p:txBody>
+          <a:bodyPr wrap="square" rtlCol="0">
+            <a:spAutoFit/>
+          </a:bodyPr>
+          <a:lstStyle/>
+          <a:p>
+            <a:r>
+              <a:rPr lang="fr-FR" sz="1200"/>
+              <a:t>100%</a:t>
+            </a:r>
+          </a:p>
+        </p:txBody>
+      </p:sp>
+      <p:sp>
+        <p:nvSpPr>
+          <p:cNvPr id="266" name="ZoneTexte 265"/>
+          <p:cNvSpPr txBox="1"/>
+          <p:nvPr/>
+        </p:nvSpPr>
+        <p:spPr>
+          <a:xfrm>
+            <a:off x="5436096" y="1556792"/>
+            <a:ext cx="519888" cy="276999"/>
+          </a:xfrm>
+          <a:prstGeom prst="rect">
+            <a:avLst/>
+          </a:prstGeom>
+          <a:noFill/>
+        </p:spPr>
+        <p:txBody>
+          <a:bodyPr wrap="square" rtlCol="0">
+            <a:spAutoFit/>
+          </a:bodyPr>
+          <a:lstStyle/>
+          <a:p>
+            <a:r>
+              <a:rPr lang="fr-FR" sz="1200"/>
+              <a:t>100%</a:t>
+            </a:r>
+          </a:p>
+        </p:txBody>
+      </p:sp>
+      <p:sp>
+        <p:nvSpPr>
+          <p:cNvPr id="267" name="ZoneTexte 266"/>
+          <p:cNvSpPr txBox="1"/>
+          <p:nvPr/>
+        </p:nvSpPr>
+        <p:spPr>
+          <a:xfrm>
+            <a:off x="5724128" y="3140968"/>
+            <a:ext cx="519888" cy="276999"/>
+          </a:xfrm>
+          <a:prstGeom prst="rect">
+            <a:avLst/>
+          </a:prstGeom>
+          <a:noFill/>
+        </p:spPr>
+        <p:txBody>
+          <a:bodyPr wrap="square" rtlCol="0">
+            <a:spAutoFit/>
+          </a:bodyPr>
+          <a:lstStyle/>
+          <a:p>
+            <a:r>
+              <a:rPr lang="fr-FR" sz="1200"/>
+              <a:t>100%</a:t>
+            </a:r>
+          </a:p>
+        </p:txBody>
+      </p:sp>
+      <p:sp>
+        <p:nvSpPr>
+          <p:cNvPr id="268" name="ZoneTexte 267"/>
+          <p:cNvSpPr txBox="1"/>
+          <p:nvPr/>
+        </p:nvSpPr>
+        <p:spPr>
+          <a:xfrm>
+            <a:off x="6293256" y="1941333"/>
+            <a:ext cx="519888" cy="276999"/>
+          </a:xfrm>
+          <a:prstGeom prst="rect">
+            <a:avLst/>
+          </a:prstGeom>
+          <a:noFill/>
+        </p:spPr>
+        <p:txBody>
+          <a:bodyPr wrap="square" rtlCol="0">
+            <a:spAutoFit/>
+          </a:bodyPr>
+          <a:lstStyle/>
+          <a:p>
+            <a:r>
+              <a:rPr lang="fr-FR" sz="1200"/>
+              <a:t>100%</a:t>
+            </a:r>
+          </a:p>
+        </p:txBody>
+      </p:sp>
+      <p:sp>
+        <p:nvSpPr>
+          <p:cNvPr id="269" name="ZoneTexte 268"/>
+          <p:cNvSpPr txBox="1"/>
+          <p:nvPr/>
+        </p:nvSpPr>
+        <p:spPr>
+          <a:xfrm>
+            <a:off x="6563249" y="3031127"/>
+            <a:ext cx="519888" cy="276999"/>
+          </a:xfrm>
+          <a:prstGeom prst="rect">
+            <a:avLst/>
+          </a:prstGeom>
+          <a:noFill/>
+        </p:spPr>
+        <p:txBody>
+          <a:bodyPr wrap="square" rtlCol="0">
+            <a:spAutoFit/>
+          </a:bodyPr>
+          <a:lstStyle/>
+          <a:p>
+            <a:r>
+              <a:rPr lang="fr-FR" sz="1200"/>
+              <a:t>100%</a:t>
+            </a:r>
+          </a:p>
+        </p:txBody>
+      </p:sp>
+      <p:sp>
+        <p:nvSpPr>
+          <p:cNvPr id="270" name="ZoneTexte 269"/>
+          <p:cNvSpPr txBox="1"/>
+          <p:nvPr/>
+        </p:nvSpPr>
+        <p:spPr>
+          <a:xfrm>
+            <a:off x="7074752" y="2571790"/>
+            <a:ext cx="519888" cy="276999"/>
+          </a:xfrm>
+          <a:prstGeom prst="rect">
+            <a:avLst/>
+          </a:prstGeom>
+          <a:noFill/>
+        </p:spPr>
+        <p:txBody>
+          <a:bodyPr wrap="square" rtlCol="0">
+            <a:spAutoFit/>
+          </a:bodyPr>
+          <a:lstStyle/>
+          <a:p>
+            <a:r>
+              <a:rPr lang="fr-FR" sz="1200"/>
+              <a:t>100%</a:t>
+            </a:r>
+          </a:p>
+        </p:txBody>
+      </p:sp>
+      <p:sp>
+        <p:nvSpPr>
+          <p:cNvPr id="271" name="ZoneTexte 270"/>
+          <p:cNvSpPr txBox="1"/>
+          <p:nvPr/>
+        </p:nvSpPr>
+        <p:spPr>
+          <a:xfrm>
+            <a:off x="6949787" y="1431004"/>
+            <a:ext cx="519888" cy="276999"/>
+          </a:xfrm>
+          <a:prstGeom prst="rect">
+            <a:avLst/>
+          </a:prstGeom>
+          <a:noFill/>
+        </p:spPr>
+        <p:txBody>
+          <a:bodyPr wrap="square" rtlCol="0">
+            <a:spAutoFit/>
+          </a:bodyPr>
+          <a:lstStyle/>
+          <a:p>
+            <a:r>
+              <a:rPr lang="fr-FR" sz="1200"/>
+              <a:t>100%</a:t>
+            </a:r>
+          </a:p>
+        </p:txBody>
+      </p:sp>
+      <p:sp>
+        <p:nvSpPr>
+          <p:cNvPr id="272" name="ZoneTexte 271"/>
+          <p:cNvSpPr txBox="1"/>
+          <p:nvPr/>
+        </p:nvSpPr>
+        <p:spPr>
+          <a:xfrm>
+            <a:off x="7570997" y="1299528"/>
+            <a:ext cx="519888" cy="276999"/>
+          </a:xfrm>
+          <a:prstGeom prst="rect">
+            <a:avLst/>
+          </a:prstGeom>
+          <a:noFill/>
+        </p:spPr>
+        <p:txBody>
+          <a:bodyPr wrap="square" rtlCol="0">
+            <a:spAutoFit/>
+          </a:bodyPr>
+          <a:lstStyle/>
+          <a:p>
+            <a:r>
+              <a:rPr lang="fr-FR" sz="1200"/>
+              <a:t>100%</a:t>
+            </a:r>
+          </a:p>
+        </p:txBody>
+      </p:sp>
+      <p:sp>
+        <p:nvSpPr>
+          <p:cNvPr id="273" name="ZoneTexte 272"/>
+          <p:cNvSpPr txBox="1"/>
+          <p:nvPr/>
+        </p:nvSpPr>
+        <p:spPr>
+          <a:xfrm>
+            <a:off x="8090885" y="2113764"/>
+            <a:ext cx="519888" cy="276999"/>
+          </a:xfrm>
+          <a:prstGeom prst="rect">
+            <a:avLst/>
+          </a:prstGeom>
+          <a:noFill/>
+        </p:spPr>
+        <p:txBody>
+          <a:bodyPr wrap="square" rtlCol="0">
+            <a:spAutoFit/>
+          </a:bodyPr>
+          <a:lstStyle/>
+          <a:p>
+            <a:r>
+              <a:rPr lang="fr-FR" sz="1200"/>
+              <a:t>100%</a:t>
+            </a:r>
+          </a:p>
+        </p:txBody>
+      </p:sp>
+      <p:sp>
+        <p:nvSpPr>
+          <p:cNvPr id="275" name="ZoneTexte 274"/>
+          <p:cNvSpPr txBox="1"/>
+          <p:nvPr/>
+        </p:nvSpPr>
+        <p:spPr>
+          <a:xfrm>
+            <a:off x="4468250" y="2413543"/>
+            <a:ext cx="519888" cy="276999"/>
+          </a:xfrm>
+          <a:prstGeom prst="rect">
+            <a:avLst/>
+          </a:prstGeom>
+          <a:noFill/>
+        </p:spPr>
+        <p:txBody>
+          <a:bodyPr wrap="square" rtlCol="0">
+            <a:spAutoFit/>
+          </a:bodyPr>
+          <a:lstStyle/>
+          <a:p>
+            <a:r>
+              <a:rPr lang="fr-FR" sz="1200"/>
+              <a:t>90%</a:t>
+            </a:r>
+          </a:p>
+        </p:txBody>
+      </p:sp>
+      <p:sp>
+        <p:nvSpPr>
+          <p:cNvPr id="276" name="ZoneTexte 275"/>
+          <p:cNvSpPr txBox="1"/>
+          <p:nvPr/>
+        </p:nvSpPr>
+        <p:spPr>
+          <a:xfrm>
+            <a:off x="5773368" y="3140968"/>
+            <a:ext cx="519888" cy="276999"/>
+          </a:xfrm>
+          <a:prstGeom prst="rect">
+            <a:avLst/>
+          </a:prstGeom>
+          <a:noFill/>
+        </p:spPr>
+        <p:txBody>
+          <a:bodyPr wrap="square" rtlCol="0">
+            <a:spAutoFit/>
+          </a:bodyPr>
+          <a:lstStyle/>
+          <a:p>
+            <a:r>
+              <a:rPr lang="fr-FR" sz="1200"/>
+              <a:t>93%</a:t>
+            </a:r>
+          </a:p>
+        </p:txBody>
+      </p:sp>
+      <p:sp>
+        <p:nvSpPr>
+          <p:cNvPr id="277" name="ZoneTexte 276"/>
+          <p:cNvSpPr txBox="1"/>
+          <p:nvPr/>
+        </p:nvSpPr>
+        <p:spPr>
+          <a:xfrm>
+            <a:off x="6619713" y="3031127"/>
+            <a:ext cx="519888" cy="276999"/>
+          </a:xfrm>
+          <a:prstGeom prst="rect">
+            <a:avLst/>
+          </a:prstGeom>
+          <a:noFill/>
+        </p:spPr>
+        <p:txBody>
+          <a:bodyPr wrap="square" rtlCol="0">
+            <a:spAutoFit/>
+          </a:bodyPr>
+          <a:lstStyle/>
+          <a:p>
+            <a:r>
+              <a:rPr lang="fr-FR" sz="1200"/>
+              <a:t>96%</a:t>
+            </a:r>
+          </a:p>
+        </p:txBody>
+      </p:sp>
+      <p:sp>
+        <p:nvSpPr>
+          <p:cNvPr id="278" name="ZoneTexte 277"/>
+          <p:cNvSpPr txBox="1"/>
+          <p:nvPr/>
+        </p:nvSpPr>
+        <p:spPr>
+          <a:xfrm>
+            <a:off x="7151948" y="2571790"/>
+            <a:ext cx="519888" cy="276999"/>
+          </a:xfrm>
+          <a:prstGeom prst="rect">
+            <a:avLst/>
+          </a:prstGeom>
+          <a:noFill/>
+        </p:spPr>
+        <p:txBody>
+          <a:bodyPr wrap="square" rtlCol="0">
+            <a:spAutoFit/>
+          </a:bodyPr>
+          <a:lstStyle/>
+          <a:p>
+            <a:r>
+              <a:rPr lang="fr-FR" sz="1200"/>
+              <a:t>91%</a:t>
+            </a:r>
+          </a:p>
+        </p:txBody>
+      </p:sp>
+      <p:sp>
+        <p:nvSpPr>
+          <p:cNvPr id="283" name="Ellipse 282"/>
+          <p:cNvSpPr/>
+          <p:nvPr/>
+        </p:nvSpPr>
+        <p:spPr>
+          <a:xfrm>
+            <a:off x="5054819" y="4976169"/>
+            <a:ext cx="299805" cy="285291"/>
+          </a:xfrm>
+          <a:prstGeom prst="ellipse">
+            <a:avLst/>
+          </a:prstGeom>
+        </p:spPr>
+        <p:style>
+          <a:lnRef idx="1">
+            <a:schemeClr val="dk1"/>
+          </a:lnRef>
+          <a:fillRef idx="3">
+            <a:schemeClr val="dk1"/>
+          </a:fillRef>
+          <a:effectRef idx="2">
+            <a:schemeClr val="dk1"/>
+          </a:effectRef>
+          <a:fontRef idx="minor">
+            <a:schemeClr val="lt1"/>
+          </a:fontRef>
+        </p:style>
+        <p:txBody>
+          <a:bodyPr lIns="72000" rtlCol="0" anchor="ctr">
+            <a:normAutofit fontScale="47500" lnSpcReduction="20000"/>
+          </a:bodyPr>
+          <a:lstStyle/>
+          <a:p>
+            <a:pPr algn="ctr"/>
+            <a:r>
+              <a:rPr lang="fr-FR"/>
+              <a:t>A</a:t>
+            </a:r>
+          </a:p>
+        </p:txBody>
+      </p:sp>
+      <p:sp>
+        <p:nvSpPr>
+          <p:cNvPr id="284" name="Ellipse 283"/>
+          <p:cNvSpPr/>
+          <p:nvPr/>
+        </p:nvSpPr>
+        <p:spPr>
+          <a:xfrm>
+            <a:off x="5629076" y="4423925"/>
+            <a:ext cx="299805" cy="285291"/>
+          </a:xfrm>
+          <a:prstGeom prst="ellipse">
+            <a:avLst/>
+          </a:prstGeom>
+        </p:spPr>
+        <p:style>
+          <a:lnRef idx="1">
+            <a:schemeClr val="dk1"/>
+          </a:lnRef>
+          <a:fillRef idx="3">
+            <a:schemeClr val="dk1"/>
+          </a:fillRef>
+          <a:effectRef idx="2">
+            <a:schemeClr val="dk1"/>
+          </a:effectRef>
+          <a:fontRef idx="minor">
+            <a:schemeClr val="lt1"/>
+          </a:fontRef>
+        </p:style>
+        <p:txBody>
+          <a:bodyPr lIns="72000" rtlCol="0" anchor="ctr">
+            <a:normAutofit fontScale="47500" lnSpcReduction="20000"/>
+          </a:bodyPr>
+          <a:lstStyle/>
+          <a:p>
+            <a:pPr algn="ctr"/>
+            <a:r>
+              <a:rPr lang="fr-FR"/>
+              <a:t>B</a:t>
+            </a:r>
+          </a:p>
+        </p:txBody>
+      </p:sp>
+      <p:sp>
+        <p:nvSpPr>
+          <p:cNvPr id="285" name="Ellipse 284"/>
+          <p:cNvSpPr/>
+          <p:nvPr/>
+        </p:nvSpPr>
+        <p:spPr>
+          <a:xfrm>
+            <a:off x="5884976" y="5463153"/>
+            <a:ext cx="299805" cy="285291"/>
+          </a:xfrm>
+          <a:prstGeom prst="ellipse">
+            <a:avLst/>
+          </a:prstGeom>
+        </p:spPr>
+        <p:style>
+          <a:lnRef idx="1">
+            <a:schemeClr val="dk1"/>
+          </a:lnRef>
+          <a:fillRef idx="3">
+            <a:schemeClr val="dk1"/>
+          </a:fillRef>
+          <a:effectRef idx="2">
+            <a:schemeClr val="dk1"/>
+          </a:effectRef>
+          <a:fontRef idx="minor">
+            <a:schemeClr val="lt1"/>
+          </a:fontRef>
+        </p:style>
+        <p:txBody>
+          <a:bodyPr lIns="72000" rtlCol="0" anchor="ctr">
+            <a:normAutofit fontScale="47500" lnSpcReduction="20000"/>
+          </a:bodyPr>
+          <a:lstStyle/>
+          <a:p>
+            <a:pPr algn="ctr"/>
+            <a:r>
+              <a:rPr lang="fr-FR"/>
+              <a:t>C</a:t>
+            </a:r>
+          </a:p>
+        </p:txBody>
+      </p:sp>
+      <p:sp>
+        <p:nvSpPr>
+          <p:cNvPr id="286" name="Ellipse 285"/>
+          <p:cNvSpPr/>
+          <p:nvPr/>
+        </p:nvSpPr>
+        <p:spPr>
+          <a:xfrm>
+            <a:off x="6710430" y="5362287"/>
+            <a:ext cx="299805" cy="285291"/>
+          </a:xfrm>
+          <a:prstGeom prst="ellipse">
+            <a:avLst/>
+          </a:prstGeom>
+        </p:spPr>
+        <p:style>
+          <a:lnRef idx="1">
+            <a:schemeClr val="dk1"/>
+          </a:lnRef>
+          <a:fillRef idx="3">
+            <a:schemeClr val="dk1"/>
+          </a:fillRef>
+          <a:effectRef idx="2">
+            <a:schemeClr val="dk1"/>
+          </a:effectRef>
+          <a:fontRef idx="minor">
+            <a:schemeClr val="lt1"/>
+          </a:fontRef>
+        </p:style>
+        <p:txBody>
+          <a:bodyPr lIns="72000" rtlCol="0" anchor="ctr">
+            <a:normAutofit fontScale="47500" lnSpcReduction="20000"/>
+          </a:bodyPr>
+          <a:lstStyle/>
+          <a:p>
+            <a:pPr algn="ctr"/>
+            <a:r>
+              <a:rPr lang="fr-FR"/>
+              <a:t>D</a:t>
+            </a:r>
+          </a:p>
+        </p:txBody>
+      </p:sp>
+      <p:sp>
+        <p:nvSpPr>
+          <p:cNvPr id="287" name="Ellipse 286"/>
+          <p:cNvSpPr/>
+          <p:nvPr/>
+        </p:nvSpPr>
+        <p:spPr>
+          <a:xfrm>
+            <a:off x="6521917" y="4803379"/>
+            <a:ext cx="299805" cy="285291"/>
+          </a:xfrm>
+          <a:prstGeom prst="ellipse">
+            <a:avLst/>
+          </a:prstGeom>
+        </p:spPr>
+        <p:style>
+          <a:lnRef idx="1">
+            <a:schemeClr val="dk1"/>
+          </a:lnRef>
+          <a:fillRef idx="3">
+            <a:schemeClr val="dk1"/>
+          </a:fillRef>
+          <a:effectRef idx="2">
+            <a:schemeClr val="dk1"/>
+          </a:effectRef>
+          <a:fontRef idx="minor">
+            <a:schemeClr val="lt1"/>
+          </a:fontRef>
+        </p:style>
+        <p:txBody>
+          <a:bodyPr lIns="72000" rtlCol="0" anchor="ctr">
+            <a:normAutofit fontScale="47500" lnSpcReduction="20000"/>
+          </a:bodyPr>
+          <a:lstStyle/>
+          <a:p>
+            <a:pPr algn="ctr"/>
+            <a:r>
+              <a:rPr lang="fr-FR"/>
+              <a:t>E</a:t>
+            </a:r>
+          </a:p>
+        </p:txBody>
+      </p:sp>
+      <p:sp>
+        <p:nvSpPr>
+          <p:cNvPr id="288" name="Ellipse 287"/>
+          <p:cNvSpPr/>
+          <p:nvPr/>
+        </p:nvSpPr>
+        <p:spPr>
+          <a:xfrm>
+            <a:off x="7222673" y="4888776"/>
+            <a:ext cx="299805" cy="285291"/>
+          </a:xfrm>
+          <a:prstGeom prst="ellipse">
+            <a:avLst/>
+          </a:prstGeom>
+        </p:spPr>
+        <p:style>
+          <a:lnRef idx="1">
+            <a:schemeClr val="dk1"/>
+          </a:lnRef>
+          <a:fillRef idx="3">
+            <a:schemeClr val="dk1"/>
+          </a:fillRef>
+          <a:effectRef idx="2">
+            <a:schemeClr val="dk1"/>
+          </a:effectRef>
+          <a:fontRef idx="minor">
+            <a:schemeClr val="lt1"/>
+          </a:fontRef>
+        </p:style>
+        <p:txBody>
+          <a:bodyPr lIns="72000" rtlCol="0" anchor="ctr">
+            <a:normAutofit fontScale="47500" lnSpcReduction="20000"/>
+          </a:bodyPr>
+          <a:lstStyle/>
+          <a:p>
+            <a:pPr algn="ctr"/>
+            <a:r>
+              <a:rPr lang="fr-FR"/>
+              <a:t>F</a:t>
+            </a:r>
+          </a:p>
+        </p:txBody>
+      </p:sp>
+      <p:sp>
+        <p:nvSpPr>
+          <p:cNvPr id="289" name="Ellipse 288"/>
+          <p:cNvSpPr/>
+          <p:nvPr/>
+        </p:nvSpPr>
+        <p:spPr>
+          <a:xfrm>
+            <a:off x="7097528" y="4281367"/>
+            <a:ext cx="299805" cy="285291"/>
+          </a:xfrm>
+          <a:prstGeom prst="ellipse">
+            <a:avLst/>
+          </a:prstGeom>
+        </p:spPr>
+        <p:style>
+          <a:lnRef idx="1">
+            <a:schemeClr val="dk1"/>
+          </a:lnRef>
+          <a:fillRef idx="3">
+            <a:schemeClr val="dk1"/>
+          </a:fillRef>
+          <a:effectRef idx="2">
+            <a:schemeClr val="dk1"/>
+          </a:effectRef>
+          <a:fontRef idx="minor">
+            <a:schemeClr val="lt1"/>
+          </a:fontRef>
+        </p:style>
+        <p:txBody>
+          <a:bodyPr lIns="72000" rtlCol="0" anchor="ctr">
+            <a:normAutofit fontScale="47500" lnSpcReduction="20000"/>
+          </a:bodyPr>
+          <a:lstStyle/>
+          <a:p>
+            <a:pPr algn="ctr"/>
+            <a:r>
+              <a:rPr lang="fr-FR"/>
+              <a:t>G</a:t>
+            </a:r>
+          </a:p>
+        </p:txBody>
+      </p:sp>
+      <p:cxnSp>
+        <p:nvCxnSpPr>
+          <p:cNvPr id="290" name="Connecteur droit 289"/>
+          <p:cNvCxnSpPr>
+            <a:stCxn id="285" idx="6"/>
+            <a:endCxn id="286" idx="2"/>
+          </p:cNvCxnSpPr>
+          <p:nvPr/>
+        </p:nvCxnSpPr>
+        <p:spPr>
+          <a:xfrm flipV="1">
+            <a:off x="6184781" y="5504933"/>
+            <a:ext cx="525649" cy="100866"/>
+          </a:xfrm>
+          <a:prstGeom prst="line">
+            <a:avLst/>
+          </a:prstGeom>
+        </p:spPr>
+        <p:style>
+          <a:lnRef idx="2">
+            <a:schemeClr val="accent1"/>
+          </a:lnRef>
+          <a:fillRef idx="0">
+            <a:schemeClr val="accent1"/>
+          </a:fillRef>
+          <a:effectRef idx="1">
+            <a:schemeClr val="accent1"/>
+          </a:effectRef>
+          <a:fontRef idx="minor">
+            <a:schemeClr val="tx1"/>
+          </a:fontRef>
+        </p:style>
+      </p:cxnSp>
+      <p:cxnSp>
+        <p:nvCxnSpPr>
+          <p:cNvPr id="291" name="Connecteur droit 290"/>
+          <p:cNvCxnSpPr>
+            <a:stCxn id="287" idx="4"/>
+            <a:endCxn id="286" idx="0"/>
+          </p:cNvCxnSpPr>
+          <p:nvPr/>
+        </p:nvCxnSpPr>
+        <p:spPr>
+          <a:xfrm>
+            <a:off x="6671820" y="5088670"/>
+            <a:ext cx="188513" cy="273617"/>
+          </a:xfrm>
+          <a:prstGeom prst="line">
+            <a:avLst/>
+          </a:prstGeom>
+        </p:spPr>
+        <p:style>
+          <a:lnRef idx="2">
+            <a:schemeClr val="accent1"/>
+          </a:lnRef>
+          <a:fillRef idx="0">
+            <a:schemeClr val="accent1"/>
+          </a:fillRef>
+          <a:effectRef idx="1">
+            <a:schemeClr val="accent1"/>
+          </a:effectRef>
+          <a:fontRef idx="minor">
+            <a:schemeClr val="tx1"/>
+          </a:fontRef>
+        </p:style>
+      </p:cxnSp>
+      <p:cxnSp>
+        <p:nvCxnSpPr>
+          <p:cNvPr id="292" name="Connecteur droit 291"/>
+          <p:cNvCxnSpPr>
+            <a:stCxn id="288" idx="3"/>
+            <a:endCxn id="286" idx="7"/>
+          </p:cNvCxnSpPr>
+          <p:nvPr/>
+        </p:nvCxnSpPr>
+        <p:spPr>
+          <a:xfrm flipH="1">
+            <a:off x="6966330" y="5132287"/>
+            <a:ext cx="300248" cy="271780"/>
+          </a:xfrm>
+          <a:prstGeom prst="line">
+            <a:avLst/>
+          </a:prstGeom>
+        </p:spPr>
+        <p:style>
+          <a:lnRef idx="2">
+            <a:schemeClr val="accent1"/>
+          </a:lnRef>
+          <a:fillRef idx="0">
+            <a:schemeClr val="accent1"/>
+          </a:fillRef>
+          <a:effectRef idx="1">
+            <a:schemeClr val="accent1"/>
+          </a:effectRef>
+          <a:fontRef idx="minor">
+            <a:schemeClr val="tx1"/>
+          </a:fontRef>
+        </p:style>
+      </p:cxnSp>
+      <p:cxnSp>
+        <p:nvCxnSpPr>
+          <p:cNvPr id="293" name="Connecteur droit 292"/>
+          <p:cNvCxnSpPr>
+            <a:stCxn id="283" idx="7"/>
+            <a:endCxn id="284" idx="3"/>
+          </p:cNvCxnSpPr>
+          <p:nvPr/>
+        </p:nvCxnSpPr>
+        <p:spPr>
+          <a:xfrm flipV="1">
+            <a:off x="5310719" y="4667436"/>
+            <a:ext cx="362262" cy="350513"/>
+          </a:xfrm>
+          <a:prstGeom prst="line">
+            <a:avLst/>
+          </a:prstGeom>
+        </p:spPr>
+        <p:style>
+          <a:lnRef idx="2">
+            <a:schemeClr val="accent1"/>
+          </a:lnRef>
+          <a:fillRef idx="0">
+            <a:schemeClr val="accent1"/>
+          </a:fillRef>
+          <a:effectRef idx="1">
+            <a:schemeClr val="accent1"/>
+          </a:effectRef>
+          <a:fontRef idx="minor">
+            <a:schemeClr val="tx1"/>
+          </a:fontRef>
+        </p:style>
+      </p:cxnSp>
+      <p:cxnSp>
+        <p:nvCxnSpPr>
+          <p:cNvPr id="294" name="Connecteur droit 293"/>
+          <p:cNvCxnSpPr>
+            <a:stCxn id="283" idx="5"/>
+            <a:endCxn id="285" idx="1"/>
+          </p:cNvCxnSpPr>
+          <p:nvPr/>
+        </p:nvCxnSpPr>
+        <p:spPr>
+          <a:xfrm>
+            <a:off x="5310719" y="5219680"/>
+            <a:ext cx="618162" cy="285253"/>
+          </a:xfrm>
+          <a:prstGeom prst="line">
+            <a:avLst/>
+          </a:prstGeom>
+        </p:spPr>
+        <p:style>
+          <a:lnRef idx="2">
+            <a:schemeClr val="accent1"/>
+          </a:lnRef>
+          <a:fillRef idx="0">
+            <a:schemeClr val="accent1"/>
+          </a:fillRef>
+          <a:effectRef idx="1">
+            <a:schemeClr val="accent1"/>
+          </a:effectRef>
+          <a:fontRef idx="minor">
+            <a:schemeClr val="tx1"/>
+          </a:fontRef>
+        </p:style>
+      </p:cxnSp>
+      <p:cxnSp>
+        <p:nvCxnSpPr>
+          <p:cNvPr id="295" name="Connecteur droit 294"/>
+          <p:cNvCxnSpPr>
+            <a:stCxn id="289" idx="4"/>
+            <a:endCxn id="288" idx="0"/>
+          </p:cNvCxnSpPr>
+          <p:nvPr/>
+        </p:nvCxnSpPr>
+        <p:spPr>
+          <a:xfrm>
+            <a:off x="7247431" y="4566658"/>
+            <a:ext cx="125145" cy="322118"/>
+          </a:xfrm>
+          <a:prstGeom prst="line">
+            <a:avLst/>
+          </a:prstGeom>
+        </p:spPr>
+        <p:style>
+          <a:lnRef idx="2">
+            <a:schemeClr val="accent1"/>
+          </a:lnRef>
+          <a:fillRef idx="0">
+            <a:schemeClr val="accent1"/>
+          </a:fillRef>
+          <a:effectRef idx="1">
+            <a:schemeClr val="accent1"/>
+          </a:effectRef>
+          <a:fontRef idx="minor">
+            <a:schemeClr val="tx1"/>
+          </a:fontRef>
+        </p:style>
+      </p:cxnSp>
+      <p:sp>
+        <p:nvSpPr>
+          <p:cNvPr id="296" name="Ellipse 295"/>
+          <p:cNvSpPr/>
+          <p:nvPr/>
+        </p:nvSpPr>
+        <p:spPr>
+          <a:xfrm>
+            <a:off x="7708039" y="4117251"/>
+            <a:ext cx="299805" cy="285291"/>
+          </a:xfrm>
+          <a:prstGeom prst="ellipse">
+            <a:avLst/>
+          </a:prstGeom>
+        </p:spPr>
+        <p:style>
+          <a:lnRef idx="1">
+            <a:schemeClr val="dk1"/>
+          </a:lnRef>
+          <a:fillRef idx="3">
+            <a:schemeClr val="dk1"/>
+          </a:fillRef>
+          <a:effectRef idx="2">
+            <a:schemeClr val="dk1"/>
+          </a:effectRef>
+          <a:fontRef idx="minor">
+            <a:schemeClr val="lt1"/>
+          </a:fontRef>
+        </p:style>
+        <p:txBody>
+          <a:bodyPr lIns="72000" rtlCol="0" anchor="ctr">
+            <a:normAutofit fontScale="47500" lnSpcReduction="20000"/>
+          </a:bodyPr>
+          <a:lstStyle/>
+          <a:p>
+            <a:pPr algn="ctr"/>
+            <a:r>
+              <a:rPr lang="fr-FR"/>
+              <a:t>H</a:t>
+            </a:r>
+            <a:endParaRPr lang="fr-FR"/>
+          </a:p>
+        </p:txBody>
+      </p:sp>
+      <p:sp>
+        <p:nvSpPr>
+          <p:cNvPr id="297" name="Ellipse 296"/>
+          <p:cNvSpPr/>
+          <p:nvPr/>
+        </p:nvSpPr>
+        <p:spPr>
+          <a:xfrm>
+            <a:off x="7897622" y="4705237"/>
+            <a:ext cx="299805" cy="285291"/>
+          </a:xfrm>
+          <a:prstGeom prst="ellipse">
+            <a:avLst/>
+          </a:prstGeom>
+        </p:spPr>
+        <p:style>
+          <a:lnRef idx="1">
+            <a:schemeClr val="dk1"/>
+          </a:lnRef>
+          <a:fillRef idx="3">
+            <a:schemeClr val="dk1"/>
+          </a:fillRef>
+          <a:effectRef idx="2">
+            <a:schemeClr val="dk1"/>
+          </a:effectRef>
+          <a:fontRef idx="minor">
+            <a:schemeClr val="lt1"/>
+          </a:fontRef>
+        </p:style>
+        <p:txBody>
+          <a:bodyPr lIns="72000" rtlCol="0" anchor="ctr">
+            <a:normAutofit fontScale="47500" lnSpcReduction="20000"/>
+          </a:bodyPr>
+          <a:lstStyle/>
+          <a:p>
+            <a:pPr algn="ctr"/>
+            <a:r>
+              <a:rPr lang="fr-FR"/>
+              <a:t>I</a:t>
+            </a:r>
+          </a:p>
+        </p:txBody>
+      </p:sp>
+      <p:cxnSp>
+        <p:nvCxnSpPr>
+          <p:cNvPr id="298" name="Connecteur droit 297"/>
+          <p:cNvCxnSpPr>
+            <a:stCxn id="296" idx="3"/>
+            <a:endCxn id="288" idx="7"/>
+          </p:cNvCxnSpPr>
+          <p:nvPr/>
+        </p:nvCxnSpPr>
+        <p:spPr>
+          <a:xfrm flipH="1">
+            <a:off x="7478573" y="4360762"/>
+            <a:ext cx="273371" cy="569794"/>
+          </a:xfrm>
+          <a:prstGeom prst="line">
+            <a:avLst/>
+          </a:prstGeom>
+        </p:spPr>
+        <p:style>
+          <a:lnRef idx="2">
+            <a:schemeClr val="accent1"/>
+          </a:lnRef>
+          <a:fillRef idx="0">
+            <a:schemeClr val="accent1"/>
+          </a:fillRef>
+          <a:effectRef idx="1">
+            <a:schemeClr val="accent1"/>
+          </a:effectRef>
+          <a:fontRef idx="minor">
+            <a:schemeClr val="tx1"/>
+          </a:fontRef>
+        </p:style>
+      </p:cxnSp>
+      <p:cxnSp>
+        <p:nvCxnSpPr>
+          <p:cNvPr id="299" name="Connecteur droit 298"/>
+          <p:cNvCxnSpPr>
+            <a:stCxn id="297" idx="2"/>
+            <a:endCxn id="288" idx="6"/>
+          </p:cNvCxnSpPr>
+          <p:nvPr/>
+        </p:nvCxnSpPr>
+        <p:spPr>
+          <a:xfrm flipH="1">
+            <a:off x="7522478" y="4847883"/>
+            <a:ext cx="375144" cy="183539"/>
+          </a:xfrm>
+          <a:prstGeom prst="line">
+            <a:avLst/>
+          </a:prstGeom>
+        </p:spPr>
+        <p:style>
+          <a:lnRef idx="2">
+            <a:schemeClr val="accent1"/>
+          </a:lnRef>
+          <a:fillRef idx="0">
+            <a:schemeClr val="accent1"/>
+          </a:fillRef>
+          <a:effectRef idx="1">
+            <a:schemeClr val="accent1"/>
+          </a:effectRef>
+          <a:fontRef idx="minor">
+            <a:schemeClr val="tx1"/>
+          </a:fontRef>
+        </p:style>
+      </p:cxnSp>
+      <p:cxnSp>
+        <p:nvCxnSpPr>
+          <p:cNvPr id="300" name="Connecteur droit 299"/>
+          <p:cNvCxnSpPr>
+            <a:stCxn id="284" idx="6"/>
+            <a:endCxn id="287" idx="1"/>
+          </p:cNvCxnSpPr>
+          <p:nvPr/>
+        </p:nvCxnSpPr>
+        <p:spPr>
+          <a:xfrm>
+            <a:off x="5928881" y="4566571"/>
+            <a:ext cx="636941" cy="278588"/>
+          </a:xfrm>
+          <a:prstGeom prst="line">
+            <a:avLst/>
+          </a:prstGeom>
+        </p:spPr>
+        <p:style>
+          <a:lnRef idx="2">
+            <a:schemeClr val="accent1"/>
+          </a:lnRef>
+          <a:fillRef idx="0">
+            <a:schemeClr val="accent1"/>
+          </a:fillRef>
+          <a:effectRef idx="1">
+            <a:schemeClr val="accent1"/>
+          </a:effectRef>
+          <a:fontRef idx="minor">
+            <a:schemeClr val="tx1"/>
+          </a:fontRef>
+        </p:style>
+      </p:cxnSp>
+      <p:cxnSp>
+        <p:nvCxnSpPr>
+          <p:cNvPr id="301" name="Connecteur droit 300"/>
+          <p:cNvCxnSpPr>
+            <a:stCxn id="287" idx="6"/>
+            <a:endCxn id="288" idx="2"/>
+          </p:cNvCxnSpPr>
+          <p:nvPr/>
+        </p:nvCxnSpPr>
+        <p:spPr>
+          <a:xfrm>
+            <a:off x="6821722" y="4946025"/>
+            <a:ext cx="400951" cy="85397"/>
+          </a:xfrm>
+          <a:prstGeom prst="line">
+            <a:avLst/>
+          </a:prstGeom>
+        </p:spPr>
+        <p:style>
+          <a:lnRef idx="2">
+            <a:schemeClr val="accent1"/>
+          </a:lnRef>
+          <a:fillRef idx="0">
+            <a:schemeClr val="accent1"/>
+          </a:fillRef>
+          <a:effectRef idx="1">
+            <a:schemeClr val="accent1"/>
+          </a:effectRef>
+          <a:fontRef idx="minor">
+            <a:schemeClr val="tx1"/>
+          </a:fontRef>
+        </p:style>
+      </p:cxnSp>
+      <p:cxnSp>
+        <p:nvCxnSpPr>
+          <p:cNvPr id="302" name="Connecteur droit 301"/>
+          <p:cNvCxnSpPr>
+            <a:stCxn id="287" idx="0"/>
+            <a:endCxn id="289" idx="3"/>
+          </p:cNvCxnSpPr>
+          <p:nvPr/>
+        </p:nvCxnSpPr>
+        <p:spPr>
+          <a:xfrm flipV="1">
+            <a:off x="6671820" y="4524878"/>
+            <a:ext cx="469613" cy="278501"/>
+          </a:xfrm>
+          <a:prstGeom prst="line">
+            <a:avLst/>
+          </a:prstGeom>
+        </p:spPr>
+        <p:style>
+          <a:lnRef idx="2">
+            <a:schemeClr val="accent1"/>
+          </a:lnRef>
+          <a:fillRef idx="0">
+            <a:schemeClr val="accent1"/>
+          </a:fillRef>
+          <a:effectRef idx="1">
+            <a:schemeClr val="accent1"/>
+          </a:effectRef>
+          <a:fontRef idx="minor">
+            <a:schemeClr val="tx1"/>
+          </a:fontRef>
+        </p:style>
+      </p:cxnSp>
+      <p:cxnSp>
+        <p:nvCxnSpPr>
+          <p:cNvPr id="303" name="Connecteur droit 302"/>
+          <p:cNvCxnSpPr>
+            <a:stCxn id="297" idx="1"/>
+            <a:endCxn id="289" idx="6"/>
+          </p:cNvCxnSpPr>
+          <p:nvPr/>
+        </p:nvCxnSpPr>
+        <p:spPr>
+          <a:xfrm flipH="1" flipV="1">
+            <a:off x="7397333" y="4424013"/>
+            <a:ext cx="544194" cy="323004"/>
+          </a:xfrm>
+          <a:prstGeom prst="line">
+            <a:avLst/>
+          </a:prstGeom>
+        </p:spPr>
+        <p:style>
+          <a:lnRef idx="2">
+            <a:schemeClr val="accent1"/>
+          </a:lnRef>
+          <a:fillRef idx="0">
+            <a:schemeClr val="accent1"/>
+          </a:fillRef>
+          <a:effectRef idx="1">
+            <a:schemeClr val="accent1"/>
+          </a:effectRef>
+          <a:fontRef idx="minor">
+            <a:schemeClr val="tx1"/>
+          </a:fontRef>
+        </p:style>
+      </p:cxnSp>
+      <p:cxnSp>
+        <p:nvCxnSpPr>
+          <p:cNvPr id="304" name="Connecteur droit 303"/>
+          <p:cNvCxnSpPr>
+            <a:stCxn id="296" idx="2"/>
+            <a:endCxn id="289" idx="7"/>
+          </p:cNvCxnSpPr>
+          <p:nvPr/>
+        </p:nvCxnSpPr>
+        <p:spPr>
+          <a:xfrm flipH="1">
+            <a:off x="7353428" y="4259897"/>
+            <a:ext cx="354611" cy="63250"/>
+          </a:xfrm>
+          <a:prstGeom prst="line">
+            <a:avLst/>
+          </a:prstGeom>
+        </p:spPr>
+        <p:style>
+          <a:lnRef idx="2">
+            <a:schemeClr val="accent1"/>
+          </a:lnRef>
+          <a:fillRef idx="0">
+            <a:schemeClr val="accent1"/>
+          </a:fillRef>
+          <a:effectRef idx="1">
+            <a:schemeClr val="accent1"/>
+          </a:effectRef>
+          <a:fontRef idx="minor">
+            <a:schemeClr val="tx1"/>
+          </a:fontRef>
+        </p:style>
+      </p:cxnSp>
+      <p:cxnSp>
+        <p:nvCxnSpPr>
+          <p:cNvPr id="305" name="Connecteur droit 304"/>
+          <p:cNvCxnSpPr>
+            <a:stCxn id="297" idx="0"/>
+            <a:endCxn id="296" idx="5"/>
+          </p:cNvCxnSpPr>
+          <p:nvPr/>
+        </p:nvCxnSpPr>
+        <p:spPr>
+          <a:xfrm flipH="1" flipV="1">
+            <a:off x="7963939" y="4360762"/>
+            <a:ext cx="83586" cy="344475"/>
+          </a:xfrm>
+          <a:prstGeom prst="line">
+            <a:avLst/>
+          </a:prstGeom>
+        </p:spPr>
+        <p:style>
+          <a:lnRef idx="2">
+            <a:schemeClr val="accent1"/>
+          </a:lnRef>
+          <a:fillRef idx="0">
+            <a:schemeClr val="accent1"/>
+          </a:fillRef>
+          <a:effectRef idx="1">
+            <a:schemeClr val="accent1"/>
+          </a:effectRef>
+          <a:fontRef idx="minor">
+            <a:schemeClr val="tx1"/>
+          </a:fontRef>
+        </p:style>
+      </p:cxnSp>
+      <p:sp>
+        <p:nvSpPr>
+          <p:cNvPr id="306" name="ZoneTexte 305"/>
+          <p:cNvSpPr txBox="1"/>
+          <p:nvPr/>
+        </p:nvSpPr>
+        <p:spPr>
+          <a:xfrm>
+            <a:off x="4628176" y="4993787"/>
+            <a:ext cx="519888" cy="276999"/>
+          </a:xfrm>
+          <a:prstGeom prst="rect">
+            <a:avLst/>
+          </a:prstGeom>
+          <a:noFill/>
+        </p:spPr>
+        <p:txBody>
+          <a:bodyPr wrap="square" rtlCol="0">
+            <a:spAutoFit/>
+          </a:bodyPr>
+          <a:lstStyle/>
+          <a:p>
+            <a:r>
+              <a:rPr lang="fr-FR" sz="1200"/>
+              <a:t>90%</a:t>
+            </a:r>
+          </a:p>
+        </p:txBody>
+      </p:sp>
+      <p:sp>
+        <p:nvSpPr>
+          <p:cNvPr id="307" name="ZoneTexte 306"/>
+          <p:cNvSpPr txBox="1"/>
+          <p:nvPr/>
+        </p:nvSpPr>
+        <p:spPr>
+          <a:xfrm>
+            <a:off x="5502777" y="4130243"/>
+            <a:ext cx="519888" cy="276999"/>
+          </a:xfrm>
+          <a:prstGeom prst="rect">
+            <a:avLst/>
+          </a:prstGeom>
+          <a:noFill/>
+        </p:spPr>
+        <p:txBody>
+          <a:bodyPr wrap="square" rtlCol="0">
+            <a:spAutoFit/>
+          </a:bodyPr>
+          <a:lstStyle/>
+          <a:p>
+            <a:r>
+              <a:rPr lang="fr-FR" sz="1200"/>
+              <a:t>100%</a:t>
+            </a:r>
+          </a:p>
+        </p:txBody>
+      </p:sp>
+      <p:sp>
+        <p:nvSpPr>
+          <p:cNvPr id="308" name="ZoneTexte 307"/>
+          <p:cNvSpPr txBox="1"/>
+          <p:nvPr/>
+        </p:nvSpPr>
+        <p:spPr>
+          <a:xfrm>
+            <a:off x="5790809" y="5714419"/>
+            <a:ext cx="519888" cy="276999"/>
+          </a:xfrm>
+          <a:prstGeom prst="rect">
+            <a:avLst/>
+          </a:prstGeom>
+          <a:noFill/>
+        </p:spPr>
+        <p:txBody>
+          <a:bodyPr wrap="square" rtlCol="0">
+            <a:spAutoFit/>
+          </a:bodyPr>
+          <a:lstStyle/>
+          <a:p>
+            <a:r>
+              <a:rPr lang="fr-FR" sz="1200"/>
+              <a:t>93%</a:t>
+            </a:r>
+          </a:p>
+        </p:txBody>
+      </p:sp>
+      <p:sp>
+        <p:nvSpPr>
+          <p:cNvPr id="309" name="ZoneTexte 308"/>
+          <p:cNvSpPr txBox="1"/>
+          <p:nvPr/>
+        </p:nvSpPr>
+        <p:spPr>
+          <a:xfrm>
+            <a:off x="6359937" y="4514784"/>
+            <a:ext cx="519888" cy="276999"/>
+          </a:xfrm>
+          <a:prstGeom prst="rect">
+            <a:avLst/>
+          </a:prstGeom>
+          <a:noFill/>
+        </p:spPr>
+        <p:txBody>
+          <a:bodyPr wrap="square" rtlCol="0">
+            <a:spAutoFit/>
+          </a:bodyPr>
+          <a:lstStyle/>
+          <a:p>
+            <a:r>
+              <a:rPr lang="fr-FR" sz="1200"/>
+              <a:t>100%</a:t>
+            </a:r>
+          </a:p>
+        </p:txBody>
+      </p:sp>
+      <p:sp>
+        <p:nvSpPr>
+          <p:cNvPr id="310" name="ZoneTexte 309"/>
+          <p:cNvSpPr txBox="1"/>
+          <p:nvPr/>
+        </p:nvSpPr>
+        <p:spPr>
+          <a:xfrm>
+            <a:off x="6629930" y="5604578"/>
+            <a:ext cx="519888" cy="276999"/>
+          </a:xfrm>
+          <a:prstGeom prst="rect">
+            <a:avLst/>
+          </a:prstGeom>
+          <a:noFill/>
+        </p:spPr>
+        <p:txBody>
+          <a:bodyPr wrap="square" rtlCol="0">
+            <a:spAutoFit/>
+          </a:bodyPr>
+          <a:lstStyle/>
+          <a:p>
+            <a:r>
+              <a:rPr lang="fr-FR" sz="1200"/>
+              <a:t>96%</a:t>
+            </a:r>
+          </a:p>
+        </p:txBody>
+      </p:sp>
+      <p:sp>
+        <p:nvSpPr>
+          <p:cNvPr id="311" name="ZoneTexte 310"/>
+          <p:cNvSpPr txBox="1"/>
+          <p:nvPr/>
+        </p:nvSpPr>
+        <p:spPr>
+          <a:xfrm>
+            <a:off x="7141433" y="5145241"/>
+            <a:ext cx="519888" cy="276999"/>
+          </a:xfrm>
+          <a:prstGeom prst="rect">
+            <a:avLst/>
+          </a:prstGeom>
+          <a:noFill/>
+        </p:spPr>
+        <p:txBody>
+          <a:bodyPr wrap="square" rtlCol="0">
+            <a:spAutoFit/>
+          </a:bodyPr>
+          <a:lstStyle/>
+          <a:p>
+            <a:r>
+              <a:rPr lang="fr-FR" sz="1200"/>
+              <a:t>91%</a:t>
+            </a:r>
+          </a:p>
+        </p:txBody>
+      </p:sp>
+      <p:sp>
+        <p:nvSpPr>
+          <p:cNvPr id="312" name="ZoneTexte 311"/>
+          <p:cNvSpPr txBox="1"/>
+          <p:nvPr/>
+        </p:nvSpPr>
+        <p:spPr>
+          <a:xfrm>
+            <a:off x="7016468" y="4004455"/>
+            <a:ext cx="519888" cy="276999"/>
+          </a:xfrm>
+          <a:prstGeom prst="rect">
+            <a:avLst/>
+          </a:prstGeom>
+          <a:noFill/>
+        </p:spPr>
+        <p:txBody>
+          <a:bodyPr wrap="square" rtlCol="0">
+            <a:spAutoFit/>
+          </a:bodyPr>
+          <a:lstStyle/>
+          <a:p>
+            <a:r>
+              <a:rPr lang="fr-FR" sz="1200"/>
+              <a:t>100%</a:t>
+            </a:r>
+          </a:p>
+        </p:txBody>
+      </p:sp>
+      <p:sp>
+        <p:nvSpPr>
+          <p:cNvPr id="313" name="ZoneTexte 312"/>
+          <p:cNvSpPr txBox="1"/>
+          <p:nvPr/>
+        </p:nvSpPr>
+        <p:spPr>
+          <a:xfrm>
+            <a:off x="7637678" y="3872979"/>
+            <a:ext cx="519888" cy="276999"/>
+          </a:xfrm>
+          <a:prstGeom prst="rect">
+            <a:avLst/>
+          </a:prstGeom>
+          <a:noFill/>
+        </p:spPr>
+        <p:txBody>
+          <a:bodyPr wrap="square" rtlCol="0">
+            <a:spAutoFit/>
+          </a:bodyPr>
+          <a:lstStyle/>
+          <a:p>
+            <a:r>
+              <a:rPr lang="fr-FR" sz="1200"/>
+              <a:t>100%</a:t>
+            </a:r>
+          </a:p>
+        </p:txBody>
+      </p:sp>
+      <p:sp>
+        <p:nvSpPr>
+          <p:cNvPr id="314" name="ZoneTexte 313"/>
+          <p:cNvSpPr txBox="1"/>
+          <p:nvPr/>
+        </p:nvSpPr>
+        <p:spPr>
+          <a:xfrm>
+            <a:off x="8157566" y="4687215"/>
+            <a:ext cx="519888" cy="276999"/>
+          </a:xfrm>
+          <a:prstGeom prst="rect">
+            <a:avLst/>
+          </a:prstGeom>
+          <a:noFill/>
+        </p:spPr>
+        <p:txBody>
+          <a:bodyPr wrap="square" rtlCol="0">
+            <a:spAutoFit/>
+          </a:bodyPr>
+          <a:lstStyle/>
+          <a:p>
+            <a:r>
+              <a:rPr lang="fr-FR" sz="1200"/>
+              <a:t>100%</a:t>
+            </a:r>
+          </a:p>
+        </p:txBody>
+      </p:sp>
+      <p:sp>
+        <p:nvSpPr>
+          <p:cNvPr id="323" name="ZoneTexte 322"/>
+          <p:cNvSpPr txBox="1"/>
+          <p:nvPr/>
+        </p:nvSpPr>
+        <p:spPr>
+          <a:xfrm>
+            <a:off x="4628176" y="4993787"/>
+            <a:ext cx="519888" cy="276999"/>
+          </a:xfrm>
+          <a:prstGeom prst="rect">
+            <a:avLst/>
+          </a:prstGeom>
+          <a:noFill/>
+        </p:spPr>
+        <p:txBody>
+          <a:bodyPr wrap="square" rtlCol="0">
+            <a:spAutoFit/>
+          </a:bodyPr>
+          <a:lstStyle/>
+          <a:p>
+            <a:r>
+              <a:rPr lang="fr-FR" sz="1200"/>
+              <a:t>80%</a:t>
+            </a:r>
+          </a:p>
+        </p:txBody>
+      </p:sp>
+      <p:sp>
+        <p:nvSpPr>
+          <p:cNvPr id="324" name="ZoneTexte 323"/>
+          <p:cNvSpPr txBox="1"/>
+          <p:nvPr/>
+        </p:nvSpPr>
+        <p:spPr>
+          <a:xfrm>
+            <a:off x="5575677" y="4142867"/>
+            <a:ext cx="519888" cy="276999"/>
+          </a:xfrm>
+          <a:prstGeom prst="rect">
+            <a:avLst/>
+          </a:prstGeom>
+          <a:noFill/>
+        </p:spPr>
+        <p:txBody>
+          <a:bodyPr wrap="square" rtlCol="0">
+            <a:spAutoFit/>
+          </a:bodyPr>
+          <a:lstStyle/>
+          <a:p>
+            <a:r>
+              <a:rPr lang="fr-FR" sz="1200"/>
+              <a:t>90%</a:t>
+            </a:r>
+          </a:p>
+        </p:txBody>
+      </p:sp>
+      <p:sp>
+        <p:nvSpPr>
+          <p:cNvPr id="325" name="ZoneTexte 324"/>
+          <p:cNvSpPr txBox="1"/>
+          <p:nvPr/>
+        </p:nvSpPr>
+        <p:spPr>
+          <a:xfrm>
+            <a:off x="6438842" y="4528936"/>
+            <a:ext cx="519888" cy="276999"/>
+          </a:xfrm>
+          <a:prstGeom prst="rect">
+            <a:avLst/>
+          </a:prstGeom>
+          <a:noFill/>
+        </p:spPr>
+        <p:txBody>
+          <a:bodyPr wrap="square" rtlCol="0">
+            <a:spAutoFit/>
+          </a:bodyPr>
+          <a:lstStyle/>
+          <a:p>
+            <a:r>
+              <a:rPr lang="fr-FR" sz="1200"/>
+              <a:t>96%</a:t>
+            </a:r>
+          </a:p>
+        </p:txBody>
+      </p:sp>
+      <p:sp>
+        <p:nvSpPr>
+          <p:cNvPr id="326" name="ZoneTexte 325"/>
+          <p:cNvSpPr txBox="1"/>
+          <p:nvPr/>
+        </p:nvSpPr>
+        <p:spPr>
+          <a:xfrm>
+            <a:off x="7083137" y="4004455"/>
+            <a:ext cx="519888" cy="276999"/>
+          </a:xfrm>
+          <a:prstGeom prst="rect">
+            <a:avLst/>
+          </a:prstGeom>
+          <a:noFill/>
+        </p:spPr>
+        <p:txBody>
+          <a:bodyPr wrap="square" rtlCol="0">
+            <a:spAutoFit/>
+          </a:bodyPr>
+          <a:lstStyle/>
+          <a:p>
+            <a:r>
+              <a:rPr lang="fr-FR" sz="1200"/>
+              <a:t>90%</a:t>
+            </a:r>
+          </a:p>
+        </p:txBody>
+      </p:sp>
     </p:spTree>
     <p:extLst>
       <p:ext uri="{BB962C8B-B14F-4D97-AF65-F5344CB8AC3E}">
@@ -19049,9 +21524,2630 @@
   <p:timing>
     <p:tnLst>
       <p:par>
-        <p:cTn xmlns:p14="http://schemas.microsoft.com/office/powerpoint/2010/main" id="1" dur="indefinite" restart="never" nodeType="tmRoot"/>
+        <p:cTn xmlns:p14="http://schemas.microsoft.com/office/powerpoint/2010/main" id="1" dur="indefinite" restart="never" nodeType="tmRoot">
+          <p:childTnLst>
+            <p:seq concurrent="1" nextAc="seek">
+              <p:cTn id="2" dur="indefinite" nodeType="mainSeq">
+                <p:childTnLst>
+                  <p:par>
+                    <p:cTn id="3" fill="hold">
+                      <p:stCondLst>
+                        <p:cond delay="indefinite"/>
+                      </p:stCondLst>
+                      <p:childTnLst>
+                        <p:par>
+                          <p:cTn id="4" fill="hold">
+                            <p:stCondLst>
+                              <p:cond delay="0"/>
+                            </p:stCondLst>
+                            <p:childTnLst>
+                              <p:par>
+                                <p:cTn id="5" presetID="7" presetClass="emph" presetSubtype="2" fill="hold" nodeType="clickEffect">
+                                  <p:stCondLst>
+                                    <p:cond delay="0"/>
+                                  </p:stCondLst>
+                                  <p:childTnLst>
+                                    <p:animClr clrSpc="rgb" dir="cw">
+                                      <p:cBhvr>
+                                        <p:cTn id="6" dur="500" fill="hold"/>
+                                        <p:tgtEl>
+                                          <p:spTgt spid="81"/>
+                                        </p:tgtEl>
+                                        <p:attrNameLst>
+                                          <p:attrName>stroke.color</p:attrName>
+                                        </p:attrNameLst>
+                                      </p:cBhvr>
+                                      <p:to>
+                                        <a:schemeClr val="tx2"/>
+                                      </p:to>
+                                    </p:animClr>
+                                    <p:set>
+                                      <p:cBhvr>
+                                        <p:cTn id="7" dur="500" fill="hold"/>
+                                        <p:tgtEl>
+                                          <p:spTgt spid="81"/>
+                                        </p:tgtEl>
+                                        <p:attrNameLst>
+                                          <p:attrName>stroke.on</p:attrName>
+                                        </p:attrNameLst>
+                                      </p:cBhvr>
+                                      <p:to>
+                                        <p:strVal val="true"/>
+                                      </p:to>
+                                    </p:set>
+                                  </p:childTnLst>
+                                </p:cTn>
+                              </p:par>
+                            </p:childTnLst>
+                          </p:cTn>
+                        </p:par>
+                      </p:childTnLst>
+                    </p:cTn>
+                  </p:par>
+                  <p:par>
+                    <p:cTn id="8" fill="hold">
+                      <p:stCondLst>
+                        <p:cond delay="indefinite"/>
+                      </p:stCondLst>
+                      <p:childTnLst>
+                        <p:par>
+                          <p:cTn id="9" fill="hold">
+                            <p:stCondLst>
+                              <p:cond delay="0"/>
+                            </p:stCondLst>
+                            <p:childTnLst>
+                              <p:par>
+                                <p:cTn id="10" presetID="7" presetClass="emph" presetSubtype="2" fill="hold" nodeType="clickEffect">
+                                  <p:stCondLst>
+                                    <p:cond delay="0"/>
+                                  </p:stCondLst>
+                                  <p:childTnLst>
+                                    <p:animClr clrSpc="rgb" dir="cw">
+                                      <p:cBhvr>
+                                        <p:cTn id="11" dur="500" fill="hold"/>
+                                        <p:tgtEl>
+                                          <p:spTgt spid="84"/>
+                                        </p:tgtEl>
+                                        <p:attrNameLst>
+                                          <p:attrName>stroke.color</p:attrName>
+                                        </p:attrNameLst>
+                                      </p:cBhvr>
+                                      <p:to>
+                                        <a:schemeClr val="tx2"/>
+                                      </p:to>
+                                    </p:animClr>
+                                    <p:set>
+                                      <p:cBhvr>
+                                        <p:cTn id="12" dur="500" fill="hold"/>
+                                        <p:tgtEl>
+                                          <p:spTgt spid="84"/>
+                                        </p:tgtEl>
+                                        <p:attrNameLst>
+                                          <p:attrName>stroke.on</p:attrName>
+                                        </p:attrNameLst>
+                                      </p:cBhvr>
+                                      <p:to>
+                                        <p:strVal val="true"/>
+                                      </p:to>
+                                    </p:set>
+                                  </p:childTnLst>
+                                </p:cTn>
+                              </p:par>
+                            </p:childTnLst>
+                          </p:cTn>
+                        </p:par>
+                      </p:childTnLst>
+                    </p:cTn>
+                  </p:par>
+                  <p:par>
+                    <p:cTn id="13" fill="hold">
+                      <p:stCondLst>
+                        <p:cond delay="indefinite"/>
+                      </p:stCondLst>
+                      <p:childTnLst>
+                        <p:par>
+                          <p:cTn id="14" fill="hold">
+                            <p:stCondLst>
+                              <p:cond delay="0"/>
+                            </p:stCondLst>
+                            <p:childTnLst>
+                              <p:par>
+                                <p:cTn id="15" presetID="7" presetClass="emph" presetSubtype="2" fill="hold" nodeType="clickEffect">
+                                  <p:stCondLst>
+                                    <p:cond delay="0"/>
+                                  </p:stCondLst>
+                                  <p:childTnLst>
+                                    <p:animClr clrSpc="rgb" dir="cw">
+                                      <p:cBhvr>
+                                        <p:cTn id="16" dur="500" fill="hold"/>
+                                        <p:tgtEl>
+                                          <p:spTgt spid="15"/>
+                                        </p:tgtEl>
+                                        <p:attrNameLst>
+                                          <p:attrName>stroke.color</p:attrName>
+                                        </p:attrNameLst>
+                                      </p:cBhvr>
+                                      <p:to>
+                                        <a:schemeClr val="tx2"/>
+                                      </p:to>
+                                    </p:animClr>
+                                    <p:set>
+                                      <p:cBhvr>
+                                        <p:cTn id="17" dur="500" fill="hold"/>
+                                        <p:tgtEl>
+                                          <p:spTgt spid="15"/>
+                                        </p:tgtEl>
+                                        <p:attrNameLst>
+                                          <p:attrName>stroke.on</p:attrName>
+                                        </p:attrNameLst>
+                                      </p:cBhvr>
+                                      <p:to>
+                                        <p:strVal val="true"/>
+                                      </p:to>
+                                    </p:set>
+                                  </p:childTnLst>
+                                </p:cTn>
+                              </p:par>
+                            </p:childTnLst>
+                          </p:cTn>
+                        </p:par>
+                      </p:childTnLst>
+                    </p:cTn>
+                  </p:par>
+                  <p:par>
+                    <p:cTn id="18" fill="hold">
+                      <p:stCondLst>
+                        <p:cond delay="indefinite"/>
+                      </p:stCondLst>
+                      <p:childTnLst>
+                        <p:par>
+                          <p:cTn id="19" fill="hold">
+                            <p:stCondLst>
+                              <p:cond delay="0"/>
+                            </p:stCondLst>
+                            <p:childTnLst>
+                              <p:par>
+                                <p:cTn id="20" presetID="7" presetClass="emph" presetSubtype="2" fill="hold" nodeType="clickEffect">
+                                  <p:stCondLst>
+                                    <p:cond delay="0"/>
+                                  </p:stCondLst>
+                                  <p:childTnLst>
+                                    <p:animClr clrSpc="rgb" dir="cw">
+                                      <p:cBhvr>
+                                        <p:cTn id="21" dur="500" fill="hold"/>
+                                        <p:tgtEl>
+                                          <p:spTgt spid="16"/>
+                                        </p:tgtEl>
+                                        <p:attrNameLst>
+                                          <p:attrName>stroke.color</p:attrName>
+                                        </p:attrNameLst>
+                                      </p:cBhvr>
+                                      <p:to>
+                                        <a:schemeClr val="tx2"/>
+                                      </p:to>
+                                    </p:animClr>
+                                    <p:set>
+                                      <p:cBhvr>
+                                        <p:cTn id="22" dur="500" fill="hold"/>
+                                        <p:tgtEl>
+                                          <p:spTgt spid="16"/>
+                                        </p:tgtEl>
+                                        <p:attrNameLst>
+                                          <p:attrName>stroke.on</p:attrName>
+                                        </p:attrNameLst>
+                                      </p:cBhvr>
+                                      <p:to>
+                                        <p:strVal val="true"/>
+                                      </p:to>
+                                    </p:set>
+                                  </p:childTnLst>
+                                </p:cTn>
+                              </p:par>
+                            </p:childTnLst>
+                          </p:cTn>
+                        </p:par>
+                      </p:childTnLst>
+                    </p:cTn>
+                  </p:par>
+                  <p:par>
+                    <p:cTn id="23" fill="hold">
+                      <p:stCondLst>
+                        <p:cond delay="indefinite"/>
+                      </p:stCondLst>
+                      <p:childTnLst>
+                        <p:par>
+                          <p:cTn id="24" fill="hold">
+                            <p:stCondLst>
+                              <p:cond delay="0"/>
+                            </p:stCondLst>
+                            <p:childTnLst>
+                              <p:par>
+                                <p:cTn id="25" presetID="7" presetClass="emph" presetSubtype="2" fill="hold" nodeType="clickEffect">
+                                  <p:stCondLst>
+                                    <p:cond delay="0"/>
+                                  </p:stCondLst>
+                                  <p:childTnLst>
+                                    <p:animClr clrSpc="rgb" dir="cw">
+                                      <p:cBhvr>
+                                        <p:cTn id="26" dur="500" fill="hold"/>
+                                        <p:tgtEl>
+                                          <p:spTgt spid="18"/>
+                                        </p:tgtEl>
+                                        <p:attrNameLst>
+                                          <p:attrName>stroke.color</p:attrName>
+                                        </p:attrNameLst>
+                                      </p:cBhvr>
+                                      <p:to>
+                                        <a:schemeClr val="tx2"/>
+                                      </p:to>
+                                    </p:animClr>
+                                    <p:set>
+                                      <p:cBhvr>
+                                        <p:cTn id="27" dur="500" fill="hold"/>
+                                        <p:tgtEl>
+                                          <p:spTgt spid="18"/>
+                                        </p:tgtEl>
+                                        <p:attrNameLst>
+                                          <p:attrName>stroke.on</p:attrName>
+                                        </p:attrNameLst>
+                                      </p:cBhvr>
+                                      <p:to>
+                                        <p:strVal val="true"/>
+                                      </p:to>
+                                    </p:set>
+                                  </p:childTnLst>
+                                </p:cTn>
+                              </p:par>
+                            </p:childTnLst>
+                          </p:cTn>
+                        </p:par>
+                      </p:childTnLst>
+                    </p:cTn>
+                  </p:par>
+                  <p:par>
+                    <p:cTn id="28" fill="hold">
+                      <p:stCondLst>
+                        <p:cond delay="indefinite"/>
+                      </p:stCondLst>
+                      <p:childTnLst>
+                        <p:par>
+                          <p:cTn id="29" fill="hold">
+                            <p:stCondLst>
+                              <p:cond delay="0"/>
+                            </p:stCondLst>
+                            <p:childTnLst>
+                              <p:par>
+                                <p:cTn id="30" presetID="7" presetClass="emph" presetSubtype="2" fill="hold" nodeType="clickEffect">
+                                  <p:stCondLst>
+                                    <p:cond delay="0"/>
+                                  </p:stCondLst>
+                                  <p:childTnLst>
+                                    <p:animClr clrSpc="rgb" dir="cw">
+                                      <p:cBhvr>
+                                        <p:cTn id="31" dur="500" fill="hold"/>
+                                        <p:tgtEl>
+                                          <p:spTgt spid="108"/>
+                                        </p:tgtEl>
+                                        <p:attrNameLst>
+                                          <p:attrName>stroke.color</p:attrName>
+                                        </p:attrNameLst>
+                                      </p:cBhvr>
+                                      <p:to>
+                                        <a:schemeClr val="tx2"/>
+                                      </p:to>
+                                    </p:animClr>
+                                    <p:set>
+                                      <p:cBhvr>
+                                        <p:cTn id="32" dur="500" fill="hold"/>
+                                        <p:tgtEl>
+                                          <p:spTgt spid="108"/>
+                                        </p:tgtEl>
+                                        <p:attrNameLst>
+                                          <p:attrName>stroke.on</p:attrName>
+                                        </p:attrNameLst>
+                                      </p:cBhvr>
+                                      <p:to>
+                                        <p:strVal val="true"/>
+                                      </p:to>
+                                    </p:set>
+                                  </p:childTnLst>
+                                </p:cTn>
+                              </p:par>
+                            </p:childTnLst>
+                          </p:cTn>
+                        </p:par>
+                      </p:childTnLst>
+                    </p:cTn>
+                  </p:par>
+                  <p:par>
+                    <p:cTn id="33" fill="hold">
+                      <p:stCondLst>
+                        <p:cond delay="indefinite"/>
+                      </p:stCondLst>
+                      <p:childTnLst>
+                        <p:par>
+                          <p:cTn id="34" fill="hold">
+                            <p:stCondLst>
+                              <p:cond delay="0"/>
+                            </p:stCondLst>
+                            <p:childTnLst>
+                              <p:par>
+                                <p:cTn id="35" presetID="7" presetClass="emph" presetSubtype="2" fill="hold" nodeType="clickEffect">
+                                  <p:stCondLst>
+                                    <p:cond delay="0"/>
+                                  </p:stCondLst>
+                                  <p:childTnLst>
+                                    <p:animClr clrSpc="rgb" dir="cw">
+                                      <p:cBhvr>
+                                        <p:cTn id="36" dur="500" fill="hold"/>
+                                        <p:tgtEl>
+                                          <p:spTgt spid="120"/>
+                                        </p:tgtEl>
+                                        <p:attrNameLst>
+                                          <p:attrName>stroke.color</p:attrName>
+                                        </p:attrNameLst>
+                                      </p:cBhvr>
+                                      <p:to>
+                                        <a:schemeClr val="tx2"/>
+                                      </p:to>
+                                    </p:animClr>
+                                    <p:set>
+                                      <p:cBhvr>
+                                        <p:cTn id="37" dur="500" fill="hold"/>
+                                        <p:tgtEl>
+                                          <p:spTgt spid="120"/>
+                                        </p:tgtEl>
+                                        <p:attrNameLst>
+                                          <p:attrName>stroke.on</p:attrName>
+                                        </p:attrNameLst>
+                                      </p:cBhvr>
+                                      <p:to>
+                                        <p:strVal val="true"/>
+                                      </p:to>
+                                    </p:set>
+                                  </p:childTnLst>
+                                </p:cTn>
+                              </p:par>
+                            </p:childTnLst>
+                          </p:cTn>
+                        </p:par>
+                      </p:childTnLst>
+                    </p:cTn>
+                  </p:par>
+                  <p:par>
+                    <p:cTn id="38" fill="hold">
+                      <p:stCondLst>
+                        <p:cond delay="indefinite"/>
+                      </p:stCondLst>
+                      <p:childTnLst>
+                        <p:par>
+                          <p:cTn id="39" fill="hold">
+                            <p:stCondLst>
+                              <p:cond delay="0"/>
+                            </p:stCondLst>
+                            <p:childTnLst>
+                              <p:par>
+                                <p:cTn id="40" presetID="7" presetClass="emph" presetSubtype="2" fill="hold" nodeType="clickEffect">
+                                  <p:stCondLst>
+                                    <p:cond delay="0"/>
+                                  </p:stCondLst>
+                                  <p:childTnLst>
+                                    <p:animClr clrSpc="rgb" dir="cw">
+                                      <p:cBhvr>
+                                        <p:cTn id="41" dur="500" fill="hold"/>
+                                        <p:tgtEl>
+                                          <p:spTgt spid="123"/>
+                                        </p:tgtEl>
+                                        <p:attrNameLst>
+                                          <p:attrName>stroke.color</p:attrName>
+                                        </p:attrNameLst>
+                                      </p:cBhvr>
+                                      <p:to>
+                                        <a:schemeClr val="tx2"/>
+                                      </p:to>
+                                    </p:animClr>
+                                    <p:set>
+                                      <p:cBhvr>
+                                        <p:cTn id="42" dur="500" fill="hold"/>
+                                        <p:tgtEl>
+                                          <p:spTgt spid="123"/>
+                                        </p:tgtEl>
+                                        <p:attrNameLst>
+                                          <p:attrName>stroke.on</p:attrName>
+                                        </p:attrNameLst>
+                                      </p:cBhvr>
+                                      <p:to>
+                                        <p:strVal val="true"/>
+                                      </p:to>
+                                    </p:set>
+                                  </p:childTnLst>
+                                </p:cTn>
+                              </p:par>
+                            </p:childTnLst>
+                          </p:cTn>
+                        </p:par>
+                      </p:childTnLst>
+                    </p:cTn>
+                  </p:par>
+                  <p:par>
+                    <p:cTn id="43" fill="hold">
+                      <p:stCondLst>
+                        <p:cond delay="indefinite"/>
+                      </p:stCondLst>
+                      <p:childTnLst>
+                        <p:par>
+                          <p:cTn id="44" fill="hold">
+                            <p:stCondLst>
+                              <p:cond delay="0"/>
+                            </p:stCondLst>
+                            <p:childTnLst>
+                              <p:par>
+                                <p:cTn id="45" presetID="1" presetClass="entr" presetSubtype="0" fill="hold" grpId="0" nodeType="clickEffect">
+                                  <p:stCondLst>
+                                    <p:cond delay="0"/>
+                                  </p:stCondLst>
+                                  <p:childTnLst>
+                                    <p:set>
+                                      <p:cBhvr>
+                                        <p:cTn id="46" dur="1" fill="hold">
+                                          <p:stCondLst>
+                                            <p:cond delay="0"/>
+                                          </p:stCondLst>
+                                        </p:cTn>
+                                        <p:tgtEl>
+                                          <p:spTgt spid="169"/>
+                                        </p:tgtEl>
+                                        <p:attrNameLst>
+                                          <p:attrName>style.visibility</p:attrName>
+                                        </p:attrNameLst>
+                                      </p:cBhvr>
+                                      <p:to>
+                                        <p:strVal val="visible"/>
+                                      </p:to>
+                                    </p:set>
+                                  </p:childTnLst>
+                                </p:cTn>
+                              </p:par>
+                              <p:par>
+                                <p:cTn id="47" presetID="1" presetClass="exit" presetSubtype="0" fill="hold" grpId="0" nodeType="withEffect">
+                                  <p:stCondLst>
+                                    <p:cond delay="0"/>
+                                  </p:stCondLst>
+                                  <p:childTnLst>
+                                    <p:set>
+                                      <p:cBhvr>
+                                        <p:cTn id="48" dur="1" fill="hold">
+                                          <p:stCondLst>
+                                            <p:cond delay="0"/>
+                                          </p:stCondLst>
+                                        </p:cTn>
+                                        <p:tgtEl>
+                                          <p:spTgt spid="265"/>
+                                        </p:tgtEl>
+                                        <p:attrNameLst>
+                                          <p:attrName>style.visibility</p:attrName>
+                                        </p:attrNameLst>
+                                      </p:cBhvr>
+                                      <p:to>
+                                        <p:strVal val="hidden"/>
+                                      </p:to>
+                                    </p:set>
+                                  </p:childTnLst>
+                                </p:cTn>
+                              </p:par>
+                              <p:par>
+                                <p:cTn id="49" presetID="1" presetClass="entr" presetSubtype="0" fill="hold" grpId="0" nodeType="withEffect">
+                                  <p:stCondLst>
+                                    <p:cond delay="0"/>
+                                  </p:stCondLst>
+                                  <p:childTnLst>
+                                    <p:set>
+                                      <p:cBhvr>
+                                        <p:cTn id="50" dur="1" fill="hold">
+                                          <p:stCondLst>
+                                            <p:cond delay="0"/>
+                                          </p:stCondLst>
+                                        </p:cTn>
+                                        <p:tgtEl>
+                                          <p:spTgt spid="275"/>
+                                        </p:tgtEl>
+                                        <p:attrNameLst>
+                                          <p:attrName>style.visibility</p:attrName>
+                                        </p:attrNameLst>
+                                      </p:cBhvr>
+                                      <p:to>
+                                        <p:strVal val="visible"/>
+                                      </p:to>
+                                    </p:set>
+                                  </p:childTnLst>
+                                </p:cTn>
+                              </p:par>
+                            </p:childTnLst>
+                          </p:cTn>
+                        </p:par>
+                      </p:childTnLst>
+                    </p:cTn>
+                  </p:par>
+                  <p:par>
+                    <p:cTn id="51" fill="hold">
+                      <p:stCondLst>
+                        <p:cond delay="indefinite"/>
+                      </p:stCondLst>
+                      <p:childTnLst>
+                        <p:par>
+                          <p:cTn id="52" fill="hold">
+                            <p:stCondLst>
+                              <p:cond delay="0"/>
+                            </p:stCondLst>
+                            <p:childTnLst>
+                              <p:par>
+                                <p:cTn id="53" presetID="1" presetClass="entr" presetSubtype="0" fill="hold" grpId="0" nodeType="clickEffect">
+                                  <p:stCondLst>
+                                    <p:cond delay="0"/>
+                                  </p:stCondLst>
+                                  <p:childTnLst>
+                                    <p:set>
+                                      <p:cBhvr>
+                                        <p:cTn id="54" dur="1" fill="hold">
+                                          <p:stCondLst>
+                                            <p:cond delay="0"/>
+                                          </p:stCondLst>
+                                        </p:cTn>
+                                        <p:tgtEl>
+                                          <p:spTgt spid="220"/>
+                                        </p:tgtEl>
+                                        <p:attrNameLst>
+                                          <p:attrName>style.visibility</p:attrName>
+                                        </p:attrNameLst>
+                                      </p:cBhvr>
+                                      <p:to>
+                                        <p:strVal val="visible"/>
+                                      </p:to>
+                                    </p:set>
+                                  </p:childTnLst>
+                                </p:cTn>
+                              </p:par>
+                              <p:par>
+                                <p:cTn id="55" presetID="1" presetClass="exit" presetSubtype="0" fill="hold" grpId="0" nodeType="withEffect">
+                                  <p:stCondLst>
+                                    <p:cond delay="0"/>
+                                  </p:stCondLst>
+                                  <p:childTnLst>
+                                    <p:set>
+                                      <p:cBhvr>
+                                        <p:cTn id="56" dur="1" fill="hold">
+                                          <p:stCondLst>
+                                            <p:cond delay="0"/>
+                                          </p:stCondLst>
+                                        </p:cTn>
+                                        <p:tgtEl>
+                                          <p:spTgt spid="267"/>
+                                        </p:tgtEl>
+                                        <p:attrNameLst>
+                                          <p:attrName>style.visibility</p:attrName>
+                                        </p:attrNameLst>
+                                      </p:cBhvr>
+                                      <p:to>
+                                        <p:strVal val="hidden"/>
+                                      </p:to>
+                                    </p:set>
+                                  </p:childTnLst>
+                                </p:cTn>
+                              </p:par>
+                              <p:par>
+                                <p:cTn id="57" presetID="1" presetClass="entr" presetSubtype="0" fill="hold" grpId="1" nodeType="withEffect">
+                                  <p:stCondLst>
+                                    <p:cond delay="0"/>
+                                  </p:stCondLst>
+                                  <p:childTnLst>
+                                    <p:set>
+                                      <p:cBhvr>
+                                        <p:cTn id="58" dur="1" fill="hold">
+                                          <p:stCondLst>
+                                            <p:cond delay="0"/>
+                                          </p:stCondLst>
+                                        </p:cTn>
+                                        <p:tgtEl>
+                                          <p:spTgt spid="276"/>
+                                        </p:tgtEl>
+                                        <p:attrNameLst>
+                                          <p:attrName>style.visibility</p:attrName>
+                                        </p:attrNameLst>
+                                      </p:cBhvr>
+                                      <p:to>
+                                        <p:strVal val="visible"/>
+                                      </p:to>
+                                    </p:set>
+                                  </p:childTnLst>
+                                </p:cTn>
+                              </p:par>
+                            </p:childTnLst>
+                          </p:cTn>
+                        </p:par>
+                      </p:childTnLst>
+                    </p:cTn>
+                  </p:par>
+                  <p:par>
+                    <p:cTn id="59" fill="hold">
+                      <p:stCondLst>
+                        <p:cond delay="indefinite"/>
+                      </p:stCondLst>
+                      <p:childTnLst>
+                        <p:par>
+                          <p:cTn id="60" fill="hold">
+                            <p:stCondLst>
+                              <p:cond delay="0"/>
+                            </p:stCondLst>
+                            <p:childTnLst>
+                              <p:par>
+                                <p:cTn id="61" presetID="1" presetClass="entr" presetSubtype="0" fill="hold" grpId="0" nodeType="clickEffect">
+                                  <p:stCondLst>
+                                    <p:cond delay="0"/>
+                                  </p:stCondLst>
+                                  <p:childTnLst>
+                                    <p:set>
+                                      <p:cBhvr>
+                                        <p:cTn id="62" dur="1" fill="hold">
+                                          <p:stCondLst>
+                                            <p:cond delay="0"/>
+                                          </p:stCondLst>
+                                        </p:cTn>
+                                        <p:tgtEl>
+                                          <p:spTgt spid="221"/>
+                                        </p:tgtEl>
+                                        <p:attrNameLst>
+                                          <p:attrName>style.visibility</p:attrName>
+                                        </p:attrNameLst>
+                                      </p:cBhvr>
+                                      <p:to>
+                                        <p:strVal val="visible"/>
+                                      </p:to>
+                                    </p:set>
+                                  </p:childTnLst>
+                                </p:cTn>
+                              </p:par>
+                              <p:par>
+                                <p:cTn id="63" presetID="1" presetClass="exit" presetSubtype="0" fill="hold" grpId="0" nodeType="withEffect">
+                                  <p:stCondLst>
+                                    <p:cond delay="0"/>
+                                  </p:stCondLst>
+                                  <p:childTnLst>
+                                    <p:set>
+                                      <p:cBhvr>
+                                        <p:cTn id="64" dur="1" fill="hold">
+                                          <p:stCondLst>
+                                            <p:cond delay="0"/>
+                                          </p:stCondLst>
+                                        </p:cTn>
+                                        <p:tgtEl>
+                                          <p:spTgt spid="269"/>
+                                        </p:tgtEl>
+                                        <p:attrNameLst>
+                                          <p:attrName>style.visibility</p:attrName>
+                                        </p:attrNameLst>
+                                      </p:cBhvr>
+                                      <p:to>
+                                        <p:strVal val="hidden"/>
+                                      </p:to>
+                                    </p:set>
+                                  </p:childTnLst>
+                                </p:cTn>
+                              </p:par>
+                              <p:par>
+                                <p:cTn id="65" presetID="1" presetClass="entr" presetSubtype="0" fill="hold" grpId="1" nodeType="withEffect">
+                                  <p:stCondLst>
+                                    <p:cond delay="0"/>
+                                  </p:stCondLst>
+                                  <p:childTnLst>
+                                    <p:set>
+                                      <p:cBhvr>
+                                        <p:cTn id="66" dur="1" fill="hold">
+                                          <p:stCondLst>
+                                            <p:cond delay="0"/>
+                                          </p:stCondLst>
+                                        </p:cTn>
+                                        <p:tgtEl>
+                                          <p:spTgt spid="277"/>
+                                        </p:tgtEl>
+                                        <p:attrNameLst>
+                                          <p:attrName>style.visibility</p:attrName>
+                                        </p:attrNameLst>
+                                      </p:cBhvr>
+                                      <p:to>
+                                        <p:strVal val="visible"/>
+                                      </p:to>
+                                    </p:set>
+                                  </p:childTnLst>
+                                </p:cTn>
+                              </p:par>
+                            </p:childTnLst>
+                          </p:cTn>
+                        </p:par>
+                      </p:childTnLst>
+                    </p:cTn>
+                  </p:par>
+                  <p:par>
+                    <p:cTn id="67" fill="hold">
+                      <p:stCondLst>
+                        <p:cond delay="indefinite"/>
+                      </p:stCondLst>
+                      <p:childTnLst>
+                        <p:par>
+                          <p:cTn id="68" fill="hold">
+                            <p:stCondLst>
+                              <p:cond delay="0"/>
+                            </p:stCondLst>
+                            <p:childTnLst>
+                              <p:par>
+                                <p:cTn id="69" presetID="1" presetClass="entr" presetSubtype="0" fill="hold" grpId="0" nodeType="clickEffect">
+                                  <p:stCondLst>
+                                    <p:cond delay="0"/>
+                                  </p:stCondLst>
+                                  <p:childTnLst>
+                                    <p:set>
+                                      <p:cBhvr>
+                                        <p:cTn id="70" dur="1" fill="hold">
+                                          <p:stCondLst>
+                                            <p:cond delay="0"/>
+                                          </p:stCondLst>
+                                        </p:cTn>
+                                        <p:tgtEl>
+                                          <p:spTgt spid="236"/>
+                                        </p:tgtEl>
+                                        <p:attrNameLst>
+                                          <p:attrName>style.visibility</p:attrName>
+                                        </p:attrNameLst>
+                                      </p:cBhvr>
+                                      <p:to>
+                                        <p:strVal val="visible"/>
+                                      </p:to>
+                                    </p:set>
+                                  </p:childTnLst>
+                                </p:cTn>
+                              </p:par>
+                              <p:par>
+                                <p:cTn id="71" presetID="1" presetClass="exit" presetSubtype="0" fill="hold" grpId="0" nodeType="withEffect">
+                                  <p:stCondLst>
+                                    <p:cond delay="0"/>
+                                  </p:stCondLst>
+                                  <p:childTnLst>
+                                    <p:set>
+                                      <p:cBhvr>
+                                        <p:cTn id="72" dur="1" fill="hold">
+                                          <p:stCondLst>
+                                            <p:cond delay="0"/>
+                                          </p:stCondLst>
+                                        </p:cTn>
+                                        <p:tgtEl>
+                                          <p:spTgt spid="270"/>
+                                        </p:tgtEl>
+                                        <p:attrNameLst>
+                                          <p:attrName>style.visibility</p:attrName>
+                                        </p:attrNameLst>
+                                      </p:cBhvr>
+                                      <p:to>
+                                        <p:strVal val="hidden"/>
+                                      </p:to>
+                                    </p:set>
+                                  </p:childTnLst>
+                                </p:cTn>
+                              </p:par>
+                              <p:par>
+                                <p:cTn id="73" presetID="1" presetClass="entr" presetSubtype="0" fill="hold" grpId="1" nodeType="withEffect">
+                                  <p:stCondLst>
+                                    <p:cond delay="0"/>
+                                  </p:stCondLst>
+                                  <p:childTnLst>
+                                    <p:set>
+                                      <p:cBhvr>
+                                        <p:cTn id="74" dur="1" fill="hold">
+                                          <p:stCondLst>
+                                            <p:cond delay="0"/>
+                                          </p:stCondLst>
+                                        </p:cTn>
+                                        <p:tgtEl>
+                                          <p:spTgt spid="278"/>
+                                        </p:tgtEl>
+                                        <p:attrNameLst>
+                                          <p:attrName>style.visibility</p:attrName>
+                                        </p:attrNameLst>
+                                      </p:cBhvr>
+                                      <p:to>
+                                        <p:strVal val="visible"/>
+                                      </p:to>
+                                    </p:set>
+                                  </p:childTnLst>
+                                </p:cTn>
+                              </p:par>
+                            </p:childTnLst>
+                          </p:cTn>
+                        </p:par>
+                      </p:childTnLst>
+                    </p:cTn>
+                  </p:par>
+                  <p:par>
+                    <p:cTn id="75" fill="hold">
+                      <p:stCondLst>
+                        <p:cond delay="indefinite"/>
+                      </p:stCondLst>
+                      <p:childTnLst>
+                        <p:par>
+                          <p:cTn id="76" fill="hold">
+                            <p:stCondLst>
+                              <p:cond delay="0"/>
+                            </p:stCondLst>
+                            <p:childTnLst>
+                              <p:par>
+                                <p:cTn id="77" presetID="1" presetClass="entr" presetSubtype="0" fill="hold" grpId="0" nodeType="clickEffect">
+                                  <p:stCondLst>
+                                    <p:cond delay="0"/>
+                                  </p:stCondLst>
+                                  <p:childTnLst>
+                                    <p:set>
+                                      <p:cBhvr>
+                                        <p:cTn id="78" dur="1" fill="hold">
+                                          <p:stCondLst>
+                                            <p:cond delay="0"/>
+                                          </p:stCondLst>
+                                        </p:cTn>
+                                        <p:tgtEl>
+                                          <p:spTgt spid="283"/>
+                                        </p:tgtEl>
+                                        <p:attrNameLst>
+                                          <p:attrName>style.visibility</p:attrName>
+                                        </p:attrNameLst>
+                                      </p:cBhvr>
+                                      <p:to>
+                                        <p:strVal val="visible"/>
+                                      </p:to>
+                                    </p:set>
+                                  </p:childTnLst>
+                                </p:cTn>
+                              </p:par>
+                              <p:par>
+                                <p:cTn id="79" presetID="1" presetClass="entr" presetSubtype="0" fill="hold" grpId="0" nodeType="withEffect">
+                                  <p:stCondLst>
+                                    <p:cond delay="0"/>
+                                  </p:stCondLst>
+                                  <p:childTnLst>
+                                    <p:set>
+                                      <p:cBhvr>
+                                        <p:cTn id="80" dur="1" fill="hold">
+                                          <p:stCondLst>
+                                            <p:cond delay="0"/>
+                                          </p:stCondLst>
+                                        </p:cTn>
+                                        <p:tgtEl>
+                                          <p:spTgt spid="284"/>
+                                        </p:tgtEl>
+                                        <p:attrNameLst>
+                                          <p:attrName>style.visibility</p:attrName>
+                                        </p:attrNameLst>
+                                      </p:cBhvr>
+                                      <p:to>
+                                        <p:strVal val="visible"/>
+                                      </p:to>
+                                    </p:set>
+                                  </p:childTnLst>
+                                </p:cTn>
+                              </p:par>
+                              <p:par>
+                                <p:cTn id="81" presetID="1" presetClass="entr" presetSubtype="0" fill="hold" grpId="0" nodeType="withEffect">
+                                  <p:stCondLst>
+                                    <p:cond delay="0"/>
+                                  </p:stCondLst>
+                                  <p:childTnLst>
+                                    <p:set>
+                                      <p:cBhvr>
+                                        <p:cTn id="82" dur="1" fill="hold">
+                                          <p:stCondLst>
+                                            <p:cond delay="0"/>
+                                          </p:stCondLst>
+                                        </p:cTn>
+                                        <p:tgtEl>
+                                          <p:spTgt spid="285"/>
+                                        </p:tgtEl>
+                                        <p:attrNameLst>
+                                          <p:attrName>style.visibility</p:attrName>
+                                        </p:attrNameLst>
+                                      </p:cBhvr>
+                                      <p:to>
+                                        <p:strVal val="visible"/>
+                                      </p:to>
+                                    </p:set>
+                                  </p:childTnLst>
+                                </p:cTn>
+                              </p:par>
+                              <p:par>
+                                <p:cTn id="83" presetID="1" presetClass="entr" presetSubtype="0" fill="hold" grpId="0" nodeType="withEffect">
+                                  <p:stCondLst>
+                                    <p:cond delay="0"/>
+                                  </p:stCondLst>
+                                  <p:childTnLst>
+                                    <p:set>
+                                      <p:cBhvr>
+                                        <p:cTn id="84" dur="1" fill="hold">
+                                          <p:stCondLst>
+                                            <p:cond delay="0"/>
+                                          </p:stCondLst>
+                                        </p:cTn>
+                                        <p:tgtEl>
+                                          <p:spTgt spid="286"/>
+                                        </p:tgtEl>
+                                        <p:attrNameLst>
+                                          <p:attrName>style.visibility</p:attrName>
+                                        </p:attrNameLst>
+                                      </p:cBhvr>
+                                      <p:to>
+                                        <p:strVal val="visible"/>
+                                      </p:to>
+                                    </p:set>
+                                  </p:childTnLst>
+                                </p:cTn>
+                              </p:par>
+                              <p:par>
+                                <p:cTn id="85" presetID="1" presetClass="entr" presetSubtype="0" fill="hold" grpId="0" nodeType="withEffect">
+                                  <p:stCondLst>
+                                    <p:cond delay="0"/>
+                                  </p:stCondLst>
+                                  <p:childTnLst>
+                                    <p:set>
+                                      <p:cBhvr>
+                                        <p:cTn id="86" dur="1" fill="hold">
+                                          <p:stCondLst>
+                                            <p:cond delay="0"/>
+                                          </p:stCondLst>
+                                        </p:cTn>
+                                        <p:tgtEl>
+                                          <p:spTgt spid="287"/>
+                                        </p:tgtEl>
+                                        <p:attrNameLst>
+                                          <p:attrName>style.visibility</p:attrName>
+                                        </p:attrNameLst>
+                                      </p:cBhvr>
+                                      <p:to>
+                                        <p:strVal val="visible"/>
+                                      </p:to>
+                                    </p:set>
+                                  </p:childTnLst>
+                                </p:cTn>
+                              </p:par>
+                              <p:par>
+                                <p:cTn id="87" presetID="1" presetClass="entr" presetSubtype="0" fill="hold" grpId="0" nodeType="withEffect">
+                                  <p:stCondLst>
+                                    <p:cond delay="0"/>
+                                  </p:stCondLst>
+                                  <p:childTnLst>
+                                    <p:set>
+                                      <p:cBhvr>
+                                        <p:cTn id="88" dur="1" fill="hold">
+                                          <p:stCondLst>
+                                            <p:cond delay="0"/>
+                                          </p:stCondLst>
+                                        </p:cTn>
+                                        <p:tgtEl>
+                                          <p:spTgt spid="288"/>
+                                        </p:tgtEl>
+                                        <p:attrNameLst>
+                                          <p:attrName>style.visibility</p:attrName>
+                                        </p:attrNameLst>
+                                      </p:cBhvr>
+                                      <p:to>
+                                        <p:strVal val="visible"/>
+                                      </p:to>
+                                    </p:set>
+                                  </p:childTnLst>
+                                </p:cTn>
+                              </p:par>
+                              <p:par>
+                                <p:cTn id="89" presetID="1" presetClass="entr" presetSubtype="0" fill="hold" grpId="0" nodeType="withEffect">
+                                  <p:stCondLst>
+                                    <p:cond delay="0"/>
+                                  </p:stCondLst>
+                                  <p:childTnLst>
+                                    <p:set>
+                                      <p:cBhvr>
+                                        <p:cTn id="90" dur="1" fill="hold">
+                                          <p:stCondLst>
+                                            <p:cond delay="0"/>
+                                          </p:stCondLst>
+                                        </p:cTn>
+                                        <p:tgtEl>
+                                          <p:spTgt spid="289"/>
+                                        </p:tgtEl>
+                                        <p:attrNameLst>
+                                          <p:attrName>style.visibility</p:attrName>
+                                        </p:attrNameLst>
+                                      </p:cBhvr>
+                                      <p:to>
+                                        <p:strVal val="visible"/>
+                                      </p:to>
+                                    </p:set>
+                                  </p:childTnLst>
+                                </p:cTn>
+                              </p:par>
+                              <p:par>
+                                <p:cTn id="91" presetID="1" presetClass="entr" presetSubtype="0" fill="hold" grpId="0" nodeType="withEffect">
+                                  <p:stCondLst>
+                                    <p:cond delay="0"/>
+                                  </p:stCondLst>
+                                  <p:childTnLst>
+                                    <p:set>
+                                      <p:cBhvr>
+                                        <p:cTn id="92" dur="1" fill="hold">
+                                          <p:stCondLst>
+                                            <p:cond delay="0"/>
+                                          </p:stCondLst>
+                                        </p:cTn>
+                                        <p:tgtEl>
+                                          <p:spTgt spid="296"/>
+                                        </p:tgtEl>
+                                        <p:attrNameLst>
+                                          <p:attrName>style.visibility</p:attrName>
+                                        </p:attrNameLst>
+                                      </p:cBhvr>
+                                      <p:to>
+                                        <p:strVal val="visible"/>
+                                      </p:to>
+                                    </p:set>
+                                  </p:childTnLst>
+                                </p:cTn>
+                              </p:par>
+                              <p:par>
+                                <p:cTn id="93" presetID="1" presetClass="entr" presetSubtype="0" fill="hold" grpId="0" nodeType="withEffect">
+                                  <p:stCondLst>
+                                    <p:cond delay="0"/>
+                                  </p:stCondLst>
+                                  <p:childTnLst>
+                                    <p:set>
+                                      <p:cBhvr>
+                                        <p:cTn id="94" dur="1" fill="hold">
+                                          <p:stCondLst>
+                                            <p:cond delay="0"/>
+                                          </p:stCondLst>
+                                        </p:cTn>
+                                        <p:tgtEl>
+                                          <p:spTgt spid="297"/>
+                                        </p:tgtEl>
+                                        <p:attrNameLst>
+                                          <p:attrName>style.visibility</p:attrName>
+                                        </p:attrNameLst>
+                                      </p:cBhvr>
+                                      <p:to>
+                                        <p:strVal val="visible"/>
+                                      </p:to>
+                                    </p:set>
+                                  </p:childTnLst>
+                                </p:cTn>
+                              </p:par>
+                              <p:par>
+                                <p:cTn id="95" presetID="1" presetClass="entr" presetSubtype="0" fill="hold" nodeType="withEffect">
+                                  <p:stCondLst>
+                                    <p:cond delay="0"/>
+                                  </p:stCondLst>
+                                  <p:childTnLst>
+                                    <p:set>
+                                      <p:cBhvr>
+                                        <p:cTn id="96" dur="1" fill="hold">
+                                          <p:stCondLst>
+                                            <p:cond delay="0"/>
+                                          </p:stCondLst>
+                                        </p:cTn>
+                                        <p:tgtEl>
+                                          <p:spTgt spid="290"/>
+                                        </p:tgtEl>
+                                        <p:attrNameLst>
+                                          <p:attrName>style.visibility</p:attrName>
+                                        </p:attrNameLst>
+                                      </p:cBhvr>
+                                      <p:to>
+                                        <p:strVal val="visible"/>
+                                      </p:to>
+                                    </p:set>
+                                  </p:childTnLst>
+                                </p:cTn>
+                              </p:par>
+                              <p:par>
+                                <p:cTn id="97" presetID="1" presetClass="entr" presetSubtype="0" fill="hold" nodeType="withEffect">
+                                  <p:stCondLst>
+                                    <p:cond delay="0"/>
+                                  </p:stCondLst>
+                                  <p:childTnLst>
+                                    <p:set>
+                                      <p:cBhvr>
+                                        <p:cTn id="98" dur="1" fill="hold">
+                                          <p:stCondLst>
+                                            <p:cond delay="0"/>
+                                          </p:stCondLst>
+                                        </p:cTn>
+                                        <p:tgtEl>
+                                          <p:spTgt spid="291"/>
+                                        </p:tgtEl>
+                                        <p:attrNameLst>
+                                          <p:attrName>style.visibility</p:attrName>
+                                        </p:attrNameLst>
+                                      </p:cBhvr>
+                                      <p:to>
+                                        <p:strVal val="visible"/>
+                                      </p:to>
+                                    </p:set>
+                                  </p:childTnLst>
+                                </p:cTn>
+                              </p:par>
+                              <p:par>
+                                <p:cTn id="99" presetID="1" presetClass="entr" presetSubtype="0" fill="hold" nodeType="withEffect">
+                                  <p:stCondLst>
+                                    <p:cond delay="0"/>
+                                  </p:stCondLst>
+                                  <p:childTnLst>
+                                    <p:set>
+                                      <p:cBhvr>
+                                        <p:cTn id="100" dur="1" fill="hold">
+                                          <p:stCondLst>
+                                            <p:cond delay="0"/>
+                                          </p:stCondLst>
+                                        </p:cTn>
+                                        <p:tgtEl>
+                                          <p:spTgt spid="292"/>
+                                        </p:tgtEl>
+                                        <p:attrNameLst>
+                                          <p:attrName>style.visibility</p:attrName>
+                                        </p:attrNameLst>
+                                      </p:cBhvr>
+                                      <p:to>
+                                        <p:strVal val="visible"/>
+                                      </p:to>
+                                    </p:set>
+                                  </p:childTnLst>
+                                </p:cTn>
+                              </p:par>
+                              <p:par>
+                                <p:cTn id="101" presetID="1" presetClass="entr" presetSubtype="0" fill="hold" nodeType="withEffect">
+                                  <p:stCondLst>
+                                    <p:cond delay="0"/>
+                                  </p:stCondLst>
+                                  <p:childTnLst>
+                                    <p:set>
+                                      <p:cBhvr>
+                                        <p:cTn id="102" dur="1" fill="hold">
+                                          <p:stCondLst>
+                                            <p:cond delay="0"/>
+                                          </p:stCondLst>
+                                        </p:cTn>
+                                        <p:tgtEl>
+                                          <p:spTgt spid="293"/>
+                                        </p:tgtEl>
+                                        <p:attrNameLst>
+                                          <p:attrName>style.visibility</p:attrName>
+                                        </p:attrNameLst>
+                                      </p:cBhvr>
+                                      <p:to>
+                                        <p:strVal val="visible"/>
+                                      </p:to>
+                                    </p:set>
+                                  </p:childTnLst>
+                                </p:cTn>
+                              </p:par>
+                              <p:par>
+                                <p:cTn id="103" presetID="1" presetClass="entr" presetSubtype="0" fill="hold" nodeType="withEffect">
+                                  <p:stCondLst>
+                                    <p:cond delay="0"/>
+                                  </p:stCondLst>
+                                  <p:childTnLst>
+                                    <p:set>
+                                      <p:cBhvr>
+                                        <p:cTn id="104" dur="1" fill="hold">
+                                          <p:stCondLst>
+                                            <p:cond delay="0"/>
+                                          </p:stCondLst>
+                                        </p:cTn>
+                                        <p:tgtEl>
+                                          <p:spTgt spid="294"/>
+                                        </p:tgtEl>
+                                        <p:attrNameLst>
+                                          <p:attrName>style.visibility</p:attrName>
+                                        </p:attrNameLst>
+                                      </p:cBhvr>
+                                      <p:to>
+                                        <p:strVal val="visible"/>
+                                      </p:to>
+                                    </p:set>
+                                  </p:childTnLst>
+                                </p:cTn>
+                              </p:par>
+                              <p:par>
+                                <p:cTn id="105" presetID="1" presetClass="entr" presetSubtype="0" fill="hold" nodeType="withEffect">
+                                  <p:stCondLst>
+                                    <p:cond delay="0"/>
+                                  </p:stCondLst>
+                                  <p:childTnLst>
+                                    <p:set>
+                                      <p:cBhvr>
+                                        <p:cTn id="106" dur="1" fill="hold">
+                                          <p:stCondLst>
+                                            <p:cond delay="0"/>
+                                          </p:stCondLst>
+                                        </p:cTn>
+                                        <p:tgtEl>
+                                          <p:spTgt spid="295"/>
+                                        </p:tgtEl>
+                                        <p:attrNameLst>
+                                          <p:attrName>style.visibility</p:attrName>
+                                        </p:attrNameLst>
+                                      </p:cBhvr>
+                                      <p:to>
+                                        <p:strVal val="visible"/>
+                                      </p:to>
+                                    </p:set>
+                                  </p:childTnLst>
+                                </p:cTn>
+                              </p:par>
+                              <p:par>
+                                <p:cTn id="107" presetID="1" presetClass="entr" presetSubtype="0" fill="hold" nodeType="withEffect">
+                                  <p:stCondLst>
+                                    <p:cond delay="0"/>
+                                  </p:stCondLst>
+                                  <p:childTnLst>
+                                    <p:set>
+                                      <p:cBhvr>
+                                        <p:cTn id="108" dur="1" fill="hold">
+                                          <p:stCondLst>
+                                            <p:cond delay="0"/>
+                                          </p:stCondLst>
+                                        </p:cTn>
+                                        <p:tgtEl>
+                                          <p:spTgt spid="298"/>
+                                        </p:tgtEl>
+                                        <p:attrNameLst>
+                                          <p:attrName>style.visibility</p:attrName>
+                                        </p:attrNameLst>
+                                      </p:cBhvr>
+                                      <p:to>
+                                        <p:strVal val="visible"/>
+                                      </p:to>
+                                    </p:set>
+                                  </p:childTnLst>
+                                </p:cTn>
+                              </p:par>
+                              <p:par>
+                                <p:cTn id="109" presetID="1" presetClass="entr" presetSubtype="0" fill="hold" nodeType="withEffect">
+                                  <p:stCondLst>
+                                    <p:cond delay="0"/>
+                                  </p:stCondLst>
+                                  <p:childTnLst>
+                                    <p:set>
+                                      <p:cBhvr>
+                                        <p:cTn id="110" dur="1" fill="hold">
+                                          <p:stCondLst>
+                                            <p:cond delay="0"/>
+                                          </p:stCondLst>
+                                        </p:cTn>
+                                        <p:tgtEl>
+                                          <p:spTgt spid="299"/>
+                                        </p:tgtEl>
+                                        <p:attrNameLst>
+                                          <p:attrName>style.visibility</p:attrName>
+                                        </p:attrNameLst>
+                                      </p:cBhvr>
+                                      <p:to>
+                                        <p:strVal val="visible"/>
+                                      </p:to>
+                                    </p:set>
+                                  </p:childTnLst>
+                                </p:cTn>
+                              </p:par>
+                              <p:par>
+                                <p:cTn id="111" presetID="1" presetClass="entr" presetSubtype="0" fill="hold" nodeType="withEffect">
+                                  <p:stCondLst>
+                                    <p:cond delay="0"/>
+                                  </p:stCondLst>
+                                  <p:childTnLst>
+                                    <p:set>
+                                      <p:cBhvr>
+                                        <p:cTn id="112" dur="1" fill="hold">
+                                          <p:stCondLst>
+                                            <p:cond delay="0"/>
+                                          </p:stCondLst>
+                                        </p:cTn>
+                                        <p:tgtEl>
+                                          <p:spTgt spid="300"/>
+                                        </p:tgtEl>
+                                        <p:attrNameLst>
+                                          <p:attrName>style.visibility</p:attrName>
+                                        </p:attrNameLst>
+                                      </p:cBhvr>
+                                      <p:to>
+                                        <p:strVal val="visible"/>
+                                      </p:to>
+                                    </p:set>
+                                  </p:childTnLst>
+                                </p:cTn>
+                              </p:par>
+                              <p:par>
+                                <p:cTn id="113" presetID="1" presetClass="entr" presetSubtype="0" fill="hold" nodeType="withEffect">
+                                  <p:stCondLst>
+                                    <p:cond delay="0"/>
+                                  </p:stCondLst>
+                                  <p:childTnLst>
+                                    <p:set>
+                                      <p:cBhvr>
+                                        <p:cTn id="114" dur="1" fill="hold">
+                                          <p:stCondLst>
+                                            <p:cond delay="0"/>
+                                          </p:stCondLst>
+                                        </p:cTn>
+                                        <p:tgtEl>
+                                          <p:spTgt spid="301"/>
+                                        </p:tgtEl>
+                                        <p:attrNameLst>
+                                          <p:attrName>style.visibility</p:attrName>
+                                        </p:attrNameLst>
+                                      </p:cBhvr>
+                                      <p:to>
+                                        <p:strVal val="visible"/>
+                                      </p:to>
+                                    </p:set>
+                                  </p:childTnLst>
+                                </p:cTn>
+                              </p:par>
+                              <p:par>
+                                <p:cTn id="115" presetID="1" presetClass="entr" presetSubtype="0" fill="hold" nodeType="withEffect">
+                                  <p:stCondLst>
+                                    <p:cond delay="0"/>
+                                  </p:stCondLst>
+                                  <p:childTnLst>
+                                    <p:set>
+                                      <p:cBhvr>
+                                        <p:cTn id="116" dur="1" fill="hold">
+                                          <p:stCondLst>
+                                            <p:cond delay="0"/>
+                                          </p:stCondLst>
+                                        </p:cTn>
+                                        <p:tgtEl>
+                                          <p:spTgt spid="302"/>
+                                        </p:tgtEl>
+                                        <p:attrNameLst>
+                                          <p:attrName>style.visibility</p:attrName>
+                                        </p:attrNameLst>
+                                      </p:cBhvr>
+                                      <p:to>
+                                        <p:strVal val="visible"/>
+                                      </p:to>
+                                    </p:set>
+                                  </p:childTnLst>
+                                </p:cTn>
+                              </p:par>
+                              <p:par>
+                                <p:cTn id="117" presetID="1" presetClass="entr" presetSubtype="0" fill="hold" nodeType="withEffect">
+                                  <p:stCondLst>
+                                    <p:cond delay="0"/>
+                                  </p:stCondLst>
+                                  <p:childTnLst>
+                                    <p:set>
+                                      <p:cBhvr>
+                                        <p:cTn id="118" dur="1" fill="hold">
+                                          <p:stCondLst>
+                                            <p:cond delay="0"/>
+                                          </p:stCondLst>
+                                        </p:cTn>
+                                        <p:tgtEl>
+                                          <p:spTgt spid="303"/>
+                                        </p:tgtEl>
+                                        <p:attrNameLst>
+                                          <p:attrName>style.visibility</p:attrName>
+                                        </p:attrNameLst>
+                                      </p:cBhvr>
+                                      <p:to>
+                                        <p:strVal val="visible"/>
+                                      </p:to>
+                                    </p:set>
+                                  </p:childTnLst>
+                                </p:cTn>
+                              </p:par>
+                              <p:par>
+                                <p:cTn id="119" presetID="1" presetClass="entr" presetSubtype="0" fill="hold" nodeType="withEffect">
+                                  <p:stCondLst>
+                                    <p:cond delay="0"/>
+                                  </p:stCondLst>
+                                  <p:childTnLst>
+                                    <p:set>
+                                      <p:cBhvr>
+                                        <p:cTn id="120" dur="1" fill="hold">
+                                          <p:stCondLst>
+                                            <p:cond delay="0"/>
+                                          </p:stCondLst>
+                                        </p:cTn>
+                                        <p:tgtEl>
+                                          <p:spTgt spid="304"/>
+                                        </p:tgtEl>
+                                        <p:attrNameLst>
+                                          <p:attrName>style.visibility</p:attrName>
+                                        </p:attrNameLst>
+                                      </p:cBhvr>
+                                      <p:to>
+                                        <p:strVal val="visible"/>
+                                      </p:to>
+                                    </p:set>
+                                  </p:childTnLst>
+                                </p:cTn>
+                              </p:par>
+                              <p:par>
+                                <p:cTn id="121" presetID="1" presetClass="entr" presetSubtype="0" fill="hold" nodeType="withEffect">
+                                  <p:stCondLst>
+                                    <p:cond delay="0"/>
+                                  </p:stCondLst>
+                                  <p:childTnLst>
+                                    <p:set>
+                                      <p:cBhvr>
+                                        <p:cTn id="122" dur="1" fill="hold">
+                                          <p:stCondLst>
+                                            <p:cond delay="0"/>
+                                          </p:stCondLst>
+                                        </p:cTn>
+                                        <p:tgtEl>
+                                          <p:spTgt spid="305"/>
+                                        </p:tgtEl>
+                                        <p:attrNameLst>
+                                          <p:attrName>style.visibility</p:attrName>
+                                        </p:attrNameLst>
+                                      </p:cBhvr>
+                                      <p:to>
+                                        <p:strVal val="visible"/>
+                                      </p:to>
+                                    </p:set>
+                                  </p:childTnLst>
+                                </p:cTn>
+                              </p:par>
+                              <p:par>
+                                <p:cTn id="123" presetID="1" presetClass="entr" presetSubtype="0" fill="hold" grpId="1" nodeType="withEffect">
+                                  <p:stCondLst>
+                                    <p:cond delay="0"/>
+                                  </p:stCondLst>
+                                  <p:childTnLst>
+                                    <p:set>
+                                      <p:cBhvr>
+                                        <p:cTn id="124" dur="1" fill="hold">
+                                          <p:stCondLst>
+                                            <p:cond delay="0"/>
+                                          </p:stCondLst>
+                                        </p:cTn>
+                                        <p:tgtEl>
+                                          <p:spTgt spid="306"/>
+                                        </p:tgtEl>
+                                        <p:attrNameLst>
+                                          <p:attrName>style.visibility</p:attrName>
+                                        </p:attrNameLst>
+                                      </p:cBhvr>
+                                      <p:to>
+                                        <p:strVal val="visible"/>
+                                      </p:to>
+                                    </p:set>
+                                  </p:childTnLst>
+                                </p:cTn>
+                              </p:par>
+                              <p:par>
+                                <p:cTn id="125" presetID="1" presetClass="entr" presetSubtype="0" fill="hold" grpId="0" nodeType="withEffect">
+                                  <p:stCondLst>
+                                    <p:cond delay="0"/>
+                                  </p:stCondLst>
+                                  <p:childTnLst>
+                                    <p:set>
+                                      <p:cBhvr>
+                                        <p:cTn id="126" dur="1" fill="hold">
+                                          <p:stCondLst>
+                                            <p:cond delay="0"/>
+                                          </p:stCondLst>
+                                        </p:cTn>
+                                        <p:tgtEl>
+                                          <p:spTgt spid="307"/>
+                                        </p:tgtEl>
+                                        <p:attrNameLst>
+                                          <p:attrName>style.visibility</p:attrName>
+                                        </p:attrNameLst>
+                                      </p:cBhvr>
+                                      <p:to>
+                                        <p:strVal val="visible"/>
+                                      </p:to>
+                                    </p:set>
+                                  </p:childTnLst>
+                                </p:cTn>
+                              </p:par>
+                              <p:par>
+                                <p:cTn id="127" presetID="1" presetClass="entr" presetSubtype="0" fill="hold" grpId="0" nodeType="withEffect">
+                                  <p:stCondLst>
+                                    <p:cond delay="0"/>
+                                  </p:stCondLst>
+                                  <p:childTnLst>
+                                    <p:set>
+                                      <p:cBhvr>
+                                        <p:cTn id="128" dur="1" fill="hold">
+                                          <p:stCondLst>
+                                            <p:cond delay="0"/>
+                                          </p:stCondLst>
+                                        </p:cTn>
+                                        <p:tgtEl>
+                                          <p:spTgt spid="308"/>
+                                        </p:tgtEl>
+                                        <p:attrNameLst>
+                                          <p:attrName>style.visibility</p:attrName>
+                                        </p:attrNameLst>
+                                      </p:cBhvr>
+                                      <p:to>
+                                        <p:strVal val="visible"/>
+                                      </p:to>
+                                    </p:set>
+                                  </p:childTnLst>
+                                </p:cTn>
+                              </p:par>
+                              <p:par>
+                                <p:cTn id="129" presetID="1" presetClass="entr" presetSubtype="0" fill="hold" grpId="0" nodeType="withEffect">
+                                  <p:stCondLst>
+                                    <p:cond delay="0"/>
+                                  </p:stCondLst>
+                                  <p:childTnLst>
+                                    <p:set>
+                                      <p:cBhvr>
+                                        <p:cTn id="130" dur="1" fill="hold">
+                                          <p:stCondLst>
+                                            <p:cond delay="0"/>
+                                          </p:stCondLst>
+                                        </p:cTn>
+                                        <p:tgtEl>
+                                          <p:spTgt spid="309"/>
+                                        </p:tgtEl>
+                                        <p:attrNameLst>
+                                          <p:attrName>style.visibility</p:attrName>
+                                        </p:attrNameLst>
+                                      </p:cBhvr>
+                                      <p:to>
+                                        <p:strVal val="visible"/>
+                                      </p:to>
+                                    </p:set>
+                                  </p:childTnLst>
+                                </p:cTn>
+                              </p:par>
+                              <p:par>
+                                <p:cTn id="131" presetID="1" presetClass="entr" presetSubtype="0" fill="hold" grpId="0" nodeType="withEffect">
+                                  <p:stCondLst>
+                                    <p:cond delay="0"/>
+                                  </p:stCondLst>
+                                  <p:childTnLst>
+                                    <p:set>
+                                      <p:cBhvr>
+                                        <p:cTn id="132" dur="1" fill="hold">
+                                          <p:stCondLst>
+                                            <p:cond delay="0"/>
+                                          </p:stCondLst>
+                                        </p:cTn>
+                                        <p:tgtEl>
+                                          <p:spTgt spid="310"/>
+                                        </p:tgtEl>
+                                        <p:attrNameLst>
+                                          <p:attrName>style.visibility</p:attrName>
+                                        </p:attrNameLst>
+                                      </p:cBhvr>
+                                      <p:to>
+                                        <p:strVal val="visible"/>
+                                      </p:to>
+                                    </p:set>
+                                  </p:childTnLst>
+                                </p:cTn>
+                              </p:par>
+                              <p:par>
+                                <p:cTn id="133" presetID="1" presetClass="entr" presetSubtype="0" fill="hold" grpId="0" nodeType="withEffect">
+                                  <p:stCondLst>
+                                    <p:cond delay="0"/>
+                                  </p:stCondLst>
+                                  <p:childTnLst>
+                                    <p:set>
+                                      <p:cBhvr>
+                                        <p:cTn id="134" dur="1" fill="hold">
+                                          <p:stCondLst>
+                                            <p:cond delay="0"/>
+                                          </p:stCondLst>
+                                        </p:cTn>
+                                        <p:tgtEl>
+                                          <p:spTgt spid="311"/>
+                                        </p:tgtEl>
+                                        <p:attrNameLst>
+                                          <p:attrName>style.visibility</p:attrName>
+                                        </p:attrNameLst>
+                                      </p:cBhvr>
+                                      <p:to>
+                                        <p:strVal val="visible"/>
+                                      </p:to>
+                                    </p:set>
+                                  </p:childTnLst>
+                                </p:cTn>
+                              </p:par>
+                              <p:par>
+                                <p:cTn id="135" presetID="1" presetClass="entr" presetSubtype="0" fill="hold" grpId="0" nodeType="withEffect">
+                                  <p:stCondLst>
+                                    <p:cond delay="0"/>
+                                  </p:stCondLst>
+                                  <p:childTnLst>
+                                    <p:set>
+                                      <p:cBhvr>
+                                        <p:cTn id="136" dur="1" fill="hold">
+                                          <p:stCondLst>
+                                            <p:cond delay="0"/>
+                                          </p:stCondLst>
+                                        </p:cTn>
+                                        <p:tgtEl>
+                                          <p:spTgt spid="312"/>
+                                        </p:tgtEl>
+                                        <p:attrNameLst>
+                                          <p:attrName>style.visibility</p:attrName>
+                                        </p:attrNameLst>
+                                      </p:cBhvr>
+                                      <p:to>
+                                        <p:strVal val="visible"/>
+                                      </p:to>
+                                    </p:set>
+                                  </p:childTnLst>
+                                </p:cTn>
+                              </p:par>
+                              <p:par>
+                                <p:cTn id="137" presetID="1" presetClass="entr" presetSubtype="0" fill="hold" grpId="0" nodeType="withEffect">
+                                  <p:stCondLst>
+                                    <p:cond delay="0"/>
+                                  </p:stCondLst>
+                                  <p:childTnLst>
+                                    <p:set>
+                                      <p:cBhvr>
+                                        <p:cTn id="138" dur="1" fill="hold">
+                                          <p:stCondLst>
+                                            <p:cond delay="0"/>
+                                          </p:stCondLst>
+                                        </p:cTn>
+                                        <p:tgtEl>
+                                          <p:spTgt spid="314"/>
+                                        </p:tgtEl>
+                                        <p:attrNameLst>
+                                          <p:attrName>style.visibility</p:attrName>
+                                        </p:attrNameLst>
+                                      </p:cBhvr>
+                                      <p:to>
+                                        <p:strVal val="visible"/>
+                                      </p:to>
+                                    </p:set>
+                                  </p:childTnLst>
+                                </p:cTn>
+                              </p:par>
+                              <p:par>
+                                <p:cTn id="139" presetID="1" presetClass="entr" presetSubtype="0" fill="hold" grpId="0" nodeType="withEffect">
+                                  <p:stCondLst>
+                                    <p:cond delay="0"/>
+                                  </p:stCondLst>
+                                  <p:childTnLst>
+                                    <p:set>
+                                      <p:cBhvr>
+                                        <p:cTn id="140" dur="1" fill="hold">
+                                          <p:stCondLst>
+                                            <p:cond delay="0"/>
+                                          </p:stCondLst>
+                                        </p:cTn>
+                                        <p:tgtEl>
+                                          <p:spTgt spid="313"/>
+                                        </p:tgtEl>
+                                        <p:attrNameLst>
+                                          <p:attrName>style.visibility</p:attrName>
+                                        </p:attrNameLst>
+                                      </p:cBhvr>
+                                      <p:to>
+                                        <p:strVal val="visible"/>
+                                      </p:to>
+                                    </p:set>
+                                  </p:childTnLst>
+                                </p:cTn>
+                              </p:par>
+                            </p:childTnLst>
+                          </p:cTn>
+                        </p:par>
+                      </p:childTnLst>
+                    </p:cTn>
+                  </p:par>
+                  <p:par>
+                    <p:cTn id="141" fill="hold">
+                      <p:stCondLst>
+                        <p:cond delay="indefinite"/>
+                      </p:stCondLst>
+                      <p:childTnLst>
+                        <p:par>
+                          <p:cTn id="142" fill="hold">
+                            <p:stCondLst>
+                              <p:cond delay="0"/>
+                            </p:stCondLst>
+                            <p:childTnLst>
+                              <p:par>
+                                <p:cTn id="143" presetID="7" presetClass="emph" presetSubtype="2" fill="hold" nodeType="clickEffect">
+                                  <p:stCondLst>
+                                    <p:cond delay="0"/>
+                                  </p:stCondLst>
+                                  <p:childTnLst>
+                                    <p:animClr clrSpc="rgb" dir="cw">
+                                      <p:cBhvr>
+                                        <p:cTn id="144" dur="500" fill="hold"/>
+                                        <p:tgtEl>
+                                          <p:spTgt spid="293"/>
+                                        </p:tgtEl>
+                                        <p:attrNameLst>
+                                          <p:attrName>stroke.color</p:attrName>
+                                        </p:attrNameLst>
+                                      </p:cBhvr>
+                                      <p:to>
+                                        <a:schemeClr val="tx2"/>
+                                      </p:to>
+                                    </p:animClr>
+                                    <p:set>
+                                      <p:cBhvr>
+                                        <p:cTn id="145" dur="500" fill="hold"/>
+                                        <p:tgtEl>
+                                          <p:spTgt spid="293"/>
+                                        </p:tgtEl>
+                                        <p:attrNameLst>
+                                          <p:attrName>stroke.on</p:attrName>
+                                        </p:attrNameLst>
+                                      </p:cBhvr>
+                                      <p:to>
+                                        <p:strVal val="true"/>
+                                      </p:to>
+                                    </p:set>
+                                  </p:childTnLst>
+                                </p:cTn>
+                              </p:par>
+                            </p:childTnLst>
+                          </p:cTn>
+                        </p:par>
+                      </p:childTnLst>
+                    </p:cTn>
+                  </p:par>
+                  <p:par>
+                    <p:cTn id="146" fill="hold">
+                      <p:stCondLst>
+                        <p:cond delay="indefinite"/>
+                      </p:stCondLst>
+                      <p:childTnLst>
+                        <p:par>
+                          <p:cTn id="147" fill="hold">
+                            <p:stCondLst>
+                              <p:cond delay="0"/>
+                            </p:stCondLst>
+                            <p:childTnLst>
+                              <p:par>
+                                <p:cTn id="148" presetID="7" presetClass="emph" presetSubtype="2" fill="hold" nodeType="clickEffect">
+                                  <p:stCondLst>
+                                    <p:cond delay="0"/>
+                                  </p:stCondLst>
+                                  <p:childTnLst>
+                                    <p:animClr clrSpc="rgb" dir="cw">
+                                      <p:cBhvr>
+                                        <p:cTn id="149" dur="500" fill="hold"/>
+                                        <p:tgtEl>
+                                          <p:spTgt spid="294"/>
+                                        </p:tgtEl>
+                                        <p:attrNameLst>
+                                          <p:attrName>stroke.color</p:attrName>
+                                        </p:attrNameLst>
+                                      </p:cBhvr>
+                                      <p:to>
+                                        <a:schemeClr val="tx2"/>
+                                      </p:to>
+                                    </p:animClr>
+                                    <p:set>
+                                      <p:cBhvr>
+                                        <p:cTn id="150" dur="500" fill="hold"/>
+                                        <p:tgtEl>
+                                          <p:spTgt spid="294"/>
+                                        </p:tgtEl>
+                                        <p:attrNameLst>
+                                          <p:attrName>stroke.on</p:attrName>
+                                        </p:attrNameLst>
+                                      </p:cBhvr>
+                                      <p:to>
+                                        <p:strVal val="true"/>
+                                      </p:to>
+                                    </p:set>
+                                  </p:childTnLst>
+                                </p:cTn>
+                              </p:par>
+                            </p:childTnLst>
+                          </p:cTn>
+                        </p:par>
+                      </p:childTnLst>
+                    </p:cTn>
+                  </p:par>
+                  <p:par>
+                    <p:cTn id="151" fill="hold">
+                      <p:stCondLst>
+                        <p:cond delay="indefinite"/>
+                      </p:stCondLst>
+                      <p:childTnLst>
+                        <p:par>
+                          <p:cTn id="152" fill="hold">
+                            <p:stCondLst>
+                              <p:cond delay="0"/>
+                            </p:stCondLst>
+                            <p:childTnLst>
+                              <p:par>
+                                <p:cTn id="153" presetID="7" presetClass="emph" presetSubtype="2" fill="hold" nodeType="clickEffect">
+                                  <p:stCondLst>
+                                    <p:cond delay="0"/>
+                                  </p:stCondLst>
+                                  <p:childTnLst>
+                                    <p:animClr clrSpc="rgb" dir="cw">
+                                      <p:cBhvr>
+                                        <p:cTn id="154" dur="500" fill="hold"/>
+                                        <p:tgtEl>
+                                          <p:spTgt spid="300"/>
+                                        </p:tgtEl>
+                                        <p:attrNameLst>
+                                          <p:attrName>stroke.color</p:attrName>
+                                        </p:attrNameLst>
+                                      </p:cBhvr>
+                                      <p:to>
+                                        <a:schemeClr val="tx2"/>
+                                      </p:to>
+                                    </p:animClr>
+                                    <p:set>
+                                      <p:cBhvr>
+                                        <p:cTn id="155" dur="500" fill="hold"/>
+                                        <p:tgtEl>
+                                          <p:spTgt spid="300"/>
+                                        </p:tgtEl>
+                                        <p:attrNameLst>
+                                          <p:attrName>stroke.on</p:attrName>
+                                        </p:attrNameLst>
+                                      </p:cBhvr>
+                                      <p:to>
+                                        <p:strVal val="true"/>
+                                      </p:to>
+                                    </p:set>
+                                  </p:childTnLst>
+                                </p:cTn>
+                              </p:par>
+                            </p:childTnLst>
+                          </p:cTn>
+                        </p:par>
+                      </p:childTnLst>
+                    </p:cTn>
+                  </p:par>
+                  <p:par>
+                    <p:cTn id="156" fill="hold">
+                      <p:stCondLst>
+                        <p:cond delay="indefinite"/>
+                      </p:stCondLst>
+                      <p:childTnLst>
+                        <p:par>
+                          <p:cTn id="157" fill="hold">
+                            <p:stCondLst>
+                              <p:cond delay="0"/>
+                            </p:stCondLst>
+                            <p:childTnLst>
+                              <p:par>
+                                <p:cTn id="158" presetID="7" presetClass="emph" presetSubtype="2" fill="hold" nodeType="clickEffect">
+                                  <p:stCondLst>
+                                    <p:cond delay="0"/>
+                                  </p:stCondLst>
+                                  <p:childTnLst>
+                                    <p:animClr clrSpc="rgb" dir="cw">
+                                      <p:cBhvr>
+                                        <p:cTn id="159" dur="500" fill="hold"/>
+                                        <p:tgtEl>
+                                          <p:spTgt spid="291"/>
+                                        </p:tgtEl>
+                                        <p:attrNameLst>
+                                          <p:attrName>stroke.color</p:attrName>
+                                        </p:attrNameLst>
+                                      </p:cBhvr>
+                                      <p:to>
+                                        <a:schemeClr val="tx2"/>
+                                      </p:to>
+                                    </p:animClr>
+                                    <p:set>
+                                      <p:cBhvr>
+                                        <p:cTn id="160" dur="500" fill="hold"/>
+                                        <p:tgtEl>
+                                          <p:spTgt spid="291"/>
+                                        </p:tgtEl>
+                                        <p:attrNameLst>
+                                          <p:attrName>stroke.on</p:attrName>
+                                        </p:attrNameLst>
+                                      </p:cBhvr>
+                                      <p:to>
+                                        <p:strVal val="true"/>
+                                      </p:to>
+                                    </p:set>
+                                  </p:childTnLst>
+                                </p:cTn>
+                              </p:par>
+                            </p:childTnLst>
+                          </p:cTn>
+                        </p:par>
+                      </p:childTnLst>
+                    </p:cTn>
+                  </p:par>
+                  <p:par>
+                    <p:cTn id="161" fill="hold">
+                      <p:stCondLst>
+                        <p:cond delay="indefinite"/>
+                      </p:stCondLst>
+                      <p:childTnLst>
+                        <p:par>
+                          <p:cTn id="162" fill="hold">
+                            <p:stCondLst>
+                              <p:cond delay="0"/>
+                            </p:stCondLst>
+                            <p:childTnLst>
+                              <p:par>
+                                <p:cTn id="163" presetID="7" presetClass="emph" presetSubtype="2" fill="hold" nodeType="clickEffect">
+                                  <p:stCondLst>
+                                    <p:cond delay="0"/>
+                                  </p:stCondLst>
+                                  <p:childTnLst>
+                                    <p:animClr clrSpc="rgb" dir="cw">
+                                      <p:cBhvr>
+                                        <p:cTn id="164" dur="500" fill="hold"/>
+                                        <p:tgtEl>
+                                          <p:spTgt spid="301"/>
+                                        </p:tgtEl>
+                                        <p:attrNameLst>
+                                          <p:attrName>stroke.color</p:attrName>
+                                        </p:attrNameLst>
+                                      </p:cBhvr>
+                                      <p:to>
+                                        <a:schemeClr val="tx2"/>
+                                      </p:to>
+                                    </p:animClr>
+                                    <p:set>
+                                      <p:cBhvr>
+                                        <p:cTn id="165" dur="500" fill="hold"/>
+                                        <p:tgtEl>
+                                          <p:spTgt spid="301"/>
+                                        </p:tgtEl>
+                                        <p:attrNameLst>
+                                          <p:attrName>stroke.on</p:attrName>
+                                        </p:attrNameLst>
+                                      </p:cBhvr>
+                                      <p:to>
+                                        <p:strVal val="true"/>
+                                      </p:to>
+                                    </p:set>
+                                  </p:childTnLst>
+                                </p:cTn>
+                              </p:par>
+                            </p:childTnLst>
+                          </p:cTn>
+                        </p:par>
+                      </p:childTnLst>
+                    </p:cTn>
+                  </p:par>
+                  <p:par>
+                    <p:cTn id="166" fill="hold">
+                      <p:stCondLst>
+                        <p:cond delay="indefinite"/>
+                      </p:stCondLst>
+                      <p:childTnLst>
+                        <p:par>
+                          <p:cTn id="167" fill="hold">
+                            <p:stCondLst>
+                              <p:cond delay="0"/>
+                            </p:stCondLst>
+                            <p:childTnLst>
+                              <p:par>
+                                <p:cTn id="168" presetID="7" presetClass="emph" presetSubtype="2" fill="hold" nodeType="clickEffect">
+                                  <p:stCondLst>
+                                    <p:cond delay="0"/>
+                                  </p:stCondLst>
+                                  <p:childTnLst>
+                                    <p:animClr clrSpc="rgb" dir="cw">
+                                      <p:cBhvr>
+                                        <p:cTn id="169" dur="500" fill="hold"/>
+                                        <p:tgtEl>
+                                          <p:spTgt spid="302"/>
+                                        </p:tgtEl>
+                                        <p:attrNameLst>
+                                          <p:attrName>stroke.color</p:attrName>
+                                        </p:attrNameLst>
+                                      </p:cBhvr>
+                                      <p:to>
+                                        <a:schemeClr val="tx2"/>
+                                      </p:to>
+                                    </p:animClr>
+                                    <p:set>
+                                      <p:cBhvr>
+                                        <p:cTn id="170" dur="500" fill="hold"/>
+                                        <p:tgtEl>
+                                          <p:spTgt spid="302"/>
+                                        </p:tgtEl>
+                                        <p:attrNameLst>
+                                          <p:attrName>stroke.on</p:attrName>
+                                        </p:attrNameLst>
+                                      </p:cBhvr>
+                                      <p:to>
+                                        <p:strVal val="true"/>
+                                      </p:to>
+                                    </p:set>
+                                  </p:childTnLst>
+                                </p:cTn>
+                              </p:par>
+                            </p:childTnLst>
+                          </p:cTn>
+                        </p:par>
+                      </p:childTnLst>
+                    </p:cTn>
+                  </p:par>
+                  <p:par>
+                    <p:cTn id="171" fill="hold">
+                      <p:stCondLst>
+                        <p:cond delay="indefinite"/>
+                      </p:stCondLst>
+                      <p:childTnLst>
+                        <p:par>
+                          <p:cTn id="172" fill="hold">
+                            <p:stCondLst>
+                              <p:cond delay="0"/>
+                            </p:stCondLst>
+                            <p:childTnLst>
+                              <p:par>
+                                <p:cTn id="173" presetID="7" presetClass="emph" presetSubtype="2" fill="hold" nodeType="clickEffect">
+                                  <p:stCondLst>
+                                    <p:cond delay="0"/>
+                                  </p:stCondLst>
+                                  <p:childTnLst>
+                                    <p:animClr clrSpc="rgb" dir="cw">
+                                      <p:cBhvr>
+                                        <p:cTn id="174" dur="500" fill="hold"/>
+                                        <p:tgtEl>
+                                          <p:spTgt spid="303"/>
+                                        </p:tgtEl>
+                                        <p:attrNameLst>
+                                          <p:attrName>stroke.color</p:attrName>
+                                        </p:attrNameLst>
+                                      </p:cBhvr>
+                                      <p:to>
+                                        <a:schemeClr val="tx2"/>
+                                      </p:to>
+                                    </p:animClr>
+                                    <p:set>
+                                      <p:cBhvr>
+                                        <p:cTn id="175" dur="500" fill="hold"/>
+                                        <p:tgtEl>
+                                          <p:spTgt spid="303"/>
+                                        </p:tgtEl>
+                                        <p:attrNameLst>
+                                          <p:attrName>stroke.on</p:attrName>
+                                        </p:attrNameLst>
+                                      </p:cBhvr>
+                                      <p:to>
+                                        <p:strVal val="true"/>
+                                      </p:to>
+                                    </p:set>
+                                  </p:childTnLst>
+                                </p:cTn>
+                              </p:par>
+                            </p:childTnLst>
+                          </p:cTn>
+                        </p:par>
+                      </p:childTnLst>
+                    </p:cTn>
+                  </p:par>
+                  <p:par>
+                    <p:cTn id="176" fill="hold">
+                      <p:stCondLst>
+                        <p:cond delay="indefinite"/>
+                      </p:stCondLst>
+                      <p:childTnLst>
+                        <p:par>
+                          <p:cTn id="177" fill="hold">
+                            <p:stCondLst>
+                              <p:cond delay="0"/>
+                            </p:stCondLst>
+                            <p:childTnLst>
+                              <p:par>
+                                <p:cTn id="178" presetID="7" presetClass="emph" presetSubtype="2" fill="hold" nodeType="clickEffect">
+                                  <p:stCondLst>
+                                    <p:cond delay="0"/>
+                                  </p:stCondLst>
+                                  <p:childTnLst>
+                                    <p:animClr clrSpc="rgb" dir="cw">
+                                      <p:cBhvr>
+                                        <p:cTn id="179" dur="500" fill="hold"/>
+                                        <p:tgtEl>
+                                          <p:spTgt spid="304"/>
+                                        </p:tgtEl>
+                                        <p:attrNameLst>
+                                          <p:attrName>stroke.color</p:attrName>
+                                        </p:attrNameLst>
+                                      </p:cBhvr>
+                                      <p:to>
+                                        <a:schemeClr val="tx2"/>
+                                      </p:to>
+                                    </p:animClr>
+                                    <p:set>
+                                      <p:cBhvr>
+                                        <p:cTn id="180" dur="500" fill="hold"/>
+                                        <p:tgtEl>
+                                          <p:spTgt spid="304"/>
+                                        </p:tgtEl>
+                                        <p:attrNameLst>
+                                          <p:attrName>stroke.on</p:attrName>
+                                        </p:attrNameLst>
+                                      </p:cBhvr>
+                                      <p:to>
+                                        <p:strVal val="true"/>
+                                      </p:to>
+                                    </p:set>
+                                  </p:childTnLst>
+                                </p:cTn>
+                              </p:par>
+                            </p:childTnLst>
+                          </p:cTn>
+                        </p:par>
+                      </p:childTnLst>
+                    </p:cTn>
+                  </p:par>
+                  <p:par>
+                    <p:cTn id="181" fill="hold">
+                      <p:stCondLst>
+                        <p:cond delay="indefinite"/>
+                      </p:stCondLst>
+                      <p:childTnLst>
+                        <p:par>
+                          <p:cTn id="182" fill="hold">
+                            <p:stCondLst>
+                              <p:cond delay="0"/>
+                            </p:stCondLst>
+                            <p:childTnLst>
+                              <p:par>
+                                <p:cTn id="183" presetID="1" presetClass="entr" presetSubtype="0" fill="hold" grpId="0" nodeType="clickEffect">
+                                  <p:stCondLst>
+                                    <p:cond delay="0"/>
+                                  </p:stCondLst>
+                                  <p:childTnLst>
+                                    <p:set>
+                                      <p:cBhvr>
+                                        <p:cTn id="184" dur="1" fill="hold">
+                                          <p:stCondLst>
+                                            <p:cond delay="0"/>
+                                          </p:stCondLst>
+                                        </p:cTn>
+                                        <p:tgtEl>
+                                          <p:spTgt spid="319"/>
+                                        </p:tgtEl>
+                                        <p:attrNameLst>
+                                          <p:attrName>style.visibility</p:attrName>
+                                        </p:attrNameLst>
+                                      </p:cBhvr>
+                                      <p:to>
+                                        <p:strVal val="visible"/>
+                                      </p:to>
+                                    </p:set>
+                                  </p:childTnLst>
+                                </p:cTn>
+                              </p:par>
+                              <p:par>
+                                <p:cTn id="185" presetID="1" presetClass="exit" presetSubtype="0" fill="hold" grpId="2" nodeType="withEffect">
+                                  <p:stCondLst>
+                                    <p:cond delay="0"/>
+                                  </p:stCondLst>
+                                  <p:childTnLst>
+                                    <p:set>
+                                      <p:cBhvr>
+                                        <p:cTn id="186" dur="1" fill="hold">
+                                          <p:stCondLst>
+                                            <p:cond delay="0"/>
+                                          </p:stCondLst>
+                                        </p:cTn>
+                                        <p:tgtEl>
+                                          <p:spTgt spid="306"/>
+                                        </p:tgtEl>
+                                        <p:attrNameLst>
+                                          <p:attrName>style.visibility</p:attrName>
+                                        </p:attrNameLst>
+                                      </p:cBhvr>
+                                      <p:to>
+                                        <p:strVal val="hidden"/>
+                                      </p:to>
+                                    </p:set>
+                                  </p:childTnLst>
+                                </p:cTn>
+                              </p:par>
+                              <p:par>
+                                <p:cTn id="187" presetID="1" presetClass="entr" presetSubtype="0" fill="hold" grpId="2" nodeType="withEffect">
+                                  <p:stCondLst>
+                                    <p:cond delay="0"/>
+                                  </p:stCondLst>
+                                  <p:childTnLst>
+                                    <p:set>
+                                      <p:cBhvr>
+                                        <p:cTn id="188" dur="1" fill="hold">
+                                          <p:stCondLst>
+                                            <p:cond delay="0"/>
+                                          </p:stCondLst>
+                                        </p:cTn>
+                                        <p:tgtEl>
+                                          <p:spTgt spid="323"/>
+                                        </p:tgtEl>
+                                        <p:attrNameLst>
+                                          <p:attrName>style.visibility</p:attrName>
+                                        </p:attrNameLst>
+                                      </p:cBhvr>
+                                      <p:to>
+                                        <p:strVal val="visible"/>
+                                      </p:to>
+                                    </p:set>
+                                  </p:childTnLst>
+                                </p:cTn>
+                              </p:par>
+                            </p:childTnLst>
+                          </p:cTn>
+                        </p:par>
+                      </p:childTnLst>
+                    </p:cTn>
+                  </p:par>
+                  <p:par>
+                    <p:cTn id="189" fill="hold">
+                      <p:stCondLst>
+                        <p:cond delay="indefinite"/>
+                      </p:stCondLst>
+                      <p:childTnLst>
+                        <p:par>
+                          <p:cTn id="190" fill="hold">
+                            <p:stCondLst>
+                              <p:cond delay="0"/>
+                            </p:stCondLst>
+                            <p:childTnLst>
+                              <p:par>
+                                <p:cTn id="191" presetID="1" presetClass="entr" presetSubtype="0" fill="hold" grpId="0" nodeType="clickEffect">
+                                  <p:stCondLst>
+                                    <p:cond delay="0"/>
+                                  </p:stCondLst>
+                                  <p:childTnLst>
+                                    <p:set>
+                                      <p:cBhvr>
+                                        <p:cTn id="192" dur="1" fill="hold">
+                                          <p:stCondLst>
+                                            <p:cond delay="0"/>
+                                          </p:stCondLst>
+                                        </p:cTn>
+                                        <p:tgtEl>
+                                          <p:spTgt spid="320"/>
+                                        </p:tgtEl>
+                                        <p:attrNameLst>
+                                          <p:attrName>style.visibility</p:attrName>
+                                        </p:attrNameLst>
+                                      </p:cBhvr>
+                                      <p:to>
+                                        <p:strVal val="visible"/>
+                                      </p:to>
+                                    </p:set>
+                                  </p:childTnLst>
+                                </p:cTn>
+                              </p:par>
+                              <p:par>
+                                <p:cTn id="193" presetID="1" presetClass="exit" presetSubtype="0" fill="hold" grpId="1" nodeType="withEffect">
+                                  <p:stCondLst>
+                                    <p:cond delay="0"/>
+                                  </p:stCondLst>
+                                  <p:childTnLst>
+                                    <p:set>
+                                      <p:cBhvr>
+                                        <p:cTn id="194" dur="1" fill="hold">
+                                          <p:stCondLst>
+                                            <p:cond delay="0"/>
+                                          </p:stCondLst>
+                                        </p:cTn>
+                                        <p:tgtEl>
+                                          <p:spTgt spid="307"/>
+                                        </p:tgtEl>
+                                        <p:attrNameLst>
+                                          <p:attrName>style.visibility</p:attrName>
+                                        </p:attrNameLst>
+                                      </p:cBhvr>
+                                      <p:to>
+                                        <p:strVal val="hidden"/>
+                                      </p:to>
+                                    </p:set>
+                                  </p:childTnLst>
+                                </p:cTn>
+                              </p:par>
+                              <p:par>
+                                <p:cTn id="195" presetID="1" presetClass="entr" presetSubtype="0" fill="hold" grpId="2" nodeType="withEffect">
+                                  <p:stCondLst>
+                                    <p:cond delay="0"/>
+                                  </p:stCondLst>
+                                  <p:childTnLst>
+                                    <p:set>
+                                      <p:cBhvr>
+                                        <p:cTn id="196" dur="1" fill="hold">
+                                          <p:stCondLst>
+                                            <p:cond delay="0"/>
+                                          </p:stCondLst>
+                                        </p:cTn>
+                                        <p:tgtEl>
+                                          <p:spTgt spid="324"/>
+                                        </p:tgtEl>
+                                        <p:attrNameLst>
+                                          <p:attrName>style.visibility</p:attrName>
+                                        </p:attrNameLst>
+                                      </p:cBhvr>
+                                      <p:to>
+                                        <p:strVal val="visible"/>
+                                      </p:to>
+                                    </p:set>
+                                  </p:childTnLst>
+                                </p:cTn>
+                              </p:par>
+                            </p:childTnLst>
+                          </p:cTn>
+                        </p:par>
+                      </p:childTnLst>
+                    </p:cTn>
+                  </p:par>
+                  <p:par>
+                    <p:cTn id="197" fill="hold">
+                      <p:stCondLst>
+                        <p:cond delay="indefinite"/>
+                      </p:stCondLst>
+                      <p:childTnLst>
+                        <p:par>
+                          <p:cTn id="198" fill="hold">
+                            <p:stCondLst>
+                              <p:cond delay="0"/>
+                            </p:stCondLst>
+                            <p:childTnLst>
+                              <p:par>
+                                <p:cTn id="199" presetID="1" presetClass="entr" presetSubtype="0" fill="hold" grpId="0" nodeType="clickEffect">
+                                  <p:stCondLst>
+                                    <p:cond delay="0"/>
+                                  </p:stCondLst>
+                                  <p:childTnLst>
+                                    <p:set>
+                                      <p:cBhvr>
+                                        <p:cTn id="200" dur="1" fill="hold">
+                                          <p:stCondLst>
+                                            <p:cond delay="0"/>
+                                          </p:stCondLst>
+                                        </p:cTn>
+                                        <p:tgtEl>
+                                          <p:spTgt spid="321"/>
+                                        </p:tgtEl>
+                                        <p:attrNameLst>
+                                          <p:attrName>style.visibility</p:attrName>
+                                        </p:attrNameLst>
+                                      </p:cBhvr>
+                                      <p:to>
+                                        <p:strVal val="visible"/>
+                                      </p:to>
+                                    </p:set>
+                                  </p:childTnLst>
+                                </p:cTn>
+                              </p:par>
+                              <p:par>
+                                <p:cTn id="201" presetID="1" presetClass="exit" presetSubtype="0" fill="hold" grpId="1" nodeType="withEffect">
+                                  <p:stCondLst>
+                                    <p:cond delay="0"/>
+                                  </p:stCondLst>
+                                  <p:childTnLst>
+                                    <p:set>
+                                      <p:cBhvr>
+                                        <p:cTn id="202" dur="1" fill="hold">
+                                          <p:stCondLst>
+                                            <p:cond delay="0"/>
+                                          </p:stCondLst>
+                                        </p:cTn>
+                                        <p:tgtEl>
+                                          <p:spTgt spid="309"/>
+                                        </p:tgtEl>
+                                        <p:attrNameLst>
+                                          <p:attrName>style.visibility</p:attrName>
+                                        </p:attrNameLst>
+                                      </p:cBhvr>
+                                      <p:to>
+                                        <p:strVal val="hidden"/>
+                                      </p:to>
+                                    </p:set>
+                                  </p:childTnLst>
+                                </p:cTn>
+                              </p:par>
+                              <p:par>
+                                <p:cTn id="203" presetID="1" presetClass="entr" presetSubtype="0" fill="hold" grpId="2" nodeType="withEffect">
+                                  <p:stCondLst>
+                                    <p:cond delay="0"/>
+                                  </p:stCondLst>
+                                  <p:childTnLst>
+                                    <p:set>
+                                      <p:cBhvr>
+                                        <p:cTn id="204" dur="1" fill="hold">
+                                          <p:stCondLst>
+                                            <p:cond delay="0"/>
+                                          </p:stCondLst>
+                                        </p:cTn>
+                                        <p:tgtEl>
+                                          <p:spTgt spid="325"/>
+                                        </p:tgtEl>
+                                        <p:attrNameLst>
+                                          <p:attrName>style.visibility</p:attrName>
+                                        </p:attrNameLst>
+                                      </p:cBhvr>
+                                      <p:to>
+                                        <p:strVal val="visible"/>
+                                      </p:to>
+                                    </p:set>
+                                  </p:childTnLst>
+                                </p:cTn>
+                              </p:par>
+                            </p:childTnLst>
+                          </p:cTn>
+                        </p:par>
+                      </p:childTnLst>
+                    </p:cTn>
+                  </p:par>
+                  <p:par>
+                    <p:cTn id="205" fill="hold">
+                      <p:stCondLst>
+                        <p:cond delay="indefinite"/>
+                      </p:stCondLst>
+                      <p:childTnLst>
+                        <p:par>
+                          <p:cTn id="206" fill="hold">
+                            <p:stCondLst>
+                              <p:cond delay="0"/>
+                            </p:stCondLst>
+                            <p:childTnLst>
+                              <p:par>
+                                <p:cTn id="207" presetID="1" presetClass="entr" presetSubtype="0" fill="hold" grpId="0" nodeType="clickEffect">
+                                  <p:stCondLst>
+                                    <p:cond delay="0"/>
+                                  </p:stCondLst>
+                                  <p:childTnLst>
+                                    <p:set>
+                                      <p:cBhvr>
+                                        <p:cTn id="208" dur="1" fill="hold">
+                                          <p:stCondLst>
+                                            <p:cond delay="0"/>
+                                          </p:stCondLst>
+                                        </p:cTn>
+                                        <p:tgtEl>
+                                          <p:spTgt spid="322"/>
+                                        </p:tgtEl>
+                                        <p:attrNameLst>
+                                          <p:attrName>style.visibility</p:attrName>
+                                        </p:attrNameLst>
+                                      </p:cBhvr>
+                                      <p:to>
+                                        <p:strVal val="visible"/>
+                                      </p:to>
+                                    </p:set>
+                                  </p:childTnLst>
+                                </p:cTn>
+                              </p:par>
+                              <p:par>
+                                <p:cTn id="209" presetID="1" presetClass="exit" presetSubtype="0" fill="hold" grpId="1" nodeType="withEffect">
+                                  <p:stCondLst>
+                                    <p:cond delay="0"/>
+                                  </p:stCondLst>
+                                  <p:childTnLst>
+                                    <p:set>
+                                      <p:cBhvr>
+                                        <p:cTn id="210" dur="1" fill="hold">
+                                          <p:stCondLst>
+                                            <p:cond delay="0"/>
+                                          </p:stCondLst>
+                                        </p:cTn>
+                                        <p:tgtEl>
+                                          <p:spTgt spid="312"/>
+                                        </p:tgtEl>
+                                        <p:attrNameLst>
+                                          <p:attrName>style.visibility</p:attrName>
+                                        </p:attrNameLst>
+                                      </p:cBhvr>
+                                      <p:to>
+                                        <p:strVal val="hidden"/>
+                                      </p:to>
+                                    </p:set>
+                                  </p:childTnLst>
+                                </p:cTn>
+                              </p:par>
+                              <p:par>
+                                <p:cTn id="211" presetID="1" presetClass="entr" presetSubtype="0" fill="hold" grpId="2" nodeType="withEffect">
+                                  <p:stCondLst>
+                                    <p:cond delay="0"/>
+                                  </p:stCondLst>
+                                  <p:childTnLst>
+                                    <p:set>
+                                      <p:cBhvr>
+                                        <p:cTn id="212" dur="1" fill="hold">
+                                          <p:stCondLst>
+                                            <p:cond delay="0"/>
+                                          </p:stCondLst>
+                                        </p:cTn>
+                                        <p:tgtEl>
+                                          <p:spTgt spid="326"/>
+                                        </p:tgtEl>
+                                        <p:attrNameLst>
+                                          <p:attrName>style.visibility</p:attrName>
+                                        </p:attrNameLst>
+                                      </p:cBhvr>
+                                      <p:to>
+                                        <p:strVal val="visible"/>
+                                      </p:to>
+                                    </p:set>
+                                  </p:childTnLst>
+                                </p:cTn>
+                              </p:par>
+                            </p:childTnLst>
+                          </p:cTn>
+                        </p:par>
+                      </p:childTnLst>
+                    </p:cTn>
+                  </p:par>
+                </p:childTnLst>
+              </p:cTn>
+              <p:prevCondLst>
+                <p:cond evt="onPrev" delay="0">
+                  <p:tgtEl>
+                    <p:sldTgt/>
+                  </p:tgtEl>
+                </p:cond>
+              </p:prevCondLst>
+              <p:nextCondLst>
+                <p:cond evt="onNext" delay="0">
+                  <p:tgtEl>
+                    <p:sldTgt/>
+                  </p:tgtEl>
+                </p:cond>
+              </p:nextCondLst>
+            </p:seq>
+          </p:childTnLst>
+        </p:cTn>
       </p:par>
     </p:tnLst>
+    <p:bldLst>
+      <p:bldP spid="319" grpId="0" animBg="1"/>
+      <p:bldP spid="320" grpId="0" animBg="1"/>
+      <p:bldP spid="321" grpId="0" animBg="1"/>
+      <p:bldP spid="322" grpId="0" animBg="1"/>
+      <p:bldP spid="169" grpId="0" animBg="1"/>
+      <p:bldP spid="220" grpId="0" animBg="1"/>
+      <p:bldP spid="221" grpId="0" animBg="1"/>
+      <p:bldP spid="236" grpId="0" animBg="1"/>
+      <p:bldP spid="265" grpId="0"/>
+      <p:bldP spid="267" grpId="0"/>
+      <p:bldP spid="269" grpId="0"/>
+      <p:bldP spid="270" grpId="0"/>
+      <p:bldP spid="275" grpId="0"/>
+      <p:bldP spid="276" grpId="1"/>
+      <p:bldP spid="277" grpId="1"/>
+      <p:bldP spid="278" grpId="1"/>
+      <p:bldP spid="283" grpId="0" animBg="1"/>
+      <p:bldP spid="284" grpId="0" animBg="1"/>
+      <p:bldP spid="285" grpId="0" animBg="1"/>
+      <p:bldP spid="286" grpId="0" animBg="1"/>
+      <p:bldP spid="287" grpId="0" animBg="1"/>
+      <p:bldP spid="288" grpId="0" animBg="1"/>
+      <p:bldP spid="289" grpId="0" animBg="1"/>
+      <p:bldP spid="296" grpId="0" animBg="1"/>
+      <p:bldP spid="297" grpId="0" animBg="1"/>
+      <p:bldP spid="306" grpId="1"/>
+      <p:bldP spid="306" grpId="2"/>
+      <p:bldP spid="307" grpId="0"/>
+      <p:bldP spid="307" grpId="1"/>
+      <p:bldP spid="308" grpId="0"/>
+      <p:bldP spid="309" grpId="0"/>
+      <p:bldP spid="309" grpId="1"/>
+      <p:bldP spid="310" grpId="0"/>
+      <p:bldP spid="311" grpId="0"/>
+      <p:bldP spid="312" grpId="0"/>
+      <p:bldP spid="312" grpId="1"/>
+      <p:bldP spid="313" grpId="0"/>
+      <p:bldP spid="314" grpId="0"/>
+      <p:bldP spid="323" grpId="2"/>
+      <p:bldP spid="324" grpId="2"/>
+      <p:bldP spid="325" grpId="2"/>
+      <p:bldP spid="326" grpId="2"/>
+    </p:bldLst>
   </p:timing>
 </p:sld>
 </file>
